--- a/documents/projectmanagement/Praesentationen/Vorstellung_Zwischenpräsentation_Final.pptx
+++ b/documents/projectmanagement/Praesentationen/Vorstellung_Zwischenpräsentation_Final.pptx
@@ -5,7 +5,7 @@
     <p:sldMasterId id="2147483648" r:id="rId1"/>
   </p:sldMasterIdLst>
   <p:notesMasterIdLst>
-    <p:notesMasterId r:id="rId29"/>
+    <p:notesMasterId r:id="rId30"/>
   </p:notesMasterIdLst>
   <p:sldIdLst>
     <p:sldId id="274" r:id="rId2"/>
@@ -16,25 +16,26 @@
     <p:sldId id="260" r:id="rId7"/>
     <p:sldId id="261" r:id="rId8"/>
     <p:sldId id="275" r:id="rId9"/>
-    <p:sldId id="276" r:id="rId10"/>
-    <p:sldId id="277" r:id="rId11"/>
-    <p:sldId id="278" r:id="rId12"/>
-    <p:sldId id="262" r:id="rId13"/>
-    <p:sldId id="263" r:id="rId14"/>
-    <p:sldId id="279" r:id="rId15"/>
-    <p:sldId id="280" r:id="rId16"/>
-    <p:sldId id="281" r:id="rId17"/>
-    <p:sldId id="282" r:id="rId18"/>
-    <p:sldId id="264" r:id="rId19"/>
-    <p:sldId id="265" r:id="rId20"/>
-    <p:sldId id="273" r:id="rId21"/>
-    <p:sldId id="266" r:id="rId22"/>
-    <p:sldId id="267" r:id="rId23"/>
-    <p:sldId id="268" r:id="rId24"/>
-    <p:sldId id="269" r:id="rId25"/>
-    <p:sldId id="270" r:id="rId26"/>
-    <p:sldId id="271" r:id="rId27"/>
-    <p:sldId id="272" r:id="rId28"/>
+    <p:sldId id="283" r:id="rId10"/>
+    <p:sldId id="276" r:id="rId11"/>
+    <p:sldId id="277" r:id="rId12"/>
+    <p:sldId id="278" r:id="rId13"/>
+    <p:sldId id="262" r:id="rId14"/>
+    <p:sldId id="263" r:id="rId15"/>
+    <p:sldId id="279" r:id="rId16"/>
+    <p:sldId id="280" r:id="rId17"/>
+    <p:sldId id="281" r:id="rId18"/>
+    <p:sldId id="282" r:id="rId19"/>
+    <p:sldId id="264" r:id="rId20"/>
+    <p:sldId id="265" r:id="rId21"/>
+    <p:sldId id="273" r:id="rId22"/>
+    <p:sldId id="266" r:id="rId23"/>
+    <p:sldId id="267" r:id="rId24"/>
+    <p:sldId id="268" r:id="rId25"/>
+    <p:sldId id="269" r:id="rId26"/>
+    <p:sldId id="270" r:id="rId27"/>
+    <p:sldId id="271" r:id="rId28"/>
+    <p:sldId id="272" r:id="rId29"/>
   </p:sldIdLst>
   <p:sldSz cx="12192000" cy="6858000"/>
   <p:notesSz cx="6858000" cy="9144000"/>
@@ -142,7 +143,7 @@
 </file>
 
 <file path=ppt/charts/chart1.xml><?xml version="1.0" encoding="utf-8"?>
-<c:chartSpace xmlns:c="http://schemas.openxmlformats.org/drawingml/2006/chart" xmlns:a="http://schemas.openxmlformats.org/drawingml/2006/main" xmlns:r="http://schemas.openxmlformats.org/officeDocument/2006/relationships" xmlns:c16r2="http://schemas.microsoft.com/office/drawing/2015/06/chart">
+<c:chartSpace xmlns:c="http://schemas.openxmlformats.org/drawingml/2006/chart" xmlns:a="http://schemas.openxmlformats.org/drawingml/2006/main" xmlns:r="http://schemas.openxmlformats.org/officeDocument/2006/relationships">
   <c:date1904 val="0"/>
   <c:lang val="de-DE"/>
   <c:roundedCorners val="0"/>
@@ -195,7 +196,7 @@
                 </a:solidFill>
               </a:ln>
             </c:spPr>
-            <c:extLst>
+            <c:extLst xmlns:c16r2="http://schemas.microsoft.com/office/drawing/2015/06/chart">
               <c:ext xmlns:c16="http://schemas.microsoft.com/office/drawing/2014/chart" uri="{C3380CC4-5D6E-409C-BE32-E72D297353CC}">
                 <c16:uniqueId val="{00000001-7762-4204-8453-A391D8A5C4A8}"/>
               </c:ext>
@@ -214,7 +215,7 @@
                 </a:solidFill>
               </a:ln>
             </c:spPr>
-            <c:extLst>
+            <c:extLst xmlns:c16r2="http://schemas.microsoft.com/office/drawing/2015/06/chart">
               <c:ext xmlns:c16="http://schemas.microsoft.com/office/drawing/2014/chart" uri="{C3380CC4-5D6E-409C-BE32-E72D297353CC}">
                 <c16:uniqueId val="{00000003-7762-4204-8453-A391D8A5C4A8}"/>
               </c:ext>
@@ -233,7 +234,7 @@
                 </a:solidFill>
               </a:ln>
             </c:spPr>
-            <c:extLst>
+            <c:extLst xmlns:c16r2="http://schemas.microsoft.com/office/drawing/2015/06/chart">
               <c:ext xmlns:c16="http://schemas.microsoft.com/office/drawing/2014/chart" uri="{C3380CC4-5D6E-409C-BE32-E72D297353CC}">
                 <c16:uniqueId val="{00000005-7762-4204-8453-A391D8A5C4A8}"/>
               </c:ext>
@@ -252,7 +253,7 @@
                 </a:solidFill>
               </a:ln>
             </c:spPr>
-            <c:extLst>
+            <c:extLst xmlns:c16r2="http://schemas.microsoft.com/office/drawing/2015/06/chart">
               <c:ext xmlns:c16="http://schemas.microsoft.com/office/drawing/2014/chart" uri="{C3380CC4-5D6E-409C-BE32-E72D297353CC}">
                 <c16:uniqueId val="{00000007-7762-4204-8453-A391D8A5C4A8}"/>
               </c:ext>
@@ -271,7 +272,7 @@
                 </a:solidFill>
               </a:ln>
             </c:spPr>
-            <c:extLst>
+            <c:extLst xmlns:c16r2="http://schemas.microsoft.com/office/drawing/2015/06/chart">
               <c:ext xmlns:c16="http://schemas.microsoft.com/office/drawing/2014/chart" uri="{C3380CC4-5D6E-409C-BE32-E72D297353CC}">
                 <c16:uniqueId val="{00000009-7762-4204-8453-A391D8A5C4A8}"/>
               </c:ext>
@@ -291,7 +292,7 @@
                 </a:solidFill>
               </a:ln>
             </c:spPr>
-            <c:extLst>
+            <c:extLst xmlns:c16r2="http://schemas.microsoft.com/office/drawing/2015/06/chart">
               <c:ext xmlns:c16="http://schemas.microsoft.com/office/drawing/2014/chart" uri="{C3380CC4-5D6E-409C-BE32-E72D297353CC}">
                 <c16:uniqueId val="{0000000B-7762-4204-8453-A391D8A5C4A8}"/>
               </c:ext>
@@ -313,7 +314,7 @@
                 </a:solidFill>
               </a:ln>
             </c:spPr>
-            <c:extLst>
+            <c:extLst xmlns:c16r2="http://schemas.microsoft.com/office/drawing/2015/06/chart">
               <c:ext xmlns:c16="http://schemas.microsoft.com/office/drawing/2014/chart" uri="{C3380CC4-5D6E-409C-BE32-E72D297353CC}">
                 <c16:uniqueId val="{0000000D-7762-4204-8453-A391D8A5C4A8}"/>
               </c:ext>
@@ -332,7 +333,7 @@
                 </a:solidFill>
               </a:ln>
             </c:spPr>
-            <c:extLst>
+            <c:extLst xmlns:c16r2="http://schemas.microsoft.com/office/drawing/2015/06/chart">
               <c:ext xmlns:c16="http://schemas.microsoft.com/office/drawing/2014/chart" uri="{C3380CC4-5D6E-409C-BE32-E72D297353CC}">
                 <c16:uniqueId val="{0000000F-7762-4204-8453-A391D8A5C4A8}"/>
               </c:ext>
@@ -397,7 +398,7 @@
               </c:numCache>
             </c:numRef>
           </c:val>
-          <c:extLst>
+          <c:extLst xmlns:c16r2="http://schemas.microsoft.com/office/drawing/2015/06/chart">
             <c:ext xmlns:c16="http://schemas.microsoft.com/office/drawing/2014/chart" uri="{C3380CC4-5D6E-409C-BE32-E72D297353CC}">
               <c16:uniqueId val="{00000010-7762-4204-8453-A391D8A5C4A8}"/>
             </c:ext>
@@ -424,6 +425,7 @@
     </c:plotArea>
     <c:legend>
       <c:legendPos val="r"/>
+      <c:layout/>
       <c:overlay val="0"/>
     </c:legend>
     <c:plotVisOnly val="1"/>
@@ -2860,6 +2862,753 @@
 </file>
 
 <file path=ppt/diagrams/colors4.xml><?xml version="1.0" encoding="utf-8"?>
+<dgm:colorsDef xmlns:dgm="http://schemas.openxmlformats.org/drawingml/2006/diagram" xmlns:a="http://schemas.openxmlformats.org/drawingml/2006/main" uniqueId="urn:microsoft.com/office/officeart/2005/8/colors/accent1_2">
+  <dgm:title val=""/>
+  <dgm:desc val=""/>
+  <dgm:catLst>
+    <dgm:cat type="accent1" pri="11200"/>
+  </dgm:catLst>
+  <dgm:styleLbl name="node0">
+    <dgm:fillClrLst meth="repeat">
+      <a:schemeClr val="accent1"/>
+    </dgm:fillClrLst>
+    <dgm:linClrLst meth="repeat">
+      <a:schemeClr val="lt1"/>
+    </dgm:linClrLst>
+    <dgm:effectClrLst/>
+    <dgm:txLinClrLst/>
+    <dgm:txFillClrLst/>
+    <dgm:txEffectClrLst/>
+  </dgm:styleLbl>
+  <dgm:styleLbl name="alignNode1">
+    <dgm:fillClrLst meth="repeat">
+      <a:schemeClr val="accent1"/>
+    </dgm:fillClrLst>
+    <dgm:linClrLst meth="repeat">
+      <a:schemeClr val="accent1"/>
+    </dgm:linClrLst>
+    <dgm:effectClrLst/>
+    <dgm:txLinClrLst/>
+    <dgm:txFillClrLst/>
+    <dgm:txEffectClrLst/>
+  </dgm:styleLbl>
+  <dgm:styleLbl name="node1">
+    <dgm:fillClrLst meth="repeat">
+      <a:schemeClr val="accent1"/>
+    </dgm:fillClrLst>
+    <dgm:linClrLst meth="repeat">
+      <a:schemeClr val="lt1"/>
+    </dgm:linClrLst>
+    <dgm:effectClrLst/>
+    <dgm:txLinClrLst/>
+    <dgm:txFillClrLst/>
+    <dgm:txEffectClrLst/>
+  </dgm:styleLbl>
+  <dgm:styleLbl name="lnNode1">
+    <dgm:fillClrLst meth="repeat">
+      <a:schemeClr val="accent1"/>
+    </dgm:fillClrLst>
+    <dgm:linClrLst meth="repeat">
+      <a:schemeClr val="lt1"/>
+    </dgm:linClrLst>
+    <dgm:effectClrLst/>
+    <dgm:txLinClrLst/>
+    <dgm:txFillClrLst/>
+    <dgm:txEffectClrLst/>
+  </dgm:styleLbl>
+  <dgm:styleLbl name="vennNode1">
+    <dgm:fillClrLst meth="repeat">
+      <a:schemeClr val="accent1">
+        <a:alpha val="50000"/>
+      </a:schemeClr>
+    </dgm:fillClrLst>
+    <dgm:linClrLst meth="repeat">
+      <a:schemeClr val="lt1"/>
+    </dgm:linClrLst>
+    <dgm:effectClrLst/>
+    <dgm:txLinClrLst/>
+    <dgm:txFillClrLst/>
+    <dgm:txEffectClrLst/>
+  </dgm:styleLbl>
+  <dgm:styleLbl name="node2">
+    <dgm:fillClrLst meth="repeat">
+      <a:schemeClr val="accent1"/>
+    </dgm:fillClrLst>
+    <dgm:linClrLst meth="repeat">
+      <a:schemeClr val="lt1"/>
+    </dgm:linClrLst>
+    <dgm:effectClrLst/>
+    <dgm:txLinClrLst/>
+    <dgm:txFillClrLst/>
+    <dgm:txEffectClrLst/>
+  </dgm:styleLbl>
+  <dgm:styleLbl name="node3">
+    <dgm:fillClrLst meth="repeat">
+      <a:schemeClr val="accent1"/>
+    </dgm:fillClrLst>
+    <dgm:linClrLst meth="repeat">
+      <a:schemeClr val="lt1"/>
+    </dgm:linClrLst>
+    <dgm:effectClrLst/>
+    <dgm:txLinClrLst/>
+    <dgm:txFillClrLst/>
+    <dgm:txEffectClrLst/>
+  </dgm:styleLbl>
+  <dgm:styleLbl name="node4">
+    <dgm:fillClrLst meth="repeat">
+      <a:schemeClr val="accent1"/>
+    </dgm:fillClrLst>
+    <dgm:linClrLst meth="repeat">
+      <a:schemeClr val="lt1"/>
+    </dgm:linClrLst>
+    <dgm:effectClrLst/>
+    <dgm:txLinClrLst/>
+    <dgm:txFillClrLst/>
+    <dgm:txEffectClrLst/>
+  </dgm:styleLbl>
+  <dgm:styleLbl name="fgImgPlace1">
+    <dgm:fillClrLst meth="repeat">
+      <a:schemeClr val="accent1">
+        <a:tint val="50000"/>
+      </a:schemeClr>
+    </dgm:fillClrLst>
+    <dgm:linClrLst meth="repeat">
+      <a:schemeClr val="lt1"/>
+    </dgm:linClrLst>
+    <dgm:effectClrLst/>
+    <dgm:txLinClrLst/>
+    <dgm:txFillClrLst meth="repeat">
+      <a:schemeClr val="lt1"/>
+    </dgm:txFillClrLst>
+    <dgm:txEffectClrLst/>
+  </dgm:styleLbl>
+  <dgm:styleLbl name="alignImgPlace1">
+    <dgm:fillClrLst meth="repeat">
+      <a:schemeClr val="accent1">
+        <a:tint val="50000"/>
+      </a:schemeClr>
+    </dgm:fillClrLst>
+    <dgm:linClrLst meth="repeat">
+      <a:schemeClr val="lt1"/>
+    </dgm:linClrLst>
+    <dgm:effectClrLst/>
+    <dgm:txLinClrLst/>
+    <dgm:txFillClrLst meth="repeat">
+      <a:schemeClr val="lt1"/>
+    </dgm:txFillClrLst>
+    <dgm:txEffectClrLst/>
+  </dgm:styleLbl>
+  <dgm:styleLbl name="bgImgPlace1">
+    <dgm:fillClrLst meth="repeat">
+      <a:schemeClr val="accent1">
+        <a:tint val="50000"/>
+      </a:schemeClr>
+    </dgm:fillClrLst>
+    <dgm:linClrLst meth="repeat">
+      <a:schemeClr val="lt1"/>
+    </dgm:linClrLst>
+    <dgm:effectClrLst/>
+    <dgm:txLinClrLst/>
+    <dgm:txFillClrLst meth="repeat">
+      <a:schemeClr val="lt1"/>
+    </dgm:txFillClrLst>
+    <dgm:txEffectClrLst/>
+  </dgm:styleLbl>
+  <dgm:styleLbl name="sibTrans2D1">
+    <dgm:fillClrLst meth="repeat">
+      <a:schemeClr val="accent1">
+        <a:tint val="60000"/>
+      </a:schemeClr>
+    </dgm:fillClrLst>
+    <dgm:linClrLst meth="repeat">
+      <a:schemeClr val="accent1">
+        <a:tint val="60000"/>
+      </a:schemeClr>
+    </dgm:linClrLst>
+    <dgm:effectClrLst/>
+    <dgm:txLinClrLst/>
+    <dgm:txFillClrLst/>
+    <dgm:txEffectClrLst/>
+  </dgm:styleLbl>
+  <dgm:styleLbl name="fgSibTrans2D1">
+    <dgm:fillClrLst meth="repeat">
+      <a:schemeClr val="accent1">
+        <a:tint val="60000"/>
+      </a:schemeClr>
+    </dgm:fillClrLst>
+    <dgm:linClrLst meth="repeat">
+      <a:schemeClr val="accent1">
+        <a:tint val="60000"/>
+      </a:schemeClr>
+    </dgm:linClrLst>
+    <dgm:effectClrLst/>
+    <dgm:txLinClrLst/>
+    <dgm:txFillClrLst/>
+    <dgm:txEffectClrLst/>
+  </dgm:styleLbl>
+  <dgm:styleLbl name="bgSibTrans2D1">
+    <dgm:fillClrLst meth="repeat">
+      <a:schemeClr val="accent1">
+        <a:tint val="60000"/>
+      </a:schemeClr>
+    </dgm:fillClrLst>
+    <dgm:linClrLst meth="repeat">
+      <a:schemeClr val="accent1">
+        <a:tint val="60000"/>
+      </a:schemeClr>
+    </dgm:linClrLst>
+    <dgm:effectClrLst/>
+    <dgm:txLinClrLst/>
+    <dgm:txFillClrLst/>
+    <dgm:txEffectClrLst/>
+  </dgm:styleLbl>
+  <dgm:styleLbl name="sibTrans1D1">
+    <dgm:fillClrLst meth="repeat">
+      <a:schemeClr val="accent1"/>
+    </dgm:fillClrLst>
+    <dgm:linClrLst meth="repeat">
+      <a:schemeClr val="accent1"/>
+    </dgm:linClrLst>
+    <dgm:effectClrLst/>
+    <dgm:txLinClrLst/>
+    <dgm:txFillClrLst meth="repeat">
+      <a:schemeClr val="tx1"/>
+    </dgm:txFillClrLst>
+    <dgm:txEffectClrLst/>
+  </dgm:styleLbl>
+  <dgm:styleLbl name="callout">
+    <dgm:fillClrLst meth="repeat">
+      <a:schemeClr val="accent1"/>
+    </dgm:fillClrLst>
+    <dgm:linClrLst meth="repeat">
+      <a:schemeClr val="accent1">
+        <a:tint val="50000"/>
+      </a:schemeClr>
+    </dgm:linClrLst>
+    <dgm:effectClrLst/>
+    <dgm:txLinClrLst/>
+    <dgm:txFillClrLst meth="repeat">
+      <a:schemeClr val="tx1"/>
+    </dgm:txFillClrLst>
+    <dgm:txEffectClrLst/>
+  </dgm:styleLbl>
+  <dgm:styleLbl name="asst0">
+    <dgm:fillClrLst meth="repeat">
+      <a:schemeClr val="accent1"/>
+    </dgm:fillClrLst>
+    <dgm:linClrLst meth="repeat">
+      <a:schemeClr val="lt1"/>
+    </dgm:linClrLst>
+    <dgm:effectClrLst/>
+    <dgm:txLinClrLst/>
+    <dgm:txFillClrLst/>
+    <dgm:txEffectClrLst/>
+  </dgm:styleLbl>
+  <dgm:styleLbl name="asst1">
+    <dgm:fillClrLst meth="repeat">
+      <a:schemeClr val="accent1"/>
+    </dgm:fillClrLst>
+    <dgm:linClrLst meth="repeat">
+      <a:schemeClr val="lt1"/>
+    </dgm:linClrLst>
+    <dgm:effectClrLst/>
+    <dgm:txLinClrLst/>
+    <dgm:txFillClrLst/>
+    <dgm:txEffectClrLst/>
+  </dgm:styleLbl>
+  <dgm:styleLbl name="asst2">
+    <dgm:fillClrLst meth="repeat">
+      <a:schemeClr val="accent1"/>
+    </dgm:fillClrLst>
+    <dgm:linClrLst meth="repeat">
+      <a:schemeClr val="lt1"/>
+    </dgm:linClrLst>
+    <dgm:effectClrLst/>
+    <dgm:txLinClrLst/>
+    <dgm:txFillClrLst/>
+    <dgm:txEffectClrLst/>
+  </dgm:styleLbl>
+  <dgm:styleLbl name="asst3">
+    <dgm:fillClrLst meth="repeat">
+      <a:schemeClr val="accent1"/>
+    </dgm:fillClrLst>
+    <dgm:linClrLst meth="repeat">
+      <a:schemeClr val="lt1"/>
+    </dgm:linClrLst>
+    <dgm:effectClrLst/>
+    <dgm:txLinClrLst/>
+    <dgm:txFillClrLst/>
+    <dgm:txEffectClrLst/>
+  </dgm:styleLbl>
+  <dgm:styleLbl name="asst4">
+    <dgm:fillClrLst meth="repeat">
+      <a:schemeClr val="accent1"/>
+    </dgm:fillClrLst>
+    <dgm:linClrLst meth="repeat">
+      <a:schemeClr val="lt1"/>
+    </dgm:linClrLst>
+    <dgm:effectClrLst/>
+    <dgm:txLinClrLst/>
+    <dgm:txFillClrLst/>
+    <dgm:txEffectClrLst/>
+  </dgm:styleLbl>
+  <dgm:styleLbl name="parChTrans2D1">
+    <dgm:fillClrLst meth="repeat">
+      <a:schemeClr val="accent1">
+        <a:tint val="60000"/>
+      </a:schemeClr>
+    </dgm:fillClrLst>
+    <dgm:linClrLst meth="repeat">
+      <a:schemeClr val="accent1">
+        <a:tint val="60000"/>
+      </a:schemeClr>
+    </dgm:linClrLst>
+    <dgm:effectClrLst/>
+    <dgm:txLinClrLst/>
+    <dgm:txFillClrLst meth="repeat">
+      <a:schemeClr val="lt1"/>
+    </dgm:txFillClrLst>
+    <dgm:txEffectClrLst/>
+  </dgm:styleLbl>
+  <dgm:styleLbl name="parChTrans2D2">
+    <dgm:fillClrLst meth="repeat">
+      <a:schemeClr val="accent1"/>
+    </dgm:fillClrLst>
+    <dgm:linClrLst meth="repeat">
+      <a:schemeClr val="accent1"/>
+    </dgm:linClrLst>
+    <dgm:effectClrLst/>
+    <dgm:txLinClrLst/>
+    <dgm:txFillClrLst meth="repeat">
+      <a:schemeClr val="lt1"/>
+    </dgm:txFillClrLst>
+    <dgm:txEffectClrLst/>
+  </dgm:styleLbl>
+  <dgm:styleLbl name="parChTrans2D3">
+    <dgm:fillClrLst meth="repeat">
+      <a:schemeClr val="accent1"/>
+    </dgm:fillClrLst>
+    <dgm:linClrLst meth="repeat">
+      <a:schemeClr val="accent1"/>
+    </dgm:linClrLst>
+    <dgm:effectClrLst/>
+    <dgm:txLinClrLst/>
+    <dgm:txFillClrLst meth="repeat">
+      <a:schemeClr val="lt1"/>
+    </dgm:txFillClrLst>
+    <dgm:txEffectClrLst/>
+  </dgm:styleLbl>
+  <dgm:styleLbl name="parChTrans2D4">
+    <dgm:fillClrLst meth="repeat">
+      <a:schemeClr val="accent1"/>
+    </dgm:fillClrLst>
+    <dgm:linClrLst meth="repeat">
+      <a:schemeClr val="accent1"/>
+    </dgm:linClrLst>
+    <dgm:effectClrLst/>
+    <dgm:txLinClrLst/>
+    <dgm:txFillClrLst meth="repeat">
+      <a:schemeClr val="lt1"/>
+    </dgm:txFillClrLst>
+    <dgm:txEffectClrLst/>
+  </dgm:styleLbl>
+  <dgm:styleLbl name="parChTrans1D1">
+    <dgm:fillClrLst meth="repeat">
+      <a:schemeClr val="accent1"/>
+    </dgm:fillClrLst>
+    <dgm:linClrLst meth="repeat">
+      <a:schemeClr val="accent1">
+        <a:shade val="60000"/>
+      </a:schemeClr>
+    </dgm:linClrLst>
+    <dgm:effectClrLst/>
+    <dgm:txLinClrLst/>
+    <dgm:txFillClrLst meth="repeat">
+      <a:schemeClr val="tx1"/>
+    </dgm:txFillClrLst>
+    <dgm:txEffectClrLst/>
+  </dgm:styleLbl>
+  <dgm:styleLbl name="parChTrans1D2">
+    <dgm:fillClrLst meth="repeat">
+      <a:schemeClr val="accent1"/>
+    </dgm:fillClrLst>
+    <dgm:linClrLst meth="repeat">
+      <a:schemeClr val="accent1">
+        <a:shade val="60000"/>
+      </a:schemeClr>
+    </dgm:linClrLst>
+    <dgm:effectClrLst/>
+    <dgm:txLinClrLst/>
+    <dgm:txFillClrLst meth="repeat">
+      <a:schemeClr val="tx1"/>
+    </dgm:txFillClrLst>
+    <dgm:txEffectClrLst/>
+  </dgm:styleLbl>
+  <dgm:styleLbl name="parChTrans1D3">
+    <dgm:fillClrLst meth="repeat">
+      <a:schemeClr val="accent1"/>
+    </dgm:fillClrLst>
+    <dgm:linClrLst meth="repeat">
+      <a:schemeClr val="accent1">
+        <a:shade val="80000"/>
+      </a:schemeClr>
+    </dgm:linClrLst>
+    <dgm:effectClrLst/>
+    <dgm:txLinClrLst/>
+    <dgm:txFillClrLst meth="repeat">
+      <a:schemeClr val="tx1"/>
+    </dgm:txFillClrLst>
+    <dgm:txEffectClrLst/>
+  </dgm:styleLbl>
+  <dgm:styleLbl name="parChTrans1D4">
+    <dgm:fillClrLst meth="repeat">
+      <a:schemeClr val="accent1"/>
+    </dgm:fillClrLst>
+    <dgm:linClrLst meth="repeat">
+      <a:schemeClr val="accent1">
+        <a:shade val="80000"/>
+      </a:schemeClr>
+    </dgm:linClrLst>
+    <dgm:effectClrLst/>
+    <dgm:txLinClrLst/>
+    <dgm:txFillClrLst meth="repeat">
+      <a:schemeClr val="tx1"/>
+    </dgm:txFillClrLst>
+    <dgm:txEffectClrLst/>
+  </dgm:styleLbl>
+  <dgm:styleLbl name="fgAcc1">
+    <dgm:fillClrLst meth="repeat">
+      <a:schemeClr val="lt1">
+        <a:alpha val="90000"/>
+      </a:schemeClr>
+    </dgm:fillClrLst>
+    <dgm:linClrLst meth="repeat">
+      <a:schemeClr val="accent1"/>
+    </dgm:linClrLst>
+    <dgm:effectClrLst/>
+    <dgm:txLinClrLst/>
+    <dgm:txFillClrLst meth="repeat">
+      <a:schemeClr val="dk1"/>
+    </dgm:txFillClrLst>
+    <dgm:txEffectClrLst/>
+  </dgm:styleLbl>
+  <dgm:styleLbl name="conFgAcc1">
+    <dgm:fillClrLst meth="repeat">
+      <a:schemeClr val="lt1">
+        <a:alpha val="90000"/>
+      </a:schemeClr>
+    </dgm:fillClrLst>
+    <dgm:linClrLst meth="repeat">
+      <a:schemeClr val="accent1"/>
+    </dgm:linClrLst>
+    <dgm:effectClrLst/>
+    <dgm:txLinClrLst/>
+    <dgm:txFillClrLst meth="repeat">
+      <a:schemeClr val="dk1"/>
+    </dgm:txFillClrLst>
+    <dgm:txEffectClrLst/>
+  </dgm:styleLbl>
+  <dgm:styleLbl name="alignAcc1">
+    <dgm:fillClrLst meth="repeat">
+      <a:schemeClr val="lt1">
+        <a:alpha val="90000"/>
+      </a:schemeClr>
+    </dgm:fillClrLst>
+    <dgm:linClrLst meth="repeat">
+      <a:schemeClr val="accent1"/>
+    </dgm:linClrLst>
+    <dgm:effectClrLst/>
+    <dgm:txLinClrLst/>
+    <dgm:txFillClrLst meth="repeat">
+      <a:schemeClr val="dk1"/>
+    </dgm:txFillClrLst>
+    <dgm:txEffectClrLst/>
+  </dgm:styleLbl>
+  <dgm:styleLbl name="trAlignAcc1">
+    <dgm:fillClrLst meth="repeat">
+      <a:schemeClr val="lt1">
+        <a:alpha val="40000"/>
+      </a:schemeClr>
+    </dgm:fillClrLst>
+    <dgm:linClrLst meth="repeat">
+      <a:schemeClr val="accent1"/>
+    </dgm:linClrLst>
+    <dgm:effectClrLst/>
+    <dgm:txLinClrLst/>
+    <dgm:txFillClrLst meth="repeat">
+      <a:schemeClr val="dk1"/>
+    </dgm:txFillClrLst>
+    <dgm:txEffectClrLst/>
+  </dgm:styleLbl>
+  <dgm:styleLbl name="bgAcc1">
+    <dgm:fillClrLst meth="repeat">
+      <a:schemeClr val="lt1">
+        <a:alpha val="90000"/>
+      </a:schemeClr>
+    </dgm:fillClrLst>
+    <dgm:linClrLst meth="repeat">
+      <a:schemeClr val="accent1"/>
+    </dgm:linClrLst>
+    <dgm:effectClrLst/>
+    <dgm:txLinClrLst/>
+    <dgm:txFillClrLst meth="repeat">
+      <a:schemeClr val="dk1"/>
+    </dgm:txFillClrLst>
+    <dgm:txEffectClrLst/>
+  </dgm:styleLbl>
+  <dgm:styleLbl name="solidFgAcc1">
+    <dgm:fillClrLst meth="repeat">
+      <a:schemeClr val="lt1"/>
+    </dgm:fillClrLst>
+    <dgm:linClrLst meth="repeat">
+      <a:schemeClr val="accent1"/>
+    </dgm:linClrLst>
+    <dgm:effectClrLst/>
+    <dgm:txLinClrLst/>
+    <dgm:txFillClrLst meth="repeat">
+      <a:schemeClr val="dk1"/>
+    </dgm:txFillClrLst>
+    <dgm:txEffectClrLst/>
+  </dgm:styleLbl>
+  <dgm:styleLbl name="solidAlignAcc1">
+    <dgm:fillClrLst meth="repeat">
+      <a:schemeClr val="lt1"/>
+    </dgm:fillClrLst>
+    <dgm:linClrLst meth="repeat">
+      <a:schemeClr val="accent1"/>
+    </dgm:linClrLst>
+    <dgm:effectClrLst/>
+    <dgm:txLinClrLst/>
+    <dgm:txFillClrLst meth="repeat">
+      <a:schemeClr val="dk1"/>
+    </dgm:txFillClrLst>
+    <dgm:txEffectClrLst/>
+  </dgm:styleLbl>
+  <dgm:styleLbl name="solidBgAcc1">
+    <dgm:fillClrLst meth="repeat">
+      <a:schemeClr val="lt1"/>
+    </dgm:fillClrLst>
+    <dgm:linClrLst meth="repeat">
+      <a:schemeClr val="accent1"/>
+    </dgm:linClrLst>
+    <dgm:effectClrLst/>
+    <dgm:txLinClrLst/>
+    <dgm:txFillClrLst meth="repeat">
+      <a:schemeClr val="dk1"/>
+    </dgm:txFillClrLst>
+    <dgm:txEffectClrLst/>
+  </dgm:styleLbl>
+  <dgm:styleLbl name="fgAccFollowNode1">
+    <dgm:fillClrLst meth="repeat">
+      <a:schemeClr val="accent1">
+        <a:alpha val="90000"/>
+        <a:tint val="40000"/>
+      </a:schemeClr>
+    </dgm:fillClrLst>
+    <dgm:linClrLst meth="repeat">
+      <a:schemeClr val="accent1">
+        <a:alpha val="90000"/>
+        <a:tint val="40000"/>
+      </a:schemeClr>
+    </dgm:linClrLst>
+    <dgm:effectClrLst/>
+    <dgm:txLinClrLst/>
+    <dgm:txFillClrLst meth="repeat">
+      <a:schemeClr val="dk1"/>
+    </dgm:txFillClrLst>
+    <dgm:txEffectClrLst/>
+  </dgm:styleLbl>
+  <dgm:styleLbl name="alignAccFollowNode1">
+    <dgm:fillClrLst meth="repeat">
+      <a:schemeClr val="accent1">
+        <a:alpha val="90000"/>
+        <a:tint val="40000"/>
+      </a:schemeClr>
+    </dgm:fillClrLst>
+    <dgm:linClrLst meth="repeat">
+      <a:schemeClr val="accent1">
+        <a:alpha val="90000"/>
+        <a:tint val="40000"/>
+      </a:schemeClr>
+    </dgm:linClrLst>
+    <dgm:effectClrLst/>
+    <dgm:txLinClrLst/>
+    <dgm:txFillClrLst meth="repeat">
+      <a:schemeClr val="dk1"/>
+    </dgm:txFillClrLst>
+    <dgm:txEffectClrLst/>
+  </dgm:styleLbl>
+  <dgm:styleLbl name="bgAccFollowNode1">
+    <dgm:fillClrLst meth="repeat">
+      <a:schemeClr val="accent1">
+        <a:alpha val="90000"/>
+        <a:tint val="40000"/>
+      </a:schemeClr>
+    </dgm:fillClrLst>
+    <dgm:linClrLst meth="repeat">
+      <a:schemeClr val="accent1">
+        <a:alpha val="90000"/>
+        <a:tint val="40000"/>
+      </a:schemeClr>
+    </dgm:linClrLst>
+    <dgm:effectClrLst/>
+    <dgm:txLinClrLst/>
+    <dgm:txFillClrLst meth="repeat">
+      <a:schemeClr val="dk1"/>
+    </dgm:txFillClrLst>
+    <dgm:txEffectClrLst/>
+  </dgm:styleLbl>
+  <dgm:styleLbl name="fgAcc0">
+    <dgm:fillClrLst meth="repeat">
+      <a:schemeClr val="lt1">
+        <a:alpha val="90000"/>
+      </a:schemeClr>
+    </dgm:fillClrLst>
+    <dgm:linClrLst meth="repeat">
+      <a:schemeClr val="accent1"/>
+    </dgm:linClrLst>
+    <dgm:effectClrLst/>
+    <dgm:txLinClrLst/>
+    <dgm:txFillClrLst meth="repeat">
+      <a:schemeClr val="dk1"/>
+    </dgm:txFillClrLst>
+    <dgm:txEffectClrLst/>
+  </dgm:styleLbl>
+  <dgm:styleLbl name="fgAcc2">
+    <dgm:fillClrLst meth="repeat">
+      <a:schemeClr val="lt1">
+        <a:alpha val="90000"/>
+      </a:schemeClr>
+    </dgm:fillClrLst>
+    <dgm:linClrLst meth="repeat">
+      <a:schemeClr val="accent1"/>
+    </dgm:linClrLst>
+    <dgm:effectClrLst/>
+    <dgm:txLinClrLst/>
+    <dgm:txFillClrLst meth="repeat">
+      <a:schemeClr val="dk1"/>
+    </dgm:txFillClrLst>
+    <dgm:txEffectClrLst/>
+  </dgm:styleLbl>
+  <dgm:styleLbl name="fgAcc3">
+    <dgm:fillClrLst meth="repeat">
+      <a:schemeClr val="lt1">
+        <a:alpha val="90000"/>
+      </a:schemeClr>
+    </dgm:fillClrLst>
+    <dgm:linClrLst meth="repeat">
+      <a:schemeClr val="accent1"/>
+    </dgm:linClrLst>
+    <dgm:effectClrLst/>
+    <dgm:txLinClrLst/>
+    <dgm:txFillClrLst meth="repeat">
+      <a:schemeClr val="dk1"/>
+    </dgm:txFillClrLst>
+    <dgm:txEffectClrLst/>
+  </dgm:styleLbl>
+  <dgm:styleLbl name="fgAcc4">
+    <dgm:fillClrLst meth="repeat">
+      <a:schemeClr val="lt1">
+        <a:alpha val="90000"/>
+      </a:schemeClr>
+    </dgm:fillClrLst>
+    <dgm:linClrLst meth="repeat">
+      <a:schemeClr val="accent1"/>
+    </dgm:linClrLst>
+    <dgm:effectClrLst/>
+    <dgm:txLinClrLst/>
+    <dgm:txFillClrLst meth="repeat">
+      <a:schemeClr val="dk1"/>
+    </dgm:txFillClrLst>
+    <dgm:txEffectClrLst/>
+  </dgm:styleLbl>
+  <dgm:styleLbl name="bgShp">
+    <dgm:fillClrLst meth="repeat">
+      <a:schemeClr val="accent1">
+        <a:tint val="40000"/>
+      </a:schemeClr>
+    </dgm:fillClrLst>
+    <dgm:linClrLst meth="repeat">
+      <a:schemeClr val="accent1"/>
+    </dgm:linClrLst>
+    <dgm:effectClrLst/>
+    <dgm:txLinClrLst/>
+    <dgm:txFillClrLst meth="repeat">
+      <a:schemeClr val="dk1"/>
+    </dgm:txFillClrLst>
+    <dgm:txEffectClrLst/>
+  </dgm:styleLbl>
+  <dgm:styleLbl name="dkBgShp">
+    <dgm:fillClrLst meth="repeat">
+      <a:schemeClr val="accent1">
+        <a:shade val="80000"/>
+      </a:schemeClr>
+    </dgm:fillClrLst>
+    <dgm:linClrLst meth="repeat">
+      <a:schemeClr val="accent1"/>
+    </dgm:linClrLst>
+    <dgm:effectClrLst/>
+    <dgm:txLinClrLst/>
+    <dgm:txFillClrLst meth="repeat">
+      <a:schemeClr val="lt1"/>
+    </dgm:txFillClrLst>
+    <dgm:txEffectClrLst/>
+  </dgm:styleLbl>
+  <dgm:styleLbl name="trBgShp">
+    <dgm:fillClrLst meth="repeat">
+      <a:schemeClr val="accent1">
+        <a:tint val="50000"/>
+        <a:alpha val="40000"/>
+      </a:schemeClr>
+    </dgm:fillClrLst>
+    <dgm:linClrLst meth="repeat">
+      <a:schemeClr val="accent1"/>
+    </dgm:linClrLst>
+    <dgm:effectClrLst/>
+    <dgm:txLinClrLst/>
+    <dgm:txFillClrLst meth="repeat">
+      <a:schemeClr val="lt1"/>
+    </dgm:txFillClrLst>
+    <dgm:txEffectClrLst/>
+  </dgm:styleLbl>
+  <dgm:styleLbl name="fgShp">
+    <dgm:fillClrLst meth="repeat">
+      <a:schemeClr val="accent1">
+        <a:tint val="60000"/>
+      </a:schemeClr>
+    </dgm:fillClrLst>
+    <dgm:linClrLst meth="repeat">
+      <a:schemeClr val="lt1"/>
+    </dgm:linClrLst>
+    <dgm:effectClrLst/>
+    <dgm:txLinClrLst/>
+    <dgm:txFillClrLst meth="repeat">
+      <a:schemeClr val="dk1"/>
+    </dgm:txFillClrLst>
+    <dgm:txEffectClrLst/>
+  </dgm:styleLbl>
+  <dgm:styleLbl name="revTx">
+    <dgm:fillClrLst meth="repeat">
+      <a:schemeClr val="lt1">
+        <a:alpha val="0"/>
+      </a:schemeClr>
+    </dgm:fillClrLst>
+    <dgm:linClrLst meth="repeat">
+      <a:schemeClr val="dk1">
+        <a:alpha val="0"/>
+      </a:schemeClr>
+    </dgm:linClrLst>
+    <dgm:effectClrLst/>
+    <dgm:txLinClrLst/>
+    <dgm:txFillClrLst meth="repeat">
+      <a:schemeClr val="tx1"/>
+    </dgm:txFillClrLst>
+    <dgm:txEffectClrLst/>
+  </dgm:styleLbl>
+</dgm:colorsDef>
+</file>
+
+<file path=ppt/diagrams/colors5.xml><?xml version="1.0" encoding="utf-8"?>
 <dgm:colorsDef xmlns:dgm="http://schemas.openxmlformats.org/drawingml/2006/diagram" xmlns:a="http://schemas.openxmlformats.org/drawingml/2006/main" uniqueId="urn:microsoft.com/office/officeart/2005/8/colors/colorful1">
   <dgm:title val=""/>
   <dgm:desc val=""/>
@@ -3778,7 +4527,7 @@
 </dgm:colorsDef>
 </file>
 
-<file path=ppt/diagrams/colors5.xml><?xml version="1.0" encoding="utf-8"?>
+<file path=ppt/diagrams/colors6.xml><?xml version="1.0" encoding="utf-8"?>
 <dgm:colorsDef xmlns:dgm="http://schemas.openxmlformats.org/drawingml/2006/diagram" xmlns:a="http://schemas.openxmlformats.org/drawingml/2006/main" uniqueId="urn:microsoft.com/office/officeart/2005/8/colors/colorful1">
   <dgm:title val=""/>
   <dgm:desc val=""/>
@@ -4697,7 +5446,7 @@
 </dgm:colorsDef>
 </file>
 
-<file path=ppt/diagrams/colors6.xml><?xml version="1.0" encoding="utf-8"?>
+<file path=ppt/diagrams/colors7.xml><?xml version="1.0" encoding="utf-8"?>
 <dgm:colorsDef xmlns:dgm="http://schemas.openxmlformats.org/drawingml/2006/diagram" xmlns:a="http://schemas.openxmlformats.org/drawingml/2006/main" uniqueId="urn:microsoft.com/office/officeart/2005/8/colors/colorful4">
   <dgm:title val=""/>
   <dgm:desc val=""/>
@@ -5715,6 +6464,13 @@
         </dgm:presLayoutVars>
       </dgm:prSet>
       <dgm:spPr/>
+      <dgm:t>
+        <a:bodyPr/>
+        <a:lstStyle/>
+        <a:p>
+          <a:endParaRPr lang="de-DE"/>
+        </a:p>
+      </dgm:t>
     </dgm:pt>
     <dgm:pt modelId="{BB20D88C-7D7D-4EF2-AF1B-221070122E98}" type="pres">
       <dgm:prSet presAssocID="{0F09778F-BBEF-40B3-B985-E6DBF854759D}" presName="hierRoot1" presStyleCnt="0">
@@ -5736,6 +6492,13 @@
         </dgm:presLayoutVars>
       </dgm:prSet>
       <dgm:spPr/>
+      <dgm:t>
+        <a:bodyPr/>
+        <a:lstStyle/>
+        <a:p>
+          <a:endParaRPr lang="de-DE"/>
+        </a:p>
+      </dgm:t>
     </dgm:pt>
     <dgm:pt modelId="{C11E0B58-073B-4A2B-BBC5-C01BFBEA3428}" type="pres">
       <dgm:prSet presAssocID="{0F09778F-BBEF-40B3-B985-E6DBF854759D}" presName="titleText1" presStyleLbl="fgAcc0" presStyleIdx="0" presStyleCnt="1">
@@ -5745,10 +6508,24 @@
         </dgm:presLayoutVars>
       </dgm:prSet>
       <dgm:spPr/>
+      <dgm:t>
+        <a:bodyPr/>
+        <a:lstStyle/>
+        <a:p>
+          <a:endParaRPr lang="de-DE"/>
+        </a:p>
+      </dgm:t>
     </dgm:pt>
     <dgm:pt modelId="{F844D984-EFDC-4B39-9025-690279C86CA2}" type="pres">
       <dgm:prSet presAssocID="{0F09778F-BBEF-40B3-B985-E6DBF854759D}" presName="rootConnector1" presStyleLbl="node1" presStyleIdx="0" presStyleCnt="4"/>
       <dgm:spPr/>
+      <dgm:t>
+        <a:bodyPr/>
+        <a:lstStyle/>
+        <a:p>
+          <a:endParaRPr lang="de-DE"/>
+        </a:p>
+      </dgm:t>
     </dgm:pt>
     <dgm:pt modelId="{9BBEE396-BE17-4700-982F-2CC4F4BB8ABB}" type="pres">
       <dgm:prSet presAssocID="{0F09778F-BBEF-40B3-B985-E6DBF854759D}" presName="hierChild2" presStyleCnt="0"/>
@@ -5757,6 +6534,13 @@
     <dgm:pt modelId="{99C91090-6E27-4464-89C0-997C0F06F599}" type="pres">
       <dgm:prSet presAssocID="{E2D8F2D1-985F-4FB0-9117-FA61BCC43327}" presName="Name37" presStyleLbl="parChTrans1D2" presStyleIdx="0" presStyleCnt="4"/>
       <dgm:spPr/>
+      <dgm:t>
+        <a:bodyPr/>
+        <a:lstStyle/>
+        <a:p>
+          <a:endParaRPr lang="de-DE"/>
+        </a:p>
+      </dgm:t>
     </dgm:pt>
     <dgm:pt modelId="{ED176194-5E34-4E6D-8B10-3DF5B560B062}" type="pres">
       <dgm:prSet presAssocID="{8FB384A4-B9BF-4EC5-9C1C-B6BFEC622841}" presName="hierRoot2" presStyleCnt="0">
@@ -5778,6 +6562,13 @@
         </dgm:presLayoutVars>
       </dgm:prSet>
       <dgm:spPr/>
+      <dgm:t>
+        <a:bodyPr/>
+        <a:lstStyle/>
+        <a:p>
+          <a:endParaRPr lang="de-DE"/>
+        </a:p>
+      </dgm:t>
     </dgm:pt>
     <dgm:pt modelId="{79751DA8-13B7-4D83-ACA4-8878A25675F6}" type="pres">
       <dgm:prSet presAssocID="{8FB384A4-B9BF-4EC5-9C1C-B6BFEC622841}" presName="titleText2" presStyleLbl="fgAcc1" presStyleIdx="0" presStyleCnt="4">
@@ -5787,10 +6578,24 @@
         </dgm:presLayoutVars>
       </dgm:prSet>
       <dgm:spPr/>
+      <dgm:t>
+        <a:bodyPr/>
+        <a:lstStyle/>
+        <a:p>
+          <a:endParaRPr lang="de-DE"/>
+        </a:p>
+      </dgm:t>
     </dgm:pt>
     <dgm:pt modelId="{5754D3EB-A4B5-4F8E-ACEE-5BE5839A8702}" type="pres">
       <dgm:prSet presAssocID="{8FB384A4-B9BF-4EC5-9C1C-B6BFEC622841}" presName="rootConnector" presStyleLbl="node2" presStyleIdx="0" presStyleCnt="0"/>
       <dgm:spPr/>
+      <dgm:t>
+        <a:bodyPr/>
+        <a:lstStyle/>
+        <a:p>
+          <a:endParaRPr lang="de-DE"/>
+        </a:p>
+      </dgm:t>
     </dgm:pt>
     <dgm:pt modelId="{A3FC9434-0B84-4C2C-8667-3B5EF3DC629B}" type="pres">
       <dgm:prSet presAssocID="{8FB384A4-B9BF-4EC5-9C1C-B6BFEC622841}" presName="hierChild4" presStyleCnt="0"/>
@@ -5803,6 +6608,13 @@
     <dgm:pt modelId="{3FF96185-B363-4A39-AD01-53645593D8A4}" type="pres">
       <dgm:prSet presAssocID="{E9C74C32-28B6-4CFF-AAF5-AF42CCD95C5F}" presName="Name37" presStyleLbl="parChTrans1D2" presStyleIdx="1" presStyleCnt="4"/>
       <dgm:spPr/>
+      <dgm:t>
+        <a:bodyPr/>
+        <a:lstStyle/>
+        <a:p>
+          <a:endParaRPr lang="de-DE"/>
+        </a:p>
+      </dgm:t>
     </dgm:pt>
     <dgm:pt modelId="{B2D59023-D456-4A26-ADAE-C5A4E4BA8DA8}" type="pres">
       <dgm:prSet presAssocID="{E66688AD-2279-489D-8DF6-D8D10FC6BEBE}" presName="hierRoot2" presStyleCnt="0">
@@ -5824,6 +6636,13 @@
         </dgm:presLayoutVars>
       </dgm:prSet>
       <dgm:spPr/>
+      <dgm:t>
+        <a:bodyPr/>
+        <a:lstStyle/>
+        <a:p>
+          <a:endParaRPr lang="de-DE"/>
+        </a:p>
+      </dgm:t>
     </dgm:pt>
     <dgm:pt modelId="{A6E6D66C-F143-430D-BA5B-A7922A31C720}" type="pres">
       <dgm:prSet presAssocID="{E66688AD-2279-489D-8DF6-D8D10FC6BEBE}" presName="titleText2" presStyleLbl="fgAcc1" presStyleIdx="1" presStyleCnt="4">
@@ -5833,10 +6652,24 @@
         </dgm:presLayoutVars>
       </dgm:prSet>
       <dgm:spPr/>
+      <dgm:t>
+        <a:bodyPr/>
+        <a:lstStyle/>
+        <a:p>
+          <a:endParaRPr lang="de-DE"/>
+        </a:p>
+      </dgm:t>
     </dgm:pt>
     <dgm:pt modelId="{C018365D-E358-4743-AAF2-CB7AF1FB0701}" type="pres">
       <dgm:prSet presAssocID="{E66688AD-2279-489D-8DF6-D8D10FC6BEBE}" presName="rootConnector" presStyleLbl="node2" presStyleIdx="0" presStyleCnt="0"/>
       <dgm:spPr/>
+      <dgm:t>
+        <a:bodyPr/>
+        <a:lstStyle/>
+        <a:p>
+          <a:endParaRPr lang="de-DE"/>
+        </a:p>
+      </dgm:t>
     </dgm:pt>
     <dgm:pt modelId="{CD834D7C-B613-4934-91A9-0A79441ECE01}" type="pres">
       <dgm:prSet presAssocID="{E66688AD-2279-489D-8DF6-D8D10FC6BEBE}" presName="hierChild4" presStyleCnt="0"/>
@@ -5849,6 +6682,13 @@
     <dgm:pt modelId="{C1AAD226-9BF2-492F-A8C9-045E664A4F5B}" type="pres">
       <dgm:prSet presAssocID="{F6A2B9C7-7C7F-49A7-92DD-083ED8C3EEFA}" presName="Name37" presStyleLbl="parChTrans1D2" presStyleIdx="2" presStyleCnt="4"/>
       <dgm:spPr/>
+      <dgm:t>
+        <a:bodyPr/>
+        <a:lstStyle/>
+        <a:p>
+          <a:endParaRPr lang="de-DE"/>
+        </a:p>
+      </dgm:t>
     </dgm:pt>
     <dgm:pt modelId="{1EB8B713-8CE5-4696-91CF-7A739B1EE670}" type="pres">
       <dgm:prSet presAssocID="{C5A982D7-B10A-48DB-A994-070FFA042A59}" presName="hierRoot2" presStyleCnt="0">
@@ -5870,6 +6710,13 @@
         </dgm:presLayoutVars>
       </dgm:prSet>
       <dgm:spPr/>
+      <dgm:t>
+        <a:bodyPr/>
+        <a:lstStyle/>
+        <a:p>
+          <a:endParaRPr lang="de-DE"/>
+        </a:p>
+      </dgm:t>
     </dgm:pt>
     <dgm:pt modelId="{ABE1D576-D2DF-442A-A70C-FD84633ED43D}" type="pres">
       <dgm:prSet presAssocID="{C5A982D7-B10A-48DB-A994-070FFA042A59}" presName="titleText2" presStyleLbl="fgAcc1" presStyleIdx="2" presStyleCnt="4">
@@ -5879,10 +6726,24 @@
         </dgm:presLayoutVars>
       </dgm:prSet>
       <dgm:spPr/>
+      <dgm:t>
+        <a:bodyPr/>
+        <a:lstStyle/>
+        <a:p>
+          <a:endParaRPr lang="de-DE"/>
+        </a:p>
+      </dgm:t>
     </dgm:pt>
     <dgm:pt modelId="{D42DBD0F-F1BF-4F55-9DA5-1A32E25F8999}" type="pres">
       <dgm:prSet presAssocID="{C5A982D7-B10A-48DB-A994-070FFA042A59}" presName="rootConnector" presStyleLbl="node2" presStyleIdx="0" presStyleCnt="0"/>
       <dgm:spPr/>
+      <dgm:t>
+        <a:bodyPr/>
+        <a:lstStyle/>
+        <a:p>
+          <a:endParaRPr lang="de-DE"/>
+        </a:p>
+      </dgm:t>
     </dgm:pt>
     <dgm:pt modelId="{4FC27DF5-9A5A-411F-8B0D-C55AA0879A49}" type="pres">
       <dgm:prSet presAssocID="{C5A982D7-B10A-48DB-A994-070FFA042A59}" presName="hierChild4" presStyleCnt="0"/>
@@ -5895,6 +6756,13 @@
     <dgm:pt modelId="{1D074A26-9B81-4881-8190-4CD463733753}" type="pres">
       <dgm:prSet presAssocID="{7C7CD673-F1F5-4AD6-A4EF-B2C014BCF8FE}" presName="Name37" presStyleLbl="parChTrans1D2" presStyleIdx="3" presStyleCnt="4"/>
       <dgm:spPr/>
+      <dgm:t>
+        <a:bodyPr/>
+        <a:lstStyle/>
+        <a:p>
+          <a:endParaRPr lang="de-DE"/>
+        </a:p>
+      </dgm:t>
     </dgm:pt>
     <dgm:pt modelId="{C40108FC-0137-4712-8F9F-42015DBCBBE6}" type="pres">
       <dgm:prSet presAssocID="{625FC5B7-CB32-4AC2-B0C9-9F2291C899B4}" presName="hierRoot2" presStyleCnt="0">
@@ -5916,6 +6784,13 @@
         </dgm:presLayoutVars>
       </dgm:prSet>
       <dgm:spPr/>
+      <dgm:t>
+        <a:bodyPr/>
+        <a:lstStyle/>
+        <a:p>
+          <a:endParaRPr lang="de-DE"/>
+        </a:p>
+      </dgm:t>
     </dgm:pt>
     <dgm:pt modelId="{CDA81E17-E728-46F3-AD2E-E6AD46D9BBD8}" type="pres">
       <dgm:prSet presAssocID="{625FC5B7-CB32-4AC2-B0C9-9F2291C899B4}" presName="titleText2" presStyleLbl="fgAcc1" presStyleIdx="3" presStyleCnt="4">
@@ -5925,10 +6800,24 @@
         </dgm:presLayoutVars>
       </dgm:prSet>
       <dgm:spPr/>
+      <dgm:t>
+        <a:bodyPr/>
+        <a:lstStyle/>
+        <a:p>
+          <a:endParaRPr lang="de-DE"/>
+        </a:p>
+      </dgm:t>
     </dgm:pt>
     <dgm:pt modelId="{AA417ABE-CB46-4973-8E11-1381D382E711}" type="pres">
       <dgm:prSet presAssocID="{625FC5B7-CB32-4AC2-B0C9-9F2291C899B4}" presName="rootConnector" presStyleLbl="node2" presStyleIdx="0" presStyleCnt="0"/>
       <dgm:spPr/>
+      <dgm:t>
+        <a:bodyPr/>
+        <a:lstStyle/>
+        <a:p>
+          <a:endParaRPr lang="de-DE"/>
+        </a:p>
+      </dgm:t>
     </dgm:pt>
     <dgm:pt modelId="{50C78DB7-7513-4002-90E1-B86A6572163A}" type="pres">
       <dgm:prSet presAssocID="{625FC5B7-CB32-4AC2-B0C9-9F2291C899B4}" presName="hierChild4" presStyleCnt="0"/>
@@ -6222,14 +7111,35 @@
         </dgm:presLayoutVars>
       </dgm:prSet>
       <dgm:spPr/>
+      <dgm:t>
+        <a:bodyPr/>
+        <a:lstStyle/>
+        <a:p>
+          <a:endParaRPr lang="de-DE"/>
+        </a:p>
+      </dgm:t>
     </dgm:pt>
     <dgm:pt modelId="{CDFC9BC9-18E0-46C4-855F-D6D43C6F42CE}" type="pres">
       <dgm:prSet presAssocID="{67B0C7C9-29A4-4A33-ABF6-27D6DD264A26}" presName="sibTrans" presStyleLbl="sibTrans2D1" presStyleIdx="0" presStyleCnt="4"/>
       <dgm:spPr/>
+      <dgm:t>
+        <a:bodyPr/>
+        <a:lstStyle/>
+        <a:p>
+          <a:endParaRPr lang="de-DE"/>
+        </a:p>
+      </dgm:t>
     </dgm:pt>
     <dgm:pt modelId="{A60DF141-9675-41CE-846F-FFF96525AF1A}" type="pres">
       <dgm:prSet presAssocID="{67B0C7C9-29A4-4A33-ABF6-27D6DD264A26}" presName="connectorText" presStyleLbl="sibTrans2D1" presStyleIdx="0" presStyleCnt="4"/>
       <dgm:spPr/>
+      <dgm:t>
+        <a:bodyPr/>
+        <a:lstStyle/>
+        <a:p>
+          <a:endParaRPr lang="de-DE"/>
+        </a:p>
+      </dgm:t>
     </dgm:pt>
     <dgm:pt modelId="{95A1D884-B507-477E-8FA7-EC26F36D96CB}" type="pres">
       <dgm:prSet presAssocID="{C25B03C4-0051-448D-8229-16EE6859C555}" presName="node" presStyleLbl="node1" presStyleIdx="1" presStyleCnt="5">
@@ -6238,14 +7148,35 @@
         </dgm:presLayoutVars>
       </dgm:prSet>
       <dgm:spPr/>
+      <dgm:t>
+        <a:bodyPr/>
+        <a:lstStyle/>
+        <a:p>
+          <a:endParaRPr lang="de-DE"/>
+        </a:p>
+      </dgm:t>
     </dgm:pt>
     <dgm:pt modelId="{D089CC68-5571-41C6-AE4F-9EC473A665E3}" type="pres">
       <dgm:prSet presAssocID="{8E323399-BDA5-4F69-9DFD-E9325D43AD51}" presName="sibTrans" presStyleLbl="sibTrans2D1" presStyleIdx="1" presStyleCnt="4"/>
       <dgm:spPr/>
+      <dgm:t>
+        <a:bodyPr/>
+        <a:lstStyle/>
+        <a:p>
+          <a:endParaRPr lang="de-DE"/>
+        </a:p>
+      </dgm:t>
     </dgm:pt>
     <dgm:pt modelId="{BA176905-4783-402D-8D7A-5E1653F05E13}" type="pres">
       <dgm:prSet presAssocID="{8E323399-BDA5-4F69-9DFD-E9325D43AD51}" presName="connectorText" presStyleLbl="sibTrans2D1" presStyleIdx="1" presStyleCnt="4"/>
       <dgm:spPr/>
+      <dgm:t>
+        <a:bodyPr/>
+        <a:lstStyle/>
+        <a:p>
+          <a:endParaRPr lang="de-DE"/>
+        </a:p>
+      </dgm:t>
     </dgm:pt>
     <dgm:pt modelId="{BB174CA1-7CD2-46AD-B29C-B9F5BB7EA064}" type="pres">
       <dgm:prSet presAssocID="{6382B778-7381-439D-A2A1-6122F4DF9632}" presName="node" presStyleLbl="node1" presStyleIdx="2" presStyleCnt="5">
@@ -6254,14 +7185,35 @@
         </dgm:presLayoutVars>
       </dgm:prSet>
       <dgm:spPr/>
+      <dgm:t>
+        <a:bodyPr/>
+        <a:lstStyle/>
+        <a:p>
+          <a:endParaRPr lang="de-DE"/>
+        </a:p>
+      </dgm:t>
     </dgm:pt>
     <dgm:pt modelId="{ACE42F0E-8FA7-49AA-9A82-364EA1F509A1}" type="pres">
       <dgm:prSet presAssocID="{2BC67C2E-C495-4D91-925A-8D698E0396F2}" presName="sibTrans" presStyleLbl="sibTrans2D1" presStyleIdx="2" presStyleCnt="4"/>
       <dgm:spPr/>
+      <dgm:t>
+        <a:bodyPr/>
+        <a:lstStyle/>
+        <a:p>
+          <a:endParaRPr lang="de-DE"/>
+        </a:p>
+      </dgm:t>
     </dgm:pt>
     <dgm:pt modelId="{FDEE9D0D-E0FD-4F1A-B204-FAE08DC0C6DC}" type="pres">
       <dgm:prSet presAssocID="{2BC67C2E-C495-4D91-925A-8D698E0396F2}" presName="connectorText" presStyleLbl="sibTrans2D1" presStyleIdx="2" presStyleCnt="4"/>
       <dgm:spPr/>
+      <dgm:t>
+        <a:bodyPr/>
+        <a:lstStyle/>
+        <a:p>
+          <a:endParaRPr lang="de-DE"/>
+        </a:p>
+      </dgm:t>
     </dgm:pt>
     <dgm:pt modelId="{8A1D632A-105E-48A3-9429-E62C2379FEF7}" type="pres">
       <dgm:prSet presAssocID="{827D6214-358D-424B-9F54-AF23819BC946}" presName="node" presStyleLbl="node1" presStyleIdx="3" presStyleCnt="5">
@@ -6270,14 +7222,35 @@
         </dgm:presLayoutVars>
       </dgm:prSet>
       <dgm:spPr/>
+      <dgm:t>
+        <a:bodyPr/>
+        <a:lstStyle/>
+        <a:p>
+          <a:endParaRPr lang="de-DE"/>
+        </a:p>
+      </dgm:t>
     </dgm:pt>
     <dgm:pt modelId="{4B1E4722-2BAD-48CF-AB15-4DDDCDE143CE}" type="pres">
       <dgm:prSet presAssocID="{951E90CF-25EF-4FC8-A2C2-AA0DE1D80379}" presName="sibTrans" presStyleLbl="sibTrans2D1" presStyleIdx="3" presStyleCnt="4"/>
       <dgm:spPr/>
+      <dgm:t>
+        <a:bodyPr/>
+        <a:lstStyle/>
+        <a:p>
+          <a:endParaRPr lang="de-DE"/>
+        </a:p>
+      </dgm:t>
     </dgm:pt>
     <dgm:pt modelId="{0B814EE3-D208-48F4-8633-767EADAC3B97}" type="pres">
       <dgm:prSet presAssocID="{951E90CF-25EF-4FC8-A2C2-AA0DE1D80379}" presName="connectorText" presStyleLbl="sibTrans2D1" presStyleIdx="3" presStyleCnt="4"/>
       <dgm:spPr/>
+      <dgm:t>
+        <a:bodyPr/>
+        <a:lstStyle/>
+        <a:p>
+          <a:endParaRPr lang="de-DE"/>
+        </a:p>
+      </dgm:t>
     </dgm:pt>
     <dgm:pt modelId="{490552E8-260E-47EF-A3BC-019A6D67A44E}" type="pres">
       <dgm:prSet presAssocID="{46C56666-60C9-46EC-B86B-C38D49853D78}" presName="node" presStyleLbl="node1" presStyleIdx="4" presStyleCnt="5">
@@ -6286,6 +7259,13 @@
         </dgm:presLayoutVars>
       </dgm:prSet>
       <dgm:spPr/>
+      <dgm:t>
+        <a:bodyPr/>
+        <a:lstStyle/>
+        <a:p>
+          <a:endParaRPr lang="de-DE"/>
+        </a:p>
+      </dgm:t>
     </dgm:pt>
   </dgm:ptLst>
   <dgm:cxnLst>
@@ -6333,6 +7313,960 @@
 </file>
 
 <file path=ppt/diagrams/data3.xml><?xml version="1.0" encoding="utf-8"?>
+<dgm:dataModel xmlns:dgm="http://schemas.openxmlformats.org/drawingml/2006/diagram" xmlns:a="http://schemas.openxmlformats.org/drawingml/2006/main">
+  <dgm:ptLst>
+    <dgm:pt modelId="{926E0FEA-AD3A-4E7F-AF48-3351C9411E92}" type="doc">
+      <dgm:prSet loTypeId="urn:microsoft.com/office/officeart/2005/8/layout/hierarchy6" loCatId="hierarchy" qsTypeId="urn:microsoft.com/office/officeart/2005/8/quickstyle/simple1" qsCatId="simple" csTypeId="urn:microsoft.com/office/officeart/2005/8/colors/accent1_2" csCatId="accent1" phldr="1"/>
+      <dgm:spPr/>
+      <dgm:t>
+        <a:bodyPr/>
+        <a:lstStyle/>
+        <a:p>
+          <a:endParaRPr lang="de-DE"/>
+        </a:p>
+      </dgm:t>
+    </dgm:pt>
+    <dgm:pt modelId="{95DABF58-E9DC-4580-9207-A565857A6EE8}">
+      <dgm:prSet phldrT="[Text]"/>
+      <dgm:spPr/>
+      <dgm:t>
+        <a:bodyPr/>
+        <a:lstStyle/>
+        <a:p>
+          <a:r>
+            <a:rPr lang="de-DE" dirty="0" smtClean="0"/>
+            <a:t>Geschäftsführung</a:t>
+          </a:r>
+          <a:endParaRPr lang="de-DE" dirty="0"/>
+        </a:p>
+      </dgm:t>
+    </dgm:pt>
+    <dgm:pt modelId="{0EC60D1F-539D-4805-99F9-79CA28025A16}" type="parTrans" cxnId="{E4B1C783-6078-4741-926D-E99935271F7C}">
+      <dgm:prSet/>
+      <dgm:spPr/>
+      <dgm:t>
+        <a:bodyPr/>
+        <a:lstStyle/>
+        <a:p>
+          <a:endParaRPr lang="de-DE"/>
+        </a:p>
+      </dgm:t>
+    </dgm:pt>
+    <dgm:pt modelId="{EA20DB27-DD17-4EED-B443-799BC28C6BBF}" type="sibTrans" cxnId="{E4B1C783-6078-4741-926D-E99935271F7C}">
+      <dgm:prSet/>
+      <dgm:spPr/>
+      <dgm:t>
+        <a:bodyPr/>
+        <a:lstStyle/>
+        <a:p>
+          <a:endParaRPr lang="de-DE"/>
+        </a:p>
+      </dgm:t>
+    </dgm:pt>
+    <dgm:pt modelId="{4DCB251E-76E5-407A-9152-C1B44BA1F2CC}">
+      <dgm:prSet phldrT="[Text]"/>
+      <dgm:spPr/>
+      <dgm:t>
+        <a:bodyPr/>
+        <a:lstStyle/>
+        <a:p>
+          <a:r>
+            <a:rPr lang="de-DE" dirty="0" smtClean="0"/>
+            <a:t>Standortleiter</a:t>
+          </a:r>
+          <a:endParaRPr lang="de-DE" dirty="0"/>
+        </a:p>
+      </dgm:t>
+    </dgm:pt>
+    <dgm:pt modelId="{4AFF8D6C-A4C4-4668-83BD-E910A814EB04}" type="parTrans" cxnId="{553D2C93-AC1A-4ECF-82EF-8891E6EE4BB1}">
+      <dgm:prSet/>
+      <dgm:spPr/>
+      <dgm:t>
+        <a:bodyPr/>
+        <a:lstStyle/>
+        <a:p>
+          <a:endParaRPr lang="de-DE"/>
+        </a:p>
+      </dgm:t>
+    </dgm:pt>
+    <dgm:pt modelId="{7B74D237-E2D3-45CA-8E77-EAFC97315A58}" type="sibTrans" cxnId="{553D2C93-AC1A-4ECF-82EF-8891E6EE4BB1}">
+      <dgm:prSet/>
+      <dgm:spPr/>
+      <dgm:t>
+        <a:bodyPr/>
+        <a:lstStyle/>
+        <a:p>
+          <a:endParaRPr lang="de-DE"/>
+        </a:p>
+      </dgm:t>
+    </dgm:pt>
+    <dgm:pt modelId="{4CEC5FDF-424B-4E8B-968C-54C0BF866E9D}">
+      <dgm:prSet phldrT="[Text]"/>
+      <dgm:spPr/>
+      <dgm:t>
+        <a:bodyPr/>
+        <a:lstStyle/>
+        <a:p>
+          <a:r>
+            <a:rPr lang="de-DE" dirty="0" smtClean="0"/>
+            <a:t>Abteilungsleiter</a:t>
+          </a:r>
+          <a:endParaRPr lang="de-DE" dirty="0"/>
+        </a:p>
+      </dgm:t>
+    </dgm:pt>
+    <dgm:pt modelId="{6886F47C-32C0-4898-A412-3AD55DF3D524}" type="parTrans" cxnId="{622F5971-1CF0-4B97-B0C8-C05FD88AA445}">
+      <dgm:prSet/>
+      <dgm:spPr/>
+      <dgm:t>
+        <a:bodyPr/>
+        <a:lstStyle/>
+        <a:p>
+          <a:endParaRPr lang="de-DE"/>
+        </a:p>
+      </dgm:t>
+    </dgm:pt>
+    <dgm:pt modelId="{7EDCD810-E451-4E2F-B941-08522F0CEF7F}" type="sibTrans" cxnId="{622F5971-1CF0-4B97-B0C8-C05FD88AA445}">
+      <dgm:prSet/>
+      <dgm:spPr/>
+      <dgm:t>
+        <a:bodyPr/>
+        <a:lstStyle/>
+        <a:p>
+          <a:endParaRPr lang="de-DE"/>
+        </a:p>
+      </dgm:t>
+    </dgm:pt>
+    <dgm:pt modelId="{A5A5B5D1-364F-4982-9158-1F9AE61F0B86}">
+      <dgm:prSet phldrT="[Text]"/>
+      <dgm:spPr/>
+      <dgm:t>
+        <a:bodyPr/>
+        <a:lstStyle/>
+        <a:p>
+          <a:r>
+            <a:rPr lang="de-DE" dirty="0" smtClean="0"/>
+            <a:t>Abteilungsleiter</a:t>
+          </a:r>
+          <a:endParaRPr lang="de-DE" dirty="0"/>
+        </a:p>
+      </dgm:t>
+    </dgm:pt>
+    <dgm:pt modelId="{142A233E-B572-4077-81CC-EC7A13CC9209}" type="parTrans" cxnId="{B63DCCD5-6BDA-4B23-BFE6-51FFB3AE6875}">
+      <dgm:prSet/>
+      <dgm:spPr/>
+      <dgm:t>
+        <a:bodyPr/>
+        <a:lstStyle/>
+        <a:p>
+          <a:endParaRPr lang="de-DE"/>
+        </a:p>
+      </dgm:t>
+    </dgm:pt>
+    <dgm:pt modelId="{28330148-5E16-40A9-955E-A3ADCFDD9863}" type="sibTrans" cxnId="{B63DCCD5-6BDA-4B23-BFE6-51FFB3AE6875}">
+      <dgm:prSet/>
+      <dgm:spPr/>
+      <dgm:t>
+        <a:bodyPr/>
+        <a:lstStyle/>
+        <a:p>
+          <a:endParaRPr lang="de-DE"/>
+        </a:p>
+      </dgm:t>
+    </dgm:pt>
+    <dgm:pt modelId="{18F38CA7-DEDC-4FB6-BC3C-15A532A238A5}">
+      <dgm:prSet phldrT="[Text]"/>
+      <dgm:spPr/>
+      <dgm:t>
+        <a:bodyPr/>
+        <a:lstStyle/>
+        <a:p>
+          <a:r>
+            <a:rPr lang="de-DE" dirty="0" smtClean="0"/>
+            <a:t>Standortleiter</a:t>
+          </a:r>
+          <a:endParaRPr lang="de-DE" dirty="0"/>
+        </a:p>
+      </dgm:t>
+    </dgm:pt>
+    <dgm:pt modelId="{14DA731A-E400-4E3E-B963-E4467F25589A}" type="parTrans" cxnId="{AC93A0AC-30EC-4DEC-87B0-EA326AC18FF5}">
+      <dgm:prSet/>
+      <dgm:spPr/>
+      <dgm:t>
+        <a:bodyPr/>
+        <a:lstStyle/>
+        <a:p>
+          <a:endParaRPr lang="de-DE"/>
+        </a:p>
+      </dgm:t>
+    </dgm:pt>
+    <dgm:pt modelId="{AB9B6C08-614D-4684-80BE-F27D5902B2AD}" type="sibTrans" cxnId="{AC93A0AC-30EC-4DEC-87B0-EA326AC18FF5}">
+      <dgm:prSet/>
+      <dgm:spPr/>
+      <dgm:t>
+        <a:bodyPr/>
+        <a:lstStyle/>
+        <a:p>
+          <a:endParaRPr lang="de-DE"/>
+        </a:p>
+      </dgm:t>
+    </dgm:pt>
+    <dgm:pt modelId="{42860D26-249D-4C8F-9E2C-7F8264552AF6}">
+      <dgm:prSet phldrT="[Text]"/>
+      <dgm:spPr/>
+      <dgm:t>
+        <a:bodyPr/>
+        <a:lstStyle/>
+        <a:p>
+          <a:r>
+            <a:rPr lang="de-DE" dirty="0" smtClean="0"/>
+            <a:t>Abteilungsleiter</a:t>
+          </a:r>
+          <a:endParaRPr lang="de-DE" dirty="0"/>
+        </a:p>
+      </dgm:t>
+    </dgm:pt>
+    <dgm:pt modelId="{39B2B22E-398D-4023-8C2C-0F44B2856D5A}" type="parTrans" cxnId="{076ACE00-3DC2-4511-9D57-126B4B2CA653}">
+      <dgm:prSet/>
+      <dgm:spPr/>
+      <dgm:t>
+        <a:bodyPr/>
+        <a:lstStyle/>
+        <a:p>
+          <a:endParaRPr lang="de-DE"/>
+        </a:p>
+      </dgm:t>
+    </dgm:pt>
+    <dgm:pt modelId="{318A0A19-EFAA-457D-9166-5ED6FD8D2EDB}" type="sibTrans" cxnId="{076ACE00-3DC2-4511-9D57-126B4B2CA653}">
+      <dgm:prSet/>
+      <dgm:spPr/>
+      <dgm:t>
+        <a:bodyPr/>
+        <a:lstStyle/>
+        <a:p>
+          <a:endParaRPr lang="de-DE"/>
+        </a:p>
+      </dgm:t>
+    </dgm:pt>
+    <dgm:pt modelId="{4D8F5BC8-BA1D-4197-8790-1E51FEEE69DC}">
+      <dgm:prSet phldrT="[Text]"/>
+      <dgm:spPr/>
+      <dgm:t>
+        <a:bodyPr/>
+        <a:lstStyle/>
+        <a:p>
+          <a:r>
+            <a:rPr lang="de-DE" dirty="0" smtClean="0"/>
+            <a:t>Freie Verfügung</a:t>
+          </a:r>
+          <a:endParaRPr lang="de-DE" dirty="0"/>
+        </a:p>
+      </dgm:t>
+    </dgm:pt>
+    <dgm:pt modelId="{98A9DE40-A574-4946-992F-26302B6056EA}" type="parTrans" cxnId="{6639DE83-4C4E-4937-BE10-89A99FC09CA3}">
+      <dgm:prSet/>
+      <dgm:spPr/>
+      <dgm:t>
+        <a:bodyPr/>
+        <a:lstStyle/>
+        <a:p>
+          <a:endParaRPr lang="de-DE"/>
+        </a:p>
+      </dgm:t>
+    </dgm:pt>
+    <dgm:pt modelId="{D179E58F-D372-4701-B7D0-0D074EE9E4E2}" type="sibTrans" cxnId="{6639DE83-4C4E-4937-BE10-89A99FC09CA3}">
+      <dgm:prSet/>
+      <dgm:spPr/>
+      <dgm:t>
+        <a:bodyPr/>
+        <a:lstStyle/>
+        <a:p>
+          <a:endParaRPr lang="de-DE"/>
+        </a:p>
+      </dgm:t>
+    </dgm:pt>
+    <dgm:pt modelId="{C1165B77-9345-4430-8AA1-B146C86E5FF9}">
+      <dgm:prSet phldrT="[Text]"/>
+      <dgm:spPr/>
+      <dgm:t>
+        <a:bodyPr/>
+        <a:lstStyle/>
+        <a:p>
+          <a:r>
+            <a:rPr lang="de-DE" dirty="0" smtClean="0"/>
+            <a:t>&lt;25.000€</a:t>
+          </a:r>
+          <a:endParaRPr lang="de-DE" dirty="0"/>
+        </a:p>
+      </dgm:t>
+    </dgm:pt>
+    <dgm:pt modelId="{5C5F9E4E-5B38-4E13-8EB6-8D5E566BEC45}" type="parTrans" cxnId="{F8F955BC-1CBA-4B5A-8016-577D745771EE}">
+      <dgm:prSet/>
+      <dgm:spPr/>
+      <dgm:t>
+        <a:bodyPr/>
+        <a:lstStyle/>
+        <a:p>
+          <a:endParaRPr lang="de-DE"/>
+        </a:p>
+      </dgm:t>
+    </dgm:pt>
+    <dgm:pt modelId="{739F9C26-0B8D-48C0-96AE-060699B1C7CD}" type="sibTrans" cxnId="{F8F955BC-1CBA-4B5A-8016-577D745771EE}">
+      <dgm:prSet/>
+      <dgm:spPr/>
+      <dgm:t>
+        <a:bodyPr/>
+        <a:lstStyle/>
+        <a:p>
+          <a:endParaRPr lang="de-DE"/>
+        </a:p>
+      </dgm:t>
+    </dgm:pt>
+    <dgm:pt modelId="{97F93B90-2CAB-4F9F-BBD4-1CA2505F2629}">
+      <dgm:prSet phldrT="[Text]"/>
+      <dgm:spPr/>
+      <dgm:t>
+        <a:bodyPr/>
+        <a:lstStyle/>
+        <a:p>
+          <a:r>
+            <a:rPr lang="de-DE" dirty="0" smtClean="0"/>
+            <a:t>&lt;5000€</a:t>
+          </a:r>
+          <a:endParaRPr lang="de-DE" dirty="0"/>
+        </a:p>
+      </dgm:t>
+    </dgm:pt>
+    <dgm:pt modelId="{34A0EFA2-F187-4BAB-86DF-9580FE0CBA08}" type="parTrans" cxnId="{DA4B51B0-FB7B-4FC5-A223-F7DF6F1F8DB7}">
+      <dgm:prSet/>
+      <dgm:spPr/>
+      <dgm:t>
+        <a:bodyPr/>
+        <a:lstStyle/>
+        <a:p>
+          <a:endParaRPr lang="de-DE"/>
+        </a:p>
+      </dgm:t>
+    </dgm:pt>
+    <dgm:pt modelId="{51E24CBA-E30A-4D21-A76D-17D678AD8D11}" type="sibTrans" cxnId="{DA4B51B0-FB7B-4FC5-A223-F7DF6F1F8DB7}">
+      <dgm:prSet/>
+      <dgm:spPr/>
+      <dgm:t>
+        <a:bodyPr/>
+        <a:lstStyle/>
+        <a:p>
+          <a:endParaRPr lang="de-DE"/>
+        </a:p>
+      </dgm:t>
+    </dgm:pt>
+    <dgm:pt modelId="{E35A7076-0D3E-4476-9369-242EEFD26C38}">
+      <dgm:prSet/>
+      <dgm:spPr/>
+      <dgm:t>
+        <a:bodyPr/>
+        <a:lstStyle/>
+        <a:p>
+          <a:r>
+            <a:rPr lang="de-DE" dirty="0" smtClean="0"/>
+            <a:t>&lt;50.000€</a:t>
+          </a:r>
+          <a:endParaRPr lang="de-DE" dirty="0"/>
+        </a:p>
+      </dgm:t>
+    </dgm:pt>
+    <dgm:pt modelId="{1FCE5E32-EBEF-46F5-8BFF-8BB554FBD8DF}" type="parTrans" cxnId="{70520075-25A6-49FE-8E9B-A83C41F4107D}">
+      <dgm:prSet/>
+      <dgm:spPr/>
+      <dgm:t>
+        <a:bodyPr/>
+        <a:lstStyle/>
+        <a:p>
+          <a:endParaRPr lang="de-DE"/>
+        </a:p>
+      </dgm:t>
+    </dgm:pt>
+    <dgm:pt modelId="{4DA3A5CF-3D87-40FF-BFD7-3D5C8FFDF149}" type="sibTrans" cxnId="{70520075-25A6-49FE-8E9B-A83C41F4107D}">
+      <dgm:prSet/>
+      <dgm:spPr/>
+      <dgm:t>
+        <a:bodyPr/>
+        <a:lstStyle/>
+        <a:p>
+          <a:endParaRPr lang="de-DE"/>
+        </a:p>
+      </dgm:t>
+    </dgm:pt>
+    <dgm:pt modelId="{3C8988AD-DED4-4F32-8D4C-C68C017EA5E7}">
+      <dgm:prSet/>
+      <dgm:spPr/>
+      <dgm:t>
+        <a:bodyPr/>
+        <a:lstStyle/>
+        <a:p>
+          <a:r>
+            <a:rPr lang="de-DE" dirty="0" smtClean="0"/>
+            <a:t>Projektleiter</a:t>
+          </a:r>
+          <a:endParaRPr lang="de-DE" dirty="0"/>
+        </a:p>
+      </dgm:t>
+    </dgm:pt>
+    <dgm:pt modelId="{BB458C25-C4CC-428E-8095-CD0AE706BF44}" type="parTrans" cxnId="{64F58B32-69A2-49A3-842B-5A7ED6BDEE38}">
+      <dgm:prSet/>
+      <dgm:spPr/>
+      <dgm:t>
+        <a:bodyPr/>
+        <a:lstStyle/>
+        <a:p>
+          <a:endParaRPr lang="de-DE"/>
+        </a:p>
+      </dgm:t>
+    </dgm:pt>
+    <dgm:pt modelId="{9A204EE3-5B2A-493D-A332-1458F8C65988}" type="sibTrans" cxnId="{64F58B32-69A2-49A3-842B-5A7ED6BDEE38}">
+      <dgm:prSet/>
+      <dgm:spPr/>
+      <dgm:t>
+        <a:bodyPr/>
+        <a:lstStyle/>
+        <a:p>
+          <a:endParaRPr lang="de-DE"/>
+        </a:p>
+      </dgm:t>
+    </dgm:pt>
+    <dgm:pt modelId="{A5BCB9B9-FA5F-4B0D-8596-6E6519BEA366}">
+      <dgm:prSet/>
+      <dgm:spPr/>
+      <dgm:t>
+        <a:bodyPr/>
+        <a:lstStyle/>
+        <a:p>
+          <a:r>
+            <a:rPr lang="de-DE" dirty="0" smtClean="0"/>
+            <a:t>Projektleiter</a:t>
+          </a:r>
+          <a:endParaRPr lang="de-DE" dirty="0"/>
+        </a:p>
+      </dgm:t>
+    </dgm:pt>
+    <dgm:pt modelId="{8237F2CD-A197-44B8-A208-014BEBB12489}" type="parTrans" cxnId="{AD13C9E1-1F2A-4B7A-8702-16B06BF0CCFF}">
+      <dgm:prSet/>
+      <dgm:spPr/>
+      <dgm:t>
+        <a:bodyPr/>
+        <a:lstStyle/>
+        <a:p>
+          <a:endParaRPr lang="de-DE"/>
+        </a:p>
+      </dgm:t>
+    </dgm:pt>
+    <dgm:pt modelId="{7C6D398B-451E-4A52-B73A-353323E0945A}" type="sibTrans" cxnId="{AD13C9E1-1F2A-4B7A-8702-16B06BF0CCFF}">
+      <dgm:prSet/>
+      <dgm:spPr/>
+      <dgm:t>
+        <a:bodyPr/>
+        <a:lstStyle/>
+        <a:p>
+          <a:endParaRPr lang="de-DE"/>
+        </a:p>
+      </dgm:t>
+    </dgm:pt>
+    <dgm:pt modelId="{8E6CE77F-7A07-4738-9A3A-87DFEBA30489}">
+      <dgm:prSet/>
+      <dgm:spPr/>
+      <dgm:t>
+        <a:bodyPr/>
+        <a:lstStyle/>
+        <a:p>
+          <a:r>
+            <a:rPr lang="de-DE" dirty="0" smtClean="0"/>
+            <a:t>Projektleiter</a:t>
+          </a:r>
+          <a:endParaRPr lang="de-DE" dirty="0"/>
+        </a:p>
+      </dgm:t>
+    </dgm:pt>
+    <dgm:pt modelId="{9B010BE5-18AA-475F-99A7-7409D60C6829}" type="parTrans" cxnId="{FC2FCED6-6F07-422E-B439-4084BE84FFF0}">
+      <dgm:prSet/>
+      <dgm:spPr/>
+      <dgm:t>
+        <a:bodyPr/>
+        <a:lstStyle/>
+        <a:p>
+          <a:endParaRPr lang="de-DE"/>
+        </a:p>
+      </dgm:t>
+    </dgm:pt>
+    <dgm:pt modelId="{7FC6135F-A8CE-4773-A2F8-65884CFC4848}" type="sibTrans" cxnId="{FC2FCED6-6F07-422E-B439-4084BE84FFF0}">
+      <dgm:prSet/>
+      <dgm:spPr/>
+      <dgm:t>
+        <a:bodyPr/>
+        <a:lstStyle/>
+        <a:p>
+          <a:endParaRPr lang="de-DE"/>
+        </a:p>
+      </dgm:t>
+    </dgm:pt>
+    <dgm:pt modelId="{792C3DA7-78F1-49E0-B659-BA9B78CC988D}" type="pres">
+      <dgm:prSet presAssocID="{926E0FEA-AD3A-4E7F-AF48-3351C9411E92}" presName="mainComposite" presStyleCnt="0">
+        <dgm:presLayoutVars>
+          <dgm:chPref val="1"/>
+          <dgm:dir/>
+          <dgm:animOne val="branch"/>
+          <dgm:animLvl val="lvl"/>
+          <dgm:resizeHandles val="exact"/>
+        </dgm:presLayoutVars>
+      </dgm:prSet>
+      <dgm:spPr/>
+    </dgm:pt>
+    <dgm:pt modelId="{CEFF2CFB-273E-478A-A7ED-9A366736D953}" type="pres">
+      <dgm:prSet presAssocID="{926E0FEA-AD3A-4E7F-AF48-3351C9411E92}" presName="hierFlow" presStyleCnt="0"/>
+      <dgm:spPr/>
+    </dgm:pt>
+    <dgm:pt modelId="{EEB86E2B-7BA4-489F-B677-4AE8230FA11C}" type="pres">
+      <dgm:prSet presAssocID="{926E0FEA-AD3A-4E7F-AF48-3351C9411E92}" presName="firstBuf" presStyleCnt="0"/>
+      <dgm:spPr/>
+    </dgm:pt>
+    <dgm:pt modelId="{B6F956B1-4543-4D2B-AFA4-FFAE1C530D3F}" type="pres">
+      <dgm:prSet presAssocID="{926E0FEA-AD3A-4E7F-AF48-3351C9411E92}" presName="hierChild1" presStyleCnt="0">
+        <dgm:presLayoutVars>
+          <dgm:chPref val="1"/>
+          <dgm:animOne val="branch"/>
+          <dgm:animLvl val="lvl"/>
+        </dgm:presLayoutVars>
+      </dgm:prSet>
+      <dgm:spPr/>
+    </dgm:pt>
+    <dgm:pt modelId="{E91BD62C-E2A1-40F9-8E45-64EDA3B73EA0}" type="pres">
+      <dgm:prSet presAssocID="{95DABF58-E9DC-4580-9207-A565857A6EE8}" presName="Name14" presStyleCnt="0"/>
+      <dgm:spPr/>
+    </dgm:pt>
+    <dgm:pt modelId="{1F1A9EFB-A5CD-4033-88DD-329F25ECE298}" type="pres">
+      <dgm:prSet presAssocID="{95DABF58-E9DC-4580-9207-A565857A6EE8}" presName="level1Shape" presStyleLbl="node0" presStyleIdx="0" presStyleCnt="1" custScaleX="122606" custScaleY="64967" custLinFactNeighborX="7295" custLinFactNeighborY="9066">
+        <dgm:presLayoutVars>
+          <dgm:chPref val="3"/>
+        </dgm:presLayoutVars>
+      </dgm:prSet>
+      <dgm:spPr/>
+      <dgm:t>
+        <a:bodyPr/>
+        <a:lstStyle/>
+        <a:p>
+          <a:endParaRPr lang="de-DE"/>
+        </a:p>
+      </dgm:t>
+    </dgm:pt>
+    <dgm:pt modelId="{57B655DE-E407-4642-996B-826F04A76F97}" type="pres">
+      <dgm:prSet presAssocID="{95DABF58-E9DC-4580-9207-A565857A6EE8}" presName="hierChild2" presStyleCnt="0"/>
+      <dgm:spPr/>
+    </dgm:pt>
+    <dgm:pt modelId="{B1C268A3-EE64-46D5-87FC-2308E8B31979}" type="pres">
+      <dgm:prSet presAssocID="{4AFF8D6C-A4C4-4668-83BD-E910A814EB04}" presName="Name19" presStyleLbl="parChTrans1D2" presStyleIdx="0" presStyleCnt="2"/>
+      <dgm:spPr/>
+    </dgm:pt>
+    <dgm:pt modelId="{E4881482-5A38-49E2-91FA-9BCD8E8415B8}" type="pres">
+      <dgm:prSet presAssocID="{4DCB251E-76E5-407A-9152-C1B44BA1F2CC}" presName="Name21" presStyleCnt="0"/>
+      <dgm:spPr/>
+    </dgm:pt>
+    <dgm:pt modelId="{9B58E77F-1383-4BEC-8928-FD9B0FFCE2D4}" type="pres">
+      <dgm:prSet presAssocID="{4DCB251E-76E5-407A-9152-C1B44BA1F2CC}" presName="level2Shape" presStyleLbl="node2" presStyleIdx="0" presStyleCnt="2" custScaleX="122606" custScaleY="64967" custLinFactNeighborY="32957"/>
+      <dgm:spPr/>
+      <dgm:t>
+        <a:bodyPr/>
+        <a:lstStyle/>
+        <a:p>
+          <a:endParaRPr lang="de-DE"/>
+        </a:p>
+      </dgm:t>
+    </dgm:pt>
+    <dgm:pt modelId="{AA14C8AD-0B3B-45D0-9AE8-15CD77898DC8}" type="pres">
+      <dgm:prSet presAssocID="{4DCB251E-76E5-407A-9152-C1B44BA1F2CC}" presName="hierChild3" presStyleCnt="0"/>
+      <dgm:spPr/>
+    </dgm:pt>
+    <dgm:pt modelId="{ACEA7FE6-7A02-47CA-8A4D-764ABFD377A8}" type="pres">
+      <dgm:prSet presAssocID="{6886F47C-32C0-4898-A412-3AD55DF3D524}" presName="Name19" presStyleLbl="parChTrans1D3" presStyleIdx="0" presStyleCnt="3"/>
+      <dgm:spPr/>
+    </dgm:pt>
+    <dgm:pt modelId="{211041F9-227B-4BD3-AA08-B0D7881DBDCD}" type="pres">
+      <dgm:prSet presAssocID="{4CEC5FDF-424B-4E8B-968C-54C0BF866E9D}" presName="Name21" presStyleCnt="0"/>
+      <dgm:spPr/>
+    </dgm:pt>
+    <dgm:pt modelId="{B1922731-AD91-44DE-ACD9-44F95FE5E7B5}" type="pres">
+      <dgm:prSet presAssocID="{4CEC5FDF-424B-4E8B-968C-54C0BF866E9D}" presName="level2Shape" presStyleLbl="node3" presStyleIdx="0" presStyleCnt="3" custScaleX="122606" custScaleY="64967" custLinFactNeighborX="3126" custLinFactNeighborY="51642"/>
+      <dgm:spPr/>
+      <dgm:t>
+        <a:bodyPr/>
+        <a:lstStyle/>
+        <a:p>
+          <a:endParaRPr lang="de-DE"/>
+        </a:p>
+      </dgm:t>
+    </dgm:pt>
+    <dgm:pt modelId="{7BC6F7B1-4FB9-4182-BAAE-E325DA389D87}" type="pres">
+      <dgm:prSet presAssocID="{4CEC5FDF-424B-4E8B-968C-54C0BF866E9D}" presName="hierChild3" presStyleCnt="0"/>
+      <dgm:spPr/>
+    </dgm:pt>
+    <dgm:pt modelId="{E3876E12-9F8C-4240-8F2C-C014D10C0DC2}" type="pres">
+      <dgm:prSet presAssocID="{BB458C25-C4CC-428E-8095-CD0AE706BF44}" presName="Name19" presStyleLbl="parChTrans1D4" presStyleIdx="0" presStyleCnt="3"/>
+      <dgm:spPr/>
+    </dgm:pt>
+    <dgm:pt modelId="{BE1973F2-089B-4617-BDDD-65EE59091C0A}" type="pres">
+      <dgm:prSet presAssocID="{3C8988AD-DED4-4F32-8D4C-C68C017EA5E7}" presName="Name21" presStyleCnt="0"/>
+      <dgm:spPr/>
+    </dgm:pt>
+    <dgm:pt modelId="{57B817E0-E0D2-4C3B-96C5-440DDF1CCC56}" type="pres">
+      <dgm:prSet presAssocID="{3C8988AD-DED4-4F32-8D4C-C68C017EA5E7}" presName="level2Shape" presStyleLbl="node4" presStyleIdx="0" presStyleCnt="3" custScaleX="122726" custScaleY="65281" custLinFactNeighborX="3229" custLinFactNeighborY="65927"/>
+      <dgm:spPr/>
+      <dgm:t>
+        <a:bodyPr/>
+        <a:lstStyle/>
+        <a:p>
+          <a:endParaRPr lang="de-DE"/>
+        </a:p>
+      </dgm:t>
+    </dgm:pt>
+    <dgm:pt modelId="{89C2FF58-C961-46AE-AE20-DEDB9F27ADD3}" type="pres">
+      <dgm:prSet presAssocID="{3C8988AD-DED4-4F32-8D4C-C68C017EA5E7}" presName="hierChild3" presStyleCnt="0"/>
+      <dgm:spPr/>
+    </dgm:pt>
+    <dgm:pt modelId="{8425BE49-3193-4F0A-988D-93FAABCC3B85}" type="pres">
+      <dgm:prSet presAssocID="{142A233E-B572-4077-81CC-EC7A13CC9209}" presName="Name19" presStyleLbl="parChTrans1D3" presStyleIdx="1" presStyleCnt="3"/>
+      <dgm:spPr/>
+    </dgm:pt>
+    <dgm:pt modelId="{212BD726-B198-4770-8AA3-7964F3EE9358}" type="pres">
+      <dgm:prSet presAssocID="{A5A5B5D1-364F-4982-9158-1F9AE61F0B86}" presName="Name21" presStyleCnt="0"/>
+      <dgm:spPr/>
+    </dgm:pt>
+    <dgm:pt modelId="{539703D4-AE6E-461B-85C9-2133BACCB77D}" type="pres">
+      <dgm:prSet presAssocID="{A5A5B5D1-364F-4982-9158-1F9AE61F0B86}" presName="level2Shape" presStyleLbl="node3" presStyleIdx="1" presStyleCnt="3" custScaleX="122606" custScaleY="64967" custLinFactNeighborY="51752"/>
+      <dgm:spPr/>
+      <dgm:t>
+        <a:bodyPr/>
+        <a:lstStyle/>
+        <a:p>
+          <a:endParaRPr lang="de-DE"/>
+        </a:p>
+      </dgm:t>
+    </dgm:pt>
+    <dgm:pt modelId="{6C2F197F-C7A8-4319-AE0C-2EF875A9DCC3}" type="pres">
+      <dgm:prSet presAssocID="{A5A5B5D1-364F-4982-9158-1F9AE61F0B86}" presName="hierChild3" presStyleCnt="0"/>
+      <dgm:spPr/>
+    </dgm:pt>
+    <dgm:pt modelId="{AC6416A9-3999-4E89-AA2B-F6FF74BB1CD2}" type="pres">
+      <dgm:prSet presAssocID="{8237F2CD-A197-44B8-A208-014BEBB12489}" presName="Name19" presStyleLbl="parChTrans1D4" presStyleIdx="1" presStyleCnt="3"/>
+      <dgm:spPr/>
+    </dgm:pt>
+    <dgm:pt modelId="{10B721FE-36C5-4654-B694-78F3B889751F}" type="pres">
+      <dgm:prSet presAssocID="{A5BCB9B9-FA5F-4B0D-8596-6E6519BEA366}" presName="Name21" presStyleCnt="0"/>
+      <dgm:spPr/>
+    </dgm:pt>
+    <dgm:pt modelId="{3D3D490F-0140-43F2-8EBF-95420D7C26A3}" type="pres">
+      <dgm:prSet presAssocID="{A5BCB9B9-FA5F-4B0D-8596-6E6519BEA366}" presName="level2Shape" presStyleLbl="node4" presStyleIdx="1" presStyleCnt="3" custScaleX="122726" custScaleY="65281" custLinFactNeighborX="181" custLinFactNeighborY="65927"/>
+      <dgm:spPr/>
+    </dgm:pt>
+    <dgm:pt modelId="{46149488-E7A9-4E7A-8D8F-06E3DA596DE0}" type="pres">
+      <dgm:prSet presAssocID="{A5BCB9B9-FA5F-4B0D-8596-6E6519BEA366}" presName="hierChild3" presStyleCnt="0"/>
+      <dgm:spPr/>
+    </dgm:pt>
+    <dgm:pt modelId="{C5C8040F-AAEA-46F5-9660-B0B31485A141}" type="pres">
+      <dgm:prSet presAssocID="{14DA731A-E400-4E3E-B963-E4467F25589A}" presName="Name19" presStyleLbl="parChTrans1D2" presStyleIdx="1" presStyleCnt="2"/>
+      <dgm:spPr/>
+    </dgm:pt>
+    <dgm:pt modelId="{114089F7-CCCD-4DF5-A06E-B0D2114FD7B8}" type="pres">
+      <dgm:prSet presAssocID="{18F38CA7-DEDC-4FB6-BC3C-15A532A238A5}" presName="Name21" presStyleCnt="0"/>
+      <dgm:spPr/>
+    </dgm:pt>
+    <dgm:pt modelId="{C6557AE3-55BC-4169-9228-02E5B0E0F267}" type="pres">
+      <dgm:prSet presAssocID="{18F38CA7-DEDC-4FB6-BC3C-15A532A238A5}" presName="level2Shape" presStyleLbl="node2" presStyleIdx="1" presStyleCnt="2" custScaleX="122606" custScaleY="64967" custLinFactNeighborX="-26" custLinFactNeighborY="33090"/>
+      <dgm:spPr/>
+    </dgm:pt>
+    <dgm:pt modelId="{3C2B8E3E-4D16-4E24-9B02-1B51219B273F}" type="pres">
+      <dgm:prSet presAssocID="{18F38CA7-DEDC-4FB6-BC3C-15A532A238A5}" presName="hierChild3" presStyleCnt="0"/>
+      <dgm:spPr/>
+    </dgm:pt>
+    <dgm:pt modelId="{5ED8A3C9-50E9-4DB1-88F4-37217F3FB118}" type="pres">
+      <dgm:prSet presAssocID="{39B2B22E-398D-4023-8C2C-0F44B2856D5A}" presName="Name19" presStyleLbl="parChTrans1D3" presStyleIdx="2" presStyleCnt="3"/>
+      <dgm:spPr/>
+    </dgm:pt>
+    <dgm:pt modelId="{8C6C6B06-475E-48B6-A555-E765F021362B}" type="pres">
+      <dgm:prSet presAssocID="{42860D26-249D-4C8F-9E2C-7F8264552AF6}" presName="Name21" presStyleCnt="0"/>
+      <dgm:spPr/>
+    </dgm:pt>
+    <dgm:pt modelId="{6AA7F588-6EA8-448E-B804-56FC8DC85A63}" type="pres">
+      <dgm:prSet presAssocID="{42860D26-249D-4C8F-9E2C-7F8264552AF6}" presName="level2Shape" presStyleLbl="node3" presStyleIdx="2" presStyleCnt="3" custScaleX="122606" custScaleY="64967" custLinFactNeighborY="51752"/>
+      <dgm:spPr/>
+      <dgm:t>
+        <a:bodyPr/>
+        <a:lstStyle/>
+        <a:p>
+          <a:endParaRPr lang="de-DE"/>
+        </a:p>
+      </dgm:t>
+    </dgm:pt>
+    <dgm:pt modelId="{8D486A56-23A1-4A27-A5B2-0E560192E691}" type="pres">
+      <dgm:prSet presAssocID="{42860D26-249D-4C8F-9E2C-7F8264552AF6}" presName="hierChild3" presStyleCnt="0"/>
+      <dgm:spPr/>
+    </dgm:pt>
+    <dgm:pt modelId="{B4DC2401-ADA1-4E41-9392-27C467050940}" type="pres">
+      <dgm:prSet presAssocID="{9B010BE5-18AA-475F-99A7-7409D60C6829}" presName="Name19" presStyleLbl="parChTrans1D4" presStyleIdx="2" presStyleCnt="3"/>
+      <dgm:spPr/>
+    </dgm:pt>
+    <dgm:pt modelId="{AA8D51A0-1070-41E5-B50D-882AC46C62B0}" type="pres">
+      <dgm:prSet presAssocID="{8E6CE77F-7A07-4738-9A3A-87DFEBA30489}" presName="Name21" presStyleCnt="0"/>
+      <dgm:spPr/>
+    </dgm:pt>
+    <dgm:pt modelId="{B7A311D2-1E9E-4004-A53F-9623D84287C9}" type="pres">
+      <dgm:prSet presAssocID="{8E6CE77F-7A07-4738-9A3A-87DFEBA30489}" presName="level2Shape" presStyleLbl="node4" presStyleIdx="2" presStyleCnt="3" custScaleX="122726" custScaleY="65281" custLinFactNeighborX="148" custLinFactNeighborY="65892"/>
+      <dgm:spPr/>
+    </dgm:pt>
+    <dgm:pt modelId="{1D8E991D-5D52-45AC-9A34-A56EADA1E87D}" type="pres">
+      <dgm:prSet presAssocID="{8E6CE77F-7A07-4738-9A3A-87DFEBA30489}" presName="hierChild3" presStyleCnt="0"/>
+      <dgm:spPr/>
+    </dgm:pt>
+    <dgm:pt modelId="{7B42FF8A-876F-40E2-98C1-AB9523D74342}" type="pres">
+      <dgm:prSet presAssocID="{926E0FEA-AD3A-4E7F-AF48-3351C9411E92}" presName="bgShapesFlow" presStyleCnt="0"/>
+      <dgm:spPr/>
+    </dgm:pt>
+    <dgm:pt modelId="{581B424B-1243-4070-AA72-533191762433}" type="pres">
+      <dgm:prSet presAssocID="{4D8F5BC8-BA1D-4197-8790-1E51FEEE69DC}" presName="rectComp" presStyleCnt="0"/>
+      <dgm:spPr/>
+    </dgm:pt>
+    <dgm:pt modelId="{747057C4-883E-4012-8E66-4802241FD32C}" type="pres">
+      <dgm:prSet presAssocID="{4D8F5BC8-BA1D-4197-8790-1E51FEEE69DC}" presName="bgRect" presStyleLbl="bgShp" presStyleIdx="0" presStyleCnt="4"/>
+      <dgm:spPr/>
+    </dgm:pt>
+    <dgm:pt modelId="{F1E4EA33-8495-49ED-90D9-7E6671523324}" type="pres">
+      <dgm:prSet presAssocID="{4D8F5BC8-BA1D-4197-8790-1E51FEEE69DC}" presName="bgRectTx" presStyleLbl="bgShp" presStyleIdx="0" presStyleCnt="4">
+        <dgm:presLayoutVars>
+          <dgm:bulletEnabled val="1"/>
+        </dgm:presLayoutVars>
+      </dgm:prSet>
+      <dgm:spPr/>
+    </dgm:pt>
+    <dgm:pt modelId="{D536FC77-B0D4-4470-B259-984B9C555B91}" type="pres">
+      <dgm:prSet presAssocID="{4D8F5BC8-BA1D-4197-8790-1E51FEEE69DC}" presName="spComp" presStyleCnt="0"/>
+      <dgm:spPr/>
+    </dgm:pt>
+    <dgm:pt modelId="{7A38BC80-89FB-42DC-9459-85B2CDA19764}" type="pres">
+      <dgm:prSet presAssocID="{4D8F5BC8-BA1D-4197-8790-1E51FEEE69DC}" presName="vSp" presStyleCnt="0"/>
+      <dgm:spPr/>
+    </dgm:pt>
+    <dgm:pt modelId="{C23EEF09-3A0A-4D48-B185-CD54C28FD24A}" type="pres">
+      <dgm:prSet presAssocID="{E35A7076-0D3E-4476-9369-242EEFD26C38}" presName="rectComp" presStyleCnt="0"/>
+      <dgm:spPr/>
+    </dgm:pt>
+    <dgm:pt modelId="{F0E32CA4-6831-4764-A3A4-A040A84BCF6B}" type="pres">
+      <dgm:prSet presAssocID="{E35A7076-0D3E-4476-9369-242EEFD26C38}" presName="bgRect" presStyleLbl="bgShp" presStyleIdx="1" presStyleCnt="4"/>
+      <dgm:spPr/>
+      <dgm:t>
+        <a:bodyPr/>
+        <a:lstStyle/>
+        <a:p>
+          <a:endParaRPr lang="de-DE"/>
+        </a:p>
+      </dgm:t>
+    </dgm:pt>
+    <dgm:pt modelId="{2086E560-F69F-419F-920B-2F21B7B2937D}" type="pres">
+      <dgm:prSet presAssocID="{E35A7076-0D3E-4476-9369-242EEFD26C38}" presName="bgRectTx" presStyleLbl="bgShp" presStyleIdx="1" presStyleCnt="4">
+        <dgm:presLayoutVars>
+          <dgm:bulletEnabled val="1"/>
+        </dgm:presLayoutVars>
+      </dgm:prSet>
+      <dgm:spPr/>
+      <dgm:t>
+        <a:bodyPr/>
+        <a:lstStyle/>
+        <a:p>
+          <a:endParaRPr lang="de-DE"/>
+        </a:p>
+      </dgm:t>
+    </dgm:pt>
+    <dgm:pt modelId="{39A13254-B364-4DAD-B140-C114A69DCEB7}" type="pres">
+      <dgm:prSet presAssocID="{E35A7076-0D3E-4476-9369-242EEFD26C38}" presName="spComp" presStyleCnt="0"/>
+      <dgm:spPr/>
+    </dgm:pt>
+    <dgm:pt modelId="{20AFAA71-F5F1-4509-B76E-298476EAE1DE}" type="pres">
+      <dgm:prSet presAssocID="{E35A7076-0D3E-4476-9369-242EEFD26C38}" presName="vSp" presStyleCnt="0"/>
+      <dgm:spPr/>
+    </dgm:pt>
+    <dgm:pt modelId="{8B7C9E8F-B2A9-4AC9-A9B7-81E97AF4C336}" type="pres">
+      <dgm:prSet presAssocID="{C1165B77-9345-4430-8AA1-B146C86E5FF9}" presName="rectComp" presStyleCnt="0"/>
+      <dgm:spPr/>
+    </dgm:pt>
+    <dgm:pt modelId="{094B87F5-4ED7-4E39-86B3-CD66B90D9A56}" type="pres">
+      <dgm:prSet presAssocID="{C1165B77-9345-4430-8AA1-B146C86E5FF9}" presName="bgRect" presStyleLbl="bgShp" presStyleIdx="2" presStyleCnt="4"/>
+      <dgm:spPr/>
+      <dgm:t>
+        <a:bodyPr/>
+        <a:lstStyle/>
+        <a:p>
+          <a:endParaRPr lang="de-DE"/>
+        </a:p>
+      </dgm:t>
+    </dgm:pt>
+    <dgm:pt modelId="{F5D4032B-2332-4D08-B38B-3674888BC178}" type="pres">
+      <dgm:prSet presAssocID="{C1165B77-9345-4430-8AA1-B146C86E5FF9}" presName="bgRectTx" presStyleLbl="bgShp" presStyleIdx="2" presStyleCnt="4">
+        <dgm:presLayoutVars>
+          <dgm:bulletEnabled val="1"/>
+        </dgm:presLayoutVars>
+      </dgm:prSet>
+      <dgm:spPr/>
+      <dgm:t>
+        <a:bodyPr/>
+        <a:lstStyle/>
+        <a:p>
+          <a:endParaRPr lang="de-DE"/>
+        </a:p>
+      </dgm:t>
+    </dgm:pt>
+    <dgm:pt modelId="{11C63BA6-B64F-4B2E-964C-05463C055898}" type="pres">
+      <dgm:prSet presAssocID="{C1165B77-9345-4430-8AA1-B146C86E5FF9}" presName="spComp" presStyleCnt="0"/>
+      <dgm:spPr/>
+    </dgm:pt>
+    <dgm:pt modelId="{44E071C7-5F66-400E-A5DD-C80E8ABE63B0}" type="pres">
+      <dgm:prSet presAssocID="{C1165B77-9345-4430-8AA1-B146C86E5FF9}" presName="vSp" presStyleCnt="0"/>
+      <dgm:spPr/>
+    </dgm:pt>
+    <dgm:pt modelId="{B5B37B99-F352-46B4-B80A-D8FF3FDB0E34}" type="pres">
+      <dgm:prSet presAssocID="{97F93B90-2CAB-4F9F-BBD4-1CA2505F2629}" presName="rectComp" presStyleCnt="0"/>
+      <dgm:spPr/>
+    </dgm:pt>
+    <dgm:pt modelId="{FFD2D732-4275-4857-A664-5C8279F281CE}" type="pres">
+      <dgm:prSet presAssocID="{97F93B90-2CAB-4F9F-BBD4-1CA2505F2629}" presName="bgRect" presStyleLbl="bgShp" presStyleIdx="3" presStyleCnt="4"/>
+      <dgm:spPr/>
+      <dgm:t>
+        <a:bodyPr/>
+        <a:lstStyle/>
+        <a:p>
+          <a:endParaRPr lang="de-DE"/>
+        </a:p>
+      </dgm:t>
+    </dgm:pt>
+    <dgm:pt modelId="{3124EE76-5341-4C95-A8A4-0B051B50E190}" type="pres">
+      <dgm:prSet presAssocID="{97F93B90-2CAB-4F9F-BBD4-1CA2505F2629}" presName="bgRectTx" presStyleLbl="bgShp" presStyleIdx="3" presStyleCnt="4">
+        <dgm:presLayoutVars>
+          <dgm:bulletEnabled val="1"/>
+        </dgm:presLayoutVars>
+      </dgm:prSet>
+      <dgm:spPr/>
+      <dgm:t>
+        <a:bodyPr/>
+        <a:lstStyle/>
+        <a:p>
+          <a:endParaRPr lang="de-DE"/>
+        </a:p>
+      </dgm:t>
+    </dgm:pt>
+  </dgm:ptLst>
+  <dgm:cxnLst>
+    <dgm:cxn modelId="{91AF756F-5C96-4F65-8DB1-8E0A7A743B1E}" type="presOf" srcId="{C1165B77-9345-4430-8AA1-B146C86E5FF9}" destId="{094B87F5-4ED7-4E39-86B3-CD66B90D9A56}" srcOrd="0" destOrd="0" presId="urn:microsoft.com/office/officeart/2005/8/layout/hierarchy6"/>
+    <dgm:cxn modelId="{032CE897-7CF9-459D-B8CB-01F3F612A6A1}" type="presOf" srcId="{14DA731A-E400-4E3E-B963-E4467F25589A}" destId="{C5C8040F-AAEA-46F5-9660-B0B31485A141}" srcOrd="0" destOrd="0" presId="urn:microsoft.com/office/officeart/2005/8/layout/hierarchy6"/>
+    <dgm:cxn modelId="{AD13C9E1-1F2A-4B7A-8702-16B06BF0CCFF}" srcId="{A5A5B5D1-364F-4982-9158-1F9AE61F0B86}" destId="{A5BCB9B9-FA5F-4B0D-8596-6E6519BEA366}" srcOrd="0" destOrd="0" parTransId="{8237F2CD-A197-44B8-A208-014BEBB12489}" sibTransId="{7C6D398B-451E-4A52-B73A-353323E0945A}"/>
+    <dgm:cxn modelId="{772B055D-726F-459C-A4D4-EBCC522530C0}" type="presOf" srcId="{6886F47C-32C0-4898-A412-3AD55DF3D524}" destId="{ACEA7FE6-7A02-47CA-8A4D-764ABFD377A8}" srcOrd="0" destOrd="0" presId="urn:microsoft.com/office/officeart/2005/8/layout/hierarchy6"/>
+    <dgm:cxn modelId="{8A1F60A6-8324-4268-A14D-DE159CFB1BAD}" type="presOf" srcId="{4AFF8D6C-A4C4-4668-83BD-E910A814EB04}" destId="{B1C268A3-EE64-46D5-87FC-2308E8B31979}" srcOrd="0" destOrd="0" presId="urn:microsoft.com/office/officeart/2005/8/layout/hierarchy6"/>
+    <dgm:cxn modelId="{B63DCCD5-6BDA-4B23-BFE6-51FFB3AE6875}" srcId="{4DCB251E-76E5-407A-9152-C1B44BA1F2CC}" destId="{A5A5B5D1-364F-4982-9158-1F9AE61F0B86}" srcOrd="1" destOrd="0" parTransId="{142A233E-B572-4077-81CC-EC7A13CC9209}" sibTransId="{28330148-5E16-40A9-955E-A3ADCFDD9863}"/>
+    <dgm:cxn modelId="{7952B6C4-DB90-473A-9327-3036DBCBD1E2}" type="presOf" srcId="{4DCB251E-76E5-407A-9152-C1B44BA1F2CC}" destId="{9B58E77F-1383-4BEC-8928-FD9B0FFCE2D4}" srcOrd="0" destOrd="0" presId="urn:microsoft.com/office/officeart/2005/8/layout/hierarchy6"/>
+    <dgm:cxn modelId="{64F58B32-69A2-49A3-842B-5A7ED6BDEE38}" srcId="{4CEC5FDF-424B-4E8B-968C-54C0BF866E9D}" destId="{3C8988AD-DED4-4F32-8D4C-C68C017EA5E7}" srcOrd="0" destOrd="0" parTransId="{BB458C25-C4CC-428E-8095-CD0AE706BF44}" sibTransId="{9A204EE3-5B2A-493D-A332-1458F8C65988}"/>
+    <dgm:cxn modelId="{076ACE00-3DC2-4511-9D57-126B4B2CA653}" srcId="{18F38CA7-DEDC-4FB6-BC3C-15A532A238A5}" destId="{42860D26-249D-4C8F-9E2C-7F8264552AF6}" srcOrd="0" destOrd="0" parTransId="{39B2B22E-398D-4023-8C2C-0F44B2856D5A}" sibTransId="{318A0A19-EFAA-457D-9166-5ED6FD8D2EDB}"/>
+    <dgm:cxn modelId="{8291E70A-3FC7-48E5-92E3-8AD31F335A79}" type="presOf" srcId="{142A233E-B572-4077-81CC-EC7A13CC9209}" destId="{8425BE49-3193-4F0A-988D-93FAABCC3B85}" srcOrd="0" destOrd="0" presId="urn:microsoft.com/office/officeart/2005/8/layout/hierarchy6"/>
+    <dgm:cxn modelId="{95DD6AED-E066-4C5C-BB5F-CFCBABB6586C}" type="presOf" srcId="{E35A7076-0D3E-4476-9369-242EEFD26C38}" destId="{F0E32CA4-6831-4764-A3A4-A040A84BCF6B}" srcOrd="0" destOrd="0" presId="urn:microsoft.com/office/officeart/2005/8/layout/hierarchy6"/>
+    <dgm:cxn modelId="{BE77DEBC-BBCF-460C-BEA8-667476AA585D}" type="presOf" srcId="{8E6CE77F-7A07-4738-9A3A-87DFEBA30489}" destId="{B7A311D2-1E9E-4004-A53F-9623D84287C9}" srcOrd="0" destOrd="0" presId="urn:microsoft.com/office/officeart/2005/8/layout/hierarchy6"/>
+    <dgm:cxn modelId="{78AD8EE8-51C8-444F-AC2B-DDF0DBEC74CC}" type="presOf" srcId="{97F93B90-2CAB-4F9F-BBD4-1CA2505F2629}" destId="{FFD2D732-4275-4857-A664-5C8279F281CE}" srcOrd="0" destOrd="0" presId="urn:microsoft.com/office/officeart/2005/8/layout/hierarchy6"/>
+    <dgm:cxn modelId="{850B720B-D835-4B97-A7FF-6B4D2BBBC92B}" type="presOf" srcId="{A5BCB9B9-FA5F-4B0D-8596-6E6519BEA366}" destId="{3D3D490F-0140-43F2-8EBF-95420D7C26A3}" srcOrd="0" destOrd="0" presId="urn:microsoft.com/office/officeart/2005/8/layout/hierarchy6"/>
+    <dgm:cxn modelId="{32756A66-BBD8-4A38-AE64-BF70E996B787}" type="presOf" srcId="{95DABF58-E9DC-4580-9207-A565857A6EE8}" destId="{1F1A9EFB-A5CD-4033-88DD-329F25ECE298}" srcOrd="0" destOrd="0" presId="urn:microsoft.com/office/officeart/2005/8/layout/hierarchy6"/>
+    <dgm:cxn modelId="{BBD2B6A2-6433-409C-BD6F-1F9F4A864DED}" type="presOf" srcId="{4CEC5FDF-424B-4E8B-968C-54C0BF866E9D}" destId="{B1922731-AD91-44DE-ACD9-44F95FE5E7B5}" srcOrd="0" destOrd="0" presId="urn:microsoft.com/office/officeart/2005/8/layout/hierarchy6"/>
+    <dgm:cxn modelId="{7C69FFC9-5E9C-4C9C-96BA-E055A0A0FF33}" type="presOf" srcId="{BB458C25-C4CC-428E-8095-CD0AE706BF44}" destId="{E3876E12-9F8C-4240-8F2C-C014D10C0DC2}" srcOrd="0" destOrd="0" presId="urn:microsoft.com/office/officeart/2005/8/layout/hierarchy6"/>
+    <dgm:cxn modelId="{FF81B498-5FFF-4249-83F7-9CD06DD5E7FE}" type="presOf" srcId="{97F93B90-2CAB-4F9F-BBD4-1CA2505F2629}" destId="{3124EE76-5341-4C95-A8A4-0B051B50E190}" srcOrd="1" destOrd="0" presId="urn:microsoft.com/office/officeart/2005/8/layout/hierarchy6"/>
+    <dgm:cxn modelId="{F6B7E1E6-D263-451D-B34D-E5BEB20BD5B7}" type="presOf" srcId="{C1165B77-9345-4430-8AA1-B146C86E5FF9}" destId="{F5D4032B-2332-4D08-B38B-3674888BC178}" srcOrd="1" destOrd="0" presId="urn:microsoft.com/office/officeart/2005/8/layout/hierarchy6"/>
+    <dgm:cxn modelId="{F8F955BC-1CBA-4B5A-8016-577D745771EE}" srcId="{926E0FEA-AD3A-4E7F-AF48-3351C9411E92}" destId="{C1165B77-9345-4430-8AA1-B146C86E5FF9}" srcOrd="3" destOrd="0" parTransId="{5C5F9E4E-5B38-4E13-8EB6-8D5E566BEC45}" sibTransId="{739F9C26-0B8D-48C0-96AE-060699B1C7CD}"/>
+    <dgm:cxn modelId="{AC93A0AC-30EC-4DEC-87B0-EA326AC18FF5}" srcId="{95DABF58-E9DC-4580-9207-A565857A6EE8}" destId="{18F38CA7-DEDC-4FB6-BC3C-15A532A238A5}" srcOrd="1" destOrd="0" parTransId="{14DA731A-E400-4E3E-B963-E4467F25589A}" sibTransId="{AB9B6C08-614D-4684-80BE-F27D5902B2AD}"/>
+    <dgm:cxn modelId="{622F5971-1CF0-4B97-B0C8-C05FD88AA445}" srcId="{4DCB251E-76E5-407A-9152-C1B44BA1F2CC}" destId="{4CEC5FDF-424B-4E8B-968C-54C0BF866E9D}" srcOrd="0" destOrd="0" parTransId="{6886F47C-32C0-4898-A412-3AD55DF3D524}" sibTransId="{7EDCD810-E451-4E2F-B941-08522F0CEF7F}"/>
+    <dgm:cxn modelId="{42ACE362-E88C-462F-977E-B44CB4C63E6F}" type="presOf" srcId="{42860D26-249D-4C8F-9E2C-7F8264552AF6}" destId="{6AA7F588-6EA8-448E-B804-56FC8DC85A63}" srcOrd="0" destOrd="0" presId="urn:microsoft.com/office/officeart/2005/8/layout/hierarchy6"/>
+    <dgm:cxn modelId="{F89D4300-F1BB-4D62-9DE6-15D0A89792D8}" type="presOf" srcId="{A5A5B5D1-364F-4982-9158-1F9AE61F0B86}" destId="{539703D4-AE6E-461B-85C9-2133BACCB77D}" srcOrd="0" destOrd="0" presId="urn:microsoft.com/office/officeart/2005/8/layout/hierarchy6"/>
+    <dgm:cxn modelId="{553D2C93-AC1A-4ECF-82EF-8891E6EE4BB1}" srcId="{95DABF58-E9DC-4580-9207-A565857A6EE8}" destId="{4DCB251E-76E5-407A-9152-C1B44BA1F2CC}" srcOrd="0" destOrd="0" parTransId="{4AFF8D6C-A4C4-4668-83BD-E910A814EB04}" sibTransId="{7B74D237-E2D3-45CA-8E77-EAFC97315A58}"/>
+    <dgm:cxn modelId="{70520075-25A6-49FE-8E9B-A83C41F4107D}" srcId="{926E0FEA-AD3A-4E7F-AF48-3351C9411E92}" destId="{E35A7076-0D3E-4476-9369-242EEFD26C38}" srcOrd="2" destOrd="0" parTransId="{1FCE5E32-EBEF-46F5-8BFF-8BB554FBD8DF}" sibTransId="{4DA3A5CF-3D87-40FF-BFD7-3D5C8FFDF149}"/>
+    <dgm:cxn modelId="{E8BA21F1-3D7E-47F0-9798-60A893BA45E2}" type="presOf" srcId="{39B2B22E-398D-4023-8C2C-0F44B2856D5A}" destId="{5ED8A3C9-50E9-4DB1-88F4-37217F3FB118}" srcOrd="0" destOrd="0" presId="urn:microsoft.com/office/officeart/2005/8/layout/hierarchy6"/>
+    <dgm:cxn modelId="{81E01D12-A0A0-467E-8E9C-E246CEE0A705}" type="presOf" srcId="{4D8F5BC8-BA1D-4197-8790-1E51FEEE69DC}" destId="{F1E4EA33-8495-49ED-90D9-7E6671523324}" srcOrd="1" destOrd="0" presId="urn:microsoft.com/office/officeart/2005/8/layout/hierarchy6"/>
+    <dgm:cxn modelId="{DA4B51B0-FB7B-4FC5-A223-F7DF6F1F8DB7}" srcId="{926E0FEA-AD3A-4E7F-AF48-3351C9411E92}" destId="{97F93B90-2CAB-4F9F-BBD4-1CA2505F2629}" srcOrd="4" destOrd="0" parTransId="{34A0EFA2-F187-4BAB-86DF-9580FE0CBA08}" sibTransId="{51E24CBA-E30A-4D21-A76D-17D678AD8D11}"/>
+    <dgm:cxn modelId="{E4B1C783-6078-4741-926D-E99935271F7C}" srcId="{926E0FEA-AD3A-4E7F-AF48-3351C9411E92}" destId="{95DABF58-E9DC-4580-9207-A565857A6EE8}" srcOrd="0" destOrd="0" parTransId="{0EC60D1F-539D-4805-99F9-79CA28025A16}" sibTransId="{EA20DB27-DD17-4EED-B443-799BC28C6BBF}"/>
+    <dgm:cxn modelId="{559803D4-3253-4B74-9D6B-4F1B2785F66D}" type="presOf" srcId="{3C8988AD-DED4-4F32-8D4C-C68C017EA5E7}" destId="{57B817E0-E0D2-4C3B-96C5-440DDF1CCC56}" srcOrd="0" destOrd="0" presId="urn:microsoft.com/office/officeart/2005/8/layout/hierarchy6"/>
+    <dgm:cxn modelId="{43E1BC81-52FC-438A-918D-D41F1F93AF4B}" type="presOf" srcId="{8237F2CD-A197-44B8-A208-014BEBB12489}" destId="{AC6416A9-3999-4E89-AA2B-F6FF74BB1CD2}" srcOrd="0" destOrd="0" presId="urn:microsoft.com/office/officeart/2005/8/layout/hierarchy6"/>
+    <dgm:cxn modelId="{FC2FCED6-6F07-422E-B439-4084BE84FFF0}" srcId="{42860D26-249D-4C8F-9E2C-7F8264552AF6}" destId="{8E6CE77F-7A07-4738-9A3A-87DFEBA30489}" srcOrd="0" destOrd="0" parTransId="{9B010BE5-18AA-475F-99A7-7409D60C6829}" sibTransId="{7FC6135F-A8CE-4773-A2F8-65884CFC4848}"/>
+    <dgm:cxn modelId="{AED3ED22-7B39-4AED-9F85-AC5E8A1F60A3}" type="presOf" srcId="{E35A7076-0D3E-4476-9369-242EEFD26C38}" destId="{2086E560-F69F-419F-920B-2F21B7B2937D}" srcOrd="1" destOrd="0" presId="urn:microsoft.com/office/officeart/2005/8/layout/hierarchy6"/>
+    <dgm:cxn modelId="{6639DE83-4C4E-4937-BE10-89A99FC09CA3}" srcId="{926E0FEA-AD3A-4E7F-AF48-3351C9411E92}" destId="{4D8F5BC8-BA1D-4197-8790-1E51FEEE69DC}" srcOrd="1" destOrd="0" parTransId="{98A9DE40-A574-4946-992F-26302B6056EA}" sibTransId="{D179E58F-D372-4701-B7D0-0D074EE9E4E2}"/>
+    <dgm:cxn modelId="{8511EC58-F81B-4B97-A074-6F159561FA3A}" type="presOf" srcId="{926E0FEA-AD3A-4E7F-AF48-3351C9411E92}" destId="{792C3DA7-78F1-49E0-B659-BA9B78CC988D}" srcOrd="0" destOrd="0" presId="urn:microsoft.com/office/officeart/2005/8/layout/hierarchy6"/>
+    <dgm:cxn modelId="{94AF9772-5855-4C49-AB31-93D6105130FD}" type="presOf" srcId="{18F38CA7-DEDC-4FB6-BC3C-15A532A238A5}" destId="{C6557AE3-55BC-4169-9228-02E5B0E0F267}" srcOrd="0" destOrd="0" presId="urn:microsoft.com/office/officeart/2005/8/layout/hierarchy6"/>
+    <dgm:cxn modelId="{50E5F65C-AB9E-4360-A427-79CC343FB41E}" type="presOf" srcId="{4D8F5BC8-BA1D-4197-8790-1E51FEEE69DC}" destId="{747057C4-883E-4012-8E66-4802241FD32C}" srcOrd="0" destOrd="0" presId="urn:microsoft.com/office/officeart/2005/8/layout/hierarchy6"/>
+    <dgm:cxn modelId="{030E104D-716E-4644-B9C0-9E996A3F19C1}" type="presOf" srcId="{9B010BE5-18AA-475F-99A7-7409D60C6829}" destId="{B4DC2401-ADA1-4E41-9392-27C467050940}" srcOrd="0" destOrd="0" presId="urn:microsoft.com/office/officeart/2005/8/layout/hierarchy6"/>
+    <dgm:cxn modelId="{945A76E6-B179-4828-8144-5E38CA5A46D6}" type="presParOf" srcId="{792C3DA7-78F1-49E0-B659-BA9B78CC988D}" destId="{CEFF2CFB-273E-478A-A7ED-9A366736D953}" srcOrd="0" destOrd="0" presId="urn:microsoft.com/office/officeart/2005/8/layout/hierarchy6"/>
+    <dgm:cxn modelId="{9E8F2042-0575-440C-B86F-955702D489BA}" type="presParOf" srcId="{CEFF2CFB-273E-478A-A7ED-9A366736D953}" destId="{EEB86E2B-7BA4-489F-B677-4AE8230FA11C}" srcOrd="0" destOrd="0" presId="urn:microsoft.com/office/officeart/2005/8/layout/hierarchy6"/>
+    <dgm:cxn modelId="{5079073C-8CBE-479D-BC71-6A12C0FDF868}" type="presParOf" srcId="{CEFF2CFB-273E-478A-A7ED-9A366736D953}" destId="{B6F956B1-4543-4D2B-AFA4-FFAE1C530D3F}" srcOrd="1" destOrd="0" presId="urn:microsoft.com/office/officeart/2005/8/layout/hierarchy6"/>
+    <dgm:cxn modelId="{F6830F77-3A85-4889-AB18-9E73FFDABBCD}" type="presParOf" srcId="{B6F956B1-4543-4D2B-AFA4-FFAE1C530D3F}" destId="{E91BD62C-E2A1-40F9-8E45-64EDA3B73EA0}" srcOrd="0" destOrd="0" presId="urn:microsoft.com/office/officeart/2005/8/layout/hierarchy6"/>
+    <dgm:cxn modelId="{5FD8320A-FAE9-4378-A17B-56D233DFF7F8}" type="presParOf" srcId="{E91BD62C-E2A1-40F9-8E45-64EDA3B73EA0}" destId="{1F1A9EFB-A5CD-4033-88DD-329F25ECE298}" srcOrd="0" destOrd="0" presId="urn:microsoft.com/office/officeart/2005/8/layout/hierarchy6"/>
+    <dgm:cxn modelId="{89EBD674-C225-4831-8881-AD32D0640FE1}" type="presParOf" srcId="{E91BD62C-E2A1-40F9-8E45-64EDA3B73EA0}" destId="{57B655DE-E407-4642-996B-826F04A76F97}" srcOrd="1" destOrd="0" presId="urn:microsoft.com/office/officeart/2005/8/layout/hierarchy6"/>
+    <dgm:cxn modelId="{03A97D8B-9A2D-4E5E-A1C1-5B457A54C42A}" type="presParOf" srcId="{57B655DE-E407-4642-996B-826F04A76F97}" destId="{B1C268A3-EE64-46D5-87FC-2308E8B31979}" srcOrd="0" destOrd="0" presId="urn:microsoft.com/office/officeart/2005/8/layout/hierarchy6"/>
+    <dgm:cxn modelId="{D0B7CECD-5411-4F85-AB5C-BB43223F1A6B}" type="presParOf" srcId="{57B655DE-E407-4642-996B-826F04A76F97}" destId="{E4881482-5A38-49E2-91FA-9BCD8E8415B8}" srcOrd="1" destOrd="0" presId="urn:microsoft.com/office/officeart/2005/8/layout/hierarchy6"/>
+    <dgm:cxn modelId="{E9FF9902-2270-4A35-B5DC-63D27904F2B9}" type="presParOf" srcId="{E4881482-5A38-49E2-91FA-9BCD8E8415B8}" destId="{9B58E77F-1383-4BEC-8928-FD9B0FFCE2D4}" srcOrd="0" destOrd="0" presId="urn:microsoft.com/office/officeart/2005/8/layout/hierarchy6"/>
+    <dgm:cxn modelId="{9D1ACE43-7FF2-43FB-94B4-1F66332B4E99}" type="presParOf" srcId="{E4881482-5A38-49E2-91FA-9BCD8E8415B8}" destId="{AA14C8AD-0B3B-45D0-9AE8-15CD77898DC8}" srcOrd="1" destOrd="0" presId="urn:microsoft.com/office/officeart/2005/8/layout/hierarchy6"/>
+    <dgm:cxn modelId="{938EF9DC-11EC-428E-A719-EF2EB286F008}" type="presParOf" srcId="{AA14C8AD-0B3B-45D0-9AE8-15CD77898DC8}" destId="{ACEA7FE6-7A02-47CA-8A4D-764ABFD377A8}" srcOrd="0" destOrd="0" presId="urn:microsoft.com/office/officeart/2005/8/layout/hierarchy6"/>
+    <dgm:cxn modelId="{2BA58D19-B9CD-455C-B63C-7B1B9448200D}" type="presParOf" srcId="{AA14C8AD-0B3B-45D0-9AE8-15CD77898DC8}" destId="{211041F9-227B-4BD3-AA08-B0D7881DBDCD}" srcOrd="1" destOrd="0" presId="urn:microsoft.com/office/officeart/2005/8/layout/hierarchy6"/>
+    <dgm:cxn modelId="{A75288F9-77F5-4E28-80A6-57CB5EFC70DF}" type="presParOf" srcId="{211041F9-227B-4BD3-AA08-B0D7881DBDCD}" destId="{B1922731-AD91-44DE-ACD9-44F95FE5E7B5}" srcOrd="0" destOrd="0" presId="urn:microsoft.com/office/officeart/2005/8/layout/hierarchy6"/>
+    <dgm:cxn modelId="{3FAF278A-7145-4797-BB46-C094B8B6AFEE}" type="presParOf" srcId="{211041F9-227B-4BD3-AA08-B0D7881DBDCD}" destId="{7BC6F7B1-4FB9-4182-BAAE-E325DA389D87}" srcOrd="1" destOrd="0" presId="urn:microsoft.com/office/officeart/2005/8/layout/hierarchy6"/>
+    <dgm:cxn modelId="{BA9304C0-C972-4339-87B2-C2AB3F9CFDEA}" type="presParOf" srcId="{7BC6F7B1-4FB9-4182-BAAE-E325DA389D87}" destId="{E3876E12-9F8C-4240-8F2C-C014D10C0DC2}" srcOrd="0" destOrd="0" presId="urn:microsoft.com/office/officeart/2005/8/layout/hierarchy6"/>
+    <dgm:cxn modelId="{B4A5B82E-A73E-442C-A4DF-4FD8F5A37281}" type="presParOf" srcId="{7BC6F7B1-4FB9-4182-BAAE-E325DA389D87}" destId="{BE1973F2-089B-4617-BDDD-65EE59091C0A}" srcOrd="1" destOrd="0" presId="urn:microsoft.com/office/officeart/2005/8/layout/hierarchy6"/>
+    <dgm:cxn modelId="{BBFE772C-D2E5-4C2B-A361-FF9E4D411B49}" type="presParOf" srcId="{BE1973F2-089B-4617-BDDD-65EE59091C0A}" destId="{57B817E0-E0D2-4C3B-96C5-440DDF1CCC56}" srcOrd="0" destOrd="0" presId="urn:microsoft.com/office/officeart/2005/8/layout/hierarchy6"/>
+    <dgm:cxn modelId="{3B2018BB-02B0-4118-A144-7BEAF23D2A6A}" type="presParOf" srcId="{BE1973F2-089B-4617-BDDD-65EE59091C0A}" destId="{89C2FF58-C961-46AE-AE20-DEDB9F27ADD3}" srcOrd="1" destOrd="0" presId="urn:microsoft.com/office/officeart/2005/8/layout/hierarchy6"/>
+    <dgm:cxn modelId="{EF6D5765-E57C-4C58-818D-A2B8DE6A687C}" type="presParOf" srcId="{AA14C8AD-0B3B-45D0-9AE8-15CD77898DC8}" destId="{8425BE49-3193-4F0A-988D-93FAABCC3B85}" srcOrd="2" destOrd="0" presId="urn:microsoft.com/office/officeart/2005/8/layout/hierarchy6"/>
+    <dgm:cxn modelId="{B75A597F-F061-47E8-9501-C8CAAD3A43C5}" type="presParOf" srcId="{AA14C8AD-0B3B-45D0-9AE8-15CD77898DC8}" destId="{212BD726-B198-4770-8AA3-7964F3EE9358}" srcOrd="3" destOrd="0" presId="urn:microsoft.com/office/officeart/2005/8/layout/hierarchy6"/>
+    <dgm:cxn modelId="{95A5EFFF-AB0A-429A-85F3-C951373E2322}" type="presParOf" srcId="{212BD726-B198-4770-8AA3-7964F3EE9358}" destId="{539703D4-AE6E-461B-85C9-2133BACCB77D}" srcOrd="0" destOrd="0" presId="urn:microsoft.com/office/officeart/2005/8/layout/hierarchy6"/>
+    <dgm:cxn modelId="{F45286F7-591C-4DE5-97CC-8247BEC7BF53}" type="presParOf" srcId="{212BD726-B198-4770-8AA3-7964F3EE9358}" destId="{6C2F197F-C7A8-4319-AE0C-2EF875A9DCC3}" srcOrd="1" destOrd="0" presId="urn:microsoft.com/office/officeart/2005/8/layout/hierarchy6"/>
+    <dgm:cxn modelId="{27810E8E-60B7-4FF1-ABDA-482B8AE6CED8}" type="presParOf" srcId="{6C2F197F-C7A8-4319-AE0C-2EF875A9DCC3}" destId="{AC6416A9-3999-4E89-AA2B-F6FF74BB1CD2}" srcOrd="0" destOrd="0" presId="urn:microsoft.com/office/officeart/2005/8/layout/hierarchy6"/>
+    <dgm:cxn modelId="{6B1A62CA-E0CC-446A-9F63-261504FA1685}" type="presParOf" srcId="{6C2F197F-C7A8-4319-AE0C-2EF875A9DCC3}" destId="{10B721FE-36C5-4654-B694-78F3B889751F}" srcOrd="1" destOrd="0" presId="urn:microsoft.com/office/officeart/2005/8/layout/hierarchy6"/>
+    <dgm:cxn modelId="{ED0BC17E-7FB1-488D-85AF-7E0E64A47EEB}" type="presParOf" srcId="{10B721FE-36C5-4654-B694-78F3B889751F}" destId="{3D3D490F-0140-43F2-8EBF-95420D7C26A3}" srcOrd="0" destOrd="0" presId="urn:microsoft.com/office/officeart/2005/8/layout/hierarchy6"/>
+    <dgm:cxn modelId="{CFF47F74-B668-4DA7-A5AC-4A6E3B920E37}" type="presParOf" srcId="{10B721FE-36C5-4654-B694-78F3B889751F}" destId="{46149488-E7A9-4E7A-8D8F-06E3DA596DE0}" srcOrd="1" destOrd="0" presId="urn:microsoft.com/office/officeart/2005/8/layout/hierarchy6"/>
+    <dgm:cxn modelId="{6825C016-7DFE-46BA-9282-77DCC9FC2BB8}" type="presParOf" srcId="{57B655DE-E407-4642-996B-826F04A76F97}" destId="{C5C8040F-AAEA-46F5-9660-B0B31485A141}" srcOrd="2" destOrd="0" presId="urn:microsoft.com/office/officeart/2005/8/layout/hierarchy6"/>
+    <dgm:cxn modelId="{D72C211E-43FB-4E1C-9BE7-EBCB616C72F4}" type="presParOf" srcId="{57B655DE-E407-4642-996B-826F04A76F97}" destId="{114089F7-CCCD-4DF5-A06E-B0D2114FD7B8}" srcOrd="3" destOrd="0" presId="urn:microsoft.com/office/officeart/2005/8/layout/hierarchy6"/>
+    <dgm:cxn modelId="{9B31BAA4-DF73-44EA-B688-1E629A2374BC}" type="presParOf" srcId="{114089F7-CCCD-4DF5-A06E-B0D2114FD7B8}" destId="{C6557AE3-55BC-4169-9228-02E5B0E0F267}" srcOrd="0" destOrd="0" presId="urn:microsoft.com/office/officeart/2005/8/layout/hierarchy6"/>
+    <dgm:cxn modelId="{874F0CF2-24FD-4E41-92ED-B26434775617}" type="presParOf" srcId="{114089F7-CCCD-4DF5-A06E-B0D2114FD7B8}" destId="{3C2B8E3E-4D16-4E24-9B02-1B51219B273F}" srcOrd="1" destOrd="0" presId="urn:microsoft.com/office/officeart/2005/8/layout/hierarchy6"/>
+    <dgm:cxn modelId="{B78557C4-E4E3-4FBA-8466-79F83B81FDBD}" type="presParOf" srcId="{3C2B8E3E-4D16-4E24-9B02-1B51219B273F}" destId="{5ED8A3C9-50E9-4DB1-88F4-37217F3FB118}" srcOrd="0" destOrd="0" presId="urn:microsoft.com/office/officeart/2005/8/layout/hierarchy6"/>
+    <dgm:cxn modelId="{3A693D2D-CEBC-4652-A0BD-713A3DB3D397}" type="presParOf" srcId="{3C2B8E3E-4D16-4E24-9B02-1B51219B273F}" destId="{8C6C6B06-475E-48B6-A555-E765F021362B}" srcOrd="1" destOrd="0" presId="urn:microsoft.com/office/officeart/2005/8/layout/hierarchy6"/>
+    <dgm:cxn modelId="{EBAE0088-40ED-4559-98A1-5A40ED660EE4}" type="presParOf" srcId="{8C6C6B06-475E-48B6-A555-E765F021362B}" destId="{6AA7F588-6EA8-448E-B804-56FC8DC85A63}" srcOrd="0" destOrd="0" presId="urn:microsoft.com/office/officeart/2005/8/layout/hierarchy6"/>
+    <dgm:cxn modelId="{8EDD99DD-B526-488B-94CE-A4538A9B14EB}" type="presParOf" srcId="{8C6C6B06-475E-48B6-A555-E765F021362B}" destId="{8D486A56-23A1-4A27-A5B2-0E560192E691}" srcOrd="1" destOrd="0" presId="urn:microsoft.com/office/officeart/2005/8/layout/hierarchy6"/>
+    <dgm:cxn modelId="{1872E168-7661-4D58-AD72-025348E1B75A}" type="presParOf" srcId="{8D486A56-23A1-4A27-A5B2-0E560192E691}" destId="{B4DC2401-ADA1-4E41-9392-27C467050940}" srcOrd="0" destOrd="0" presId="urn:microsoft.com/office/officeart/2005/8/layout/hierarchy6"/>
+    <dgm:cxn modelId="{35A76809-D7E1-484B-9F11-FEA15DE41C8A}" type="presParOf" srcId="{8D486A56-23A1-4A27-A5B2-0E560192E691}" destId="{AA8D51A0-1070-41E5-B50D-882AC46C62B0}" srcOrd="1" destOrd="0" presId="urn:microsoft.com/office/officeart/2005/8/layout/hierarchy6"/>
+    <dgm:cxn modelId="{DED4EE22-1A79-4E66-A4C3-04629F1DDB49}" type="presParOf" srcId="{AA8D51A0-1070-41E5-B50D-882AC46C62B0}" destId="{B7A311D2-1E9E-4004-A53F-9623D84287C9}" srcOrd="0" destOrd="0" presId="urn:microsoft.com/office/officeart/2005/8/layout/hierarchy6"/>
+    <dgm:cxn modelId="{DA936759-305C-4C30-B772-6FC0496E4D06}" type="presParOf" srcId="{AA8D51A0-1070-41E5-B50D-882AC46C62B0}" destId="{1D8E991D-5D52-45AC-9A34-A56EADA1E87D}" srcOrd="1" destOrd="0" presId="urn:microsoft.com/office/officeart/2005/8/layout/hierarchy6"/>
+    <dgm:cxn modelId="{7B73EC2E-DC31-4B9B-B055-80F288B83048}" type="presParOf" srcId="{792C3DA7-78F1-49E0-B659-BA9B78CC988D}" destId="{7B42FF8A-876F-40E2-98C1-AB9523D74342}" srcOrd="1" destOrd="0" presId="urn:microsoft.com/office/officeart/2005/8/layout/hierarchy6"/>
+    <dgm:cxn modelId="{6E41705D-AEFB-4A0F-88F2-E06202DAFD76}" type="presParOf" srcId="{7B42FF8A-876F-40E2-98C1-AB9523D74342}" destId="{581B424B-1243-4070-AA72-533191762433}" srcOrd="0" destOrd="0" presId="urn:microsoft.com/office/officeart/2005/8/layout/hierarchy6"/>
+    <dgm:cxn modelId="{7F87AFB3-0314-4BF7-BC17-FF3FDE65BAFD}" type="presParOf" srcId="{581B424B-1243-4070-AA72-533191762433}" destId="{747057C4-883E-4012-8E66-4802241FD32C}" srcOrd="0" destOrd="0" presId="urn:microsoft.com/office/officeart/2005/8/layout/hierarchy6"/>
+    <dgm:cxn modelId="{B5AAE2DC-4638-4A07-8B37-E0C6CB777E3F}" type="presParOf" srcId="{581B424B-1243-4070-AA72-533191762433}" destId="{F1E4EA33-8495-49ED-90D9-7E6671523324}" srcOrd="1" destOrd="0" presId="urn:microsoft.com/office/officeart/2005/8/layout/hierarchy6"/>
+    <dgm:cxn modelId="{EA41E826-E292-4A3C-B2DB-0427240089EA}" type="presParOf" srcId="{7B42FF8A-876F-40E2-98C1-AB9523D74342}" destId="{D536FC77-B0D4-4470-B259-984B9C555B91}" srcOrd="1" destOrd="0" presId="urn:microsoft.com/office/officeart/2005/8/layout/hierarchy6"/>
+    <dgm:cxn modelId="{4CAF7B4F-C7B8-4D61-91A2-E3B5C957548B}" type="presParOf" srcId="{D536FC77-B0D4-4470-B259-984B9C555B91}" destId="{7A38BC80-89FB-42DC-9459-85B2CDA19764}" srcOrd="0" destOrd="0" presId="urn:microsoft.com/office/officeart/2005/8/layout/hierarchy6"/>
+    <dgm:cxn modelId="{F2AAE799-E239-4551-924C-4F591779E773}" type="presParOf" srcId="{7B42FF8A-876F-40E2-98C1-AB9523D74342}" destId="{C23EEF09-3A0A-4D48-B185-CD54C28FD24A}" srcOrd="2" destOrd="0" presId="urn:microsoft.com/office/officeart/2005/8/layout/hierarchy6"/>
+    <dgm:cxn modelId="{44A11663-97F0-4D69-A5E7-65B66C08526C}" type="presParOf" srcId="{C23EEF09-3A0A-4D48-B185-CD54C28FD24A}" destId="{F0E32CA4-6831-4764-A3A4-A040A84BCF6B}" srcOrd="0" destOrd="0" presId="urn:microsoft.com/office/officeart/2005/8/layout/hierarchy6"/>
+    <dgm:cxn modelId="{CA0EC03A-8B92-461E-95F4-5F3D2C130D42}" type="presParOf" srcId="{C23EEF09-3A0A-4D48-B185-CD54C28FD24A}" destId="{2086E560-F69F-419F-920B-2F21B7B2937D}" srcOrd="1" destOrd="0" presId="urn:microsoft.com/office/officeart/2005/8/layout/hierarchy6"/>
+    <dgm:cxn modelId="{AEFA0757-6525-4398-AA1D-124B82A6B540}" type="presParOf" srcId="{7B42FF8A-876F-40E2-98C1-AB9523D74342}" destId="{39A13254-B364-4DAD-B140-C114A69DCEB7}" srcOrd="3" destOrd="0" presId="urn:microsoft.com/office/officeart/2005/8/layout/hierarchy6"/>
+    <dgm:cxn modelId="{84E20880-9545-4E03-9128-B51FA79C0F09}" type="presParOf" srcId="{39A13254-B364-4DAD-B140-C114A69DCEB7}" destId="{20AFAA71-F5F1-4509-B76E-298476EAE1DE}" srcOrd="0" destOrd="0" presId="urn:microsoft.com/office/officeart/2005/8/layout/hierarchy6"/>
+    <dgm:cxn modelId="{31CB7189-F62D-4E17-8879-A5902CBA7CB8}" type="presParOf" srcId="{7B42FF8A-876F-40E2-98C1-AB9523D74342}" destId="{8B7C9E8F-B2A9-4AC9-A9B7-81E97AF4C336}" srcOrd="4" destOrd="0" presId="urn:microsoft.com/office/officeart/2005/8/layout/hierarchy6"/>
+    <dgm:cxn modelId="{5FE74539-6ABC-40E7-AA2D-37586C5B341C}" type="presParOf" srcId="{8B7C9E8F-B2A9-4AC9-A9B7-81E97AF4C336}" destId="{094B87F5-4ED7-4E39-86B3-CD66B90D9A56}" srcOrd="0" destOrd="0" presId="urn:microsoft.com/office/officeart/2005/8/layout/hierarchy6"/>
+    <dgm:cxn modelId="{DCB2B2EE-9D98-41BB-B961-E5007BFFFF0A}" type="presParOf" srcId="{8B7C9E8F-B2A9-4AC9-A9B7-81E97AF4C336}" destId="{F5D4032B-2332-4D08-B38B-3674888BC178}" srcOrd="1" destOrd="0" presId="urn:microsoft.com/office/officeart/2005/8/layout/hierarchy6"/>
+    <dgm:cxn modelId="{66E9461A-9387-4A45-A71B-D0186D1CBB22}" type="presParOf" srcId="{7B42FF8A-876F-40E2-98C1-AB9523D74342}" destId="{11C63BA6-B64F-4B2E-964C-05463C055898}" srcOrd="5" destOrd="0" presId="urn:microsoft.com/office/officeart/2005/8/layout/hierarchy6"/>
+    <dgm:cxn modelId="{8E5E53C2-7051-4B16-B8F7-83242DB0641D}" type="presParOf" srcId="{11C63BA6-B64F-4B2E-964C-05463C055898}" destId="{44E071C7-5F66-400E-A5DD-C80E8ABE63B0}" srcOrd="0" destOrd="0" presId="urn:microsoft.com/office/officeart/2005/8/layout/hierarchy6"/>
+    <dgm:cxn modelId="{CA258DB6-2927-4A0B-9E50-92F3DA7A196C}" type="presParOf" srcId="{7B42FF8A-876F-40E2-98C1-AB9523D74342}" destId="{B5B37B99-F352-46B4-B80A-D8FF3FDB0E34}" srcOrd="6" destOrd="0" presId="urn:microsoft.com/office/officeart/2005/8/layout/hierarchy6"/>
+    <dgm:cxn modelId="{06A3C565-7582-4419-A9BC-1FEF77CD8AF6}" type="presParOf" srcId="{B5B37B99-F352-46B4-B80A-D8FF3FDB0E34}" destId="{FFD2D732-4275-4857-A664-5C8279F281CE}" srcOrd="0" destOrd="0" presId="urn:microsoft.com/office/officeart/2005/8/layout/hierarchy6"/>
+    <dgm:cxn modelId="{E710B8FD-E928-4CF9-B2F4-2974DFD03D5E}" type="presParOf" srcId="{B5B37B99-F352-46B4-B80A-D8FF3FDB0E34}" destId="{3124EE76-5341-4C95-A8A4-0B051B50E190}" srcOrd="1" destOrd="0" presId="urn:microsoft.com/office/officeart/2005/8/layout/hierarchy6"/>
+  </dgm:cxnLst>
+  <dgm:bg/>
+  <dgm:whole/>
+  <dgm:extLst>
+    <a:ext uri="http://schemas.microsoft.com/office/drawing/2008/diagram">
+      <dsp:dataModelExt xmlns:dsp="http://schemas.microsoft.com/office/drawing/2008/diagram" relId="rId6" minVer="http://schemas.openxmlformats.org/drawingml/2006/diagram"/>
+    </a:ext>
+  </dgm:extLst>
+</dgm:dataModel>
+</file>
+
+<file path=ppt/diagrams/data4.xml><?xml version="1.0" encoding="utf-8"?>
 <dgm:dataModel xmlns:dgm="http://schemas.openxmlformats.org/drawingml/2006/diagram" xmlns:a="http://schemas.openxmlformats.org/drawingml/2006/main">
   <dgm:ptLst>
     <dgm:pt modelId="{9E3CB3FB-C823-4E0D-A01E-C6F0724CFB3E}" type="doc">
@@ -6560,6 +8494,13 @@
         </dgm:presLayoutVars>
       </dgm:prSet>
       <dgm:spPr/>
+      <dgm:t>
+        <a:bodyPr/>
+        <a:lstStyle/>
+        <a:p>
+          <a:endParaRPr lang="de-DE"/>
+        </a:p>
+      </dgm:t>
     </dgm:pt>
     <dgm:pt modelId="{6A0B9FF1-FD29-4229-B1EF-5BCBE9D23B49}" type="pres">
       <dgm:prSet presAssocID="{1899F7D5-B232-4DD3-A10D-917967698CEE}" presName="node" presStyleLbl="node1" presStyleIdx="0" presStyleCnt="5">
@@ -6568,6 +8509,13 @@
         </dgm:presLayoutVars>
       </dgm:prSet>
       <dgm:spPr/>
+      <dgm:t>
+        <a:bodyPr/>
+        <a:lstStyle/>
+        <a:p>
+          <a:endParaRPr lang="de-DE"/>
+        </a:p>
+      </dgm:t>
     </dgm:pt>
     <dgm:pt modelId="{6C889B03-390D-46D0-98C9-40DECBBBCDB6}" type="pres">
       <dgm:prSet presAssocID="{1899F7D5-B232-4DD3-A10D-917967698CEE}" presName="spNode" presStyleCnt="0"/>
@@ -6576,6 +8524,13 @@
     <dgm:pt modelId="{6F1A9F3C-F4D4-4AF6-BE93-D00767E52125}" type="pres">
       <dgm:prSet presAssocID="{C4F4BAE3-7B8D-4F1B-A760-367FADA2E34B}" presName="sibTrans" presStyleLbl="sibTrans1D1" presStyleIdx="0" presStyleCnt="5"/>
       <dgm:spPr/>
+      <dgm:t>
+        <a:bodyPr/>
+        <a:lstStyle/>
+        <a:p>
+          <a:endParaRPr lang="de-DE"/>
+        </a:p>
+      </dgm:t>
     </dgm:pt>
     <dgm:pt modelId="{FF988678-DBA2-47AE-B9E4-B0D78678A46C}" type="pres">
       <dgm:prSet presAssocID="{6406FD53-5A33-4730-9A2C-2B66B18516AD}" presName="node" presStyleLbl="node1" presStyleIdx="1" presStyleCnt="5">
@@ -6584,6 +8539,13 @@
         </dgm:presLayoutVars>
       </dgm:prSet>
       <dgm:spPr/>
+      <dgm:t>
+        <a:bodyPr/>
+        <a:lstStyle/>
+        <a:p>
+          <a:endParaRPr lang="de-DE"/>
+        </a:p>
+      </dgm:t>
     </dgm:pt>
     <dgm:pt modelId="{6C01710E-BA62-4C4F-9638-74DF4F023288}" type="pres">
       <dgm:prSet presAssocID="{6406FD53-5A33-4730-9A2C-2B66B18516AD}" presName="spNode" presStyleCnt="0"/>
@@ -6592,6 +8554,13 @@
     <dgm:pt modelId="{A0DF3ED5-C40B-49CB-981E-FB6EBC569EB6}" type="pres">
       <dgm:prSet presAssocID="{25D7715D-2262-4632-A02C-563B569A9A8E}" presName="sibTrans" presStyleLbl="sibTrans1D1" presStyleIdx="1" presStyleCnt="5"/>
       <dgm:spPr/>
+      <dgm:t>
+        <a:bodyPr/>
+        <a:lstStyle/>
+        <a:p>
+          <a:endParaRPr lang="de-DE"/>
+        </a:p>
+      </dgm:t>
     </dgm:pt>
     <dgm:pt modelId="{F74CB766-2044-4151-99B4-9DBB7034409A}" type="pres">
       <dgm:prSet presAssocID="{0A87F8AF-FFDB-41F8-A18F-0843868918A9}" presName="node" presStyleLbl="node1" presStyleIdx="2" presStyleCnt="5">
@@ -6600,6 +8569,13 @@
         </dgm:presLayoutVars>
       </dgm:prSet>
       <dgm:spPr/>
+      <dgm:t>
+        <a:bodyPr/>
+        <a:lstStyle/>
+        <a:p>
+          <a:endParaRPr lang="de-DE"/>
+        </a:p>
+      </dgm:t>
     </dgm:pt>
     <dgm:pt modelId="{FB7E3E68-A51A-4430-93BA-58D14595B9F8}" type="pres">
       <dgm:prSet presAssocID="{0A87F8AF-FFDB-41F8-A18F-0843868918A9}" presName="spNode" presStyleCnt="0"/>
@@ -6608,6 +8584,13 @@
     <dgm:pt modelId="{E322F4E6-E40C-4C63-A024-FF8B52362C6F}" type="pres">
       <dgm:prSet presAssocID="{3AEEF16E-CD08-41E7-AB60-8E8635A8D2DE}" presName="sibTrans" presStyleLbl="sibTrans1D1" presStyleIdx="2" presStyleCnt="5"/>
       <dgm:spPr/>
+      <dgm:t>
+        <a:bodyPr/>
+        <a:lstStyle/>
+        <a:p>
+          <a:endParaRPr lang="de-DE"/>
+        </a:p>
+      </dgm:t>
     </dgm:pt>
     <dgm:pt modelId="{74566C18-C594-4F85-8F8E-D31E567F586B}" type="pres">
       <dgm:prSet presAssocID="{384136EF-CBAD-4C71-A918-2D101119F739}" presName="node" presStyleLbl="node1" presStyleIdx="3" presStyleCnt="5">
@@ -6616,6 +8599,13 @@
         </dgm:presLayoutVars>
       </dgm:prSet>
       <dgm:spPr/>
+      <dgm:t>
+        <a:bodyPr/>
+        <a:lstStyle/>
+        <a:p>
+          <a:endParaRPr lang="de-DE"/>
+        </a:p>
+      </dgm:t>
     </dgm:pt>
     <dgm:pt modelId="{F48CAE36-B06A-4C8A-9EAF-6B6A1EE8BC90}" type="pres">
       <dgm:prSet presAssocID="{384136EF-CBAD-4C71-A918-2D101119F739}" presName="spNode" presStyleCnt="0"/>
@@ -6624,6 +8614,13 @@
     <dgm:pt modelId="{282AF9E9-5959-431D-B93D-F568754B87E6}" type="pres">
       <dgm:prSet presAssocID="{44EA5378-5D92-4818-A713-59EA819BB645}" presName="sibTrans" presStyleLbl="sibTrans1D1" presStyleIdx="3" presStyleCnt="5"/>
       <dgm:spPr/>
+      <dgm:t>
+        <a:bodyPr/>
+        <a:lstStyle/>
+        <a:p>
+          <a:endParaRPr lang="de-DE"/>
+        </a:p>
+      </dgm:t>
     </dgm:pt>
     <dgm:pt modelId="{2E8BEFA4-CB7C-4BD1-B178-B835DC650A0A}" type="pres">
       <dgm:prSet presAssocID="{9241D05E-6DED-4667-AEAD-B7D1DC0BB56A}" presName="node" presStyleLbl="node1" presStyleIdx="4" presStyleCnt="5">
@@ -6632,6 +8629,13 @@
         </dgm:presLayoutVars>
       </dgm:prSet>
       <dgm:spPr/>
+      <dgm:t>
+        <a:bodyPr/>
+        <a:lstStyle/>
+        <a:p>
+          <a:endParaRPr lang="de-DE"/>
+        </a:p>
+      </dgm:t>
     </dgm:pt>
     <dgm:pt modelId="{383820D4-5D8B-4193-BEA5-4D7813A70E3D}" type="pres">
       <dgm:prSet presAssocID="{9241D05E-6DED-4667-AEAD-B7D1DC0BB56A}" presName="spNode" presStyleCnt="0"/>
@@ -6640,6 +8644,13 @@
     <dgm:pt modelId="{88F95BFB-813C-43F9-BD34-2E6FACF40B9A}" type="pres">
       <dgm:prSet presAssocID="{39A76DCF-F59D-483A-8E0C-6DBAEA75631E}" presName="sibTrans" presStyleLbl="sibTrans1D1" presStyleIdx="4" presStyleCnt="5"/>
       <dgm:spPr/>
+      <dgm:t>
+        <a:bodyPr/>
+        <a:lstStyle/>
+        <a:p>
+          <a:endParaRPr lang="de-DE"/>
+        </a:p>
+      </dgm:t>
     </dgm:pt>
   </dgm:ptLst>
   <dgm:cxnLst>
@@ -6648,8 +8659,8 @@
     <dgm:cxn modelId="{5512C18C-482F-4C31-9E50-9A066F0BE2F8}" type="presOf" srcId="{9E3CB3FB-C823-4E0D-A01E-C6F0724CFB3E}" destId="{308885D4-CFBA-4059-8DA1-2AC7C29935EB}" srcOrd="0" destOrd="0" presId="urn:microsoft.com/office/officeart/2005/8/layout/cycle5"/>
     <dgm:cxn modelId="{5C1E8951-3960-4AF5-BA1A-C678839684AC}" type="presOf" srcId="{3AEEF16E-CD08-41E7-AB60-8E8635A8D2DE}" destId="{E322F4E6-E40C-4C63-A024-FF8B52362C6F}" srcOrd="0" destOrd="0" presId="urn:microsoft.com/office/officeart/2005/8/layout/cycle5"/>
     <dgm:cxn modelId="{CE07B894-6271-46C3-9008-BD813AF0B85B}" type="presOf" srcId="{6406FD53-5A33-4730-9A2C-2B66B18516AD}" destId="{FF988678-DBA2-47AE-B9E4-B0D78678A46C}" srcOrd="0" destOrd="0" presId="urn:microsoft.com/office/officeart/2005/8/layout/cycle5"/>
+    <dgm:cxn modelId="{C9E7209D-C286-46EF-8ED7-FEC44FBCDF57}" srcId="{9E3CB3FB-C823-4E0D-A01E-C6F0724CFB3E}" destId="{9241D05E-6DED-4667-AEAD-B7D1DC0BB56A}" srcOrd="4" destOrd="0" parTransId="{7AB63699-B081-4515-A9B9-F1B4383D4A79}" sibTransId="{39A76DCF-F59D-483A-8E0C-6DBAEA75631E}"/>
     <dgm:cxn modelId="{AA8BA5F2-98C6-41B9-9841-A4E946843789}" srcId="{9E3CB3FB-C823-4E0D-A01E-C6F0724CFB3E}" destId="{1899F7D5-B232-4DD3-A10D-917967698CEE}" srcOrd="0" destOrd="0" parTransId="{319B0E1A-6811-4B88-B9D4-022C13EF7C02}" sibTransId="{C4F4BAE3-7B8D-4F1B-A760-367FADA2E34B}"/>
-    <dgm:cxn modelId="{C9E7209D-C286-46EF-8ED7-FEC44FBCDF57}" srcId="{9E3CB3FB-C823-4E0D-A01E-C6F0724CFB3E}" destId="{9241D05E-6DED-4667-AEAD-B7D1DC0BB56A}" srcOrd="4" destOrd="0" parTransId="{7AB63699-B081-4515-A9B9-F1B4383D4A79}" sibTransId="{39A76DCF-F59D-483A-8E0C-6DBAEA75631E}"/>
     <dgm:cxn modelId="{3C802CF1-C692-4F37-B98E-DC8DDA7665C9}" srcId="{9E3CB3FB-C823-4E0D-A01E-C6F0724CFB3E}" destId="{6406FD53-5A33-4730-9A2C-2B66B18516AD}" srcOrd="1" destOrd="0" parTransId="{FFD915B2-C81C-45F8-811A-2CB0F0CEB040}" sibTransId="{25D7715D-2262-4632-A02C-563B569A9A8E}"/>
     <dgm:cxn modelId="{1D91F576-B9B7-4AFD-9935-9D8A8BBF3F79}" type="presOf" srcId="{0A87F8AF-FFDB-41F8-A18F-0843868918A9}" destId="{F74CB766-2044-4151-99B4-9DBB7034409A}" srcOrd="0" destOrd="0" presId="urn:microsoft.com/office/officeart/2005/8/layout/cycle5"/>
     <dgm:cxn modelId="{A35B0C27-7B90-4905-878C-635E4A67D7D0}" srcId="{9E3CB3FB-C823-4E0D-A01E-C6F0724CFB3E}" destId="{384136EF-CBAD-4C71-A918-2D101119F739}" srcOrd="3" destOrd="0" parTransId="{19361F74-533A-424F-9915-CB10E007C10E}" sibTransId="{44EA5378-5D92-4818-A713-59EA819BB645}"/>
@@ -6685,7 +8696,7 @@
 </dgm:dataModel>
 </file>
 
-<file path=ppt/diagrams/data4.xml><?xml version="1.0" encoding="utf-8"?>
+<file path=ppt/diagrams/data5.xml><?xml version="1.0" encoding="utf-8"?>
 <dgm:dataModel xmlns:dgm="http://schemas.openxmlformats.org/drawingml/2006/diagram" xmlns:a="http://schemas.openxmlformats.org/drawingml/2006/main">
   <dgm:ptLst>
     <dgm:pt modelId="{E04A4E85-1077-47C7-9B0F-487F29C75534}" type="doc">
@@ -7311,6 +9322,13 @@
         </dgm:presLayoutVars>
       </dgm:prSet>
       <dgm:spPr/>
+      <dgm:t>
+        <a:bodyPr/>
+        <a:lstStyle/>
+        <a:p>
+          <a:endParaRPr lang="de-DE"/>
+        </a:p>
+      </dgm:t>
     </dgm:pt>
     <dgm:pt modelId="{60838942-8CFC-4677-9766-0D69F95F91A1}" type="pres">
       <dgm:prSet presAssocID="{E04A4E85-1077-47C7-9B0F-487F29C75534}" presName="tSp" presStyleCnt="0"/>
@@ -7339,6 +9357,13 @@
         </dgm:presLayoutVars>
       </dgm:prSet>
       <dgm:spPr/>
+      <dgm:t>
+        <a:bodyPr/>
+        <a:lstStyle/>
+        <a:p>
+          <a:endParaRPr lang="de-DE"/>
+        </a:p>
+      </dgm:t>
     </dgm:pt>
     <dgm:pt modelId="{5B477C0A-EBE8-4554-AF90-A537B9A97AF3}" type="pres">
       <dgm:prSet presAssocID="{1858F41E-B0BA-4600-A943-81DE031E5BE1}" presName="childNode1tx" presStyleLbl="bgAcc1" presStyleIdx="0" presStyleCnt="5">
@@ -7347,6 +9372,13 @@
         </dgm:presLayoutVars>
       </dgm:prSet>
       <dgm:spPr/>
+      <dgm:t>
+        <a:bodyPr/>
+        <a:lstStyle/>
+        <a:p>
+          <a:endParaRPr lang="de-DE"/>
+        </a:p>
+      </dgm:t>
     </dgm:pt>
     <dgm:pt modelId="{711766B0-CCA6-41DD-86FA-A907B57829EC}" type="pres">
       <dgm:prSet presAssocID="{1858F41E-B0BA-4600-A943-81DE031E5BE1}" presName="parentNode1" presStyleLbl="node1" presStyleIdx="0" presStyleCnt="5">
@@ -7356,6 +9388,13 @@
         </dgm:presLayoutVars>
       </dgm:prSet>
       <dgm:spPr/>
+      <dgm:t>
+        <a:bodyPr/>
+        <a:lstStyle/>
+        <a:p>
+          <a:endParaRPr lang="de-DE"/>
+        </a:p>
+      </dgm:t>
     </dgm:pt>
     <dgm:pt modelId="{71787A98-A522-4087-A80B-908A606E66B0}" type="pres">
       <dgm:prSet presAssocID="{1858F41E-B0BA-4600-A943-81DE031E5BE1}" presName="connSite1" presStyleCnt="0"/>
@@ -7364,6 +9403,13 @@
     <dgm:pt modelId="{4FA19D17-4F6A-4352-8E82-51779E218641}" type="pres">
       <dgm:prSet presAssocID="{44567BEA-A579-4C61-8639-63B78654D416}" presName="Name9" presStyleLbl="sibTrans2D1" presStyleIdx="0" presStyleCnt="4"/>
       <dgm:spPr/>
+      <dgm:t>
+        <a:bodyPr/>
+        <a:lstStyle/>
+        <a:p>
+          <a:endParaRPr lang="de-DE"/>
+        </a:p>
+      </dgm:t>
     </dgm:pt>
     <dgm:pt modelId="{58E7B18B-37C1-463A-BA4E-34603F64184F}" type="pres">
       <dgm:prSet presAssocID="{87BD4B6F-D630-472F-8353-00B19E50137B}" presName="composite2" presStyleCnt="0"/>
@@ -7380,6 +9426,13 @@
         </dgm:presLayoutVars>
       </dgm:prSet>
       <dgm:spPr/>
+      <dgm:t>
+        <a:bodyPr/>
+        <a:lstStyle/>
+        <a:p>
+          <a:endParaRPr lang="de-DE"/>
+        </a:p>
+      </dgm:t>
     </dgm:pt>
     <dgm:pt modelId="{83B6C606-0024-44D7-BCC8-0305FAF79D37}" type="pres">
       <dgm:prSet presAssocID="{87BD4B6F-D630-472F-8353-00B19E50137B}" presName="childNode2tx" presStyleLbl="bgAcc1" presStyleIdx="1" presStyleCnt="5">
@@ -7388,6 +9441,13 @@
         </dgm:presLayoutVars>
       </dgm:prSet>
       <dgm:spPr/>
+      <dgm:t>
+        <a:bodyPr/>
+        <a:lstStyle/>
+        <a:p>
+          <a:endParaRPr lang="de-DE"/>
+        </a:p>
+      </dgm:t>
     </dgm:pt>
     <dgm:pt modelId="{3F59FC73-8DED-436C-AF3E-7F2A96A345F0}" type="pres">
       <dgm:prSet presAssocID="{87BD4B6F-D630-472F-8353-00B19E50137B}" presName="parentNode2" presStyleLbl="node1" presStyleIdx="1" presStyleCnt="5">
@@ -7397,6 +9457,13 @@
         </dgm:presLayoutVars>
       </dgm:prSet>
       <dgm:spPr/>
+      <dgm:t>
+        <a:bodyPr/>
+        <a:lstStyle/>
+        <a:p>
+          <a:endParaRPr lang="de-DE"/>
+        </a:p>
+      </dgm:t>
     </dgm:pt>
     <dgm:pt modelId="{BC9720BD-74F2-40B5-BA50-99BBF140947B}" type="pres">
       <dgm:prSet presAssocID="{87BD4B6F-D630-472F-8353-00B19E50137B}" presName="connSite2" presStyleCnt="0"/>
@@ -7405,6 +9472,13 @@
     <dgm:pt modelId="{CBC7C94E-BBEC-4573-8225-71814017665B}" type="pres">
       <dgm:prSet presAssocID="{64393453-549D-4407-8EBA-26EEC2B88566}" presName="Name18" presStyleLbl="sibTrans2D1" presStyleIdx="1" presStyleCnt="4"/>
       <dgm:spPr/>
+      <dgm:t>
+        <a:bodyPr/>
+        <a:lstStyle/>
+        <a:p>
+          <a:endParaRPr lang="de-DE"/>
+        </a:p>
+      </dgm:t>
     </dgm:pt>
     <dgm:pt modelId="{C53DA402-2FC5-4744-A5EB-53AE919D9E4E}" type="pres">
       <dgm:prSet presAssocID="{5CC6BBED-AC87-4545-BAEE-FF2A0F4D3F07}" presName="composite1" presStyleCnt="0"/>
@@ -7421,6 +9495,13 @@
         </dgm:presLayoutVars>
       </dgm:prSet>
       <dgm:spPr/>
+      <dgm:t>
+        <a:bodyPr/>
+        <a:lstStyle/>
+        <a:p>
+          <a:endParaRPr lang="de-DE"/>
+        </a:p>
+      </dgm:t>
     </dgm:pt>
     <dgm:pt modelId="{8BD0305A-E64E-4D62-987A-B210F4E1E393}" type="pres">
       <dgm:prSet presAssocID="{5CC6BBED-AC87-4545-BAEE-FF2A0F4D3F07}" presName="childNode1tx" presStyleLbl="bgAcc1" presStyleIdx="2" presStyleCnt="5">
@@ -7429,6 +9510,13 @@
         </dgm:presLayoutVars>
       </dgm:prSet>
       <dgm:spPr/>
+      <dgm:t>
+        <a:bodyPr/>
+        <a:lstStyle/>
+        <a:p>
+          <a:endParaRPr lang="de-DE"/>
+        </a:p>
+      </dgm:t>
     </dgm:pt>
     <dgm:pt modelId="{8F8AA5C5-6C5C-4954-A978-6E18B7094053}" type="pres">
       <dgm:prSet presAssocID="{5CC6BBED-AC87-4545-BAEE-FF2A0F4D3F07}" presName="parentNode1" presStyleLbl="node1" presStyleIdx="2" presStyleCnt="5">
@@ -7438,6 +9526,13 @@
         </dgm:presLayoutVars>
       </dgm:prSet>
       <dgm:spPr/>
+      <dgm:t>
+        <a:bodyPr/>
+        <a:lstStyle/>
+        <a:p>
+          <a:endParaRPr lang="de-DE"/>
+        </a:p>
+      </dgm:t>
     </dgm:pt>
     <dgm:pt modelId="{A4ADD3EE-F8DD-4573-8A33-E0D77BF5D7EF}" type="pres">
       <dgm:prSet presAssocID="{5CC6BBED-AC87-4545-BAEE-FF2A0F4D3F07}" presName="connSite1" presStyleCnt="0"/>
@@ -7446,6 +9541,13 @@
     <dgm:pt modelId="{F71DF23A-208F-4CA4-9D7D-547D97BDB3CA}" type="pres">
       <dgm:prSet presAssocID="{D13602AF-472E-404C-A3EA-26CE1625C3D3}" presName="Name9" presStyleLbl="sibTrans2D1" presStyleIdx="2" presStyleCnt="4"/>
       <dgm:spPr/>
+      <dgm:t>
+        <a:bodyPr/>
+        <a:lstStyle/>
+        <a:p>
+          <a:endParaRPr lang="de-DE"/>
+        </a:p>
+      </dgm:t>
     </dgm:pt>
     <dgm:pt modelId="{2F56D5B5-01C4-4A22-BF98-5C9B3E6B7027}" type="pres">
       <dgm:prSet presAssocID="{D800FD87-6220-4750-9CC7-C0C3265BD5ED}" presName="composite2" presStyleCnt="0"/>
@@ -7462,6 +9564,13 @@
         </dgm:presLayoutVars>
       </dgm:prSet>
       <dgm:spPr/>
+      <dgm:t>
+        <a:bodyPr/>
+        <a:lstStyle/>
+        <a:p>
+          <a:endParaRPr lang="de-DE"/>
+        </a:p>
+      </dgm:t>
     </dgm:pt>
     <dgm:pt modelId="{B178EA76-E479-469E-BA4E-12609F207857}" type="pres">
       <dgm:prSet presAssocID="{D800FD87-6220-4750-9CC7-C0C3265BD5ED}" presName="childNode2tx" presStyleLbl="bgAcc1" presStyleIdx="3" presStyleCnt="5">
@@ -7470,6 +9579,13 @@
         </dgm:presLayoutVars>
       </dgm:prSet>
       <dgm:spPr/>
+      <dgm:t>
+        <a:bodyPr/>
+        <a:lstStyle/>
+        <a:p>
+          <a:endParaRPr lang="de-DE"/>
+        </a:p>
+      </dgm:t>
     </dgm:pt>
     <dgm:pt modelId="{805B047A-D693-483F-A25C-15A5785A2784}" type="pres">
       <dgm:prSet presAssocID="{D800FD87-6220-4750-9CC7-C0C3265BD5ED}" presName="parentNode2" presStyleLbl="node1" presStyleIdx="3" presStyleCnt="5">
@@ -7479,6 +9595,13 @@
         </dgm:presLayoutVars>
       </dgm:prSet>
       <dgm:spPr/>
+      <dgm:t>
+        <a:bodyPr/>
+        <a:lstStyle/>
+        <a:p>
+          <a:endParaRPr lang="de-DE"/>
+        </a:p>
+      </dgm:t>
     </dgm:pt>
     <dgm:pt modelId="{2CCF6F9A-D2FF-4FE2-9EE2-95D998072331}" type="pres">
       <dgm:prSet presAssocID="{D800FD87-6220-4750-9CC7-C0C3265BD5ED}" presName="connSite2" presStyleCnt="0"/>
@@ -7487,6 +9610,13 @@
     <dgm:pt modelId="{D91A94C6-C14F-4630-82D6-A7B8B1B1ABA5}" type="pres">
       <dgm:prSet presAssocID="{5C715AA8-1C71-4869-A01B-9D13710CE975}" presName="Name18" presStyleLbl="sibTrans2D1" presStyleIdx="3" presStyleCnt="4"/>
       <dgm:spPr/>
+      <dgm:t>
+        <a:bodyPr/>
+        <a:lstStyle/>
+        <a:p>
+          <a:endParaRPr lang="de-DE"/>
+        </a:p>
+      </dgm:t>
     </dgm:pt>
     <dgm:pt modelId="{1AFBABD8-C875-44F5-A6BF-60A18B6566F1}" type="pres">
       <dgm:prSet presAssocID="{6A5D37F7-EC83-4980-84EF-9F8F267C8D88}" presName="composite1" presStyleCnt="0"/>
@@ -7503,6 +9633,13 @@
         </dgm:presLayoutVars>
       </dgm:prSet>
       <dgm:spPr/>
+      <dgm:t>
+        <a:bodyPr/>
+        <a:lstStyle/>
+        <a:p>
+          <a:endParaRPr lang="de-DE"/>
+        </a:p>
+      </dgm:t>
     </dgm:pt>
     <dgm:pt modelId="{A6A67DEB-89E3-4CE3-A2F6-73364D7D0930}" type="pres">
       <dgm:prSet presAssocID="{6A5D37F7-EC83-4980-84EF-9F8F267C8D88}" presName="childNode1tx" presStyleLbl="bgAcc1" presStyleIdx="4" presStyleCnt="5">
@@ -7511,6 +9648,13 @@
         </dgm:presLayoutVars>
       </dgm:prSet>
       <dgm:spPr/>
+      <dgm:t>
+        <a:bodyPr/>
+        <a:lstStyle/>
+        <a:p>
+          <a:endParaRPr lang="de-DE"/>
+        </a:p>
+      </dgm:t>
     </dgm:pt>
     <dgm:pt modelId="{58CF326D-AEEF-41B3-9EA6-AF142CFA911E}" type="pres">
       <dgm:prSet presAssocID="{6A5D37F7-EC83-4980-84EF-9F8F267C8D88}" presName="parentNode1" presStyleLbl="node1" presStyleIdx="4" presStyleCnt="5">
@@ -7520,6 +9664,13 @@
         </dgm:presLayoutVars>
       </dgm:prSet>
       <dgm:spPr/>
+      <dgm:t>
+        <a:bodyPr/>
+        <a:lstStyle/>
+        <a:p>
+          <a:endParaRPr lang="de-DE"/>
+        </a:p>
+      </dgm:t>
     </dgm:pt>
     <dgm:pt modelId="{B389F54C-7366-420E-A190-918C2C49358A}" type="pres">
       <dgm:prSet presAssocID="{6A5D37F7-EC83-4980-84EF-9F8F267C8D88}" presName="connSite1" presStyleCnt="0"/>
@@ -7626,7 +9777,7 @@
 </dgm:dataModel>
 </file>
 
-<file path=ppt/diagrams/data5.xml><?xml version="1.0" encoding="utf-8"?>
+<file path=ppt/diagrams/data6.xml><?xml version="1.0" encoding="utf-8"?>
 <dgm:dataModel xmlns:dgm="http://schemas.openxmlformats.org/drawingml/2006/diagram" xmlns:a="http://schemas.openxmlformats.org/drawingml/2006/main">
   <dgm:ptLst>
     <dgm:pt modelId="{BC2E6930-4DA2-4B15-8062-12688CFD5ABC}" type="doc">
@@ -7895,6 +10046,13 @@
         </dgm:presLayoutVars>
       </dgm:prSet>
       <dgm:spPr/>
+      <dgm:t>
+        <a:bodyPr/>
+        <a:lstStyle/>
+        <a:p>
+          <a:endParaRPr lang="de-DE"/>
+        </a:p>
+      </dgm:t>
     </dgm:pt>
     <dgm:pt modelId="{203A7782-CCF4-41E2-9634-123157B86D13}" type="pres">
       <dgm:prSet presAssocID="{CC6CBDEE-60C3-4661-B8E4-89B8D030373F}" presName="circleA" presStyleLbl="node1" presStyleIdx="0" presStyleCnt="6"/>
@@ -7919,6 +10077,13 @@
         </dgm:presLayoutVars>
       </dgm:prSet>
       <dgm:spPr/>
+      <dgm:t>
+        <a:bodyPr/>
+        <a:lstStyle/>
+        <a:p>
+          <a:endParaRPr lang="de-DE"/>
+        </a:p>
+      </dgm:t>
     </dgm:pt>
     <dgm:pt modelId="{4813D171-4C66-49AB-BC22-E316ABD695EC}" type="pres">
       <dgm:prSet presAssocID="{095C0132-3802-4D7D-98D1-6DA387EE4A21}" presName="circleB" presStyleLbl="node1" presStyleIdx="1" presStyleCnt="6"/>
@@ -7943,6 +10108,13 @@
         </dgm:presLayoutVars>
       </dgm:prSet>
       <dgm:spPr/>
+      <dgm:t>
+        <a:bodyPr/>
+        <a:lstStyle/>
+        <a:p>
+          <a:endParaRPr lang="de-DE"/>
+        </a:p>
+      </dgm:t>
     </dgm:pt>
     <dgm:pt modelId="{DA06B61F-0654-4746-A058-664127D0D43C}" type="pres">
       <dgm:prSet presAssocID="{3802C7D7-5C6D-4841-B248-16900F5B4D23}" presName="circleA" presStyleLbl="node1" presStyleIdx="2" presStyleCnt="6"/>
@@ -7967,6 +10139,13 @@
         </dgm:presLayoutVars>
       </dgm:prSet>
       <dgm:spPr/>
+      <dgm:t>
+        <a:bodyPr/>
+        <a:lstStyle/>
+        <a:p>
+          <a:endParaRPr lang="de-DE"/>
+        </a:p>
+      </dgm:t>
     </dgm:pt>
     <dgm:pt modelId="{7E2E8543-0D7C-4008-BD8C-3D256F7C25F5}" type="pres">
       <dgm:prSet presAssocID="{6D278E1D-1986-409C-950A-4B65D0BB53BA}" presName="circleB" presStyleLbl="node1" presStyleIdx="3" presStyleCnt="6"/>
@@ -7991,6 +10170,13 @@
         </dgm:presLayoutVars>
       </dgm:prSet>
       <dgm:spPr/>
+      <dgm:t>
+        <a:bodyPr/>
+        <a:lstStyle/>
+        <a:p>
+          <a:endParaRPr lang="de-DE"/>
+        </a:p>
+      </dgm:t>
     </dgm:pt>
     <dgm:pt modelId="{7CB73C22-AC05-45AC-AFB7-61AE3E3320DA}" type="pres">
       <dgm:prSet presAssocID="{0B513B94-3213-41A1-AEFE-52232191C456}" presName="circleA" presStyleLbl="node1" presStyleIdx="4" presStyleCnt="6"/>
@@ -8015,6 +10201,13 @@
         </dgm:presLayoutVars>
       </dgm:prSet>
       <dgm:spPr/>
+      <dgm:t>
+        <a:bodyPr/>
+        <a:lstStyle/>
+        <a:p>
+          <a:endParaRPr lang="de-DE"/>
+        </a:p>
+      </dgm:t>
     </dgm:pt>
     <dgm:pt modelId="{8977AAD3-F2CC-4EFA-850E-13D2EF96D176}" type="pres">
       <dgm:prSet presAssocID="{B0625C4A-9A50-414B-9344-808CA61DF517}" presName="circleB" presStyleLbl="node1" presStyleIdx="5" presStyleCnt="6"/>
@@ -8081,7 +10274,7 @@
 </dgm:dataModel>
 </file>
 
-<file path=ppt/diagrams/data6.xml><?xml version="1.0" encoding="utf-8"?>
+<file path=ppt/diagrams/data7.xml><?xml version="1.0" encoding="utf-8"?>
 <dgm:dataModel xmlns:dgm="http://schemas.openxmlformats.org/drawingml/2006/diagram" xmlns:a="http://schemas.openxmlformats.org/drawingml/2006/main">
   <dgm:ptLst>
     <dgm:pt modelId="{2B1DCE17-42D6-4356-8D58-28E7FF19D3D1}" type="doc">
@@ -8333,6 +10526,13 @@
         </dgm:presLayoutVars>
       </dgm:prSet>
       <dgm:spPr/>
+      <dgm:t>
+        <a:bodyPr/>
+        <a:lstStyle/>
+        <a:p>
+          <a:endParaRPr lang="de-DE"/>
+        </a:p>
+      </dgm:t>
     </dgm:pt>
     <dgm:pt modelId="{6E7284F9-4A79-4A07-850F-77B26DA11FDE}" type="pres">
       <dgm:prSet presAssocID="{F425A819-C6B6-416B-A3EE-0ADBCC80AE4C}" presName="circleA" presStyleLbl="node1" presStyleIdx="0" presStyleCnt="6"/>
@@ -8357,6 +10557,13 @@
         </dgm:presLayoutVars>
       </dgm:prSet>
       <dgm:spPr/>
+      <dgm:t>
+        <a:bodyPr/>
+        <a:lstStyle/>
+        <a:p>
+          <a:endParaRPr lang="de-DE"/>
+        </a:p>
+      </dgm:t>
     </dgm:pt>
     <dgm:pt modelId="{4920143E-C946-44ED-815B-983F02B8DDE0}" type="pres">
       <dgm:prSet presAssocID="{FBC29A02-6A70-491D-AAF1-BDB9EFD345F1}" presName="circleB" presStyleLbl="node1" presStyleIdx="1" presStyleCnt="6"/>
@@ -8381,6 +10588,13 @@
         </dgm:presLayoutVars>
       </dgm:prSet>
       <dgm:spPr/>
+      <dgm:t>
+        <a:bodyPr/>
+        <a:lstStyle/>
+        <a:p>
+          <a:endParaRPr lang="de-DE"/>
+        </a:p>
+      </dgm:t>
     </dgm:pt>
     <dgm:pt modelId="{A19AA833-E368-481A-B405-B15DAA8C9FB5}" type="pres">
       <dgm:prSet presAssocID="{F6F416EC-AC70-43E5-855A-EEB792133AE0}" presName="circleA" presStyleLbl="node1" presStyleIdx="2" presStyleCnt="6"/>
@@ -8405,6 +10619,13 @@
         </dgm:presLayoutVars>
       </dgm:prSet>
       <dgm:spPr/>
+      <dgm:t>
+        <a:bodyPr/>
+        <a:lstStyle/>
+        <a:p>
+          <a:endParaRPr lang="de-DE"/>
+        </a:p>
+      </dgm:t>
     </dgm:pt>
     <dgm:pt modelId="{07DA2D36-211C-46BA-8554-0CD0D3B05FA7}" type="pres">
       <dgm:prSet presAssocID="{610571DF-179E-4DF9-BE61-4E05F41788F0}" presName="circleB" presStyleLbl="node1" presStyleIdx="3" presStyleCnt="6"/>
@@ -8429,6 +10650,13 @@
         </dgm:presLayoutVars>
       </dgm:prSet>
       <dgm:spPr/>
+      <dgm:t>
+        <a:bodyPr/>
+        <a:lstStyle/>
+        <a:p>
+          <a:endParaRPr lang="de-DE"/>
+        </a:p>
+      </dgm:t>
     </dgm:pt>
     <dgm:pt modelId="{0F7D4D9C-D024-4B50-9CEF-A7B9BED1A59E}" type="pres">
       <dgm:prSet presAssocID="{8A9AFEC9-F5C6-4A80-BDB1-ED904F198DEB}" presName="circleA" presStyleLbl="node1" presStyleIdx="4" presStyleCnt="6"/>
@@ -8453,6 +10681,13 @@
         </dgm:presLayoutVars>
       </dgm:prSet>
       <dgm:spPr/>
+      <dgm:t>
+        <a:bodyPr/>
+        <a:lstStyle/>
+        <a:p>
+          <a:endParaRPr lang="de-DE"/>
+        </a:p>
+      </dgm:t>
     </dgm:pt>
     <dgm:pt modelId="{780E75BD-E781-4CA5-8721-23933D136A97}" type="pres">
       <dgm:prSet presAssocID="{F53AFE4B-A238-4100-A800-B446C49863A0}" presName="circleB" presStyleLbl="node1" presStyleIdx="5" presStyleCnt="6"/>
@@ -8830,7 +11065,7 @@
         </a:bodyPr>
         <a:lstStyle/>
         <a:p>
-          <a:pPr marL="0" lvl="0" indent="0" algn="ctr" defTabSz="1200150">
+          <a:pPr lvl="0" algn="ctr" defTabSz="1200150">
             <a:lnSpc>
               <a:spcPct val="90000"/>
             </a:lnSpc>
@@ -8840,7 +11075,6 @@
             <a:spcAft>
               <a:spcPct val="35000"/>
             </a:spcAft>
-            <a:buNone/>
           </a:pPr>
           <a:r>
             <a:rPr lang="de-DE" sz="2700" kern="1200" dirty="0"/>
@@ -8907,7 +11141,7 @@
         </a:bodyPr>
         <a:lstStyle/>
         <a:p>
-          <a:pPr marL="0" lvl="0" indent="0" algn="r" defTabSz="977900">
+          <a:pPr lvl="0" algn="r" defTabSz="977900">
             <a:lnSpc>
               <a:spcPct val="90000"/>
             </a:lnSpc>
@@ -8917,7 +11151,6 @@
             <a:spcAft>
               <a:spcPct val="35000"/>
             </a:spcAft>
-            <a:buNone/>
           </a:pPr>
           <a:r>
             <a:rPr lang="de-DE" sz="2200" kern="1200" dirty="0"/>
@@ -8985,7 +11218,7 @@
         </a:bodyPr>
         <a:lstStyle/>
         <a:p>
-          <a:pPr marL="0" lvl="0" indent="0" algn="ctr" defTabSz="1200150">
+          <a:pPr lvl="0" algn="ctr" defTabSz="1200150">
             <a:lnSpc>
               <a:spcPct val="90000"/>
             </a:lnSpc>
@@ -8995,7 +11228,6 @@
             <a:spcAft>
               <a:spcPct val="35000"/>
             </a:spcAft>
-            <a:buNone/>
           </a:pPr>
           <a:r>
             <a:rPr lang="de-DE" sz="2700" kern="1200" dirty="0"/>
@@ -9062,7 +11294,7 @@
         </a:bodyPr>
         <a:lstStyle/>
         <a:p>
-          <a:pPr marL="0" lvl="0" indent="0" algn="r" defTabSz="933450">
+          <a:pPr lvl="0" algn="r" defTabSz="933450">
             <a:lnSpc>
               <a:spcPct val="90000"/>
             </a:lnSpc>
@@ -9072,7 +11304,6 @@
             <a:spcAft>
               <a:spcPct val="35000"/>
             </a:spcAft>
-            <a:buNone/>
           </a:pPr>
           <a:r>
             <a:rPr lang="de-DE" sz="2100" kern="1200" dirty="0"/>
@@ -9145,7 +11376,7 @@
         </a:bodyPr>
         <a:lstStyle/>
         <a:p>
-          <a:pPr marL="0" lvl="0" indent="0" algn="ctr" defTabSz="1200150">
+          <a:pPr lvl="0" algn="ctr" defTabSz="1200150">
             <a:lnSpc>
               <a:spcPct val="90000"/>
             </a:lnSpc>
@@ -9155,7 +11386,6 @@
             <a:spcAft>
               <a:spcPct val="35000"/>
             </a:spcAft>
-            <a:buNone/>
           </a:pPr>
           <a:r>
             <a:rPr lang="de-DE" sz="2700" kern="1200" dirty="0"/>
@@ -9222,7 +11452,7 @@
         </a:bodyPr>
         <a:lstStyle/>
         <a:p>
-          <a:pPr marL="0" lvl="0" indent="0" algn="r" defTabSz="800100">
+          <a:pPr lvl="0" algn="r" defTabSz="800100">
             <a:lnSpc>
               <a:spcPct val="90000"/>
             </a:lnSpc>
@@ -9232,7 +11462,6 @@
             <a:spcAft>
               <a:spcPct val="35000"/>
             </a:spcAft>
-            <a:buNone/>
           </a:pPr>
           <a:r>
             <a:rPr lang="de-DE" sz="1800" kern="1200" dirty="0"/>
@@ -9305,7 +11534,7 @@
         </a:bodyPr>
         <a:lstStyle/>
         <a:p>
-          <a:pPr marL="0" lvl="0" indent="0" algn="ctr" defTabSz="1200150">
+          <a:pPr lvl="0" algn="ctr" defTabSz="1200150">
             <a:lnSpc>
               <a:spcPct val="90000"/>
             </a:lnSpc>
@@ -9315,7 +11544,6 @@
             <a:spcAft>
               <a:spcPct val="35000"/>
             </a:spcAft>
-            <a:buNone/>
           </a:pPr>
           <a:r>
             <a:rPr lang="de-DE" sz="2700" kern="1200" dirty="0"/>
@@ -9382,7 +11610,7 @@
         </a:bodyPr>
         <a:lstStyle/>
         <a:p>
-          <a:pPr marL="0" lvl="0" indent="0" algn="r" defTabSz="977900">
+          <a:pPr lvl="0" algn="r" defTabSz="977900">
             <a:lnSpc>
               <a:spcPct val="90000"/>
             </a:lnSpc>
@@ -9392,7 +11620,6 @@
             <a:spcAft>
               <a:spcPct val="35000"/>
             </a:spcAft>
-            <a:buNone/>
           </a:pPr>
           <a:r>
             <a:rPr lang="de-DE" sz="2200" kern="1200" dirty="0"/>
@@ -9460,7 +11687,7 @@
         </a:bodyPr>
         <a:lstStyle/>
         <a:p>
-          <a:pPr marL="0" lvl="0" indent="0" algn="ctr" defTabSz="1200150">
+          <a:pPr lvl="0" algn="ctr" defTabSz="1200150">
             <a:lnSpc>
               <a:spcPct val="90000"/>
             </a:lnSpc>
@@ -9470,7 +11697,6 @@
             <a:spcAft>
               <a:spcPct val="35000"/>
             </a:spcAft>
-            <a:buNone/>
           </a:pPr>
           <a:r>
             <a:rPr lang="de-DE" sz="2700" kern="1200" dirty="0"/>
@@ -9537,7 +11763,7 @@
         </a:bodyPr>
         <a:lstStyle/>
         <a:p>
-          <a:pPr marL="0" lvl="0" indent="0" algn="r" defTabSz="933450">
+          <a:pPr lvl="0" algn="r" defTabSz="933450">
             <a:lnSpc>
               <a:spcPct val="90000"/>
             </a:lnSpc>
@@ -9547,7 +11773,6 @@
             <a:spcAft>
               <a:spcPct val="35000"/>
             </a:spcAft>
-            <a:buNone/>
           </a:pPr>
           <a:r>
             <a:rPr lang="de-DE" sz="2100" kern="1200" dirty="0"/>
@@ -9634,7 +11859,7 @@
         </a:bodyPr>
         <a:lstStyle/>
         <a:p>
-          <a:pPr marL="0" lvl="0" indent="0" algn="ctr" defTabSz="844550">
+          <a:pPr lvl="0" algn="ctr" defTabSz="844550">
             <a:lnSpc>
               <a:spcPct val="90000"/>
             </a:lnSpc>
@@ -9644,7 +11869,6 @@
             <a:spcAft>
               <a:spcPct val="35000"/>
             </a:spcAft>
-            <a:buNone/>
           </a:pPr>
           <a:r>
             <a:rPr lang="de-DE" sz="1900" kern="1200" dirty="0"/>
@@ -9706,7 +11930,7 @@
         </a:bodyPr>
         <a:lstStyle/>
         <a:p>
-          <a:pPr marL="0" lvl="0" indent="0" algn="ctr" defTabSz="711200">
+          <a:pPr lvl="0" algn="ctr" defTabSz="711200">
             <a:lnSpc>
               <a:spcPct val="90000"/>
             </a:lnSpc>
@@ -9716,7 +11940,6 @@
             <a:spcAft>
               <a:spcPct val="35000"/>
             </a:spcAft>
-            <a:buNone/>
           </a:pPr>
           <a:endParaRPr lang="de-DE" sz="1600" kern="1200"/>
         </a:p>
@@ -9783,7 +12006,7 @@
         </a:bodyPr>
         <a:lstStyle/>
         <a:p>
-          <a:pPr marL="0" lvl="0" indent="0" algn="ctr" defTabSz="844550">
+          <a:pPr lvl="0" algn="ctr" defTabSz="844550">
             <a:lnSpc>
               <a:spcPct val="90000"/>
             </a:lnSpc>
@@ -9793,7 +12016,6 @@
             <a:spcAft>
               <a:spcPct val="35000"/>
             </a:spcAft>
-            <a:buNone/>
           </a:pPr>
           <a:r>
             <a:rPr lang="de-DE" sz="1900" kern="1200" dirty="0"/>
@@ -9855,7 +12077,7 @@
         </a:bodyPr>
         <a:lstStyle/>
         <a:p>
-          <a:pPr marL="0" lvl="0" indent="0" algn="ctr" defTabSz="711200">
+          <a:pPr lvl="0" algn="ctr" defTabSz="711200">
             <a:lnSpc>
               <a:spcPct val="90000"/>
             </a:lnSpc>
@@ -9865,7 +12087,6 @@
             <a:spcAft>
               <a:spcPct val="35000"/>
             </a:spcAft>
-            <a:buNone/>
           </a:pPr>
           <a:endParaRPr lang="de-DE" sz="1600" kern="1200"/>
         </a:p>
@@ -9932,7 +12153,7 @@
         </a:bodyPr>
         <a:lstStyle/>
         <a:p>
-          <a:pPr marL="0" lvl="0" indent="0" algn="ctr" defTabSz="844550">
+          <a:pPr lvl="0" algn="ctr" defTabSz="844550">
             <a:lnSpc>
               <a:spcPct val="90000"/>
             </a:lnSpc>
@@ -9942,7 +12163,6 @@
             <a:spcAft>
               <a:spcPct val="35000"/>
             </a:spcAft>
-            <a:buNone/>
           </a:pPr>
           <a:r>
             <a:rPr lang="de-DE" sz="1900" kern="1200" dirty="0"/>
@@ -10004,7 +12224,7 @@
         </a:bodyPr>
         <a:lstStyle/>
         <a:p>
-          <a:pPr marL="0" lvl="0" indent="0" algn="ctr" defTabSz="711200">
+          <a:pPr lvl="0" algn="ctr" defTabSz="711200">
             <a:lnSpc>
               <a:spcPct val="90000"/>
             </a:lnSpc>
@@ -10014,7 +12234,6 @@
             <a:spcAft>
               <a:spcPct val="35000"/>
             </a:spcAft>
-            <a:buNone/>
           </a:pPr>
           <a:endParaRPr lang="de-DE" sz="1600" kern="1200"/>
         </a:p>
@@ -10081,7 +12300,7 @@
         </a:bodyPr>
         <a:lstStyle/>
         <a:p>
-          <a:pPr marL="0" lvl="0" indent="0" algn="ctr" defTabSz="844550">
+          <a:pPr lvl="0" algn="ctr" defTabSz="844550">
             <a:lnSpc>
               <a:spcPct val="90000"/>
             </a:lnSpc>
@@ -10091,7 +12310,6 @@
             <a:spcAft>
               <a:spcPct val="35000"/>
             </a:spcAft>
-            <a:buNone/>
           </a:pPr>
           <a:r>
             <a:rPr lang="de-DE" sz="1900" kern="1200" dirty="0"/>
@@ -10153,7 +12371,7 @@
         </a:bodyPr>
         <a:lstStyle/>
         <a:p>
-          <a:pPr marL="0" lvl="0" indent="0" algn="ctr" defTabSz="711200">
+          <a:pPr lvl="0" algn="ctr" defTabSz="711200">
             <a:lnSpc>
               <a:spcPct val="90000"/>
             </a:lnSpc>
@@ -10163,7 +12381,6 @@
             <a:spcAft>
               <a:spcPct val="35000"/>
             </a:spcAft>
-            <a:buNone/>
           </a:pPr>
           <a:endParaRPr lang="de-DE" sz="1600" kern="1200"/>
         </a:p>
@@ -10230,7 +12447,7 @@
         </a:bodyPr>
         <a:lstStyle/>
         <a:p>
-          <a:pPr marL="0" lvl="0" indent="0" algn="ctr" defTabSz="844550">
+          <a:pPr lvl="0" algn="ctr" defTabSz="844550">
             <a:lnSpc>
               <a:spcPct val="90000"/>
             </a:lnSpc>
@@ -10240,7 +12457,6 @@
             <a:spcAft>
               <a:spcPct val="35000"/>
             </a:spcAft>
-            <a:buNone/>
           </a:pPr>
           <a:r>
             <a:rPr lang="de-DE" sz="1900" kern="1200" dirty="0"/>
@@ -10258,6 +12474,1514 @@
 </file>
 
 <file path=ppt/diagrams/drawing3.xml><?xml version="1.0" encoding="utf-8"?>
+<dsp:drawing xmlns:dgm="http://schemas.openxmlformats.org/drawingml/2006/diagram" xmlns:dsp="http://schemas.microsoft.com/office/drawing/2008/diagram" xmlns:a="http://schemas.openxmlformats.org/drawingml/2006/main">
+  <dsp:spTree>
+    <dsp:nvGrpSpPr>
+      <dsp:cNvPr id="0" name=""/>
+      <dsp:cNvGrpSpPr/>
+    </dsp:nvGrpSpPr>
+    <dsp:grpSpPr/>
+    <dsp:sp modelId="{FFD2D732-4275-4857-A664-5C8279F281CE}">
+      <dsp:nvSpPr>
+        <dsp:cNvPr id="0" name=""/>
+        <dsp:cNvSpPr/>
+      </dsp:nvSpPr>
+      <dsp:spPr>
+        <a:xfrm>
+          <a:off x="1121891" y="3352438"/>
+          <a:ext cx="8271817" cy="914125"/>
+        </a:xfrm>
+        <a:prstGeom prst="roundRect">
+          <a:avLst>
+            <a:gd name="adj" fmla="val 10000"/>
+          </a:avLst>
+        </a:prstGeom>
+        <a:solidFill>
+          <a:schemeClr val="accent1">
+            <a:tint val="40000"/>
+            <a:hueOff val="0"/>
+            <a:satOff val="0"/>
+            <a:lumOff val="0"/>
+            <a:alphaOff val="0"/>
+          </a:schemeClr>
+        </a:solidFill>
+        <a:ln>
+          <a:noFill/>
+        </a:ln>
+        <a:effectLst/>
+      </dsp:spPr>
+      <dsp:style>
+        <a:lnRef idx="0">
+          <a:scrgbClr r="0" g="0" b="0"/>
+        </a:lnRef>
+        <a:fillRef idx="1">
+          <a:scrgbClr r="0" g="0" b="0"/>
+        </a:fillRef>
+        <a:effectRef idx="0">
+          <a:scrgbClr r="0" g="0" b="0"/>
+        </a:effectRef>
+        <a:fontRef idx="minor"/>
+      </dsp:style>
+      <dsp:txBody>
+        <a:bodyPr spcFirstLastPara="0" vert="horz" wrap="square" lIns="177800" tIns="177800" rIns="177800" bIns="177800" numCol="1" spcCol="1270" anchor="ctr" anchorCtr="0">
+          <a:noAutofit/>
+        </a:bodyPr>
+        <a:lstStyle/>
+        <a:p>
+          <a:pPr lvl="0" algn="ctr" defTabSz="1111250">
+            <a:lnSpc>
+              <a:spcPct val="90000"/>
+            </a:lnSpc>
+            <a:spcBef>
+              <a:spcPct val="0"/>
+            </a:spcBef>
+            <a:spcAft>
+              <a:spcPct val="35000"/>
+            </a:spcAft>
+          </a:pPr>
+          <a:r>
+            <a:rPr lang="de-DE" sz="2500" kern="1200" dirty="0" smtClean="0"/>
+            <a:t>&lt;5000€</a:t>
+          </a:r>
+          <a:endParaRPr lang="de-DE" sz="2500" kern="1200" dirty="0"/>
+        </a:p>
+      </dsp:txBody>
+      <dsp:txXfrm>
+        <a:off x="1121891" y="3352438"/>
+        <a:ext cx="2481545" cy="914125"/>
+      </dsp:txXfrm>
+    </dsp:sp>
+    <dsp:sp modelId="{094B87F5-4ED7-4E39-86B3-CD66B90D9A56}">
+      <dsp:nvSpPr>
+        <dsp:cNvPr id="0" name=""/>
+        <dsp:cNvSpPr/>
+      </dsp:nvSpPr>
+      <dsp:spPr>
+        <a:xfrm>
+          <a:off x="1121891" y="2263217"/>
+          <a:ext cx="8271817" cy="914125"/>
+        </a:xfrm>
+        <a:prstGeom prst="roundRect">
+          <a:avLst>
+            <a:gd name="adj" fmla="val 10000"/>
+          </a:avLst>
+        </a:prstGeom>
+        <a:solidFill>
+          <a:schemeClr val="accent1">
+            <a:tint val="40000"/>
+            <a:hueOff val="0"/>
+            <a:satOff val="0"/>
+            <a:lumOff val="0"/>
+            <a:alphaOff val="0"/>
+          </a:schemeClr>
+        </a:solidFill>
+        <a:ln>
+          <a:noFill/>
+        </a:ln>
+        <a:effectLst/>
+      </dsp:spPr>
+      <dsp:style>
+        <a:lnRef idx="0">
+          <a:scrgbClr r="0" g="0" b="0"/>
+        </a:lnRef>
+        <a:fillRef idx="1">
+          <a:scrgbClr r="0" g="0" b="0"/>
+        </a:fillRef>
+        <a:effectRef idx="0">
+          <a:scrgbClr r="0" g="0" b="0"/>
+        </a:effectRef>
+        <a:fontRef idx="minor"/>
+      </dsp:style>
+      <dsp:txBody>
+        <a:bodyPr spcFirstLastPara="0" vert="horz" wrap="square" lIns="177800" tIns="177800" rIns="177800" bIns="177800" numCol="1" spcCol="1270" anchor="ctr" anchorCtr="0">
+          <a:noAutofit/>
+        </a:bodyPr>
+        <a:lstStyle/>
+        <a:p>
+          <a:pPr lvl="0" algn="ctr" defTabSz="1111250">
+            <a:lnSpc>
+              <a:spcPct val="90000"/>
+            </a:lnSpc>
+            <a:spcBef>
+              <a:spcPct val="0"/>
+            </a:spcBef>
+            <a:spcAft>
+              <a:spcPct val="35000"/>
+            </a:spcAft>
+          </a:pPr>
+          <a:r>
+            <a:rPr lang="de-DE" sz="2500" kern="1200" dirty="0" smtClean="0"/>
+            <a:t>&lt;25.000€</a:t>
+          </a:r>
+          <a:endParaRPr lang="de-DE" sz="2500" kern="1200" dirty="0"/>
+        </a:p>
+      </dsp:txBody>
+      <dsp:txXfrm>
+        <a:off x="1121891" y="2263217"/>
+        <a:ext cx="2481545" cy="914125"/>
+      </dsp:txXfrm>
+    </dsp:sp>
+    <dsp:sp modelId="{F0E32CA4-6831-4764-A3A4-A040A84BCF6B}">
+      <dsp:nvSpPr>
+        <dsp:cNvPr id="0" name=""/>
+        <dsp:cNvSpPr/>
+      </dsp:nvSpPr>
+      <dsp:spPr>
+        <a:xfrm>
+          <a:off x="1121891" y="1173995"/>
+          <a:ext cx="8271817" cy="914125"/>
+        </a:xfrm>
+        <a:prstGeom prst="roundRect">
+          <a:avLst>
+            <a:gd name="adj" fmla="val 10000"/>
+          </a:avLst>
+        </a:prstGeom>
+        <a:solidFill>
+          <a:schemeClr val="accent1">
+            <a:tint val="40000"/>
+            <a:hueOff val="0"/>
+            <a:satOff val="0"/>
+            <a:lumOff val="0"/>
+            <a:alphaOff val="0"/>
+          </a:schemeClr>
+        </a:solidFill>
+        <a:ln>
+          <a:noFill/>
+        </a:ln>
+        <a:effectLst/>
+      </dsp:spPr>
+      <dsp:style>
+        <a:lnRef idx="0">
+          <a:scrgbClr r="0" g="0" b="0"/>
+        </a:lnRef>
+        <a:fillRef idx="1">
+          <a:scrgbClr r="0" g="0" b="0"/>
+        </a:fillRef>
+        <a:effectRef idx="0">
+          <a:scrgbClr r="0" g="0" b="0"/>
+        </a:effectRef>
+        <a:fontRef idx="minor"/>
+      </dsp:style>
+      <dsp:txBody>
+        <a:bodyPr spcFirstLastPara="0" vert="horz" wrap="square" lIns="177800" tIns="177800" rIns="177800" bIns="177800" numCol="1" spcCol="1270" anchor="ctr" anchorCtr="0">
+          <a:noAutofit/>
+        </a:bodyPr>
+        <a:lstStyle/>
+        <a:p>
+          <a:pPr lvl="0" algn="ctr" defTabSz="1111250">
+            <a:lnSpc>
+              <a:spcPct val="90000"/>
+            </a:lnSpc>
+            <a:spcBef>
+              <a:spcPct val="0"/>
+            </a:spcBef>
+            <a:spcAft>
+              <a:spcPct val="35000"/>
+            </a:spcAft>
+          </a:pPr>
+          <a:r>
+            <a:rPr lang="de-DE" sz="2500" kern="1200" dirty="0" smtClean="0"/>
+            <a:t>&lt;50.000€</a:t>
+          </a:r>
+          <a:endParaRPr lang="de-DE" sz="2500" kern="1200" dirty="0"/>
+        </a:p>
+      </dsp:txBody>
+      <dsp:txXfrm>
+        <a:off x="1121891" y="1173995"/>
+        <a:ext cx="2481545" cy="914125"/>
+      </dsp:txXfrm>
+    </dsp:sp>
+    <dsp:sp modelId="{747057C4-883E-4012-8E66-4802241FD32C}">
+      <dsp:nvSpPr>
+        <dsp:cNvPr id="0" name=""/>
+        <dsp:cNvSpPr/>
+      </dsp:nvSpPr>
+      <dsp:spPr>
+        <a:xfrm>
+          <a:off x="1121891" y="84774"/>
+          <a:ext cx="8271817" cy="914125"/>
+        </a:xfrm>
+        <a:prstGeom prst="roundRect">
+          <a:avLst>
+            <a:gd name="adj" fmla="val 10000"/>
+          </a:avLst>
+        </a:prstGeom>
+        <a:solidFill>
+          <a:schemeClr val="accent1">
+            <a:tint val="40000"/>
+            <a:hueOff val="0"/>
+            <a:satOff val="0"/>
+            <a:lumOff val="0"/>
+            <a:alphaOff val="0"/>
+          </a:schemeClr>
+        </a:solidFill>
+        <a:ln>
+          <a:noFill/>
+        </a:ln>
+        <a:effectLst/>
+      </dsp:spPr>
+      <dsp:style>
+        <a:lnRef idx="0">
+          <a:scrgbClr r="0" g="0" b="0"/>
+        </a:lnRef>
+        <a:fillRef idx="1">
+          <a:scrgbClr r="0" g="0" b="0"/>
+        </a:fillRef>
+        <a:effectRef idx="0">
+          <a:scrgbClr r="0" g="0" b="0"/>
+        </a:effectRef>
+        <a:fontRef idx="minor"/>
+      </dsp:style>
+      <dsp:txBody>
+        <a:bodyPr spcFirstLastPara="0" vert="horz" wrap="square" lIns="177800" tIns="177800" rIns="177800" bIns="177800" numCol="1" spcCol="1270" anchor="ctr" anchorCtr="0">
+          <a:noAutofit/>
+        </a:bodyPr>
+        <a:lstStyle/>
+        <a:p>
+          <a:pPr lvl="0" algn="ctr" defTabSz="1111250">
+            <a:lnSpc>
+              <a:spcPct val="90000"/>
+            </a:lnSpc>
+            <a:spcBef>
+              <a:spcPct val="0"/>
+            </a:spcBef>
+            <a:spcAft>
+              <a:spcPct val="35000"/>
+            </a:spcAft>
+          </a:pPr>
+          <a:r>
+            <a:rPr lang="de-DE" sz="2500" kern="1200" dirty="0" smtClean="0"/>
+            <a:t>Freie Verfügung</a:t>
+          </a:r>
+          <a:endParaRPr lang="de-DE" sz="2500" kern="1200" dirty="0"/>
+        </a:p>
+      </dsp:txBody>
+      <dsp:txXfrm>
+        <a:off x="1121891" y="84774"/>
+        <a:ext cx="2481545" cy="914125"/>
+      </dsp:txXfrm>
+    </dsp:sp>
+    <dsp:sp modelId="{1F1A9EFB-A5CD-4033-88DD-329F25ECE298}">
+      <dsp:nvSpPr>
+        <dsp:cNvPr id="0" name=""/>
+        <dsp:cNvSpPr/>
+      </dsp:nvSpPr>
+      <dsp:spPr>
+        <a:xfrm>
+          <a:off x="6208017" y="251693"/>
+          <a:ext cx="1610088" cy="568773"/>
+        </a:xfrm>
+        <a:prstGeom prst="roundRect">
+          <a:avLst>
+            <a:gd name="adj" fmla="val 10000"/>
+          </a:avLst>
+        </a:prstGeom>
+        <a:solidFill>
+          <a:schemeClr val="accent1">
+            <a:hueOff val="0"/>
+            <a:satOff val="0"/>
+            <a:lumOff val="0"/>
+            <a:alphaOff val="0"/>
+          </a:schemeClr>
+        </a:solidFill>
+        <a:ln w="12700" cap="flat" cmpd="sng" algn="ctr">
+          <a:solidFill>
+            <a:schemeClr val="lt1">
+              <a:hueOff val="0"/>
+              <a:satOff val="0"/>
+              <a:lumOff val="0"/>
+              <a:alphaOff val="0"/>
+            </a:schemeClr>
+          </a:solidFill>
+          <a:prstDash val="solid"/>
+          <a:miter lim="800000"/>
+        </a:ln>
+        <a:effectLst/>
+      </dsp:spPr>
+      <dsp:style>
+        <a:lnRef idx="2">
+          <a:scrgbClr r="0" g="0" b="0"/>
+        </a:lnRef>
+        <a:fillRef idx="1">
+          <a:scrgbClr r="0" g="0" b="0"/>
+        </a:fillRef>
+        <a:effectRef idx="0">
+          <a:scrgbClr r="0" g="0" b="0"/>
+        </a:effectRef>
+        <a:fontRef idx="minor">
+          <a:schemeClr val="lt1"/>
+        </a:fontRef>
+      </dsp:style>
+      <dsp:txBody>
+        <a:bodyPr spcFirstLastPara="0" vert="horz" wrap="square" lIns="57150" tIns="57150" rIns="57150" bIns="57150" numCol="1" spcCol="1270" anchor="ctr" anchorCtr="0">
+          <a:noAutofit/>
+        </a:bodyPr>
+        <a:lstStyle/>
+        <a:p>
+          <a:pPr lvl="0" algn="ctr" defTabSz="666750">
+            <a:lnSpc>
+              <a:spcPct val="90000"/>
+            </a:lnSpc>
+            <a:spcBef>
+              <a:spcPct val="0"/>
+            </a:spcBef>
+            <a:spcAft>
+              <a:spcPct val="35000"/>
+            </a:spcAft>
+          </a:pPr>
+          <a:r>
+            <a:rPr lang="de-DE" sz="1500" kern="1200" dirty="0" smtClean="0"/>
+            <a:t>Geschäftsführung</a:t>
+          </a:r>
+          <a:endParaRPr lang="de-DE" sz="1500" kern="1200" dirty="0"/>
+        </a:p>
+      </dsp:txBody>
+      <dsp:txXfrm>
+        <a:off x="6224676" y="268352"/>
+        <a:ext cx="1576770" cy="535455"/>
+      </dsp:txXfrm>
+    </dsp:sp>
+    <dsp:sp modelId="{B1C268A3-EE64-46D5-87FC-2308E8B31979}">
+      <dsp:nvSpPr>
+        <dsp:cNvPr id="0" name=""/>
+        <dsp:cNvSpPr/>
+      </dsp:nvSpPr>
+      <dsp:spPr>
+        <a:xfrm>
+          <a:off x="5413039" y="820467"/>
+          <a:ext cx="1600022" cy="559353"/>
+        </a:xfrm>
+        <a:custGeom>
+          <a:avLst/>
+          <a:gdLst/>
+          <a:ahLst/>
+          <a:cxnLst/>
+          <a:rect l="0" t="0" r="0" b="0"/>
+          <a:pathLst>
+            <a:path>
+              <a:moveTo>
+                <a:pt x="1600022" y="0"/>
+              </a:moveTo>
+              <a:lnTo>
+                <a:pt x="1600022" y="279676"/>
+              </a:lnTo>
+              <a:lnTo>
+                <a:pt x="0" y="279676"/>
+              </a:lnTo>
+              <a:lnTo>
+                <a:pt x="0" y="559353"/>
+              </a:lnTo>
+            </a:path>
+          </a:pathLst>
+        </a:custGeom>
+        <a:noFill/>
+        <a:ln w="12700" cap="flat" cmpd="sng" algn="ctr">
+          <a:solidFill>
+            <a:schemeClr val="accent1">
+              <a:shade val="60000"/>
+              <a:hueOff val="0"/>
+              <a:satOff val="0"/>
+              <a:lumOff val="0"/>
+              <a:alphaOff val="0"/>
+            </a:schemeClr>
+          </a:solidFill>
+          <a:prstDash val="solid"/>
+          <a:miter lim="800000"/>
+        </a:ln>
+        <a:effectLst/>
+      </dsp:spPr>
+      <dsp:style>
+        <a:lnRef idx="2">
+          <a:scrgbClr r="0" g="0" b="0"/>
+        </a:lnRef>
+        <a:fillRef idx="0">
+          <a:scrgbClr r="0" g="0" b="0"/>
+        </a:fillRef>
+        <a:effectRef idx="0">
+          <a:scrgbClr r="0" g="0" b="0"/>
+        </a:effectRef>
+        <a:fontRef idx="minor"/>
+      </dsp:style>
+    </dsp:sp>
+    <dsp:sp modelId="{9B58E77F-1383-4BEC-8928-FD9B0FFCE2D4}">
+      <dsp:nvSpPr>
+        <dsp:cNvPr id="0" name=""/>
+        <dsp:cNvSpPr/>
+      </dsp:nvSpPr>
+      <dsp:spPr>
+        <a:xfrm>
+          <a:off x="4607994" y="1379820"/>
+          <a:ext cx="1610088" cy="568773"/>
+        </a:xfrm>
+        <a:prstGeom prst="roundRect">
+          <a:avLst>
+            <a:gd name="adj" fmla="val 10000"/>
+          </a:avLst>
+        </a:prstGeom>
+        <a:solidFill>
+          <a:schemeClr val="accent1">
+            <a:hueOff val="0"/>
+            <a:satOff val="0"/>
+            <a:lumOff val="0"/>
+            <a:alphaOff val="0"/>
+          </a:schemeClr>
+        </a:solidFill>
+        <a:ln w="12700" cap="flat" cmpd="sng" algn="ctr">
+          <a:solidFill>
+            <a:schemeClr val="lt1">
+              <a:hueOff val="0"/>
+              <a:satOff val="0"/>
+              <a:lumOff val="0"/>
+              <a:alphaOff val="0"/>
+            </a:schemeClr>
+          </a:solidFill>
+          <a:prstDash val="solid"/>
+          <a:miter lim="800000"/>
+        </a:ln>
+        <a:effectLst/>
+      </dsp:spPr>
+      <dsp:style>
+        <a:lnRef idx="2">
+          <a:scrgbClr r="0" g="0" b="0"/>
+        </a:lnRef>
+        <a:fillRef idx="1">
+          <a:scrgbClr r="0" g="0" b="0"/>
+        </a:fillRef>
+        <a:effectRef idx="0">
+          <a:scrgbClr r="0" g="0" b="0"/>
+        </a:effectRef>
+        <a:fontRef idx="minor">
+          <a:schemeClr val="lt1"/>
+        </a:fontRef>
+      </dsp:style>
+      <dsp:txBody>
+        <a:bodyPr spcFirstLastPara="0" vert="horz" wrap="square" lIns="57150" tIns="57150" rIns="57150" bIns="57150" numCol="1" spcCol="1270" anchor="ctr" anchorCtr="0">
+          <a:noAutofit/>
+        </a:bodyPr>
+        <a:lstStyle/>
+        <a:p>
+          <a:pPr lvl="0" algn="ctr" defTabSz="666750">
+            <a:lnSpc>
+              <a:spcPct val="90000"/>
+            </a:lnSpc>
+            <a:spcBef>
+              <a:spcPct val="0"/>
+            </a:spcBef>
+            <a:spcAft>
+              <a:spcPct val="35000"/>
+            </a:spcAft>
+          </a:pPr>
+          <a:r>
+            <a:rPr lang="de-DE" sz="1500" kern="1200" dirty="0" smtClean="0"/>
+            <a:t>Standortleiter</a:t>
+          </a:r>
+          <a:endParaRPr lang="de-DE" sz="1500" kern="1200" dirty="0"/>
+        </a:p>
+      </dsp:txBody>
+      <dsp:txXfrm>
+        <a:off x="4624653" y="1396479"/>
+        <a:ext cx="1576770" cy="535455"/>
+      </dsp:txXfrm>
+    </dsp:sp>
+    <dsp:sp modelId="{ACEA7FE6-7A02-47CA-8A4D-764ABFD377A8}">
+      <dsp:nvSpPr>
+        <dsp:cNvPr id="0" name=""/>
+        <dsp:cNvSpPr/>
+      </dsp:nvSpPr>
+      <dsp:spPr>
+        <a:xfrm>
+          <a:off x="4451275" y="1948594"/>
+          <a:ext cx="961764" cy="513776"/>
+        </a:xfrm>
+        <a:custGeom>
+          <a:avLst/>
+          <a:gdLst/>
+          <a:ahLst/>
+          <a:cxnLst/>
+          <a:rect l="0" t="0" r="0" b="0"/>
+          <a:pathLst>
+            <a:path>
+              <a:moveTo>
+                <a:pt x="961764" y="0"/>
+              </a:moveTo>
+              <a:lnTo>
+                <a:pt x="961764" y="256888"/>
+              </a:lnTo>
+              <a:lnTo>
+                <a:pt x="0" y="256888"/>
+              </a:lnTo>
+              <a:lnTo>
+                <a:pt x="0" y="513776"/>
+              </a:lnTo>
+            </a:path>
+          </a:pathLst>
+        </a:custGeom>
+        <a:noFill/>
+        <a:ln w="12700" cap="flat" cmpd="sng" algn="ctr">
+          <a:solidFill>
+            <a:schemeClr val="accent1">
+              <a:shade val="80000"/>
+              <a:hueOff val="0"/>
+              <a:satOff val="0"/>
+              <a:lumOff val="0"/>
+              <a:alphaOff val="0"/>
+            </a:schemeClr>
+          </a:solidFill>
+          <a:prstDash val="solid"/>
+          <a:miter lim="800000"/>
+        </a:ln>
+        <a:effectLst/>
+      </dsp:spPr>
+      <dsp:style>
+        <a:lnRef idx="2">
+          <a:scrgbClr r="0" g="0" b="0"/>
+        </a:lnRef>
+        <a:fillRef idx="0">
+          <a:scrgbClr r="0" g="0" b="0"/>
+        </a:fillRef>
+        <a:effectRef idx="0">
+          <a:scrgbClr r="0" g="0" b="0"/>
+        </a:effectRef>
+        <a:fontRef idx="minor"/>
+      </dsp:style>
+    </dsp:sp>
+    <dsp:sp modelId="{B1922731-AD91-44DE-ACD9-44F95FE5E7B5}">
+      <dsp:nvSpPr>
+        <dsp:cNvPr id="0" name=""/>
+        <dsp:cNvSpPr/>
+      </dsp:nvSpPr>
+      <dsp:spPr>
+        <a:xfrm>
+          <a:off x="3646230" y="2462370"/>
+          <a:ext cx="1610088" cy="568773"/>
+        </a:xfrm>
+        <a:prstGeom prst="roundRect">
+          <a:avLst>
+            <a:gd name="adj" fmla="val 10000"/>
+          </a:avLst>
+        </a:prstGeom>
+        <a:solidFill>
+          <a:schemeClr val="accent1">
+            <a:hueOff val="0"/>
+            <a:satOff val="0"/>
+            <a:lumOff val="0"/>
+            <a:alphaOff val="0"/>
+          </a:schemeClr>
+        </a:solidFill>
+        <a:ln w="12700" cap="flat" cmpd="sng" algn="ctr">
+          <a:solidFill>
+            <a:schemeClr val="lt1">
+              <a:hueOff val="0"/>
+              <a:satOff val="0"/>
+              <a:lumOff val="0"/>
+              <a:alphaOff val="0"/>
+            </a:schemeClr>
+          </a:solidFill>
+          <a:prstDash val="solid"/>
+          <a:miter lim="800000"/>
+        </a:ln>
+        <a:effectLst/>
+      </dsp:spPr>
+      <dsp:style>
+        <a:lnRef idx="2">
+          <a:scrgbClr r="0" g="0" b="0"/>
+        </a:lnRef>
+        <a:fillRef idx="1">
+          <a:scrgbClr r="0" g="0" b="0"/>
+        </a:fillRef>
+        <a:effectRef idx="0">
+          <a:scrgbClr r="0" g="0" b="0"/>
+        </a:effectRef>
+        <a:fontRef idx="minor">
+          <a:schemeClr val="lt1"/>
+        </a:fontRef>
+      </dsp:style>
+      <dsp:txBody>
+        <a:bodyPr spcFirstLastPara="0" vert="horz" wrap="square" lIns="57150" tIns="57150" rIns="57150" bIns="57150" numCol="1" spcCol="1270" anchor="ctr" anchorCtr="0">
+          <a:noAutofit/>
+        </a:bodyPr>
+        <a:lstStyle/>
+        <a:p>
+          <a:pPr lvl="0" algn="ctr" defTabSz="666750">
+            <a:lnSpc>
+              <a:spcPct val="90000"/>
+            </a:lnSpc>
+            <a:spcBef>
+              <a:spcPct val="0"/>
+            </a:spcBef>
+            <a:spcAft>
+              <a:spcPct val="35000"/>
+            </a:spcAft>
+          </a:pPr>
+          <a:r>
+            <a:rPr lang="de-DE" sz="1500" kern="1200" dirty="0" smtClean="0"/>
+            <a:t>Abteilungsleiter</a:t>
+          </a:r>
+          <a:endParaRPr lang="de-DE" sz="1500" kern="1200" dirty="0"/>
+        </a:p>
+      </dsp:txBody>
+      <dsp:txXfrm>
+        <a:off x="3662889" y="2479029"/>
+        <a:ext cx="1576770" cy="535455"/>
+      </dsp:txXfrm>
+    </dsp:sp>
+    <dsp:sp modelId="{E3876E12-9F8C-4240-8F2C-C014D10C0DC2}">
+      <dsp:nvSpPr>
+        <dsp:cNvPr id="0" name=""/>
+        <dsp:cNvSpPr/>
+      </dsp:nvSpPr>
+      <dsp:spPr>
+        <a:xfrm>
+          <a:off x="4405555" y="3031144"/>
+          <a:ext cx="91440" cy="475254"/>
+        </a:xfrm>
+        <a:custGeom>
+          <a:avLst/>
+          <a:gdLst/>
+          <a:ahLst/>
+          <a:cxnLst/>
+          <a:rect l="0" t="0" r="0" b="0"/>
+          <a:pathLst>
+            <a:path>
+              <a:moveTo>
+                <a:pt x="45720" y="0"/>
+              </a:moveTo>
+              <a:lnTo>
+                <a:pt x="45720" y="237627"/>
+              </a:lnTo>
+              <a:lnTo>
+                <a:pt x="47072" y="237627"/>
+              </a:lnTo>
+              <a:lnTo>
+                <a:pt x="47072" y="475254"/>
+              </a:lnTo>
+            </a:path>
+          </a:pathLst>
+        </a:custGeom>
+        <a:noFill/>
+        <a:ln w="12700" cap="flat" cmpd="sng" algn="ctr">
+          <a:solidFill>
+            <a:schemeClr val="accent1">
+              <a:shade val="80000"/>
+              <a:hueOff val="0"/>
+              <a:satOff val="0"/>
+              <a:lumOff val="0"/>
+              <a:alphaOff val="0"/>
+            </a:schemeClr>
+          </a:solidFill>
+          <a:prstDash val="solid"/>
+          <a:miter lim="800000"/>
+        </a:ln>
+        <a:effectLst/>
+      </dsp:spPr>
+      <dsp:style>
+        <a:lnRef idx="2">
+          <a:scrgbClr r="0" g="0" b="0"/>
+        </a:lnRef>
+        <a:fillRef idx="0">
+          <a:scrgbClr r="0" g="0" b="0"/>
+        </a:fillRef>
+        <a:effectRef idx="0">
+          <a:scrgbClr r="0" g="0" b="0"/>
+        </a:effectRef>
+        <a:fontRef idx="minor"/>
+      </dsp:style>
+    </dsp:sp>
+    <dsp:sp modelId="{57B817E0-E0D2-4C3B-96C5-440DDF1CCC56}">
+      <dsp:nvSpPr>
+        <dsp:cNvPr id="0" name=""/>
+        <dsp:cNvSpPr/>
+      </dsp:nvSpPr>
+      <dsp:spPr>
+        <a:xfrm>
+          <a:off x="3646795" y="3506399"/>
+          <a:ext cx="1611664" cy="571522"/>
+        </a:xfrm>
+        <a:prstGeom prst="roundRect">
+          <a:avLst>
+            <a:gd name="adj" fmla="val 10000"/>
+          </a:avLst>
+        </a:prstGeom>
+        <a:solidFill>
+          <a:schemeClr val="accent1">
+            <a:hueOff val="0"/>
+            <a:satOff val="0"/>
+            <a:lumOff val="0"/>
+            <a:alphaOff val="0"/>
+          </a:schemeClr>
+        </a:solidFill>
+        <a:ln w="12700" cap="flat" cmpd="sng" algn="ctr">
+          <a:solidFill>
+            <a:schemeClr val="lt1">
+              <a:hueOff val="0"/>
+              <a:satOff val="0"/>
+              <a:lumOff val="0"/>
+              <a:alphaOff val="0"/>
+            </a:schemeClr>
+          </a:solidFill>
+          <a:prstDash val="solid"/>
+          <a:miter lim="800000"/>
+        </a:ln>
+        <a:effectLst/>
+      </dsp:spPr>
+      <dsp:style>
+        <a:lnRef idx="2">
+          <a:scrgbClr r="0" g="0" b="0"/>
+        </a:lnRef>
+        <a:fillRef idx="1">
+          <a:scrgbClr r="0" g="0" b="0"/>
+        </a:fillRef>
+        <a:effectRef idx="0">
+          <a:scrgbClr r="0" g="0" b="0"/>
+        </a:effectRef>
+        <a:fontRef idx="minor">
+          <a:schemeClr val="lt1"/>
+        </a:fontRef>
+      </dsp:style>
+      <dsp:txBody>
+        <a:bodyPr spcFirstLastPara="0" vert="horz" wrap="square" lIns="57150" tIns="57150" rIns="57150" bIns="57150" numCol="1" spcCol="1270" anchor="ctr" anchorCtr="0">
+          <a:noAutofit/>
+        </a:bodyPr>
+        <a:lstStyle/>
+        <a:p>
+          <a:pPr lvl="0" algn="ctr" defTabSz="666750">
+            <a:lnSpc>
+              <a:spcPct val="90000"/>
+            </a:lnSpc>
+            <a:spcBef>
+              <a:spcPct val="0"/>
+            </a:spcBef>
+            <a:spcAft>
+              <a:spcPct val="35000"/>
+            </a:spcAft>
+          </a:pPr>
+          <a:r>
+            <a:rPr lang="de-DE" sz="1500" kern="1200" dirty="0" smtClean="0"/>
+            <a:t>Projektleiter</a:t>
+          </a:r>
+          <a:endParaRPr lang="de-DE" sz="1500" kern="1200" dirty="0"/>
+        </a:p>
+      </dsp:txBody>
+      <dsp:txXfrm>
+        <a:off x="3663534" y="3523138"/>
+        <a:ext cx="1578186" cy="538044"/>
+      </dsp:txXfrm>
+    </dsp:sp>
+    <dsp:sp modelId="{8425BE49-3193-4F0A-988D-93FAABCC3B85}">
+      <dsp:nvSpPr>
+        <dsp:cNvPr id="0" name=""/>
+        <dsp:cNvSpPr/>
+      </dsp:nvSpPr>
+      <dsp:spPr>
+        <a:xfrm>
+          <a:off x="5413039" y="1948594"/>
+          <a:ext cx="1002815" cy="514739"/>
+        </a:xfrm>
+        <a:custGeom>
+          <a:avLst/>
+          <a:gdLst/>
+          <a:ahLst/>
+          <a:cxnLst/>
+          <a:rect l="0" t="0" r="0" b="0"/>
+          <a:pathLst>
+            <a:path>
+              <a:moveTo>
+                <a:pt x="0" y="0"/>
+              </a:moveTo>
+              <a:lnTo>
+                <a:pt x="0" y="257369"/>
+              </a:lnTo>
+              <a:lnTo>
+                <a:pt x="1002815" y="257369"/>
+              </a:lnTo>
+              <a:lnTo>
+                <a:pt x="1002815" y="514739"/>
+              </a:lnTo>
+            </a:path>
+          </a:pathLst>
+        </a:custGeom>
+        <a:noFill/>
+        <a:ln w="12700" cap="flat" cmpd="sng" algn="ctr">
+          <a:solidFill>
+            <a:schemeClr val="accent1">
+              <a:shade val="80000"/>
+              <a:hueOff val="0"/>
+              <a:satOff val="0"/>
+              <a:lumOff val="0"/>
+              <a:alphaOff val="0"/>
+            </a:schemeClr>
+          </a:solidFill>
+          <a:prstDash val="solid"/>
+          <a:miter lim="800000"/>
+        </a:ln>
+        <a:effectLst/>
+      </dsp:spPr>
+      <dsp:style>
+        <a:lnRef idx="2">
+          <a:scrgbClr r="0" g="0" b="0"/>
+        </a:lnRef>
+        <a:fillRef idx="0">
+          <a:scrgbClr r="0" g="0" b="0"/>
+        </a:fillRef>
+        <a:effectRef idx="0">
+          <a:scrgbClr r="0" g="0" b="0"/>
+        </a:effectRef>
+        <a:fontRef idx="minor"/>
+      </dsp:style>
+    </dsp:sp>
+    <dsp:sp modelId="{539703D4-AE6E-461B-85C9-2133BACCB77D}">
+      <dsp:nvSpPr>
+        <dsp:cNvPr id="0" name=""/>
+        <dsp:cNvSpPr/>
+      </dsp:nvSpPr>
+      <dsp:spPr>
+        <a:xfrm>
+          <a:off x="5610810" y="2463333"/>
+          <a:ext cx="1610088" cy="568773"/>
+        </a:xfrm>
+        <a:prstGeom prst="roundRect">
+          <a:avLst>
+            <a:gd name="adj" fmla="val 10000"/>
+          </a:avLst>
+        </a:prstGeom>
+        <a:solidFill>
+          <a:schemeClr val="accent1">
+            <a:hueOff val="0"/>
+            <a:satOff val="0"/>
+            <a:lumOff val="0"/>
+            <a:alphaOff val="0"/>
+          </a:schemeClr>
+        </a:solidFill>
+        <a:ln w="12700" cap="flat" cmpd="sng" algn="ctr">
+          <a:solidFill>
+            <a:schemeClr val="lt1">
+              <a:hueOff val="0"/>
+              <a:satOff val="0"/>
+              <a:lumOff val="0"/>
+              <a:alphaOff val="0"/>
+            </a:schemeClr>
+          </a:solidFill>
+          <a:prstDash val="solid"/>
+          <a:miter lim="800000"/>
+        </a:ln>
+        <a:effectLst/>
+      </dsp:spPr>
+      <dsp:style>
+        <a:lnRef idx="2">
+          <a:scrgbClr r="0" g="0" b="0"/>
+        </a:lnRef>
+        <a:fillRef idx="1">
+          <a:scrgbClr r="0" g="0" b="0"/>
+        </a:fillRef>
+        <a:effectRef idx="0">
+          <a:scrgbClr r="0" g="0" b="0"/>
+        </a:effectRef>
+        <a:fontRef idx="minor">
+          <a:schemeClr val="lt1"/>
+        </a:fontRef>
+      </dsp:style>
+      <dsp:txBody>
+        <a:bodyPr spcFirstLastPara="0" vert="horz" wrap="square" lIns="57150" tIns="57150" rIns="57150" bIns="57150" numCol="1" spcCol="1270" anchor="ctr" anchorCtr="0">
+          <a:noAutofit/>
+        </a:bodyPr>
+        <a:lstStyle/>
+        <a:p>
+          <a:pPr lvl="0" algn="ctr" defTabSz="666750">
+            <a:lnSpc>
+              <a:spcPct val="90000"/>
+            </a:lnSpc>
+            <a:spcBef>
+              <a:spcPct val="0"/>
+            </a:spcBef>
+            <a:spcAft>
+              <a:spcPct val="35000"/>
+            </a:spcAft>
+          </a:pPr>
+          <a:r>
+            <a:rPr lang="de-DE" sz="1500" kern="1200" dirty="0" smtClean="0"/>
+            <a:t>Abteilungsleiter</a:t>
+          </a:r>
+          <a:endParaRPr lang="de-DE" sz="1500" kern="1200" dirty="0"/>
+        </a:p>
+      </dsp:txBody>
+      <dsp:txXfrm>
+        <a:off x="5627469" y="2479992"/>
+        <a:ext cx="1576770" cy="535455"/>
+      </dsp:txXfrm>
+    </dsp:sp>
+    <dsp:sp modelId="{AC6416A9-3999-4E89-AA2B-F6FF74BB1CD2}">
+      <dsp:nvSpPr>
+        <dsp:cNvPr id="0" name=""/>
+        <dsp:cNvSpPr/>
+      </dsp:nvSpPr>
+      <dsp:spPr>
+        <a:xfrm>
+          <a:off x="6370134" y="3032107"/>
+          <a:ext cx="91440" cy="474291"/>
+        </a:xfrm>
+        <a:custGeom>
+          <a:avLst/>
+          <a:gdLst/>
+          <a:ahLst/>
+          <a:cxnLst/>
+          <a:rect l="0" t="0" r="0" b="0"/>
+          <a:pathLst>
+            <a:path>
+              <a:moveTo>
+                <a:pt x="45720" y="0"/>
+              </a:moveTo>
+              <a:lnTo>
+                <a:pt x="45720" y="237145"/>
+              </a:lnTo>
+              <a:lnTo>
+                <a:pt x="48096" y="237145"/>
+              </a:lnTo>
+              <a:lnTo>
+                <a:pt x="48096" y="474291"/>
+              </a:lnTo>
+            </a:path>
+          </a:pathLst>
+        </a:custGeom>
+        <a:noFill/>
+        <a:ln w="12700" cap="flat" cmpd="sng" algn="ctr">
+          <a:solidFill>
+            <a:schemeClr val="accent1">
+              <a:shade val="80000"/>
+              <a:hueOff val="0"/>
+              <a:satOff val="0"/>
+              <a:lumOff val="0"/>
+              <a:alphaOff val="0"/>
+            </a:schemeClr>
+          </a:solidFill>
+          <a:prstDash val="solid"/>
+          <a:miter lim="800000"/>
+        </a:ln>
+        <a:effectLst/>
+      </dsp:spPr>
+      <dsp:style>
+        <a:lnRef idx="2">
+          <a:scrgbClr r="0" g="0" b="0"/>
+        </a:lnRef>
+        <a:fillRef idx="0">
+          <a:scrgbClr r="0" g="0" b="0"/>
+        </a:fillRef>
+        <a:effectRef idx="0">
+          <a:scrgbClr r="0" g="0" b="0"/>
+        </a:effectRef>
+        <a:fontRef idx="minor"/>
+      </dsp:style>
+    </dsp:sp>
+    <dsp:sp modelId="{3D3D490F-0140-43F2-8EBF-95420D7C26A3}">
+      <dsp:nvSpPr>
+        <dsp:cNvPr id="0" name=""/>
+        <dsp:cNvSpPr/>
+      </dsp:nvSpPr>
+      <dsp:spPr>
+        <a:xfrm>
+          <a:off x="5612399" y="3506399"/>
+          <a:ext cx="1611664" cy="571522"/>
+        </a:xfrm>
+        <a:prstGeom prst="roundRect">
+          <a:avLst>
+            <a:gd name="adj" fmla="val 10000"/>
+          </a:avLst>
+        </a:prstGeom>
+        <a:solidFill>
+          <a:schemeClr val="accent1">
+            <a:hueOff val="0"/>
+            <a:satOff val="0"/>
+            <a:lumOff val="0"/>
+            <a:alphaOff val="0"/>
+          </a:schemeClr>
+        </a:solidFill>
+        <a:ln w="12700" cap="flat" cmpd="sng" algn="ctr">
+          <a:solidFill>
+            <a:schemeClr val="lt1">
+              <a:hueOff val="0"/>
+              <a:satOff val="0"/>
+              <a:lumOff val="0"/>
+              <a:alphaOff val="0"/>
+            </a:schemeClr>
+          </a:solidFill>
+          <a:prstDash val="solid"/>
+          <a:miter lim="800000"/>
+        </a:ln>
+        <a:effectLst/>
+      </dsp:spPr>
+      <dsp:style>
+        <a:lnRef idx="2">
+          <a:scrgbClr r="0" g="0" b="0"/>
+        </a:lnRef>
+        <a:fillRef idx="1">
+          <a:scrgbClr r="0" g="0" b="0"/>
+        </a:fillRef>
+        <a:effectRef idx="0">
+          <a:scrgbClr r="0" g="0" b="0"/>
+        </a:effectRef>
+        <a:fontRef idx="minor">
+          <a:schemeClr val="lt1"/>
+        </a:fontRef>
+      </dsp:style>
+      <dsp:txBody>
+        <a:bodyPr spcFirstLastPara="0" vert="horz" wrap="square" lIns="57150" tIns="57150" rIns="57150" bIns="57150" numCol="1" spcCol="1270" anchor="ctr" anchorCtr="0">
+          <a:noAutofit/>
+        </a:bodyPr>
+        <a:lstStyle/>
+        <a:p>
+          <a:pPr lvl="0" algn="ctr" defTabSz="666750">
+            <a:lnSpc>
+              <a:spcPct val="90000"/>
+            </a:lnSpc>
+            <a:spcBef>
+              <a:spcPct val="0"/>
+            </a:spcBef>
+            <a:spcAft>
+              <a:spcPct val="35000"/>
+            </a:spcAft>
+          </a:pPr>
+          <a:r>
+            <a:rPr lang="de-DE" sz="1500" kern="1200" dirty="0" smtClean="0"/>
+            <a:t>Projektleiter</a:t>
+          </a:r>
+          <a:endParaRPr lang="de-DE" sz="1500" kern="1200" dirty="0"/>
+        </a:p>
+      </dsp:txBody>
+      <dsp:txXfrm>
+        <a:off x="5629138" y="3523138"/>
+        <a:ext cx="1578186" cy="538044"/>
+      </dsp:txXfrm>
+    </dsp:sp>
+    <dsp:sp modelId="{C5C8040F-AAEA-46F5-9660-B0B31485A141}">
+      <dsp:nvSpPr>
+        <dsp:cNvPr id="0" name=""/>
+        <dsp:cNvSpPr/>
+      </dsp:nvSpPr>
+      <dsp:spPr>
+        <a:xfrm>
+          <a:off x="7013061" y="820467"/>
+          <a:ext cx="1408082" cy="560517"/>
+        </a:xfrm>
+        <a:custGeom>
+          <a:avLst/>
+          <a:gdLst/>
+          <a:ahLst/>
+          <a:cxnLst/>
+          <a:rect l="0" t="0" r="0" b="0"/>
+          <a:pathLst>
+            <a:path>
+              <a:moveTo>
+                <a:pt x="0" y="0"/>
+              </a:moveTo>
+              <a:lnTo>
+                <a:pt x="0" y="280258"/>
+              </a:lnTo>
+              <a:lnTo>
+                <a:pt x="1408082" y="280258"/>
+              </a:lnTo>
+              <a:lnTo>
+                <a:pt x="1408082" y="560517"/>
+              </a:lnTo>
+            </a:path>
+          </a:pathLst>
+        </a:custGeom>
+        <a:noFill/>
+        <a:ln w="12700" cap="flat" cmpd="sng" algn="ctr">
+          <a:solidFill>
+            <a:schemeClr val="accent1">
+              <a:shade val="60000"/>
+              <a:hueOff val="0"/>
+              <a:satOff val="0"/>
+              <a:lumOff val="0"/>
+              <a:alphaOff val="0"/>
+            </a:schemeClr>
+          </a:solidFill>
+          <a:prstDash val="solid"/>
+          <a:miter lim="800000"/>
+        </a:ln>
+        <a:effectLst/>
+      </dsp:spPr>
+      <dsp:style>
+        <a:lnRef idx="2">
+          <a:scrgbClr r="0" g="0" b="0"/>
+        </a:lnRef>
+        <a:fillRef idx="0">
+          <a:scrgbClr r="0" g="0" b="0"/>
+        </a:fillRef>
+        <a:effectRef idx="0">
+          <a:scrgbClr r="0" g="0" b="0"/>
+        </a:effectRef>
+        <a:fontRef idx="minor"/>
+      </dsp:style>
+    </dsp:sp>
+    <dsp:sp modelId="{C6557AE3-55BC-4169-9228-02E5B0E0F267}">
+      <dsp:nvSpPr>
+        <dsp:cNvPr id="0" name=""/>
+        <dsp:cNvSpPr/>
+      </dsp:nvSpPr>
+      <dsp:spPr>
+        <a:xfrm>
+          <a:off x="7616099" y="1380985"/>
+          <a:ext cx="1610088" cy="568773"/>
+        </a:xfrm>
+        <a:prstGeom prst="roundRect">
+          <a:avLst>
+            <a:gd name="adj" fmla="val 10000"/>
+          </a:avLst>
+        </a:prstGeom>
+        <a:solidFill>
+          <a:schemeClr val="accent1">
+            <a:hueOff val="0"/>
+            <a:satOff val="0"/>
+            <a:lumOff val="0"/>
+            <a:alphaOff val="0"/>
+          </a:schemeClr>
+        </a:solidFill>
+        <a:ln w="12700" cap="flat" cmpd="sng" algn="ctr">
+          <a:solidFill>
+            <a:schemeClr val="lt1">
+              <a:hueOff val="0"/>
+              <a:satOff val="0"/>
+              <a:lumOff val="0"/>
+              <a:alphaOff val="0"/>
+            </a:schemeClr>
+          </a:solidFill>
+          <a:prstDash val="solid"/>
+          <a:miter lim="800000"/>
+        </a:ln>
+        <a:effectLst/>
+      </dsp:spPr>
+      <dsp:style>
+        <a:lnRef idx="2">
+          <a:scrgbClr r="0" g="0" b="0"/>
+        </a:lnRef>
+        <a:fillRef idx="1">
+          <a:scrgbClr r="0" g="0" b="0"/>
+        </a:fillRef>
+        <a:effectRef idx="0">
+          <a:scrgbClr r="0" g="0" b="0"/>
+        </a:effectRef>
+        <a:fontRef idx="minor">
+          <a:schemeClr val="lt1"/>
+        </a:fontRef>
+      </dsp:style>
+      <dsp:txBody>
+        <a:bodyPr spcFirstLastPara="0" vert="horz" wrap="square" lIns="57150" tIns="57150" rIns="57150" bIns="57150" numCol="1" spcCol="1270" anchor="ctr" anchorCtr="0">
+          <a:noAutofit/>
+        </a:bodyPr>
+        <a:lstStyle/>
+        <a:p>
+          <a:pPr lvl="0" algn="ctr" defTabSz="666750">
+            <a:lnSpc>
+              <a:spcPct val="90000"/>
+            </a:lnSpc>
+            <a:spcBef>
+              <a:spcPct val="0"/>
+            </a:spcBef>
+            <a:spcAft>
+              <a:spcPct val="35000"/>
+            </a:spcAft>
+          </a:pPr>
+          <a:r>
+            <a:rPr lang="de-DE" sz="1500" kern="1200" dirty="0" smtClean="0"/>
+            <a:t>Standortleiter</a:t>
+          </a:r>
+          <a:endParaRPr lang="de-DE" sz="1500" kern="1200" dirty="0"/>
+        </a:p>
+      </dsp:txBody>
+      <dsp:txXfrm>
+        <a:off x="7632758" y="1397644"/>
+        <a:ext cx="1576770" cy="535455"/>
+      </dsp:txXfrm>
+    </dsp:sp>
+    <dsp:sp modelId="{5ED8A3C9-50E9-4DB1-88F4-37217F3FB118}">
+      <dsp:nvSpPr>
+        <dsp:cNvPr id="0" name=""/>
+        <dsp:cNvSpPr/>
+      </dsp:nvSpPr>
+      <dsp:spPr>
+        <a:xfrm>
+          <a:off x="8375423" y="1949758"/>
+          <a:ext cx="91440" cy="513574"/>
+        </a:xfrm>
+        <a:custGeom>
+          <a:avLst/>
+          <a:gdLst/>
+          <a:ahLst/>
+          <a:cxnLst/>
+          <a:rect l="0" t="0" r="0" b="0"/>
+          <a:pathLst>
+            <a:path>
+              <a:moveTo>
+                <a:pt x="45720" y="0"/>
+              </a:moveTo>
+              <a:lnTo>
+                <a:pt x="45720" y="256787"/>
+              </a:lnTo>
+              <a:lnTo>
+                <a:pt x="46061" y="256787"/>
+              </a:lnTo>
+              <a:lnTo>
+                <a:pt x="46061" y="513574"/>
+              </a:lnTo>
+            </a:path>
+          </a:pathLst>
+        </a:custGeom>
+        <a:noFill/>
+        <a:ln w="12700" cap="flat" cmpd="sng" algn="ctr">
+          <a:solidFill>
+            <a:schemeClr val="accent1">
+              <a:shade val="80000"/>
+              <a:hueOff val="0"/>
+              <a:satOff val="0"/>
+              <a:lumOff val="0"/>
+              <a:alphaOff val="0"/>
+            </a:schemeClr>
+          </a:solidFill>
+          <a:prstDash val="solid"/>
+          <a:miter lim="800000"/>
+        </a:ln>
+        <a:effectLst/>
+      </dsp:spPr>
+      <dsp:style>
+        <a:lnRef idx="2">
+          <a:scrgbClr r="0" g="0" b="0"/>
+        </a:lnRef>
+        <a:fillRef idx="0">
+          <a:scrgbClr r="0" g="0" b="0"/>
+        </a:fillRef>
+        <a:effectRef idx="0">
+          <a:scrgbClr r="0" g="0" b="0"/>
+        </a:effectRef>
+        <a:fontRef idx="minor"/>
+      </dsp:style>
+    </dsp:sp>
+    <dsp:sp modelId="{6AA7F588-6EA8-448E-B804-56FC8DC85A63}">
+      <dsp:nvSpPr>
+        <dsp:cNvPr id="0" name=""/>
+        <dsp:cNvSpPr/>
+      </dsp:nvSpPr>
+      <dsp:spPr>
+        <a:xfrm>
+          <a:off x="7616440" y="2463333"/>
+          <a:ext cx="1610088" cy="568773"/>
+        </a:xfrm>
+        <a:prstGeom prst="roundRect">
+          <a:avLst>
+            <a:gd name="adj" fmla="val 10000"/>
+          </a:avLst>
+        </a:prstGeom>
+        <a:solidFill>
+          <a:schemeClr val="accent1">
+            <a:hueOff val="0"/>
+            <a:satOff val="0"/>
+            <a:lumOff val="0"/>
+            <a:alphaOff val="0"/>
+          </a:schemeClr>
+        </a:solidFill>
+        <a:ln w="12700" cap="flat" cmpd="sng" algn="ctr">
+          <a:solidFill>
+            <a:schemeClr val="lt1">
+              <a:hueOff val="0"/>
+              <a:satOff val="0"/>
+              <a:lumOff val="0"/>
+              <a:alphaOff val="0"/>
+            </a:schemeClr>
+          </a:solidFill>
+          <a:prstDash val="solid"/>
+          <a:miter lim="800000"/>
+        </a:ln>
+        <a:effectLst/>
+      </dsp:spPr>
+      <dsp:style>
+        <a:lnRef idx="2">
+          <a:scrgbClr r="0" g="0" b="0"/>
+        </a:lnRef>
+        <a:fillRef idx="1">
+          <a:scrgbClr r="0" g="0" b="0"/>
+        </a:fillRef>
+        <a:effectRef idx="0">
+          <a:scrgbClr r="0" g="0" b="0"/>
+        </a:effectRef>
+        <a:fontRef idx="minor">
+          <a:schemeClr val="lt1"/>
+        </a:fontRef>
+      </dsp:style>
+      <dsp:txBody>
+        <a:bodyPr spcFirstLastPara="0" vert="horz" wrap="square" lIns="57150" tIns="57150" rIns="57150" bIns="57150" numCol="1" spcCol="1270" anchor="ctr" anchorCtr="0">
+          <a:noAutofit/>
+        </a:bodyPr>
+        <a:lstStyle/>
+        <a:p>
+          <a:pPr lvl="0" algn="ctr" defTabSz="666750">
+            <a:lnSpc>
+              <a:spcPct val="90000"/>
+            </a:lnSpc>
+            <a:spcBef>
+              <a:spcPct val="0"/>
+            </a:spcBef>
+            <a:spcAft>
+              <a:spcPct val="35000"/>
+            </a:spcAft>
+          </a:pPr>
+          <a:r>
+            <a:rPr lang="de-DE" sz="1500" kern="1200" dirty="0" smtClean="0"/>
+            <a:t>Abteilungsleiter</a:t>
+          </a:r>
+          <a:endParaRPr lang="de-DE" sz="1500" kern="1200" dirty="0"/>
+        </a:p>
+      </dsp:txBody>
+      <dsp:txXfrm>
+        <a:off x="7633099" y="2479992"/>
+        <a:ext cx="1576770" cy="535455"/>
+      </dsp:txXfrm>
+    </dsp:sp>
+    <dsp:sp modelId="{B4DC2401-ADA1-4E41-9392-27C467050940}">
+      <dsp:nvSpPr>
+        <dsp:cNvPr id="0" name=""/>
+        <dsp:cNvSpPr/>
+      </dsp:nvSpPr>
+      <dsp:spPr>
+        <a:xfrm>
+          <a:off x="8375765" y="3032107"/>
+          <a:ext cx="91440" cy="473985"/>
+        </a:xfrm>
+        <a:custGeom>
+          <a:avLst/>
+          <a:gdLst/>
+          <a:ahLst/>
+          <a:cxnLst/>
+          <a:rect l="0" t="0" r="0" b="0"/>
+          <a:pathLst>
+            <a:path>
+              <a:moveTo>
+                <a:pt x="45720" y="0"/>
+              </a:moveTo>
+              <a:lnTo>
+                <a:pt x="45720" y="236992"/>
+              </a:lnTo>
+              <a:lnTo>
+                <a:pt x="47663" y="236992"/>
+              </a:lnTo>
+              <a:lnTo>
+                <a:pt x="47663" y="473985"/>
+              </a:lnTo>
+            </a:path>
+          </a:pathLst>
+        </a:custGeom>
+        <a:noFill/>
+        <a:ln w="12700" cap="flat" cmpd="sng" algn="ctr">
+          <a:solidFill>
+            <a:schemeClr val="accent1">
+              <a:shade val="80000"/>
+              <a:hueOff val="0"/>
+              <a:satOff val="0"/>
+              <a:lumOff val="0"/>
+              <a:alphaOff val="0"/>
+            </a:schemeClr>
+          </a:solidFill>
+          <a:prstDash val="solid"/>
+          <a:miter lim="800000"/>
+        </a:ln>
+        <a:effectLst/>
+      </dsp:spPr>
+      <dsp:style>
+        <a:lnRef idx="2">
+          <a:scrgbClr r="0" g="0" b="0"/>
+        </a:lnRef>
+        <a:fillRef idx="0">
+          <a:scrgbClr r="0" g="0" b="0"/>
+        </a:fillRef>
+        <a:effectRef idx="0">
+          <a:scrgbClr r="0" g="0" b="0"/>
+        </a:effectRef>
+        <a:fontRef idx="minor"/>
+      </dsp:style>
+    </dsp:sp>
+    <dsp:sp modelId="{B7A311D2-1E9E-4004-A53F-9623D84287C9}">
+      <dsp:nvSpPr>
+        <dsp:cNvPr id="0" name=""/>
+        <dsp:cNvSpPr/>
+      </dsp:nvSpPr>
+      <dsp:spPr>
+        <a:xfrm>
+          <a:off x="7617596" y="3506092"/>
+          <a:ext cx="1611664" cy="571522"/>
+        </a:xfrm>
+        <a:prstGeom prst="roundRect">
+          <a:avLst>
+            <a:gd name="adj" fmla="val 10000"/>
+          </a:avLst>
+        </a:prstGeom>
+        <a:solidFill>
+          <a:schemeClr val="accent1">
+            <a:hueOff val="0"/>
+            <a:satOff val="0"/>
+            <a:lumOff val="0"/>
+            <a:alphaOff val="0"/>
+          </a:schemeClr>
+        </a:solidFill>
+        <a:ln w="12700" cap="flat" cmpd="sng" algn="ctr">
+          <a:solidFill>
+            <a:schemeClr val="lt1">
+              <a:hueOff val="0"/>
+              <a:satOff val="0"/>
+              <a:lumOff val="0"/>
+              <a:alphaOff val="0"/>
+            </a:schemeClr>
+          </a:solidFill>
+          <a:prstDash val="solid"/>
+          <a:miter lim="800000"/>
+        </a:ln>
+        <a:effectLst/>
+      </dsp:spPr>
+      <dsp:style>
+        <a:lnRef idx="2">
+          <a:scrgbClr r="0" g="0" b="0"/>
+        </a:lnRef>
+        <a:fillRef idx="1">
+          <a:scrgbClr r="0" g="0" b="0"/>
+        </a:fillRef>
+        <a:effectRef idx="0">
+          <a:scrgbClr r="0" g="0" b="0"/>
+        </a:effectRef>
+        <a:fontRef idx="minor">
+          <a:schemeClr val="lt1"/>
+        </a:fontRef>
+      </dsp:style>
+      <dsp:txBody>
+        <a:bodyPr spcFirstLastPara="0" vert="horz" wrap="square" lIns="57150" tIns="57150" rIns="57150" bIns="57150" numCol="1" spcCol="1270" anchor="ctr" anchorCtr="0">
+          <a:noAutofit/>
+        </a:bodyPr>
+        <a:lstStyle/>
+        <a:p>
+          <a:pPr lvl="0" algn="ctr" defTabSz="666750">
+            <a:lnSpc>
+              <a:spcPct val="90000"/>
+            </a:lnSpc>
+            <a:spcBef>
+              <a:spcPct val="0"/>
+            </a:spcBef>
+            <a:spcAft>
+              <a:spcPct val="35000"/>
+            </a:spcAft>
+          </a:pPr>
+          <a:r>
+            <a:rPr lang="de-DE" sz="1500" kern="1200" dirty="0" smtClean="0"/>
+            <a:t>Projektleiter</a:t>
+          </a:r>
+          <a:endParaRPr lang="de-DE" sz="1500" kern="1200" dirty="0"/>
+        </a:p>
+      </dsp:txBody>
+      <dsp:txXfrm>
+        <a:off x="7634335" y="3522831"/>
+        <a:ext cx="1578186" cy="538044"/>
+      </dsp:txXfrm>
+    </dsp:sp>
+  </dsp:spTree>
+</dsp:drawing>
+</file>
+
+<file path=ppt/diagrams/drawing4.xml><?xml version="1.0" encoding="utf-8"?>
 <dsp:drawing xmlns:dgm="http://schemas.openxmlformats.org/drawingml/2006/diagram" xmlns:dsp="http://schemas.microsoft.com/office/drawing/2008/diagram" xmlns:a="http://schemas.openxmlformats.org/drawingml/2006/main">
   <dsp:spTree>
     <dsp:nvGrpSpPr>
@@ -10315,7 +14039,7 @@
         </a:bodyPr>
         <a:lstStyle/>
         <a:p>
-          <a:pPr marL="0" lvl="0" indent="0" algn="ctr" defTabSz="711200">
+          <a:pPr lvl="0" algn="ctr" defTabSz="711200">
             <a:lnSpc>
               <a:spcPct val="90000"/>
             </a:lnSpc>
@@ -10325,7 +14049,6 @@
             <a:spcAft>
               <a:spcPct val="35000"/>
             </a:spcAft>
-            <a:buNone/>
           </a:pPr>
           <a:r>
             <a:rPr lang="de-DE" sz="1600" kern="1200" dirty="0"/>
@@ -10442,7 +14165,7 @@
         </a:bodyPr>
         <a:lstStyle/>
         <a:p>
-          <a:pPr marL="0" lvl="0" indent="0" algn="ctr" defTabSz="711200">
+          <a:pPr lvl="0" algn="ctr" defTabSz="711200">
             <a:lnSpc>
               <a:spcPct val="90000"/>
             </a:lnSpc>
@@ -10452,7 +14175,6 @@
             <a:spcAft>
               <a:spcPct val="35000"/>
             </a:spcAft>
-            <a:buNone/>
           </a:pPr>
           <a:r>
             <a:rPr lang="de-DE" sz="1600" kern="1200" dirty="0"/>
@@ -10569,7 +14291,7 @@
         </a:bodyPr>
         <a:lstStyle/>
         <a:p>
-          <a:pPr marL="0" lvl="0" indent="0" algn="ctr" defTabSz="711200">
+          <a:pPr lvl="0" algn="ctr" defTabSz="711200">
             <a:lnSpc>
               <a:spcPct val="90000"/>
             </a:lnSpc>
@@ -10579,7 +14301,6 @@
             <a:spcAft>
               <a:spcPct val="35000"/>
             </a:spcAft>
-            <a:buNone/>
           </a:pPr>
           <a:r>
             <a:rPr lang="de-DE" sz="1600" kern="1200" dirty="0"/>
@@ -10696,7 +14417,7 @@
         </a:bodyPr>
         <a:lstStyle/>
         <a:p>
-          <a:pPr marL="0" lvl="0" indent="0" algn="ctr" defTabSz="711200">
+          <a:pPr lvl="0" algn="ctr" defTabSz="711200">
             <a:lnSpc>
               <a:spcPct val="90000"/>
             </a:lnSpc>
@@ -10706,7 +14427,6 @@
             <a:spcAft>
               <a:spcPct val="35000"/>
             </a:spcAft>
-            <a:buNone/>
           </a:pPr>
           <a:r>
             <a:rPr lang="de-DE" sz="1600" kern="1200" dirty="0"/>
@@ -10823,7 +14543,7 @@
         </a:bodyPr>
         <a:lstStyle/>
         <a:p>
-          <a:pPr marL="0" lvl="0" indent="0" algn="ctr" defTabSz="711200">
+          <a:pPr lvl="0" algn="ctr" defTabSz="711200">
             <a:lnSpc>
               <a:spcPct val="90000"/>
             </a:lnSpc>
@@ -10833,7 +14553,6 @@
             <a:spcAft>
               <a:spcPct val="35000"/>
             </a:spcAft>
-            <a:buNone/>
           </a:pPr>
           <a:r>
             <a:rPr lang="de-DE" sz="1600" kern="1200" dirty="0"/>
@@ -10899,7 +14618,7 @@
 </dsp:drawing>
 </file>
 
-<file path=ppt/diagrams/drawing4.xml><?xml version="1.0" encoding="utf-8"?>
+<file path=ppt/diagrams/drawing5.xml><?xml version="1.0" encoding="utf-8"?>
 <dsp:drawing xmlns:dgm="http://schemas.openxmlformats.org/drawingml/2006/diagram" xmlns:dsp="http://schemas.microsoft.com/office/drawing/2008/diagram" xmlns:a="http://schemas.openxmlformats.org/drawingml/2006/main">
   <dsp:spTree>
     <dsp:nvGrpSpPr>
@@ -10973,7 +14692,7 @@
             <a:spcAft>
               <a:spcPct val="15000"/>
             </a:spcAft>
-            <a:buChar char="•"/>
+            <a:buChar char="••"/>
           </a:pPr>
           <a:endParaRPr lang="de-DE" sz="1100" kern="1200" dirty="0"/>
         </a:p>
@@ -10988,7 +14707,7 @@
             <a:spcAft>
               <a:spcPct val="15000"/>
             </a:spcAft>
-            <a:buChar char="•"/>
+            <a:buChar char="••"/>
           </a:pPr>
           <a:r>
             <a:rPr lang="de-DE" sz="1100" kern="1200" dirty="0"/>
@@ -11105,7 +14824,7 @@
         </a:bodyPr>
         <a:lstStyle/>
         <a:p>
-          <a:pPr marL="0" lvl="0" indent="0" algn="ctr" defTabSz="933450">
+          <a:pPr lvl="0" algn="ctr" defTabSz="933450">
             <a:lnSpc>
               <a:spcPct val="90000"/>
             </a:lnSpc>
@@ -11115,7 +14834,6 @@
             <a:spcAft>
               <a:spcPct val="35000"/>
             </a:spcAft>
-            <a:buNone/>
           </a:pPr>
           <a:r>
             <a:rPr lang="de-DE" sz="2100" kern="1200" dirty="0"/>
@@ -11194,7 +14912,7 @@
             <a:spcAft>
               <a:spcPct val="15000"/>
             </a:spcAft>
-            <a:buChar char="•"/>
+            <a:buChar char="••"/>
           </a:pPr>
           <a:r>
             <a:rPr lang="de-DE" sz="1100" kern="1200" dirty="0"/>
@@ -11212,7 +14930,7 @@
             <a:spcAft>
               <a:spcPct val="15000"/>
             </a:spcAft>
-            <a:buChar char="•"/>
+            <a:buChar char="••"/>
           </a:pPr>
           <a:r>
             <a:rPr lang="de-DE" sz="1100" kern="1200" dirty="0"/>
@@ -11329,7 +15047,7 @@
         </a:bodyPr>
         <a:lstStyle/>
         <a:p>
-          <a:pPr marL="0" lvl="0" indent="0" algn="ctr" defTabSz="933450">
+          <a:pPr lvl="0" algn="ctr" defTabSz="933450">
             <a:lnSpc>
               <a:spcPct val="90000"/>
             </a:lnSpc>
@@ -11339,7 +15057,6 @@
             <a:spcAft>
               <a:spcPct val="35000"/>
             </a:spcAft>
-            <a:buNone/>
           </a:pPr>
           <a:r>
             <a:rPr lang="de-DE" sz="2100" kern="1200" dirty="0"/>
@@ -11418,7 +15135,7 @@
             <a:spcAft>
               <a:spcPct val="15000"/>
             </a:spcAft>
-            <a:buChar char="•"/>
+            <a:buChar char="••"/>
           </a:pPr>
           <a:endParaRPr lang="de-DE" sz="1100" kern="1200" dirty="0"/>
         </a:p>
@@ -11433,7 +15150,7 @@
             <a:spcAft>
               <a:spcPct val="15000"/>
             </a:spcAft>
-            <a:buChar char="•"/>
+            <a:buChar char="••"/>
           </a:pPr>
           <a:r>
             <a:rPr lang="de-DE" sz="1100" kern="1200" dirty="0"/>
@@ -11550,7 +15267,7 @@
         </a:bodyPr>
         <a:lstStyle/>
         <a:p>
-          <a:pPr marL="0" lvl="0" indent="0" algn="ctr" defTabSz="933450">
+          <a:pPr lvl="0" algn="ctr" defTabSz="933450">
             <a:lnSpc>
               <a:spcPct val="90000"/>
             </a:lnSpc>
@@ -11560,7 +15277,6 @@
             <a:spcAft>
               <a:spcPct val="35000"/>
             </a:spcAft>
-            <a:buNone/>
           </a:pPr>
           <a:r>
             <a:rPr lang="de-DE" sz="2100" kern="1200" dirty="0"/>
@@ -11639,7 +15355,7 @@
             <a:spcAft>
               <a:spcPct val="15000"/>
             </a:spcAft>
-            <a:buChar char="•"/>
+            <a:buChar char="••"/>
           </a:pPr>
           <a:r>
             <a:rPr lang="de-DE" sz="1100" kern="1200" dirty="0"/>
@@ -11657,7 +15373,7 @@
             <a:spcAft>
               <a:spcPct val="15000"/>
             </a:spcAft>
-            <a:buChar char="•"/>
+            <a:buChar char="••"/>
           </a:pPr>
           <a:r>
             <a:rPr lang="de-DE" sz="1100" kern="1200" dirty="0"/>
@@ -11774,7 +15490,7 @@
         </a:bodyPr>
         <a:lstStyle/>
         <a:p>
-          <a:pPr marL="0" lvl="0" indent="0" algn="ctr" defTabSz="933450">
+          <a:pPr lvl="0" algn="ctr" defTabSz="933450">
             <a:lnSpc>
               <a:spcPct val="90000"/>
             </a:lnSpc>
@@ -11784,7 +15500,6 @@
             <a:spcAft>
               <a:spcPct val="35000"/>
             </a:spcAft>
-            <a:buNone/>
           </a:pPr>
           <a:r>
             <a:rPr lang="de-DE" sz="2100" kern="1200" dirty="0"/>
@@ -11863,7 +15578,7 @@
             <a:spcAft>
               <a:spcPct val="15000"/>
             </a:spcAft>
-            <a:buChar char="•"/>
+            <a:buChar char="••"/>
           </a:pPr>
           <a:endParaRPr lang="de-DE" sz="1100" kern="1200"/>
         </a:p>
@@ -11878,7 +15593,7 @@
             <a:spcAft>
               <a:spcPct val="15000"/>
             </a:spcAft>
-            <a:buChar char="•"/>
+            <a:buChar char="••"/>
           </a:pPr>
           <a:r>
             <a:rPr lang="de-DE" sz="1100" kern="1200" dirty="0"/>
@@ -11896,7 +15611,7 @@
             <a:spcAft>
               <a:spcPct val="15000"/>
             </a:spcAft>
-            <a:buChar char="•"/>
+            <a:buChar char="••"/>
           </a:pPr>
           <a:r>
             <a:rPr lang="de-DE" sz="1100" kern="1200" dirty="0"/>
@@ -11914,7 +15629,7 @@
             <a:spcAft>
               <a:spcPct val="15000"/>
             </a:spcAft>
-            <a:buChar char="•"/>
+            <a:buChar char="••"/>
           </a:pPr>
           <a:r>
             <a:rPr lang="de-DE" sz="1100" kern="1200" dirty="0"/>
@@ -11984,7 +15699,7 @@
         </a:bodyPr>
         <a:lstStyle/>
         <a:p>
-          <a:pPr marL="0" lvl="0" indent="0" algn="ctr" defTabSz="933450">
+          <a:pPr lvl="0" algn="ctr" defTabSz="933450">
             <a:lnSpc>
               <a:spcPct val="90000"/>
             </a:lnSpc>
@@ -11994,7 +15709,6 @@
             <a:spcAft>
               <a:spcPct val="35000"/>
             </a:spcAft>
-            <a:buNone/>
           </a:pPr>
           <a:r>
             <a:rPr lang="de-DE" sz="2100" kern="1200" dirty="0"/>
@@ -12011,7 +15725,7 @@
 </dsp:drawing>
 </file>
 
-<file path=ppt/diagrams/drawing5.xml><?xml version="1.0" encoding="utf-8"?>
+<file path=ppt/diagrams/drawing6.xml><?xml version="1.0" encoding="utf-8"?>
 <dsp:drawing xmlns:dgm="http://schemas.openxmlformats.org/drawingml/2006/diagram" xmlns:dsp="http://schemas.microsoft.com/office/drawing/2008/diagram" xmlns:a="http://schemas.openxmlformats.org/drawingml/2006/main">
   <dsp:spTree>
     <dsp:nvGrpSpPr>
@@ -12096,7 +15810,7 @@
         </a:bodyPr>
         <a:lstStyle/>
         <a:p>
-          <a:pPr marL="0" lvl="0" indent="0" algn="ctr" defTabSz="800100">
+          <a:pPr lvl="0" algn="ctr" defTabSz="800100">
             <a:lnSpc>
               <a:spcPct val="90000"/>
             </a:lnSpc>
@@ -12106,7 +15820,6 @@
             <a:spcAft>
               <a:spcPct val="35000"/>
             </a:spcAft>
-            <a:buNone/>
           </a:pPr>
           <a:r>
             <a:rPr lang="de-DE" sz="1800" kern="1200" dirty="0" err="1"/>
@@ -12207,7 +15920,7 @@
         </a:bodyPr>
         <a:lstStyle/>
         <a:p>
-          <a:pPr marL="0" lvl="0" indent="0" algn="ctr" defTabSz="800100">
+          <a:pPr lvl="0" algn="ctr" defTabSz="800100">
             <a:lnSpc>
               <a:spcPct val="90000"/>
             </a:lnSpc>
@@ -12217,7 +15930,6 @@
             <a:spcAft>
               <a:spcPct val="35000"/>
             </a:spcAft>
-            <a:buNone/>
           </a:pPr>
           <a:r>
             <a:rPr lang="de-DE" sz="1800" kern="1200" dirty="0"/>
@@ -12317,7 +16029,7 @@
         </a:bodyPr>
         <a:lstStyle/>
         <a:p>
-          <a:pPr marL="0" lvl="0" indent="0" algn="ctr" defTabSz="800100">
+          <a:pPr lvl="0" algn="ctr" defTabSz="800100">
             <a:lnSpc>
               <a:spcPct val="90000"/>
             </a:lnSpc>
@@ -12327,7 +16039,6 @@
             <a:spcAft>
               <a:spcPct val="35000"/>
             </a:spcAft>
-            <a:buNone/>
           </a:pPr>
           <a:r>
             <a:rPr lang="de-DE" sz="1800" kern="1200" dirty="0"/>
@@ -12427,7 +16138,7 @@
         </a:bodyPr>
         <a:lstStyle/>
         <a:p>
-          <a:pPr marL="0" lvl="0" indent="0" algn="ctr" defTabSz="800100">
+          <a:pPr lvl="0" algn="ctr" defTabSz="800100">
             <a:lnSpc>
               <a:spcPct val="90000"/>
             </a:lnSpc>
@@ -12437,7 +16148,6 @@
             <a:spcAft>
               <a:spcPct val="35000"/>
             </a:spcAft>
-            <a:buNone/>
           </a:pPr>
           <a:r>
             <a:rPr lang="de-DE" sz="1800" kern="1200" dirty="0"/>
@@ -12542,7 +16252,7 @@
         </a:bodyPr>
         <a:lstStyle/>
         <a:p>
-          <a:pPr marL="0" lvl="0" indent="0" algn="ctr" defTabSz="800100">
+          <a:pPr lvl="0" algn="ctr" defTabSz="800100">
             <a:lnSpc>
               <a:spcPct val="90000"/>
             </a:lnSpc>
@@ -12552,7 +16262,6 @@
             <a:spcAft>
               <a:spcPct val="35000"/>
             </a:spcAft>
-            <a:buNone/>
           </a:pPr>
           <a:r>
             <a:rPr lang="de-DE" sz="1800" kern="1200" dirty="0" err="1"/>
@@ -12664,7 +16373,7 @@
         </a:bodyPr>
         <a:lstStyle/>
         <a:p>
-          <a:pPr marL="0" lvl="0" indent="0" algn="ctr" defTabSz="800100">
+          <a:pPr lvl="0" algn="ctr" defTabSz="800100">
             <a:lnSpc>
               <a:spcPct val="90000"/>
             </a:lnSpc>
@@ -12674,7 +16383,6 @@
             <a:spcAft>
               <a:spcPct val="35000"/>
             </a:spcAft>
-            <a:buNone/>
           </a:pPr>
           <a:r>
             <a:rPr lang="de-DE" sz="1800" kern="1200" dirty="0"/>
@@ -12741,7 +16449,7 @@
 </dsp:drawing>
 </file>
 
-<file path=ppt/diagrams/drawing6.xml><?xml version="1.0" encoding="utf-8"?>
+<file path=ppt/diagrams/drawing7.xml><?xml version="1.0" encoding="utf-8"?>
 <dsp:drawing xmlns:dgm="http://schemas.openxmlformats.org/drawingml/2006/diagram" xmlns:dsp="http://schemas.microsoft.com/office/drawing/2008/diagram" xmlns:a="http://schemas.openxmlformats.org/drawingml/2006/main">
   <dsp:spTree>
     <dsp:nvGrpSpPr>
@@ -12826,7 +16534,7 @@
         </a:bodyPr>
         <a:lstStyle/>
         <a:p>
-          <a:pPr marL="0" lvl="0" indent="0" algn="ctr" defTabSz="755650">
+          <a:pPr lvl="0" algn="ctr" defTabSz="755650">
             <a:lnSpc>
               <a:spcPct val="90000"/>
             </a:lnSpc>
@@ -12836,7 +16544,6 @@
             <a:spcAft>
               <a:spcPct val="35000"/>
             </a:spcAft>
-            <a:buNone/>
           </a:pPr>
           <a:r>
             <a:rPr lang="de-DE" sz="1700" kern="1200" dirty="0"/>
@@ -12936,7 +16643,7 @@
         </a:bodyPr>
         <a:lstStyle/>
         <a:p>
-          <a:pPr marL="0" lvl="0" indent="0" algn="ctr" defTabSz="755650">
+          <a:pPr lvl="0" algn="ctr" defTabSz="755650">
             <a:lnSpc>
               <a:spcPct val="90000"/>
             </a:lnSpc>
@@ -12946,7 +16653,6 @@
             <a:spcAft>
               <a:spcPct val="35000"/>
             </a:spcAft>
-            <a:buNone/>
           </a:pPr>
           <a:r>
             <a:rPr lang="de-DE" sz="1700" kern="1200" dirty="0"/>
@@ -13046,7 +16752,7 @@
         </a:bodyPr>
         <a:lstStyle/>
         <a:p>
-          <a:pPr marL="0" lvl="0" indent="0" algn="ctr" defTabSz="755650">
+          <a:pPr lvl="0" algn="ctr" defTabSz="755650">
             <a:lnSpc>
               <a:spcPct val="90000"/>
             </a:lnSpc>
@@ -13056,7 +16762,6 @@
             <a:spcAft>
               <a:spcPct val="35000"/>
             </a:spcAft>
-            <a:buNone/>
           </a:pPr>
           <a:r>
             <a:rPr lang="de-DE" sz="1700" kern="1200" dirty="0"/>
@@ -13156,7 +16861,7 @@
         </a:bodyPr>
         <a:lstStyle/>
         <a:p>
-          <a:pPr marL="0" lvl="0" indent="0" algn="ctr" defTabSz="889000">
+          <a:pPr lvl="0" algn="ctr" defTabSz="889000">
             <a:lnSpc>
               <a:spcPct val="90000"/>
             </a:lnSpc>
@@ -13166,7 +16871,6 @@
             <a:spcAft>
               <a:spcPct val="35000"/>
             </a:spcAft>
-            <a:buNone/>
           </a:pPr>
           <a:r>
             <a:rPr lang="de-DE" sz="2000" b="1" kern="1200" dirty="0" err="1"/>
@@ -13267,7 +16971,7 @@
         </a:bodyPr>
         <a:lstStyle/>
         <a:p>
-          <a:pPr marL="0" lvl="0" indent="0" algn="ctr" defTabSz="755650">
+          <a:pPr lvl="0" algn="ctr" defTabSz="755650">
             <a:lnSpc>
               <a:spcPct val="90000"/>
             </a:lnSpc>
@@ -13277,7 +16981,6 @@
             <a:spcAft>
               <a:spcPct val="35000"/>
             </a:spcAft>
-            <a:buNone/>
           </a:pPr>
           <a:r>
             <a:rPr lang="de-DE" sz="1700" kern="1200" dirty="0"/>
@@ -13377,7 +17080,7 @@
         </a:bodyPr>
         <a:lstStyle/>
         <a:p>
-          <a:pPr marL="0" lvl="0" indent="0" algn="ctr" defTabSz="755650">
+          <a:pPr lvl="0" algn="ctr" defTabSz="755650">
             <a:lnSpc>
               <a:spcPct val="90000"/>
             </a:lnSpc>
@@ -13387,7 +17090,6 @@
             <a:spcAft>
               <a:spcPct val="35000"/>
             </a:spcAft>
-            <a:buNone/>
           </a:pPr>
           <a:r>
             <a:rPr lang="de-DE" sz="1700" kern="1200" dirty="0"/>
@@ -14782,6 +18484,517 @@
 </file>
 
 <file path=ppt/diagrams/layout3.xml><?xml version="1.0" encoding="utf-8"?>
+<dgm:layoutDef xmlns:dgm="http://schemas.openxmlformats.org/drawingml/2006/diagram" xmlns:a="http://schemas.openxmlformats.org/drawingml/2006/main" uniqueId="urn:microsoft.com/office/officeart/2005/8/layout/hierarchy6">
+  <dgm:title val=""/>
+  <dgm:desc val=""/>
+  <dgm:catLst>
+    <dgm:cat type="hierarchy" pri="3000"/>
+  </dgm:catLst>
+  <dgm:sampData>
+    <dgm:dataModel>
+      <dgm:ptLst>
+        <dgm:pt modelId="0" type="doc"/>
+        <dgm:pt modelId="1">
+          <dgm:prSet phldr="1"/>
+        </dgm:pt>
+        <dgm:pt modelId="2">
+          <dgm:prSet phldr="1"/>
+        </dgm:pt>
+        <dgm:pt modelId="21">
+          <dgm:prSet phldr="1"/>
+        </dgm:pt>
+        <dgm:pt modelId="22">
+          <dgm:prSet phldr="1"/>
+        </dgm:pt>
+        <dgm:pt modelId="3">
+          <dgm:prSet phldr="1"/>
+        </dgm:pt>
+        <dgm:pt modelId="31">
+          <dgm:prSet phldr="1"/>
+        </dgm:pt>
+        <dgm:pt modelId="4">
+          <dgm:prSet phldr="1"/>
+        </dgm:pt>
+        <dgm:pt modelId="5">
+          <dgm:prSet phldr="1"/>
+        </dgm:pt>
+        <dgm:pt modelId="6">
+          <dgm:prSet phldr="1"/>
+        </dgm:pt>
+      </dgm:ptLst>
+      <dgm:cxnLst>
+        <dgm:cxn modelId="7" srcId="0" destId="1" srcOrd="0" destOrd="0"/>
+        <dgm:cxn modelId="8" srcId="1" destId="2" srcOrd="0" destOrd="0"/>
+        <dgm:cxn modelId="9" srcId="1" destId="3" srcOrd="1" destOrd="0"/>
+        <dgm:cxn modelId="23" srcId="2" destId="21" srcOrd="0" destOrd="0"/>
+        <dgm:cxn modelId="24" srcId="2" destId="22" srcOrd="1" destOrd="0"/>
+        <dgm:cxn modelId="33" srcId="3" destId="31" srcOrd="0" destOrd="0"/>
+        <dgm:cxn modelId="10" srcId="0" destId="4" srcOrd="1" destOrd="0"/>
+        <dgm:cxn modelId="11" srcId="0" destId="5" srcOrd="2" destOrd="0"/>
+        <dgm:cxn modelId="12" srcId="0" destId="6" srcOrd="3" destOrd="0"/>
+      </dgm:cxnLst>
+      <dgm:bg/>
+      <dgm:whole/>
+    </dgm:dataModel>
+  </dgm:sampData>
+  <dgm:styleData>
+    <dgm:dataModel>
+      <dgm:ptLst>
+        <dgm:pt modelId="0" type="doc"/>
+        <dgm:pt modelId="1"/>
+        <dgm:pt modelId="11"/>
+        <dgm:pt modelId="12"/>
+        <dgm:pt modelId="2"/>
+        <dgm:pt modelId="3"/>
+      </dgm:ptLst>
+      <dgm:cxnLst>
+        <dgm:cxn modelId="4" srcId="0" destId="1" srcOrd="0" destOrd="0"/>
+        <dgm:cxn modelId="13" srcId="1" destId="11" srcOrd="0" destOrd="0"/>
+        <dgm:cxn modelId="14" srcId="1" destId="12" srcOrd="1" destOrd="0"/>
+        <dgm:cxn modelId="5" srcId="0" destId="2" srcOrd="1" destOrd="0"/>
+        <dgm:cxn modelId="6" srcId="0" destId="3" srcOrd="2" destOrd="0"/>
+      </dgm:cxnLst>
+      <dgm:bg/>
+      <dgm:whole/>
+    </dgm:dataModel>
+  </dgm:styleData>
+  <dgm:clrData>
+    <dgm:dataModel>
+      <dgm:ptLst>
+        <dgm:pt modelId="0" type="doc"/>
+        <dgm:pt modelId="1"/>
+        <dgm:pt modelId="2"/>
+        <dgm:pt modelId="21"/>
+        <dgm:pt modelId="211"/>
+        <dgm:pt modelId="3"/>
+        <dgm:pt modelId="31"/>
+        <dgm:pt modelId="311"/>
+        <dgm:pt modelId="4"/>
+        <dgm:pt modelId="5"/>
+        <dgm:pt modelId="6"/>
+        <dgm:pt modelId="7"/>
+      </dgm:ptLst>
+      <dgm:cxnLst>
+        <dgm:cxn modelId="8" srcId="0" destId="1" srcOrd="0" destOrd="0"/>
+        <dgm:cxn modelId="9" srcId="1" destId="2" srcOrd="0" destOrd="0"/>
+        <dgm:cxn modelId="10" srcId="1" destId="3" srcOrd="1" destOrd="0"/>
+        <dgm:cxn modelId="23" srcId="2" destId="21" srcOrd="0" destOrd="0"/>
+        <dgm:cxn modelId="24" srcId="21" destId="211" srcOrd="0" destOrd="0"/>
+        <dgm:cxn modelId="33" srcId="3" destId="31" srcOrd="0" destOrd="0"/>
+        <dgm:cxn modelId="34" srcId="31" destId="311" srcOrd="0" destOrd="0"/>
+        <dgm:cxn modelId="11" srcId="0" destId="4" srcOrd="1" destOrd="0"/>
+        <dgm:cxn modelId="12" srcId="0" destId="5" srcOrd="2" destOrd="0"/>
+        <dgm:cxn modelId="13" srcId="0" destId="6" srcOrd="3" destOrd="0"/>
+        <dgm:cxn modelId="14" srcId="0" destId="7" srcOrd="4" destOrd="0"/>
+      </dgm:cxnLst>
+      <dgm:bg/>
+      <dgm:whole/>
+    </dgm:dataModel>
+  </dgm:clrData>
+  <dgm:layoutNode name="mainComposite">
+    <dgm:varLst>
+      <dgm:chPref val="1"/>
+      <dgm:dir/>
+      <dgm:animOne val="branch"/>
+      <dgm:animLvl val="lvl"/>
+      <dgm:resizeHandles val="exact"/>
+    </dgm:varLst>
+    <dgm:alg type="composite">
+      <dgm:param type="vertAlign" val="mid"/>
+      <dgm:param type="horzAlign" val="ctr"/>
+    </dgm:alg>
+    <dgm:shape xmlns:r="http://schemas.openxmlformats.org/officeDocument/2006/relationships" r:blip="">
+      <dgm:adjLst/>
+    </dgm:shape>
+    <dgm:presOf/>
+    <dgm:choose name="Name0">
+      <dgm:if name="Name1" axis="ch" ptType="node" func="cnt" op="gte" val="2">
+        <dgm:choose name="Name2">
+          <dgm:if name="Name3" func="var" arg="dir" op="equ" val="norm">
+            <dgm:constrLst>
+              <dgm:constr type="l" for="ch" forName="hierFlow" refType="w" fact="0.3"/>
+              <dgm:constr type="t" for="ch" forName="hierFlow"/>
+              <dgm:constr type="r" for="ch" forName="hierFlow" refType="w" fact="0.98"/>
+              <dgm:constr type="b" for="ch" forName="hierFlow" refType="h" fact="0.98"/>
+              <dgm:constr type="l" for="ch" forName="bgShapesFlow"/>
+              <dgm:constr type="t" for="ch" forName="bgShapesFlow"/>
+              <dgm:constr type="r" for="ch" forName="bgShapesFlow" refType="w"/>
+              <dgm:constr type="b" for="ch" forName="bgShapesFlow" refType="h"/>
+              <dgm:constr type="w" for="des" forName="level1Shape" refType="w"/>
+              <dgm:constr type="h" for="des" forName="level1Shape" refType="w" refFor="des" refForName="level1Shape" fact="0.66667"/>
+              <dgm:constr type="w" for="des" forName="level2Shape" refType="w" refFor="des" refForName="level1Shape" op="equ"/>
+              <dgm:constr type="h" for="des" forName="level2Shape" refType="h" refFor="des" refForName="level1Shape" op="equ"/>
+              <dgm:constr type="sp" for="des" refType="h" refFor="des" refForName="level1Shape" op="equ" fact="0.4"/>
+              <dgm:constr type="sibSp" for="des" forName="hierChild1" refType="w" refFor="des" refForName="level1Shape" op="equ" fact="0.3"/>
+              <dgm:constr type="sibSp" for="des" forName="hierChild2" refType="sibSp" refFor="des" refForName="hierChild1" op="equ"/>
+              <dgm:constr type="sibSp" for="des" forName="hierChild3" refType="sibSp" refFor="des" refForName="hierChild1" op="equ"/>
+              <dgm:constr type="userA" for="des" refType="h" refFor="des" refForName="level1Shape" op="equ"/>
+              <dgm:constr type="userB" for="des" refType="sp" refFor="des" op="equ"/>
+              <dgm:constr type="h" for="des" forName="firstBuf" refType="h" refFor="des" refForName="level1Shape" fact="0.1"/>
+            </dgm:constrLst>
+          </dgm:if>
+          <dgm:else name="Name4">
+            <dgm:constrLst>
+              <dgm:constr type="l" for="ch" forName="hierFlow" refType="w" fact="0.02"/>
+              <dgm:constr type="t" for="ch" forName="hierFlow"/>
+              <dgm:constr type="r" for="ch" forName="hierFlow" refType="w" fact="0.7"/>
+              <dgm:constr type="b" for="ch" forName="hierFlow" refType="h" fact="0.98"/>
+              <dgm:constr type="l" for="ch" forName="bgShapesFlow"/>
+              <dgm:constr type="t" for="ch" forName="bgShapesFlow"/>
+              <dgm:constr type="r" for="ch" forName="bgShapesFlow" refType="w"/>
+              <dgm:constr type="b" for="ch" forName="bgShapesFlow" refType="h"/>
+              <dgm:constr type="w" for="des" forName="level1Shape" refType="w"/>
+              <dgm:constr type="h" for="des" forName="level1Shape" refType="w" refFor="des" refForName="level1Shape" fact="0.66667"/>
+              <dgm:constr type="w" for="des" forName="level2Shape" refType="w" refFor="des" refForName="level1Shape" op="equ"/>
+              <dgm:constr type="h" for="des" forName="level2Shape" refType="h" refFor="des" refForName="level1Shape" op="equ"/>
+              <dgm:constr type="sp" for="des" refType="h" refFor="des" refForName="level1Shape" op="equ" fact="0.4"/>
+              <dgm:constr type="sibSp" for="des" forName="hierChild1" refType="w" refFor="des" refForName="level1Shape" op="equ" fact="0.3"/>
+              <dgm:constr type="sibSp" for="des" forName="hierChild2" refType="sibSp" refFor="des" refForName="hierChild1" op="equ"/>
+              <dgm:constr type="sibSp" for="des" forName="hierChild3" refType="sibSp" refFor="des" refForName="hierChild1" op="equ"/>
+              <dgm:constr type="userA" for="des" refType="h" refFor="des" refForName="level1Shape" op="equ"/>
+              <dgm:constr type="userB" for="des" refType="sp" refFor="des" op="equ"/>
+              <dgm:constr type="h" for="des" forName="firstBuf" refType="h" refFor="des" refForName="level1Shape" fact="0.1"/>
+            </dgm:constrLst>
+          </dgm:else>
+        </dgm:choose>
+      </dgm:if>
+      <dgm:else name="Name5">
+        <dgm:constrLst>
+          <dgm:constr type="l" for="ch" forName="hierFlow"/>
+          <dgm:constr type="t" for="ch" forName="hierFlow"/>
+          <dgm:constr type="r" for="ch" forName="hierFlow" refType="w"/>
+          <dgm:constr type="b" for="ch" forName="hierFlow" refType="h"/>
+          <dgm:constr type="l" for="ch" forName="bgShapesFlow"/>
+          <dgm:constr type="t" for="ch" forName="bgShapesFlow"/>
+          <dgm:constr type="r" for="ch" forName="bgShapesFlow" refType="w"/>
+          <dgm:constr type="b" for="ch" forName="bgShapesFlow" refType="h"/>
+          <dgm:constr type="w" for="des" forName="level1Shape" refType="w"/>
+          <dgm:constr type="h" for="des" forName="level1Shape" refType="w" refFor="des" refForName="level1Shape" fact="0.66667"/>
+          <dgm:constr type="w" for="des" forName="level2Shape" refType="w" refFor="des" refForName="level1Shape" op="equ"/>
+          <dgm:constr type="h" for="des" forName="level2Shape" refType="h" refFor="des" refForName="level1Shape" op="equ"/>
+          <dgm:constr type="sp" for="des" refType="h" refFor="des" refForName="level1Shape" op="equ" fact="0.4"/>
+          <dgm:constr type="sibSp" for="des" forName="hierChild1" refType="w" refFor="des" refForName="level1Shape" op="equ" fact="0.3"/>
+          <dgm:constr type="sibSp" for="des" forName="hierChild2" refType="sibSp" refFor="des" refForName="hierChild1" op="equ"/>
+          <dgm:constr type="sibSp" for="des" forName="hierChild3" refType="sibSp" refFor="des" refForName="hierChild1" op="equ"/>
+          <dgm:constr type="userA" for="des" refType="h" refFor="des" refForName="level1Shape" op="equ"/>
+          <dgm:constr type="userB" for="des" refType="sp" refFor="des" op="equ"/>
+          <dgm:constr type="h" for="des" forName="firstBuf" refType="h" refFor="des" refForName="level1Shape" fact="0.1"/>
+        </dgm:constrLst>
+      </dgm:else>
+    </dgm:choose>
+    <dgm:ruleLst/>
+    <dgm:layoutNode name="hierFlow">
+      <dgm:alg type="lin">
+        <dgm:param type="linDir" val="fromT"/>
+        <dgm:param type="nodeVertAlign" val="t"/>
+        <dgm:param type="vertAlign" val="t"/>
+        <dgm:param type="nodeHorzAlign" val="ctr"/>
+        <dgm:param type="fallback" val="2D"/>
+      </dgm:alg>
+      <dgm:shape xmlns:r="http://schemas.openxmlformats.org/officeDocument/2006/relationships" r:blip="">
+        <dgm:adjLst/>
+      </dgm:shape>
+      <dgm:presOf/>
+      <dgm:constrLst/>
+      <dgm:ruleLst/>
+      <dgm:choose name="Name6">
+        <dgm:if name="Name7" axis="ch" ptType="node" func="cnt" op="gte" val="2">
+          <dgm:layoutNode name="firstBuf">
+            <dgm:alg type="sp"/>
+            <dgm:shape xmlns:r="http://schemas.openxmlformats.org/officeDocument/2006/relationships" r:blip="">
+              <dgm:adjLst/>
+            </dgm:shape>
+            <dgm:presOf/>
+            <dgm:constrLst/>
+            <dgm:ruleLst/>
+          </dgm:layoutNode>
+        </dgm:if>
+        <dgm:else name="Name8"/>
+      </dgm:choose>
+      <dgm:layoutNode name="hierChild1">
+        <dgm:varLst>
+          <dgm:chPref val="1"/>
+          <dgm:animOne val="branch"/>
+          <dgm:animLvl val="lvl"/>
+        </dgm:varLst>
+        <dgm:choose name="Name9">
+          <dgm:if name="Name10" func="var" arg="dir" op="equ" val="norm">
+            <dgm:alg type="hierChild">
+              <dgm:param type="linDir" val="fromL"/>
+              <dgm:param type="vertAlign" val="t"/>
+            </dgm:alg>
+          </dgm:if>
+          <dgm:else name="Name11">
+            <dgm:alg type="hierChild">
+              <dgm:param type="linDir" val="fromR"/>
+              <dgm:param type="vertAlign" val="t"/>
+            </dgm:alg>
+          </dgm:else>
+        </dgm:choose>
+        <dgm:shape xmlns:r="http://schemas.openxmlformats.org/officeDocument/2006/relationships" r:blip="">
+          <dgm:adjLst/>
+        </dgm:shape>
+        <dgm:presOf/>
+        <dgm:constrLst>
+          <dgm:constr type="primFontSz" for="des" ptType="node" op="equ"/>
+        </dgm:constrLst>
+        <dgm:ruleLst/>
+        <dgm:forEach name="Name12" axis="ch" cnt="3">
+          <dgm:forEach name="Name13" axis="self" ptType="node">
+            <dgm:layoutNode name="Name14">
+              <dgm:alg type="hierRoot"/>
+              <dgm:shape xmlns:r="http://schemas.openxmlformats.org/officeDocument/2006/relationships" r:blip="">
+                <dgm:adjLst/>
+              </dgm:shape>
+              <dgm:presOf/>
+              <dgm:constrLst/>
+              <dgm:ruleLst/>
+              <dgm:layoutNode name="level1Shape" styleLbl="node0">
+                <dgm:varLst>
+                  <dgm:chPref val="3"/>
+                </dgm:varLst>
+                <dgm:alg type="tx"/>
+                <dgm:shape xmlns:r="http://schemas.openxmlformats.org/officeDocument/2006/relationships" type="roundRect" r:blip="">
+                  <dgm:adjLst>
+                    <dgm:adj idx="1" val="0.1"/>
+                  </dgm:adjLst>
+                </dgm:shape>
+                <dgm:presOf axis="self"/>
+                <dgm:constrLst>
+                  <dgm:constr type="primFontSz" val="65"/>
+                  <dgm:constr type="tMarg" refType="primFontSz" fact="0.3"/>
+                  <dgm:constr type="bMarg" refType="primFontSz" fact="0.3"/>
+                  <dgm:constr type="lMarg" refType="primFontSz" fact="0.3"/>
+                  <dgm:constr type="rMarg" refType="primFontSz" fact="0.3"/>
+                </dgm:constrLst>
+                <dgm:ruleLst>
+                  <dgm:rule type="primFontSz" val="5" fact="NaN" max="NaN"/>
+                </dgm:ruleLst>
+              </dgm:layoutNode>
+              <dgm:layoutNode name="hierChild2">
+                <dgm:choose name="Name15">
+                  <dgm:if name="Name16" func="var" arg="dir" op="equ" val="norm">
+                    <dgm:alg type="hierChild">
+                      <dgm:param type="linDir" val="fromL"/>
+                    </dgm:alg>
+                  </dgm:if>
+                  <dgm:else name="Name17">
+                    <dgm:alg type="hierChild">
+                      <dgm:param type="linDir" val="fromR"/>
+                    </dgm:alg>
+                  </dgm:else>
+                </dgm:choose>
+                <dgm:shape xmlns:r="http://schemas.openxmlformats.org/officeDocument/2006/relationships" r:blip="">
+                  <dgm:adjLst/>
+                </dgm:shape>
+                <dgm:presOf/>
+                <dgm:constrLst/>
+                <dgm:ruleLst/>
+                <dgm:forEach name="repeat" axis="ch">
+                  <dgm:forEach name="Name18" axis="self" ptType="parTrans" cnt="1">
+                    <dgm:layoutNode name="Name19">
+                      <dgm:alg type="conn">
+                        <dgm:param type="dim" val="1D"/>
+                        <dgm:param type="endSty" val="noArr"/>
+                        <dgm:param type="connRout" val="bend"/>
+                        <dgm:param type="begPts" val="bCtr"/>
+                        <dgm:param type="endPts" val="tCtr"/>
+                      </dgm:alg>
+                      <dgm:shape xmlns:r="http://schemas.openxmlformats.org/officeDocument/2006/relationships" type="conn" r:blip="">
+                        <dgm:adjLst/>
+                      </dgm:shape>
+                      <dgm:presOf axis="self"/>
+                      <dgm:constrLst>
+                        <dgm:constr type="w" val="1"/>
+                        <dgm:constr type="h" val="1"/>
+                        <dgm:constr type="begPad"/>
+                        <dgm:constr type="endPad"/>
+                      </dgm:constrLst>
+                      <dgm:ruleLst/>
+                    </dgm:layoutNode>
+                  </dgm:forEach>
+                  <dgm:forEach name="Name20" axis="self" ptType="node">
+                    <dgm:layoutNode name="Name21">
+                      <dgm:alg type="hierRoot"/>
+                      <dgm:shape xmlns:r="http://schemas.openxmlformats.org/officeDocument/2006/relationships" r:blip="">
+                        <dgm:adjLst/>
+                      </dgm:shape>
+                      <dgm:presOf/>
+                      <dgm:constrLst/>
+                      <dgm:ruleLst/>
+                      <dgm:layoutNode name="level2Shape">
+                        <dgm:alg type="tx"/>
+                        <dgm:shape xmlns:r="http://schemas.openxmlformats.org/officeDocument/2006/relationships" type="roundRect" r:blip="">
+                          <dgm:adjLst>
+                            <dgm:adj idx="1" val="0.1"/>
+                          </dgm:adjLst>
+                        </dgm:shape>
+                        <dgm:presOf axis="self"/>
+                        <dgm:constrLst>
+                          <dgm:constr type="primFontSz" val="65"/>
+                          <dgm:constr type="tMarg" refType="primFontSz" fact="0.3"/>
+                          <dgm:constr type="bMarg" refType="primFontSz" fact="0.3"/>
+                          <dgm:constr type="lMarg" refType="primFontSz" fact="0.3"/>
+                          <dgm:constr type="rMarg" refType="primFontSz" fact="0.3"/>
+                        </dgm:constrLst>
+                        <dgm:ruleLst>
+                          <dgm:rule type="primFontSz" val="5" fact="NaN" max="NaN"/>
+                        </dgm:ruleLst>
+                      </dgm:layoutNode>
+                      <dgm:layoutNode name="hierChild3">
+                        <dgm:choose name="Name22">
+                          <dgm:if name="Name23" func="var" arg="dir" op="equ" val="norm">
+                            <dgm:alg type="hierChild">
+                              <dgm:param type="linDir" val="fromL"/>
+                            </dgm:alg>
+                          </dgm:if>
+                          <dgm:else name="Name24">
+                            <dgm:alg type="hierChild">
+                              <dgm:param type="linDir" val="fromR"/>
+                            </dgm:alg>
+                          </dgm:else>
+                        </dgm:choose>
+                        <dgm:shape xmlns:r="http://schemas.openxmlformats.org/officeDocument/2006/relationships" r:blip="">
+                          <dgm:adjLst/>
+                        </dgm:shape>
+                        <dgm:presOf/>
+                        <dgm:constrLst/>
+                        <dgm:ruleLst/>
+                        <dgm:forEach name="Name25" ref="repeat"/>
+                      </dgm:layoutNode>
+                    </dgm:layoutNode>
+                  </dgm:forEach>
+                </dgm:forEach>
+              </dgm:layoutNode>
+            </dgm:layoutNode>
+          </dgm:forEach>
+        </dgm:forEach>
+      </dgm:layoutNode>
+    </dgm:layoutNode>
+    <dgm:layoutNode name="bgShapesFlow">
+      <dgm:alg type="lin">
+        <dgm:param type="linDir" val="fromT"/>
+        <dgm:param type="nodeVertAlign" val="t"/>
+        <dgm:param type="vertAlign" val="t"/>
+        <dgm:param type="nodeHorzAlign" val="ctr"/>
+      </dgm:alg>
+      <dgm:shape xmlns:r="http://schemas.openxmlformats.org/officeDocument/2006/relationships" r:blip="">
+        <dgm:adjLst/>
+      </dgm:shape>
+      <dgm:presOf/>
+      <dgm:constrLst>
+        <dgm:constr type="userB"/>
+        <dgm:constr type="w" for="ch" forName="rectComp" refType="w"/>
+        <dgm:constr type="h" for="ch" forName="rectComp" refType="h"/>
+        <dgm:constr type="w" for="des" forName="bgRect" refType="w"/>
+        <dgm:constr type="primFontSz" for="des" forName="bgRectTx" op="equ"/>
+      </dgm:constrLst>
+      <dgm:ruleLst/>
+      <dgm:forEach name="Name26" axis="ch" ptType="node" st="2">
+        <dgm:layoutNode name="rectComp">
+          <dgm:alg type="composite">
+            <dgm:param type="vertAlign" val="t"/>
+            <dgm:param type="horzAlign" val="ctr"/>
+          </dgm:alg>
+          <dgm:shape xmlns:r="http://schemas.openxmlformats.org/officeDocument/2006/relationships" r:blip="">
+            <dgm:adjLst/>
+          </dgm:shape>
+          <dgm:presOf/>
+          <dgm:choose name="Name27">
+            <dgm:if name="Name28" func="var" arg="dir" op="equ" val="norm">
+              <dgm:constrLst>
+                <dgm:constr type="userA"/>
+                <dgm:constr type="l" for="ch" forName="bgRect"/>
+                <dgm:constr type="t" for="ch" forName="bgRect"/>
+                <dgm:constr type="h" for="ch" forName="bgRect" refType="userA" fact="1.2"/>
+                <dgm:constr type="l" for="ch" forName="bgRectTx"/>
+                <dgm:constr type="t" for="ch" forName="bgRectTx"/>
+                <dgm:constr type="w" for="ch" forName="bgRectTx" refType="w" refFor="ch" refForName="bgRect" fact="0.3"/>
+                <dgm:constr type="h" for="ch" forName="bgRectTx" refType="h" refFor="ch" refForName="bgRect" op="equ"/>
+              </dgm:constrLst>
+            </dgm:if>
+            <dgm:else name="Name29">
+              <dgm:constrLst>
+                <dgm:constr type="userA"/>
+                <dgm:constr type="l" for="ch" forName="bgRect"/>
+                <dgm:constr type="t" for="ch" forName="bgRect"/>
+                <dgm:constr type="h" for="ch" forName="bgRect" refType="userA" fact="1.2"/>
+                <dgm:constr type="r" for="ch" forName="bgRectTx" refType="w"/>
+                <dgm:constr type="t" for="ch" forName="bgRectTx"/>
+                <dgm:constr type="w" for="ch" forName="bgRectTx" refType="w" refFor="ch" refForName="bgRect" fact="0.3"/>
+                <dgm:constr type="h" for="ch" forName="bgRectTx" refType="h" refFor="ch" refForName="bgRect" op="equ"/>
+              </dgm:constrLst>
+            </dgm:else>
+          </dgm:choose>
+          <dgm:ruleLst/>
+          <dgm:layoutNode name="bgRect" styleLbl="bgShp">
+            <dgm:alg type="sp"/>
+            <dgm:shape xmlns:r="http://schemas.openxmlformats.org/officeDocument/2006/relationships" type="roundRect" r:blip="" zOrderOff="-999">
+              <dgm:adjLst>
+                <dgm:adj idx="1" val="0.1"/>
+              </dgm:adjLst>
+            </dgm:shape>
+            <dgm:presOf axis="desOrSelf" ptType="node"/>
+            <dgm:constrLst/>
+            <dgm:ruleLst/>
+          </dgm:layoutNode>
+          <dgm:layoutNode name="bgRectTx" styleLbl="bgShp">
+            <dgm:varLst>
+              <dgm:bulletEnabled val="1"/>
+            </dgm:varLst>
+            <dgm:alg type="tx"/>
+            <dgm:presOf axis="desOrSelf" ptType="node"/>
+            <dgm:shape xmlns:r="http://schemas.openxmlformats.org/officeDocument/2006/relationships" type="rect" r:blip="" zOrderOff="-999" hideGeom="1">
+              <dgm:adjLst/>
+            </dgm:shape>
+            <dgm:constrLst>
+              <dgm:constr type="primFontSz" val="65"/>
+            </dgm:constrLst>
+            <dgm:ruleLst>
+              <dgm:rule type="primFontSz" val="5" fact="NaN" max="NaN"/>
+            </dgm:ruleLst>
+          </dgm:layoutNode>
+        </dgm:layoutNode>
+        <dgm:choose name="Name30">
+          <dgm:if name="Name31" axis="self" ptType="node" func="revPos" op="gte" val="2">
+            <dgm:layoutNode name="spComp">
+              <dgm:alg type="composite">
+                <dgm:param type="vertAlign" val="t"/>
+                <dgm:param type="horzAlign" val="ctr"/>
+              </dgm:alg>
+              <dgm:shape xmlns:r="http://schemas.openxmlformats.org/officeDocument/2006/relationships" r:blip="">
+                <dgm:adjLst/>
+              </dgm:shape>
+              <dgm:presOf/>
+              <dgm:constrLst>
+                <dgm:constr type="userA"/>
+                <dgm:constr type="userB"/>
+                <dgm:constr type="l" for="ch" forName="vSp"/>
+                <dgm:constr type="t" for="ch" forName="vSp"/>
+                <dgm:constr type="h" for="ch" forName="vSp" refType="userB"/>
+                <dgm:constr type="hOff" for="ch" forName="vSp" refType="userA" fact="-0.2"/>
+              </dgm:constrLst>
+              <dgm:ruleLst/>
+              <dgm:layoutNode name="vSp">
+                <dgm:alg type="sp"/>
+                <dgm:shape xmlns:r="http://schemas.openxmlformats.org/officeDocument/2006/relationships" r:blip="">
+                  <dgm:adjLst/>
+                </dgm:shape>
+                <dgm:presOf/>
+                <dgm:constrLst/>
+                <dgm:ruleLst/>
+              </dgm:layoutNode>
+            </dgm:layoutNode>
+          </dgm:if>
+          <dgm:else name="Name32"/>
+        </dgm:choose>
+      </dgm:forEach>
+    </dgm:layoutNode>
+  </dgm:layoutNode>
+</dgm:layoutDef>
+</file>
+
+<file path=ppt/diagrams/layout4.xml><?xml version="1.0" encoding="utf-8"?>
 <dgm:layoutDef xmlns:dgm="http://schemas.openxmlformats.org/drawingml/2006/diagram" xmlns:a="http://schemas.openxmlformats.org/drawingml/2006/main" uniqueId="urn:microsoft.com/office/officeart/2005/8/layout/cycle5">
   <dgm:title val=""/>
   <dgm:desc val=""/>
@@ -14989,7 +19202,7 @@
 </dgm:layoutDef>
 </file>
 
-<file path=ppt/diagrams/layout4.xml><?xml version="1.0" encoding="utf-8"?>
+<file path=ppt/diagrams/layout5.xml><?xml version="1.0" encoding="utf-8"?>
 <dgm:layoutDef xmlns:dgm="http://schemas.openxmlformats.org/drawingml/2006/diagram" xmlns:a="http://schemas.openxmlformats.org/drawingml/2006/main" uniqueId="urn:microsoft.com/office/officeart/2005/8/layout/hProcess4">
   <dgm:title val=""/>
   <dgm:desc val=""/>
@@ -15533,7 +19746,7 @@
 </dgm:layoutDef>
 </file>
 
-<file path=ppt/diagrams/layout5.xml><?xml version="1.0" encoding="utf-8"?>
+<file path=ppt/diagrams/layout6.xml><?xml version="1.0" encoding="utf-8"?>
 <dgm:layoutDef xmlns:dgm="http://schemas.openxmlformats.org/drawingml/2006/diagram" xmlns:a="http://schemas.openxmlformats.org/drawingml/2006/main" uniqueId="urn:microsoft.com/office/officeart/2005/8/layout/hProcess11">
   <dgm:title val=""/>
   <dgm:desc val=""/>
@@ -15805,7 +20018,7 @@
 </dgm:layoutDef>
 </file>
 
-<file path=ppt/diagrams/layout6.xml><?xml version="1.0" encoding="utf-8"?>
+<file path=ppt/diagrams/layout7.xml><?xml version="1.0" encoding="utf-8"?>
 <dgm:layoutDef xmlns:dgm="http://schemas.openxmlformats.org/drawingml/2006/diagram" xmlns:a="http://schemas.openxmlformats.org/drawingml/2006/main" uniqueId="urn:microsoft.com/office/officeart/2005/8/layout/hProcess11">
   <dgm:title val=""/>
   <dgm:desc val=""/>
@@ -21248,6 +25461,1040 @@
 </file>
 
 <file path=ppt/diagrams/quickStyle6.xml><?xml version="1.0" encoding="utf-8"?>
+<dgm:styleDef xmlns:dgm="http://schemas.openxmlformats.org/drawingml/2006/diagram" xmlns:a="http://schemas.openxmlformats.org/drawingml/2006/main" uniqueId="urn:microsoft.com/office/officeart/2005/8/quickstyle/simple1">
+  <dgm:title val=""/>
+  <dgm:desc val=""/>
+  <dgm:catLst>
+    <dgm:cat type="simple" pri="10100"/>
+  </dgm:catLst>
+  <dgm:scene3d>
+    <a:camera prst="orthographicFront"/>
+    <a:lightRig rig="threePt" dir="t"/>
+  </dgm:scene3d>
+  <dgm:styleLbl name="node0">
+    <dgm:scene3d>
+      <a:camera prst="orthographicFront"/>
+      <a:lightRig rig="threePt" dir="t"/>
+    </dgm:scene3d>
+    <dgm:sp3d/>
+    <dgm:txPr/>
+    <dgm:style>
+      <a:lnRef idx="2">
+        <a:scrgbClr r="0" g="0" b="0"/>
+      </a:lnRef>
+      <a:fillRef idx="1">
+        <a:scrgbClr r="0" g="0" b="0"/>
+      </a:fillRef>
+      <a:effectRef idx="0">
+        <a:scrgbClr r="0" g="0" b="0"/>
+      </a:effectRef>
+      <a:fontRef idx="minor">
+        <a:schemeClr val="lt1"/>
+      </a:fontRef>
+    </dgm:style>
+  </dgm:styleLbl>
+  <dgm:styleLbl name="lnNode1">
+    <dgm:scene3d>
+      <a:camera prst="orthographicFront"/>
+      <a:lightRig rig="threePt" dir="t"/>
+    </dgm:scene3d>
+    <dgm:sp3d/>
+    <dgm:txPr/>
+    <dgm:style>
+      <a:lnRef idx="2">
+        <a:scrgbClr r="0" g="0" b="0"/>
+      </a:lnRef>
+      <a:fillRef idx="1">
+        <a:scrgbClr r="0" g="0" b="0"/>
+      </a:fillRef>
+      <a:effectRef idx="0">
+        <a:scrgbClr r="0" g="0" b="0"/>
+      </a:effectRef>
+      <a:fontRef idx="minor">
+        <a:schemeClr val="lt1"/>
+      </a:fontRef>
+    </dgm:style>
+  </dgm:styleLbl>
+  <dgm:styleLbl name="vennNode1">
+    <dgm:scene3d>
+      <a:camera prst="orthographicFront"/>
+      <a:lightRig rig="threePt" dir="t"/>
+    </dgm:scene3d>
+    <dgm:sp3d/>
+    <dgm:txPr/>
+    <dgm:style>
+      <a:lnRef idx="2">
+        <a:scrgbClr r="0" g="0" b="0"/>
+      </a:lnRef>
+      <a:fillRef idx="1">
+        <a:scrgbClr r="0" g="0" b="0"/>
+      </a:fillRef>
+      <a:effectRef idx="0">
+        <a:scrgbClr r="0" g="0" b="0"/>
+      </a:effectRef>
+      <a:fontRef idx="minor">
+        <a:schemeClr val="tx1"/>
+      </a:fontRef>
+    </dgm:style>
+  </dgm:styleLbl>
+  <dgm:styleLbl name="alignNode1">
+    <dgm:scene3d>
+      <a:camera prst="orthographicFront"/>
+      <a:lightRig rig="threePt" dir="t"/>
+    </dgm:scene3d>
+    <dgm:sp3d/>
+    <dgm:txPr/>
+    <dgm:style>
+      <a:lnRef idx="2">
+        <a:scrgbClr r="0" g="0" b="0"/>
+      </a:lnRef>
+      <a:fillRef idx="1">
+        <a:scrgbClr r="0" g="0" b="0"/>
+      </a:fillRef>
+      <a:effectRef idx="0">
+        <a:scrgbClr r="0" g="0" b="0"/>
+      </a:effectRef>
+      <a:fontRef idx="minor">
+        <a:schemeClr val="lt1"/>
+      </a:fontRef>
+    </dgm:style>
+  </dgm:styleLbl>
+  <dgm:styleLbl name="node1">
+    <dgm:scene3d>
+      <a:camera prst="orthographicFront"/>
+      <a:lightRig rig="threePt" dir="t"/>
+    </dgm:scene3d>
+    <dgm:sp3d/>
+    <dgm:txPr/>
+    <dgm:style>
+      <a:lnRef idx="2">
+        <a:scrgbClr r="0" g="0" b="0"/>
+      </a:lnRef>
+      <a:fillRef idx="1">
+        <a:scrgbClr r="0" g="0" b="0"/>
+      </a:fillRef>
+      <a:effectRef idx="0">
+        <a:scrgbClr r="0" g="0" b="0"/>
+      </a:effectRef>
+      <a:fontRef idx="minor">
+        <a:schemeClr val="lt1"/>
+      </a:fontRef>
+    </dgm:style>
+  </dgm:styleLbl>
+  <dgm:styleLbl name="node2">
+    <dgm:scene3d>
+      <a:camera prst="orthographicFront"/>
+      <a:lightRig rig="threePt" dir="t"/>
+    </dgm:scene3d>
+    <dgm:sp3d/>
+    <dgm:txPr/>
+    <dgm:style>
+      <a:lnRef idx="2">
+        <a:scrgbClr r="0" g="0" b="0"/>
+      </a:lnRef>
+      <a:fillRef idx="1">
+        <a:scrgbClr r="0" g="0" b="0"/>
+      </a:fillRef>
+      <a:effectRef idx="0">
+        <a:scrgbClr r="0" g="0" b="0"/>
+      </a:effectRef>
+      <a:fontRef idx="minor">
+        <a:schemeClr val="lt1"/>
+      </a:fontRef>
+    </dgm:style>
+  </dgm:styleLbl>
+  <dgm:styleLbl name="node3">
+    <dgm:scene3d>
+      <a:camera prst="orthographicFront"/>
+      <a:lightRig rig="threePt" dir="t"/>
+    </dgm:scene3d>
+    <dgm:sp3d/>
+    <dgm:txPr/>
+    <dgm:style>
+      <a:lnRef idx="2">
+        <a:scrgbClr r="0" g="0" b="0"/>
+      </a:lnRef>
+      <a:fillRef idx="1">
+        <a:scrgbClr r="0" g="0" b="0"/>
+      </a:fillRef>
+      <a:effectRef idx="0">
+        <a:scrgbClr r="0" g="0" b="0"/>
+      </a:effectRef>
+      <a:fontRef idx="minor">
+        <a:schemeClr val="lt1"/>
+      </a:fontRef>
+    </dgm:style>
+  </dgm:styleLbl>
+  <dgm:styleLbl name="node4">
+    <dgm:scene3d>
+      <a:camera prst="orthographicFront"/>
+      <a:lightRig rig="threePt" dir="t"/>
+    </dgm:scene3d>
+    <dgm:sp3d/>
+    <dgm:txPr/>
+    <dgm:style>
+      <a:lnRef idx="2">
+        <a:scrgbClr r="0" g="0" b="0"/>
+      </a:lnRef>
+      <a:fillRef idx="1">
+        <a:scrgbClr r="0" g="0" b="0"/>
+      </a:fillRef>
+      <a:effectRef idx="0">
+        <a:scrgbClr r="0" g="0" b="0"/>
+      </a:effectRef>
+      <a:fontRef idx="minor">
+        <a:schemeClr val="lt1"/>
+      </a:fontRef>
+    </dgm:style>
+  </dgm:styleLbl>
+  <dgm:styleLbl name="fgImgPlace1">
+    <dgm:scene3d>
+      <a:camera prst="orthographicFront"/>
+      <a:lightRig rig="threePt" dir="t"/>
+    </dgm:scene3d>
+    <dgm:sp3d/>
+    <dgm:txPr/>
+    <dgm:style>
+      <a:lnRef idx="2">
+        <a:scrgbClr r="0" g="0" b="0"/>
+      </a:lnRef>
+      <a:fillRef idx="1">
+        <a:scrgbClr r="0" g="0" b="0"/>
+      </a:fillRef>
+      <a:effectRef idx="0">
+        <a:scrgbClr r="0" g="0" b="0"/>
+      </a:effectRef>
+      <a:fontRef idx="minor"/>
+    </dgm:style>
+  </dgm:styleLbl>
+  <dgm:styleLbl name="alignImgPlace1">
+    <dgm:scene3d>
+      <a:camera prst="orthographicFront"/>
+      <a:lightRig rig="threePt" dir="t"/>
+    </dgm:scene3d>
+    <dgm:sp3d/>
+    <dgm:txPr/>
+    <dgm:style>
+      <a:lnRef idx="2">
+        <a:scrgbClr r="0" g="0" b="0"/>
+      </a:lnRef>
+      <a:fillRef idx="1">
+        <a:scrgbClr r="0" g="0" b="0"/>
+      </a:fillRef>
+      <a:effectRef idx="0">
+        <a:scrgbClr r="0" g="0" b="0"/>
+      </a:effectRef>
+      <a:fontRef idx="minor"/>
+    </dgm:style>
+  </dgm:styleLbl>
+  <dgm:styleLbl name="bgImgPlace1">
+    <dgm:scene3d>
+      <a:camera prst="orthographicFront"/>
+      <a:lightRig rig="threePt" dir="t"/>
+    </dgm:scene3d>
+    <dgm:sp3d/>
+    <dgm:txPr/>
+    <dgm:style>
+      <a:lnRef idx="2">
+        <a:scrgbClr r="0" g="0" b="0"/>
+      </a:lnRef>
+      <a:fillRef idx="1">
+        <a:scrgbClr r="0" g="0" b="0"/>
+      </a:fillRef>
+      <a:effectRef idx="0">
+        <a:scrgbClr r="0" g="0" b="0"/>
+      </a:effectRef>
+      <a:fontRef idx="minor"/>
+    </dgm:style>
+  </dgm:styleLbl>
+  <dgm:styleLbl name="sibTrans2D1">
+    <dgm:scene3d>
+      <a:camera prst="orthographicFront"/>
+      <a:lightRig rig="threePt" dir="t"/>
+    </dgm:scene3d>
+    <dgm:sp3d/>
+    <dgm:txPr/>
+    <dgm:style>
+      <a:lnRef idx="0">
+        <a:scrgbClr r="0" g="0" b="0"/>
+      </a:lnRef>
+      <a:fillRef idx="1">
+        <a:scrgbClr r="0" g="0" b="0"/>
+      </a:fillRef>
+      <a:effectRef idx="0">
+        <a:scrgbClr r="0" g="0" b="0"/>
+      </a:effectRef>
+      <a:fontRef idx="minor">
+        <a:schemeClr val="lt1"/>
+      </a:fontRef>
+    </dgm:style>
+  </dgm:styleLbl>
+  <dgm:styleLbl name="fgSibTrans2D1">
+    <dgm:scene3d>
+      <a:camera prst="orthographicFront"/>
+      <a:lightRig rig="threePt" dir="t"/>
+    </dgm:scene3d>
+    <dgm:sp3d/>
+    <dgm:txPr/>
+    <dgm:style>
+      <a:lnRef idx="0">
+        <a:scrgbClr r="0" g="0" b="0"/>
+      </a:lnRef>
+      <a:fillRef idx="1">
+        <a:scrgbClr r="0" g="0" b="0"/>
+      </a:fillRef>
+      <a:effectRef idx="0">
+        <a:scrgbClr r="0" g="0" b="0"/>
+      </a:effectRef>
+      <a:fontRef idx="minor">
+        <a:schemeClr val="lt1"/>
+      </a:fontRef>
+    </dgm:style>
+  </dgm:styleLbl>
+  <dgm:styleLbl name="bgSibTrans2D1">
+    <dgm:scene3d>
+      <a:camera prst="orthographicFront"/>
+      <a:lightRig rig="threePt" dir="t"/>
+    </dgm:scene3d>
+    <dgm:sp3d/>
+    <dgm:txPr/>
+    <dgm:style>
+      <a:lnRef idx="0">
+        <a:scrgbClr r="0" g="0" b="0"/>
+      </a:lnRef>
+      <a:fillRef idx="1">
+        <a:scrgbClr r="0" g="0" b="0"/>
+      </a:fillRef>
+      <a:effectRef idx="0">
+        <a:scrgbClr r="0" g="0" b="0"/>
+      </a:effectRef>
+      <a:fontRef idx="minor">
+        <a:schemeClr val="lt1"/>
+      </a:fontRef>
+    </dgm:style>
+  </dgm:styleLbl>
+  <dgm:styleLbl name="sibTrans1D1">
+    <dgm:scene3d>
+      <a:camera prst="orthographicFront"/>
+      <a:lightRig rig="threePt" dir="t"/>
+    </dgm:scene3d>
+    <dgm:sp3d/>
+    <dgm:txPr/>
+    <dgm:style>
+      <a:lnRef idx="1">
+        <a:scrgbClr r="0" g="0" b="0"/>
+      </a:lnRef>
+      <a:fillRef idx="0">
+        <a:scrgbClr r="0" g="0" b="0"/>
+      </a:fillRef>
+      <a:effectRef idx="0">
+        <a:scrgbClr r="0" g="0" b="0"/>
+      </a:effectRef>
+      <a:fontRef idx="minor"/>
+    </dgm:style>
+  </dgm:styleLbl>
+  <dgm:styleLbl name="callout">
+    <dgm:scene3d>
+      <a:camera prst="orthographicFront"/>
+      <a:lightRig rig="threePt" dir="t"/>
+    </dgm:scene3d>
+    <dgm:sp3d/>
+    <dgm:txPr/>
+    <dgm:style>
+      <a:lnRef idx="2">
+        <a:scrgbClr r="0" g="0" b="0"/>
+      </a:lnRef>
+      <a:fillRef idx="1">
+        <a:scrgbClr r="0" g="0" b="0"/>
+      </a:fillRef>
+      <a:effectRef idx="0">
+        <a:scrgbClr r="0" g="0" b="0"/>
+      </a:effectRef>
+      <a:fontRef idx="minor"/>
+    </dgm:style>
+  </dgm:styleLbl>
+  <dgm:styleLbl name="asst0">
+    <dgm:scene3d>
+      <a:camera prst="orthographicFront"/>
+      <a:lightRig rig="threePt" dir="t"/>
+    </dgm:scene3d>
+    <dgm:sp3d/>
+    <dgm:txPr/>
+    <dgm:style>
+      <a:lnRef idx="2">
+        <a:scrgbClr r="0" g="0" b="0"/>
+      </a:lnRef>
+      <a:fillRef idx="1">
+        <a:scrgbClr r="0" g="0" b="0"/>
+      </a:fillRef>
+      <a:effectRef idx="0">
+        <a:scrgbClr r="0" g="0" b="0"/>
+      </a:effectRef>
+      <a:fontRef idx="minor">
+        <a:schemeClr val="lt1"/>
+      </a:fontRef>
+    </dgm:style>
+  </dgm:styleLbl>
+  <dgm:styleLbl name="asst1">
+    <dgm:scene3d>
+      <a:camera prst="orthographicFront"/>
+      <a:lightRig rig="threePt" dir="t"/>
+    </dgm:scene3d>
+    <dgm:sp3d/>
+    <dgm:txPr/>
+    <dgm:style>
+      <a:lnRef idx="2">
+        <a:scrgbClr r="0" g="0" b="0"/>
+      </a:lnRef>
+      <a:fillRef idx="1">
+        <a:scrgbClr r="0" g="0" b="0"/>
+      </a:fillRef>
+      <a:effectRef idx="0">
+        <a:scrgbClr r="0" g="0" b="0"/>
+      </a:effectRef>
+      <a:fontRef idx="minor">
+        <a:schemeClr val="lt1"/>
+      </a:fontRef>
+    </dgm:style>
+  </dgm:styleLbl>
+  <dgm:styleLbl name="asst2">
+    <dgm:scene3d>
+      <a:camera prst="orthographicFront"/>
+      <a:lightRig rig="threePt" dir="t"/>
+    </dgm:scene3d>
+    <dgm:sp3d/>
+    <dgm:txPr/>
+    <dgm:style>
+      <a:lnRef idx="2">
+        <a:scrgbClr r="0" g="0" b="0"/>
+      </a:lnRef>
+      <a:fillRef idx="1">
+        <a:scrgbClr r="0" g="0" b="0"/>
+      </a:fillRef>
+      <a:effectRef idx="0">
+        <a:scrgbClr r="0" g="0" b="0"/>
+      </a:effectRef>
+      <a:fontRef idx="minor">
+        <a:schemeClr val="lt1"/>
+      </a:fontRef>
+    </dgm:style>
+  </dgm:styleLbl>
+  <dgm:styleLbl name="asst3">
+    <dgm:scene3d>
+      <a:camera prst="orthographicFront"/>
+      <a:lightRig rig="threePt" dir="t"/>
+    </dgm:scene3d>
+    <dgm:sp3d/>
+    <dgm:txPr/>
+    <dgm:style>
+      <a:lnRef idx="2">
+        <a:scrgbClr r="0" g="0" b="0"/>
+      </a:lnRef>
+      <a:fillRef idx="1">
+        <a:scrgbClr r="0" g="0" b="0"/>
+      </a:fillRef>
+      <a:effectRef idx="0">
+        <a:scrgbClr r="0" g="0" b="0"/>
+      </a:effectRef>
+      <a:fontRef idx="minor">
+        <a:schemeClr val="lt1"/>
+      </a:fontRef>
+    </dgm:style>
+  </dgm:styleLbl>
+  <dgm:styleLbl name="asst4">
+    <dgm:scene3d>
+      <a:camera prst="orthographicFront"/>
+      <a:lightRig rig="threePt" dir="t"/>
+    </dgm:scene3d>
+    <dgm:sp3d/>
+    <dgm:txPr/>
+    <dgm:style>
+      <a:lnRef idx="2">
+        <a:scrgbClr r="0" g="0" b="0"/>
+      </a:lnRef>
+      <a:fillRef idx="1">
+        <a:scrgbClr r="0" g="0" b="0"/>
+      </a:fillRef>
+      <a:effectRef idx="0">
+        <a:scrgbClr r="0" g="0" b="0"/>
+      </a:effectRef>
+      <a:fontRef idx="minor">
+        <a:schemeClr val="lt1"/>
+      </a:fontRef>
+    </dgm:style>
+  </dgm:styleLbl>
+  <dgm:styleLbl name="parChTrans2D1">
+    <dgm:scene3d>
+      <a:camera prst="orthographicFront"/>
+      <a:lightRig rig="threePt" dir="t"/>
+    </dgm:scene3d>
+    <dgm:sp3d/>
+    <dgm:txPr/>
+    <dgm:style>
+      <a:lnRef idx="2">
+        <a:scrgbClr r="0" g="0" b="0"/>
+      </a:lnRef>
+      <a:fillRef idx="1">
+        <a:scrgbClr r="0" g="0" b="0"/>
+      </a:fillRef>
+      <a:effectRef idx="0">
+        <a:scrgbClr r="0" g="0" b="0"/>
+      </a:effectRef>
+      <a:fontRef idx="minor">
+        <a:schemeClr val="lt1"/>
+      </a:fontRef>
+    </dgm:style>
+  </dgm:styleLbl>
+  <dgm:styleLbl name="parChTrans2D2">
+    <dgm:scene3d>
+      <a:camera prst="orthographicFront"/>
+      <a:lightRig rig="threePt" dir="t"/>
+    </dgm:scene3d>
+    <dgm:sp3d/>
+    <dgm:txPr/>
+    <dgm:style>
+      <a:lnRef idx="2">
+        <a:scrgbClr r="0" g="0" b="0"/>
+      </a:lnRef>
+      <a:fillRef idx="1">
+        <a:scrgbClr r="0" g="0" b="0"/>
+      </a:fillRef>
+      <a:effectRef idx="0">
+        <a:scrgbClr r="0" g="0" b="0"/>
+      </a:effectRef>
+      <a:fontRef idx="minor">
+        <a:schemeClr val="lt1"/>
+      </a:fontRef>
+    </dgm:style>
+  </dgm:styleLbl>
+  <dgm:styleLbl name="parChTrans2D3">
+    <dgm:scene3d>
+      <a:camera prst="orthographicFront"/>
+      <a:lightRig rig="threePt" dir="t"/>
+    </dgm:scene3d>
+    <dgm:sp3d/>
+    <dgm:txPr/>
+    <dgm:style>
+      <a:lnRef idx="2">
+        <a:scrgbClr r="0" g="0" b="0"/>
+      </a:lnRef>
+      <a:fillRef idx="1">
+        <a:scrgbClr r="0" g="0" b="0"/>
+      </a:fillRef>
+      <a:effectRef idx="0">
+        <a:scrgbClr r="0" g="0" b="0"/>
+      </a:effectRef>
+      <a:fontRef idx="minor">
+        <a:schemeClr val="lt1"/>
+      </a:fontRef>
+    </dgm:style>
+  </dgm:styleLbl>
+  <dgm:styleLbl name="parChTrans2D4">
+    <dgm:scene3d>
+      <a:camera prst="orthographicFront"/>
+      <a:lightRig rig="threePt" dir="t"/>
+    </dgm:scene3d>
+    <dgm:sp3d/>
+    <dgm:txPr/>
+    <dgm:style>
+      <a:lnRef idx="2">
+        <a:scrgbClr r="0" g="0" b="0"/>
+      </a:lnRef>
+      <a:fillRef idx="1">
+        <a:scrgbClr r="0" g="0" b="0"/>
+      </a:fillRef>
+      <a:effectRef idx="0">
+        <a:scrgbClr r="0" g="0" b="0"/>
+      </a:effectRef>
+      <a:fontRef idx="minor">
+        <a:schemeClr val="lt1"/>
+      </a:fontRef>
+    </dgm:style>
+  </dgm:styleLbl>
+  <dgm:styleLbl name="parChTrans1D1">
+    <dgm:scene3d>
+      <a:camera prst="orthographicFront"/>
+      <a:lightRig rig="threePt" dir="t"/>
+    </dgm:scene3d>
+    <dgm:sp3d/>
+    <dgm:txPr/>
+    <dgm:style>
+      <a:lnRef idx="2">
+        <a:scrgbClr r="0" g="0" b="0"/>
+      </a:lnRef>
+      <a:fillRef idx="0">
+        <a:scrgbClr r="0" g="0" b="0"/>
+      </a:fillRef>
+      <a:effectRef idx="0">
+        <a:scrgbClr r="0" g="0" b="0"/>
+      </a:effectRef>
+      <a:fontRef idx="minor"/>
+    </dgm:style>
+  </dgm:styleLbl>
+  <dgm:styleLbl name="parChTrans1D2">
+    <dgm:scene3d>
+      <a:camera prst="orthographicFront"/>
+      <a:lightRig rig="threePt" dir="t"/>
+    </dgm:scene3d>
+    <dgm:sp3d/>
+    <dgm:txPr/>
+    <dgm:style>
+      <a:lnRef idx="2">
+        <a:scrgbClr r="0" g="0" b="0"/>
+      </a:lnRef>
+      <a:fillRef idx="0">
+        <a:scrgbClr r="0" g="0" b="0"/>
+      </a:fillRef>
+      <a:effectRef idx="0">
+        <a:scrgbClr r="0" g="0" b="0"/>
+      </a:effectRef>
+      <a:fontRef idx="minor"/>
+    </dgm:style>
+  </dgm:styleLbl>
+  <dgm:styleLbl name="parChTrans1D3">
+    <dgm:scene3d>
+      <a:camera prst="orthographicFront"/>
+      <a:lightRig rig="threePt" dir="t"/>
+    </dgm:scene3d>
+    <dgm:sp3d/>
+    <dgm:txPr/>
+    <dgm:style>
+      <a:lnRef idx="2">
+        <a:scrgbClr r="0" g="0" b="0"/>
+      </a:lnRef>
+      <a:fillRef idx="0">
+        <a:scrgbClr r="0" g="0" b="0"/>
+      </a:fillRef>
+      <a:effectRef idx="0">
+        <a:scrgbClr r="0" g="0" b="0"/>
+      </a:effectRef>
+      <a:fontRef idx="minor"/>
+    </dgm:style>
+  </dgm:styleLbl>
+  <dgm:styleLbl name="parChTrans1D4">
+    <dgm:scene3d>
+      <a:camera prst="orthographicFront"/>
+      <a:lightRig rig="threePt" dir="t"/>
+    </dgm:scene3d>
+    <dgm:sp3d/>
+    <dgm:txPr/>
+    <dgm:style>
+      <a:lnRef idx="2">
+        <a:scrgbClr r="0" g="0" b="0"/>
+      </a:lnRef>
+      <a:fillRef idx="0">
+        <a:scrgbClr r="0" g="0" b="0"/>
+      </a:fillRef>
+      <a:effectRef idx="0">
+        <a:scrgbClr r="0" g="0" b="0"/>
+      </a:effectRef>
+      <a:fontRef idx="minor"/>
+    </dgm:style>
+  </dgm:styleLbl>
+  <dgm:styleLbl name="fgAcc1">
+    <dgm:scene3d>
+      <a:camera prst="orthographicFront"/>
+      <a:lightRig rig="threePt" dir="t"/>
+    </dgm:scene3d>
+    <dgm:sp3d/>
+    <dgm:txPr/>
+    <dgm:style>
+      <a:lnRef idx="2">
+        <a:scrgbClr r="0" g="0" b="0"/>
+      </a:lnRef>
+      <a:fillRef idx="1">
+        <a:scrgbClr r="0" g="0" b="0"/>
+      </a:fillRef>
+      <a:effectRef idx="0">
+        <a:scrgbClr r="0" g="0" b="0"/>
+      </a:effectRef>
+      <a:fontRef idx="minor"/>
+    </dgm:style>
+  </dgm:styleLbl>
+  <dgm:styleLbl name="conFgAcc1">
+    <dgm:scene3d>
+      <a:camera prst="orthographicFront"/>
+      <a:lightRig rig="threePt" dir="t"/>
+    </dgm:scene3d>
+    <dgm:sp3d/>
+    <dgm:txPr/>
+    <dgm:style>
+      <a:lnRef idx="2">
+        <a:scrgbClr r="0" g="0" b="0"/>
+      </a:lnRef>
+      <a:fillRef idx="1">
+        <a:scrgbClr r="0" g="0" b="0"/>
+      </a:fillRef>
+      <a:effectRef idx="0">
+        <a:scrgbClr r="0" g="0" b="0"/>
+      </a:effectRef>
+      <a:fontRef idx="minor"/>
+    </dgm:style>
+  </dgm:styleLbl>
+  <dgm:styleLbl name="alignAcc1">
+    <dgm:scene3d>
+      <a:camera prst="orthographicFront"/>
+      <a:lightRig rig="threePt" dir="t"/>
+    </dgm:scene3d>
+    <dgm:sp3d/>
+    <dgm:txPr/>
+    <dgm:style>
+      <a:lnRef idx="2">
+        <a:scrgbClr r="0" g="0" b="0"/>
+      </a:lnRef>
+      <a:fillRef idx="1">
+        <a:scrgbClr r="0" g="0" b="0"/>
+      </a:fillRef>
+      <a:effectRef idx="0">
+        <a:scrgbClr r="0" g="0" b="0"/>
+      </a:effectRef>
+      <a:fontRef idx="minor"/>
+    </dgm:style>
+  </dgm:styleLbl>
+  <dgm:styleLbl name="trAlignAcc1">
+    <dgm:scene3d>
+      <a:camera prst="orthographicFront"/>
+      <a:lightRig rig="threePt" dir="t"/>
+    </dgm:scene3d>
+    <dgm:sp3d/>
+    <dgm:txPr/>
+    <dgm:style>
+      <a:lnRef idx="1">
+        <a:scrgbClr r="0" g="0" b="0"/>
+      </a:lnRef>
+      <a:fillRef idx="1">
+        <a:scrgbClr r="0" g="0" b="0"/>
+      </a:fillRef>
+      <a:effectRef idx="0">
+        <a:scrgbClr r="0" g="0" b="0"/>
+      </a:effectRef>
+      <a:fontRef idx="minor"/>
+    </dgm:style>
+  </dgm:styleLbl>
+  <dgm:styleLbl name="bgAcc1">
+    <dgm:scene3d>
+      <a:camera prst="orthographicFront"/>
+      <a:lightRig rig="threePt" dir="t"/>
+    </dgm:scene3d>
+    <dgm:sp3d/>
+    <dgm:txPr/>
+    <dgm:style>
+      <a:lnRef idx="2">
+        <a:scrgbClr r="0" g="0" b="0"/>
+      </a:lnRef>
+      <a:fillRef idx="1">
+        <a:scrgbClr r="0" g="0" b="0"/>
+      </a:fillRef>
+      <a:effectRef idx="0">
+        <a:scrgbClr r="0" g="0" b="0"/>
+      </a:effectRef>
+      <a:fontRef idx="minor"/>
+    </dgm:style>
+  </dgm:styleLbl>
+  <dgm:styleLbl name="solidFgAcc1">
+    <dgm:scene3d>
+      <a:camera prst="orthographicFront"/>
+      <a:lightRig rig="threePt" dir="t"/>
+    </dgm:scene3d>
+    <dgm:sp3d/>
+    <dgm:txPr/>
+    <dgm:style>
+      <a:lnRef idx="2">
+        <a:scrgbClr r="0" g="0" b="0"/>
+      </a:lnRef>
+      <a:fillRef idx="1">
+        <a:scrgbClr r="0" g="0" b="0"/>
+      </a:fillRef>
+      <a:effectRef idx="0">
+        <a:scrgbClr r="0" g="0" b="0"/>
+      </a:effectRef>
+      <a:fontRef idx="minor"/>
+    </dgm:style>
+  </dgm:styleLbl>
+  <dgm:styleLbl name="solidAlignAcc1">
+    <dgm:scene3d>
+      <a:camera prst="orthographicFront"/>
+      <a:lightRig rig="threePt" dir="t"/>
+    </dgm:scene3d>
+    <dgm:sp3d/>
+    <dgm:txPr/>
+    <dgm:style>
+      <a:lnRef idx="2">
+        <a:scrgbClr r="0" g="0" b="0"/>
+      </a:lnRef>
+      <a:fillRef idx="1">
+        <a:scrgbClr r="0" g="0" b="0"/>
+      </a:fillRef>
+      <a:effectRef idx="0">
+        <a:scrgbClr r="0" g="0" b="0"/>
+      </a:effectRef>
+      <a:fontRef idx="minor"/>
+    </dgm:style>
+  </dgm:styleLbl>
+  <dgm:styleLbl name="solidBgAcc1">
+    <dgm:scene3d>
+      <a:camera prst="orthographicFront"/>
+      <a:lightRig rig="threePt" dir="t"/>
+    </dgm:scene3d>
+    <dgm:sp3d/>
+    <dgm:txPr/>
+    <dgm:style>
+      <a:lnRef idx="2">
+        <a:scrgbClr r="0" g="0" b="0"/>
+      </a:lnRef>
+      <a:fillRef idx="1">
+        <a:scrgbClr r="0" g="0" b="0"/>
+      </a:fillRef>
+      <a:effectRef idx="0">
+        <a:scrgbClr r="0" g="0" b="0"/>
+      </a:effectRef>
+      <a:fontRef idx="minor"/>
+    </dgm:style>
+  </dgm:styleLbl>
+  <dgm:styleLbl name="fgAccFollowNode1">
+    <dgm:scene3d>
+      <a:camera prst="orthographicFront"/>
+      <a:lightRig rig="threePt" dir="t"/>
+    </dgm:scene3d>
+    <dgm:sp3d/>
+    <dgm:txPr/>
+    <dgm:style>
+      <a:lnRef idx="2">
+        <a:scrgbClr r="0" g="0" b="0"/>
+      </a:lnRef>
+      <a:fillRef idx="1">
+        <a:scrgbClr r="0" g="0" b="0"/>
+      </a:fillRef>
+      <a:effectRef idx="0">
+        <a:scrgbClr r="0" g="0" b="0"/>
+      </a:effectRef>
+      <a:fontRef idx="minor"/>
+    </dgm:style>
+  </dgm:styleLbl>
+  <dgm:styleLbl name="alignAccFollowNode1">
+    <dgm:scene3d>
+      <a:camera prst="orthographicFront"/>
+      <a:lightRig rig="threePt" dir="t"/>
+    </dgm:scene3d>
+    <dgm:sp3d/>
+    <dgm:txPr/>
+    <dgm:style>
+      <a:lnRef idx="2">
+        <a:scrgbClr r="0" g="0" b="0"/>
+      </a:lnRef>
+      <a:fillRef idx="1">
+        <a:scrgbClr r="0" g="0" b="0"/>
+      </a:fillRef>
+      <a:effectRef idx="0">
+        <a:scrgbClr r="0" g="0" b="0"/>
+      </a:effectRef>
+      <a:fontRef idx="minor"/>
+    </dgm:style>
+  </dgm:styleLbl>
+  <dgm:styleLbl name="bgAccFollowNode1">
+    <dgm:scene3d>
+      <a:camera prst="orthographicFront"/>
+      <a:lightRig rig="threePt" dir="t"/>
+    </dgm:scene3d>
+    <dgm:sp3d/>
+    <dgm:txPr/>
+    <dgm:style>
+      <a:lnRef idx="2">
+        <a:scrgbClr r="0" g="0" b="0"/>
+      </a:lnRef>
+      <a:fillRef idx="1">
+        <a:scrgbClr r="0" g="0" b="0"/>
+      </a:fillRef>
+      <a:effectRef idx="0">
+        <a:scrgbClr r="0" g="0" b="0"/>
+      </a:effectRef>
+      <a:fontRef idx="minor"/>
+    </dgm:style>
+  </dgm:styleLbl>
+  <dgm:styleLbl name="fgAcc0">
+    <dgm:scene3d>
+      <a:camera prst="orthographicFront"/>
+      <a:lightRig rig="threePt" dir="t"/>
+    </dgm:scene3d>
+    <dgm:sp3d/>
+    <dgm:txPr/>
+    <dgm:style>
+      <a:lnRef idx="2">
+        <a:scrgbClr r="0" g="0" b="0"/>
+      </a:lnRef>
+      <a:fillRef idx="1">
+        <a:scrgbClr r="0" g="0" b="0"/>
+      </a:fillRef>
+      <a:effectRef idx="0">
+        <a:scrgbClr r="0" g="0" b="0"/>
+      </a:effectRef>
+      <a:fontRef idx="minor"/>
+    </dgm:style>
+  </dgm:styleLbl>
+  <dgm:styleLbl name="fgAcc2">
+    <dgm:scene3d>
+      <a:camera prst="orthographicFront"/>
+      <a:lightRig rig="threePt" dir="t"/>
+    </dgm:scene3d>
+    <dgm:sp3d/>
+    <dgm:txPr/>
+    <dgm:style>
+      <a:lnRef idx="2">
+        <a:scrgbClr r="0" g="0" b="0"/>
+      </a:lnRef>
+      <a:fillRef idx="1">
+        <a:scrgbClr r="0" g="0" b="0"/>
+      </a:fillRef>
+      <a:effectRef idx="0">
+        <a:scrgbClr r="0" g="0" b="0"/>
+      </a:effectRef>
+      <a:fontRef idx="minor"/>
+    </dgm:style>
+  </dgm:styleLbl>
+  <dgm:styleLbl name="fgAcc3">
+    <dgm:scene3d>
+      <a:camera prst="orthographicFront"/>
+      <a:lightRig rig="threePt" dir="t"/>
+    </dgm:scene3d>
+    <dgm:sp3d/>
+    <dgm:txPr/>
+    <dgm:style>
+      <a:lnRef idx="2">
+        <a:scrgbClr r="0" g="0" b="0"/>
+      </a:lnRef>
+      <a:fillRef idx="1">
+        <a:scrgbClr r="0" g="0" b="0"/>
+      </a:fillRef>
+      <a:effectRef idx="0">
+        <a:scrgbClr r="0" g="0" b="0"/>
+      </a:effectRef>
+      <a:fontRef idx="minor"/>
+    </dgm:style>
+  </dgm:styleLbl>
+  <dgm:styleLbl name="fgAcc4">
+    <dgm:scene3d>
+      <a:camera prst="orthographicFront"/>
+      <a:lightRig rig="threePt" dir="t"/>
+    </dgm:scene3d>
+    <dgm:sp3d/>
+    <dgm:txPr/>
+    <dgm:style>
+      <a:lnRef idx="2">
+        <a:scrgbClr r="0" g="0" b="0"/>
+      </a:lnRef>
+      <a:fillRef idx="1">
+        <a:scrgbClr r="0" g="0" b="0"/>
+      </a:fillRef>
+      <a:effectRef idx="0">
+        <a:scrgbClr r="0" g="0" b="0"/>
+      </a:effectRef>
+      <a:fontRef idx="minor"/>
+    </dgm:style>
+  </dgm:styleLbl>
+  <dgm:styleLbl name="bgShp">
+    <dgm:scene3d>
+      <a:camera prst="orthographicFront"/>
+      <a:lightRig rig="threePt" dir="t"/>
+    </dgm:scene3d>
+    <dgm:sp3d/>
+    <dgm:txPr/>
+    <dgm:style>
+      <a:lnRef idx="0">
+        <a:scrgbClr r="0" g="0" b="0"/>
+      </a:lnRef>
+      <a:fillRef idx="1">
+        <a:scrgbClr r="0" g="0" b="0"/>
+      </a:fillRef>
+      <a:effectRef idx="0">
+        <a:scrgbClr r="0" g="0" b="0"/>
+      </a:effectRef>
+      <a:fontRef idx="minor"/>
+    </dgm:style>
+  </dgm:styleLbl>
+  <dgm:styleLbl name="dkBgShp">
+    <dgm:scene3d>
+      <a:camera prst="orthographicFront"/>
+      <a:lightRig rig="threePt" dir="t"/>
+    </dgm:scene3d>
+    <dgm:sp3d/>
+    <dgm:txPr/>
+    <dgm:style>
+      <a:lnRef idx="0">
+        <a:scrgbClr r="0" g="0" b="0"/>
+      </a:lnRef>
+      <a:fillRef idx="1">
+        <a:scrgbClr r="0" g="0" b="0"/>
+      </a:fillRef>
+      <a:effectRef idx="0">
+        <a:scrgbClr r="0" g="0" b="0"/>
+      </a:effectRef>
+      <a:fontRef idx="minor"/>
+    </dgm:style>
+  </dgm:styleLbl>
+  <dgm:styleLbl name="trBgShp">
+    <dgm:scene3d>
+      <a:camera prst="orthographicFront"/>
+      <a:lightRig rig="threePt" dir="t"/>
+    </dgm:scene3d>
+    <dgm:sp3d/>
+    <dgm:txPr/>
+    <dgm:style>
+      <a:lnRef idx="0">
+        <a:scrgbClr r="0" g="0" b="0"/>
+      </a:lnRef>
+      <a:fillRef idx="1">
+        <a:scrgbClr r="0" g="0" b="0"/>
+      </a:fillRef>
+      <a:effectRef idx="0">
+        <a:scrgbClr r="0" g="0" b="0"/>
+      </a:effectRef>
+      <a:fontRef idx="minor"/>
+    </dgm:style>
+  </dgm:styleLbl>
+  <dgm:styleLbl name="fgShp">
+    <dgm:scene3d>
+      <a:camera prst="orthographicFront"/>
+      <a:lightRig rig="threePt" dir="t"/>
+    </dgm:scene3d>
+    <dgm:sp3d/>
+    <dgm:txPr/>
+    <dgm:style>
+      <a:lnRef idx="2">
+        <a:scrgbClr r="0" g="0" b="0"/>
+      </a:lnRef>
+      <a:fillRef idx="1">
+        <a:scrgbClr r="0" g="0" b="0"/>
+      </a:fillRef>
+      <a:effectRef idx="0">
+        <a:scrgbClr r="0" g="0" b="0"/>
+      </a:effectRef>
+      <a:fontRef idx="minor"/>
+    </dgm:style>
+  </dgm:styleLbl>
+  <dgm:styleLbl name="revTx">
+    <dgm:scene3d>
+      <a:camera prst="orthographicFront"/>
+      <a:lightRig rig="threePt" dir="t"/>
+    </dgm:scene3d>
+    <dgm:sp3d/>
+    <dgm:txPr/>
+    <dgm:style>
+      <a:lnRef idx="0">
+        <a:scrgbClr r="0" g="0" b="0"/>
+      </a:lnRef>
+      <a:fillRef idx="0">
+        <a:scrgbClr r="0" g="0" b="0"/>
+      </a:fillRef>
+      <a:effectRef idx="0">
+        <a:scrgbClr r="0" g="0" b="0"/>
+      </a:effectRef>
+      <a:fontRef idx="minor"/>
+    </dgm:style>
+  </dgm:styleLbl>
+</dgm:styleDef>
+</file>
+
+<file path=ppt/diagrams/quickStyle7.xml><?xml version="1.0" encoding="utf-8"?>
 <dgm:styleDef xmlns:dgm="http://schemas.openxmlformats.org/drawingml/2006/diagram" xmlns:a="http://schemas.openxmlformats.org/drawingml/2006/main" uniqueId="urn:microsoft.com/office/officeart/2005/8/quickstyle/simple1">
   <dgm:title val=""/>
   <dgm:desc val=""/>
@@ -22977,7 +28224,7 @@
           <a:p>
             <a:fld id="{6A6B0531-E102-4634-BEBB-FD3F5346A240}" type="slidenum">
               <a:rPr lang="de-DE" smtClean="0"/>
-              <a:t>9</a:t>
+              <a:t>10</a:t>
             </a:fld>
             <a:endParaRPr lang="de-DE"/>
           </a:p>
@@ -23069,7 +28316,7 @@
           <a:p>
             <a:fld id="{6A6B0531-E102-4634-BEBB-FD3F5346A240}" type="slidenum">
               <a:rPr lang="de-DE" smtClean="0"/>
-              <a:t>10</a:t>
+              <a:t>11</a:t>
             </a:fld>
             <a:endParaRPr lang="de-DE"/>
           </a:p>
@@ -23191,7 +28438,7 @@
           <a:p>
             <a:fld id="{6A6B0531-E102-4634-BEBB-FD3F5346A240}" type="slidenum">
               <a:rPr lang="de-DE" smtClean="0"/>
-              <a:t>11</a:t>
+              <a:t>12</a:t>
             </a:fld>
             <a:endParaRPr lang="de-DE"/>
           </a:p>
@@ -23275,7 +28522,7 @@
           <a:p>
             <a:fld id="{9FC0BF00-B122-482A-9408-566B5D066A28}" type="slidenum">
               <a:rPr lang="de-DE" smtClean="0"/>
-              <a:t>26</a:t>
+              <a:t>27</a:t>
             </a:fld>
             <a:endParaRPr lang="de-DE"/>
           </a:p>
@@ -26178,7 +31425,7 @@
           <p:nvPr>
             <p:extLst>
               <p:ext uri="{386F3935-93C4-4BCD-93E2-E3B085C9AB24}">
-                <p16:designElem xmlns:p16="http://schemas.microsoft.com/office/powerpoint/2015/main" val="1"/>
+                <p16:designElem xmlns:p16="http://schemas.microsoft.com/office/powerpoint/2015/main" xmlns="" val="1"/>
               </p:ext>
             </p:extLst>
           </p:nvPr>
@@ -26311,7 +31558,7 @@
           <p:nvPr>
             <p:extLst>
               <p:ext uri="{386F3935-93C4-4BCD-93E2-E3B085C9AB24}">
-                <p16:designElem xmlns:p16="http://schemas.microsoft.com/office/powerpoint/2015/main" val="1"/>
+                <p16:designElem xmlns:p16="http://schemas.microsoft.com/office/powerpoint/2015/main" xmlns="" val="1"/>
               </p:ext>
             </p:extLst>
           </p:nvPr>
@@ -26508,10 +31755,191 @@
   <p:clrMapOvr>
     <a:overrideClrMapping bg1="dk1" tx1="lt1" bg2="dk2" tx2="lt2" accent1="accent1" accent2="accent2" accent3="accent3" accent4="accent4" accent5="accent5" accent6="accent6" hlink="hlink" folHlink="folHlink"/>
   </p:clrMapOvr>
+  <p:timing>
+    <p:tnLst>
+      <p:par>
+        <p:cTn id="1" dur="indefinite" restart="never" nodeType="tmRoot"/>
+      </p:par>
+    </p:tnLst>
+  </p:timing>
 </p:sld>
 </file>
 
 <file path=ppt/slides/slide10.xml><?xml version="1.0" encoding="utf-8"?>
+<p:sld xmlns:a="http://schemas.openxmlformats.org/drawingml/2006/main" xmlns:r="http://schemas.openxmlformats.org/officeDocument/2006/relationships" xmlns:p="http://schemas.openxmlformats.org/presentationml/2006/main">
+  <p:cSld>
+    <p:spTree>
+      <p:nvGrpSpPr>
+        <p:cNvPr id="1" name=""/>
+        <p:cNvGrpSpPr/>
+        <p:nvPr/>
+      </p:nvGrpSpPr>
+      <p:grpSpPr>
+        <a:xfrm>
+          <a:off x="0" y="0"/>
+          <a:ext cx="0" cy="0"/>
+          <a:chOff x="0" y="0"/>
+          <a:chExt cx="0" cy="0"/>
+        </a:xfrm>
+      </p:grpSpPr>
+      <p:pic>
+        <p:nvPicPr>
+          <p:cNvPr id="1026" name="Picture 2" descr="http://cloudfront.capinio.de/wp-content/uploads/2012/10/social-media-fehler.jpg"/>
+          <p:cNvPicPr>
+            <a:picLocks noChangeAspect="1" noChangeArrowheads="1"/>
+          </p:cNvPicPr>
+          <p:nvPr/>
+        </p:nvPicPr>
+        <p:blipFill>
+          <a:blip r:embed="rId3">
+            <a:extLst>
+              <a:ext uri="{28A0092B-C50C-407E-A947-70E740481C1C}">
+                <a14:useLocalDpi xmlns:a14="http://schemas.microsoft.com/office/drawing/2010/main" val="0"/>
+              </a:ext>
+            </a:extLst>
+          </a:blip>
+          <a:srcRect/>
+          <a:stretch>
+            <a:fillRect/>
+          </a:stretch>
+        </p:blipFill>
+        <p:spPr bwMode="auto">
+          <a:xfrm>
+            <a:off x="3314700" y="0"/>
+            <a:ext cx="8877300" cy="6858000"/>
+          </a:xfrm>
+          <a:prstGeom prst="rect">
+            <a:avLst/>
+          </a:prstGeom>
+          <a:noFill/>
+          <a:extLst>
+            <a:ext uri="{909E8E84-426E-40DD-AFC4-6F175D3DCCD1}">
+              <a14:hiddenFill xmlns:a14="http://schemas.microsoft.com/office/drawing/2010/main">
+                <a:solidFill>
+                  <a:srgbClr val="FFFFFF"/>
+                </a:solidFill>
+              </a14:hiddenFill>
+            </a:ext>
+          </a:extLst>
+        </p:spPr>
+      </p:pic>
+      <p:sp>
+        <p:nvSpPr>
+          <p:cNvPr id="5" name="Rechteck 4"/>
+          <p:cNvSpPr/>
+          <p:nvPr/>
+        </p:nvSpPr>
+        <p:spPr>
+          <a:xfrm>
+            <a:off x="800099" y="-4764"/>
+            <a:ext cx="3333749" cy="2395037"/>
+          </a:xfrm>
+          <a:prstGeom prst="rect">
+            <a:avLst/>
+          </a:prstGeom>
+        </p:spPr>
+        <p:style>
+          <a:lnRef idx="2">
+            <a:schemeClr val="dk1">
+              <a:shade val="50000"/>
+            </a:schemeClr>
+          </a:lnRef>
+          <a:fillRef idx="1">
+            <a:schemeClr val="dk1"/>
+          </a:fillRef>
+          <a:effectRef idx="0">
+            <a:schemeClr val="dk1"/>
+          </a:effectRef>
+          <a:fontRef idx="minor">
+            <a:schemeClr val="lt1"/>
+          </a:fontRef>
+        </p:style>
+        <p:txBody>
+          <a:bodyPr rtlCol="0" anchor="ctr"/>
+          <a:lstStyle/>
+          <a:p>
+            <a:pPr algn="ctr"/>
+            <a:endParaRPr lang="en-US" sz="3600" dirty="0">
+              <a:solidFill>
+                <a:schemeClr val="bg1"/>
+              </a:solidFill>
+            </a:endParaRPr>
+          </a:p>
+          <a:p>
+            <a:pPr algn="ctr"/>
+            <a:r>
+              <a:rPr lang="en-US" sz="3600" dirty="0" err="1">
+                <a:solidFill>
+                  <a:schemeClr val="bg1"/>
+                </a:solidFill>
+              </a:rPr>
+              <a:t>Herausforder-ungen</a:t>
+            </a:r>
+            <a:endParaRPr lang="de-DE" dirty="0"/>
+          </a:p>
+        </p:txBody>
+      </p:sp>
+      <p:sp>
+        <p:nvSpPr>
+          <p:cNvPr id="6" name="Gleichschenkliges Dreieck 5"/>
+          <p:cNvSpPr/>
+          <p:nvPr/>
+        </p:nvSpPr>
+        <p:spPr>
+          <a:xfrm rot="10800000">
+            <a:off x="800097" y="2390272"/>
+            <a:ext cx="3333750" cy="673770"/>
+          </a:xfrm>
+          <a:prstGeom prst="triangle">
+            <a:avLst/>
+          </a:prstGeom>
+        </p:spPr>
+        <p:style>
+          <a:lnRef idx="2">
+            <a:schemeClr val="dk1">
+              <a:shade val="50000"/>
+            </a:schemeClr>
+          </a:lnRef>
+          <a:fillRef idx="1">
+            <a:schemeClr val="dk1"/>
+          </a:fillRef>
+          <a:effectRef idx="0">
+            <a:schemeClr val="dk1"/>
+          </a:effectRef>
+          <a:fontRef idx="minor">
+            <a:schemeClr val="lt1"/>
+          </a:fontRef>
+        </p:style>
+        <p:txBody>
+          <a:bodyPr rtlCol="0" anchor="ctr"/>
+          <a:lstStyle/>
+          <a:p>
+            <a:pPr algn="ctr"/>
+            <a:endParaRPr lang="de-DE"/>
+          </a:p>
+        </p:txBody>
+      </p:sp>
+    </p:spTree>
+    <p:extLst>
+      <p:ext uri="{BB962C8B-B14F-4D97-AF65-F5344CB8AC3E}">
+        <p14:creationId xmlns:p14="http://schemas.microsoft.com/office/powerpoint/2010/main" val="1801440368"/>
+      </p:ext>
+    </p:extLst>
+  </p:cSld>
+  <p:clrMapOvr>
+    <a:masterClrMapping/>
+  </p:clrMapOvr>
+  <p:timing>
+    <p:tnLst>
+      <p:par>
+        <p:cTn id="1" dur="indefinite" restart="never" nodeType="tmRoot"/>
+      </p:par>
+    </p:tnLst>
+  </p:timing>
+</p:sld>
+</file>
+
+<file path=ppt/slides/slide11.xml><?xml version="1.0" encoding="utf-8"?>
 <p:sld xmlns:a="http://schemas.openxmlformats.org/drawingml/2006/main" xmlns:r="http://schemas.openxmlformats.org/officeDocument/2006/relationships" xmlns:p="http://schemas.openxmlformats.org/presentationml/2006/main">
   <p:cSld>
     <p:spTree>
@@ -26578,10 +32006,17 @@
   <p:clrMapOvr>
     <a:masterClrMapping/>
   </p:clrMapOvr>
+  <p:timing>
+    <p:tnLst>
+      <p:par>
+        <p:cTn id="1" dur="indefinite" restart="never" nodeType="tmRoot"/>
+      </p:par>
+    </p:tnLst>
+  </p:timing>
 </p:sld>
 </file>
 
-<file path=ppt/slides/slide11.xml><?xml version="1.0" encoding="utf-8"?>
+<file path=ppt/slides/slide12.xml><?xml version="1.0" encoding="utf-8"?>
 <p:sld xmlns:a="http://schemas.openxmlformats.org/drawingml/2006/main" xmlns:r="http://schemas.openxmlformats.org/officeDocument/2006/relationships" xmlns:p="http://schemas.openxmlformats.org/presentationml/2006/main">
   <p:cSld>
     <p:spTree>
@@ -26648,10 +32083,17 @@
   <p:clrMapOvr>
     <a:masterClrMapping/>
   </p:clrMapOvr>
+  <p:timing>
+    <p:tnLst>
+      <p:par>
+        <p:cTn id="1" dur="indefinite" restart="never" nodeType="tmRoot"/>
+      </p:par>
+    </p:tnLst>
+  </p:timing>
 </p:sld>
 </file>
 
-<file path=ppt/slides/slide12.xml><?xml version="1.0" encoding="utf-8"?>
+<file path=ppt/slides/slide13.xml><?xml version="1.0" encoding="utf-8"?>
 <p:sld xmlns:a="http://schemas.openxmlformats.org/drawingml/2006/main" xmlns:r="http://schemas.openxmlformats.org/officeDocument/2006/relationships" xmlns:p="http://schemas.openxmlformats.org/presentationml/2006/main">
   <p:cSld>
     <p:spTree>
@@ -26815,10 +32257,17 @@
   <p:clrMapOvr>
     <a:masterClrMapping/>
   </p:clrMapOvr>
+  <p:timing>
+    <p:tnLst>
+      <p:par>
+        <p:cTn id="1" dur="indefinite" restart="never" nodeType="tmRoot"/>
+      </p:par>
+    </p:tnLst>
+  </p:timing>
 </p:sld>
 </file>
 
-<file path=ppt/slides/slide13.xml><?xml version="1.0" encoding="utf-8"?>
+<file path=ppt/slides/slide14.xml><?xml version="1.0" encoding="utf-8"?>
 <p:sld xmlns:a="http://schemas.openxmlformats.org/drawingml/2006/main" xmlns:r="http://schemas.openxmlformats.org/officeDocument/2006/relationships" xmlns:p="http://schemas.openxmlformats.org/presentationml/2006/main">
   <p:cSld>
     <p:spTree>
@@ -27012,7 +32461,7 @@
 </p:sld>
 </file>
 
-<file path=ppt/slides/slide14.xml><?xml version="1.0" encoding="utf-8"?>
+<file path=ppt/slides/slide15.xml><?xml version="1.0" encoding="utf-8"?>
 <p:sld xmlns:a="http://schemas.openxmlformats.org/drawingml/2006/main" xmlns:r="http://schemas.openxmlformats.org/officeDocument/2006/relationships" xmlns:p="http://schemas.openxmlformats.org/presentationml/2006/main">
   <p:cSld>
     <p:spTree>
@@ -27063,10 +32512,17 @@
   <p:clrMapOvr>
     <a:masterClrMapping/>
   </p:clrMapOvr>
+  <p:timing>
+    <p:tnLst>
+      <p:par>
+        <p:cTn id="1" dur="indefinite" restart="never" nodeType="tmRoot"/>
+      </p:par>
+    </p:tnLst>
+  </p:timing>
 </p:sld>
 </file>
 
-<file path=ppt/slides/slide15.xml><?xml version="1.0" encoding="utf-8"?>
+<file path=ppt/slides/slide16.xml><?xml version="1.0" encoding="utf-8"?>
 <p:sld xmlns:a="http://schemas.openxmlformats.org/drawingml/2006/main" xmlns:r="http://schemas.openxmlformats.org/officeDocument/2006/relationships" xmlns:p="http://schemas.openxmlformats.org/presentationml/2006/main">
   <p:cSld>
     <p:spTree>
@@ -27117,10 +32573,17 @@
   <p:clrMapOvr>
     <a:masterClrMapping/>
   </p:clrMapOvr>
+  <p:timing>
+    <p:tnLst>
+      <p:par>
+        <p:cTn id="1" dur="indefinite" restart="never" nodeType="tmRoot"/>
+      </p:par>
+    </p:tnLst>
+  </p:timing>
 </p:sld>
 </file>
 
-<file path=ppt/slides/slide16.xml><?xml version="1.0" encoding="utf-8"?>
+<file path=ppt/slides/slide17.xml><?xml version="1.0" encoding="utf-8"?>
 <p:sld xmlns:a="http://schemas.openxmlformats.org/drawingml/2006/main" xmlns:r="http://schemas.openxmlformats.org/officeDocument/2006/relationships" xmlns:p="http://schemas.openxmlformats.org/presentationml/2006/main">
   <p:cSld>
     <p:spTree>
@@ -27171,10 +32634,17 @@
   <p:clrMapOvr>
     <a:masterClrMapping/>
   </p:clrMapOvr>
+  <p:timing>
+    <p:tnLst>
+      <p:par>
+        <p:cTn id="1" dur="indefinite" restart="never" nodeType="tmRoot"/>
+      </p:par>
+    </p:tnLst>
+  </p:timing>
 </p:sld>
 </file>
 
-<file path=ppt/slides/slide17.xml><?xml version="1.0" encoding="utf-8"?>
+<file path=ppt/slides/slide18.xml><?xml version="1.0" encoding="utf-8"?>
 <p:sld xmlns:a="http://schemas.openxmlformats.org/drawingml/2006/main" xmlns:r="http://schemas.openxmlformats.org/officeDocument/2006/relationships" xmlns:p="http://schemas.openxmlformats.org/presentationml/2006/main">
   <p:cSld>
     <p:spTree>
@@ -27249,10 +32719,17 @@
   <p:clrMapOvr>
     <a:masterClrMapping/>
   </p:clrMapOvr>
+  <p:timing>
+    <p:tnLst>
+      <p:par>
+        <p:cTn id="1" dur="indefinite" restart="never" nodeType="tmRoot"/>
+      </p:par>
+    </p:tnLst>
+  </p:timing>
 </p:sld>
 </file>
 
-<file path=ppt/slides/slide18.xml><?xml version="1.0" encoding="utf-8"?>
+<file path=ppt/slides/slide19.xml><?xml version="1.0" encoding="utf-8"?>
 <p:sld xmlns:a="http://schemas.openxmlformats.org/drawingml/2006/main" xmlns:r="http://schemas.openxmlformats.org/officeDocument/2006/relationships" xmlns:p="http://schemas.openxmlformats.org/presentationml/2006/main">
   <p:cSld>
     <p:spTree>
@@ -27455,10 +32932,128 @@
   <p:clrMapOvr>
     <a:masterClrMapping/>
   </p:clrMapOvr>
+  <p:timing>
+    <p:tnLst>
+      <p:par>
+        <p:cTn id="1" dur="indefinite" restart="never" nodeType="tmRoot"/>
+      </p:par>
+    </p:tnLst>
+  </p:timing>
 </p:sld>
 </file>
 
-<file path=ppt/slides/slide19.xml><?xml version="1.0" encoding="utf-8"?>
+<file path=ppt/slides/slide2.xml><?xml version="1.0" encoding="utf-8"?>
+<p:sld xmlns:a="http://schemas.openxmlformats.org/drawingml/2006/main" xmlns:r="http://schemas.openxmlformats.org/officeDocument/2006/relationships" xmlns:p="http://schemas.openxmlformats.org/presentationml/2006/main">
+  <p:cSld>
+    <p:spTree>
+      <p:nvGrpSpPr>
+        <p:cNvPr id="1" name=""/>
+        <p:cNvGrpSpPr/>
+        <p:nvPr/>
+      </p:nvGrpSpPr>
+      <p:grpSpPr>
+        <a:xfrm>
+          <a:off x="0" y="0"/>
+          <a:ext cx="0" cy="0"/>
+          <a:chOff x="0" y="0"/>
+          <a:chExt cx="0" cy="0"/>
+        </a:xfrm>
+      </p:grpSpPr>
+      <p:sp>
+        <p:nvSpPr>
+          <p:cNvPr id="2" name="Titel 1"/>
+          <p:cNvSpPr>
+            <a:spLocks noGrp="1"/>
+          </p:cNvSpPr>
+          <p:nvPr>
+            <p:ph type="title"/>
+          </p:nvPr>
+        </p:nvSpPr>
+        <p:spPr/>
+        <p:txBody>
+          <a:bodyPr/>
+          <a:lstStyle/>
+          <a:p>
+            <a:r>
+              <a:rPr lang="de-DE" dirty="0"/>
+              <a:t>Agenda</a:t>
+            </a:r>
+          </a:p>
+        </p:txBody>
+      </p:sp>
+      <p:sp>
+        <p:nvSpPr>
+          <p:cNvPr id="3" name="Inhaltsplatzhalter 2"/>
+          <p:cNvSpPr>
+            <a:spLocks noGrp="1"/>
+          </p:cNvSpPr>
+          <p:nvPr>
+            <p:ph idx="1"/>
+          </p:nvPr>
+        </p:nvSpPr>
+        <p:spPr/>
+        <p:txBody>
+          <a:bodyPr/>
+          <a:lstStyle/>
+          <a:p>
+            <a:r>
+              <a:rPr lang="de-DE" dirty="0"/>
+              <a:t>Wer sind wir?</a:t>
+            </a:r>
+          </a:p>
+          <a:p>
+            <a:r>
+              <a:rPr lang="de-DE" dirty="0"/>
+              <a:t>Welches Vorgehen verfolgen wir?</a:t>
+            </a:r>
+          </a:p>
+          <a:p>
+            <a:r>
+              <a:rPr lang="de-DE" dirty="0"/>
+              <a:t>Herausforderungen</a:t>
+            </a:r>
+          </a:p>
+          <a:p>
+            <a:r>
+              <a:rPr lang="de-DE" dirty="0"/>
+              <a:t>Konzept</a:t>
+            </a:r>
+          </a:p>
+          <a:p>
+            <a:r>
+              <a:rPr lang="de-DE" dirty="0"/>
+              <a:t>Aktueller Stand</a:t>
+            </a:r>
+          </a:p>
+          <a:p>
+            <a:r>
+              <a:rPr lang="de-DE" dirty="0"/>
+              <a:t>Technische Daten</a:t>
+            </a:r>
+          </a:p>
+        </p:txBody>
+      </p:sp>
+    </p:spTree>
+    <p:extLst>
+      <p:ext uri="{BB962C8B-B14F-4D97-AF65-F5344CB8AC3E}">
+        <p14:creationId xmlns:p14="http://schemas.microsoft.com/office/powerpoint/2010/main" val="2692940439"/>
+      </p:ext>
+    </p:extLst>
+  </p:cSld>
+  <p:clrMapOvr>
+    <a:masterClrMapping/>
+  </p:clrMapOvr>
+  <p:timing>
+    <p:tnLst>
+      <p:par>
+        <p:cTn id="1" dur="indefinite" restart="never" nodeType="tmRoot"/>
+      </p:par>
+    </p:tnLst>
+  </p:timing>
+</p:sld>
+</file>
+
+<file path=ppt/slides/slide20.xml><?xml version="1.0" encoding="utf-8"?>
 <p:sld xmlns:a="http://schemas.openxmlformats.org/drawingml/2006/main" xmlns:r="http://schemas.openxmlformats.org/officeDocument/2006/relationships" xmlns:p="http://schemas.openxmlformats.org/presentationml/2006/main">
   <p:cSld>
     <p:spTree>
@@ -27704,114 +33299,17 @@
   <p:clrMapOvr>
     <a:masterClrMapping/>
   </p:clrMapOvr>
+  <p:timing>
+    <p:tnLst>
+      <p:par>
+        <p:cTn id="1" dur="indefinite" restart="never" nodeType="tmRoot"/>
+      </p:par>
+    </p:tnLst>
+  </p:timing>
 </p:sld>
 </file>
 
-<file path=ppt/slides/slide2.xml><?xml version="1.0" encoding="utf-8"?>
-<p:sld xmlns:a="http://schemas.openxmlformats.org/drawingml/2006/main" xmlns:r="http://schemas.openxmlformats.org/officeDocument/2006/relationships" xmlns:p="http://schemas.openxmlformats.org/presentationml/2006/main">
-  <p:cSld>
-    <p:spTree>
-      <p:nvGrpSpPr>
-        <p:cNvPr id="1" name=""/>
-        <p:cNvGrpSpPr/>
-        <p:nvPr/>
-      </p:nvGrpSpPr>
-      <p:grpSpPr>
-        <a:xfrm>
-          <a:off x="0" y="0"/>
-          <a:ext cx="0" cy="0"/>
-          <a:chOff x="0" y="0"/>
-          <a:chExt cx="0" cy="0"/>
-        </a:xfrm>
-      </p:grpSpPr>
-      <p:sp>
-        <p:nvSpPr>
-          <p:cNvPr id="2" name="Titel 1"/>
-          <p:cNvSpPr>
-            <a:spLocks noGrp="1"/>
-          </p:cNvSpPr>
-          <p:nvPr>
-            <p:ph type="title"/>
-          </p:nvPr>
-        </p:nvSpPr>
-        <p:spPr/>
-        <p:txBody>
-          <a:bodyPr/>
-          <a:lstStyle/>
-          <a:p>
-            <a:r>
-              <a:rPr lang="de-DE" dirty="0"/>
-              <a:t>Agenda</a:t>
-            </a:r>
-          </a:p>
-        </p:txBody>
-      </p:sp>
-      <p:sp>
-        <p:nvSpPr>
-          <p:cNvPr id="3" name="Inhaltsplatzhalter 2"/>
-          <p:cNvSpPr>
-            <a:spLocks noGrp="1"/>
-          </p:cNvSpPr>
-          <p:nvPr>
-            <p:ph idx="1"/>
-          </p:nvPr>
-        </p:nvSpPr>
-        <p:spPr/>
-        <p:txBody>
-          <a:bodyPr/>
-          <a:lstStyle/>
-          <a:p>
-            <a:r>
-              <a:rPr lang="de-DE" dirty="0"/>
-              <a:t>Wer sind wir?</a:t>
-            </a:r>
-          </a:p>
-          <a:p>
-            <a:r>
-              <a:rPr lang="de-DE" dirty="0"/>
-              <a:t>Welches Vorgehen verfolgen wir?</a:t>
-            </a:r>
-          </a:p>
-          <a:p>
-            <a:r>
-              <a:rPr lang="de-DE" dirty="0"/>
-              <a:t>Herausforderungen</a:t>
-            </a:r>
-          </a:p>
-          <a:p>
-            <a:r>
-              <a:rPr lang="de-DE" dirty="0"/>
-              <a:t>Konzept</a:t>
-            </a:r>
-          </a:p>
-          <a:p>
-            <a:r>
-              <a:rPr lang="de-DE" dirty="0"/>
-              <a:t>Aktueller Stand</a:t>
-            </a:r>
-          </a:p>
-          <a:p>
-            <a:r>
-              <a:rPr lang="de-DE" dirty="0"/>
-              <a:t>Technische Daten</a:t>
-            </a:r>
-          </a:p>
-        </p:txBody>
-      </p:sp>
-    </p:spTree>
-    <p:extLst>
-      <p:ext uri="{BB962C8B-B14F-4D97-AF65-F5344CB8AC3E}">
-        <p14:creationId xmlns:p14="http://schemas.microsoft.com/office/powerpoint/2010/main" val="2692940439"/>
-      </p:ext>
-    </p:extLst>
-  </p:cSld>
-  <p:clrMapOvr>
-    <a:masterClrMapping/>
-  </p:clrMapOvr>
-</p:sld>
-</file>
-
-<file path=ppt/slides/slide20.xml><?xml version="1.0" encoding="utf-8"?>
+<file path=ppt/slides/slide21.xml><?xml version="1.0" encoding="utf-8"?>
 <p:sld xmlns:a="http://schemas.openxmlformats.org/drawingml/2006/main" xmlns:r="http://schemas.openxmlformats.org/officeDocument/2006/relationships" xmlns:p="http://schemas.openxmlformats.org/presentationml/2006/main">
   <p:cSld>
     <p:spTree>
@@ -27881,7 +33379,7 @@
 </p:sld>
 </file>
 
-<file path=ppt/slides/slide21.xml><?xml version="1.0" encoding="utf-8"?>
+<file path=ppt/slides/slide22.xml><?xml version="1.0" encoding="utf-8"?>
 <p:sld xmlns:a="http://schemas.openxmlformats.org/drawingml/2006/main" xmlns:r="http://schemas.openxmlformats.org/officeDocument/2006/relationships" xmlns:p="http://schemas.openxmlformats.org/presentationml/2006/main">
   <p:cSld>
     <p:spTree>
@@ -28048,7 +33546,7 @@
 </p:sld>
 </file>
 
-<file path=ppt/slides/slide22.xml><?xml version="1.0" encoding="utf-8"?>
+<file path=ppt/slides/slide23.xml><?xml version="1.0" encoding="utf-8"?>
 <p:sld xmlns:a="http://schemas.openxmlformats.org/drawingml/2006/main" xmlns:r="http://schemas.openxmlformats.org/officeDocument/2006/relationships" xmlns:p="http://schemas.openxmlformats.org/presentationml/2006/main">
   <p:cSld>
     <p:spTree>
@@ -29355,7 +34853,7 @@
 </p:sld>
 </file>
 
-<file path=ppt/slides/slide23.xml><?xml version="1.0" encoding="utf-8"?>
+<file path=ppt/slides/slide24.xml><?xml version="1.0" encoding="utf-8"?>
 <p:sld xmlns:a="http://schemas.openxmlformats.org/drawingml/2006/main" xmlns:r="http://schemas.openxmlformats.org/officeDocument/2006/relationships" xmlns:p="http://schemas.openxmlformats.org/presentationml/2006/main">
   <p:cSld>
     <p:spTree>
@@ -29452,7 +34950,7 @@
           <p:nvPr/>
         </p:nvPicPr>
         <p:blipFill>
-          <a:blip r:embed="rId2">
+          <a:blip r:embed="rId2" cstate="print">
             <a:extLst>
               <a:ext uri="{28A0092B-C50C-407E-A947-70E740481C1C}">
                 <a14:useLocalDpi xmlns:a14="http://schemas.microsoft.com/office/drawing/2010/main" val="0"/>
@@ -29493,7 +34991,7 @@
           <p:nvPr/>
         </p:nvPicPr>
         <p:blipFill>
-          <a:blip r:embed="rId3">
+          <a:blip r:embed="rId3" cstate="print">
             <a:extLst>
               <a:ext uri="{28A0092B-C50C-407E-A947-70E740481C1C}">
                 <a14:useLocalDpi xmlns:a14="http://schemas.microsoft.com/office/drawing/2010/main" val="0"/>
@@ -29534,7 +35032,7 @@
           <p:nvPr/>
         </p:nvPicPr>
         <p:blipFill>
-          <a:blip r:embed="rId4">
+          <a:blip r:embed="rId4" cstate="print">
             <a:extLst>
               <a:ext uri="{28A0092B-C50C-407E-A947-70E740481C1C}">
                 <a14:useLocalDpi xmlns:a14="http://schemas.microsoft.com/office/drawing/2010/main" val="0"/>
@@ -29579,7 +35077,7 @@
 </p:sld>
 </file>
 
-<file path=ppt/slides/slide24.xml><?xml version="1.0" encoding="utf-8"?>
+<file path=ppt/slides/slide25.xml><?xml version="1.0" encoding="utf-8"?>
 <p:sld xmlns:a="http://schemas.openxmlformats.org/drawingml/2006/main" xmlns:r="http://schemas.openxmlformats.org/officeDocument/2006/relationships" xmlns:p="http://schemas.openxmlformats.org/presentationml/2006/main">
   <p:cSld>
     <p:spTree>
@@ -30400,7 +35898,7 @@
 </p:sld>
 </file>
 
-<file path=ppt/slides/slide25.xml><?xml version="1.0" encoding="utf-8"?>
+<file path=ppt/slides/slide26.xml><?xml version="1.0" encoding="utf-8"?>
 <p:sld xmlns:a="http://schemas.openxmlformats.org/drawingml/2006/main" xmlns:r="http://schemas.openxmlformats.org/officeDocument/2006/relationships" xmlns:p="http://schemas.openxmlformats.org/presentationml/2006/main">
   <p:cSld>
     <p:spTree>
@@ -30741,7 +36239,7 @@
 </p:sld>
 </file>
 
-<file path=ppt/slides/slide26.xml><?xml version="1.0" encoding="utf-8"?>
+<file path=ppt/slides/slide27.xml><?xml version="1.0" encoding="utf-8"?>
 <p:sld xmlns:a="http://schemas.openxmlformats.org/drawingml/2006/main" xmlns:r="http://schemas.openxmlformats.org/officeDocument/2006/relationships" xmlns:p="http://schemas.openxmlformats.org/presentationml/2006/main">
   <p:cSld>
     <p:spTree>
@@ -31521,7 +37019,7 @@
 </p:sld>
 </file>
 
-<file path=ppt/slides/slide27.xml><?xml version="1.0" encoding="utf-8"?>
+<file path=ppt/slides/slide28.xml><?xml version="1.0" encoding="utf-8"?>
 <p:sld xmlns:a="http://schemas.openxmlformats.org/drawingml/2006/main" xmlns:r="http://schemas.openxmlformats.org/officeDocument/2006/relationships" xmlns:p="http://schemas.openxmlformats.org/presentationml/2006/main">
   <p:cSld>
     <p:spTree>
@@ -32603,6 +38101,13 @@
   <p:clrMapOvr>
     <a:masterClrMapping/>
   </p:clrMapOvr>
+  <p:timing>
+    <p:tnLst>
+      <p:par>
+        <p:cTn id="1" dur="indefinite" restart="never" nodeType="tmRoot"/>
+      </p:par>
+    </p:tnLst>
+  </p:timing>
 </p:sld>
 </file>
 
@@ -32713,6 +38218,13 @@
   <p:clrMapOvr>
     <a:masterClrMapping/>
   </p:clrMapOvr>
+  <p:timing>
+    <p:tnLst>
+      <p:par>
+        <p:cTn id="1" dur="indefinite" restart="never" nodeType="tmRoot"/>
+      </p:par>
+    </p:tnLst>
+  </p:timing>
 </p:sld>
 </file>
 
@@ -32786,6 +38298,13 @@
   <p:clrMapOvr>
     <a:masterClrMapping/>
   </p:clrMapOvr>
+  <p:timing>
+    <p:tnLst>
+      <p:par>
+        <p:cTn id="1" dur="indefinite" restart="never" nodeType="tmRoot"/>
+      </p:par>
+    </p:tnLst>
+  </p:timing>
 </p:sld>
 </file>
 
@@ -32953,6 +38472,13 @@
   <p:clrMapOvr>
     <a:masterClrMapping/>
   </p:clrMapOvr>
+  <p:timing>
+    <p:tnLst>
+      <p:par>
+        <p:cTn id="1" dur="indefinite" restart="never" nodeType="tmRoot"/>
+      </p:par>
+    </p:tnLst>
+  </p:timing>
 </p:sld>
 </file>
 
@@ -33088,6 +38614,13 @@
   <p:clrMapOvr>
     <a:masterClrMapping/>
   </p:clrMapOvr>
+  <p:timing>
+    <p:tnLst>
+      <p:par>
+        <p:cTn id="1" dur="indefinite" restart="never" nodeType="tmRoot"/>
+      </p:par>
+    </p:tnLst>
+  </p:timing>
 </p:sld>
 </file>
 
@@ -33643,42 +39176,42 @@
                 <a:gridCol w="2018500">
                   <a:extLst>
                     <a:ext uri="{9D8B030D-6E8A-4147-A177-3AD203B41FA5}">
-                      <a16:colId xmlns:a16="http://schemas.microsoft.com/office/drawing/2014/main" val="3890052851"/>
+                      <a16:colId xmlns:a16="http://schemas.microsoft.com/office/drawing/2014/main" xmlns="" val="3890052851"/>
                     </a:ext>
                   </a:extLst>
                 </a:gridCol>
                 <a:gridCol w="609110">
                   <a:extLst>
                     <a:ext uri="{9D8B030D-6E8A-4147-A177-3AD203B41FA5}">
-                      <a16:colId xmlns:a16="http://schemas.microsoft.com/office/drawing/2014/main" val="4190835617"/>
+                      <a16:colId xmlns:a16="http://schemas.microsoft.com/office/drawing/2014/main" xmlns="" val="4190835617"/>
                     </a:ext>
                   </a:extLst>
                 </a:gridCol>
                 <a:gridCol w="568961">
                   <a:extLst>
                     <a:ext uri="{9D8B030D-6E8A-4147-A177-3AD203B41FA5}">
-                      <a16:colId xmlns:a16="http://schemas.microsoft.com/office/drawing/2014/main" val="1029472945"/>
+                      <a16:colId xmlns:a16="http://schemas.microsoft.com/office/drawing/2014/main" xmlns="" val="1029472945"/>
                     </a:ext>
                   </a:extLst>
                 </a:gridCol>
                 <a:gridCol w="650629">
                   <a:extLst>
                     <a:ext uri="{9D8B030D-6E8A-4147-A177-3AD203B41FA5}">
-                      <a16:colId xmlns:a16="http://schemas.microsoft.com/office/drawing/2014/main" val="141393238"/>
+                      <a16:colId xmlns:a16="http://schemas.microsoft.com/office/drawing/2014/main" xmlns="" val="141393238"/>
                     </a:ext>
                   </a:extLst>
                 </a:gridCol>
                 <a:gridCol w="703792">
                   <a:extLst>
                     <a:ext uri="{9D8B030D-6E8A-4147-A177-3AD203B41FA5}">
-                      <a16:colId xmlns:a16="http://schemas.microsoft.com/office/drawing/2014/main" val="2502287318"/>
+                      <a16:colId xmlns:a16="http://schemas.microsoft.com/office/drawing/2014/main" xmlns="" val="2502287318"/>
                     </a:ext>
                   </a:extLst>
                 </a:gridCol>
                 <a:gridCol w="805299">
                   <a:extLst>
                     <a:ext uri="{9D8B030D-6E8A-4147-A177-3AD203B41FA5}">
-                      <a16:colId xmlns:a16="http://schemas.microsoft.com/office/drawing/2014/main" val="2223433287"/>
+                      <a16:colId xmlns:a16="http://schemas.microsoft.com/office/drawing/2014/main" xmlns="" val="2223433287"/>
                     </a:ext>
                   </a:extLst>
                 </a:gridCol>
@@ -33764,7 +39297,7 @@
                 </a:tc>
                 <a:extLst>
                   <a:ext uri="{0D108BD9-81ED-4DB2-BD59-A6C34878D82A}">
-                    <a16:rowId xmlns:a16="http://schemas.microsoft.com/office/drawing/2014/main" val="2835971278"/>
+                    <a16:rowId xmlns:a16="http://schemas.microsoft.com/office/drawing/2014/main" xmlns="" val="2835971278"/>
                   </a:ext>
                 </a:extLst>
               </a:tr>
@@ -33854,7 +39387,7 @@
                 </a:tc>
                 <a:extLst>
                   <a:ext uri="{0D108BD9-81ED-4DB2-BD59-A6C34878D82A}">
-                    <a16:rowId xmlns:a16="http://schemas.microsoft.com/office/drawing/2014/main" val="1205867246"/>
+                    <a16:rowId xmlns:a16="http://schemas.microsoft.com/office/drawing/2014/main" xmlns="" val="1205867246"/>
                   </a:ext>
                 </a:extLst>
               </a:tr>
@@ -33944,7 +39477,7 @@
                 </a:tc>
                 <a:extLst>
                   <a:ext uri="{0D108BD9-81ED-4DB2-BD59-A6C34878D82A}">
-                    <a16:rowId xmlns:a16="http://schemas.microsoft.com/office/drawing/2014/main" val="1474429271"/>
+                    <a16:rowId xmlns:a16="http://schemas.microsoft.com/office/drawing/2014/main" xmlns="" val="1474429271"/>
                   </a:ext>
                 </a:extLst>
               </a:tr>
@@ -34041,7 +39574,7 @@
                 </a:tc>
                 <a:extLst>
                   <a:ext uri="{0D108BD9-81ED-4DB2-BD59-A6C34878D82A}">
-                    <a16:rowId xmlns:a16="http://schemas.microsoft.com/office/drawing/2014/main" val="2621396672"/>
+                    <a16:rowId xmlns:a16="http://schemas.microsoft.com/office/drawing/2014/main" xmlns="" val="2621396672"/>
                   </a:ext>
                 </a:extLst>
               </a:tr>
@@ -34161,7 +39694,7 @@
                 </a:tc>
                 <a:extLst>
                   <a:ext uri="{0D108BD9-81ED-4DB2-BD59-A6C34878D82A}">
-                    <a16:rowId xmlns:a16="http://schemas.microsoft.com/office/drawing/2014/main" val="3970782480"/>
+                    <a16:rowId xmlns:a16="http://schemas.microsoft.com/office/drawing/2014/main" xmlns="" val="3970782480"/>
                   </a:ext>
                 </a:extLst>
               </a:tr>
@@ -34264,7 +39797,7 @@
                 </a:tc>
                 <a:extLst>
                   <a:ext uri="{0D108BD9-81ED-4DB2-BD59-A6C34878D82A}">
-                    <a16:rowId xmlns:a16="http://schemas.microsoft.com/office/drawing/2014/main" val="728510251"/>
+                    <a16:rowId xmlns:a16="http://schemas.microsoft.com/office/drawing/2014/main" xmlns="" val="728510251"/>
                   </a:ext>
                 </a:extLst>
               </a:tr>
@@ -34382,7 +39915,7 @@
                 </a:tc>
                 <a:extLst>
                   <a:ext uri="{0D108BD9-81ED-4DB2-BD59-A6C34878D82A}">
-                    <a16:rowId xmlns:a16="http://schemas.microsoft.com/office/drawing/2014/main" val="2918448282"/>
+                    <a16:rowId xmlns:a16="http://schemas.microsoft.com/office/drawing/2014/main" xmlns="" val="2918448282"/>
                   </a:ext>
                 </a:extLst>
               </a:tr>
@@ -34487,7 +40020,7 @@
                 </a:tc>
                 <a:extLst>
                   <a:ext uri="{0D108BD9-81ED-4DB2-BD59-A6C34878D82A}">
-                    <a16:rowId xmlns:a16="http://schemas.microsoft.com/office/drawing/2014/main" val="2631188810"/>
+                    <a16:rowId xmlns:a16="http://schemas.microsoft.com/office/drawing/2014/main" xmlns="" val="2631188810"/>
                   </a:ext>
                 </a:extLst>
               </a:tr>
@@ -34595,7 +40128,7 @@
                 </a:tc>
                 <a:extLst>
                   <a:ext uri="{0D108BD9-81ED-4DB2-BD59-A6C34878D82A}">
-                    <a16:rowId xmlns:a16="http://schemas.microsoft.com/office/drawing/2014/main" val="2673323130"/>
+                    <a16:rowId xmlns:a16="http://schemas.microsoft.com/office/drawing/2014/main" xmlns="" val="2673323130"/>
                   </a:ext>
                 </a:extLst>
               </a:tr>
@@ -34700,7 +40233,7 @@
                 </a:tc>
                 <a:extLst>
                   <a:ext uri="{0D108BD9-81ED-4DB2-BD59-A6C34878D82A}">
-                    <a16:rowId xmlns:a16="http://schemas.microsoft.com/office/drawing/2014/main" val="3060382264"/>
+                    <a16:rowId xmlns:a16="http://schemas.microsoft.com/office/drawing/2014/main" xmlns="" val="3060382264"/>
                   </a:ext>
                 </a:extLst>
               </a:tr>
@@ -34803,7 +40336,7 @@
                 </a:tc>
                 <a:extLst>
                   <a:ext uri="{0D108BD9-81ED-4DB2-BD59-A6C34878D82A}">
-                    <a16:rowId xmlns:a16="http://schemas.microsoft.com/office/drawing/2014/main" val="3118386707"/>
+                    <a16:rowId xmlns:a16="http://schemas.microsoft.com/office/drawing/2014/main" xmlns="" val="3118386707"/>
                   </a:ext>
                 </a:extLst>
               </a:tr>
@@ -34926,7 +40459,7 @@
                 </a:tc>
                 <a:extLst>
                   <a:ext uri="{0D108BD9-81ED-4DB2-BD59-A6C34878D82A}">
-                    <a16:rowId xmlns:a16="http://schemas.microsoft.com/office/drawing/2014/main" val="3457335851"/>
+                    <a16:rowId xmlns:a16="http://schemas.microsoft.com/office/drawing/2014/main" xmlns="" val="3457335851"/>
                   </a:ext>
                 </a:extLst>
               </a:tr>
@@ -35046,7 +40579,7 @@
                 </a:tc>
                 <a:extLst>
                   <a:ext uri="{0D108BD9-81ED-4DB2-BD59-A6C34878D82A}">
-                    <a16:rowId xmlns:a16="http://schemas.microsoft.com/office/drawing/2014/main" val="1832644902"/>
+                    <a16:rowId xmlns:a16="http://schemas.microsoft.com/office/drawing/2014/main" xmlns="" val="1832644902"/>
                   </a:ext>
                 </a:extLst>
               </a:tr>
@@ -35146,7 +40679,7 @@
                 </a:tc>
                 <a:extLst>
                   <a:ext uri="{0D108BD9-81ED-4DB2-BD59-A6C34878D82A}">
-                    <a16:rowId xmlns:a16="http://schemas.microsoft.com/office/drawing/2014/main" val="1899489058"/>
+                    <a16:rowId xmlns:a16="http://schemas.microsoft.com/office/drawing/2014/main" xmlns="" val="1899489058"/>
                   </a:ext>
                 </a:extLst>
               </a:tr>
@@ -35252,7 +40785,7 @@
                 </a:tc>
                 <a:extLst>
                   <a:ext uri="{0D108BD9-81ED-4DB2-BD59-A6C34878D82A}">
-                    <a16:rowId xmlns:a16="http://schemas.microsoft.com/office/drawing/2014/main" val="334072396"/>
+                    <a16:rowId xmlns:a16="http://schemas.microsoft.com/office/drawing/2014/main" xmlns="" val="334072396"/>
                   </a:ext>
                 </a:extLst>
               </a:tr>
@@ -35355,7 +40888,7 @@
                 </a:tc>
                 <a:extLst>
                   <a:ext uri="{0D108BD9-81ED-4DB2-BD59-A6C34878D82A}">
-                    <a16:rowId xmlns:a16="http://schemas.microsoft.com/office/drawing/2014/main" val="1220313647"/>
+                    <a16:rowId xmlns:a16="http://schemas.microsoft.com/office/drawing/2014/main" xmlns="" val="1220313647"/>
                   </a:ext>
                 </a:extLst>
               </a:tr>
@@ -35455,7 +40988,7 @@
                 </a:tc>
                 <a:extLst>
                   <a:ext uri="{0D108BD9-81ED-4DB2-BD59-A6C34878D82A}">
-                    <a16:rowId xmlns:a16="http://schemas.microsoft.com/office/drawing/2014/main" val="921945894"/>
+                    <a16:rowId xmlns:a16="http://schemas.microsoft.com/office/drawing/2014/main" xmlns="" val="921945894"/>
                   </a:ext>
                 </a:extLst>
               </a:tr>
@@ -35473,6 +41006,13 @@
   <p:clrMapOvr>
     <a:masterClrMapping/>
   </p:clrMapOvr>
+  <p:timing>
+    <p:tnLst>
+      <p:par>
+        <p:cTn id="1" dur="indefinite" restart="never" nodeType="tmRoot"/>
+      </p:par>
+    </p:tnLst>
+  </p:timing>
 </p:sld>
 </file>
 
@@ -35493,147 +41033,58 @@
           <a:chExt cx="0" cy="0"/>
         </a:xfrm>
       </p:grpSpPr>
-      <p:pic>
-        <p:nvPicPr>
-          <p:cNvPr id="1026" name="Picture 2" descr="http://cloudfront.capinio.de/wp-content/uploads/2012/10/social-media-fehler.jpg"/>
-          <p:cNvPicPr>
-            <a:picLocks noChangeAspect="1" noChangeArrowheads="1"/>
-          </p:cNvPicPr>
-          <p:nvPr/>
-        </p:nvPicPr>
-        <p:blipFill>
-          <a:blip r:embed="rId3">
-            <a:extLst>
-              <a:ext uri="{28A0092B-C50C-407E-A947-70E740481C1C}">
-                <a14:useLocalDpi xmlns:a14="http://schemas.microsoft.com/office/drawing/2010/main" val="0"/>
-              </a:ext>
-            </a:extLst>
-          </a:blip>
-          <a:srcRect/>
-          <a:stretch>
-            <a:fillRect/>
-          </a:stretch>
-        </p:blipFill>
-        <p:spPr bwMode="auto">
-          <a:xfrm>
-            <a:off x="3314700" y="0"/>
-            <a:ext cx="8877300" cy="6858000"/>
-          </a:xfrm>
-          <a:prstGeom prst="rect">
-            <a:avLst/>
-          </a:prstGeom>
-          <a:noFill/>
-          <a:extLst>
-            <a:ext uri="{909E8E84-426E-40DD-AFC4-6F175D3DCCD1}">
-              <a14:hiddenFill xmlns:a14="http://schemas.microsoft.com/office/drawing/2010/main">
-                <a:solidFill>
-                  <a:srgbClr val="FFFFFF"/>
-                </a:solidFill>
-              </a14:hiddenFill>
-            </a:ext>
-          </a:extLst>
-        </p:spPr>
-      </p:pic>
       <p:sp>
         <p:nvSpPr>
-          <p:cNvPr id="5" name="Rechteck 4"/>
-          <p:cNvSpPr/>
-          <p:nvPr/>
+          <p:cNvPr id="2" name="Titel 1"/>
+          <p:cNvSpPr>
+            <a:spLocks noGrp="1"/>
+          </p:cNvSpPr>
+          <p:nvPr>
+            <p:ph type="title"/>
+          </p:nvPr>
         </p:nvSpPr>
-        <p:spPr>
-          <a:xfrm>
-            <a:off x="800099" y="-4764"/>
-            <a:ext cx="3333749" cy="2395037"/>
-          </a:xfrm>
-          <a:prstGeom prst="rect">
-            <a:avLst/>
-          </a:prstGeom>
-        </p:spPr>
-        <p:style>
-          <a:lnRef idx="2">
-            <a:schemeClr val="dk1">
-              <a:shade val="50000"/>
-            </a:schemeClr>
-          </a:lnRef>
-          <a:fillRef idx="1">
-            <a:schemeClr val="dk1"/>
-          </a:fillRef>
-          <a:effectRef idx="0">
-            <a:schemeClr val="dk1"/>
-          </a:effectRef>
-          <a:fontRef idx="minor">
-            <a:schemeClr val="lt1"/>
-          </a:fontRef>
-        </p:style>
+        <p:spPr/>
         <p:txBody>
-          <a:bodyPr rtlCol="0" anchor="ctr"/>
+          <a:bodyPr/>
           <a:lstStyle/>
           <a:p>
-            <a:pPr algn="ctr"/>
-            <a:endParaRPr lang="en-US" sz="3600" dirty="0">
-              <a:solidFill>
-                <a:schemeClr val="bg1"/>
-              </a:solidFill>
-            </a:endParaRPr>
-          </a:p>
-          <a:p>
-            <a:pPr algn="ctr"/>
             <a:r>
-              <a:rPr lang="en-US" sz="3600" dirty="0" err="1">
-                <a:solidFill>
-                  <a:schemeClr val="bg1"/>
-                </a:solidFill>
-              </a:rPr>
-              <a:t>Herausforder-ungen</a:t>
+              <a:rPr lang="de-DE" dirty="0" smtClean="0"/>
+              <a:t>Genehmigungsstruktur</a:t>
             </a:r>
             <a:endParaRPr lang="de-DE" dirty="0"/>
           </a:p>
         </p:txBody>
       </p:sp>
-      <p:sp>
-        <p:nvSpPr>
-          <p:cNvPr id="6" name="Gleichschenkliges Dreieck 5"/>
-          <p:cNvSpPr/>
-          <p:nvPr/>
-        </p:nvSpPr>
-        <p:spPr>
-          <a:xfrm rot="10800000">
-            <a:off x="800097" y="2390272"/>
-            <a:ext cx="3333750" cy="673770"/>
-          </a:xfrm>
-          <a:prstGeom prst="triangle">
-            <a:avLst/>
-          </a:prstGeom>
-        </p:spPr>
-        <p:style>
-          <a:lnRef idx="2">
-            <a:schemeClr val="dk1">
-              <a:shade val="50000"/>
-            </a:schemeClr>
-          </a:lnRef>
-          <a:fillRef idx="1">
-            <a:schemeClr val="dk1"/>
-          </a:fillRef>
-          <a:effectRef idx="0">
-            <a:schemeClr val="dk1"/>
-          </a:effectRef>
-          <a:fontRef idx="minor">
-            <a:schemeClr val="lt1"/>
-          </a:fontRef>
-        </p:style>
-        <p:txBody>
-          <a:bodyPr rtlCol="0" anchor="ctr"/>
-          <a:lstStyle/>
-          <a:p>
-            <a:pPr algn="ctr"/>
-            <a:endParaRPr lang="de-DE"/>
-          </a:p>
-        </p:txBody>
-      </p:sp>
+      <p:graphicFrame>
+        <p:nvGraphicFramePr>
+          <p:cNvPr id="7" name="Inhaltsplatzhalter 6"/>
+          <p:cNvGraphicFramePr>
+            <a:graphicFrameLocks noGrp="1"/>
+          </p:cNvGraphicFramePr>
+          <p:nvPr>
+            <p:ph idx="1"/>
+            <p:extLst>
+              <p:ext uri="{D42A27DB-BD31-4B8C-83A1-F6EECF244321}">
+                <p14:modId xmlns:p14="http://schemas.microsoft.com/office/powerpoint/2010/main" val="1156082201"/>
+              </p:ext>
+            </p:extLst>
+          </p:nvPr>
+        </p:nvGraphicFramePr>
+        <p:xfrm>
+          <a:off x="838200" y="1825625"/>
+          <a:ext cx="10515600" cy="4351338"/>
+        </p:xfrm>
+        <a:graphic>
+          <a:graphicData uri="http://schemas.openxmlformats.org/drawingml/2006/diagram">
+            <dgm:relIds xmlns:dgm="http://schemas.openxmlformats.org/drawingml/2006/diagram" xmlns:r="http://schemas.openxmlformats.org/officeDocument/2006/relationships" r:dm="rId2" r:lo="rId3" r:qs="rId4" r:cs="rId5"/>
+          </a:graphicData>
+        </a:graphic>
+      </p:graphicFrame>
     </p:spTree>
     <p:extLst>
       <p:ext uri="{BB962C8B-B14F-4D97-AF65-F5344CB8AC3E}">
-        <p14:creationId xmlns:p14="http://schemas.microsoft.com/office/powerpoint/2010/main" val="1801440368"/>
+        <p14:creationId xmlns:p14="http://schemas.microsoft.com/office/powerpoint/2010/main" val="1956201895"/>
       </p:ext>
     </p:extLst>
   </p:cSld>

--- a/documents/projectmanagement/Praesentationen/Vorstellung_Zwischenpräsentation_Final.pptx
+++ b/documents/projectmanagement/Praesentationen/Vorstellung_Zwischenpräsentation_Final.pptx
@@ -3,39 +3,41 @@
 <p:presentation xmlns:a="http://schemas.openxmlformats.org/drawingml/2006/main" xmlns:r="http://schemas.openxmlformats.org/officeDocument/2006/relationships" xmlns:p="http://schemas.openxmlformats.org/presentationml/2006/main" saveSubsetFonts="1">
   <p:sldMasterIdLst>
     <p:sldMasterId id="2147483648" r:id="rId1"/>
+    <p:sldMasterId id="2147483660" r:id="rId2"/>
   </p:sldMasterIdLst>
   <p:notesMasterIdLst>
-    <p:notesMasterId r:id="rId30"/>
+    <p:notesMasterId r:id="rId32"/>
   </p:notesMasterIdLst>
   <p:sldIdLst>
-    <p:sldId id="274" r:id="rId2"/>
-    <p:sldId id="256" r:id="rId3"/>
-    <p:sldId id="257" r:id="rId4"/>
-    <p:sldId id="258" r:id="rId5"/>
-    <p:sldId id="259" r:id="rId6"/>
-    <p:sldId id="260" r:id="rId7"/>
-    <p:sldId id="261" r:id="rId8"/>
-    <p:sldId id="275" r:id="rId9"/>
-    <p:sldId id="283" r:id="rId10"/>
-    <p:sldId id="276" r:id="rId11"/>
-    <p:sldId id="277" r:id="rId12"/>
-    <p:sldId id="278" r:id="rId13"/>
-    <p:sldId id="262" r:id="rId14"/>
-    <p:sldId id="263" r:id="rId15"/>
-    <p:sldId id="279" r:id="rId16"/>
-    <p:sldId id="280" r:id="rId17"/>
-    <p:sldId id="281" r:id="rId18"/>
-    <p:sldId id="282" r:id="rId19"/>
-    <p:sldId id="264" r:id="rId20"/>
-    <p:sldId id="265" r:id="rId21"/>
-    <p:sldId id="273" r:id="rId22"/>
-    <p:sldId id="266" r:id="rId23"/>
-    <p:sldId id="267" r:id="rId24"/>
-    <p:sldId id="268" r:id="rId25"/>
-    <p:sldId id="269" r:id="rId26"/>
-    <p:sldId id="270" r:id="rId27"/>
-    <p:sldId id="271" r:id="rId28"/>
-    <p:sldId id="272" r:id="rId29"/>
+    <p:sldId id="274" r:id="rId3"/>
+    <p:sldId id="256" r:id="rId4"/>
+    <p:sldId id="257" r:id="rId5"/>
+    <p:sldId id="258" r:id="rId6"/>
+    <p:sldId id="259" r:id="rId7"/>
+    <p:sldId id="260" r:id="rId8"/>
+    <p:sldId id="261" r:id="rId9"/>
+    <p:sldId id="275" r:id="rId10"/>
+    <p:sldId id="283" r:id="rId11"/>
+    <p:sldId id="276" r:id="rId12"/>
+    <p:sldId id="277" r:id="rId13"/>
+    <p:sldId id="284" r:id="rId14"/>
+    <p:sldId id="278" r:id="rId15"/>
+    <p:sldId id="262" r:id="rId16"/>
+    <p:sldId id="263" r:id="rId17"/>
+    <p:sldId id="279" r:id="rId18"/>
+    <p:sldId id="280" r:id="rId19"/>
+    <p:sldId id="281" r:id="rId20"/>
+    <p:sldId id="282" r:id="rId21"/>
+    <p:sldId id="264" r:id="rId22"/>
+    <p:sldId id="265" r:id="rId23"/>
+    <p:sldId id="273" r:id="rId24"/>
+    <p:sldId id="266" r:id="rId25"/>
+    <p:sldId id="267" r:id="rId26"/>
+    <p:sldId id="268" r:id="rId27"/>
+    <p:sldId id="269" r:id="rId28"/>
+    <p:sldId id="270" r:id="rId29"/>
+    <p:sldId id="271" r:id="rId30"/>
+    <p:sldId id="272" r:id="rId31"/>
   </p:sldIdLst>
   <p:sldSz cx="12192000" cy="6858000"/>
   <p:notesSz cx="6858000" cy="9144000"/>
@@ -136,13 +138,428 @@
   </p:defaultTextStyle>
   <p:extLst>
     <p:ext uri="{EFAFB233-063F-42B5-8137-9DF3F51BA10A}">
-      <p15:sldGuideLst xmlns:p15="http://schemas.microsoft.com/office/powerpoint/2012/main"/>
+      <p15:sldGuideLst xmlns:p15="http://schemas.microsoft.com/office/powerpoint/2012/main" xmlns=""/>
     </p:ext>
   </p:extLst>
 </p:presentation>
 </file>
 
 <file path=ppt/charts/chart1.xml><?xml version="1.0" encoding="utf-8"?>
+<c:chartSpace xmlns:c="http://schemas.openxmlformats.org/drawingml/2006/chart" xmlns:a="http://schemas.openxmlformats.org/drawingml/2006/main" xmlns:r="http://schemas.openxmlformats.org/officeDocument/2006/relationships">
+  <c:date1904 val="0"/>
+  <c:lang val="de-DE"/>
+  <c:roundedCorners val="0"/>
+  <mc:AlternateContent xmlns:mc="http://schemas.openxmlformats.org/markup-compatibility/2006">
+    <mc:Choice xmlns:c14="http://schemas.microsoft.com/office/drawing/2007/8/2/chart" Requires="c14">
+      <c14:style val="103"/>
+    </mc:Choice>
+    <mc:Fallback>
+      <c:style val="3"/>
+    </mc:Fallback>
+  </mc:AlternateContent>
+  <c:chart>
+    <c:autoTitleDeleted val="0"/>
+    <c:plotArea>
+      <c:layout>
+        <c:manualLayout>
+          <c:layoutTarget val="inner"/>
+          <c:xMode val="edge"/>
+          <c:yMode val="edge"/>
+          <c:x val="9.1313976377952757E-2"/>
+          <c:y val="3.7470654683153623E-2"/>
+          <c:w val="0.76701935695538059"/>
+          <c:h val="0.76600185986701153"/>
+        </c:manualLayout>
+      </c:layout>
+      <c:barChart>
+        <c:barDir val="col"/>
+        <c:grouping val="percentStacked"/>
+        <c:varyColors val="0"/>
+        <c:ser>
+          <c:idx val="0"/>
+          <c:order val="0"/>
+          <c:tx>
+            <c:strRef>
+              <c:f>Tabelle1!$B$1</c:f>
+              <c:strCache>
+                <c:ptCount val="1"/>
+                <c:pt idx="0">
+                  <c:v>Aufgebracht</c:v>
+                </c:pt>
+              </c:strCache>
+            </c:strRef>
+          </c:tx>
+          <c:spPr>
+            <a:gradFill rotWithShape="1">
+              <a:gsLst>
+                <a:gs pos="0">
+                  <a:schemeClr val="accent5">
+                    <a:satMod val="103000"/>
+                    <a:lumMod val="102000"/>
+                    <a:tint val="94000"/>
+                  </a:schemeClr>
+                </a:gs>
+                <a:gs pos="50000">
+                  <a:schemeClr val="accent5">
+                    <a:satMod val="110000"/>
+                    <a:lumMod val="100000"/>
+                    <a:shade val="100000"/>
+                  </a:schemeClr>
+                </a:gs>
+                <a:gs pos="100000">
+                  <a:schemeClr val="accent5">
+                    <a:lumMod val="99000"/>
+                    <a:satMod val="120000"/>
+                    <a:shade val="78000"/>
+                  </a:schemeClr>
+                </a:gs>
+              </a:gsLst>
+              <a:lin ang="5400000" scaled="0"/>
+            </a:gradFill>
+            <a:ln>
+              <a:noFill/>
+            </a:ln>
+            <a:effectLst>
+              <a:outerShdw blurRad="57150" dist="19050" dir="5400000" algn="ctr" rotWithShape="0">
+                <a:srgbClr val="000000">
+                  <a:alpha val="63000"/>
+                </a:srgbClr>
+              </a:outerShdw>
+            </a:effectLst>
+          </c:spPr>
+          <c:invertIfNegative val="0"/>
+          <c:dLbls>
+            <c:txPr>
+              <a:bodyPr/>
+              <a:lstStyle/>
+              <a:p>
+                <a:pPr>
+                  <a:defRPr>
+                    <a:solidFill>
+                      <a:schemeClr val="bg1"/>
+                    </a:solidFill>
+                  </a:defRPr>
+                </a:pPr>
+                <a:endParaRPr lang="de-DE"/>
+              </a:p>
+            </c:txPr>
+            <c:showLegendKey val="0"/>
+            <c:showVal val="1"/>
+            <c:showCatName val="0"/>
+            <c:showSerName val="0"/>
+            <c:showPercent val="0"/>
+            <c:showBubbleSize val="0"/>
+            <c:showLeaderLines val="0"/>
+          </c:dLbls>
+          <c:cat>
+            <c:strRef>
+              <c:f>Tabelle1!$A$2:$A$7</c:f>
+              <c:strCache>
+                <c:ptCount val="6"/>
+                <c:pt idx="0">
+                  <c:v>Budget IST (12.08.)</c:v>
+                </c:pt>
+                <c:pt idx="1">
+                  <c:v>Budget SOLL (12.08.)</c:v>
+                </c:pt>
+                <c:pt idx="2">
+                  <c:v>Budget IST (05.08.)</c:v>
+                </c:pt>
+                <c:pt idx="3">
+                  <c:v>Budget SOLL (05.08.)</c:v>
+                </c:pt>
+                <c:pt idx="4">
+                  <c:v>Zeit IST (%) (12.08.)</c:v>
+                </c:pt>
+                <c:pt idx="5">
+                  <c:v>Zeit Soll (%) (12.08.)</c:v>
+                </c:pt>
+              </c:strCache>
+            </c:strRef>
+          </c:cat>
+          <c:val>
+            <c:numRef>
+              <c:f>Tabelle1!$B$2:$B$7</c:f>
+              <c:numCache>
+                <c:formatCode>General</c:formatCode>
+                <c:ptCount val="6"/>
+                <c:pt idx="0">
+                  <c:v>12.4</c:v>
+                </c:pt>
+                <c:pt idx="1">
+                  <c:v>11.8</c:v>
+                </c:pt>
+                <c:pt idx="2">
+                  <c:v>10</c:v>
+                </c:pt>
+                <c:pt idx="3">
+                  <c:v>8.8000000000000007</c:v>
+                </c:pt>
+                <c:pt idx="4">
+                  <c:v>52.5</c:v>
+                </c:pt>
+                <c:pt idx="5">
+                  <c:v>50</c:v>
+                </c:pt>
+              </c:numCache>
+            </c:numRef>
+          </c:val>
+        </c:ser>
+        <c:ser>
+          <c:idx val="1"/>
+          <c:order val="1"/>
+          <c:tx>
+            <c:strRef>
+              <c:f>Tabelle1!$C$1</c:f>
+              <c:strCache>
+                <c:ptCount val="1"/>
+                <c:pt idx="0">
+                  <c:v>Verbleibend</c:v>
+                </c:pt>
+              </c:strCache>
+            </c:strRef>
+          </c:tx>
+          <c:spPr>
+            <a:gradFill rotWithShape="1">
+              <a:gsLst>
+                <a:gs pos="0">
+                  <a:schemeClr val="accent3">
+                    <a:satMod val="103000"/>
+                    <a:lumMod val="102000"/>
+                    <a:tint val="94000"/>
+                  </a:schemeClr>
+                </a:gs>
+                <a:gs pos="50000">
+                  <a:schemeClr val="accent3">
+                    <a:satMod val="110000"/>
+                    <a:lumMod val="100000"/>
+                    <a:shade val="100000"/>
+                  </a:schemeClr>
+                </a:gs>
+                <a:gs pos="100000">
+                  <a:schemeClr val="accent3">
+                    <a:lumMod val="99000"/>
+                    <a:satMod val="120000"/>
+                    <a:shade val="78000"/>
+                  </a:schemeClr>
+                </a:gs>
+              </a:gsLst>
+              <a:lin ang="5400000" scaled="0"/>
+            </a:gradFill>
+            <a:ln>
+              <a:noFill/>
+            </a:ln>
+            <a:effectLst>
+              <a:outerShdw blurRad="57150" dist="19050" dir="5400000" algn="ctr" rotWithShape="0">
+                <a:srgbClr val="000000">
+                  <a:alpha val="63000"/>
+                </a:srgbClr>
+              </a:outerShdw>
+            </a:effectLst>
+          </c:spPr>
+          <c:invertIfNegative val="0"/>
+          <c:dLbls>
+            <c:txPr>
+              <a:bodyPr/>
+              <a:lstStyle/>
+              <a:p>
+                <a:pPr>
+                  <a:defRPr>
+                    <a:solidFill>
+                      <a:schemeClr val="bg1"/>
+                    </a:solidFill>
+                  </a:defRPr>
+                </a:pPr>
+                <a:endParaRPr lang="de-DE"/>
+              </a:p>
+            </c:txPr>
+            <c:showLegendKey val="0"/>
+            <c:showVal val="1"/>
+            <c:showCatName val="0"/>
+            <c:showSerName val="0"/>
+            <c:showPercent val="0"/>
+            <c:showBubbleSize val="0"/>
+            <c:showLeaderLines val="0"/>
+          </c:dLbls>
+          <c:cat>
+            <c:strRef>
+              <c:f>Tabelle1!$A$2:$A$7</c:f>
+              <c:strCache>
+                <c:ptCount val="6"/>
+                <c:pt idx="0">
+                  <c:v>Budget IST (12.08.)</c:v>
+                </c:pt>
+                <c:pt idx="1">
+                  <c:v>Budget SOLL (12.08.)</c:v>
+                </c:pt>
+                <c:pt idx="2">
+                  <c:v>Budget IST (05.08.)</c:v>
+                </c:pt>
+                <c:pt idx="3">
+                  <c:v>Budget SOLL (05.08.)</c:v>
+                </c:pt>
+                <c:pt idx="4">
+                  <c:v>Zeit IST (%) (12.08.)</c:v>
+                </c:pt>
+                <c:pt idx="5">
+                  <c:v>Zeit Soll (%) (12.08.)</c:v>
+                </c:pt>
+              </c:strCache>
+            </c:strRef>
+          </c:cat>
+          <c:val>
+            <c:numRef>
+              <c:f>Tabelle1!$C$2:$C$7</c:f>
+              <c:numCache>
+                <c:formatCode>General</c:formatCode>
+                <c:ptCount val="6"/>
+                <c:pt idx="0">
+                  <c:v>16</c:v>
+                </c:pt>
+                <c:pt idx="1">
+                  <c:v>16.600000000000001</c:v>
+                </c:pt>
+                <c:pt idx="2">
+                  <c:v>15.8</c:v>
+                </c:pt>
+                <c:pt idx="3">
+                  <c:v>17</c:v>
+                </c:pt>
+                <c:pt idx="4">
+                  <c:v>47.5</c:v>
+                </c:pt>
+                <c:pt idx="5">
+                  <c:v>50</c:v>
+                </c:pt>
+              </c:numCache>
+            </c:numRef>
+          </c:val>
+        </c:ser>
+        <c:ser>
+          <c:idx val="2"/>
+          <c:order val="2"/>
+          <c:tx>
+            <c:strRef>
+              <c:f>Tabelle1!$D$1</c:f>
+              <c:strCache>
+                <c:ptCount val="1"/>
+              </c:strCache>
+            </c:strRef>
+          </c:tx>
+          <c:invertIfNegative val="0"/>
+          <c:cat>
+            <c:strRef>
+              <c:f>Tabelle1!$A$2:$A$7</c:f>
+              <c:strCache>
+                <c:ptCount val="6"/>
+                <c:pt idx="0">
+                  <c:v>Budget IST (12.08.)</c:v>
+                </c:pt>
+                <c:pt idx="1">
+                  <c:v>Budget SOLL (12.08.)</c:v>
+                </c:pt>
+                <c:pt idx="2">
+                  <c:v>Budget IST (05.08.)</c:v>
+                </c:pt>
+                <c:pt idx="3">
+                  <c:v>Budget SOLL (05.08.)</c:v>
+                </c:pt>
+                <c:pt idx="4">
+                  <c:v>Zeit IST (%) (12.08.)</c:v>
+                </c:pt>
+                <c:pt idx="5">
+                  <c:v>Zeit Soll (%) (12.08.)</c:v>
+                </c:pt>
+              </c:strCache>
+            </c:strRef>
+          </c:cat>
+          <c:val>
+            <c:numRef>
+              <c:f>Tabelle1!$D$2:$D$7</c:f>
+              <c:numCache>
+                <c:formatCode>General</c:formatCode>
+                <c:ptCount val="6"/>
+              </c:numCache>
+            </c:numRef>
+          </c:val>
+        </c:ser>
+        <c:dLbls>
+          <c:showLegendKey val="0"/>
+          <c:showVal val="0"/>
+          <c:showCatName val="0"/>
+          <c:showSerName val="0"/>
+          <c:showPercent val="0"/>
+          <c:showBubbleSize val="0"/>
+        </c:dLbls>
+        <c:gapWidth val="150"/>
+        <c:overlap val="100"/>
+        <c:axId val="220292224"/>
+        <c:axId val="220293760"/>
+      </c:barChart>
+      <c:catAx>
+        <c:axId val="220292224"/>
+        <c:scaling>
+          <c:orientation val="minMax"/>
+        </c:scaling>
+        <c:delete val="0"/>
+        <c:axPos val="b"/>
+        <c:majorTickMark val="out"/>
+        <c:minorTickMark val="none"/>
+        <c:tickLblPos val="nextTo"/>
+        <c:crossAx val="220293760"/>
+        <c:crosses val="autoZero"/>
+        <c:auto val="1"/>
+        <c:lblAlgn val="ctr"/>
+        <c:lblOffset val="100"/>
+        <c:noMultiLvlLbl val="0"/>
+      </c:catAx>
+      <c:valAx>
+        <c:axId val="220293760"/>
+        <c:scaling>
+          <c:orientation val="minMax"/>
+        </c:scaling>
+        <c:delete val="0"/>
+        <c:axPos val="l"/>
+        <c:majorGridlines/>
+        <c:numFmt formatCode="0%" sourceLinked="1"/>
+        <c:majorTickMark val="out"/>
+        <c:minorTickMark val="none"/>
+        <c:tickLblPos val="nextTo"/>
+        <c:crossAx val="220292224"/>
+        <c:crosses val="autoZero"/>
+        <c:crossBetween val="between"/>
+      </c:valAx>
+    </c:plotArea>
+    <c:legend>
+      <c:legendPos val="r"/>
+      <c:legendEntry>
+        <c:idx val="0"/>
+        <c:delete val="1"/>
+      </c:legendEntry>
+      <c:layout/>
+      <c:overlay val="0"/>
+    </c:legend>
+    <c:plotVisOnly val="1"/>
+    <c:dispBlanksAs val="gap"/>
+    <c:showDLblsOverMax val="0"/>
+  </c:chart>
+  <c:txPr>
+    <a:bodyPr/>
+    <a:lstStyle/>
+    <a:p>
+      <a:pPr>
+        <a:defRPr sz="1800"/>
+      </a:pPr>
+      <a:endParaRPr lang="de-DE"/>
+    </a:p>
+  </c:txPr>
+  <c:externalData r:id="rId1">
+    <c:autoUpdate val="0"/>
+  </c:externalData>
+</c:chartSpace>
+</file>
+
+<file path=ppt/charts/chart2.xml><?xml version="1.0" encoding="utf-8"?>
 <c:chartSpace xmlns:c="http://schemas.openxmlformats.org/drawingml/2006/chart" xmlns:a="http://schemas.openxmlformats.org/drawingml/2006/main" xmlns:r="http://schemas.openxmlformats.org/officeDocument/2006/relationships">
   <c:date1904 val="0"/>
   <c:lang val="de-DE"/>
@@ -7818,6 +8235,13 @@
         </dgm:presLayoutVars>
       </dgm:prSet>
       <dgm:spPr/>
+      <dgm:t>
+        <a:bodyPr/>
+        <a:lstStyle/>
+        <a:p>
+          <a:endParaRPr lang="de-DE"/>
+        </a:p>
+      </dgm:t>
     </dgm:pt>
     <dgm:pt modelId="{CEFF2CFB-273E-478A-A7ED-9A366736D953}" type="pres">
       <dgm:prSet presAssocID="{926E0FEA-AD3A-4E7F-AF48-3351C9411E92}" presName="hierFlow" presStyleCnt="0"/>
@@ -7863,6 +8287,13 @@
     <dgm:pt modelId="{B1C268A3-EE64-46D5-87FC-2308E8B31979}" type="pres">
       <dgm:prSet presAssocID="{4AFF8D6C-A4C4-4668-83BD-E910A814EB04}" presName="Name19" presStyleLbl="parChTrans1D2" presStyleIdx="0" presStyleCnt="2"/>
       <dgm:spPr/>
+      <dgm:t>
+        <a:bodyPr/>
+        <a:lstStyle/>
+        <a:p>
+          <a:endParaRPr lang="de-DE"/>
+        </a:p>
+      </dgm:t>
     </dgm:pt>
     <dgm:pt modelId="{E4881482-5A38-49E2-91FA-9BCD8E8415B8}" type="pres">
       <dgm:prSet presAssocID="{4DCB251E-76E5-407A-9152-C1B44BA1F2CC}" presName="Name21" presStyleCnt="0"/>
@@ -7886,6 +8317,13 @@
     <dgm:pt modelId="{ACEA7FE6-7A02-47CA-8A4D-764ABFD377A8}" type="pres">
       <dgm:prSet presAssocID="{6886F47C-32C0-4898-A412-3AD55DF3D524}" presName="Name19" presStyleLbl="parChTrans1D3" presStyleIdx="0" presStyleCnt="3"/>
       <dgm:spPr/>
+      <dgm:t>
+        <a:bodyPr/>
+        <a:lstStyle/>
+        <a:p>
+          <a:endParaRPr lang="de-DE"/>
+        </a:p>
+      </dgm:t>
     </dgm:pt>
     <dgm:pt modelId="{211041F9-227B-4BD3-AA08-B0D7881DBDCD}" type="pres">
       <dgm:prSet presAssocID="{4CEC5FDF-424B-4E8B-968C-54C0BF866E9D}" presName="Name21" presStyleCnt="0"/>
@@ -7909,6 +8347,13 @@
     <dgm:pt modelId="{E3876E12-9F8C-4240-8F2C-C014D10C0DC2}" type="pres">
       <dgm:prSet presAssocID="{BB458C25-C4CC-428E-8095-CD0AE706BF44}" presName="Name19" presStyleLbl="parChTrans1D4" presStyleIdx="0" presStyleCnt="3"/>
       <dgm:spPr/>
+      <dgm:t>
+        <a:bodyPr/>
+        <a:lstStyle/>
+        <a:p>
+          <a:endParaRPr lang="de-DE"/>
+        </a:p>
+      </dgm:t>
     </dgm:pt>
     <dgm:pt modelId="{BE1973F2-089B-4617-BDDD-65EE59091C0A}" type="pres">
       <dgm:prSet presAssocID="{3C8988AD-DED4-4F32-8D4C-C68C017EA5E7}" presName="Name21" presStyleCnt="0"/>
@@ -7932,6 +8377,13 @@
     <dgm:pt modelId="{8425BE49-3193-4F0A-988D-93FAABCC3B85}" type="pres">
       <dgm:prSet presAssocID="{142A233E-B572-4077-81CC-EC7A13CC9209}" presName="Name19" presStyleLbl="parChTrans1D3" presStyleIdx="1" presStyleCnt="3"/>
       <dgm:spPr/>
+      <dgm:t>
+        <a:bodyPr/>
+        <a:lstStyle/>
+        <a:p>
+          <a:endParaRPr lang="de-DE"/>
+        </a:p>
+      </dgm:t>
     </dgm:pt>
     <dgm:pt modelId="{212BD726-B198-4770-8AA3-7964F3EE9358}" type="pres">
       <dgm:prSet presAssocID="{A5A5B5D1-364F-4982-9158-1F9AE61F0B86}" presName="Name21" presStyleCnt="0"/>
@@ -7955,6 +8407,13 @@
     <dgm:pt modelId="{AC6416A9-3999-4E89-AA2B-F6FF74BB1CD2}" type="pres">
       <dgm:prSet presAssocID="{8237F2CD-A197-44B8-A208-014BEBB12489}" presName="Name19" presStyleLbl="parChTrans1D4" presStyleIdx="1" presStyleCnt="3"/>
       <dgm:spPr/>
+      <dgm:t>
+        <a:bodyPr/>
+        <a:lstStyle/>
+        <a:p>
+          <a:endParaRPr lang="de-DE"/>
+        </a:p>
+      </dgm:t>
     </dgm:pt>
     <dgm:pt modelId="{10B721FE-36C5-4654-B694-78F3B889751F}" type="pres">
       <dgm:prSet presAssocID="{A5BCB9B9-FA5F-4B0D-8596-6E6519BEA366}" presName="Name21" presStyleCnt="0"/>
@@ -7963,6 +8422,13 @@
     <dgm:pt modelId="{3D3D490F-0140-43F2-8EBF-95420D7C26A3}" type="pres">
       <dgm:prSet presAssocID="{A5BCB9B9-FA5F-4B0D-8596-6E6519BEA366}" presName="level2Shape" presStyleLbl="node4" presStyleIdx="1" presStyleCnt="3" custScaleX="122726" custScaleY="65281" custLinFactNeighborX="181" custLinFactNeighborY="65927"/>
       <dgm:spPr/>
+      <dgm:t>
+        <a:bodyPr/>
+        <a:lstStyle/>
+        <a:p>
+          <a:endParaRPr lang="de-DE"/>
+        </a:p>
+      </dgm:t>
     </dgm:pt>
     <dgm:pt modelId="{46149488-E7A9-4E7A-8D8F-06E3DA596DE0}" type="pres">
       <dgm:prSet presAssocID="{A5BCB9B9-FA5F-4B0D-8596-6E6519BEA366}" presName="hierChild3" presStyleCnt="0"/>
@@ -7971,6 +8437,13 @@
     <dgm:pt modelId="{C5C8040F-AAEA-46F5-9660-B0B31485A141}" type="pres">
       <dgm:prSet presAssocID="{14DA731A-E400-4E3E-B963-E4467F25589A}" presName="Name19" presStyleLbl="parChTrans1D2" presStyleIdx="1" presStyleCnt="2"/>
       <dgm:spPr/>
+      <dgm:t>
+        <a:bodyPr/>
+        <a:lstStyle/>
+        <a:p>
+          <a:endParaRPr lang="de-DE"/>
+        </a:p>
+      </dgm:t>
     </dgm:pt>
     <dgm:pt modelId="{114089F7-CCCD-4DF5-A06E-B0D2114FD7B8}" type="pres">
       <dgm:prSet presAssocID="{18F38CA7-DEDC-4FB6-BC3C-15A532A238A5}" presName="Name21" presStyleCnt="0"/>
@@ -7979,6 +8452,13 @@
     <dgm:pt modelId="{C6557AE3-55BC-4169-9228-02E5B0E0F267}" type="pres">
       <dgm:prSet presAssocID="{18F38CA7-DEDC-4FB6-BC3C-15A532A238A5}" presName="level2Shape" presStyleLbl="node2" presStyleIdx="1" presStyleCnt="2" custScaleX="122606" custScaleY="64967" custLinFactNeighborX="-26" custLinFactNeighborY="33090"/>
       <dgm:spPr/>
+      <dgm:t>
+        <a:bodyPr/>
+        <a:lstStyle/>
+        <a:p>
+          <a:endParaRPr lang="de-DE"/>
+        </a:p>
+      </dgm:t>
     </dgm:pt>
     <dgm:pt modelId="{3C2B8E3E-4D16-4E24-9B02-1B51219B273F}" type="pres">
       <dgm:prSet presAssocID="{18F38CA7-DEDC-4FB6-BC3C-15A532A238A5}" presName="hierChild3" presStyleCnt="0"/>
@@ -7987,6 +8467,13 @@
     <dgm:pt modelId="{5ED8A3C9-50E9-4DB1-88F4-37217F3FB118}" type="pres">
       <dgm:prSet presAssocID="{39B2B22E-398D-4023-8C2C-0F44B2856D5A}" presName="Name19" presStyleLbl="parChTrans1D3" presStyleIdx="2" presStyleCnt="3"/>
       <dgm:spPr/>
+      <dgm:t>
+        <a:bodyPr/>
+        <a:lstStyle/>
+        <a:p>
+          <a:endParaRPr lang="de-DE"/>
+        </a:p>
+      </dgm:t>
     </dgm:pt>
     <dgm:pt modelId="{8C6C6B06-475E-48B6-A555-E765F021362B}" type="pres">
       <dgm:prSet presAssocID="{42860D26-249D-4C8F-9E2C-7F8264552AF6}" presName="Name21" presStyleCnt="0"/>
@@ -8010,6 +8497,13 @@
     <dgm:pt modelId="{B4DC2401-ADA1-4E41-9392-27C467050940}" type="pres">
       <dgm:prSet presAssocID="{9B010BE5-18AA-475F-99A7-7409D60C6829}" presName="Name19" presStyleLbl="parChTrans1D4" presStyleIdx="2" presStyleCnt="3"/>
       <dgm:spPr/>
+      <dgm:t>
+        <a:bodyPr/>
+        <a:lstStyle/>
+        <a:p>
+          <a:endParaRPr lang="de-DE"/>
+        </a:p>
+      </dgm:t>
     </dgm:pt>
     <dgm:pt modelId="{AA8D51A0-1070-41E5-B50D-882AC46C62B0}" type="pres">
       <dgm:prSet presAssocID="{8E6CE77F-7A07-4738-9A3A-87DFEBA30489}" presName="Name21" presStyleCnt="0"/>
@@ -8018,6 +8512,13 @@
     <dgm:pt modelId="{B7A311D2-1E9E-4004-A53F-9623D84287C9}" type="pres">
       <dgm:prSet presAssocID="{8E6CE77F-7A07-4738-9A3A-87DFEBA30489}" presName="level2Shape" presStyleLbl="node4" presStyleIdx="2" presStyleCnt="3" custScaleX="122726" custScaleY="65281" custLinFactNeighborX="148" custLinFactNeighborY="65892"/>
       <dgm:spPr/>
+      <dgm:t>
+        <a:bodyPr/>
+        <a:lstStyle/>
+        <a:p>
+          <a:endParaRPr lang="de-DE"/>
+        </a:p>
+      </dgm:t>
     </dgm:pt>
     <dgm:pt modelId="{1D8E991D-5D52-45AC-9A34-A56EADA1E87D}" type="pres">
       <dgm:prSet presAssocID="{8E6CE77F-7A07-4738-9A3A-87DFEBA30489}" presName="hierChild3" presStyleCnt="0"/>
@@ -8034,6 +8535,13 @@
     <dgm:pt modelId="{747057C4-883E-4012-8E66-4802241FD32C}" type="pres">
       <dgm:prSet presAssocID="{4D8F5BC8-BA1D-4197-8790-1E51FEEE69DC}" presName="bgRect" presStyleLbl="bgShp" presStyleIdx="0" presStyleCnt="4"/>
       <dgm:spPr/>
+      <dgm:t>
+        <a:bodyPr/>
+        <a:lstStyle/>
+        <a:p>
+          <a:endParaRPr lang="de-DE"/>
+        </a:p>
+      </dgm:t>
     </dgm:pt>
     <dgm:pt modelId="{F1E4EA33-8495-49ED-90D9-7E6671523324}" type="pres">
       <dgm:prSet presAssocID="{4D8F5BC8-BA1D-4197-8790-1E51FEEE69DC}" presName="bgRectTx" presStyleLbl="bgShp" presStyleIdx="0" presStyleCnt="4">
@@ -8042,6 +8550,13 @@
         </dgm:presLayoutVars>
       </dgm:prSet>
       <dgm:spPr/>
+      <dgm:t>
+        <a:bodyPr/>
+        <a:lstStyle/>
+        <a:p>
+          <a:endParaRPr lang="de-DE"/>
+        </a:p>
+      </dgm:t>
     </dgm:pt>
     <dgm:pt modelId="{D536FC77-B0D4-4470-B259-984B9C555B91}" type="pres">
       <dgm:prSet presAssocID="{4D8F5BC8-BA1D-4197-8790-1E51FEEE69DC}" presName="spComp" presStyleCnt="0"/>
@@ -16899,7 +17414,7 @@
         </a:prstGeom>
         <a:solidFill>
           <a:schemeClr val="accent4">
-            <a:hueOff val="6237415"/>
+            <a:hueOff val="6237416"/>
             <a:satOff val="-28781"/>
             <a:lumOff val="1059"/>
             <a:alphaOff val="0"/>
@@ -17117,7 +17632,7 @@
         </a:prstGeom>
         <a:solidFill>
           <a:schemeClr val="accent4">
-            <a:hueOff val="10395692"/>
+            <a:hueOff val="10395693"/>
             <a:satOff val="-47968"/>
             <a:lumOff val="1765"/>
             <a:alphaOff val="0"/>
@@ -28380,6 +28895,149 @@
           <a:lstStyle/>
           <a:p>
             <a:r>
+              <a:rPr lang="de-DE" dirty="0" smtClean="0"/>
+              <a:t>Kennzahlenübersicht für</a:t>
+            </a:r>
+            <a:r>
+              <a:rPr lang="de-DE" baseline="0" dirty="0" smtClean="0"/>
+              <a:t> PAMS.</a:t>
+            </a:r>
+          </a:p>
+          <a:p>
+            <a:r>
+              <a:rPr lang="de-DE" baseline="0" dirty="0" smtClean="0"/>
+              <a:t>Am 05.08. wurde im </a:t>
+            </a:r>
+            <a:r>
+              <a:rPr lang="de-DE" baseline="0" dirty="0" err="1" smtClean="0"/>
+              <a:t>wöchentl</a:t>
+            </a:r>
+            <a:r>
+              <a:rPr lang="de-DE" baseline="0" dirty="0" smtClean="0"/>
+              <a:t>. Statusbericht erkannt, dass wir durch unsere Fehlkommunikation Gefahr laufen, das Budget zu überschreiten.</a:t>
+            </a:r>
+          </a:p>
+          <a:p>
+            <a:r>
+              <a:rPr lang="de-DE" baseline="0" dirty="0" smtClean="0"/>
+              <a:t>-&gt; Kommunikation mit Auftraggeber -&gt; Budget Erhöhung eingefordert -&gt; Schon am 12.08. haben sich IST- und </a:t>
+            </a:r>
+            <a:r>
+              <a:rPr lang="de-DE" baseline="0" dirty="0" err="1" smtClean="0"/>
+              <a:t>SOLL-Wert</a:t>
+            </a:r>
+            <a:r>
+              <a:rPr lang="de-DE" baseline="0" dirty="0" smtClean="0"/>
+              <a:t> angenähert.</a:t>
+            </a:r>
+          </a:p>
+          <a:p>
+            <a:r>
+              <a:rPr lang="de-DE" baseline="0" dirty="0" smtClean="0"/>
+              <a:t>Zeitlich gibt es durch die Fehlkommunikation keine </a:t>
+            </a:r>
+            <a:r>
+              <a:rPr lang="de-DE" baseline="0" dirty="0" err="1" smtClean="0"/>
+              <a:t>einbußungen</a:t>
+            </a:r>
+            <a:r>
+              <a:rPr lang="de-DE" baseline="0" dirty="0" smtClean="0"/>
+              <a:t>. -&gt; Mehr geschafft als geplant.</a:t>
+            </a:r>
+            <a:endParaRPr lang="de-DE" dirty="0"/>
+          </a:p>
+        </p:txBody>
+      </p:sp>
+      <p:sp>
+        <p:nvSpPr>
+          <p:cNvPr id="4" name="Foliennummernplatzhalter 3"/>
+          <p:cNvSpPr>
+            <a:spLocks noGrp="1"/>
+          </p:cNvSpPr>
+          <p:nvPr>
+            <p:ph type="sldNum" sz="quarter" idx="10"/>
+          </p:nvPr>
+        </p:nvSpPr>
+        <p:spPr/>
+        <p:txBody>
+          <a:bodyPr/>
+          <a:lstStyle/>
+          <a:p>
+            <a:fld id="{6A6B0531-E102-4634-BEBB-FD3F5346A240}" type="slidenum">
+              <a:rPr lang="de-DE" smtClean="0">
+                <a:solidFill>
+                  <a:prstClr val="black"/>
+                </a:solidFill>
+              </a:rPr>
+              <a:pPr/>
+              <a:t>12</a:t>
+            </a:fld>
+            <a:endParaRPr lang="de-DE">
+              <a:solidFill>
+                <a:prstClr val="black"/>
+              </a:solidFill>
+            </a:endParaRPr>
+          </a:p>
+        </p:txBody>
+      </p:sp>
+    </p:spTree>
+    <p:extLst>
+      <p:ext uri="{BB962C8B-B14F-4D97-AF65-F5344CB8AC3E}">
+        <p14:creationId xmlns:p14="http://schemas.microsoft.com/office/powerpoint/2010/main" val="1780959065"/>
+      </p:ext>
+    </p:extLst>
+  </p:cSld>
+  <p:clrMapOvr>
+    <a:masterClrMapping/>
+  </p:clrMapOvr>
+</p:notes>
+</file>
+
+<file path=ppt/notesSlides/notesSlide6.xml><?xml version="1.0" encoding="utf-8"?>
+<p:notes xmlns:a="http://schemas.openxmlformats.org/drawingml/2006/main" xmlns:r="http://schemas.openxmlformats.org/officeDocument/2006/relationships" xmlns:p="http://schemas.openxmlformats.org/presentationml/2006/main">
+  <p:cSld>
+    <p:spTree>
+      <p:nvGrpSpPr>
+        <p:cNvPr id="1" name=""/>
+        <p:cNvGrpSpPr/>
+        <p:nvPr/>
+      </p:nvGrpSpPr>
+      <p:grpSpPr>
+        <a:xfrm>
+          <a:off x="0" y="0"/>
+          <a:ext cx="0" cy="0"/>
+          <a:chOff x="0" y="0"/>
+          <a:chExt cx="0" cy="0"/>
+        </a:xfrm>
+      </p:grpSpPr>
+      <p:sp>
+        <p:nvSpPr>
+          <p:cNvPr id="2" name="Folienbildplatzhalter 1"/>
+          <p:cNvSpPr>
+            <a:spLocks noGrp="1" noRot="1" noChangeAspect="1"/>
+          </p:cNvSpPr>
+          <p:nvPr>
+            <p:ph type="sldImg"/>
+          </p:nvPr>
+        </p:nvSpPr>
+        <p:spPr/>
+      </p:sp>
+      <p:sp>
+        <p:nvSpPr>
+          <p:cNvPr id="3" name="Notizenplatzhalter 2"/>
+          <p:cNvSpPr>
+            <a:spLocks noGrp="1"/>
+          </p:cNvSpPr>
+          <p:nvPr>
+            <p:ph type="body" idx="1"/>
+          </p:nvPr>
+        </p:nvSpPr>
+        <p:spPr/>
+        <p:txBody>
+          <a:bodyPr/>
+          <a:lstStyle/>
+          <a:p>
+            <a:r>
               <a:rPr lang="de-DE" dirty="0"/>
               <a:t>Wie verhindern wir ein Wiederauftritt?</a:t>
             </a:r>
@@ -28438,7 +29096,7 @@
           <a:p>
             <a:fld id="{6A6B0531-E102-4634-BEBB-FD3F5346A240}" type="slidenum">
               <a:rPr lang="de-DE" smtClean="0"/>
-              <a:t>12</a:t>
+              <a:t>13</a:t>
             </a:fld>
             <a:endParaRPr lang="de-DE"/>
           </a:p>
@@ -28457,7 +29115,7 @@
 </p:notes>
 </file>
 
-<file path=ppt/notesSlides/notesSlide6.xml><?xml version="1.0" encoding="utf-8"?>
+<file path=ppt/notesSlides/notesSlide7.xml><?xml version="1.0" encoding="utf-8"?>
 <p:notes xmlns:a="http://schemas.openxmlformats.org/drawingml/2006/main" xmlns:r="http://schemas.openxmlformats.org/officeDocument/2006/relationships" xmlns:p="http://schemas.openxmlformats.org/presentationml/2006/main">
   <p:cSld>
     <p:spTree>
@@ -28522,7 +29180,7 @@
           <a:p>
             <a:fld id="{9FC0BF00-B122-482A-9408-566B5D066A28}" type="slidenum">
               <a:rPr lang="de-DE" smtClean="0"/>
-              <a:t>27</a:t>
+              <a:t>28</a:t>
             </a:fld>
             <a:endParaRPr lang="de-DE"/>
           </a:p>
@@ -29077,6 +29735,1945 @@
 </p:sldLayout>
 </file>
 
+<file path=ppt/slideLayouts/slideLayout12.xml><?xml version="1.0" encoding="utf-8"?>
+<p:sldLayout xmlns:a="http://schemas.openxmlformats.org/drawingml/2006/main" xmlns:r="http://schemas.openxmlformats.org/officeDocument/2006/relationships" xmlns:p="http://schemas.openxmlformats.org/presentationml/2006/main" type="title" preserve="1">
+  <p:cSld name="Titelfolie">
+    <p:spTree>
+      <p:nvGrpSpPr>
+        <p:cNvPr id="1" name=""/>
+        <p:cNvGrpSpPr/>
+        <p:nvPr/>
+      </p:nvGrpSpPr>
+      <p:grpSpPr>
+        <a:xfrm>
+          <a:off x="0" y="0"/>
+          <a:ext cx="0" cy="0"/>
+          <a:chOff x="0" y="0"/>
+          <a:chExt cx="0" cy="0"/>
+        </a:xfrm>
+      </p:grpSpPr>
+      <p:sp>
+        <p:nvSpPr>
+          <p:cNvPr id="2" name="Titel 1"/>
+          <p:cNvSpPr>
+            <a:spLocks noGrp="1"/>
+          </p:cNvSpPr>
+          <p:nvPr>
+            <p:ph type="ctrTitle"/>
+          </p:nvPr>
+        </p:nvSpPr>
+        <p:spPr>
+          <a:xfrm>
+            <a:off x="1524000" y="1122363"/>
+            <a:ext cx="9144000" cy="2387600"/>
+          </a:xfrm>
+        </p:spPr>
+        <p:txBody>
+          <a:bodyPr anchor="b"/>
+          <a:lstStyle>
+            <a:lvl1pPr algn="ctr">
+              <a:defRPr sz="6000"/>
+            </a:lvl1pPr>
+          </a:lstStyle>
+          <a:p>
+            <a:r>
+              <a:rPr lang="de-DE"/>
+              <a:t>Titelmasterformat durch Klicken bearbeiten</a:t>
+            </a:r>
+          </a:p>
+        </p:txBody>
+      </p:sp>
+      <p:sp>
+        <p:nvSpPr>
+          <p:cNvPr id="3" name="Untertitel 2"/>
+          <p:cNvSpPr>
+            <a:spLocks noGrp="1"/>
+          </p:cNvSpPr>
+          <p:nvPr>
+            <p:ph type="subTitle" idx="1"/>
+          </p:nvPr>
+        </p:nvSpPr>
+        <p:spPr>
+          <a:xfrm>
+            <a:off x="1524000" y="3602038"/>
+            <a:ext cx="9144000" cy="1655762"/>
+          </a:xfrm>
+        </p:spPr>
+        <p:txBody>
+          <a:bodyPr/>
+          <a:lstStyle>
+            <a:lvl1pPr marL="0" indent="0" algn="ctr">
+              <a:buNone/>
+              <a:defRPr sz="2400"/>
+            </a:lvl1pPr>
+            <a:lvl2pPr marL="457200" indent="0" algn="ctr">
+              <a:buNone/>
+              <a:defRPr sz="2000"/>
+            </a:lvl2pPr>
+            <a:lvl3pPr marL="914400" indent="0" algn="ctr">
+              <a:buNone/>
+              <a:defRPr sz="1800"/>
+            </a:lvl3pPr>
+            <a:lvl4pPr marL="1371600" indent="0" algn="ctr">
+              <a:buNone/>
+              <a:defRPr sz="1600"/>
+            </a:lvl4pPr>
+            <a:lvl5pPr marL="1828800" indent="0" algn="ctr">
+              <a:buNone/>
+              <a:defRPr sz="1600"/>
+            </a:lvl5pPr>
+            <a:lvl6pPr marL="2286000" indent="0" algn="ctr">
+              <a:buNone/>
+              <a:defRPr sz="1600"/>
+            </a:lvl6pPr>
+            <a:lvl7pPr marL="2743200" indent="0" algn="ctr">
+              <a:buNone/>
+              <a:defRPr sz="1600"/>
+            </a:lvl7pPr>
+            <a:lvl8pPr marL="3200400" indent="0" algn="ctr">
+              <a:buNone/>
+              <a:defRPr sz="1600"/>
+            </a:lvl8pPr>
+            <a:lvl9pPr marL="3657600" indent="0" algn="ctr">
+              <a:buNone/>
+              <a:defRPr sz="1600"/>
+            </a:lvl9pPr>
+          </a:lstStyle>
+          <a:p>
+            <a:r>
+              <a:rPr lang="de-DE"/>
+              <a:t>Formatvorlage des Untertitelmasters durch Klicken bearbeiten</a:t>
+            </a:r>
+          </a:p>
+        </p:txBody>
+      </p:sp>
+      <p:sp>
+        <p:nvSpPr>
+          <p:cNvPr id="4" name="Datumsplatzhalter 3"/>
+          <p:cNvSpPr>
+            <a:spLocks noGrp="1"/>
+          </p:cNvSpPr>
+          <p:nvPr>
+            <p:ph type="dt" sz="half" idx="10"/>
+          </p:nvPr>
+        </p:nvSpPr>
+        <p:spPr/>
+        <p:txBody>
+          <a:bodyPr/>
+          <a:lstStyle/>
+          <a:p>
+            <a:fld id="{E8E9FD07-347C-4F3E-9A33-FA8DD8CC6C0A}" type="datetimeFigureOut">
+              <a:rPr lang="de-DE" smtClean="0">
+                <a:solidFill>
+                  <a:prstClr val="black">
+                    <a:tint val="75000"/>
+                  </a:prstClr>
+                </a:solidFill>
+              </a:rPr>
+              <a:pPr/>
+              <a:t>18.08.2016</a:t>
+            </a:fld>
+            <a:endParaRPr lang="de-DE">
+              <a:solidFill>
+                <a:prstClr val="black">
+                  <a:tint val="75000"/>
+                </a:prstClr>
+              </a:solidFill>
+            </a:endParaRPr>
+          </a:p>
+        </p:txBody>
+      </p:sp>
+      <p:sp>
+        <p:nvSpPr>
+          <p:cNvPr id="5" name="Fußzeilenplatzhalter 4"/>
+          <p:cNvSpPr>
+            <a:spLocks noGrp="1"/>
+          </p:cNvSpPr>
+          <p:nvPr>
+            <p:ph type="ftr" sz="quarter" idx="11"/>
+          </p:nvPr>
+        </p:nvSpPr>
+        <p:spPr/>
+        <p:txBody>
+          <a:bodyPr/>
+          <a:lstStyle/>
+          <a:p>
+            <a:endParaRPr lang="de-DE">
+              <a:solidFill>
+                <a:prstClr val="black">
+                  <a:tint val="75000"/>
+                </a:prstClr>
+              </a:solidFill>
+            </a:endParaRPr>
+          </a:p>
+        </p:txBody>
+      </p:sp>
+      <p:sp>
+        <p:nvSpPr>
+          <p:cNvPr id="6" name="Foliennummernplatzhalter 5"/>
+          <p:cNvSpPr>
+            <a:spLocks noGrp="1"/>
+          </p:cNvSpPr>
+          <p:nvPr>
+            <p:ph type="sldNum" sz="quarter" idx="12"/>
+          </p:nvPr>
+        </p:nvSpPr>
+        <p:spPr/>
+        <p:txBody>
+          <a:bodyPr/>
+          <a:lstStyle/>
+          <a:p>
+            <a:fld id="{FF5CD429-A6E4-42D1-8B88-CE70094E037A}" type="slidenum">
+              <a:rPr lang="de-DE" smtClean="0">
+                <a:solidFill>
+                  <a:prstClr val="black">
+                    <a:tint val="75000"/>
+                  </a:prstClr>
+                </a:solidFill>
+              </a:rPr>
+              <a:pPr/>
+              <a:t>‹Nr.›</a:t>
+            </a:fld>
+            <a:endParaRPr lang="de-DE">
+              <a:solidFill>
+                <a:prstClr val="black">
+                  <a:tint val="75000"/>
+                </a:prstClr>
+              </a:solidFill>
+            </a:endParaRPr>
+          </a:p>
+        </p:txBody>
+      </p:sp>
+    </p:spTree>
+    <p:extLst>
+      <p:ext uri="{BB962C8B-B14F-4D97-AF65-F5344CB8AC3E}">
+        <p14:creationId xmlns:p14="http://schemas.microsoft.com/office/powerpoint/2010/main" val="4272883906"/>
+      </p:ext>
+    </p:extLst>
+  </p:cSld>
+  <p:clrMapOvr>
+    <a:masterClrMapping/>
+  </p:clrMapOvr>
+</p:sldLayout>
+</file>
+
+<file path=ppt/slideLayouts/slideLayout13.xml><?xml version="1.0" encoding="utf-8"?>
+<p:sldLayout xmlns:a="http://schemas.openxmlformats.org/drawingml/2006/main" xmlns:r="http://schemas.openxmlformats.org/officeDocument/2006/relationships" xmlns:p="http://schemas.openxmlformats.org/presentationml/2006/main" type="obj" preserve="1">
+  <p:cSld name="Titel und Inhalt">
+    <p:spTree>
+      <p:nvGrpSpPr>
+        <p:cNvPr id="1" name=""/>
+        <p:cNvGrpSpPr/>
+        <p:nvPr/>
+      </p:nvGrpSpPr>
+      <p:grpSpPr>
+        <a:xfrm>
+          <a:off x="0" y="0"/>
+          <a:ext cx="0" cy="0"/>
+          <a:chOff x="0" y="0"/>
+          <a:chExt cx="0" cy="0"/>
+        </a:xfrm>
+      </p:grpSpPr>
+      <p:sp>
+        <p:nvSpPr>
+          <p:cNvPr id="2" name="Titel 1"/>
+          <p:cNvSpPr>
+            <a:spLocks noGrp="1"/>
+          </p:cNvSpPr>
+          <p:nvPr>
+            <p:ph type="title"/>
+          </p:nvPr>
+        </p:nvSpPr>
+        <p:spPr/>
+        <p:txBody>
+          <a:bodyPr/>
+          <a:lstStyle/>
+          <a:p>
+            <a:r>
+              <a:rPr lang="de-DE"/>
+              <a:t>Titelmasterformat durch Klicken bearbeiten</a:t>
+            </a:r>
+          </a:p>
+        </p:txBody>
+      </p:sp>
+      <p:sp>
+        <p:nvSpPr>
+          <p:cNvPr id="3" name="Inhaltsplatzhalter 2"/>
+          <p:cNvSpPr>
+            <a:spLocks noGrp="1"/>
+          </p:cNvSpPr>
+          <p:nvPr>
+            <p:ph idx="1"/>
+          </p:nvPr>
+        </p:nvSpPr>
+        <p:spPr/>
+        <p:txBody>
+          <a:bodyPr/>
+          <a:lstStyle/>
+          <a:p>
+            <a:pPr lvl="0"/>
+            <a:r>
+              <a:rPr lang="de-DE"/>
+              <a:t>Formatvorlagen des Textmasters bearbeiten</a:t>
+            </a:r>
+          </a:p>
+          <a:p>
+            <a:pPr lvl="1"/>
+            <a:r>
+              <a:rPr lang="de-DE"/>
+              <a:t>Zweite Ebene</a:t>
+            </a:r>
+          </a:p>
+          <a:p>
+            <a:pPr lvl="2"/>
+            <a:r>
+              <a:rPr lang="de-DE"/>
+              <a:t>Dritte Ebene</a:t>
+            </a:r>
+          </a:p>
+          <a:p>
+            <a:pPr lvl="3"/>
+            <a:r>
+              <a:rPr lang="de-DE"/>
+              <a:t>Vierte Ebene</a:t>
+            </a:r>
+          </a:p>
+          <a:p>
+            <a:pPr lvl="4"/>
+            <a:r>
+              <a:rPr lang="de-DE"/>
+              <a:t>Fünfte Ebene</a:t>
+            </a:r>
+          </a:p>
+        </p:txBody>
+      </p:sp>
+      <p:sp>
+        <p:nvSpPr>
+          <p:cNvPr id="4" name="Datumsplatzhalter 3"/>
+          <p:cNvSpPr>
+            <a:spLocks noGrp="1"/>
+          </p:cNvSpPr>
+          <p:nvPr>
+            <p:ph type="dt" sz="half" idx="10"/>
+          </p:nvPr>
+        </p:nvSpPr>
+        <p:spPr/>
+        <p:txBody>
+          <a:bodyPr/>
+          <a:lstStyle/>
+          <a:p>
+            <a:fld id="{E8E9FD07-347C-4F3E-9A33-FA8DD8CC6C0A}" type="datetimeFigureOut">
+              <a:rPr lang="de-DE" smtClean="0">
+                <a:solidFill>
+                  <a:prstClr val="black">
+                    <a:tint val="75000"/>
+                  </a:prstClr>
+                </a:solidFill>
+              </a:rPr>
+              <a:pPr/>
+              <a:t>18.08.2016</a:t>
+            </a:fld>
+            <a:endParaRPr lang="de-DE">
+              <a:solidFill>
+                <a:prstClr val="black">
+                  <a:tint val="75000"/>
+                </a:prstClr>
+              </a:solidFill>
+            </a:endParaRPr>
+          </a:p>
+        </p:txBody>
+      </p:sp>
+      <p:sp>
+        <p:nvSpPr>
+          <p:cNvPr id="5" name="Fußzeilenplatzhalter 4"/>
+          <p:cNvSpPr>
+            <a:spLocks noGrp="1"/>
+          </p:cNvSpPr>
+          <p:nvPr>
+            <p:ph type="ftr" sz="quarter" idx="11"/>
+          </p:nvPr>
+        </p:nvSpPr>
+        <p:spPr/>
+        <p:txBody>
+          <a:bodyPr/>
+          <a:lstStyle/>
+          <a:p>
+            <a:endParaRPr lang="de-DE">
+              <a:solidFill>
+                <a:prstClr val="black">
+                  <a:tint val="75000"/>
+                </a:prstClr>
+              </a:solidFill>
+            </a:endParaRPr>
+          </a:p>
+        </p:txBody>
+      </p:sp>
+      <p:sp>
+        <p:nvSpPr>
+          <p:cNvPr id="6" name="Foliennummernplatzhalter 5"/>
+          <p:cNvSpPr>
+            <a:spLocks noGrp="1"/>
+          </p:cNvSpPr>
+          <p:nvPr>
+            <p:ph type="sldNum" sz="quarter" idx="12"/>
+          </p:nvPr>
+        </p:nvSpPr>
+        <p:spPr/>
+        <p:txBody>
+          <a:bodyPr/>
+          <a:lstStyle/>
+          <a:p>
+            <a:fld id="{FF5CD429-A6E4-42D1-8B88-CE70094E037A}" type="slidenum">
+              <a:rPr lang="de-DE" smtClean="0">
+                <a:solidFill>
+                  <a:prstClr val="black">
+                    <a:tint val="75000"/>
+                  </a:prstClr>
+                </a:solidFill>
+              </a:rPr>
+              <a:pPr/>
+              <a:t>‹Nr.›</a:t>
+            </a:fld>
+            <a:endParaRPr lang="de-DE">
+              <a:solidFill>
+                <a:prstClr val="black">
+                  <a:tint val="75000"/>
+                </a:prstClr>
+              </a:solidFill>
+            </a:endParaRPr>
+          </a:p>
+        </p:txBody>
+      </p:sp>
+    </p:spTree>
+    <p:extLst>
+      <p:ext uri="{BB962C8B-B14F-4D97-AF65-F5344CB8AC3E}">
+        <p14:creationId xmlns:p14="http://schemas.microsoft.com/office/powerpoint/2010/main" val="2906065593"/>
+      </p:ext>
+    </p:extLst>
+  </p:cSld>
+  <p:clrMapOvr>
+    <a:masterClrMapping/>
+  </p:clrMapOvr>
+</p:sldLayout>
+</file>
+
+<file path=ppt/slideLayouts/slideLayout14.xml><?xml version="1.0" encoding="utf-8"?>
+<p:sldLayout xmlns:a="http://schemas.openxmlformats.org/drawingml/2006/main" xmlns:r="http://schemas.openxmlformats.org/officeDocument/2006/relationships" xmlns:p="http://schemas.openxmlformats.org/presentationml/2006/main" type="secHead" preserve="1">
+  <p:cSld name="Abschnitts-&#10;überschrift">
+    <p:spTree>
+      <p:nvGrpSpPr>
+        <p:cNvPr id="1" name=""/>
+        <p:cNvGrpSpPr/>
+        <p:nvPr/>
+      </p:nvGrpSpPr>
+      <p:grpSpPr>
+        <a:xfrm>
+          <a:off x="0" y="0"/>
+          <a:ext cx="0" cy="0"/>
+          <a:chOff x="0" y="0"/>
+          <a:chExt cx="0" cy="0"/>
+        </a:xfrm>
+      </p:grpSpPr>
+      <p:sp>
+        <p:nvSpPr>
+          <p:cNvPr id="2" name="Titel 1"/>
+          <p:cNvSpPr>
+            <a:spLocks noGrp="1"/>
+          </p:cNvSpPr>
+          <p:nvPr>
+            <p:ph type="title"/>
+          </p:nvPr>
+        </p:nvSpPr>
+        <p:spPr>
+          <a:xfrm>
+            <a:off x="831850" y="1709738"/>
+            <a:ext cx="10515600" cy="2852737"/>
+          </a:xfrm>
+        </p:spPr>
+        <p:txBody>
+          <a:bodyPr anchor="b"/>
+          <a:lstStyle>
+            <a:lvl1pPr>
+              <a:defRPr sz="6000"/>
+            </a:lvl1pPr>
+          </a:lstStyle>
+          <a:p>
+            <a:r>
+              <a:rPr lang="de-DE"/>
+              <a:t>Titelmasterformat durch Klicken bearbeiten</a:t>
+            </a:r>
+          </a:p>
+        </p:txBody>
+      </p:sp>
+      <p:sp>
+        <p:nvSpPr>
+          <p:cNvPr id="3" name="Textplatzhalter 2"/>
+          <p:cNvSpPr>
+            <a:spLocks noGrp="1"/>
+          </p:cNvSpPr>
+          <p:nvPr>
+            <p:ph type="body" idx="1"/>
+          </p:nvPr>
+        </p:nvSpPr>
+        <p:spPr>
+          <a:xfrm>
+            <a:off x="831850" y="4589463"/>
+            <a:ext cx="10515600" cy="1500187"/>
+          </a:xfrm>
+        </p:spPr>
+        <p:txBody>
+          <a:bodyPr/>
+          <a:lstStyle>
+            <a:lvl1pPr marL="0" indent="0">
+              <a:buNone/>
+              <a:defRPr sz="2400">
+                <a:solidFill>
+                  <a:schemeClr val="tx1">
+                    <a:tint val="75000"/>
+                  </a:schemeClr>
+                </a:solidFill>
+              </a:defRPr>
+            </a:lvl1pPr>
+            <a:lvl2pPr marL="457200" indent="0">
+              <a:buNone/>
+              <a:defRPr sz="2000">
+                <a:solidFill>
+                  <a:schemeClr val="tx1">
+                    <a:tint val="75000"/>
+                  </a:schemeClr>
+                </a:solidFill>
+              </a:defRPr>
+            </a:lvl2pPr>
+            <a:lvl3pPr marL="914400" indent="0">
+              <a:buNone/>
+              <a:defRPr sz="1800">
+                <a:solidFill>
+                  <a:schemeClr val="tx1">
+                    <a:tint val="75000"/>
+                  </a:schemeClr>
+                </a:solidFill>
+              </a:defRPr>
+            </a:lvl3pPr>
+            <a:lvl4pPr marL="1371600" indent="0">
+              <a:buNone/>
+              <a:defRPr sz="1600">
+                <a:solidFill>
+                  <a:schemeClr val="tx1">
+                    <a:tint val="75000"/>
+                  </a:schemeClr>
+                </a:solidFill>
+              </a:defRPr>
+            </a:lvl4pPr>
+            <a:lvl5pPr marL="1828800" indent="0">
+              <a:buNone/>
+              <a:defRPr sz="1600">
+                <a:solidFill>
+                  <a:schemeClr val="tx1">
+                    <a:tint val="75000"/>
+                  </a:schemeClr>
+                </a:solidFill>
+              </a:defRPr>
+            </a:lvl5pPr>
+            <a:lvl6pPr marL="2286000" indent="0">
+              <a:buNone/>
+              <a:defRPr sz="1600">
+                <a:solidFill>
+                  <a:schemeClr val="tx1">
+                    <a:tint val="75000"/>
+                  </a:schemeClr>
+                </a:solidFill>
+              </a:defRPr>
+            </a:lvl6pPr>
+            <a:lvl7pPr marL="2743200" indent="0">
+              <a:buNone/>
+              <a:defRPr sz="1600">
+                <a:solidFill>
+                  <a:schemeClr val="tx1">
+                    <a:tint val="75000"/>
+                  </a:schemeClr>
+                </a:solidFill>
+              </a:defRPr>
+            </a:lvl7pPr>
+            <a:lvl8pPr marL="3200400" indent="0">
+              <a:buNone/>
+              <a:defRPr sz="1600">
+                <a:solidFill>
+                  <a:schemeClr val="tx1">
+                    <a:tint val="75000"/>
+                  </a:schemeClr>
+                </a:solidFill>
+              </a:defRPr>
+            </a:lvl8pPr>
+            <a:lvl9pPr marL="3657600" indent="0">
+              <a:buNone/>
+              <a:defRPr sz="1600">
+                <a:solidFill>
+                  <a:schemeClr val="tx1">
+                    <a:tint val="75000"/>
+                  </a:schemeClr>
+                </a:solidFill>
+              </a:defRPr>
+            </a:lvl9pPr>
+          </a:lstStyle>
+          <a:p>
+            <a:pPr lvl="0"/>
+            <a:r>
+              <a:rPr lang="de-DE"/>
+              <a:t>Formatvorlagen des Textmasters bearbeiten</a:t>
+            </a:r>
+          </a:p>
+        </p:txBody>
+      </p:sp>
+      <p:sp>
+        <p:nvSpPr>
+          <p:cNvPr id="4" name="Datumsplatzhalter 3"/>
+          <p:cNvSpPr>
+            <a:spLocks noGrp="1"/>
+          </p:cNvSpPr>
+          <p:nvPr>
+            <p:ph type="dt" sz="half" idx="10"/>
+          </p:nvPr>
+        </p:nvSpPr>
+        <p:spPr/>
+        <p:txBody>
+          <a:bodyPr/>
+          <a:lstStyle/>
+          <a:p>
+            <a:fld id="{E8E9FD07-347C-4F3E-9A33-FA8DD8CC6C0A}" type="datetimeFigureOut">
+              <a:rPr lang="de-DE" smtClean="0">
+                <a:solidFill>
+                  <a:prstClr val="black">
+                    <a:tint val="75000"/>
+                  </a:prstClr>
+                </a:solidFill>
+              </a:rPr>
+              <a:pPr/>
+              <a:t>18.08.2016</a:t>
+            </a:fld>
+            <a:endParaRPr lang="de-DE">
+              <a:solidFill>
+                <a:prstClr val="black">
+                  <a:tint val="75000"/>
+                </a:prstClr>
+              </a:solidFill>
+            </a:endParaRPr>
+          </a:p>
+        </p:txBody>
+      </p:sp>
+      <p:sp>
+        <p:nvSpPr>
+          <p:cNvPr id="5" name="Fußzeilenplatzhalter 4"/>
+          <p:cNvSpPr>
+            <a:spLocks noGrp="1"/>
+          </p:cNvSpPr>
+          <p:nvPr>
+            <p:ph type="ftr" sz="quarter" idx="11"/>
+          </p:nvPr>
+        </p:nvSpPr>
+        <p:spPr/>
+        <p:txBody>
+          <a:bodyPr/>
+          <a:lstStyle/>
+          <a:p>
+            <a:endParaRPr lang="de-DE">
+              <a:solidFill>
+                <a:prstClr val="black">
+                  <a:tint val="75000"/>
+                </a:prstClr>
+              </a:solidFill>
+            </a:endParaRPr>
+          </a:p>
+        </p:txBody>
+      </p:sp>
+      <p:sp>
+        <p:nvSpPr>
+          <p:cNvPr id="6" name="Foliennummernplatzhalter 5"/>
+          <p:cNvSpPr>
+            <a:spLocks noGrp="1"/>
+          </p:cNvSpPr>
+          <p:nvPr>
+            <p:ph type="sldNum" sz="quarter" idx="12"/>
+          </p:nvPr>
+        </p:nvSpPr>
+        <p:spPr/>
+        <p:txBody>
+          <a:bodyPr/>
+          <a:lstStyle/>
+          <a:p>
+            <a:fld id="{FF5CD429-A6E4-42D1-8B88-CE70094E037A}" type="slidenum">
+              <a:rPr lang="de-DE" smtClean="0">
+                <a:solidFill>
+                  <a:prstClr val="black">
+                    <a:tint val="75000"/>
+                  </a:prstClr>
+                </a:solidFill>
+              </a:rPr>
+              <a:pPr/>
+              <a:t>‹Nr.›</a:t>
+            </a:fld>
+            <a:endParaRPr lang="de-DE">
+              <a:solidFill>
+                <a:prstClr val="black">
+                  <a:tint val="75000"/>
+                </a:prstClr>
+              </a:solidFill>
+            </a:endParaRPr>
+          </a:p>
+        </p:txBody>
+      </p:sp>
+    </p:spTree>
+    <p:extLst>
+      <p:ext uri="{BB962C8B-B14F-4D97-AF65-F5344CB8AC3E}">
+        <p14:creationId xmlns:p14="http://schemas.microsoft.com/office/powerpoint/2010/main" val="619307504"/>
+      </p:ext>
+    </p:extLst>
+  </p:cSld>
+  <p:clrMapOvr>
+    <a:masterClrMapping/>
+  </p:clrMapOvr>
+</p:sldLayout>
+</file>
+
+<file path=ppt/slideLayouts/slideLayout15.xml><?xml version="1.0" encoding="utf-8"?>
+<p:sldLayout xmlns:a="http://schemas.openxmlformats.org/drawingml/2006/main" xmlns:r="http://schemas.openxmlformats.org/officeDocument/2006/relationships" xmlns:p="http://schemas.openxmlformats.org/presentationml/2006/main" type="twoObj" preserve="1">
+  <p:cSld name="Zwei Inhalte">
+    <p:spTree>
+      <p:nvGrpSpPr>
+        <p:cNvPr id="1" name=""/>
+        <p:cNvGrpSpPr/>
+        <p:nvPr/>
+      </p:nvGrpSpPr>
+      <p:grpSpPr>
+        <a:xfrm>
+          <a:off x="0" y="0"/>
+          <a:ext cx="0" cy="0"/>
+          <a:chOff x="0" y="0"/>
+          <a:chExt cx="0" cy="0"/>
+        </a:xfrm>
+      </p:grpSpPr>
+      <p:sp>
+        <p:nvSpPr>
+          <p:cNvPr id="2" name="Titel 1"/>
+          <p:cNvSpPr>
+            <a:spLocks noGrp="1"/>
+          </p:cNvSpPr>
+          <p:nvPr>
+            <p:ph type="title"/>
+          </p:nvPr>
+        </p:nvSpPr>
+        <p:spPr/>
+        <p:txBody>
+          <a:bodyPr/>
+          <a:lstStyle/>
+          <a:p>
+            <a:r>
+              <a:rPr lang="de-DE"/>
+              <a:t>Titelmasterformat durch Klicken bearbeiten</a:t>
+            </a:r>
+          </a:p>
+        </p:txBody>
+      </p:sp>
+      <p:sp>
+        <p:nvSpPr>
+          <p:cNvPr id="3" name="Inhaltsplatzhalter 2"/>
+          <p:cNvSpPr>
+            <a:spLocks noGrp="1"/>
+          </p:cNvSpPr>
+          <p:nvPr>
+            <p:ph sz="half" idx="1"/>
+          </p:nvPr>
+        </p:nvSpPr>
+        <p:spPr>
+          <a:xfrm>
+            <a:off x="838200" y="1825625"/>
+            <a:ext cx="5181600" cy="4351338"/>
+          </a:xfrm>
+        </p:spPr>
+        <p:txBody>
+          <a:bodyPr/>
+          <a:lstStyle/>
+          <a:p>
+            <a:pPr lvl="0"/>
+            <a:r>
+              <a:rPr lang="de-DE"/>
+              <a:t>Formatvorlagen des Textmasters bearbeiten</a:t>
+            </a:r>
+          </a:p>
+          <a:p>
+            <a:pPr lvl="1"/>
+            <a:r>
+              <a:rPr lang="de-DE"/>
+              <a:t>Zweite Ebene</a:t>
+            </a:r>
+          </a:p>
+          <a:p>
+            <a:pPr lvl="2"/>
+            <a:r>
+              <a:rPr lang="de-DE"/>
+              <a:t>Dritte Ebene</a:t>
+            </a:r>
+          </a:p>
+          <a:p>
+            <a:pPr lvl="3"/>
+            <a:r>
+              <a:rPr lang="de-DE"/>
+              <a:t>Vierte Ebene</a:t>
+            </a:r>
+          </a:p>
+          <a:p>
+            <a:pPr lvl="4"/>
+            <a:r>
+              <a:rPr lang="de-DE"/>
+              <a:t>Fünfte Ebene</a:t>
+            </a:r>
+          </a:p>
+        </p:txBody>
+      </p:sp>
+      <p:sp>
+        <p:nvSpPr>
+          <p:cNvPr id="4" name="Inhaltsplatzhalter 3"/>
+          <p:cNvSpPr>
+            <a:spLocks noGrp="1"/>
+          </p:cNvSpPr>
+          <p:nvPr>
+            <p:ph sz="half" idx="2"/>
+          </p:nvPr>
+        </p:nvSpPr>
+        <p:spPr>
+          <a:xfrm>
+            <a:off x="6172200" y="1825625"/>
+            <a:ext cx="5181600" cy="4351338"/>
+          </a:xfrm>
+        </p:spPr>
+        <p:txBody>
+          <a:bodyPr/>
+          <a:lstStyle/>
+          <a:p>
+            <a:pPr lvl="0"/>
+            <a:r>
+              <a:rPr lang="de-DE"/>
+              <a:t>Formatvorlagen des Textmasters bearbeiten</a:t>
+            </a:r>
+          </a:p>
+          <a:p>
+            <a:pPr lvl="1"/>
+            <a:r>
+              <a:rPr lang="de-DE"/>
+              <a:t>Zweite Ebene</a:t>
+            </a:r>
+          </a:p>
+          <a:p>
+            <a:pPr lvl="2"/>
+            <a:r>
+              <a:rPr lang="de-DE"/>
+              <a:t>Dritte Ebene</a:t>
+            </a:r>
+          </a:p>
+          <a:p>
+            <a:pPr lvl="3"/>
+            <a:r>
+              <a:rPr lang="de-DE"/>
+              <a:t>Vierte Ebene</a:t>
+            </a:r>
+          </a:p>
+          <a:p>
+            <a:pPr lvl="4"/>
+            <a:r>
+              <a:rPr lang="de-DE"/>
+              <a:t>Fünfte Ebene</a:t>
+            </a:r>
+          </a:p>
+        </p:txBody>
+      </p:sp>
+      <p:sp>
+        <p:nvSpPr>
+          <p:cNvPr id="5" name="Datumsplatzhalter 4"/>
+          <p:cNvSpPr>
+            <a:spLocks noGrp="1"/>
+          </p:cNvSpPr>
+          <p:nvPr>
+            <p:ph type="dt" sz="half" idx="10"/>
+          </p:nvPr>
+        </p:nvSpPr>
+        <p:spPr/>
+        <p:txBody>
+          <a:bodyPr/>
+          <a:lstStyle/>
+          <a:p>
+            <a:fld id="{E8E9FD07-347C-4F3E-9A33-FA8DD8CC6C0A}" type="datetimeFigureOut">
+              <a:rPr lang="de-DE" smtClean="0">
+                <a:solidFill>
+                  <a:prstClr val="black">
+                    <a:tint val="75000"/>
+                  </a:prstClr>
+                </a:solidFill>
+              </a:rPr>
+              <a:pPr/>
+              <a:t>18.08.2016</a:t>
+            </a:fld>
+            <a:endParaRPr lang="de-DE">
+              <a:solidFill>
+                <a:prstClr val="black">
+                  <a:tint val="75000"/>
+                </a:prstClr>
+              </a:solidFill>
+            </a:endParaRPr>
+          </a:p>
+        </p:txBody>
+      </p:sp>
+      <p:sp>
+        <p:nvSpPr>
+          <p:cNvPr id="6" name="Fußzeilenplatzhalter 5"/>
+          <p:cNvSpPr>
+            <a:spLocks noGrp="1"/>
+          </p:cNvSpPr>
+          <p:nvPr>
+            <p:ph type="ftr" sz="quarter" idx="11"/>
+          </p:nvPr>
+        </p:nvSpPr>
+        <p:spPr/>
+        <p:txBody>
+          <a:bodyPr/>
+          <a:lstStyle/>
+          <a:p>
+            <a:endParaRPr lang="de-DE">
+              <a:solidFill>
+                <a:prstClr val="black">
+                  <a:tint val="75000"/>
+                </a:prstClr>
+              </a:solidFill>
+            </a:endParaRPr>
+          </a:p>
+        </p:txBody>
+      </p:sp>
+      <p:sp>
+        <p:nvSpPr>
+          <p:cNvPr id="7" name="Foliennummernplatzhalter 6"/>
+          <p:cNvSpPr>
+            <a:spLocks noGrp="1"/>
+          </p:cNvSpPr>
+          <p:nvPr>
+            <p:ph type="sldNum" sz="quarter" idx="12"/>
+          </p:nvPr>
+        </p:nvSpPr>
+        <p:spPr/>
+        <p:txBody>
+          <a:bodyPr/>
+          <a:lstStyle/>
+          <a:p>
+            <a:fld id="{FF5CD429-A6E4-42D1-8B88-CE70094E037A}" type="slidenum">
+              <a:rPr lang="de-DE" smtClean="0">
+                <a:solidFill>
+                  <a:prstClr val="black">
+                    <a:tint val="75000"/>
+                  </a:prstClr>
+                </a:solidFill>
+              </a:rPr>
+              <a:pPr/>
+              <a:t>‹Nr.›</a:t>
+            </a:fld>
+            <a:endParaRPr lang="de-DE">
+              <a:solidFill>
+                <a:prstClr val="black">
+                  <a:tint val="75000"/>
+                </a:prstClr>
+              </a:solidFill>
+            </a:endParaRPr>
+          </a:p>
+        </p:txBody>
+      </p:sp>
+    </p:spTree>
+    <p:extLst>
+      <p:ext uri="{BB962C8B-B14F-4D97-AF65-F5344CB8AC3E}">
+        <p14:creationId xmlns:p14="http://schemas.microsoft.com/office/powerpoint/2010/main" val="562811365"/>
+      </p:ext>
+    </p:extLst>
+  </p:cSld>
+  <p:clrMapOvr>
+    <a:masterClrMapping/>
+  </p:clrMapOvr>
+</p:sldLayout>
+</file>
+
+<file path=ppt/slideLayouts/slideLayout16.xml><?xml version="1.0" encoding="utf-8"?>
+<p:sldLayout xmlns:a="http://schemas.openxmlformats.org/drawingml/2006/main" xmlns:r="http://schemas.openxmlformats.org/officeDocument/2006/relationships" xmlns:p="http://schemas.openxmlformats.org/presentationml/2006/main" type="twoTxTwoObj" preserve="1">
+  <p:cSld name="Vergleich">
+    <p:spTree>
+      <p:nvGrpSpPr>
+        <p:cNvPr id="1" name=""/>
+        <p:cNvGrpSpPr/>
+        <p:nvPr/>
+      </p:nvGrpSpPr>
+      <p:grpSpPr>
+        <a:xfrm>
+          <a:off x="0" y="0"/>
+          <a:ext cx="0" cy="0"/>
+          <a:chOff x="0" y="0"/>
+          <a:chExt cx="0" cy="0"/>
+        </a:xfrm>
+      </p:grpSpPr>
+      <p:sp>
+        <p:nvSpPr>
+          <p:cNvPr id="2" name="Titel 1"/>
+          <p:cNvSpPr>
+            <a:spLocks noGrp="1"/>
+          </p:cNvSpPr>
+          <p:nvPr>
+            <p:ph type="title"/>
+          </p:nvPr>
+        </p:nvSpPr>
+        <p:spPr>
+          <a:xfrm>
+            <a:off x="839788" y="365125"/>
+            <a:ext cx="10515600" cy="1325563"/>
+          </a:xfrm>
+        </p:spPr>
+        <p:txBody>
+          <a:bodyPr/>
+          <a:lstStyle/>
+          <a:p>
+            <a:r>
+              <a:rPr lang="de-DE"/>
+              <a:t>Titelmasterformat durch Klicken bearbeiten</a:t>
+            </a:r>
+          </a:p>
+        </p:txBody>
+      </p:sp>
+      <p:sp>
+        <p:nvSpPr>
+          <p:cNvPr id="3" name="Textplatzhalter 2"/>
+          <p:cNvSpPr>
+            <a:spLocks noGrp="1"/>
+          </p:cNvSpPr>
+          <p:nvPr>
+            <p:ph type="body" idx="1"/>
+          </p:nvPr>
+        </p:nvSpPr>
+        <p:spPr>
+          <a:xfrm>
+            <a:off x="839788" y="1681163"/>
+            <a:ext cx="5157787" cy="823912"/>
+          </a:xfrm>
+        </p:spPr>
+        <p:txBody>
+          <a:bodyPr anchor="b"/>
+          <a:lstStyle>
+            <a:lvl1pPr marL="0" indent="0">
+              <a:buNone/>
+              <a:defRPr sz="2400" b="1"/>
+            </a:lvl1pPr>
+            <a:lvl2pPr marL="457200" indent="0">
+              <a:buNone/>
+              <a:defRPr sz="2000" b="1"/>
+            </a:lvl2pPr>
+            <a:lvl3pPr marL="914400" indent="0">
+              <a:buNone/>
+              <a:defRPr sz="1800" b="1"/>
+            </a:lvl3pPr>
+            <a:lvl4pPr marL="1371600" indent="0">
+              <a:buNone/>
+              <a:defRPr sz="1600" b="1"/>
+            </a:lvl4pPr>
+            <a:lvl5pPr marL="1828800" indent="0">
+              <a:buNone/>
+              <a:defRPr sz="1600" b="1"/>
+            </a:lvl5pPr>
+            <a:lvl6pPr marL="2286000" indent="0">
+              <a:buNone/>
+              <a:defRPr sz="1600" b="1"/>
+            </a:lvl6pPr>
+            <a:lvl7pPr marL="2743200" indent="0">
+              <a:buNone/>
+              <a:defRPr sz="1600" b="1"/>
+            </a:lvl7pPr>
+            <a:lvl8pPr marL="3200400" indent="0">
+              <a:buNone/>
+              <a:defRPr sz="1600" b="1"/>
+            </a:lvl8pPr>
+            <a:lvl9pPr marL="3657600" indent="0">
+              <a:buNone/>
+              <a:defRPr sz="1600" b="1"/>
+            </a:lvl9pPr>
+          </a:lstStyle>
+          <a:p>
+            <a:pPr lvl="0"/>
+            <a:r>
+              <a:rPr lang="de-DE"/>
+              <a:t>Formatvorlagen des Textmasters bearbeiten</a:t>
+            </a:r>
+          </a:p>
+        </p:txBody>
+      </p:sp>
+      <p:sp>
+        <p:nvSpPr>
+          <p:cNvPr id="4" name="Inhaltsplatzhalter 3"/>
+          <p:cNvSpPr>
+            <a:spLocks noGrp="1"/>
+          </p:cNvSpPr>
+          <p:nvPr>
+            <p:ph sz="half" idx="2"/>
+          </p:nvPr>
+        </p:nvSpPr>
+        <p:spPr>
+          <a:xfrm>
+            <a:off x="839788" y="2505075"/>
+            <a:ext cx="5157787" cy="3684588"/>
+          </a:xfrm>
+        </p:spPr>
+        <p:txBody>
+          <a:bodyPr/>
+          <a:lstStyle/>
+          <a:p>
+            <a:pPr lvl="0"/>
+            <a:r>
+              <a:rPr lang="de-DE"/>
+              <a:t>Formatvorlagen des Textmasters bearbeiten</a:t>
+            </a:r>
+          </a:p>
+          <a:p>
+            <a:pPr lvl="1"/>
+            <a:r>
+              <a:rPr lang="de-DE"/>
+              <a:t>Zweite Ebene</a:t>
+            </a:r>
+          </a:p>
+          <a:p>
+            <a:pPr lvl="2"/>
+            <a:r>
+              <a:rPr lang="de-DE"/>
+              <a:t>Dritte Ebene</a:t>
+            </a:r>
+          </a:p>
+          <a:p>
+            <a:pPr lvl="3"/>
+            <a:r>
+              <a:rPr lang="de-DE"/>
+              <a:t>Vierte Ebene</a:t>
+            </a:r>
+          </a:p>
+          <a:p>
+            <a:pPr lvl="4"/>
+            <a:r>
+              <a:rPr lang="de-DE"/>
+              <a:t>Fünfte Ebene</a:t>
+            </a:r>
+          </a:p>
+        </p:txBody>
+      </p:sp>
+      <p:sp>
+        <p:nvSpPr>
+          <p:cNvPr id="5" name="Textplatzhalter 4"/>
+          <p:cNvSpPr>
+            <a:spLocks noGrp="1"/>
+          </p:cNvSpPr>
+          <p:nvPr>
+            <p:ph type="body" sz="quarter" idx="3"/>
+          </p:nvPr>
+        </p:nvSpPr>
+        <p:spPr>
+          <a:xfrm>
+            <a:off x="6172200" y="1681163"/>
+            <a:ext cx="5183188" cy="823912"/>
+          </a:xfrm>
+        </p:spPr>
+        <p:txBody>
+          <a:bodyPr anchor="b"/>
+          <a:lstStyle>
+            <a:lvl1pPr marL="0" indent="0">
+              <a:buNone/>
+              <a:defRPr sz="2400" b="1"/>
+            </a:lvl1pPr>
+            <a:lvl2pPr marL="457200" indent="0">
+              <a:buNone/>
+              <a:defRPr sz="2000" b="1"/>
+            </a:lvl2pPr>
+            <a:lvl3pPr marL="914400" indent="0">
+              <a:buNone/>
+              <a:defRPr sz="1800" b="1"/>
+            </a:lvl3pPr>
+            <a:lvl4pPr marL="1371600" indent="0">
+              <a:buNone/>
+              <a:defRPr sz="1600" b="1"/>
+            </a:lvl4pPr>
+            <a:lvl5pPr marL="1828800" indent="0">
+              <a:buNone/>
+              <a:defRPr sz="1600" b="1"/>
+            </a:lvl5pPr>
+            <a:lvl6pPr marL="2286000" indent="0">
+              <a:buNone/>
+              <a:defRPr sz="1600" b="1"/>
+            </a:lvl6pPr>
+            <a:lvl7pPr marL="2743200" indent="0">
+              <a:buNone/>
+              <a:defRPr sz="1600" b="1"/>
+            </a:lvl7pPr>
+            <a:lvl8pPr marL="3200400" indent="0">
+              <a:buNone/>
+              <a:defRPr sz="1600" b="1"/>
+            </a:lvl8pPr>
+            <a:lvl9pPr marL="3657600" indent="0">
+              <a:buNone/>
+              <a:defRPr sz="1600" b="1"/>
+            </a:lvl9pPr>
+          </a:lstStyle>
+          <a:p>
+            <a:pPr lvl="0"/>
+            <a:r>
+              <a:rPr lang="de-DE"/>
+              <a:t>Formatvorlagen des Textmasters bearbeiten</a:t>
+            </a:r>
+          </a:p>
+        </p:txBody>
+      </p:sp>
+      <p:sp>
+        <p:nvSpPr>
+          <p:cNvPr id="6" name="Inhaltsplatzhalter 5"/>
+          <p:cNvSpPr>
+            <a:spLocks noGrp="1"/>
+          </p:cNvSpPr>
+          <p:nvPr>
+            <p:ph sz="quarter" idx="4"/>
+          </p:nvPr>
+        </p:nvSpPr>
+        <p:spPr>
+          <a:xfrm>
+            <a:off x="6172200" y="2505075"/>
+            <a:ext cx="5183188" cy="3684588"/>
+          </a:xfrm>
+        </p:spPr>
+        <p:txBody>
+          <a:bodyPr/>
+          <a:lstStyle/>
+          <a:p>
+            <a:pPr lvl="0"/>
+            <a:r>
+              <a:rPr lang="de-DE"/>
+              <a:t>Formatvorlagen des Textmasters bearbeiten</a:t>
+            </a:r>
+          </a:p>
+          <a:p>
+            <a:pPr lvl="1"/>
+            <a:r>
+              <a:rPr lang="de-DE"/>
+              <a:t>Zweite Ebene</a:t>
+            </a:r>
+          </a:p>
+          <a:p>
+            <a:pPr lvl="2"/>
+            <a:r>
+              <a:rPr lang="de-DE"/>
+              <a:t>Dritte Ebene</a:t>
+            </a:r>
+          </a:p>
+          <a:p>
+            <a:pPr lvl="3"/>
+            <a:r>
+              <a:rPr lang="de-DE"/>
+              <a:t>Vierte Ebene</a:t>
+            </a:r>
+          </a:p>
+          <a:p>
+            <a:pPr lvl="4"/>
+            <a:r>
+              <a:rPr lang="de-DE"/>
+              <a:t>Fünfte Ebene</a:t>
+            </a:r>
+          </a:p>
+        </p:txBody>
+      </p:sp>
+      <p:sp>
+        <p:nvSpPr>
+          <p:cNvPr id="7" name="Datumsplatzhalter 6"/>
+          <p:cNvSpPr>
+            <a:spLocks noGrp="1"/>
+          </p:cNvSpPr>
+          <p:nvPr>
+            <p:ph type="dt" sz="half" idx="10"/>
+          </p:nvPr>
+        </p:nvSpPr>
+        <p:spPr/>
+        <p:txBody>
+          <a:bodyPr/>
+          <a:lstStyle/>
+          <a:p>
+            <a:fld id="{E8E9FD07-347C-4F3E-9A33-FA8DD8CC6C0A}" type="datetimeFigureOut">
+              <a:rPr lang="de-DE" smtClean="0">
+                <a:solidFill>
+                  <a:prstClr val="black">
+                    <a:tint val="75000"/>
+                  </a:prstClr>
+                </a:solidFill>
+              </a:rPr>
+              <a:pPr/>
+              <a:t>18.08.2016</a:t>
+            </a:fld>
+            <a:endParaRPr lang="de-DE">
+              <a:solidFill>
+                <a:prstClr val="black">
+                  <a:tint val="75000"/>
+                </a:prstClr>
+              </a:solidFill>
+            </a:endParaRPr>
+          </a:p>
+        </p:txBody>
+      </p:sp>
+      <p:sp>
+        <p:nvSpPr>
+          <p:cNvPr id="8" name="Fußzeilenplatzhalter 7"/>
+          <p:cNvSpPr>
+            <a:spLocks noGrp="1"/>
+          </p:cNvSpPr>
+          <p:nvPr>
+            <p:ph type="ftr" sz="quarter" idx="11"/>
+          </p:nvPr>
+        </p:nvSpPr>
+        <p:spPr/>
+        <p:txBody>
+          <a:bodyPr/>
+          <a:lstStyle/>
+          <a:p>
+            <a:endParaRPr lang="de-DE">
+              <a:solidFill>
+                <a:prstClr val="black">
+                  <a:tint val="75000"/>
+                </a:prstClr>
+              </a:solidFill>
+            </a:endParaRPr>
+          </a:p>
+        </p:txBody>
+      </p:sp>
+      <p:sp>
+        <p:nvSpPr>
+          <p:cNvPr id="9" name="Foliennummernplatzhalter 8"/>
+          <p:cNvSpPr>
+            <a:spLocks noGrp="1"/>
+          </p:cNvSpPr>
+          <p:nvPr>
+            <p:ph type="sldNum" sz="quarter" idx="12"/>
+          </p:nvPr>
+        </p:nvSpPr>
+        <p:spPr/>
+        <p:txBody>
+          <a:bodyPr/>
+          <a:lstStyle/>
+          <a:p>
+            <a:fld id="{FF5CD429-A6E4-42D1-8B88-CE70094E037A}" type="slidenum">
+              <a:rPr lang="de-DE" smtClean="0">
+                <a:solidFill>
+                  <a:prstClr val="black">
+                    <a:tint val="75000"/>
+                  </a:prstClr>
+                </a:solidFill>
+              </a:rPr>
+              <a:pPr/>
+              <a:t>‹Nr.›</a:t>
+            </a:fld>
+            <a:endParaRPr lang="de-DE">
+              <a:solidFill>
+                <a:prstClr val="black">
+                  <a:tint val="75000"/>
+                </a:prstClr>
+              </a:solidFill>
+            </a:endParaRPr>
+          </a:p>
+        </p:txBody>
+      </p:sp>
+    </p:spTree>
+    <p:extLst>
+      <p:ext uri="{BB962C8B-B14F-4D97-AF65-F5344CB8AC3E}">
+        <p14:creationId xmlns:p14="http://schemas.microsoft.com/office/powerpoint/2010/main" val="900093200"/>
+      </p:ext>
+    </p:extLst>
+  </p:cSld>
+  <p:clrMapOvr>
+    <a:masterClrMapping/>
+  </p:clrMapOvr>
+</p:sldLayout>
+</file>
+
+<file path=ppt/slideLayouts/slideLayout17.xml><?xml version="1.0" encoding="utf-8"?>
+<p:sldLayout xmlns:a="http://schemas.openxmlformats.org/drawingml/2006/main" xmlns:r="http://schemas.openxmlformats.org/officeDocument/2006/relationships" xmlns:p="http://schemas.openxmlformats.org/presentationml/2006/main" type="titleOnly" preserve="1">
+  <p:cSld name="Nur Titel">
+    <p:spTree>
+      <p:nvGrpSpPr>
+        <p:cNvPr id="1" name=""/>
+        <p:cNvGrpSpPr/>
+        <p:nvPr/>
+      </p:nvGrpSpPr>
+      <p:grpSpPr>
+        <a:xfrm>
+          <a:off x="0" y="0"/>
+          <a:ext cx="0" cy="0"/>
+          <a:chOff x="0" y="0"/>
+          <a:chExt cx="0" cy="0"/>
+        </a:xfrm>
+      </p:grpSpPr>
+      <p:sp>
+        <p:nvSpPr>
+          <p:cNvPr id="2" name="Titel 1"/>
+          <p:cNvSpPr>
+            <a:spLocks noGrp="1"/>
+          </p:cNvSpPr>
+          <p:nvPr>
+            <p:ph type="title"/>
+          </p:nvPr>
+        </p:nvSpPr>
+        <p:spPr/>
+        <p:txBody>
+          <a:bodyPr/>
+          <a:lstStyle/>
+          <a:p>
+            <a:r>
+              <a:rPr lang="de-DE"/>
+              <a:t>Titelmasterformat durch Klicken bearbeiten</a:t>
+            </a:r>
+          </a:p>
+        </p:txBody>
+      </p:sp>
+      <p:sp>
+        <p:nvSpPr>
+          <p:cNvPr id="3" name="Datumsplatzhalter 2"/>
+          <p:cNvSpPr>
+            <a:spLocks noGrp="1"/>
+          </p:cNvSpPr>
+          <p:nvPr>
+            <p:ph type="dt" sz="half" idx="10"/>
+          </p:nvPr>
+        </p:nvSpPr>
+        <p:spPr/>
+        <p:txBody>
+          <a:bodyPr/>
+          <a:lstStyle/>
+          <a:p>
+            <a:fld id="{E8E9FD07-347C-4F3E-9A33-FA8DD8CC6C0A}" type="datetimeFigureOut">
+              <a:rPr lang="de-DE" smtClean="0">
+                <a:solidFill>
+                  <a:prstClr val="black">
+                    <a:tint val="75000"/>
+                  </a:prstClr>
+                </a:solidFill>
+              </a:rPr>
+              <a:pPr/>
+              <a:t>18.08.2016</a:t>
+            </a:fld>
+            <a:endParaRPr lang="de-DE">
+              <a:solidFill>
+                <a:prstClr val="black">
+                  <a:tint val="75000"/>
+                </a:prstClr>
+              </a:solidFill>
+            </a:endParaRPr>
+          </a:p>
+        </p:txBody>
+      </p:sp>
+      <p:sp>
+        <p:nvSpPr>
+          <p:cNvPr id="4" name="Fußzeilenplatzhalter 3"/>
+          <p:cNvSpPr>
+            <a:spLocks noGrp="1"/>
+          </p:cNvSpPr>
+          <p:nvPr>
+            <p:ph type="ftr" sz="quarter" idx="11"/>
+          </p:nvPr>
+        </p:nvSpPr>
+        <p:spPr/>
+        <p:txBody>
+          <a:bodyPr/>
+          <a:lstStyle/>
+          <a:p>
+            <a:endParaRPr lang="de-DE">
+              <a:solidFill>
+                <a:prstClr val="black">
+                  <a:tint val="75000"/>
+                </a:prstClr>
+              </a:solidFill>
+            </a:endParaRPr>
+          </a:p>
+        </p:txBody>
+      </p:sp>
+      <p:sp>
+        <p:nvSpPr>
+          <p:cNvPr id="5" name="Foliennummernplatzhalter 4"/>
+          <p:cNvSpPr>
+            <a:spLocks noGrp="1"/>
+          </p:cNvSpPr>
+          <p:nvPr>
+            <p:ph type="sldNum" sz="quarter" idx="12"/>
+          </p:nvPr>
+        </p:nvSpPr>
+        <p:spPr/>
+        <p:txBody>
+          <a:bodyPr/>
+          <a:lstStyle/>
+          <a:p>
+            <a:fld id="{FF5CD429-A6E4-42D1-8B88-CE70094E037A}" type="slidenum">
+              <a:rPr lang="de-DE" smtClean="0">
+                <a:solidFill>
+                  <a:prstClr val="black">
+                    <a:tint val="75000"/>
+                  </a:prstClr>
+                </a:solidFill>
+              </a:rPr>
+              <a:pPr/>
+              <a:t>‹Nr.›</a:t>
+            </a:fld>
+            <a:endParaRPr lang="de-DE">
+              <a:solidFill>
+                <a:prstClr val="black">
+                  <a:tint val="75000"/>
+                </a:prstClr>
+              </a:solidFill>
+            </a:endParaRPr>
+          </a:p>
+        </p:txBody>
+      </p:sp>
+    </p:spTree>
+    <p:extLst>
+      <p:ext uri="{BB962C8B-B14F-4D97-AF65-F5344CB8AC3E}">
+        <p14:creationId xmlns:p14="http://schemas.microsoft.com/office/powerpoint/2010/main" val="1049108281"/>
+      </p:ext>
+    </p:extLst>
+  </p:cSld>
+  <p:clrMapOvr>
+    <a:masterClrMapping/>
+  </p:clrMapOvr>
+</p:sldLayout>
+</file>
+
+<file path=ppt/slideLayouts/slideLayout18.xml><?xml version="1.0" encoding="utf-8"?>
+<p:sldLayout xmlns:a="http://schemas.openxmlformats.org/drawingml/2006/main" xmlns:r="http://schemas.openxmlformats.org/officeDocument/2006/relationships" xmlns:p="http://schemas.openxmlformats.org/presentationml/2006/main" type="blank" preserve="1">
+  <p:cSld name="Leer">
+    <p:spTree>
+      <p:nvGrpSpPr>
+        <p:cNvPr id="1" name=""/>
+        <p:cNvGrpSpPr/>
+        <p:nvPr/>
+      </p:nvGrpSpPr>
+      <p:grpSpPr>
+        <a:xfrm>
+          <a:off x="0" y="0"/>
+          <a:ext cx="0" cy="0"/>
+          <a:chOff x="0" y="0"/>
+          <a:chExt cx="0" cy="0"/>
+        </a:xfrm>
+      </p:grpSpPr>
+      <p:sp>
+        <p:nvSpPr>
+          <p:cNvPr id="2" name="Datumsplatzhalter 1"/>
+          <p:cNvSpPr>
+            <a:spLocks noGrp="1"/>
+          </p:cNvSpPr>
+          <p:nvPr>
+            <p:ph type="dt" sz="half" idx="10"/>
+          </p:nvPr>
+        </p:nvSpPr>
+        <p:spPr/>
+        <p:txBody>
+          <a:bodyPr/>
+          <a:lstStyle/>
+          <a:p>
+            <a:fld id="{E8E9FD07-347C-4F3E-9A33-FA8DD8CC6C0A}" type="datetimeFigureOut">
+              <a:rPr lang="de-DE" smtClean="0">
+                <a:solidFill>
+                  <a:prstClr val="black">
+                    <a:tint val="75000"/>
+                  </a:prstClr>
+                </a:solidFill>
+              </a:rPr>
+              <a:pPr/>
+              <a:t>18.08.2016</a:t>
+            </a:fld>
+            <a:endParaRPr lang="de-DE">
+              <a:solidFill>
+                <a:prstClr val="black">
+                  <a:tint val="75000"/>
+                </a:prstClr>
+              </a:solidFill>
+            </a:endParaRPr>
+          </a:p>
+        </p:txBody>
+      </p:sp>
+      <p:sp>
+        <p:nvSpPr>
+          <p:cNvPr id="3" name="Fußzeilenplatzhalter 2"/>
+          <p:cNvSpPr>
+            <a:spLocks noGrp="1"/>
+          </p:cNvSpPr>
+          <p:nvPr>
+            <p:ph type="ftr" sz="quarter" idx="11"/>
+          </p:nvPr>
+        </p:nvSpPr>
+        <p:spPr/>
+        <p:txBody>
+          <a:bodyPr/>
+          <a:lstStyle/>
+          <a:p>
+            <a:endParaRPr lang="de-DE">
+              <a:solidFill>
+                <a:prstClr val="black">
+                  <a:tint val="75000"/>
+                </a:prstClr>
+              </a:solidFill>
+            </a:endParaRPr>
+          </a:p>
+        </p:txBody>
+      </p:sp>
+      <p:sp>
+        <p:nvSpPr>
+          <p:cNvPr id="4" name="Foliennummernplatzhalter 3"/>
+          <p:cNvSpPr>
+            <a:spLocks noGrp="1"/>
+          </p:cNvSpPr>
+          <p:nvPr>
+            <p:ph type="sldNum" sz="quarter" idx="12"/>
+          </p:nvPr>
+        </p:nvSpPr>
+        <p:spPr/>
+        <p:txBody>
+          <a:bodyPr/>
+          <a:lstStyle/>
+          <a:p>
+            <a:fld id="{FF5CD429-A6E4-42D1-8B88-CE70094E037A}" type="slidenum">
+              <a:rPr lang="de-DE" smtClean="0">
+                <a:solidFill>
+                  <a:prstClr val="black">
+                    <a:tint val="75000"/>
+                  </a:prstClr>
+                </a:solidFill>
+              </a:rPr>
+              <a:pPr/>
+              <a:t>‹Nr.›</a:t>
+            </a:fld>
+            <a:endParaRPr lang="de-DE">
+              <a:solidFill>
+                <a:prstClr val="black">
+                  <a:tint val="75000"/>
+                </a:prstClr>
+              </a:solidFill>
+            </a:endParaRPr>
+          </a:p>
+        </p:txBody>
+      </p:sp>
+    </p:spTree>
+    <p:extLst>
+      <p:ext uri="{BB962C8B-B14F-4D97-AF65-F5344CB8AC3E}">
+        <p14:creationId xmlns:p14="http://schemas.microsoft.com/office/powerpoint/2010/main" val="3881765378"/>
+      </p:ext>
+    </p:extLst>
+  </p:cSld>
+  <p:clrMapOvr>
+    <a:masterClrMapping/>
+  </p:clrMapOvr>
+</p:sldLayout>
+</file>
+
+<file path=ppt/slideLayouts/slideLayout19.xml><?xml version="1.0" encoding="utf-8"?>
+<p:sldLayout xmlns:a="http://schemas.openxmlformats.org/drawingml/2006/main" xmlns:r="http://schemas.openxmlformats.org/officeDocument/2006/relationships" xmlns:p="http://schemas.openxmlformats.org/presentationml/2006/main" type="objTx" preserve="1">
+  <p:cSld name="Inhalt mit Überschrift">
+    <p:spTree>
+      <p:nvGrpSpPr>
+        <p:cNvPr id="1" name=""/>
+        <p:cNvGrpSpPr/>
+        <p:nvPr/>
+      </p:nvGrpSpPr>
+      <p:grpSpPr>
+        <a:xfrm>
+          <a:off x="0" y="0"/>
+          <a:ext cx="0" cy="0"/>
+          <a:chOff x="0" y="0"/>
+          <a:chExt cx="0" cy="0"/>
+        </a:xfrm>
+      </p:grpSpPr>
+      <p:sp>
+        <p:nvSpPr>
+          <p:cNvPr id="2" name="Titel 1"/>
+          <p:cNvSpPr>
+            <a:spLocks noGrp="1"/>
+          </p:cNvSpPr>
+          <p:nvPr>
+            <p:ph type="title"/>
+          </p:nvPr>
+        </p:nvSpPr>
+        <p:spPr>
+          <a:xfrm>
+            <a:off x="839788" y="457200"/>
+            <a:ext cx="3932237" cy="1600200"/>
+          </a:xfrm>
+        </p:spPr>
+        <p:txBody>
+          <a:bodyPr anchor="b"/>
+          <a:lstStyle>
+            <a:lvl1pPr>
+              <a:defRPr sz="3200"/>
+            </a:lvl1pPr>
+          </a:lstStyle>
+          <a:p>
+            <a:r>
+              <a:rPr lang="de-DE"/>
+              <a:t>Titelmasterformat durch Klicken bearbeiten</a:t>
+            </a:r>
+          </a:p>
+        </p:txBody>
+      </p:sp>
+      <p:sp>
+        <p:nvSpPr>
+          <p:cNvPr id="3" name="Inhaltsplatzhalter 2"/>
+          <p:cNvSpPr>
+            <a:spLocks noGrp="1"/>
+          </p:cNvSpPr>
+          <p:nvPr>
+            <p:ph idx="1"/>
+          </p:nvPr>
+        </p:nvSpPr>
+        <p:spPr>
+          <a:xfrm>
+            <a:off x="5183188" y="987425"/>
+            <a:ext cx="6172200" cy="4873625"/>
+          </a:xfrm>
+        </p:spPr>
+        <p:txBody>
+          <a:bodyPr/>
+          <a:lstStyle>
+            <a:lvl1pPr>
+              <a:defRPr sz="3200"/>
+            </a:lvl1pPr>
+            <a:lvl2pPr>
+              <a:defRPr sz="2800"/>
+            </a:lvl2pPr>
+            <a:lvl3pPr>
+              <a:defRPr sz="2400"/>
+            </a:lvl3pPr>
+            <a:lvl4pPr>
+              <a:defRPr sz="2000"/>
+            </a:lvl4pPr>
+            <a:lvl5pPr>
+              <a:defRPr sz="2000"/>
+            </a:lvl5pPr>
+            <a:lvl6pPr>
+              <a:defRPr sz="2000"/>
+            </a:lvl6pPr>
+            <a:lvl7pPr>
+              <a:defRPr sz="2000"/>
+            </a:lvl7pPr>
+            <a:lvl8pPr>
+              <a:defRPr sz="2000"/>
+            </a:lvl8pPr>
+            <a:lvl9pPr>
+              <a:defRPr sz="2000"/>
+            </a:lvl9pPr>
+          </a:lstStyle>
+          <a:p>
+            <a:pPr lvl="0"/>
+            <a:r>
+              <a:rPr lang="de-DE"/>
+              <a:t>Formatvorlagen des Textmasters bearbeiten</a:t>
+            </a:r>
+          </a:p>
+          <a:p>
+            <a:pPr lvl="1"/>
+            <a:r>
+              <a:rPr lang="de-DE"/>
+              <a:t>Zweite Ebene</a:t>
+            </a:r>
+          </a:p>
+          <a:p>
+            <a:pPr lvl="2"/>
+            <a:r>
+              <a:rPr lang="de-DE"/>
+              <a:t>Dritte Ebene</a:t>
+            </a:r>
+          </a:p>
+          <a:p>
+            <a:pPr lvl="3"/>
+            <a:r>
+              <a:rPr lang="de-DE"/>
+              <a:t>Vierte Ebene</a:t>
+            </a:r>
+          </a:p>
+          <a:p>
+            <a:pPr lvl="4"/>
+            <a:r>
+              <a:rPr lang="de-DE"/>
+              <a:t>Fünfte Ebene</a:t>
+            </a:r>
+          </a:p>
+        </p:txBody>
+      </p:sp>
+      <p:sp>
+        <p:nvSpPr>
+          <p:cNvPr id="4" name="Textplatzhalter 3"/>
+          <p:cNvSpPr>
+            <a:spLocks noGrp="1"/>
+          </p:cNvSpPr>
+          <p:nvPr>
+            <p:ph type="body" sz="half" idx="2"/>
+          </p:nvPr>
+        </p:nvSpPr>
+        <p:spPr>
+          <a:xfrm>
+            <a:off x="839788" y="2057400"/>
+            <a:ext cx="3932237" cy="3811588"/>
+          </a:xfrm>
+        </p:spPr>
+        <p:txBody>
+          <a:bodyPr/>
+          <a:lstStyle>
+            <a:lvl1pPr marL="0" indent="0">
+              <a:buNone/>
+              <a:defRPr sz="1600"/>
+            </a:lvl1pPr>
+            <a:lvl2pPr marL="457200" indent="0">
+              <a:buNone/>
+              <a:defRPr sz="1400"/>
+            </a:lvl2pPr>
+            <a:lvl3pPr marL="914400" indent="0">
+              <a:buNone/>
+              <a:defRPr sz="1200"/>
+            </a:lvl3pPr>
+            <a:lvl4pPr marL="1371600" indent="0">
+              <a:buNone/>
+              <a:defRPr sz="1000"/>
+            </a:lvl4pPr>
+            <a:lvl5pPr marL="1828800" indent="0">
+              <a:buNone/>
+              <a:defRPr sz="1000"/>
+            </a:lvl5pPr>
+            <a:lvl6pPr marL="2286000" indent="0">
+              <a:buNone/>
+              <a:defRPr sz="1000"/>
+            </a:lvl6pPr>
+            <a:lvl7pPr marL="2743200" indent="0">
+              <a:buNone/>
+              <a:defRPr sz="1000"/>
+            </a:lvl7pPr>
+            <a:lvl8pPr marL="3200400" indent="0">
+              <a:buNone/>
+              <a:defRPr sz="1000"/>
+            </a:lvl8pPr>
+            <a:lvl9pPr marL="3657600" indent="0">
+              <a:buNone/>
+              <a:defRPr sz="1000"/>
+            </a:lvl9pPr>
+          </a:lstStyle>
+          <a:p>
+            <a:pPr lvl="0"/>
+            <a:r>
+              <a:rPr lang="de-DE"/>
+              <a:t>Formatvorlagen des Textmasters bearbeiten</a:t>
+            </a:r>
+          </a:p>
+        </p:txBody>
+      </p:sp>
+      <p:sp>
+        <p:nvSpPr>
+          <p:cNvPr id="5" name="Datumsplatzhalter 4"/>
+          <p:cNvSpPr>
+            <a:spLocks noGrp="1"/>
+          </p:cNvSpPr>
+          <p:nvPr>
+            <p:ph type="dt" sz="half" idx="10"/>
+          </p:nvPr>
+        </p:nvSpPr>
+        <p:spPr/>
+        <p:txBody>
+          <a:bodyPr/>
+          <a:lstStyle/>
+          <a:p>
+            <a:fld id="{E8E9FD07-347C-4F3E-9A33-FA8DD8CC6C0A}" type="datetimeFigureOut">
+              <a:rPr lang="de-DE" smtClean="0">
+                <a:solidFill>
+                  <a:prstClr val="black">
+                    <a:tint val="75000"/>
+                  </a:prstClr>
+                </a:solidFill>
+              </a:rPr>
+              <a:pPr/>
+              <a:t>18.08.2016</a:t>
+            </a:fld>
+            <a:endParaRPr lang="de-DE">
+              <a:solidFill>
+                <a:prstClr val="black">
+                  <a:tint val="75000"/>
+                </a:prstClr>
+              </a:solidFill>
+            </a:endParaRPr>
+          </a:p>
+        </p:txBody>
+      </p:sp>
+      <p:sp>
+        <p:nvSpPr>
+          <p:cNvPr id="6" name="Fußzeilenplatzhalter 5"/>
+          <p:cNvSpPr>
+            <a:spLocks noGrp="1"/>
+          </p:cNvSpPr>
+          <p:nvPr>
+            <p:ph type="ftr" sz="quarter" idx="11"/>
+          </p:nvPr>
+        </p:nvSpPr>
+        <p:spPr/>
+        <p:txBody>
+          <a:bodyPr/>
+          <a:lstStyle/>
+          <a:p>
+            <a:endParaRPr lang="de-DE">
+              <a:solidFill>
+                <a:prstClr val="black">
+                  <a:tint val="75000"/>
+                </a:prstClr>
+              </a:solidFill>
+            </a:endParaRPr>
+          </a:p>
+        </p:txBody>
+      </p:sp>
+      <p:sp>
+        <p:nvSpPr>
+          <p:cNvPr id="7" name="Foliennummernplatzhalter 6"/>
+          <p:cNvSpPr>
+            <a:spLocks noGrp="1"/>
+          </p:cNvSpPr>
+          <p:nvPr>
+            <p:ph type="sldNum" sz="quarter" idx="12"/>
+          </p:nvPr>
+        </p:nvSpPr>
+        <p:spPr/>
+        <p:txBody>
+          <a:bodyPr/>
+          <a:lstStyle/>
+          <a:p>
+            <a:fld id="{FF5CD429-A6E4-42D1-8B88-CE70094E037A}" type="slidenum">
+              <a:rPr lang="de-DE" smtClean="0">
+                <a:solidFill>
+                  <a:prstClr val="black">
+                    <a:tint val="75000"/>
+                  </a:prstClr>
+                </a:solidFill>
+              </a:rPr>
+              <a:pPr/>
+              <a:t>‹Nr.›</a:t>
+            </a:fld>
+            <a:endParaRPr lang="de-DE">
+              <a:solidFill>
+                <a:prstClr val="black">
+                  <a:tint val="75000"/>
+                </a:prstClr>
+              </a:solidFill>
+            </a:endParaRPr>
+          </a:p>
+        </p:txBody>
+      </p:sp>
+    </p:spTree>
+    <p:extLst>
+      <p:ext uri="{BB962C8B-B14F-4D97-AF65-F5344CB8AC3E}">
+        <p14:creationId xmlns:p14="http://schemas.microsoft.com/office/powerpoint/2010/main" val="4142314782"/>
+      </p:ext>
+    </p:extLst>
+  </p:cSld>
+  <p:clrMapOvr>
+    <a:masterClrMapping/>
+  </p:clrMapOvr>
+</p:sldLayout>
+</file>
+
 <file path=ppt/slideLayouts/slideLayout2.xml><?xml version="1.0" encoding="utf-8"?>
 <p:sldLayout xmlns:a="http://schemas.openxmlformats.org/drawingml/2006/main" xmlns:r="http://schemas.openxmlformats.org/officeDocument/2006/relationships" xmlns:p="http://schemas.openxmlformats.org/presentationml/2006/main" type="obj" preserve="1">
   <p:cSld name="Titel und Inhalt">
@@ -29236,6 +31833,700 @@
     <p:extLst>
       <p:ext uri="{BB962C8B-B14F-4D97-AF65-F5344CB8AC3E}">
         <p14:creationId xmlns:p14="http://schemas.microsoft.com/office/powerpoint/2010/main" val="2369572406"/>
+      </p:ext>
+    </p:extLst>
+  </p:cSld>
+  <p:clrMapOvr>
+    <a:masterClrMapping/>
+  </p:clrMapOvr>
+</p:sldLayout>
+</file>
+
+<file path=ppt/slideLayouts/slideLayout20.xml><?xml version="1.0" encoding="utf-8"?>
+<p:sldLayout xmlns:a="http://schemas.openxmlformats.org/drawingml/2006/main" xmlns:r="http://schemas.openxmlformats.org/officeDocument/2006/relationships" xmlns:p="http://schemas.openxmlformats.org/presentationml/2006/main" type="picTx" preserve="1">
+  <p:cSld name="Bild mit Überschrift">
+    <p:spTree>
+      <p:nvGrpSpPr>
+        <p:cNvPr id="1" name=""/>
+        <p:cNvGrpSpPr/>
+        <p:nvPr/>
+      </p:nvGrpSpPr>
+      <p:grpSpPr>
+        <a:xfrm>
+          <a:off x="0" y="0"/>
+          <a:ext cx="0" cy="0"/>
+          <a:chOff x="0" y="0"/>
+          <a:chExt cx="0" cy="0"/>
+        </a:xfrm>
+      </p:grpSpPr>
+      <p:sp>
+        <p:nvSpPr>
+          <p:cNvPr id="2" name="Titel 1"/>
+          <p:cNvSpPr>
+            <a:spLocks noGrp="1"/>
+          </p:cNvSpPr>
+          <p:nvPr>
+            <p:ph type="title"/>
+          </p:nvPr>
+        </p:nvSpPr>
+        <p:spPr>
+          <a:xfrm>
+            <a:off x="839788" y="457200"/>
+            <a:ext cx="3932237" cy="1600200"/>
+          </a:xfrm>
+        </p:spPr>
+        <p:txBody>
+          <a:bodyPr anchor="b"/>
+          <a:lstStyle>
+            <a:lvl1pPr>
+              <a:defRPr sz="3200"/>
+            </a:lvl1pPr>
+          </a:lstStyle>
+          <a:p>
+            <a:r>
+              <a:rPr lang="de-DE"/>
+              <a:t>Titelmasterformat durch Klicken bearbeiten</a:t>
+            </a:r>
+          </a:p>
+        </p:txBody>
+      </p:sp>
+      <p:sp>
+        <p:nvSpPr>
+          <p:cNvPr id="3" name="Bildplatzhalter 2"/>
+          <p:cNvSpPr>
+            <a:spLocks noGrp="1"/>
+          </p:cNvSpPr>
+          <p:nvPr>
+            <p:ph type="pic" idx="1"/>
+          </p:nvPr>
+        </p:nvSpPr>
+        <p:spPr>
+          <a:xfrm>
+            <a:off x="5183188" y="987425"/>
+            <a:ext cx="6172200" cy="4873625"/>
+          </a:xfrm>
+        </p:spPr>
+        <p:txBody>
+          <a:bodyPr/>
+          <a:lstStyle>
+            <a:lvl1pPr marL="0" indent="0">
+              <a:buNone/>
+              <a:defRPr sz="3200"/>
+            </a:lvl1pPr>
+            <a:lvl2pPr marL="457200" indent="0">
+              <a:buNone/>
+              <a:defRPr sz="2800"/>
+            </a:lvl2pPr>
+            <a:lvl3pPr marL="914400" indent="0">
+              <a:buNone/>
+              <a:defRPr sz="2400"/>
+            </a:lvl3pPr>
+            <a:lvl4pPr marL="1371600" indent="0">
+              <a:buNone/>
+              <a:defRPr sz="2000"/>
+            </a:lvl4pPr>
+            <a:lvl5pPr marL="1828800" indent="0">
+              <a:buNone/>
+              <a:defRPr sz="2000"/>
+            </a:lvl5pPr>
+            <a:lvl6pPr marL="2286000" indent="0">
+              <a:buNone/>
+              <a:defRPr sz="2000"/>
+            </a:lvl6pPr>
+            <a:lvl7pPr marL="2743200" indent="0">
+              <a:buNone/>
+              <a:defRPr sz="2000"/>
+            </a:lvl7pPr>
+            <a:lvl8pPr marL="3200400" indent="0">
+              <a:buNone/>
+              <a:defRPr sz="2000"/>
+            </a:lvl8pPr>
+            <a:lvl9pPr marL="3657600" indent="0">
+              <a:buNone/>
+              <a:defRPr sz="2000"/>
+            </a:lvl9pPr>
+          </a:lstStyle>
+          <a:p>
+            <a:endParaRPr lang="de-DE"/>
+          </a:p>
+        </p:txBody>
+      </p:sp>
+      <p:sp>
+        <p:nvSpPr>
+          <p:cNvPr id="4" name="Textplatzhalter 3"/>
+          <p:cNvSpPr>
+            <a:spLocks noGrp="1"/>
+          </p:cNvSpPr>
+          <p:nvPr>
+            <p:ph type="body" sz="half" idx="2"/>
+          </p:nvPr>
+        </p:nvSpPr>
+        <p:spPr>
+          <a:xfrm>
+            <a:off x="839788" y="2057400"/>
+            <a:ext cx="3932237" cy="3811588"/>
+          </a:xfrm>
+        </p:spPr>
+        <p:txBody>
+          <a:bodyPr/>
+          <a:lstStyle>
+            <a:lvl1pPr marL="0" indent="0">
+              <a:buNone/>
+              <a:defRPr sz="1600"/>
+            </a:lvl1pPr>
+            <a:lvl2pPr marL="457200" indent="0">
+              <a:buNone/>
+              <a:defRPr sz="1400"/>
+            </a:lvl2pPr>
+            <a:lvl3pPr marL="914400" indent="0">
+              <a:buNone/>
+              <a:defRPr sz="1200"/>
+            </a:lvl3pPr>
+            <a:lvl4pPr marL="1371600" indent="0">
+              <a:buNone/>
+              <a:defRPr sz="1000"/>
+            </a:lvl4pPr>
+            <a:lvl5pPr marL="1828800" indent="0">
+              <a:buNone/>
+              <a:defRPr sz="1000"/>
+            </a:lvl5pPr>
+            <a:lvl6pPr marL="2286000" indent="0">
+              <a:buNone/>
+              <a:defRPr sz="1000"/>
+            </a:lvl6pPr>
+            <a:lvl7pPr marL="2743200" indent="0">
+              <a:buNone/>
+              <a:defRPr sz="1000"/>
+            </a:lvl7pPr>
+            <a:lvl8pPr marL="3200400" indent="0">
+              <a:buNone/>
+              <a:defRPr sz="1000"/>
+            </a:lvl8pPr>
+            <a:lvl9pPr marL="3657600" indent="0">
+              <a:buNone/>
+              <a:defRPr sz="1000"/>
+            </a:lvl9pPr>
+          </a:lstStyle>
+          <a:p>
+            <a:pPr lvl="0"/>
+            <a:r>
+              <a:rPr lang="de-DE"/>
+              <a:t>Formatvorlagen des Textmasters bearbeiten</a:t>
+            </a:r>
+          </a:p>
+        </p:txBody>
+      </p:sp>
+      <p:sp>
+        <p:nvSpPr>
+          <p:cNvPr id="5" name="Datumsplatzhalter 4"/>
+          <p:cNvSpPr>
+            <a:spLocks noGrp="1"/>
+          </p:cNvSpPr>
+          <p:nvPr>
+            <p:ph type="dt" sz="half" idx="10"/>
+          </p:nvPr>
+        </p:nvSpPr>
+        <p:spPr/>
+        <p:txBody>
+          <a:bodyPr/>
+          <a:lstStyle/>
+          <a:p>
+            <a:fld id="{E8E9FD07-347C-4F3E-9A33-FA8DD8CC6C0A}" type="datetimeFigureOut">
+              <a:rPr lang="de-DE" smtClean="0">
+                <a:solidFill>
+                  <a:prstClr val="black">
+                    <a:tint val="75000"/>
+                  </a:prstClr>
+                </a:solidFill>
+              </a:rPr>
+              <a:pPr/>
+              <a:t>18.08.2016</a:t>
+            </a:fld>
+            <a:endParaRPr lang="de-DE">
+              <a:solidFill>
+                <a:prstClr val="black">
+                  <a:tint val="75000"/>
+                </a:prstClr>
+              </a:solidFill>
+            </a:endParaRPr>
+          </a:p>
+        </p:txBody>
+      </p:sp>
+      <p:sp>
+        <p:nvSpPr>
+          <p:cNvPr id="6" name="Fußzeilenplatzhalter 5"/>
+          <p:cNvSpPr>
+            <a:spLocks noGrp="1"/>
+          </p:cNvSpPr>
+          <p:nvPr>
+            <p:ph type="ftr" sz="quarter" idx="11"/>
+          </p:nvPr>
+        </p:nvSpPr>
+        <p:spPr/>
+        <p:txBody>
+          <a:bodyPr/>
+          <a:lstStyle/>
+          <a:p>
+            <a:endParaRPr lang="de-DE">
+              <a:solidFill>
+                <a:prstClr val="black">
+                  <a:tint val="75000"/>
+                </a:prstClr>
+              </a:solidFill>
+            </a:endParaRPr>
+          </a:p>
+        </p:txBody>
+      </p:sp>
+      <p:sp>
+        <p:nvSpPr>
+          <p:cNvPr id="7" name="Foliennummernplatzhalter 6"/>
+          <p:cNvSpPr>
+            <a:spLocks noGrp="1"/>
+          </p:cNvSpPr>
+          <p:nvPr>
+            <p:ph type="sldNum" sz="quarter" idx="12"/>
+          </p:nvPr>
+        </p:nvSpPr>
+        <p:spPr/>
+        <p:txBody>
+          <a:bodyPr/>
+          <a:lstStyle/>
+          <a:p>
+            <a:fld id="{FF5CD429-A6E4-42D1-8B88-CE70094E037A}" type="slidenum">
+              <a:rPr lang="de-DE" smtClean="0">
+                <a:solidFill>
+                  <a:prstClr val="black">
+                    <a:tint val="75000"/>
+                  </a:prstClr>
+                </a:solidFill>
+              </a:rPr>
+              <a:pPr/>
+              <a:t>‹Nr.›</a:t>
+            </a:fld>
+            <a:endParaRPr lang="de-DE">
+              <a:solidFill>
+                <a:prstClr val="black">
+                  <a:tint val="75000"/>
+                </a:prstClr>
+              </a:solidFill>
+            </a:endParaRPr>
+          </a:p>
+        </p:txBody>
+      </p:sp>
+    </p:spTree>
+    <p:extLst>
+      <p:ext uri="{BB962C8B-B14F-4D97-AF65-F5344CB8AC3E}">
+        <p14:creationId xmlns:p14="http://schemas.microsoft.com/office/powerpoint/2010/main" val="2208410005"/>
+      </p:ext>
+    </p:extLst>
+  </p:cSld>
+  <p:clrMapOvr>
+    <a:masterClrMapping/>
+  </p:clrMapOvr>
+</p:sldLayout>
+</file>
+
+<file path=ppt/slideLayouts/slideLayout21.xml><?xml version="1.0" encoding="utf-8"?>
+<p:sldLayout xmlns:a="http://schemas.openxmlformats.org/drawingml/2006/main" xmlns:r="http://schemas.openxmlformats.org/officeDocument/2006/relationships" xmlns:p="http://schemas.openxmlformats.org/presentationml/2006/main" type="vertTx" preserve="1">
+  <p:cSld name="Titel und vertikaler Text">
+    <p:spTree>
+      <p:nvGrpSpPr>
+        <p:cNvPr id="1" name=""/>
+        <p:cNvGrpSpPr/>
+        <p:nvPr/>
+      </p:nvGrpSpPr>
+      <p:grpSpPr>
+        <a:xfrm>
+          <a:off x="0" y="0"/>
+          <a:ext cx="0" cy="0"/>
+          <a:chOff x="0" y="0"/>
+          <a:chExt cx="0" cy="0"/>
+        </a:xfrm>
+      </p:grpSpPr>
+      <p:sp>
+        <p:nvSpPr>
+          <p:cNvPr id="2" name="Titel 1"/>
+          <p:cNvSpPr>
+            <a:spLocks noGrp="1"/>
+          </p:cNvSpPr>
+          <p:nvPr>
+            <p:ph type="title"/>
+          </p:nvPr>
+        </p:nvSpPr>
+        <p:spPr/>
+        <p:txBody>
+          <a:bodyPr/>
+          <a:lstStyle/>
+          <a:p>
+            <a:r>
+              <a:rPr lang="de-DE"/>
+              <a:t>Titelmasterformat durch Klicken bearbeiten</a:t>
+            </a:r>
+          </a:p>
+        </p:txBody>
+      </p:sp>
+      <p:sp>
+        <p:nvSpPr>
+          <p:cNvPr id="3" name="Vertikaler Textplatzhalter 2"/>
+          <p:cNvSpPr>
+            <a:spLocks noGrp="1"/>
+          </p:cNvSpPr>
+          <p:nvPr>
+            <p:ph type="body" orient="vert" idx="1"/>
+          </p:nvPr>
+        </p:nvSpPr>
+        <p:spPr/>
+        <p:txBody>
+          <a:bodyPr vert="eaVert"/>
+          <a:lstStyle/>
+          <a:p>
+            <a:pPr lvl="0"/>
+            <a:r>
+              <a:rPr lang="de-DE"/>
+              <a:t>Formatvorlagen des Textmasters bearbeiten</a:t>
+            </a:r>
+          </a:p>
+          <a:p>
+            <a:pPr lvl="1"/>
+            <a:r>
+              <a:rPr lang="de-DE"/>
+              <a:t>Zweite Ebene</a:t>
+            </a:r>
+          </a:p>
+          <a:p>
+            <a:pPr lvl="2"/>
+            <a:r>
+              <a:rPr lang="de-DE"/>
+              <a:t>Dritte Ebene</a:t>
+            </a:r>
+          </a:p>
+          <a:p>
+            <a:pPr lvl="3"/>
+            <a:r>
+              <a:rPr lang="de-DE"/>
+              <a:t>Vierte Ebene</a:t>
+            </a:r>
+          </a:p>
+          <a:p>
+            <a:pPr lvl="4"/>
+            <a:r>
+              <a:rPr lang="de-DE"/>
+              <a:t>Fünfte Ebene</a:t>
+            </a:r>
+          </a:p>
+        </p:txBody>
+      </p:sp>
+      <p:sp>
+        <p:nvSpPr>
+          <p:cNvPr id="4" name="Datumsplatzhalter 3"/>
+          <p:cNvSpPr>
+            <a:spLocks noGrp="1"/>
+          </p:cNvSpPr>
+          <p:nvPr>
+            <p:ph type="dt" sz="half" idx="10"/>
+          </p:nvPr>
+        </p:nvSpPr>
+        <p:spPr/>
+        <p:txBody>
+          <a:bodyPr/>
+          <a:lstStyle/>
+          <a:p>
+            <a:fld id="{E8E9FD07-347C-4F3E-9A33-FA8DD8CC6C0A}" type="datetimeFigureOut">
+              <a:rPr lang="de-DE" smtClean="0">
+                <a:solidFill>
+                  <a:prstClr val="black">
+                    <a:tint val="75000"/>
+                  </a:prstClr>
+                </a:solidFill>
+              </a:rPr>
+              <a:pPr/>
+              <a:t>18.08.2016</a:t>
+            </a:fld>
+            <a:endParaRPr lang="de-DE">
+              <a:solidFill>
+                <a:prstClr val="black">
+                  <a:tint val="75000"/>
+                </a:prstClr>
+              </a:solidFill>
+            </a:endParaRPr>
+          </a:p>
+        </p:txBody>
+      </p:sp>
+      <p:sp>
+        <p:nvSpPr>
+          <p:cNvPr id="5" name="Fußzeilenplatzhalter 4"/>
+          <p:cNvSpPr>
+            <a:spLocks noGrp="1"/>
+          </p:cNvSpPr>
+          <p:nvPr>
+            <p:ph type="ftr" sz="quarter" idx="11"/>
+          </p:nvPr>
+        </p:nvSpPr>
+        <p:spPr/>
+        <p:txBody>
+          <a:bodyPr/>
+          <a:lstStyle/>
+          <a:p>
+            <a:endParaRPr lang="de-DE">
+              <a:solidFill>
+                <a:prstClr val="black">
+                  <a:tint val="75000"/>
+                </a:prstClr>
+              </a:solidFill>
+            </a:endParaRPr>
+          </a:p>
+        </p:txBody>
+      </p:sp>
+      <p:sp>
+        <p:nvSpPr>
+          <p:cNvPr id="6" name="Foliennummernplatzhalter 5"/>
+          <p:cNvSpPr>
+            <a:spLocks noGrp="1"/>
+          </p:cNvSpPr>
+          <p:nvPr>
+            <p:ph type="sldNum" sz="quarter" idx="12"/>
+          </p:nvPr>
+        </p:nvSpPr>
+        <p:spPr/>
+        <p:txBody>
+          <a:bodyPr/>
+          <a:lstStyle/>
+          <a:p>
+            <a:fld id="{FF5CD429-A6E4-42D1-8B88-CE70094E037A}" type="slidenum">
+              <a:rPr lang="de-DE" smtClean="0">
+                <a:solidFill>
+                  <a:prstClr val="black">
+                    <a:tint val="75000"/>
+                  </a:prstClr>
+                </a:solidFill>
+              </a:rPr>
+              <a:pPr/>
+              <a:t>‹Nr.›</a:t>
+            </a:fld>
+            <a:endParaRPr lang="de-DE">
+              <a:solidFill>
+                <a:prstClr val="black">
+                  <a:tint val="75000"/>
+                </a:prstClr>
+              </a:solidFill>
+            </a:endParaRPr>
+          </a:p>
+        </p:txBody>
+      </p:sp>
+    </p:spTree>
+    <p:extLst>
+      <p:ext uri="{BB962C8B-B14F-4D97-AF65-F5344CB8AC3E}">
+        <p14:creationId xmlns:p14="http://schemas.microsoft.com/office/powerpoint/2010/main" val="4088920890"/>
+      </p:ext>
+    </p:extLst>
+  </p:cSld>
+  <p:clrMapOvr>
+    <a:masterClrMapping/>
+  </p:clrMapOvr>
+</p:sldLayout>
+</file>
+
+<file path=ppt/slideLayouts/slideLayout22.xml><?xml version="1.0" encoding="utf-8"?>
+<p:sldLayout xmlns:a="http://schemas.openxmlformats.org/drawingml/2006/main" xmlns:r="http://schemas.openxmlformats.org/officeDocument/2006/relationships" xmlns:p="http://schemas.openxmlformats.org/presentationml/2006/main" type="vertTitleAndTx" preserve="1">
+  <p:cSld name="Vertikaler Titel und Text">
+    <p:spTree>
+      <p:nvGrpSpPr>
+        <p:cNvPr id="1" name=""/>
+        <p:cNvGrpSpPr/>
+        <p:nvPr/>
+      </p:nvGrpSpPr>
+      <p:grpSpPr>
+        <a:xfrm>
+          <a:off x="0" y="0"/>
+          <a:ext cx="0" cy="0"/>
+          <a:chOff x="0" y="0"/>
+          <a:chExt cx="0" cy="0"/>
+        </a:xfrm>
+      </p:grpSpPr>
+      <p:sp>
+        <p:nvSpPr>
+          <p:cNvPr id="2" name="Vertikaler Titel 1"/>
+          <p:cNvSpPr>
+            <a:spLocks noGrp="1"/>
+          </p:cNvSpPr>
+          <p:nvPr>
+            <p:ph type="title" orient="vert"/>
+          </p:nvPr>
+        </p:nvSpPr>
+        <p:spPr>
+          <a:xfrm>
+            <a:off x="8724900" y="365125"/>
+            <a:ext cx="2628900" cy="5811838"/>
+          </a:xfrm>
+        </p:spPr>
+        <p:txBody>
+          <a:bodyPr vert="eaVert"/>
+          <a:lstStyle/>
+          <a:p>
+            <a:r>
+              <a:rPr lang="de-DE"/>
+              <a:t>Titelmasterformat durch Klicken bearbeiten</a:t>
+            </a:r>
+          </a:p>
+        </p:txBody>
+      </p:sp>
+      <p:sp>
+        <p:nvSpPr>
+          <p:cNvPr id="3" name="Vertikaler Textplatzhalter 2"/>
+          <p:cNvSpPr>
+            <a:spLocks noGrp="1"/>
+          </p:cNvSpPr>
+          <p:nvPr>
+            <p:ph type="body" orient="vert" idx="1"/>
+          </p:nvPr>
+        </p:nvSpPr>
+        <p:spPr>
+          <a:xfrm>
+            <a:off x="838200" y="365125"/>
+            <a:ext cx="7734300" cy="5811838"/>
+          </a:xfrm>
+        </p:spPr>
+        <p:txBody>
+          <a:bodyPr vert="eaVert"/>
+          <a:lstStyle/>
+          <a:p>
+            <a:pPr lvl="0"/>
+            <a:r>
+              <a:rPr lang="de-DE"/>
+              <a:t>Formatvorlagen des Textmasters bearbeiten</a:t>
+            </a:r>
+          </a:p>
+          <a:p>
+            <a:pPr lvl="1"/>
+            <a:r>
+              <a:rPr lang="de-DE"/>
+              <a:t>Zweite Ebene</a:t>
+            </a:r>
+          </a:p>
+          <a:p>
+            <a:pPr lvl="2"/>
+            <a:r>
+              <a:rPr lang="de-DE"/>
+              <a:t>Dritte Ebene</a:t>
+            </a:r>
+          </a:p>
+          <a:p>
+            <a:pPr lvl="3"/>
+            <a:r>
+              <a:rPr lang="de-DE"/>
+              <a:t>Vierte Ebene</a:t>
+            </a:r>
+          </a:p>
+          <a:p>
+            <a:pPr lvl="4"/>
+            <a:r>
+              <a:rPr lang="de-DE"/>
+              <a:t>Fünfte Ebene</a:t>
+            </a:r>
+          </a:p>
+        </p:txBody>
+      </p:sp>
+      <p:sp>
+        <p:nvSpPr>
+          <p:cNvPr id="4" name="Datumsplatzhalter 3"/>
+          <p:cNvSpPr>
+            <a:spLocks noGrp="1"/>
+          </p:cNvSpPr>
+          <p:nvPr>
+            <p:ph type="dt" sz="half" idx="10"/>
+          </p:nvPr>
+        </p:nvSpPr>
+        <p:spPr/>
+        <p:txBody>
+          <a:bodyPr/>
+          <a:lstStyle/>
+          <a:p>
+            <a:fld id="{E8E9FD07-347C-4F3E-9A33-FA8DD8CC6C0A}" type="datetimeFigureOut">
+              <a:rPr lang="de-DE" smtClean="0">
+                <a:solidFill>
+                  <a:prstClr val="black">
+                    <a:tint val="75000"/>
+                  </a:prstClr>
+                </a:solidFill>
+              </a:rPr>
+              <a:pPr/>
+              <a:t>18.08.2016</a:t>
+            </a:fld>
+            <a:endParaRPr lang="de-DE">
+              <a:solidFill>
+                <a:prstClr val="black">
+                  <a:tint val="75000"/>
+                </a:prstClr>
+              </a:solidFill>
+            </a:endParaRPr>
+          </a:p>
+        </p:txBody>
+      </p:sp>
+      <p:sp>
+        <p:nvSpPr>
+          <p:cNvPr id="5" name="Fußzeilenplatzhalter 4"/>
+          <p:cNvSpPr>
+            <a:spLocks noGrp="1"/>
+          </p:cNvSpPr>
+          <p:nvPr>
+            <p:ph type="ftr" sz="quarter" idx="11"/>
+          </p:nvPr>
+        </p:nvSpPr>
+        <p:spPr/>
+        <p:txBody>
+          <a:bodyPr/>
+          <a:lstStyle/>
+          <a:p>
+            <a:endParaRPr lang="de-DE">
+              <a:solidFill>
+                <a:prstClr val="black">
+                  <a:tint val="75000"/>
+                </a:prstClr>
+              </a:solidFill>
+            </a:endParaRPr>
+          </a:p>
+        </p:txBody>
+      </p:sp>
+      <p:sp>
+        <p:nvSpPr>
+          <p:cNvPr id="6" name="Foliennummernplatzhalter 5"/>
+          <p:cNvSpPr>
+            <a:spLocks noGrp="1"/>
+          </p:cNvSpPr>
+          <p:nvPr>
+            <p:ph type="sldNum" sz="quarter" idx="12"/>
+          </p:nvPr>
+        </p:nvSpPr>
+        <p:spPr/>
+        <p:txBody>
+          <a:bodyPr/>
+          <a:lstStyle/>
+          <a:p>
+            <a:fld id="{FF5CD429-A6E4-42D1-8B88-CE70094E037A}" type="slidenum">
+              <a:rPr lang="de-DE" smtClean="0">
+                <a:solidFill>
+                  <a:prstClr val="black">
+                    <a:tint val="75000"/>
+                  </a:prstClr>
+                </a:solidFill>
+              </a:rPr>
+              <a:pPr/>
+              <a:t>‹Nr.›</a:t>
+            </a:fld>
+            <a:endParaRPr lang="de-DE">
+              <a:solidFill>
+                <a:prstClr val="black">
+                  <a:tint val="75000"/>
+                </a:prstClr>
+              </a:solidFill>
+            </a:endParaRPr>
+          </a:p>
+        </p:txBody>
+      </p:sp>
+    </p:spTree>
+    <p:extLst>
+      <p:ext uri="{BB962C8B-B14F-4D97-AF65-F5344CB8AC3E}">
+        <p14:creationId xmlns:p14="http://schemas.microsoft.com/office/powerpoint/2010/main" val="2219706958"/>
       </p:ext>
     </p:extLst>
   </p:cSld>
@@ -31360,6 +34651,576 @@
 </p:sldMaster>
 </file>
 
+<file path=ppt/slideMasters/slideMaster2.xml><?xml version="1.0" encoding="utf-8"?>
+<p:sldMaster xmlns:a="http://schemas.openxmlformats.org/drawingml/2006/main" xmlns:r="http://schemas.openxmlformats.org/officeDocument/2006/relationships" xmlns:p="http://schemas.openxmlformats.org/presentationml/2006/main">
+  <p:cSld>
+    <p:bg>
+      <p:bgRef idx="1001">
+        <a:schemeClr val="bg1"/>
+      </p:bgRef>
+    </p:bg>
+    <p:spTree>
+      <p:nvGrpSpPr>
+        <p:cNvPr id="1" name=""/>
+        <p:cNvGrpSpPr/>
+        <p:nvPr/>
+      </p:nvGrpSpPr>
+      <p:grpSpPr>
+        <a:xfrm>
+          <a:off x="0" y="0"/>
+          <a:ext cx="0" cy="0"/>
+          <a:chOff x="0" y="0"/>
+          <a:chExt cx="0" cy="0"/>
+        </a:xfrm>
+      </p:grpSpPr>
+      <p:sp>
+        <p:nvSpPr>
+          <p:cNvPr id="2" name="Titelplatzhalter 1"/>
+          <p:cNvSpPr>
+            <a:spLocks noGrp="1"/>
+          </p:cNvSpPr>
+          <p:nvPr>
+            <p:ph type="title"/>
+          </p:nvPr>
+        </p:nvSpPr>
+        <p:spPr>
+          <a:xfrm>
+            <a:off x="838200" y="365125"/>
+            <a:ext cx="10515600" cy="1325563"/>
+          </a:xfrm>
+          <a:prstGeom prst="rect">
+            <a:avLst/>
+          </a:prstGeom>
+        </p:spPr>
+        <p:txBody>
+          <a:bodyPr vert="horz" lIns="91440" tIns="45720" rIns="91440" bIns="45720" rtlCol="0" anchor="ctr">
+            <a:normAutofit/>
+          </a:bodyPr>
+          <a:lstStyle/>
+          <a:p>
+            <a:r>
+              <a:rPr lang="de-DE"/>
+              <a:t>Titelmasterformat durch Klicken bearbeiten</a:t>
+            </a:r>
+          </a:p>
+        </p:txBody>
+      </p:sp>
+      <p:sp>
+        <p:nvSpPr>
+          <p:cNvPr id="3" name="Textplatzhalter 2"/>
+          <p:cNvSpPr>
+            <a:spLocks noGrp="1"/>
+          </p:cNvSpPr>
+          <p:nvPr>
+            <p:ph type="body" idx="1"/>
+          </p:nvPr>
+        </p:nvSpPr>
+        <p:spPr>
+          <a:xfrm>
+            <a:off x="838200" y="1825625"/>
+            <a:ext cx="10515600" cy="4351338"/>
+          </a:xfrm>
+          <a:prstGeom prst="rect">
+            <a:avLst/>
+          </a:prstGeom>
+        </p:spPr>
+        <p:txBody>
+          <a:bodyPr vert="horz" lIns="91440" tIns="45720" rIns="91440" bIns="45720" rtlCol="0">
+            <a:normAutofit/>
+          </a:bodyPr>
+          <a:lstStyle/>
+          <a:p>
+            <a:pPr lvl="0"/>
+            <a:r>
+              <a:rPr lang="de-DE"/>
+              <a:t>Formatvorlagen des Textmasters bearbeiten</a:t>
+            </a:r>
+          </a:p>
+          <a:p>
+            <a:pPr lvl="1"/>
+            <a:r>
+              <a:rPr lang="de-DE"/>
+              <a:t>Zweite Ebene</a:t>
+            </a:r>
+          </a:p>
+          <a:p>
+            <a:pPr lvl="2"/>
+            <a:r>
+              <a:rPr lang="de-DE"/>
+              <a:t>Dritte Ebene</a:t>
+            </a:r>
+          </a:p>
+          <a:p>
+            <a:pPr lvl="3"/>
+            <a:r>
+              <a:rPr lang="de-DE"/>
+              <a:t>Vierte Ebene</a:t>
+            </a:r>
+          </a:p>
+          <a:p>
+            <a:pPr lvl="4"/>
+            <a:r>
+              <a:rPr lang="de-DE"/>
+              <a:t>Fünfte Ebene</a:t>
+            </a:r>
+          </a:p>
+        </p:txBody>
+      </p:sp>
+      <p:sp>
+        <p:nvSpPr>
+          <p:cNvPr id="4" name="Datumsplatzhalter 3"/>
+          <p:cNvSpPr>
+            <a:spLocks noGrp="1"/>
+          </p:cNvSpPr>
+          <p:nvPr>
+            <p:ph type="dt" sz="half" idx="2"/>
+          </p:nvPr>
+        </p:nvSpPr>
+        <p:spPr>
+          <a:xfrm>
+            <a:off x="838200" y="6356350"/>
+            <a:ext cx="2743200" cy="365125"/>
+          </a:xfrm>
+          <a:prstGeom prst="rect">
+            <a:avLst/>
+          </a:prstGeom>
+        </p:spPr>
+        <p:txBody>
+          <a:bodyPr vert="horz" lIns="91440" tIns="45720" rIns="91440" bIns="45720" rtlCol="0" anchor="ctr"/>
+          <a:lstStyle>
+            <a:lvl1pPr algn="l">
+              <a:defRPr sz="1200">
+                <a:solidFill>
+                  <a:schemeClr val="tx1">
+                    <a:tint val="75000"/>
+                  </a:schemeClr>
+                </a:solidFill>
+              </a:defRPr>
+            </a:lvl1pPr>
+          </a:lstStyle>
+          <a:p>
+            <a:fld id="{E8E9FD07-347C-4F3E-9A33-FA8DD8CC6C0A}" type="datetimeFigureOut">
+              <a:rPr lang="de-DE" smtClean="0">
+                <a:solidFill>
+                  <a:prstClr val="black">
+                    <a:tint val="75000"/>
+                  </a:prstClr>
+                </a:solidFill>
+              </a:rPr>
+              <a:pPr/>
+              <a:t>18.08.2016</a:t>
+            </a:fld>
+            <a:endParaRPr lang="de-DE">
+              <a:solidFill>
+                <a:prstClr val="black">
+                  <a:tint val="75000"/>
+                </a:prstClr>
+              </a:solidFill>
+            </a:endParaRPr>
+          </a:p>
+        </p:txBody>
+      </p:sp>
+      <p:sp>
+        <p:nvSpPr>
+          <p:cNvPr id="5" name="Fußzeilenplatzhalter 4"/>
+          <p:cNvSpPr>
+            <a:spLocks noGrp="1"/>
+          </p:cNvSpPr>
+          <p:nvPr>
+            <p:ph type="ftr" sz="quarter" idx="3"/>
+          </p:nvPr>
+        </p:nvSpPr>
+        <p:spPr>
+          <a:xfrm>
+            <a:off x="4038600" y="6356350"/>
+            <a:ext cx="4114800" cy="365125"/>
+          </a:xfrm>
+          <a:prstGeom prst="rect">
+            <a:avLst/>
+          </a:prstGeom>
+        </p:spPr>
+        <p:txBody>
+          <a:bodyPr vert="horz" lIns="91440" tIns="45720" rIns="91440" bIns="45720" rtlCol="0" anchor="ctr"/>
+          <a:lstStyle>
+            <a:lvl1pPr algn="ctr">
+              <a:defRPr sz="1200">
+                <a:solidFill>
+                  <a:schemeClr val="tx1">
+                    <a:tint val="75000"/>
+                  </a:schemeClr>
+                </a:solidFill>
+              </a:defRPr>
+            </a:lvl1pPr>
+          </a:lstStyle>
+          <a:p>
+            <a:endParaRPr lang="de-DE">
+              <a:solidFill>
+                <a:prstClr val="black">
+                  <a:tint val="75000"/>
+                </a:prstClr>
+              </a:solidFill>
+            </a:endParaRPr>
+          </a:p>
+        </p:txBody>
+      </p:sp>
+      <p:sp>
+        <p:nvSpPr>
+          <p:cNvPr id="6" name="Foliennummernplatzhalter 5"/>
+          <p:cNvSpPr>
+            <a:spLocks noGrp="1"/>
+          </p:cNvSpPr>
+          <p:nvPr>
+            <p:ph type="sldNum" sz="quarter" idx="4"/>
+          </p:nvPr>
+        </p:nvSpPr>
+        <p:spPr>
+          <a:xfrm>
+            <a:off x="8610600" y="6356350"/>
+            <a:ext cx="2743200" cy="365125"/>
+          </a:xfrm>
+          <a:prstGeom prst="rect">
+            <a:avLst/>
+          </a:prstGeom>
+        </p:spPr>
+        <p:txBody>
+          <a:bodyPr vert="horz" lIns="91440" tIns="45720" rIns="91440" bIns="45720" rtlCol="0" anchor="ctr"/>
+          <a:lstStyle>
+            <a:lvl1pPr algn="r">
+              <a:defRPr sz="1200">
+                <a:solidFill>
+                  <a:schemeClr val="tx1">
+                    <a:tint val="75000"/>
+                  </a:schemeClr>
+                </a:solidFill>
+              </a:defRPr>
+            </a:lvl1pPr>
+          </a:lstStyle>
+          <a:p>
+            <a:fld id="{FF5CD429-A6E4-42D1-8B88-CE70094E037A}" type="slidenum">
+              <a:rPr lang="de-DE" smtClean="0">
+                <a:solidFill>
+                  <a:prstClr val="black">
+                    <a:tint val="75000"/>
+                  </a:prstClr>
+                </a:solidFill>
+              </a:rPr>
+              <a:pPr/>
+              <a:t>‹Nr.›</a:t>
+            </a:fld>
+            <a:endParaRPr lang="de-DE">
+              <a:solidFill>
+                <a:prstClr val="black">
+                  <a:tint val="75000"/>
+                </a:prstClr>
+              </a:solidFill>
+            </a:endParaRPr>
+          </a:p>
+        </p:txBody>
+      </p:sp>
+    </p:spTree>
+    <p:extLst>
+      <p:ext uri="{BB962C8B-B14F-4D97-AF65-F5344CB8AC3E}">
+        <p14:creationId xmlns:p14="http://schemas.microsoft.com/office/powerpoint/2010/main" val="1754182420"/>
+      </p:ext>
+    </p:extLst>
+  </p:cSld>
+  <p:clrMap bg1="lt1" tx1="dk1" bg2="lt2" tx2="dk2" accent1="accent1" accent2="accent2" accent3="accent3" accent4="accent4" accent5="accent5" accent6="accent6" hlink="hlink" folHlink="folHlink"/>
+  <p:sldLayoutIdLst>
+    <p:sldLayoutId id="2147483661" r:id="rId1"/>
+    <p:sldLayoutId id="2147483662" r:id="rId2"/>
+    <p:sldLayoutId id="2147483663" r:id="rId3"/>
+    <p:sldLayoutId id="2147483664" r:id="rId4"/>
+    <p:sldLayoutId id="2147483665" r:id="rId5"/>
+    <p:sldLayoutId id="2147483666" r:id="rId6"/>
+    <p:sldLayoutId id="2147483667" r:id="rId7"/>
+    <p:sldLayoutId id="2147483668" r:id="rId8"/>
+    <p:sldLayoutId id="2147483669" r:id="rId9"/>
+    <p:sldLayoutId id="2147483670" r:id="rId10"/>
+    <p:sldLayoutId id="2147483671" r:id="rId11"/>
+  </p:sldLayoutIdLst>
+  <p:txStyles>
+    <p:titleStyle>
+      <a:lvl1pPr algn="l" defTabSz="914400" rtl="0" eaLnBrk="1" latinLnBrk="0" hangingPunct="1">
+        <a:lnSpc>
+          <a:spcPct val="90000"/>
+        </a:lnSpc>
+        <a:spcBef>
+          <a:spcPct val="0"/>
+        </a:spcBef>
+        <a:buNone/>
+        <a:defRPr sz="4400" kern="1200">
+          <a:solidFill>
+            <a:schemeClr val="tx1"/>
+          </a:solidFill>
+          <a:latin typeface="+mj-lt"/>
+          <a:ea typeface="+mj-ea"/>
+          <a:cs typeface="+mj-cs"/>
+        </a:defRPr>
+      </a:lvl1pPr>
+    </p:titleStyle>
+    <p:bodyStyle>
+      <a:lvl1pPr marL="228600" indent="-228600" algn="l" defTabSz="914400" rtl="0" eaLnBrk="1" latinLnBrk="0" hangingPunct="1">
+        <a:lnSpc>
+          <a:spcPct val="90000"/>
+        </a:lnSpc>
+        <a:spcBef>
+          <a:spcPts val="1000"/>
+        </a:spcBef>
+        <a:buFont typeface="Arial" panose="020B0604020202020204" pitchFamily="34" charset="0"/>
+        <a:buChar char="•"/>
+        <a:defRPr sz="2800" kern="1200">
+          <a:solidFill>
+            <a:schemeClr val="tx1"/>
+          </a:solidFill>
+          <a:latin typeface="+mn-lt"/>
+          <a:ea typeface="+mn-ea"/>
+          <a:cs typeface="+mn-cs"/>
+        </a:defRPr>
+      </a:lvl1pPr>
+      <a:lvl2pPr marL="685800" indent="-228600" algn="l" defTabSz="914400" rtl="0" eaLnBrk="1" latinLnBrk="0" hangingPunct="1">
+        <a:lnSpc>
+          <a:spcPct val="90000"/>
+        </a:lnSpc>
+        <a:spcBef>
+          <a:spcPts val="500"/>
+        </a:spcBef>
+        <a:buFont typeface="Arial" panose="020B0604020202020204" pitchFamily="34" charset="0"/>
+        <a:buChar char="•"/>
+        <a:defRPr sz="2400" kern="1200">
+          <a:solidFill>
+            <a:schemeClr val="tx1"/>
+          </a:solidFill>
+          <a:latin typeface="+mn-lt"/>
+          <a:ea typeface="+mn-ea"/>
+          <a:cs typeface="+mn-cs"/>
+        </a:defRPr>
+      </a:lvl2pPr>
+      <a:lvl3pPr marL="1143000" indent="-228600" algn="l" defTabSz="914400" rtl="0" eaLnBrk="1" latinLnBrk="0" hangingPunct="1">
+        <a:lnSpc>
+          <a:spcPct val="90000"/>
+        </a:lnSpc>
+        <a:spcBef>
+          <a:spcPts val="500"/>
+        </a:spcBef>
+        <a:buFont typeface="Arial" panose="020B0604020202020204" pitchFamily="34" charset="0"/>
+        <a:buChar char="•"/>
+        <a:defRPr sz="2000" kern="1200">
+          <a:solidFill>
+            <a:schemeClr val="tx1"/>
+          </a:solidFill>
+          <a:latin typeface="+mn-lt"/>
+          <a:ea typeface="+mn-ea"/>
+          <a:cs typeface="+mn-cs"/>
+        </a:defRPr>
+      </a:lvl3pPr>
+      <a:lvl4pPr marL="1600200" indent="-228600" algn="l" defTabSz="914400" rtl="0" eaLnBrk="1" latinLnBrk="0" hangingPunct="1">
+        <a:lnSpc>
+          <a:spcPct val="90000"/>
+        </a:lnSpc>
+        <a:spcBef>
+          <a:spcPts val="500"/>
+        </a:spcBef>
+        <a:buFont typeface="Arial" panose="020B0604020202020204" pitchFamily="34" charset="0"/>
+        <a:buChar char="•"/>
+        <a:defRPr sz="1800" kern="1200">
+          <a:solidFill>
+            <a:schemeClr val="tx1"/>
+          </a:solidFill>
+          <a:latin typeface="+mn-lt"/>
+          <a:ea typeface="+mn-ea"/>
+          <a:cs typeface="+mn-cs"/>
+        </a:defRPr>
+      </a:lvl4pPr>
+      <a:lvl5pPr marL="2057400" indent="-228600" algn="l" defTabSz="914400" rtl="0" eaLnBrk="1" latinLnBrk="0" hangingPunct="1">
+        <a:lnSpc>
+          <a:spcPct val="90000"/>
+        </a:lnSpc>
+        <a:spcBef>
+          <a:spcPts val="500"/>
+        </a:spcBef>
+        <a:buFont typeface="Arial" panose="020B0604020202020204" pitchFamily="34" charset="0"/>
+        <a:buChar char="•"/>
+        <a:defRPr sz="1800" kern="1200">
+          <a:solidFill>
+            <a:schemeClr val="tx1"/>
+          </a:solidFill>
+          <a:latin typeface="+mn-lt"/>
+          <a:ea typeface="+mn-ea"/>
+          <a:cs typeface="+mn-cs"/>
+        </a:defRPr>
+      </a:lvl5pPr>
+      <a:lvl6pPr marL="2514600" indent="-228600" algn="l" defTabSz="914400" rtl="0" eaLnBrk="1" latinLnBrk="0" hangingPunct="1">
+        <a:lnSpc>
+          <a:spcPct val="90000"/>
+        </a:lnSpc>
+        <a:spcBef>
+          <a:spcPts val="500"/>
+        </a:spcBef>
+        <a:buFont typeface="Arial" panose="020B0604020202020204" pitchFamily="34" charset="0"/>
+        <a:buChar char="•"/>
+        <a:defRPr sz="1800" kern="1200">
+          <a:solidFill>
+            <a:schemeClr val="tx1"/>
+          </a:solidFill>
+          <a:latin typeface="+mn-lt"/>
+          <a:ea typeface="+mn-ea"/>
+          <a:cs typeface="+mn-cs"/>
+        </a:defRPr>
+      </a:lvl6pPr>
+      <a:lvl7pPr marL="2971800" indent="-228600" algn="l" defTabSz="914400" rtl="0" eaLnBrk="1" latinLnBrk="0" hangingPunct="1">
+        <a:lnSpc>
+          <a:spcPct val="90000"/>
+        </a:lnSpc>
+        <a:spcBef>
+          <a:spcPts val="500"/>
+        </a:spcBef>
+        <a:buFont typeface="Arial" panose="020B0604020202020204" pitchFamily="34" charset="0"/>
+        <a:buChar char="•"/>
+        <a:defRPr sz="1800" kern="1200">
+          <a:solidFill>
+            <a:schemeClr val="tx1"/>
+          </a:solidFill>
+          <a:latin typeface="+mn-lt"/>
+          <a:ea typeface="+mn-ea"/>
+          <a:cs typeface="+mn-cs"/>
+        </a:defRPr>
+      </a:lvl7pPr>
+      <a:lvl8pPr marL="3429000" indent="-228600" algn="l" defTabSz="914400" rtl="0" eaLnBrk="1" latinLnBrk="0" hangingPunct="1">
+        <a:lnSpc>
+          <a:spcPct val="90000"/>
+        </a:lnSpc>
+        <a:spcBef>
+          <a:spcPts val="500"/>
+        </a:spcBef>
+        <a:buFont typeface="Arial" panose="020B0604020202020204" pitchFamily="34" charset="0"/>
+        <a:buChar char="•"/>
+        <a:defRPr sz="1800" kern="1200">
+          <a:solidFill>
+            <a:schemeClr val="tx1"/>
+          </a:solidFill>
+          <a:latin typeface="+mn-lt"/>
+          <a:ea typeface="+mn-ea"/>
+          <a:cs typeface="+mn-cs"/>
+        </a:defRPr>
+      </a:lvl8pPr>
+      <a:lvl9pPr marL="3886200" indent="-228600" algn="l" defTabSz="914400" rtl="0" eaLnBrk="1" latinLnBrk="0" hangingPunct="1">
+        <a:lnSpc>
+          <a:spcPct val="90000"/>
+        </a:lnSpc>
+        <a:spcBef>
+          <a:spcPts val="500"/>
+        </a:spcBef>
+        <a:buFont typeface="Arial" panose="020B0604020202020204" pitchFamily="34" charset="0"/>
+        <a:buChar char="•"/>
+        <a:defRPr sz="1800" kern="1200">
+          <a:solidFill>
+            <a:schemeClr val="tx1"/>
+          </a:solidFill>
+          <a:latin typeface="+mn-lt"/>
+          <a:ea typeface="+mn-ea"/>
+          <a:cs typeface="+mn-cs"/>
+        </a:defRPr>
+      </a:lvl9pPr>
+    </p:bodyStyle>
+    <p:otherStyle>
+      <a:defPPr>
+        <a:defRPr lang="de-DE"/>
+      </a:defPPr>
+      <a:lvl1pPr marL="0" algn="l" defTabSz="914400" rtl="0" eaLnBrk="1" latinLnBrk="0" hangingPunct="1">
+        <a:defRPr sz="1800" kern="1200">
+          <a:solidFill>
+            <a:schemeClr val="tx1"/>
+          </a:solidFill>
+          <a:latin typeface="+mn-lt"/>
+          <a:ea typeface="+mn-ea"/>
+          <a:cs typeface="+mn-cs"/>
+        </a:defRPr>
+      </a:lvl1pPr>
+      <a:lvl2pPr marL="457200" algn="l" defTabSz="914400" rtl="0" eaLnBrk="1" latinLnBrk="0" hangingPunct="1">
+        <a:defRPr sz="1800" kern="1200">
+          <a:solidFill>
+            <a:schemeClr val="tx1"/>
+          </a:solidFill>
+          <a:latin typeface="+mn-lt"/>
+          <a:ea typeface="+mn-ea"/>
+          <a:cs typeface="+mn-cs"/>
+        </a:defRPr>
+      </a:lvl2pPr>
+      <a:lvl3pPr marL="914400" algn="l" defTabSz="914400" rtl="0" eaLnBrk="1" latinLnBrk="0" hangingPunct="1">
+        <a:defRPr sz="1800" kern="1200">
+          <a:solidFill>
+            <a:schemeClr val="tx1"/>
+          </a:solidFill>
+          <a:latin typeface="+mn-lt"/>
+          <a:ea typeface="+mn-ea"/>
+          <a:cs typeface="+mn-cs"/>
+        </a:defRPr>
+      </a:lvl3pPr>
+      <a:lvl4pPr marL="1371600" algn="l" defTabSz="914400" rtl="0" eaLnBrk="1" latinLnBrk="0" hangingPunct="1">
+        <a:defRPr sz="1800" kern="1200">
+          <a:solidFill>
+            <a:schemeClr val="tx1"/>
+          </a:solidFill>
+          <a:latin typeface="+mn-lt"/>
+          <a:ea typeface="+mn-ea"/>
+          <a:cs typeface="+mn-cs"/>
+        </a:defRPr>
+      </a:lvl4pPr>
+      <a:lvl5pPr marL="1828800" algn="l" defTabSz="914400" rtl="0" eaLnBrk="1" latinLnBrk="0" hangingPunct="1">
+        <a:defRPr sz="1800" kern="1200">
+          <a:solidFill>
+            <a:schemeClr val="tx1"/>
+          </a:solidFill>
+          <a:latin typeface="+mn-lt"/>
+          <a:ea typeface="+mn-ea"/>
+          <a:cs typeface="+mn-cs"/>
+        </a:defRPr>
+      </a:lvl5pPr>
+      <a:lvl6pPr marL="2286000" algn="l" defTabSz="914400" rtl="0" eaLnBrk="1" latinLnBrk="0" hangingPunct="1">
+        <a:defRPr sz="1800" kern="1200">
+          <a:solidFill>
+            <a:schemeClr val="tx1"/>
+          </a:solidFill>
+          <a:latin typeface="+mn-lt"/>
+          <a:ea typeface="+mn-ea"/>
+          <a:cs typeface="+mn-cs"/>
+        </a:defRPr>
+      </a:lvl6pPr>
+      <a:lvl7pPr marL="2743200" algn="l" defTabSz="914400" rtl="0" eaLnBrk="1" latinLnBrk="0" hangingPunct="1">
+        <a:defRPr sz="1800" kern="1200">
+          <a:solidFill>
+            <a:schemeClr val="tx1"/>
+          </a:solidFill>
+          <a:latin typeface="+mn-lt"/>
+          <a:ea typeface="+mn-ea"/>
+          <a:cs typeface="+mn-cs"/>
+        </a:defRPr>
+      </a:lvl7pPr>
+      <a:lvl8pPr marL="3200400" algn="l" defTabSz="914400" rtl="0" eaLnBrk="1" latinLnBrk="0" hangingPunct="1">
+        <a:defRPr sz="1800" kern="1200">
+          <a:solidFill>
+            <a:schemeClr val="tx1"/>
+          </a:solidFill>
+          <a:latin typeface="+mn-lt"/>
+          <a:ea typeface="+mn-ea"/>
+          <a:cs typeface="+mn-cs"/>
+        </a:defRPr>
+      </a:lvl8pPr>
+      <a:lvl9pPr marL="3657600" algn="l" defTabSz="914400" rtl="0" eaLnBrk="1" latinLnBrk="0" hangingPunct="1">
+        <a:defRPr sz="1800" kern="1200">
+          <a:solidFill>
+            <a:schemeClr val="tx1"/>
+          </a:solidFill>
+          <a:latin typeface="+mn-lt"/>
+          <a:ea typeface="+mn-ea"/>
+          <a:cs typeface="+mn-cs"/>
+        </a:defRPr>
+      </a:lvl9pPr>
+    </p:otherStyle>
+  </p:txStyles>
+</p:sldMaster>
+</file>
+
 <file path=ppt/slides/slide1.xml><?xml version="1.0" encoding="utf-8"?>
 <p:sld xmlns:a="http://schemas.openxmlformats.org/drawingml/2006/main" xmlns:r="http://schemas.openxmlformats.org/officeDocument/2006/relationships" xmlns:p="http://schemas.openxmlformats.org/presentationml/2006/main">
   <p:cSld>
@@ -31425,7 +35286,7 @@
           <p:nvPr>
             <p:extLst>
               <p:ext uri="{386F3935-93C4-4BCD-93E2-E3B085C9AB24}">
-                <p16:designElem xmlns:p16="http://schemas.microsoft.com/office/powerpoint/2015/main" xmlns="" val="1"/>
+                <p16:designElem xmlns="" xmlns:p16="http://schemas.microsoft.com/office/powerpoint/2015/main" val="1"/>
               </p:ext>
             </p:extLst>
           </p:nvPr>
@@ -31558,7 +35419,7 @@
           <p:nvPr>
             <p:extLst>
               <p:ext uri="{386F3935-93C4-4BCD-93E2-E3B085C9AB24}">
-                <p16:designElem xmlns:p16="http://schemas.microsoft.com/office/powerpoint/2015/main" xmlns="" val="1"/>
+                <p16:designElem xmlns="" xmlns:p16="http://schemas.microsoft.com/office/powerpoint/2015/main" val="1"/>
               </p:ext>
             </p:extLst>
           </p:nvPr>
@@ -32049,6 +35910,88 @@
           <a:lstStyle/>
           <a:p>
             <a:r>
+              <a:rPr lang="de-DE" dirty="0" smtClean="0"/>
+              <a:t>Statusbericht</a:t>
+            </a:r>
+            <a:endParaRPr lang="de-DE" dirty="0"/>
+          </a:p>
+        </p:txBody>
+      </p:sp>
+      <p:graphicFrame>
+        <p:nvGraphicFramePr>
+          <p:cNvPr id="3" name="Diagramm 2"/>
+          <p:cNvGraphicFramePr/>
+          <p:nvPr>
+            <p:extLst>
+              <p:ext uri="{D42A27DB-BD31-4B8C-83A1-F6EECF244321}">
+                <p14:modId xmlns:p14="http://schemas.microsoft.com/office/powerpoint/2010/main" val="1528608094"/>
+              </p:ext>
+            </p:extLst>
+          </p:nvPr>
+        </p:nvGraphicFramePr>
+        <p:xfrm>
+          <a:off x="688769" y="1591294"/>
+          <a:ext cx="11067801" cy="4999511"/>
+        </p:xfrm>
+        <a:graphic>
+          <a:graphicData uri="http://schemas.openxmlformats.org/drawingml/2006/chart">
+            <c:chart xmlns:c="http://schemas.openxmlformats.org/drawingml/2006/chart" xmlns:r="http://schemas.openxmlformats.org/officeDocument/2006/relationships" r:id="rId3"/>
+          </a:graphicData>
+        </a:graphic>
+      </p:graphicFrame>
+    </p:spTree>
+    <p:extLst>
+      <p:ext uri="{BB962C8B-B14F-4D97-AF65-F5344CB8AC3E}">
+        <p14:creationId xmlns:p14="http://schemas.microsoft.com/office/powerpoint/2010/main" val="4063706377"/>
+      </p:ext>
+    </p:extLst>
+  </p:cSld>
+  <p:clrMapOvr>
+    <a:masterClrMapping/>
+  </p:clrMapOvr>
+  <p:timing>
+    <p:tnLst>
+      <p:par>
+        <p:cTn id="1" dur="indefinite" restart="never" nodeType="tmRoot"/>
+      </p:par>
+    </p:tnLst>
+  </p:timing>
+</p:sld>
+</file>
+
+<file path=ppt/slides/slide13.xml><?xml version="1.0" encoding="utf-8"?>
+<p:sld xmlns:a="http://schemas.openxmlformats.org/drawingml/2006/main" xmlns:r="http://schemas.openxmlformats.org/officeDocument/2006/relationships" xmlns:p="http://schemas.openxmlformats.org/presentationml/2006/main">
+  <p:cSld>
+    <p:spTree>
+      <p:nvGrpSpPr>
+        <p:cNvPr id="1" name=""/>
+        <p:cNvGrpSpPr/>
+        <p:nvPr/>
+      </p:nvGrpSpPr>
+      <p:grpSpPr>
+        <a:xfrm>
+          <a:off x="0" y="0"/>
+          <a:ext cx="0" cy="0"/>
+          <a:chOff x="0" y="0"/>
+          <a:chExt cx="0" cy="0"/>
+        </a:xfrm>
+      </p:grpSpPr>
+      <p:sp>
+        <p:nvSpPr>
+          <p:cNvPr id="2" name="Titel 1"/>
+          <p:cNvSpPr>
+            <a:spLocks noGrp="1"/>
+          </p:cNvSpPr>
+          <p:nvPr>
+            <p:ph type="title"/>
+          </p:nvPr>
+        </p:nvSpPr>
+        <p:spPr/>
+        <p:txBody>
+          <a:bodyPr/>
+          <a:lstStyle/>
+          <a:p>
+            <a:r>
               <a:rPr lang="de-DE" dirty="0"/>
               <a:t>Fehlervorbeugung</a:t>
             </a:r>
@@ -32093,7 +36036,7 @@
 </p:sld>
 </file>
 
-<file path=ppt/slides/slide13.xml><?xml version="1.0" encoding="utf-8"?>
+<file path=ppt/slides/slide14.xml><?xml version="1.0" encoding="utf-8"?>
 <p:sld xmlns:a="http://schemas.openxmlformats.org/drawingml/2006/main" xmlns:r="http://schemas.openxmlformats.org/officeDocument/2006/relationships" xmlns:p="http://schemas.openxmlformats.org/presentationml/2006/main">
   <p:cSld>
     <p:spTree>
@@ -32267,7 +36210,7 @@
 </p:sld>
 </file>
 
-<file path=ppt/slides/slide14.xml><?xml version="1.0" encoding="utf-8"?>
+<file path=ppt/slides/slide15.xml><?xml version="1.0" encoding="utf-8"?>
 <p:sld xmlns:a="http://schemas.openxmlformats.org/drawingml/2006/main" xmlns:r="http://schemas.openxmlformats.org/officeDocument/2006/relationships" xmlns:p="http://schemas.openxmlformats.org/presentationml/2006/main">
   <p:cSld>
     <p:spTree>
@@ -32461,7 +36404,7 @@
 </p:sld>
 </file>
 
-<file path=ppt/slides/slide15.xml><?xml version="1.0" encoding="utf-8"?>
+<file path=ppt/slides/slide16.xml><?xml version="1.0" encoding="utf-8"?>
 <p:sld xmlns:a="http://schemas.openxmlformats.org/drawingml/2006/main" xmlns:r="http://schemas.openxmlformats.org/officeDocument/2006/relationships" xmlns:p="http://schemas.openxmlformats.org/presentationml/2006/main">
   <p:cSld>
     <p:spTree>
@@ -32522,7 +36465,7 @@
 </p:sld>
 </file>
 
-<file path=ppt/slides/slide16.xml><?xml version="1.0" encoding="utf-8"?>
+<file path=ppt/slides/slide17.xml><?xml version="1.0" encoding="utf-8"?>
 <p:sld xmlns:a="http://schemas.openxmlformats.org/drawingml/2006/main" xmlns:r="http://schemas.openxmlformats.org/officeDocument/2006/relationships" xmlns:p="http://schemas.openxmlformats.org/presentationml/2006/main">
   <p:cSld>
     <p:spTree>
@@ -32583,7 +36526,7 @@
 </p:sld>
 </file>
 
-<file path=ppt/slides/slide17.xml><?xml version="1.0" encoding="utf-8"?>
+<file path=ppt/slides/slide18.xml><?xml version="1.0" encoding="utf-8"?>
 <p:sld xmlns:a="http://schemas.openxmlformats.org/drawingml/2006/main" xmlns:r="http://schemas.openxmlformats.org/officeDocument/2006/relationships" xmlns:p="http://schemas.openxmlformats.org/presentationml/2006/main">
   <p:cSld>
     <p:spTree>
@@ -32644,7 +36587,7 @@
 </p:sld>
 </file>
 
-<file path=ppt/slides/slide18.xml><?xml version="1.0" encoding="utf-8"?>
+<file path=ppt/slides/slide19.xml><?xml version="1.0" encoding="utf-8"?>
 <p:sld xmlns:a="http://schemas.openxmlformats.org/drawingml/2006/main" xmlns:r="http://schemas.openxmlformats.org/officeDocument/2006/relationships" xmlns:p="http://schemas.openxmlformats.org/presentationml/2006/main">
   <p:cSld>
     <p:spTree>
@@ -32729,7 +36672,118 @@
 </p:sld>
 </file>
 
-<file path=ppt/slides/slide19.xml><?xml version="1.0" encoding="utf-8"?>
+<file path=ppt/slides/slide2.xml><?xml version="1.0" encoding="utf-8"?>
+<p:sld xmlns:a="http://schemas.openxmlformats.org/drawingml/2006/main" xmlns:r="http://schemas.openxmlformats.org/officeDocument/2006/relationships" xmlns:p="http://schemas.openxmlformats.org/presentationml/2006/main">
+  <p:cSld>
+    <p:spTree>
+      <p:nvGrpSpPr>
+        <p:cNvPr id="1" name=""/>
+        <p:cNvGrpSpPr/>
+        <p:nvPr/>
+      </p:nvGrpSpPr>
+      <p:grpSpPr>
+        <a:xfrm>
+          <a:off x="0" y="0"/>
+          <a:ext cx="0" cy="0"/>
+          <a:chOff x="0" y="0"/>
+          <a:chExt cx="0" cy="0"/>
+        </a:xfrm>
+      </p:grpSpPr>
+      <p:sp>
+        <p:nvSpPr>
+          <p:cNvPr id="2" name="Titel 1"/>
+          <p:cNvSpPr>
+            <a:spLocks noGrp="1"/>
+          </p:cNvSpPr>
+          <p:nvPr>
+            <p:ph type="title"/>
+          </p:nvPr>
+        </p:nvSpPr>
+        <p:spPr/>
+        <p:txBody>
+          <a:bodyPr/>
+          <a:lstStyle/>
+          <a:p>
+            <a:r>
+              <a:rPr lang="de-DE" dirty="0"/>
+              <a:t>Agenda</a:t>
+            </a:r>
+          </a:p>
+        </p:txBody>
+      </p:sp>
+      <p:sp>
+        <p:nvSpPr>
+          <p:cNvPr id="3" name="Inhaltsplatzhalter 2"/>
+          <p:cNvSpPr>
+            <a:spLocks noGrp="1"/>
+          </p:cNvSpPr>
+          <p:nvPr>
+            <p:ph idx="1"/>
+          </p:nvPr>
+        </p:nvSpPr>
+        <p:spPr/>
+        <p:txBody>
+          <a:bodyPr/>
+          <a:lstStyle/>
+          <a:p>
+            <a:r>
+              <a:rPr lang="de-DE" dirty="0"/>
+              <a:t>Wer sind wir?</a:t>
+            </a:r>
+          </a:p>
+          <a:p>
+            <a:r>
+              <a:rPr lang="de-DE" dirty="0"/>
+              <a:t>Welches Vorgehen verfolgen wir?</a:t>
+            </a:r>
+          </a:p>
+          <a:p>
+            <a:r>
+              <a:rPr lang="de-DE" dirty="0"/>
+              <a:t>Herausforderungen</a:t>
+            </a:r>
+          </a:p>
+          <a:p>
+            <a:r>
+              <a:rPr lang="de-DE" dirty="0"/>
+              <a:t>Konzept</a:t>
+            </a:r>
+          </a:p>
+          <a:p>
+            <a:r>
+              <a:rPr lang="de-DE" dirty="0"/>
+              <a:t>Aktueller Stand</a:t>
+            </a:r>
+          </a:p>
+          <a:p>
+            <a:r>
+              <a:rPr lang="de-DE" dirty="0"/>
+              <a:t>Technische Daten</a:t>
+            </a:r>
+          </a:p>
+        </p:txBody>
+      </p:sp>
+    </p:spTree>
+    <p:extLst>
+      <p:ext uri="{BB962C8B-B14F-4D97-AF65-F5344CB8AC3E}">
+        <p14:creationId xmlns:p14="http://schemas.microsoft.com/office/powerpoint/2010/main" val="2692940439"/>
+      </p:ext>
+    </p:extLst>
+  </p:cSld>
+  <p:clrMapOvr>
+    <a:masterClrMapping/>
+  </p:clrMapOvr>
+  <p:timing>
+    <p:tnLst>
+      <p:par>
+        <p:cTn id="1" dur="indefinite" restart="never" nodeType="tmRoot"/>
+      </p:par>
+    </p:tnLst>
+  </p:timing>
+</p:sld>
+</file>
+
+<file path=ppt/slides/slide20.xml><?xml version="1.0" encoding="utf-8"?>
 <p:sld xmlns:a="http://schemas.openxmlformats.org/drawingml/2006/main" xmlns:r="http://schemas.openxmlformats.org/officeDocument/2006/relationships" xmlns:p="http://schemas.openxmlformats.org/presentationml/2006/main">
   <p:cSld>
     <p:spTree>
@@ -32942,118 +36996,7 @@
 </p:sld>
 </file>
 
-<file path=ppt/slides/slide2.xml><?xml version="1.0" encoding="utf-8"?>
-<p:sld xmlns:a="http://schemas.openxmlformats.org/drawingml/2006/main" xmlns:r="http://schemas.openxmlformats.org/officeDocument/2006/relationships" xmlns:p="http://schemas.openxmlformats.org/presentationml/2006/main">
-  <p:cSld>
-    <p:spTree>
-      <p:nvGrpSpPr>
-        <p:cNvPr id="1" name=""/>
-        <p:cNvGrpSpPr/>
-        <p:nvPr/>
-      </p:nvGrpSpPr>
-      <p:grpSpPr>
-        <a:xfrm>
-          <a:off x="0" y="0"/>
-          <a:ext cx="0" cy="0"/>
-          <a:chOff x="0" y="0"/>
-          <a:chExt cx="0" cy="0"/>
-        </a:xfrm>
-      </p:grpSpPr>
-      <p:sp>
-        <p:nvSpPr>
-          <p:cNvPr id="2" name="Titel 1"/>
-          <p:cNvSpPr>
-            <a:spLocks noGrp="1"/>
-          </p:cNvSpPr>
-          <p:nvPr>
-            <p:ph type="title"/>
-          </p:nvPr>
-        </p:nvSpPr>
-        <p:spPr/>
-        <p:txBody>
-          <a:bodyPr/>
-          <a:lstStyle/>
-          <a:p>
-            <a:r>
-              <a:rPr lang="de-DE" dirty="0"/>
-              <a:t>Agenda</a:t>
-            </a:r>
-          </a:p>
-        </p:txBody>
-      </p:sp>
-      <p:sp>
-        <p:nvSpPr>
-          <p:cNvPr id="3" name="Inhaltsplatzhalter 2"/>
-          <p:cNvSpPr>
-            <a:spLocks noGrp="1"/>
-          </p:cNvSpPr>
-          <p:nvPr>
-            <p:ph idx="1"/>
-          </p:nvPr>
-        </p:nvSpPr>
-        <p:spPr/>
-        <p:txBody>
-          <a:bodyPr/>
-          <a:lstStyle/>
-          <a:p>
-            <a:r>
-              <a:rPr lang="de-DE" dirty="0"/>
-              <a:t>Wer sind wir?</a:t>
-            </a:r>
-          </a:p>
-          <a:p>
-            <a:r>
-              <a:rPr lang="de-DE" dirty="0"/>
-              <a:t>Welches Vorgehen verfolgen wir?</a:t>
-            </a:r>
-          </a:p>
-          <a:p>
-            <a:r>
-              <a:rPr lang="de-DE" dirty="0"/>
-              <a:t>Herausforderungen</a:t>
-            </a:r>
-          </a:p>
-          <a:p>
-            <a:r>
-              <a:rPr lang="de-DE" dirty="0"/>
-              <a:t>Konzept</a:t>
-            </a:r>
-          </a:p>
-          <a:p>
-            <a:r>
-              <a:rPr lang="de-DE" dirty="0"/>
-              <a:t>Aktueller Stand</a:t>
-            </a:r>
-          </a:p>
-          <a:p>
-            <a:r>
-              <a:rPr lang="de-DE" dirty="0"/>
-              <a:t>Technische Daten</a:t>
-            </a:r>
-          </a:p>
-        </p:txBody>
-      </p:sp>
-    </p:spTree>
-    <p:extLst>
-      <p:ext uri="{BB962C8B-B14F-4D97-AF65-F5344CB8AC3E}">
-        <p14:creationId xmlns:p14="http://schemas.microsoft.com/office/powerpoint/2010/main" val="2692940439"/>
-      </p:ext>
-    </p:extLst>
-  </p:cSld>
-  <p:clrMapOvr>
-    <a:masterClrMapping/>
-  </p:clrMapOvr>
-  <p:timing>
-    <p:tnLst>
-      <p:par>
-        <p:cTn id="1" dur="indefinite" restart="never" nodeType="tmRoot"/>
-      </p:par>
-    </p:tnLst>
-  </p:timing>
-</p:sld>
-</file>
-
-<file path=ppt/slides/slide20.xml><?xml version="1.0" encoding="utf-8"?>
+<file path=ppt/slides/slide21.xml><?xml version="1.0" encoding="utf-8"?>
 <p:sld xmlns:a="http://schemas.openxmlformats.org/drawingml/2006/main" xmlns:r="http://schemas.openxmlformats.org/officeDocument/2006/relationships" xmlns:p="http://schemas.openxmlformats.org/presentationml/2006/main">
   <p:cSld>
     <p:spTree>
@@ -33309,7 +37252,7 @@
 </p:sld>
 </file>
 
-<file path=ppt/slides/slide21.xml><?xml version="1.0" encoding="utf-8"?>
+<file path=ppt/slides/slide22.xml><?xml version="1.0" encoding="utf-8"?>
 <p:sld xmlns:a="http://schemas.openxmlformats.org/drawingml/2006/main" xmlns:r="http://schemas.openxmlformats.org/officeDocument/2006/relationships" xmlns:p="http://schemas.openxmlformats.org/presentationml/2006/main">
   <p:cSld>
     <p:spTree>
@@ -33379,7 +37322,7 @@
 </p:sld>
 </file>
 
-<file path=ppt/slides/slide22.xml><?xml version="1.0" encoding="utf-8"?>
+<file path=ppt/slides/slide23.xml><?xml version="1.0" encoding="utf-8"?>
 <p:sld xmlns:a="http://schemas.openxmlformats.org/drawingml/2006/main" xmlns:r="http://schemas.openxmlformats.org/officeDocument/2006/relationships" xmlns:p="http://schemas.openxmlformats.org/presentationml/2006/main">
   <p:cSld>
     <p:spTree>
@@ -33546,7 +37489,7 @@
 </p:sld>
 </file>
 
-<file path=ppt/slides/slide23.xml><?xml version="1.0" encoding="utf-8"?>
+<file path=ppt/slides/slide24.xml><?xml version="1.0" encoding="utf-8"?>
 <p:sld xmlns:a="http://schemas.openxmlformats.org/drawingml/2006/main" xmlns:r="http://schemas.openxmlformats.org/officeDocument/2006/relationships" xmlns:p="http://schemas.openxmlformats.org/presentationml/2006/main">
   <p:cSld>
     <p:spTree>
@@ -34853,7 +38796,7 @@
 </p:sld>
 </file>
 
-<file path=ppt/slides/slide24.xml><?xml version="1.0" encoding="utf-8"?>
+<file path=ppt/slides/slide25.xml><?xml version="1.0" encoding="utf-8"?>
 <p:sld xmlns:a="http://schemas.openxmlformats.org/drawingml/2006/main" xmlns:r="http://schemas.openxmlformats.org/officeDocument/2006/relationships" xmlns:p="http://schemas.openxmlformats.org/presentationml/2006/main">
   <p:cSld>
     <p:spTree>
@@ -35077,7 +39020,7 @@
 </p:sld>
 </file>
 
-<file path=ppt/slides/slide25.xml><?xml version="1.0" encoding="utf-8"?>
+<file path=ppt/slides/slide26.xml><?xml version="1.0" encoding="utf-8"?>
 <p:sld xmlns:a="http://schemas.openxmlformats.org/drawingml/2006/main" xmlns:r="http://schemas.openxmlformats.org/officeDocument/2006/relationships" xmlns:p="http://schemas.openxmlformats.org/presentationml/2006/main">
   <p:cSld>
     <p:spTree>
@@ -35898,7 +39841,7 @@
 </p:sld>
 </file>
 
-<file path=ppt/slides/slide26.xml><?xml version="1.0" encoding="utf-8"?>
+<file path=ppt/slides/slide27.xml><?xml version="1.0" encoding="utf-8"?>
 <p:sld xmlns:a="http://schemas.openxmlformats.org/drawingml/2006/main" xmlns:r="http://schemas.openxmlformats.org/officeDocument/2006/relationships" xmlns:p="http://schemas.openxmlformats.org/presentationml/2006/main">
   <p:cSld>
     <p:spTree>
@@ -36239,7 +40182,7 @@
 </p:sld>
 </file>
 
-<file path=ppt/slides/slide27.xml><?xml version="1.0" encoding="utf-8"?>
+<file path=ppt/slides/slide28.xml><?xml version="1.0" encoding="utf-8"?>
 <p:sld xmlns:a="http://schemas.openxmlformats.org/drawingml/2006/main" xmlns:r="http://schemas.openxmlformats.org/officeDocument/2006/relationships" xmlns:p="http://schemas.openxmlformats.org/presentationml/2006/main">
   <p:cSld>
     <p:spTree>
@@ -37019,7 +40962,7 @@
 </p:sld>
 </file>
 
-<file path=ppt/slides/slide28.xml><?xml version="1.0" encoding="utf-8"?>
+<file path=ppt/slides/slide29.xml><?xml version="1.0" encoding="utf-8"?>
 <p:sld xmlns:a="http://schemas.openxmlformats.org/drawingml/2006/main" xmlns:r="http://schemas.openxmlformats.org/officeDocument/2006/relationships" xmlns:p="http://schemas.openxmlformats.org/presentationml/2006/main">
   <p:cSld>
     <p:spTree>
@@ -39176,42 +43119,42 @@
                 <a:gridCol w="2018500">
                   <a:extLst>
                     <a:ext uri="{9D8B030D-6E8A-4147-A177-3AD203B41FA5}">
-                      <a16:colId xmlns:a16="http://schemas.microsoft.com/office/drawing/2014/main" xmlns="" val="3890052851"/>
+                      <a16:colId xmlns="" xmlns:a16="http://schemas.microsoft.com/office/drawing/2014/main" val="3890052851"/>
                     </a:ext>
                   </a:extLst>
                 </a:gridCol>
                 <a:gridCol w="609110">
                   <a:extLst>
                     <a:ext uri="{9D8B030D-6E8A-4147-A177-3AD203B41FA5}">
-                      <a16:colId xmlns:a16="http://schemas.microsoft.com/office/drawing/2014/main" xmlns="" val="4190835617"/>
+                      <a16:colId xmlns="" xmlns:a16="http://schemas.microsoft.com/office/drawing/2014/main" val="4190835617"/>
                     </a:ext>
                   </a:extLst>
                 </a:gridCol>
                 <a:gridCol w="568961">
                   <a:extLst>
                     <a:ext uri="{9D8B030D-6E8A-4147-A177-3AD203B41FA5}">
-                      <a16:colId xmlns:a16="http://schemas.microsoft.com/office/drawing/2014/main" xmlns="" val="1029472945"/>
+                      <a16:colId xmlns="" xmlns:a16="http://schemas.microsoft.com/office/drawing/2014/main" val="1029472945"/>
                     </a:ext>
                   </a:extLst>
                 </a:gridCol>
                 <a:gridCol w="650629">
                   <a:extLst>
                     <a:ext uri="{9D8B030D-6E8A-4147-A177-3AD203B41FA5}">
-                      <a16:colId xmlns:a16="http://schemas.microsoft.com/office/drawing/2014/main" xmlns="" val="141393238"/>
+                      <a16:colId xmlns="" xmlns:a16="http://schemas.microsoft.com/office/drawing/2014/main" val="141393238"/>
                     </a:ext>
                   </a:extLst>
                 </a:gridCol>
                 <a:gridCol w="703792">
                   <a:extLst>
                     <a:ext uri="{9D8B030D-6E8A-4147-A177-3AD203B41FA5}">
-                      <a16:colId xmlns:a16="http://schemas.microsoft.com/office/drawing/2014/main" xmlns="" val="2502287318"/>
+                      <a16:colId xmlns="" xmlns:a16="http://schemas.microsoft.com/office/drawing/2014/main" val="2502287318"/>
                     </a:ext>
                   </a:extLst>
                 </a:gridCol>
                 <a:gridCol w="805299">
                   <a:extLst>
                     <a:ext uri="{9D8B030D-6E8A-4147-A177-3AD203B41FA5}">
-                      <a16:colId xmlns:a16="http://schemas.microsoft.com/office/drawing/2014/main" xmlns="" val="2223433287"/>
+                      <a16:colId xmlns="" xmlns:a16="http://schemas.microsoft.com/office/drawing/2014/main" val="2223433287"/>
                     </a:ext>
                   </a:extLst>
                 </a:gridCol>
@@ -39297,7 +43240,7 @@
                 </a:tc>
                 <a:extLst>
                   <a:ext uri="{0D108BD9-81ED-4DB2-BD59-A6C34878D82A}">
-                    <a16:rowId xmlns:a16="http://schemas.microsoft.com/office/drawing/2014/main" xmlns="" val="2835971278"/>
+                    <a16:rowId xmlns="" xmlns:a16="http://schemas.microsoft.com/office/drawing/2014/main" val="2835971278"/>
                   </a:ext>
                 </a:extLst>
               </a:tr>
@@ -39387,7 +43330,7 @@
                 </a:tc>
                 <a:extLst>
                   <a:ext uri="{0D108BD9-81ED-4DB2-BD59-A6C34878D82A}">
-                    <a16:rowId xmlns:a16="http://schemas.microsoft.com/office/drawing/2014/main" xmlns="" val="1205867246"/>
+                    <a16:rowId xmlns="" xmlns:a16="http://schemas.microsoft.com/office/drawing/2014/main" val="1205867246"/>
                   </a:ext>
                 </a:extLst>
               </a:tr>
@@ -39477,7 +43420,7 @@
                 </a:tc>
                 <a:extLst>
                   <a:ext uri="{0D108BD9-81ED-4DB2-BD59-A6C34878D82A}">
-                    <a16:rowId xmlns:a16="http://schemas.microsoft.com/office/drawing/2014/main" xmlns="" val="1474429271"/>
+                    <a16:rowId xmlns="" xmlns:a16="http://schemas.microsoft.com/office/drawing/2014/main" val="1474429271"/>
                   </a:ext>
                 </a:extLst>
               </a:tr>
@@ -39574,7 +43517,7 @@
                 </a:tc>
                 <a:extLst>
                   <a:ext uri="{0D108BD9-81ED-4DB2-BD59-A6C34878D82A}">
-                    <a16:rowId xmlns:a16="http://schemas.microsoft.com/office/drawing/2014/main" xmlns="" val="2621396672"/>
+                    <a16:rowId xmlns="" xmlns:a16="http://schemas.microsoft.com/office/drawing/2014/main" val="2621396672"/>
                   </a:ext>
                 </a:extLst>
               </a:tr>
@@ -39694,7 +43637,7 @@
                 </a:tc>
                 <a:extLst>
                   <a:ext uri="{0D108BD9-81ED-4DB2-BD59-A6C34878D82A}">
-                    <a16:rowId xmlns:a16="http://schemas.microsoft.com/office/drawing/2014/main" xmlns="" val="3970782480"/>
+                    <a16:rowId xmlns="" xmlns:a16="http://schemas.microsoft.com/office/drawing/2014/main" val="3970782480"/>
                   </a:ext>
                 </a:extLst>
               </a:tr>
@@ -39797,7 +43740,7 @@
                 </a:tc>
                 <a:extLst>
                   <a:ext uri="{0D108BD9-81ED-4DB2-BD59-A6C34878D82A}">
-                    <a16:rowId xmlns:a16="http://schemas.microsoft.com/office/drawing/2014/main" xmlns="" val="728510251"/>
+                    <a16:rowId xmlns="" xmlns:a16="http://schemas.microsoft.com/office/drawing/2014/main" val="728510251"/>
                   </a:ext>
                 </a:extLst>
               </a:tr>
@@ -39915,7 +43858,7 @@
                 </a:tc>
                 <a:extLst>
                   <a:ext uri="{0D108BD9-81ED-4DB2-BD59-A6C34878D82A}">
-                    <a16:rowId xmlns:a16="http://schemas.microsoft.com/office/drawing/2014/main" xmlns="" val="2918448282"/>
+                    <a16:rowId xmlns="" xmlns:a16="http://schemas.microsoft.com/office/drawing/2014/main" val="2918448282"/>
                   </a:ext>
                 </a:extLst>
               </a:tr>
@@ -40020,7 +43963,7 @@
                 </a:tc>
                 <a:extLst>
                   <a:ext uri="{0D108BD9-81ED-4DB2-BD59-A6C34878D82A}">
-                    <a16:rowId xmlns:a16="http://schemas.microsoft.com/office/drawing/2014/main" xmlns="" val="2631188810"/>
+                    <a16:rowId xmlns="" xmlns:a16="http://schemas.microsoft.com/office/drawing/2014/main" val="2631188810"/>
                   </a:ext>
                 </a:extLst>
               </a:tr>
@@ -40128,7 +44071,7 @@
                 </a:tc>
                 <a:extLst>
                   <a:ext uri="{0D108BD9-81ED-4DB2-BD59-A6C34878D82A}">
-                    <a16:rowId xmlns:a16="http://schemas.microsoft.com/office/drawing/2014/main" xmlns="" val="2673323130"/>
+                    <a16:rowId xmlns="" xmlns:a16="http://schemas.microsoft.com/office/drawing/2014/main" val="2673323130"/>
                   </a:ext>
                 </a:extLst>
               </a:tr>
@@ -40233,7 +44176,7 @@
                 </a:tc>
                 <a:extLst>
                   <a:ext uri="{0D108BD9-81ED-4DB2-BD59-A6C34878D82A}">
-                    <a16:rowId xmlns:a16="http://schemas.microsoft.com/office/drawing/2014/main" xmlns="" val="3060382264"/>
+                    <a16:rowId xmlns="" xmlns:a16="http://schemas.microsoft.com/office/drawing/2014/main" val="3060382264"/>
                   </a:ext>
                 </a:extLst>
               </a:tr>
@@ -40336,7 +44279,7 @@
                 </a:tc>
                 <a:extLst>
                   <a:ext uri="{0D108BD9-81ED-4DB2-BD59-A6C34878D82A}">
-                    <a16:rowId xmlns:a16="http://schemas.microsoft.com/office/drawing/2014/main" xmlns="" val="3118386707"/>
+                    <a16:rowId xmlns="" xmlns:a16="http://schemas.microsoft.com/office/drawing/2014/main" val="3118386707"/>
                   </a:ext>
                 </a:extLst>
               </a:tr>
@@ -40459,7 +44402,7 @@
                 </a:tc>
                 <a:extLst>
                   <a:ext uri="{0D108BD9-81ED-4DB2-BD59-A6C34878D82A}">
-                    <a16:rowId xmlns:a16="http://schemas.microsoft.com/office/drawing/2014/main" xmlns="" val="3457335851"/>
+                    <a16:rowId xmlns="" xmlns:a16="http://schemas.microsoft.com/office/drawing/2014/main" val="3457335851"/>
                   </a:ext>
                 </a:extLst>
               </a:tr>
@@ -40579,7 +44522,7 @@
                 </a:tc>
                 <a:extLst>
                   <a:ext uri="{0D108BD9-81ED-4DB2-BD59-A6C34878D82A}">
-                    <a16:rowId xmlns:a16="http://schemas.microsoft.com/office/drawing/2014/main" xmlns="" val="1832644902"/>
+                    <a16:rowId xmlns="" xmlns:a16="http://schemas.microsoft.com/office/drawing/2014/main" val="1832644902"/>
                   </a:ext>
                 </a:extLst>
               </a:tr>
@@ -40679,7 +44622,7 @@
                 </a:tc>
                 <a:extLst>
                   <a:ext uri="{0D108BD9-81ED-4DB2-BD59-A6C34878D82A}">
-                    <a16:rowId xmlns:a16="http://schemas.microsoft.com/office/drawing/2014/main" xmlns="" val="1899489058"/>
+                    <a16:rowId xmlns="" xmlns:a16="http://schemas.microsoft.com/office/drawing/2014/main" val="1899489058"/>
                   </a:ext>
                 </a:extLst>
               </a:tr>
@@ -40785,7 +44728,7 @@
                 </a:tc>
                 <a:extLst>
                   <a:ext uri="{0D108BD9-81ED-4DB2-BD59-A6C34878D82A}">
-                    <a16:rowId xmlns:a16="http://schemas.microsoft.com/office/drawing/2014/main" xmlns="" val="334072396"/>
+                    <a16:rowId xmlns="" xmlns:a16="http://schemas.microsoft.com/office/drawing/2014/main" val="334072396"/>
                   </a:ext>
                 </a:extLst>
               </a:tr>
@@ -40888,7 +44831,7 @@
                 </a:tc>
                 <a:extLst>
                   <a:ext uri="{0D108BD9-81ED-4DB2-BD59-A6C34878D82A}">
-                    <a16:rowId xmlns:a16="http://schemas.microsoft.com/office/drawing/2014/main" xmlns="" val="1220313647"/>
+                    <a16:rowId xmlns="" xmlns:a16="http://schemas.microsoft.com/office/drawing/2014/main" val="1220313647"/>
                   </a:ext>
                 </a:extLst>
               </a:tr>
@@ -40988,7 +44931,7 @@
                 </a:tc>
                 <a:extLst>
                   <a:ext uri="{0D108BD9-81ED-4DB2-BD59-A6C34878D82A}">
-                    <a16:rowId xmlns:a16="http://schemas.microsoft.com/office/drawing/2014/main" xmlns="" val="921945894"/>
+                    <a16:rowId xmlns="" xmlns:a16="http://schemas.microsoft.com/office/drawing/2014/main" val="921945894"/>
                   </a:ext>
                 </a:extLst>
               </a:tr>
@@ -41383,13 +45326,308 @@
   <a:extraClrSchemeLst/>
   <a:extLst>
     <a:ext uri="{05A4C25C-085E-4340-85A3-A5531E510DB2}">
-      <thm15:themeFamily xmlns:thm15="http://schemas.microsoft.com/office/thememl/2012/main" name="Office Theme" id="{62F939B6-93AF-4DB8-9C6B-D6C7DFDC589F}" vid="{4A3C46E8-61CC-4603-A589-7422A47A8E4A}"/>
+      <thm15:themeFamily xmlns:thm15="http://schemas.microsoft.com/office/thememl/2012/main" xmlns="" name="Office Theme" id="{62F939B6-93AF-4DB8-9C6B-D6C7DFDC589F}" vid="{4A3C46E8-61CC-4603-A589-7422A47A8E4A}"/>
     </a:ext>
   </a:extLst>
 </a:theme>
 </file>
 
 <file path=ppt/theme/theme2.xml><?xml version="1.0" encoding="utf-8"?>
+<a:theme xmlns:a="http://schemas.openxmlformats.org/drawingml/2006/main" name="1_Office">
+  <a:themeElements>
+    <a:clrScheme name="Office">
+      <a:dk1>
+        <a:sysClr val="windowText" lastClr="000000"/>
+      </a:dk1>
+      <a:lt1>
+        <a:sysClr val="window" lastClr="FFFFFF"/>
+      </a:lt1>
+      <a:dk2>
+        <a:srgbClr val="44546A"/>
+      </a:dk2>
+      <a:lt2>
+        <a:srgbClr val="E7E6E6"/>
+      </a:lt2>
+      <a:accent1>
+        <a:srgbClr val="5B9BD5"/>
+      </a:accent1>
+      <a:accent2>
+        <a:srgbClr val="ED7D31"/>
+      </a:accent2>
+      <a:accent3>
+        <a:srgbClr val="A5A5A5"/>
+      </a:accent3>
+      <a:accent4>
+        <a:srgbClr val="FFC000"/>
+      </a:accent4>
+      <a:accent5>
+        <a:srgbClr val="4472C4"/>
+      </a:accent5>
+      <a:accent6>
+        <a:srgbClr val="70AD47"/>
+      </a:accent6>
+      <a:hlink>
+        <a:srgbClr val="0563C1"/>
+      </a:hlink>
+      <a:folHlink>
+        <a:srgbClr val="954F72"/>
+      </a:folHlink>
+    </a:clrScheme>
+    <a:fontScheme name="Office">
+      <a:majorFont>
+        <a:latin typeface="Calibri Light" panose="020F0302020204030204"/>
+        <a:ea typeface=""/>
+        <a:cs typeface=""/>
+        <a:font script="Jpan" typeface="游ゴシック Light"/>
+        <a:font script="Hang" typeface="맑은 고딕"/>
+        <a:font script="Hans" typeface="等线 Light"/>
+        <a:font script="Hant" typeface="新細明體"/>
+        <a:font script="Arab" typeface="Times New Roman"/>
+        <a:font script="Hebr" typeface="Times New Roman"/>
+        <a:font script="Thai" typeface="Angsana New"/>
+        <a:font script="Ethi" typeface="Nyala"/>
+        <a:font script="Beng" typeface="Vrinda"/>
+        <a:font script="Gujr" typeface="Shruti"/>
+        <a:font script="Khmr" typeface="MoolBoran"/>
+        <a:font script="Knda" typeface="Tunga"/>
+        <a:font script="Guru" typeface="Raavi"/>
+        <a:font script="Cans" typeface="Euphemia"/>
+        <a:font script="Cher" typeface="Plantagenet Cherokee"/>
+        <a:font script="Yiii" typeface="Microsoft Yi Baiti"/>
+        <a:font script="Tibt" typeface="Microsoft Himalaya"/>
+        <a:font script="Thaa" typeface="MV Boli"/>
+        <a:font script="Deva" typeface="Mangal"/>
+        <a:font script="Telu" typeface="Gautami"/>
+        <a:font script="Taml" typeface="Latha"/>
+        <a:font script="Syrc" typeface="Estrangelo Edessa"/>
+        <a:font script="Orya" typeface="Kalinga"/>
+        <a:font script="Mlym" typeface="Kartika"/>
+        <a:font script="Laoo" typeface="DokChampa"/>
+        <a:font script="Sinh" typeface="Iskoola Pota"/>
+        <a:font script="Mong" typeface="Mongolian Baiti"/>
+        <a:font script="Viet" typeface="Times New Roman"/>
+        <a:font script="Uigh" typeface="Microsoft Uighur"/>
+        <a:font script="Geor" typeface="Sylfaen"/>
+        <a:font script="Armn" typeface="Arial"/>
+        <a:font script="Bugi" typeface="Leelawadee UI"/>
+        <a:font script="Bopo" typeface="Microsoft JhengHei"/>
+        <a:font script="Java" typeface="Javanese Text"/>
+        <a:font script="Lisu" typeface="Segoe UI"/>
+        <a:font script="Mymr" typeface="Myanmar Text"/>
+        <a:font script="Nkoo" typeface="Ebrima"/>
+        <a:font script="Olck" typeface="Nirmala UI"/>
+        <a:font script="Osma" typeface="Ebrima"/>
+        <a:font script="Phag" typeface="Phagspa"/>
+        <a:font script="Syrn" typeface="Estrangelo Edessa"/>
+        <a:font script="Syrj" typeface="Estrangelo Edessa"/>
+        <a:font script="Syre" typeface="Estrangelo Edessa"/>
+        <a:font script="Sora" typeface="Nirmala UI"/>
+        <a:font script="Tale" typeface="Microsoft Tai Le"/>
+        <a:font script="Talu" typeface="Microsoft New Tai Lue"/>
+        <a:font script="Tfng" typeface="Ebrima"/>
+      </a:majorFont>
+      <a:minorFont>
+        <a:latin typeface="Calibri" panose="020F0502020204030204"/>
+        <a:ea typeface=""/>
+        <a:cs typeface=""/>
+        <a:font script="Jpan" typeface="游ゴシック"/>
+        <a:font script="Hang" typeface="맑은 고딕"/>
+        <a:font script="Hans" typeface="等线"/>
+        <a:font script="Hant" typeface="新細明體"/>
+        <a:font script="Arab" typeface="Arial"/>
+        <a:font script="Hebr" typeface="Arial"/>
+        <a:font script="Thai" typeface="Cordia New"/>
+        <a:font script="Ethi" typeface="Nyala"/>
+        <a:font script="Beng" typeface="Vrinda"/>
+        <a:font script="Gujr" typeface="Shruti"/>
+        <a:font script="Khmr" typeface="DaunPenh"/>
+        <a:font script="Knda" typeface="Tunga"/>
+        <a:font script="Guru" typeface="Raavi"/>
+        <a:font script="Cans" typeface="Euphemia"/>
+        <a:font script="Cher" typeface="Plantagenet Cherokee"/>
+        <a:font script="Yiii" typeface="Microsoft Yi Baiti"/>
+        <a:font script="Tibt" typeface="Microsoft Himalaya"/>
+        <a:font script="Thaa" typeface="MV Boli"/>
+        <a:font script="Deva" typeface="Mangal"/>
+        <a:font script="Telu" typeface="Gautami"/>
+        <a:font script="Taml" typeface="Latha"/>
+        <a:font script="Syrc" typeface="Estrangelo Edessa"/>
+        <a:font script="Orya" typeface="Kalinga"/>
+        <a:font script="Mlym" typeface="Kartika"/>
+        <a:font script="Laoo" typeface="DokChampa"/>
+        <a:font script="Sinh" typeface="Iskoola Pota"/>
+        <a:font script="Mong" typeface="Mongolian Baiti"/>
+        <a:font script="Viet" typeface="Arial"/>
+        <a:font script="Uigh" typeface="Microsoft Uighur"/>
+        <a:font script="Geor" typeface="Sylfaen"/>
+        <a:font script="Armn" typeface="Arial"/>
+        <a:font script="Bugi" typeface="Leelawadee UI"/>
+        <a:font script="Bopo" typeface="Microsoft JhengHei"/>
+        <a:font script="Java" typeface="Javanese Text"/>
+        <a:font script="Lisu" typeface="Segoe UI"/>
+        <a:font script="Mymr" typeface="Myanmar Text"/>
+        <a:font script="Nkoo" typeface="Ebrima"/>
+        <a:font script="Olck" typeface="Nirmala UI"/>
+        <a:font script="Osma" typeface="Ebrima"/>
+        <a:font script="Phag" typeface="Phagspa"/>
+        <a:font script="Syrn" typeface="Estrangelo Edessa"/>
+        <a:font script="Syrj" typeface="Estrangelo Edessa"/>
+        <a:font script="Syre" typeface="Estrangelo Edessa"/>
+        <a:font script="Sora" typeface="Nirmala UI"/>
+        <a:font script="Tale" typeface="Microsoft Tai Le"/>
+        <a:font script="Talu" typeface="Microsoft New Tai Lue"/>
+        <a:font script="Tfng" typeface="Ebrima"/>
+      </a:minorFont>
+    </a:fontScheme>
+    <a:fmtScheme name="Office">
+      <a:fillStyleLst>
+        <a:solidFill>
+          <a:schemeClr val="phClr"/>
+        </a:solidFill>
+        <a:gradFill rotWithShape="1">
+          <a:gsLst>
+            <a:gs pos="0">
+              <a:schemeClr val="phClr">
+                <a:lumMod val="110000"/>
+                <a:satMod val="105000"/>
+                <a:tint val="67000"/>
+              </a:schemeClr>
+            </a:gs>
+            <a:gs pos="50000">
+              <a:schemeClr val="phClr">
+                <a:lumMod val="105000"/>
+                <a:satMod val="103000"/>
+                <a:tint val="73000"/>
+              </a:schemeClr>
+            </a:gs>
+            <a:gs pos="100000">
+              <a:schemeClr val="phClr">
+                <a:lumMod val="105000"/>
+                <a:satMod val="109000"/>
+                <a:tint val="81000"/>
+              </a:schemeClr>
+            </a:gs>
+          </a:gsLst>
+          <a:lin ang="5400000" scaled="0"/>
+        </a:gradFill>
+        <a:gradFill rotWithShape="1">
+          <a:gsLst>
+            <a:gs pos="0">
+              <a:schemeClr val="phClr">
+                <a:satMod val="103000"/>
+                <a:lumMod val="102000"/>
+                <a:tint val="94000"/>
+              </a:schemeClr>
+            </a:gs>
+            <a:gs pos="50000">
+              <a:schemeClr val="phClr">
+                <a:satMod val="110000"/>
+                <a:lumMod val="100000"/>
+                <a:shade val="100000"/>
+              </a:schemeClr>
+            </a:gs>
+            <a:gs pos="100000">
+              <a:schemeClr val="phClr">
+                <a:lumMod val="99000"/>
+                <a:satMod val="120000"/>
+                <a:shade val="78000"/>
+              </a:schemeClr>
+            </a:gs>
+          </a:gsLst>
+          <a:lin ang="5400000" scaled="0"/>
+        </a:gradFill>
+      </a:fillStyleLst>
+      <a:lnStyleLst>
+        <a:ln w="6350" cap="flat" cmpd="sng" algn="ctr">
+          <a:solidFill>
+            <a:schemeClr val="phClr"/>
+          </a:solidFill>
+          <a:prstDash val="solid"/>
+          <a:miter lim="800000"/>
+        </a:ln>
+        <a:ln w="12700" cap="flat" cmpd="sng" algn="ctr">
+          <a:solidFill>
+            <a:schemeClr val="phClr"/>
+          </a:solidFill>
+          <a:prstDash val="solid"/>
+          <a:miter lim="800000"/>
+        </a:ln>
+        <a:ln w="19050" cap="flat" cmpd="sng" algn="ctr">
+          <a:solidFill>
+            <a:schemeClr val="phClr"/>
+          </a:solidFill>
+          <a:prstDash val="solid"/>
+          <a:miter lim="800000"/>
+        </a:ln>
+      </a:lnStyleLst>
+      <a:effectStyleLst>
+        <a:effectStyle>
+          <a:effectLst/>
+        </a:effectStyle>
+        <a:effectStyle>
+          <a:effectLst/>
+        </a:effectStyle>
+        <a:effectStyle>
+          <a:effectLst>
+            <a:outerShdw blurRad="57150" dist="19050" dir="5400000" algn="ctr" rotWithShape="0">
+              <a:srgbClr val="000000">
+                <a:alpha val="63000"/>
+              </a:srgbClr>
+            </a:outerShdw>
+          </a:effectLst>
+        </a:effectStyle>
+      </a:effectStyleLst>
+      <a:bgFillStyleLst>
+        <a:solidFill>
+          <a:schemeClr val="phClr"/>
+        </a:solidFill>
+        <a:solidFill>
+          <a:schemeClr val="phClr">
+            <a:tint val="95000"/>
+            <a:satMod val="170000"/>
+          </a:schemeClr>
+        </a:solidFill>
+        <a:gradFill rotWithShape="1">
+          <a:gsLst>
+            <a:gs pos="0">
+              <a:schemeClr val="phClr">
+                <a:tint val="93000"/>
+                <a:satMod val="150000"/>
+                <a:shade val="98000"/>
+                <a:lumMod val="102000"/>
+              </a:schemeClr>
+            </a:gs>
+            <a:gs pos="50000">
+              <a:schemeClr val="phClr">
+                <a:tint val="98000"/>
+                <a:satMod val="130000"/>
+                <a:shade val="90000"/>
+                <a:lumMod val="103000"/>
+              </a:schemeClr>
+            </a:gs>
+            <a:gs pos="100000">
+              <a:schemeClr val="phClr">
+                <a:shade val="63000"/>
+                <a:satMod val="120000"/>
+              </a:schemeClr>
+            </a:gs>
+          </a:gsLst>
+          <a:lin ang="5400000" scaled="0"/>
+        </a:gradFill>
+      </a:bgFillStyleLst>
+    </a:fmtScheme>
+  </a:themeElements>
+  <a:objectDefaults/>
+  <a:extraClrSchemeLst/>
+  <a:extLst>
+    <a:ext uri="{05A4C25C-085E-4340-85A3-A5531E510DB2}">
+      <thm15:themeFamily xmlns="" xmlns:thm15="http://schemas.microsoft.com/office/thememl/2012/main" name="Office Theme" id="{62F939B6-93AF-4DB8-9C6B-D6C7DFDC589F}" vid="{4A3C46E8-61CC-4603-A589-7422A47A8E4A}"/>
+    </a:ext>
+  </a:extLst>
+</a:theme>
+</file>
+
+<file path=ppt/theme/theme3.xml><?xml version="1.0" encoding="utf-8"?>
 <a:theme xmlns:a="http://schemas.openxmlformats.org/drawingml/2006/main" name="Office">
   <a:themeElements>
     <a:clrScheme name="Office">
@@ -41678,7 +45916,7 @@
   <a:extraClrSchemeLst/>
   <a:extLst>
     <a:ext uri="{05A4C25C-085E-4340-85A3-A5531E510DB2}">
-      <thm15:themeFamily xmlns:thm15="http://schemas.microsoft.com/office/thememl/2012/main" name="Office Theme" id="{62F939B6-93AF-4DB8-9C6B-D6C7DFDC589F}" vid="{4A3C46E8-61CC-4603-A589-7422A47A8E4A}"/>
+      <thm15:themeFamily xmlns:thm15="http://schemas.microsoft.com/office/thememl/2012/main" xmlns="" name="Office Theme" id="{62F939B6-93AF-4DB8-9C6B-D6C7DFDC589F}" vid="{4A3C46E8-61CC-4603-A589-7422A47A8E4A}"/>
     </a:ext>
   </a:extLst>
 </a:theme>

--- a/documents/projectmanagement/Praesentationen/Vorstellung_Zwischenpräsentation_Final.pptx
+++ b/documents/projectmanagement/Praesentationen/Vorstellung_Zwischenpräsentation_Final.pptx
@@ -6,7 +6,7 @@
     <p:sldMasterId id="2147483660" r:id="rId2"/>
   </p:sldMasterIdLst>
   <p:notesMasterIdLst>
-    <p:notesMasterId r:id="rId33"/>
+    <p:notesMasterId r:id="rId36"/>
   </p:notesMasterIdLst>
   <p:sldIdLst>
     <p:sldId id="274" r:id="rId3"/>
@@ -15,30 +15,33 @@
     <p:sldId id="258" r:id="rId6"/>
     <p:sldId id="259" r:id="rId7"/>
     <p:sldId id="260" r:id="rId8"/>
-    <p:sldId id="261" r:id="rId9"/>
+    <p:sldId id="289" r:id="rId9"/>
     <p:sldId id="285" r:id="rId10"/>
     <p:sldId id="283" r:id="rId11"/>
-    <p:sldId id="286" r:id="rId12"/>
-    <p:sldId id="276" r:id="rId13"/>
-    <p:sldId id="277" r:id="rId14"/>
-    <p:sldId id="284" r:id="rId15"/>
-    <p:sldId id="278" r:id="rId16"/>
-    <p:sldId id="262" r:id="rId17"/>
-    <p:sldId id="263" r:id="rId18"/>
-    <p:sldId id="279" r:id="rId19"/>
-    <p:sldId id="280" r:id="rId20"/>
-    <p:sldId id="281" r:id="rId21"/>
-    <p:sldId id="282" r:id="rId22"/>
-    <p:sldId id="264" r:id="rId23"/>
-    <p:sldId id="265" r:id="rId24"/>
-    <p:sldId id="273" r:id="rId25"/>
-    <p:sldId id="266" r:id="rId26"/>
-    <p:sldId id="267" r:id="rId27"/>
-    <p:sldId id="268" r:id="rId28"/>
-    <p:sldId id="269" r:id="rId29"/>
-    <p:sldId id="270" r:id="rId30"/>
-    <p:sldId id="271" r:id="rId31"/>
-    <p:sldId id="272" r:id="rId32"/>
+    <p:sldId id="288" r:id="rId12"/>
+    <p:sldId id="291" r:id="rId13"/>
+    <p:sldId id="276" r:id="rId14"/>
+    <p:sldId id="277" r:id="rId15"/>
+    <p:sldId id="284" r:id="rId16"/>
+    <p:sldId id="278" r:id="rId17"/>
+    <p:sldId id="262" r:id="rId18"/>
+    <p:sldId id="263" r:id="rId19"/>
+    <p:sldId id="279" r:id="rId20"/>
+    <p:sldId id="280" r:id="rId21"/>
+    <p:sldId id="281" r:id="rId22"/>
+    <p:sldId id="282" r:id="rId23"/>
+    <p:sldId id="287" r:id="rId24"/>
+    <p:sldId id="264" r:id="rId25"/>
+    <p:sldId id="265" r:id="rId26"/>
+    <p:sldId id="273" r:id="rId27"/>
+    <p:sldId id="266" r:id="rId28"/>
+    <p:sldId id="267" r:id="rId29"/>
+    <p:sldId id="268" r:id="rId30"/>
+    <p:sldId id="269" r:id="rId31"/>
+    <p:sldId id="270" r:id="rId32"/>
+    <p:sldId id="271" r:id="rId33"/>
+    <p:sldId id="272" r:id="rId34"/>
+    <p:sldId id="290" r:id="rId35"/>
   </p:sldIdLst>
   <p:sldSz cx="12192000" cy="6858000"/>
   <p:notesSz cx="6858000" cy="9144000"/>
@@ -713,7 +716,7 @@
             <c:bubble3D val="0"/>
             <c:spPr>
               <a:solidFill>
-                <a:srgbClr val="03D777"/>
+                <a:srgbClr val="05D545"/>
               </a:solidFill>
               <a:ln>
                 <a:solidFill>
@@ -793,7 +796,7 @@
             <c:bubble3D val="0"/>
             <c:spPr>
               <a:solidFill>
-                <a:srgbClr val="03D777"/>
+                <a:srgbClr val="81C583"/>
               </a:solidFill>
               <a:ln>
                 <a:solidFill>
@@ -7679,7 +7682,7 @@
         <a:p>
           <a:r>
             <a:rPr lang="de-DE" dirty="0"/>
-            <a:t>Freie Verfügung</a:t>
+            <a:t>&gt;50.000€</a:t>
           </a:r>
         </a:p>
       </dgm:t>
@@ -8053,13 +8056,13 @@
     <dgm:cxn modelId="{F6B7E1E6-D263-451D-B34D-E5BEB20BD5B7}" type="presOf" srcId="{C1165B77-9345-4430-8AA1-B146C86E5FF9}" destId="{F5D4032B-2332-4D08-B38B-3674888BC178}" srcOrd="1" destOrd="0" presId="urn:microsoft.com/office/officeart/2005/8/layout/hierarchy6"/>
     <dgm:cxn modelId="{7C69FFC9-5E9C-4C9C-96BA-E055A0A0FF33}" type="presOf" srcId="{BB458C25-C4CC-428E-8095-CD0AE706BF44}" destId="{E3876E12-9F8C-4240-8F2C-C014D10C0DC2}" srcOrd="0" destOrd="0" presId="urn:microsoft.com/office/officeart/2005/8/layout/hierarchy6"/>
     <dgm:cxn modelId="{F8F955BC-1CBA-4B5A-8016-577D745771EE}" srcId="{926E0FEA-AD3A-4E7F-AF48-3351C9411E92}" destId="{C1165B77-9345-4430-8AA1-B146C86E5FF9}" srcOrd="3" destOrd="0" parTransId="{5C5F9E4E-5B38-4E13-8EB6-8D5E566BEC45}" sibTransId="{739F9C26-0B8D-48C0-96AE-060699B1C7CD}"/>
+    <dgm:cxn modelId="{AED3ED22-7B39-4AED-9F85-AC5E8A1F60A3}" type="presOf" srcId="{E35A7076-0D3E-4476-9369-242EEFD26C38}" destId="{2086E560-F69F-419F-920B-2F21B7B2937D}" srcOrd="1" destOrd="0" presId="urn:microsoft.com/office/officeart/2005/8/layout/hierarchy6"/>
     <dgm:cxn modelId="{772B055D-726F-459C-A4D4-EBCC522530C0}" type="presOf" srcId="{6886F47C-32C0-4898-A412-3AD55DF3D524}" destId="{ACEA7FE6-7A02-47CA-8A4D-764ABFD377A8}" srcOrd="0" destOrd="0" presId="urn:microsoft.com/office/officeart/2005/8/layout/hierarchy6"/>
-    <dgm:cxn modelId="{AED3ED22-7B39-4AED-9F85-AC5E8A1F60A3}" type="presOf" srcId="{E35A7076-0D3E-4476-9369-242EEFD26C38}" destId="{2086E560-F69F-419F-920B-2F21B7B2937D}" srcOrd="1" destOrd="0" presId="urn:microsoft.com/office/officeart/2005/8/layout/hierarchy6"/>
     <dgm:cxn modelId="{DA4B51B0-FB7B-4FC5-A223-F7DF6F1F8DB7}" srcId="{926E0FEA-AD3A-4E7F-AF48-3351C9411E92}" destId="{97F93B90-2CAB-4F9F-BBD4-1CA2505F2629}" srcOrd="4" destOrd="0" parTransId="{34A0EFA2-F187-4BAB-86DF-9580FE0CBA08}" sibTransId="{51E24CBA-E30A-4D21-A76D-17D678AD8D11}"/>
     <dgm:cxn modelId="{64F58B32-69A2-49A3-842B-5A7ED6BDEE38}" srcId="{4CEC5FDF-424B-4E8B-968C-54C0BF866E9D}" destId="{3C8988AD-DED4-4F32-8D4C-C68C017EA5E7}" srcOrd="0" destOrd="0" parTransId="{BB458C25-C4CC-428E-8095-CD0AE706BF44}" sibTransId="{9A204EE3-5B2A-493D-A332-1458F8C65988}"/>
     <dgm:cxn modelId="{559803D4-3253-4B74-9D6B-4F1B2785F66D}" type="presOf" srcId="{3C8988AD-DED4-4F32-8D4C-C68C017EA5E7}" destId="{57B817E0-E0D2-4C3B-96C5-440DDF1CCC56}" srcOrd="0" destOrd="0" presId="urn:microsoft.com/office/officeart/2005/8/layout/hierarchy6"/>
+    <dgm:cxn modelId="{E4B1C783-6078-4741-926D-E99935271F7C}" srcId="{926E0FEA-AD3A-4E7F-AF48-3351C9411E92}" destId="{95DABF58-E9DC-4580-9207-A565857A6EE8}" srcOrd="0" destOrd="0" parTransId="{0EC60D1F-539D-4805-99F9-79CA28025A16}" sibTransId="{EA20DB27-DD17-4EED-B443-799BC28C6BBF}"/>
     <dgm:cxn modelId="{81E01D12-A0A0-467E-8E9C-E246CEE0A705}" type="presOf" srcId="{4D8F5BC8-BA1D-4197-8790-1E51FEEE69DC}" destId="{F1E4EA33-8495-49ED-90D9-7E6671523324}" srcOrd="1" destOrd="0" presId="urn:microsoft.com/office/officeart/2005/8/layout/hierarchy6"/>
-    <dgm:cxn modelId="{E4B1C783-6078-4741-926D-E99935271F7C}" srcId="{926E0FEA-AD3A-4E7F-AF48-3351C9411E92}" destId="{95DABF58-E9DC-4580-9207-A565857A6EE8}" srcOrd="0" destOrd="0" parTransId="{0EC60D1F-539D-4805-99F9-79CA28025A16}" sibTransId="{EA20DB27-DD17-4EED-B443-799BC28C6BBF}"/>
     <dgm:cxn modelId="{95DD6AED-E066-4C5C-BB5F-CFCBABB6586C}" type="presOf" srcId="{E35A7076-0D3E-4476-9369-242EEFD26C38}" destId="{F0E32CA4-6831-4764-A3A4-A040A84BCF6B}" srcOrd="0" destOrd="0" presId="urn:microsoft.com/office/officeart/2005/8/layout/hierarchy6"/>
     <dgm:cxn modelId="{8511EC58-F81B-4B97-A074-6F159561FA3A}" type="presOf" srcId="{926E0FEA-AD3A-4E7F-AF48-3351C9411E92}" destId="{792C3DA7-78F1-49E0-B659-BA9B78CC988D}" srcOrd="0" destOrd="0" presId="urn:microsoft.com/office/officeart/2005/8/layout/hierarchy6"/>
     <dgm:cxn modelId="{945A76E6-B179-4828-8144-5E38CA5A46D6}" type="presParOf" srcId="{792C3DA7-78F1-49E0-B659-BA9B78CC988D}" destId="{CEFF2CFB-273E-478A-A7ED-9A366736D953}" srcOrd="0" destOrd="0" presId="urn:microsoft.com/office/officeart/2005/8/layout/hierarchy6"/>
@@ -11362,8 +11365,8 @@
       </dsp:nvSpPr>
       <dsp:spPr>
         <a:xfrm>
-          <a:off x="5134" y="1698153"/>
-          <a:ext cx="1591716" cy="955030"/>
+          <a:off x="5142" y="276172"/>
+          <a:ext cx="1594023" cy="956414"/>
         </a:xfrm>
         <a:prstGeom prst="roundRect">
           <a:avLst>
@@ -11431,8 +11434,8 @@
         </a:p>
       </dsp:txBody>
       <dsp:txXfrm>
-        <a:off x="33106" y="1726125"/>
-        <a:ext cx="1535772" cy="899086"/>
+        <a:off x="33154" y="304184"/>
+        <a:ext cx="1537999" cy="900390"/>
       </dsp:txXfrm>
     </dsp:sp>
     <dsp:sp modelId="{CDFC9BC9-18E0-46C4-855F-D6D43C6F42CE}">
@@ -11442,8 +11445,8 @@
       </dsp:nvSpPr>
       <dsp:spPr>
         <a:xfrm>
-          <a:off x="1756023" y="1978296"/>
-          <a:ext cx="337443" cy="394745"/>
+          <a:off x="1758568" y="556721"/>
+          <a:ext cx="337933" cy="395317"/>
         </a:xfrm>
         <a:prstGeom prst="rightArrow">
           <a:avLst>
@@ -11500,8 +11503,8 @@
         </a:p>
       </dsp:txBody>
       <dsp:txXfrm>
-        <a:off x="1756023" y="2057245"/>
-        <a:ext cx="236210" cy="236847"/>
+        <a:off x="1758568" y="635784"/>
+        <a:ext cx="236553" cy="237191"/>
       </dsp:txXfrm>
     </dsp:sp>
     <dsp:sp modelId="{95A1D884-B507-477E-8FA7-EC26F36D96CB}">
@@ -11511,8 +11514,8 @@
       </dsp:nvSpPr>
       <dsp:spPr>
         <a:xfrm>
-          <a:off x="2233538" y="1698153"/>
-          <a:ext cx="1591716" cy="955030"/>
+          <a:off x="2236775" y="276172"/>
+          <a:ext cx="1594023" cy="956414"/>
         </a:xfrm>
         <a:prstGeom prst="roundRect">
           <a:avLst>
@@ -11580,8 +11583,8 @@
         </a:p>
       </dsp:txBody>
       <dsp:txXfrm>
-        <a:off x="2261510" y="1726125"/>
-        <a:ext cx="1535772" cy="899086"/>
+        <a:off x="2264787" y="304184"/>
+        <a:ext cx="1537999" cy="900390"/>
       </dsp:txXfrm>
     </dsp:sp>
     <dsp:sp modelId="{D089CC68-5571-41C6-AE4F-9EC473A665E3}">
@@ -11591,8 +11594,8 @@
       </dsp:nvSpPr>
       <dsp:spPr>
         <a:xfrm>
-          <a:off x="3984426" y="1978296"/>
-          <a:ext cx="337443" cy="394745"/>
+          <a:off x="3990201" y="556721"/>
+          <a:ext cx="337933" cy="395317"/>
         </a:xfrm>
         <a:prstGeom prst="rightArrow">
           <a:avLst>
@@ -11649,8 +11652,8 @@
         </a:p>
       </dsp:txBody>
       <dsp:txXfrm>
-        <a:off x="3984426" y="2057245"/>
-        <a:ext cx="236210" cy="236847"/>
+        <a:off x="3990201" y="635784"/>
+        <a:ext cx="236553" cy="237191"/>
       </dsp:txXfrm>
     </dsp:sp>
     <dsp:sp modelId="{BB174CA1-7CD2-46AD-B29C-B9F5BB7EA064}">
@@ -11660,8 +11663,8 @@
       </dsp:nvSpPr>
       <dsp:spPr>
         <a:xfrm>
-          <a:off x="4461941" y="1698153"/>
-          <a:ext cx="1591716" cy="955030"/>
+          <a:off x="4468408" y="276172"/>
+          <a:ext cx="1594023" cy="956414"/>
         </a:xfrm>
         <a:prstGeom prst="roundRect">
           <a:avLst>
@@ -11729,8 +11732,8 @@
         </a:p>
       </dsp:txBody>
       <dsp:txXfrm>
-        <a:off x="4489913" y="1726125"/>
-        <a:ext cx="1535772" cy="899086"/>
+        <a:off x="4496420" y="304184"/>
+        <a:ext cx="1537999" cy="900390"/>
       </dsp:txXfrm>
     </dsp:sp>
     <dsp:sp modelId="{ACE42F0E-8FA7-49AA-9A82-364EA1F509A1}">
@@ -11740,8 +11743,8 @@
       </dsp:nvSpPr>
       <dsp:spPr>
         <a:xfrm>
-          <a:off x="6212830" y="1978296"/>
-          <a:ext cx="337443" cy="394745"/>
+          <a:off x="6221834" y="556721"/>
+          <a:ext cx="337933" cy="395317"/>
         </a:xfrm>
         <a:prstGeom prst="rightArrow">
           <a:avLst>
@@ -11798,8 +11801,8 @@
         </a:p>
       </dsp:txBody>
       <dsp:txXfrm>
-        <a:off x="6212830" y="2057245"/>
-        <a:ext cx="236210" cy="236847"/>
+        <a:off x="6221834" y="635784"/>
+        <a:ext cx="236553" cy="237191"/>
       </dsp:txXfrm>
     </dsp:sp>
     <dsp:sp modelId="{8A1D632A-105E-48A3-9429-E62C2379FEF7}">
@@ -11809,8 +11812,8 @@
       </dsp:nvSpPr>
       <dsp:spPr>
         <a:xfrm>
-          <a:off x="6690345" y="1698153"/>
-          <a:ext cx="1591716" cy="955030"/>
+          <a:off x="6700041" y="276172"/>
+          <a:ext cx="1594023" cy="956414"/>
         </a:xfrm>
         <a:prstGeom prst="roundRect">
           <a:avLst>
@@ -11878,8 +11881,8 @@
         </a:p>
       </dsp:txBody>
       <dsp:txXfrm>
-        <a:off x="6718317" y="1726125"/>
-        <a:ext cx="1535772" cy="899086"/>
+        <a:off x="6728053" y="304184"/>
+        <a:ext cx="1537999" cy="900390"/>
       </dsp:txXfrm>
     </dsp:sp>
     <dsp:sp modelId="{4B1E4722-2BAD-48CF-AB15-4DDDCDE143CE}">
@@ -11889,8 +11892,8 @@
       </dsp:nvSpPr>
       <dsp:spPr>
         <a:xfrm>
-          <a:off x="8441233" y="1978296"/>
-          <a:ext cx="337443" cy="394745"/>
+          <a:off x="8453467" y="556721"/>
+          <a:ext cx="337933" cy="395317"/>
         </a:xfrm>
         <a:prstGeom prst="rightArrow">
           <a:avLst>
@@ -11947,8 +11950,8 @@
         </a:p>
       </dsp:txBody>
       <dsp:txXfrm>
-        <a:off x="8441233" y="2057245"/>
-        <a:ext cx="236210" cy="236847"/>
+        <a:off x="8453467" y="635784"/>
+        <a:ext cx="236553" cy="237191"/>
       </dsp:txXfrm>
     </dsp:sp>
     <dsp:sp modelId="{490552E8-260E-47EF-A3BC-019A6D67A44E}">
@@ -11958,8 +11961,8 @@
       </dsp:nvSpPr>
       <dsp:spPr>
         <a:xfrm>
-          <a:off x="8918748" y="1698153"/>
-          <a:ext cx="1591716" cy="955030"/>
+          <a:off x="8931674" y="276172"/>
+          <a:ext cx="1594023" cy="956414"/>
         </a:xfrm>
         <a:prstGeom prst="roundRect">
           <a:avLst>
@@ -12027,8 +12030,8 @@
         </a:p>
       </dsp:txBody>
       <dsp:txXfrm>
-        <a:off x="8946720" y="1726125"/>
-        <a:ext cx="1535772" cy="899086"/>
+        <a:off x="8959686" y="304184"/>
+        <a:ext cx="1537999" cy="900390"/>
       </dsp:txXfrm>
     </dsp:sp>
   </dsp:spTree>
@@ -12085,12 +12088,12 @@
         <a:fontRef idx="minor"/>
       </dsp:style>
       <dsp:txBody>
-        <a:bodyPr spcFirstLastPara="0" vert="horz" wrap="square" lIns="220472" tIns="220472" rIns="220472" bIns="220472" numCol="1" spcCol="1270" anchor="ctr" anchorCtr="0">
+        <a:bodyPr spcFirstLastPara="0" vert="horz" wrap="square" lIns="227584" tIns="227584" rIns="227584" bIns="227584" numCol="1" spcCol="1270" anchor="ctr" anchorCtr="0">
           <a:noAutofit/>
         </a:bodyPr>
         <a:lstStyle/>
         <a:p>
-          <a:pPr marL="0" lvl="0" indent="0" algn="ctr" defTabSz="1377950">
+          <a:pPr marL="0" lvl="0" indent="0" algn="ctr" defTabSz="1422400">
             <a:lnSpc>
               <a:spcPct val="90000"/>
             </a:lnSpc>
@@ -12103,7 +12106,7 @@
             <a:buNone/>
           </a:pPr>
           <a:r>
-            <a:rPr lang="de-DE" sz="3100" kern="1200" dirty="0"/>
+            <a:rPr lang="de-DE" sz="3200" kern="1200" dirty="0"/>
             <a:t>&lt;5000€</a:t>
           </a:r>
         </a:p>
@@ -12155,12 +12158,12 @@
         <a:fontRef idx="minor"/>
       </dsp:style>
       <dsp:txBody>
-        <a:bodyPr spcFirstLastPara="0" vert="horz" wrap="square" lIns="220472" tIns="220472" rIns="220472" bIns="220472" numCol="1" spcCol="1270" anchor="ctr" anchorCtr="0">
+        <a:bodyPr spcFirstLastPara="0" vert="horz" wrap="square" lIns="227584" tIns="227584" rIns="227584" bIns="227584" numCol="1" spcCol="1270" anchor="ctr" anchorCtr="0">
           <a:noAutofit/>
         </a:bodyPr>
         <a:lstStyle/>
         <a:p>
-          <a:pPr marL="0" lvl="0" indent="0" algn="ctr" defTabSz="1377950">
+          <a:pPr marL="0" lvl="0" indent="0" algn="ctr" defTabSz="1422400">
             <a:lnSpc>
               <a:spcPct val="90000"/>
             </a:lnSpc>
@@ -12173,7 +12176,7 @@
             <a:buNone/>
           </a:pPr>
           <a:r>
-            <a:rPr lang="de-DE" sz="3100" kern="1200" dirty="0"/>
+            <a:rPr lang="de-DE" sz="3200" kern="1200" dirty="0"/>
             <a:t>&lt;25.000€</a:t>
           </a:r>
         </a:p>
@@ -12225,12 +12228,12 @@
         <a:fontRef idx="minor"/>
       </dsp:style>
       <dsp:txBody>
-        <a:bodyPr spcFirstLastPara="0" vert="horz" wrap="square" lIns="220472" tIns="220472" rIns="220472" bIns="220472" numCol="1" spcCol="1270" anchor="ctr" anchorCtr="0">
+        <a:bodyPr spcFirstLastPara="0" vert="horz" wrap="square" lIns="227584" tIns="227584" rIns="227584" bIns="227584" numCol="1" spcCol="1270" anchor="ctr" anchorCtr="0">
           <a:noAutofit/>
         </a:bodyPr>
         <a:lstStyle/>
         <a:p>
-          <a:pPr marL="0" lvl="0" indent="0" algn="ctr" defTabSz="1377950">
+          <a:pPr marL="0" lvl="0" indent="0" algn="ctr" defTabSz="1422400">
             <a:lnSpc>
               <a:spcPct val="90000"/>
             </a:lnSpc>
@@ -12243,7 +12246,7 @@
             <a:buNone/>
           </a:pPr>
           <a:r>
-            <a:rPr lang="de-DE" sz="3100" kern="1200" dirty="0"/>
+            <a:rPr lang="de-DE" sz="3200" kern="1200" dirty="0"/>
             <a:t>&lt;50.000€</a:t>
           </a:r>
         </a:p>
@@ -12295,12 +12298,12 @@
         <a:fontRef idx="minor"/>
       </dsp:style>
       <dsp:txBody>
-        <a:bodyPr spcFirstLastPara="0" vert="horz" wrap="square" lIns="220472" tIns="220472" rIns="220472" bIns="220472" numCol="1" spcCol="1270" anchor="ctr" anchorCtr="0">
+        <a:bodyPr spcFirstLastPara="0" vert="horz" wrap="square" lIns="227584" tIns="227584" rIns="227584" bIns="227584" numCol="1" spcCol="1270" anchor="ctr" anchorCtr="0">
           <a:noAutofit/>
         </a:bodyPr>
         <a:lstStyle/>
         <a:p>
-          <a:pPr marL="0" lvl="0" indent="0" algn="ctr" defTabSz="1377950">
+          <a:pPr marL="0" lvl="0" indent="0" algn="ctr" defTabSz="1422400">
             <a:lnSpc>
               <a:spcPct val="90000"/>
             </a:lnSpc>
@@ -12313,8 +12316,8 @@
             <a:buNone/>
           </a:pPr>
           <a:r>
-            <a:rPr lang="de-DE" sz="3100" kern="1200" dirty="0"/>
-            <a:t>Freie Verfügung</a:t>
+            <a:rPr lang="de-DE" sz="3200" kern="1200" dirty="0"/>
+            <a:t>&gt;50.000€</a:t>
           </a:r>
         </a:p>
       </dsp:txBody>
@@ -13490,8 +13493,8 @@
       </dsp:nvSpPr>
       <dsp:spPr>
         <a:xfrm>
-          <a:off x="2858" y="2597293"/>
-          <a:ext cx="1708811" cy="1409412"/>
+          <a:off x="1245" y="2632376"/>
+          <a:ext cx="1931696" cy="1593245"/>
         </a:xfrm>
         <a:prstGeom prst="roundRect">
           <a:avLst>
@@ -13534,12 +13537,12 @@
         <a:fontRef idx="minor"/>
       </dsp:style>
       <dsp:txBody>
-        <a:bodyPr spcFirstLastPara="0" vert="horz" wrap="square" lIns="20955" tIns="20955" rIns="20955" bIns="20955" numCol="1" spcCol="1270" anchor="t" anchorCtr="0">
+        <a:bodyPr spcFirstLastPara="0" vert="horz" wrap="square" lIns="22860" tIns="22860" rIns="22860" bIns="22860" numCol="1" spcCol="1270" anchor="t" anchorCtr="0">
           <a:noAutofit/>
         </a:bodyPr>
         <a:lstStyle/>
         <a:p>
-          <a:pPr marL="57150" lvl="1" indent="-57150" algn="l" defTabSz="488950">
+          <a:pPr marL="114300" lvl="1" indent="-114300" algn="l" defTabSz="533400">
             <a:lnSpc>
               <a:spcPct val="90000"/>
             </a:lnSpc>
@@ -13551,10 +13554,10 @@
             </a:spcAft>
             <a:buChar char="•"/>
           </a:pPr>
-          <a:endParaRPr lang="de-DE" sz="1100" kern="1200" dirty="0"/>
+          <a:endParaRPr lang="de-DE" sz="1200" kern="1200" dirty="0"/>
         </a:p>
         <a:p>
-          <a:pPr marL="57150" lvl="1" indent="-57150" algn="l" defTabSz="488950">
+          <a:pPr marL="114300" lvl="1" indent="-114300" algn="l" defTabSz="533400">
             <a:lnSpc>
               <a:spcPct val="90000"/>
             </a:lnSpc>
@@ -13567,14 +13570,14 @@
             <a:buChar char="•"/>
           </a:pPr>
           <a:r>
-            <a:rPr lang="de-DE" sz="1100" kern="1200" dirty="0"/>
+            <a:rPr lang="de-DE" sz="1200" kern="1200" dirty="0"/>
             <a:t>Fehlkommunikation</a:t>
           </a:r>
         </a:p>
       </dsp:txBody>
       <dsp:txXfrm>
-        <a:off x="35292" y="2629727"/>
-        <a:ext cx="1643943" cy="1042527"/>
+        <a:off x="37910" y="2669041"/>
+        <a:ext cx="1858366" cy="1178505"/>
       </dsp:txXfrm>
     </dsp:sp>
     <dsp:sp modelId="{4FA19D17-4F6A-4352-8E82-51779E218641}">
@@ -13584,16 +13587,16 @@
       </dsp:nvSpPr>
       <dsp:spPr>
         <a:xfrm>
-          <a:off x="980245" y="2994313"/>
-          <a:ext cx="1793881" cy="1793881"/>
+          <a:off x="1098566" y="3054064"/>
+          <a:ext cx="2067922" cy="2067922"/>
         </a:xfrm>
         <a:prstGeom prst="leftCircularArrow">
           <a:avLst>
-            <a:gd name="adj1" fmla="val 2653"/>
-            <a:gd name="adj2" fmla="val 322637"/>
-            <a:gd name="adj3" fmla="val 2098148"/>
+            <a:gd name="adj1" fmla="val 2855"/>
+            <a:gd name="adj2" fmla="val 348857"/>
+            <a:gd name="adj3" fmla="val 2124368"/>
             <a:gd name="adj4" fmla="val 9024489"/>
-            <a:gd name="adj5" fmla="val 3095"/>
+            <a:gd name="adj5" fmla="val 3331"/>
           </a:avLst>
         </a:prstGeom>
         <a:solidFill>
@@ -13631,8 +13634,8 @@
       </dsp:nvSpPr>
       <dsp:spPr>
         <a:xfrm>
-          <a:off x="382594" y="3704688"/>
-          <a:ext cx="1518943" cy="604033"/>
+          <a:off x="430511" y="3884212"/>
+          <a:ext cx="1717063" cy="682819"/>
         </a:xfrm>
         <a:prstGeom prst="roundRect">
           <a:avLst>
@@ -13676,12 +13679,12 @@
         </a:fontRef>
       </dsp:style>
       <dsp:txBody>
-        <a:bodyPr spcFirstLastPara="0" vert="horz" wrap="square" lIns="40005" tIns="26670" rIns="40005" bIns="26670" numCol="1" spcCol="1270" anchor="ctr" anchorCtr="0">
+        <a:bodyPr spcFirstLastPara="0" vert="horz" wrap="square" lIns="43815" tIns="29210" rIns="43815" bIns="29210" numCol="1" spcCol="1270" anchor="ctr" anchorCtr="0">
           <a:noAutofit/>
         </a:bodyPr>
         <a:lstStyle/>
         <a:p>
-          <a:pPr marL="0" lvl="0" indent="0" algn="ctr" defTabSz="933450">
+          <a:pPr marL="0" lvl="0" indent="0" algn="ctr" defTabSz="1022350">
             <a:lnSpc>
               <a:spcPct val="90000"/>
             </a:lnSpc>
@@ -13694,14 +13697,14 @@
             <a:buNone/>
           </a:pPr>
           <a:r>
-            <a:rPr lang="de-DE" sz="2100" kern="1200" dirty="0"/>
+            <a:rPr lang="de-DE" sz="2300" kern="1200" dirty="0"/>
             <a:t>Fehler</a:t>
           </a:r>
         </a:p>
       </dsp:txBody>
       <dsp:txXfrm>
-        <a:off x="400286" y="3722380"/>
-        <a:ext cx="1483559" cy="568649"/>
+        <a:off x="450510" y="3904211"/>
+        <a:ext cx="1677065" cy="642821"/>
       </dsp:txXfrm>
     </dsp:sp>
     <dsp:sp modelId="{02D98D07-D26D-4347-B376-D5DD10237903}">
@@ -13711,8 +13714,8 @@
       </dsp:nvSpPr>
       <dsp:spPr>
         <a:xfrm>
-          <a:off x="2128143" y="2597293"/>
-          <a:ext cx="1708811" cy="1409412"/>
+          <a:off x="2428696" y="2632376"/>
+          <a:ext cx="1931696" cy="1593245"/>
         </a:xfrm>
         <a:prstGeom prst="roundRect">
           <a:avLst>
@@ -13755,12 +13758,12 @@
         <a:fontRef idx="minor"/>
       </dsp:style>
       <dsp:txBody>
-        <a:bodyPr spcFirstLastPara="0" vert="horz" wrap="square" lIns="20955" tIns="20955" rIns="20955" bIns="20955" numCol="1" spcCol="1270" anchor="t" anchorCtr="0">
+        <a:bodyPr spcFirstLastPara="0" vert="horz" wrap="square" lIns="22860" tIns="22860" rIns="22860" bIns="22860" numCol="1" spcCol="1270" anchor="t" anchorCtr="0">
           <a:noAutofit/>
         </a:bodyPr>
         <a:lstStyle/>
         <a:p>
-          <a:pPr marL="57150" lvl="1" indent="-57150" algn="l" defTabSz="488950">
+          <a:pPr marL="114300" lvl="1" indent="-114300" algn="l" defTabSz="533400">
             <a:lnSpc>
               <a:spcPct val="90000"/>
             </a:lnSpc>
@@ -13773,12 +13776,12 @@
             <a:buChar char="•"/>
           </a:pPr>
           <a:r>
-            <a:rPr lang="de-DE" sz="1100" kern="1200" dirty="0"/>
+            <a:rPr lang="de-DE" sz="1200" kern="1200" dirty="0"/>
             <a:t>Arbeit wird doppelt ausgeführt</a:t>
           </a:r>
         </a:p>
         <a:p>
-          <a:pPr marL="57150" lvl="1" indent="-57150" algn="l" defTabSz="488950">
+          <a:pPr marL="114300" lvl="1" indent="-114300" algn="l" defTabSz="533400">
             <a:lnSpc>
               <a:spcPct val="90000"/>
             </a:lnSpc>
@@ -13791,14 +13794,14 @@
             <a:buChar char="•"/>
           </a:pPr>
           <a:r>
-            <a:rPr lang="de-DE" sz="1100" kern="1200" dirty="0"/>
+            <a:rPr lang="de-DE" sz="1200" kern="1200" dirty="0"/>
             <a:t>Überflüssige Kosten und Personalaufwand</a:t>
           </a:r>
         </a:p>
       </dsp:txBody>
       <dsp:txXfrm>
-        <a:off x="2160577" y="2931744"/>
-        <a:ext cx="1643943" cy="1042527"/>
+        <a:off x="2465361" y="3010451"/>
+        <a:ext cx="1858366" cy="1178505"/>
       </dsp:txXfrm>
     </dsp:sp>
     <dsp:sp modelId="{CBC7C94E-BBEC-4573-8225-71814017665B}">
@@ -13808,16 +13811,16 @@
       </dsp:nvSpPr>
       <dsp:spPr>
         <a:xfrm>
-          <a:off x="3091289" y="1760542"/>
-          <a:ext cx="2012229" cy="2012229"/>
+          <a:off x="3509919" y="1673542"/>
+          <a:ext cx="2314750" cy="2314750"/>
         </a:xfrm>
         <a:prstGeom prst="circularArrow">
           <a:avLst>
-            <a:gd name="adj1" fmla="val 2365"/>
-            <a:gd name="adj2" fmla="val 285714"/>
-            <a:gd name="adj3" fmla="val 19538775"/>
+            <a:gd name="adj1" fmla="val 2550"/>
+            <a:gd name="adj2" fmla="val 309453"/>
+            <a:gd name="adj3" fmla="val 19515036"/>
             <a:gd name="adj4" fmla="val 12575511"/>
-            <a:gd name="adj5" fmla="val 2759"/>
+            <a:gd name="adj5" fmla="val 2975"/>
           </a:avLst>
         </a:prstGeom>
         <a:solidFill>
@@ -13855,8 +13858,8 @@
       </dsp:nvSpPr>
       <dsp:spPr>
         <a:xfrm>
-          <a:off x="2507878" y="2295276"/>
-          <a:ext cx="1518943" cy="604033"/>
+          <a:off x="2857962" y="2290966"/>
+          <a:ext cx="1717063" cy="682819"/>
         </a:xfrm>
         <a:prstGeom prst="roundRect">
           <a:avLst>
@@ -13900,12 +13903,12 @@
         </a:fontRef>
       </dsp:style>
       <dsp:txBody>
-        <a:bodyPr spcFirstLastPara="0" vert="horz" wrap="square" lIns="40005" tIns="26670" rIns="40005" bIns="26670" numCol="1" spcCol="1270" anchor="ctr" anchorCtr="0">
+        <a:bodyPr spcFirstLastPara="0" vert="horz" wrap="square" lIns="43815" tIns="29210" rIns="43815" bIns="29210" numCol="1" spcCol="1270" anchor="ctr" anchorCtr="0">
           <a:noAutofit/>
         </a:bodyPr>
         <a:lstStyle/>
         <a:p>
-          <a:pPr marL="0" lvl="0" indent="0" algn="ctr" defTabSz="933450">
+          <a:pPr marL="0" lvl="0" indent="0" algn="ctr" defTabSz="1022350">
             <a:lnSpc>
               <a:spcPct val="90000"/>
             </a:lnSpc>
@@ -13918,14 +13921,14 @@
             <a:buNone/>
           </a:pPr>
           <a:r>
-            <a:rPr lang="de-DE" sz="2100" kern="1200" dirty="0"/>
+            <a:rPr lang="de-DE" sz="2300" kern="1200" dirty="0"/>
             <a:t>Folgen</a:t>
           </a:r>
         </a:p>
       </dsp:txBody>
       <dsp:txXfrm>
-        <a:off x="2525570" y="2312968"/>
-        <a:ext cx="1483559" cy="568649"/>
+        <a:off x="2877961" y="2310965"/>
+        <a:ext cx="1677065" cy="642821"/>
       </dsp:txXfrm>
     </dsp:sp>
     <dsp:sp modelId="{C7789B93-FD76-448B-9A5C-07C7D3725A3C}">
@@ -13935,8 +13938,8 @@
       </dsp:nvSpPr>
       <dsp:spPr>
         <a:xfrm>
-          <a:off x="4253427" y="2597293"/>
-          <a:ext cx="1708811" cy="1409412"/>
+          <a:off x="4856147" y="2632376"/>
+          <a:ext cx="1931696" cy="1593245"/>
         </a:xfrm>
         <a:prstGeom prst="roundRect">
           <a:avLst>
@@ -13979,12 +13982,12 @@
         <a:fontRef idx="minor"/>
       </dsp:style>
       <dsp:txBody>
-        <a:bodyPr spcFirstLastPara="0" vert="horz" wrap="square" lIns="20955" tIns="20955" rIns="20955" bIns="20955" numCol="1" spcCol="1270" anchor="t" anchorCtr="0">
+        <a:bodyPr spcFirstLastPara="0" vert="horz" wrap="square" lIns="22860" tIns="22860" rIns="22860" bIns="22860" numCol="1" spcCol="1270" anchor="t" anchorCtr="0">
           <a:noAutofit/>
         </a:bodyPr>
         <a:lstStyle/>
         <a:p>
-          <a:pPr marL="57150" lvl="1" indent="-57150" algn="l" defTabSz="488950">
+          <a:pPr marL="114300" lvl="1" indent="-114300" algn="l" defTabSz="533400">
             <a:lnSpc>
               <a:spcPct val="90000"/>
             </a:lnSpc>
@@ -13996,10 +13999,10 @@
             </a:spcAft>
             <a:buChar char="•"/>
           </a:pPr>
-          <a:endParaRPr lang="de-DE" sz="1100" kern="1200" dirty="0"/>
+          <a:endParaRPr lang="de-DE" sz="1200" kern="1200" dirty="0"/>
         </a:p>
         <a:p>
-          <a:pPr marL="57150" lvl="1" indent="-57150" algn="l" defTabSz="488950">
+          <a:pPr marL="114300" lvl="1" indent="-114300" algn="l" defTabSz="533400">
             <a:lnSpc>
               <a:spcPct val="90000"/>
             </a:lnSpc>
@@ -14012,14 +14015,14 @@
             <a:buChar char="•"/>
           </a:pPr>
           <a:r>
-            <a:rPr lang="de-DE" sz="1100" kern="1200" dirty="0"/>
+            <a:rPr lang="de-DE" sz="1200" kern="1200" dirty="0"/>
             <a:t>Unklare Aufgabenverteilung</a:t>
           </a:r>
         </a:p>
       </dsp:txBody>
       <dsp:txXfrm>
-        <a:off x="4285861" y="2629727"/>
-        <a:ext cx="1643943" cy="1042527"/>
+        <a:off x="4892812" y="2669041"/>
+        <a:ext cx="1858366" cy="1178505"/>
       </dsp:txXfrm>
     </dsp:sp>
     <dsp:sp modelId="{F71DF23A-208F-4CA4-9D7D-547D97BDB3CA}">
@@ -14029,16 +14032,16 @@
       </dsp:nvSpPr>
       <dsp:spPr>
         <a:xfrm>
-          <a:off x="5230814" y="2994313"/>
-          <a:ext cx="1793881" cy="1793881"/>
+          <a:off x="5953467" y="3054064"/>
+          <a:ext cx="2067922" cy="2067922"/>
         </a:xfrm>
         <a:prstGeom prst="leftCircularArrow">
           <a:avLst>
-            <a:gd name="adj1" fmla="val 2653"/>
-            <a:gd name="adj2" fmla="val 322637"/>
-            <a:gd name="adj3" fmla="val 2098148"/>
+            <a:gd name="adj1" fmla="val 2855"/>
+            <a:gd name="adj2" fmla="val 348857"/>
+            <a:gd name="adj3" fmla="val 2124368"/>
             <a:gd name="adj4" fmla="val 9024489"/>
-            <a:gd name="adj5" fmla="val 3095"/>
+            <a:gd name="adj5" fmla="val 3331"/>
           </a:avLst>
         </a:prstGeom>
         <a:solidFill>
@@ -14076,8 +14079,8 @@
       </dsp:nvSpPr>
       <dsp:spPr>
         <a:xfrm>
-          <a:off x="4633163" y="3704688"/>
-          <a:ext cx="1518943" cy="604033"/>
+          <a:off x="5285413" y="3884212"/>
+          <a:ext cx="1717063" cy="682819"/>
         </a:xfrm>
         <a:prstGeom prst="roundRect">
           <a:avLst>
@@ -14121,12 +14124,12 @@
         </a:fontRef>
       </dsp:style>
       <dsp:txBody>
-        <a:bodyPr spcFirstLastPara="0" vert="horz" wrap="square" lIns="40005" tIns="26670" rIns="40005" bIns="26670" numCol="1" spcCol="1270" anchor="ctr" anchorCtr="0">
+        <a:bodyPr spcFirstLastPara="0" vert="horz" wrap="square" lIns="43815" tIns="29210" rIns="43815" bIns="29210" numCol="1" spcCol="1270" anchor="ctr" anchorCtr="0">
           <a:noAutofit/>
         </a:bodyPr>
         <a:lstStyle/>
         <a:p>
-          <a:pPr marL="0" lvl="0" indent="0" algn="ctr" defTabSz="933450">
+          <a:pPr marL="0" lvl="0" indent="0" algn="ctr" defTabSz="1022350">
             <a:lnSpc>
               <a:spcPct val="90000"/>
             </a:lnSpc>
@@ -14139,14 +14142,14 @@
             <a:buNone/>
           </a:pPr>
           <a:r>
-            <a:rPr lang="de-DE" sz="2100" kern="1200" dirty="0"/>
+            <a:rPr lang="de-DE" sz="2300" kern="1200" dirty="0"/>
             <a:t>Ursache</a:t>
           </a:r>
         </a:p>
       </dsp:txBody>
       <dsp:txXfrm>
-        <a:off x="4650855" y="3722380"/>
-        <a:ext cx="1483559" cy="568649"/>
+        <a:off x="5305412" y="3904211"/>
+        <a:ext cx="1677065" cy="642821"/>
       </dsp:txXfrm>
     </dsp:sp>
     <dsp:sp modelId="{473F677A-5F86-4A05-A020-9B52205F5E83}">
@@ -14156,8 +14159,8 @@
       </dsp:nvSpPr>
       <dsp:spPr>
         <a:xfrm>
-          <a:off x="6378711" y="2597293"/>
-          <a:ext cx="1708811" cy="1409412"/>
+          <a:off x="7283598" y="2632376"/>
+          <a:ext cx="1931696" cy="1593245"/>
         </a:xfrm>
         <a:prstGeom prst="roundRect">
           <a:avLst>
@@ -14200,12 +14203,12 @@
         <a:fontRef idx="minor"/>
       </dsp:style>
       <dsp:txBody>
-        <a:bodyPr spcFirstLastPara="0" vert="horz" wrap="square" lIns="20955" tIns="20955" rIns="20955" bIns="20955" numCol="1" spcCol="1270" anchor="t" anchorCtr="0">
+        <a:bodyPr spcFirstLastPara="0" vert="horz" wrap="square" lIns="22860" tIns="22860" rIns="22860" bIns="22860" numCol="1" spcCol="1270" anchor="t" anchorCtr="0">
           <a:noAutofit/>
         </a:bodyPr>
         <a:lstStyle/>
         <a:p>
-          <a:pPr marL="57150" lvl="1" indent="-57150" algn="l" defTabSz="488950">
+          <a:pPr marL="114300" lvl="1" indent="-114300" algn="l" defTabSz="533400">
             <a:lnSpc>
               <a:spcPct val="90000"/>
             </a:lnSpc>
@@ -14218,12 +14221,12 @@
             <a:buChar char="•"/>
           </a:pPr>
           <a:r>
-            <a:rPr lang="de-DE" sz="1100" kern="1200" dirty="0"/>
+            <a:rPr lang="de-DE" sz="1200" kern="1200" dirty="0"/>
             <a:t>Budget nicht ausreichend</a:t>
           </a:r>
         </a:p>
         <a:p>
-          <a:pPr marL="57150" lvl="1" indent="-57150" algn="l" defTabSz="488950">
+          <a:pPr marL="114300" lvl="1" indent="-114300" algn="l" defTabSz="533400">
             <a:lnSpc>
               <a:spcPct val="90000"/>
             </a:lnSpc>
@@ -14236,14 +14239,14 @@
             <a:buChar char="•"/>
           </a:pPr>
           <a:r>
-            <a:rPr lang="de-DE" sz="1100" kern="1200" dirty="0"/>
+            <a:rPr lang="de-DE" sz="1200" kern="1200" dirty="0"/>
             <a:t>Zeit nicht ausreichend</a:t>
           </a:r>
         </a:p>
       </dsp:txBody>
       <dsp:txXfrm>
-        <a:off x="6411145" y="2931744"/>
-        <a:ext cx="1643943" cy="1042527"/>
+        <a:off x="7320263" y="3010451"/>
+        <a:ext cx="1858366" cy="1178505"/>
       </dsp:txXfrm>
     </dsp:sp>
     <dsp:sp modelId="{D91A94C6-C14F-4630-82D6-A7B8B1B1ABA5}">
@@ -14253,16 +14256,16 @@
       </dsp:nvSpPr>
       <dsp:spPr>
         <a:xfrm>
-          <a:off x="7341858" y="1760542"/>
-          <a:ext cx="2012229" cy="2012229"/>
+          <a:off x="8364821" y="1673542"/>
+          <a:ext cx="2314750" cy="2314750"/>
         </a:xfrm>
         <a:prstGeom prst="circularArrow">
           <a:avLst>
-            <a:gd name="adj1" fmla="val 2365"/>
-            <a:gd name="adj2" fmla="val 285714"/>
-            <a:gd name="adj3" fmla="val 19538775"/>
+            <a:gd name="adj1" fmla="val 2550"/>
+            <a:gd name="adj2" fmla="val 309453"/>
+            <a:gd name="adj3" fmla="val 19515036"/>
             <a:gd name="adj4" fmla="val 12575511"/>
-            <a:gd name="adj5" fmla="val 2759"/>
+            <a:gd name="adj5" fmla="val 2975"/>
           </a:avLst>
         </a:prstGeom>
         <a:solidFill>
@@ -14300,8 +14303,8 @@
       </dsp:nvSpPr>
       <dsp:spPr>
         <a:xfrm>
-          <a:off x="6758447" y="2295276"/>
-          <a:ext cx="1518943" cy="604033"/>
+          <a:off x="7712864" y="2290966"/>
+          <a:ext cx="1717063" cy="682819"/>
         </a:xfrm>
         <a:prstGeom prst="roundRect">
           <a:avLst>
@@ -14345,12 +14348,12 @@
         </a:fontRef>
       </dsp:style>
       <dsp:txBody>
-        <a:bodyPr spcFirstLastPara="0" vert="horz" wrap="square" lIns="40005" tIns="26670" rIns="40005" bIns="26670" numCol="1" spcCol="1270" anchor="ctr" anchorCtr="0">
+        <a:bodyPr spcFirstLastPara="0" vert="horz" wrap="square" lIns="43815" tIns="29210" rIns="43815" bIns="29210" numCol="1" spcCol="1270" anchor="ctr" anchorCtr="0">
           <a:noAutofit/>
         </a:bodyPr>
         <a:lstStyle/>
         <a:p>
-          <a:pPr marL="0" lvl="0" indent="0" algn="ctr" defTabSz="933450">
+          <a:pPr marL="0" lvl="0" indent="0" algn="ctr" defTabSz="1022350">
             <a:lnSpc>
               <a:spcPct val="90000"/>
             </a:lnSpc>
@@ -14363,14 +14366,14 @@
             <a:buNone/>
           </a:pPr>
           <a:r>
-            <a:rPr lang="de-DE" sz="2100" kern="1200" dirty="0"/>
+            <a:rPr lang="de-DE" sz="2300" kern="1200" dirty="0"/>
             <a:t>Risiko</a:t>
           </a:r>
         </a:p>
       </dsp:txBody>
       <dsp:txXfrm>
-        <a:off x="6776139" y="2312968"/>
-        <a:ext cx="1483559" cy="568649"/>
+        <a:off x="7732863" y="2310965"/>
+        <a:ext cx="1677065" cy="642821"/>
       </dsp:txXfrm>
     </dsp:sp>
     <dsp:sp modelId="{E2F4E1F7-B043-4052-8130-06CD2056F834}">
@@ -14380,8 +14383,8 @@
       </dsp:nvSpPr>
       <dsp:spPr>
         <a:xfrm>
-          <a:off x="8503995" y="2597293"/>
-          <a:ext cx="1708811" cy="1409412"/>
+          <a:off x="9711049" y="2632376"/>
+          <a:ext cx="1931696" cy="1593245"/>
         </a:xfrm>
         <a:prstGeom prst="roundRect">
           <a:avLst>
@@ -14424,12 +14427,12 @@
         <a:fontRef idx="minor"/>
       </dsp:style>
       <dsp:txBody>
-        <a:bodyPr spcFirstLastPara="0" vert="horz" wrap="square" lIns="20955" tIns="20955" rIns="20955" bIns="20955" numCol="1" spcCol="1270" anchor="t" anchorCtr="0">
+        <a:bodyPr spcFirstLastPara="0" vert="horz" wrap="square" lIns="22860" tIns="22860" rIns="22860" bIns="22860" numCol="1" spcCol="1270" anchor="t" anchorCtr="0">
           <a:noAutofit/>
         </a:bodyPr>
         <a:lstStyle/>
         <a:p>
-          <a:pPr marL="57150" lvl="1" indent="-57150" algn="l" defTabSz="488950">
+          <a:pPr marL="114300" lvl="1" indent="-114300" algn="l" defTabSz="533400">
             <a:lnSpc>
               <a:spcPct val="90000"/>
             </a:lnSpc>
@@ -14441,10 +14444,10 @@
             </a:spcAft>
             <a:buChar char="•"/>
           </a:pPr>
-          <a:endParaRPr lang="de-DE" sz="1100" kern="1200"/>
+          <a:endParaRPr lang="de-DE" sz="1200" kern="1200"/>
         </a:p>
         <a:p>
-          <a:pPr marL="57150" lvl="1" indent="-57150" algn="l" defTabSz="488950">
+          <a:pPr marL="114300" lvl="1" indent="-114300" algn="l" defTabSz="533400">
             <a:lnSpc>
               <a:spcPct val="90000"/>
             </a:lnSpc>
@@ -14457,12 +14460,12 @@
             <a:buChar char="•"/>
           </a:pPr>
           <a:r>
-            <a:rPr lang="de-DE" sz="1100" kern="1200" dirty="0"/>
+            <a:rPr lang="de-DE" sz="1200" kern="1200" dirty="0"/>
             <a:t>Kennzahlen prüfen</a:t>
           </a:r>
         </a:p>
         <a:p>
-          <a:pPr marL="57150" lvl="1" indent="-57150" algn="l" defTabSz="488950">
+          <a:pPr marL="114300" lvl="1" indent="-114300" algn="l" defTabSz="533400">
             <a:lnSpc>
               <a:spcPct val="90000"/>
             </a:lnSpc>
@@ -14475,12 +14478,12 @@
             <a:buChar char="•"/>
           </a:pPr>
           <a:r>
-            <a:rPr lang="de-DE" sz="1100" kern="1200" dirty="0"/>
+            <a:rPr lang="de-DE" sz="1200" kern="1200" dirty="0"/>
             <a:t>Kommunikation mit Auftraggeber</a:t>
           </a:r>
         </a:p>
         <a:p>
-          <a:pPr marL="57150" lvl="1" indent="-57150" algn="l" defTabSz="488950">
+          <a:pPr marL="114300" lvl="1" indent="-114300" algn="l" defTabSz="533400">
             <a:lnSpc>
               <a:spcPct val="90000"/>
             </a:lnSpc>
@@ -14493,14 +14496,14 @@
             <a:buChar char="•"/>
           </a:pPr>
           <a:r>
-            <a:rPr lang="de-DE" sz="1100" kern="1200" dirty="0"/>
+            <a:rPr lang="de-DE" sz="1200" kern="1200" dirty="0"/>
             <a:t>Aufgabenverteilung verbessern</a:t>
           </a:r>
         </a:p>
       </dsp:txBody>
       <dsp:txXfrm>
-        <a:off x="8536429" y="2629727"/>
-        <a:ext cx="1643943" cy="1042527"/>
+        <a:off x="9747714" y="2669041"/>
+        <a:ext cx="1858366" cy="1178505"/>
       </dsp:txXfrm>
     </dsp:sp>
     <dsp:sp modelId="{58CF326D-AEEF-41B3-9EA6-AF142CFA911E}">
@@ -14510,8 +14513,8 @@
       </dsp:nvSpPr>
       <dsp:spPr>
         <a:xfrm>
-          <a:off x="8883731" y="3704688"/>
-          <a:ext cx="1518943" cy="604033"/>
+          <a:off x="10140315" y="3884212"/>
+          <a:ext cx="1717063" cy="682819"/>
         </a:xfrm>
         <a:prstGeom prst="roundRect">
           <a:avLst>
@@ -14555,12 +14558,12 @@
         </a:fontRef>
       </dsp:style>
       <dsp:txBody>
-        <a:bodyPr spcFirstLastPara="0" vert="horz" wrap="square" lIns="40005" tIns="26670" rIns="40005" bIns="26670" numCol="1" spcCol="1270" anchor="ctr" anchorCtr="0">
+        <a:bodyPr spcFirstLastPara="0" vert="horz" wrap="square" lIns="43815" tIns="29210" rIns="43815" bIns="29210" numCol="1" spcCol="1270" anchor="ctr" anchorCtr="0">
           <a:noAutofit/>
         </a:bodyPr>
         <a:lstStyle/>
         <a:p>
-          <a:pPr marL="0" lvl="0" indent="0" algn="ctr" defTabSz="933450">
+          <a:pPr marL="0" lvl="0" indent="0" algn="ctr" defTabSz="1022350">
             <a:lnSpc>
               <a:spcPct val="90000"/>
             </a:lnSpc>
@@ -14573,14 +14576,14 @@
             <a:buNone/>
           </a:pPr>
           <a:r>
-            <a:rPr lang="de-DE" sz="2100" kern="1200" dirty="0"/>
+            <a:rPr lang="de-DE" sz="2300" kern="1200" dirty="0"/>
             <a:t>Maßnahmen</a:t>
           </a:r>
         </a:p>
       </dsp:txBody>
       <dsp:txXfrm>
-        <a:off x="8901423" y="3722380"/>
-        <a:ext cx="1483559" cy="568649"/>
+        <a:off x="10160314" y="3904211"/>
+        <a:ext cx="1677065" cy="642821"/>
       </dsp:txXfrm>
     </dsp:sp>
   </dsp:spTree>
@@ -26484,7 +26487,7 @@
           <a:p>
             <a:fld id="{23F0B4FA-656B-4DBC-89CD-6B6101E5E5BD}" type="datetimeFigureOut">
               <a:rPr lang="de-DE" smtClean="0"/>
-              <a:t>18.08.2016</a:t>
+              <a:t>19.08.2016</a:t>
             </a:fld>
             <a:endParaRPr lang="de-DE"/>
           </a:p>
@@ -27056,6 +27059,98 @@
           <a:p>
             <a:r>
               <a:rPr lang="de-DE" dirty="0"/>
+              <a:t>Wer steckt hinter</a:t>
+            </a:r>
+            <a:r>
+              <a:rPr lang="de-DE" baseline="0" dirty="0"/>
+              <a:t> dem Projekt.</a:t>
+            </a:r>
+            <a:endParaRPr lang="de-DE" dirty="0"/>
+          </a:p>
+        </p:txBody>
+      </p:sp>
+      <p:sp>
+        <p:nvSpPr>
+          <p:cNvPr id="4" name="Foliennummernplatzhalter 3"/>
+          <p:cNvSpPr>
+            <a:spLocks noGrp="1"/>
+          </p:cNvSpPr>
+          <p:nvPr>
+            <p:ph type="sldNum" sz="quarter" idx="10"/>
+          </p:nvPr>
+        </p:nvSpPr>
+        <p:spPr/>
+        <p:txBody>
+          <a:bodyPr/>
+          <a:lstStyle/>
+          <a:p>
+            <a:fld id="{6A6B0531-E102-4634-BEBB-FD3F5346A240}" type="slidenum">
+              <a:rPr lang="de-DE" smtClean="0"/>
+              <a:t>3</a:t>
+            </a:fld>
+            <a:endParaRPr lang="de-DE"/>
+          </a:p>
+        </p:txBody>
+      </p:sp>
+    </p:spTree>
+    <p:extLst>
+      <p:ext uri="{BB962C8B-B14F-4D97-AF65-F5344CB8AC3E}">
+        <p14:creationId xmlns:p14="http://schemas.microsoft.com/office/powerpoint/2010/main" val="196201813"/>
+      </p:ext>
+    </p:extLst>
+  </p:cSld>
+  <p:clrMapOvr>
+    <a:masterClrMapping/>
+  </p:clrMapOvr>
+</p:notes>
+</file>
+
+<file path=ppt/notesSlides/notesSlide4.xml><?xml version="1.0" encoding="utf-8"?>
+<p:notes xmlns:a="http://schemas.openxmlformats.org/drawingml/2006/main" xmlns:r="http://schemas.openxmlformats.org/officeDocument/2006/relationships" xmlns:p="http://schemas.openxmlformats.org/presentationml/2006/main">
+  <p:cSld>
+    <p:spTree>
+      <p:nvGrpSpPr>
+        <p:cNvPr id="1" name=""/>
+        <p:cNvGrpSpPr/>
+        <p:nvPr/>
+      </p:nvGrpSpPr>
+      <p:grpSpPr>
+        <a:xfrm>
+          <a:off x="0" y="0"/>
+          <a:ext cx="0" cy="0"/>
+          <a:chOff x="0" y="0"/>
+          <a:chExt cx="0" cy="0"/>
+        </a:xfrm>
+      </p:grpSpPr>
+      <p:sp>
+        <p:nvSpPr>
+          <p:cNvPr id="2" name="Folienbildplatzhalter 1"/>
+          <p:cNvSpPr>
+            <a:spLocks noGrp="1" noRot="1" noChangeAspect="1"/>
+          </p:cNvSpPr>
+          <p:nvPr>
+            <p:ph type="sldImg"/>
+          </p:nvPr>
+        </p:nvSpPr>
+        <p:spPr/>
+      </p:sp>
+      <p:sp>
+        <p:nvSpPr>
+          <p:cNvPr id="3" name="Notizenplatzhalter 2"/>
+          <p:cNvSpPr>
+            <a:spLocks noGrp="1"/>
+          </p:cNvSpPr>
+          <p:nvPr>
+            <p:ph type="body" idx="1"/>
+          </p:nvPr>
+        </p:nvSpPr>
+        <p:spPr/>
+        <p:txBody>
+          <a:bodyPr/>
+          <a:lstStyle/>
+          <a:p>
+            <a:r>
+              <a:rPr lang="de-DE" dirty="0"/>
               <a:t>Es gibt keine Probleme –</a:t>
             </a:r>
             <a:r>
@@ -27098,7 +27193,7 @@
           <a:p>
             <a:fld id="{6A6B0531-E102-4634-BEBB-FD3F5346A240}" type="slidenum">
               <a:rPr lang="de-DE" smtClean="0"/>
-              <a:t>11</a:t>
+              <a:t>12</a:t>
             </a:fld>
             <a:endParaRPr lang="de-DE"/>
           </a:p>
@@ -27117,7 +27212,7 @@
 </p:notes>
 </file>
 
-<file path=ppt/notesSlides/notesSlide4.xml><?xml version="1.0" encoding="utf-8"?>
+<file path=ppt/notesSlides/notesSlide5.xml><?xml version="1.0" encoding="utf-8"?>
 <p:notes xmlns:a="http://schemas.openxmlformats.org/drawingml/2006/main" xmlns:r="http://schemas.openxmlformats.org/officeDocument/2006/relationships" xmlns:p="http://schemas.openxmlformats.org/presentationml/2006/main">
   <p:cSld>
     <p:spTree>
@@ -27190,7 +27285,7 @@
           <a:p>
             <a:fld id="{6A6B0531-E102-4634-BEBB-FD3F5346A240}" type="slidenum">
               <a:rPr lang="de-DE" smtClean="0"/>
-              <a:t>12</a:t>
+              <a:t>13</a:t>
             </a:fld>
             <a:endParaRPr lang="de-DE"/>
           </a:p>
@@ -27209,7 +27304,7 @@
 </p:notes>
 </file>
 
-<file path=ppt/notesSlides/notesSlide5.xml><?xml version="1.0" encoding="utf-8"?>
+<file path=ppt/notesSlides/notesSlide6.xml><?xml version="1.0" encoding="utf-8"?>
 <p:notes xmlns:a="http://schemas.openxmlformats.org/drawingml/2006/main" xmlns:r="http://schemas.openxmlformats.org/officeDocument/2006/relationships" xmlns:p="http://schemas.openxmlformats.org/presentationml/2006/main">
   <p:cSld>
     <p:spTree>
@@ -27329,7 +27424,7 @@
                 </a:solidFill>
               </a:rPr>
               <a:pPr/>
-              <a:t>13</a:t>
+              <a:t>14</a:t>
             </a:fld>
             <a:endParaRPr lang="de-DE">
               <a:solidFill>
@@ -27352,7 +27447,7 @@
 </p:notes>
 </file>
 
-<file path=ppt/notesSlides/notesSlide6.xml><?xml version="1.0" encoding="utf-8"?>
+<file path=ppt/notesSlides/notesSlide7.xml><?xml version="1.0" encoding="utf-8"?>
 <p:notes xmlns:a="http://schemas.openxmlformats.org/drawingml/2006/main" xmlns:r="http://schemas.openxmlformats.org/officeDocument/2006/relationships" xmlns:p="http://schemas.openxmlformats.org/presentationml/2006/main">
   <p:cSld>
     <p:spTree>
@@ -27455,7 +27550,7 @@
           <a:p>
             <a:fld id="{6A6B0531-E102-4634-BEBB-FD3F5346A240}" type="slidenum">
               <a:rPr lang="de-DE" smtClean="0"/>
-              <a:t>14</a:t>
+              <a:t>15</a:t>
             </a:fld>
             <a:endParaRPr lang="de-DE"/>
           </a:p>
@@ -27474,7 +27569,7 @@
 </p:notes>
 </file>
 
-<file path=ppt/notesSlides/notesSlide7.xml><?xml version="1.0" encoding="utf-8"?>
+<file path=ppt/notesSlides/notesSlide8.xml><?xml version="1.0" encoding="utf-8"?>
 <p:notes xmlns:a="http://schemas.openxmlformats.org/drawingml/2006/main" xmlns:r="http://schemas.openxmlformats.org/officeDocument/2006/relationships" xmlns:p="http://schemas.openxmlformats.org/presentationml/2006/main">
   <p:cSld>
     <p:spTree>
@@ -27539,7 +27634,7 @@
           <a:p>
             <a:fld id="{9FC0BF00-B122-482A-9408-566B5D066A28}" type="slidenum">
               <a:rPr lang="de-DE" smtClean="0"/>
-              <a:t>29</a:t>
+              <a:t>31</a:t>
             </a:fld>
             <a:endParaRPr lang="de-DE"/>
           </a:p>
@@ -27687,7 +27782,7 @@
           <a:p>
             <a:fld id="{E8E9FD07-347C-4F3E-9A33-FA8DD8CC6C0A}" type="datetimeFigureOut">
               <a:rPr lang="de-DE" smtClean="0"/>
-              <a:t>18.08.2016</a:t>
+              <a:t>19.08.2016</a:t>
             </a:fld>
             <a:endParaRPr lang="de-DE"/>
           </a:p>
@@ -27855,7 +27950,7 @@
           <a:p>
             <a:fld id="{E8E9FD07-347C-4F3E-9A33-FA8DD8CC6C0A}" type="datetimeFigureOut">
               <a:rPr lang="de-DE" smtClean="0"/>
-              <a:t>18.08.2016</a:t>
+              <a:t>19.08.2016</a:t>
             </a:fld>
             <a:endParaRPr lang="de-DE"/>
           </a:p>
@@ -28033,7 +28128,7 @@
           <a:p>
             <a:fld id="{E8E9FD07-347C-4F3E-9A33-FA8DD8CC6C0A}" type="datetimeFigureOut">
               <a:rPr lang="de-DE" smtClean="0"/>
-              <a:t>18.08.2016</a:t>
+              <a:t>19.08.2016</a:t>
             </a:fld>
             <a:endParaRPr lang="de-DE"/>
           </a:p>
@@ -28230,7 +28325,7 @@
                 </a:solidFill>
               </a:rPr>
               <a:pPr/>
-              <a:t>18.08.2016</a:t>
+              <a:t>19.08.2016</a:t>
             </a:fld>
             <a:endParaRPr lang="de-DE">
               <a:solidFill>
@@ -28430,7 +28525,7 @@
                 </a:solidFill>
               </a:rPr>
               <a:pPr/>
-              <a:t>18.08.2016</a:t>
+              <a:t>19.08.2016</a:t>
             </a:fld>
             <a:endParaRPr lang="de-DE">
               <a:solidFill>
@@ -28707,7 +28802,7 @@
                 </a:solidFill>
               </a:rPr>
               <a:pPr/>
-              <a:t>18.08.2016</a:t>
+              <a:t>19.08.2016</a:t>
             </a:fld>
             <a:endParaRPr lang="de-DE">
               <a:solidFill>
@@ -28968,7 +29063,7 @@
                 </a:solidFill>
               </a:rPr>
               <a:pPr/>
-              <a:t>18.08.2016</a:t>
+              <a:t>19.08.2016</a:t>
             </a:fld>
             <a:endParaRPr lang="de-DE">
               <a:solidFill>
@@ -29364,7 +29459,7 @@
                 </a:solidFill>
               </a:rPr>
               <a:pPr/>
-              <a:t>18.08.2016</a:t>
+              <a:t>19.08.2016</a:t>
             </a:fld>
             <a:endParaRPr lang="de-DE">
               <a:solidFill>
@@ -29513,7 +29608,7 @@
                 </a:solidFill>
               </a:rPr>
               <a:pPr/>
-              <a:t>18.08.2016</a:t>
+              <a:t>19.08.2016</a:t>
             </a:fld>
             <a:endParaRPr lang="de-DE">
               <a:solidFill>
@@ -29640,7 +29735,7 @@
                 </a:solidFill>
               </a:rPr>
               <a:pPr/>
-              <a:t>18.08.2016</a:t>
+              <a:t>19.08.2016</a:t>
             </a:fld>
             <a:endParaRPr lang="de-DE">
               <a:solidFill>
@@ -29947,7 +30042,7 @@
                 </a:solidFill>
               </a:rPr>
               <a:pPr/>
-              <a:t>18.08.2016</a:t>
+              <a:t>19.08.2016</a:t>
             </a:fld>
             <a:endParaRPr lang="de-DE">
               <a:solidFill>
@@ -30140,7 +30235,7 @@
           <a:p>
             <a:fld id="{E8E9FD07-347C-4F3E-9A33-FA8DD8CC6C0A}" type="datetimeFigureOut">
               <a:rPr lang="de-DE" smtClean="0"/>
-              <a:t>18.08.2016</a:t>
+              <a:t>19.08.2016</a:t>
             </a:fld>
             <a:endParaRPr lang="de-DE"/>
           </a:p>
@@ -30399,7 +30494,7 @@
                 </a:solidFill>
               </a:rPr>
               <a:pPr/>
-              <a:t>18.08.2016</a:t>
+              <a:t>19.08.2016</a:t>
             </a:fld>
             <a:endParaRPr lang="de-DE">
               <a:solidFill>
@@ -30599,7 +30694,7 @@
                 </a:solidFill>
               </a:rPr>
               <a:pPr/>
-              <a:t>18.08.2016</a:t>
+              <a:t>19.08.2016</a:t>
             </a:fld>
             <a:endParaRPr lang="de-DE">
               <a:solidFill>
@@ -30809,7 +30904,7 @@
                 </a:solidFill>
               </a:rPr>
               <a:pPr/>
-              <a:t>18.08.2016</a:t>
+              <a:t>19.08.2016</a:t>
             </a:fld>
             <a:endParaRPr lang="de-DE">
               <a:solidFill>
@@ -31079,7 +31174,7 @@
           <a:p>
             <a:fld id="{E8E9FD07-347C-4F3E-9A33-FA8DD8CC6C0A}" type="datetimeFigureOut">
               <a:rPr lang="de-DE" smtClean="0"/>
-              <a:t>18.08.2016</a:t>
+              <a:t>19.08.2016</a:t>
             </a:fld>
             <a:endParaRPr lang="de-DE"/>
           </a:p>
@@ -31308,7 +31403,7 @@
           <a:p>
             <a:fld id="{E8E9FD07-347C-4F3E-9A33-FA8DD8CC6C0A}" type="datetimeFigureOut">
               <a:rPr lang="de-DE" smtClean="0"/>
-              <a:t>18.08.2016</a:t>
+              <a:t>19.08.2016</a:t>
             </a:fld>
             <a:endParaRPr lang="de-DE"/>
           </a:p>
@@ -31672,7 +31767,7 @@
           <a:p>
             <a:fld id="{E8E9FD07-347C-4F3E-9A33-FA8DD8CC6C0A}" type="datetimeFigureOut">
               <a:rPr lang="de-DE" smtClean="0"/>
-              <a:t>18.08.2016</a:t>
+              <a:t>19.08.2016</a:t>
             </a:fld>
             <a:endParaRPr lang="de-DE"/>
           </a:p>
@@ -31789,7 +31884,7 @@
           <a:p>
             <a:fld id="{E8E9FD07-347C-4F3E-9A33-FA8DD8CC6C0A}" type="datetimeFigureOut">
               <a:rPr lang="de-DE" smtClean="0"/>
-              <a:t>18.08.2016</a:t>
+              <a:t>19.08.2016</a:t>
             </a:fld>
             <a:endParaRPr lang="de-DE"/>
           </a:p>
@@ -31884,7 +31979,7 @@
           <a:p>
             <a:fld id="{E8E9FD07-347C-4F3E-9A33-FA8DD8CC6C0A}" type="datetimeFigureOut">
               <a:rPr lang="de-DE" smtClean="0"/>
-              <a:t>18.08.2016</a:t>
+              <a:t>19.08.2016</a:t>
             </a:fld>
             <a:endParaRPr lang="de-DE"/>
           </a:p>
@@ -32159,7 +32254,7 @@
           <a:p>
             <a:fld id="{E8E9FD07-347C-4F3E-9A33-FA8DD8CC6C0A}" type="datetimeFigureOut">
               <a:rPr lang="de-DE" smtClean="0"/>
-              <a:t>18.08.2016</a:t>
+              <a:t>19.08.2016</a:t>
             </a:fld>
             <a:endParaRPr lang="de-DE"/>
           </a:p>
@@ -32411,7 +32506,7 @@
           <a:p>
             <a:fld id="{E8E9FD07-347C-4F3E-9A33-FA8DD8CC6C0A}" type="datetimeFigureOut">
               <a:rPr lang="de-DE" smtClean="0"/>
-              <a:t>18.08.2016</a:t>
+              <a:t>19.08.2016</a:t>
             </a:fld>
             <a:endParaRPr lang="de-DE"/>
           </a:p>
@@ -32622,7 +32717,7 @@
           <a:p>
             <a:fld id="{E8E9FD07-347C-4F3E-9A33-FA8DD8CC6C0A}" type="datetimeFigureOut">
               <a:rPr lang="de-DE" smtClean="0"/>
-              <a:t>18.08.2016</a:t>
+              <a:t>19.08.2016</a:t>
             </a:fld>
             <a:endParaRPr lang="de-DE"/>
           </a:p>
@@ -33167,7 +33262,7 @@
                 </a:solidFill>
               </a:rPr>
               <a:pPr/>
-              <a:t>18.08.2016</a:t>
+              <a:t>19.08.2016</a:t>
             </a:fld>
             <a:endParaRPr lang="de-DE">
               <a:solidFill>
@@ -34513,8 +34608,8 @@
           </p:nvPr>
         </p:nvGraphicFramePr>
         <p:xfrm>
-          <a:off x="6835708" y="22225"/>
-          <a:ext cx="5356291" cy="6840506"/>
+          <a:off x="6685981" y="785473"/>
+          <a:ext cx="5356291" cy="5639119"/>
         </p:xfrm>
         <a:graphic>
           <a:graphicData uri="http://schemas.openxmlformats.org/drawingml/2006/table">
@@ -34530,43 +34625,57 @@
                     </a:ext>
                   </a:extLst>
                 </a:gridCol>
-                <a:gridCol w="609110">
+                <a:gridCol w="463528">
                   <a:extLst>
                     <a:ext uri="{9D8B030D-6E8A-4147-A177-3AD203B41FA5}">
                       <a16:colId xmlns:a16="http://schemas.microsoft.com/office/drawing/2014/main" val="4190835617"/>
                     </a:ext>
                   </a:extLst>
                 </a:gridCol>
-                <a:gridCol w="568961">
+                <a:gridCol w="448056">
                   <a:extLst>
                     <a:ext uri="{9D8B030D-6E8A-4147-A177-3AD203B41FA5}">
                       <a16:colId xmlns:a16="http://schemas.microsoft.com/office/drawing/2014/main" val="1029472945"/>
                     </a:ext>
                   </a:extLst>
                 </a:gridCol>
-                <a:gridCol w="650629">
+                <a:gridCol w="493776">
                   <a:extLst>
                     <a:ext uri="{9D8B030D-6E8A-4147-A177-3AD203B41FA5}">
                       <a16:colId xmlns:a16="http://schemas.microsoft.com/office/drawing/2014/main" val="141393238"/>
                     </a:ext>
                   </a:extLst>
                 </a:gridCol>
-                <a:gridCol w="703792">
+                <a:gridCol w="448056">
                   <a:extLst>
                     <a:ext uri="{9D8B030D-6E8A-4147-A177-3AD203B41FA5}">
                       <a16:colId xmlns:a16="http://schemas.microsoft.com/office/drawing/2014/main" val="2502287318"/>
                     </a:ext>
                   </a:extLst>
                 </a:gridCol>
-                <a:gridCol w="805299">
+                <a:gridCol w="411480">
                   <a:extLst>
                     <a:ext uri="{9D8B030D-6E8A-4147-A177-3AD203B41FA5}">
                       <a16:colId xmlns:a16="http://schemas.microsoft.com/office/drawing/2014/main" val="2223433287"/>
                     </a:ext>
                   </a:extLst>
                 </a:gridCol>
+                <a:gridCol w="448056">
+                  <a:extLst>
+                    <a:ext uri="{9D8B030D-6E8A-4147-A177-3AD203B41FA5}">
+                      <a16:colId xmlns:a16="http://schemas.microsoft.com/office/drawing/2014/main" val="20006"/>
+                    </a:ext>
+                  </a:extLst>
+                </a:gridCol>
+                <a:gridCol w="624839">
+                  <a:extLst>
+                    <a:ext uri="{9D8B030D-6E8A-4147-A177-3AD203B41FA5}">
+                      <a16:colId xmlns:a16="http://schemas.microsoft.com/office/drawing/2014/main" val="20007"/>
+                    </a:ext>
+                  </a:extLst>
+                </a:gridCol>
               </a:tblGrid>
-              <a:tr h="270706">
+              <a:tr h="293546">
                 <a:tc>
                   <a:txBody>
                     <a:bodyPr/>
@@ -34600,7 +34709,7 @@
                     <a:p>
                       <a:r>
                         <a:rPr lang="de-DE" sz="1200" dirty="0"/>
-                        <a:t>TL</a:t>
+                        <a:t>PL</a:t>
                       </a:r>
                     </a:p>
                   </a:txBody>
@@ -34613,7 +34722,7 @@
                     <a:p>
                       <a:r>
                         <a:rPr lang="de-DE" sz="1200" dirty="0"/>
-                        <a:t>PL</a:t>
+                        <a:t>TL</a:t>
                       </a:r>
                     </a:p>
                   </a:txBody>
@@ -34645,13 +34754,39 @@
                   </a:txBody>
                   <a:tcPr/>
                 </a:tc>
+                <a:tc>
+                  <a:txBody>
+                    <a:bodyPr/>
+                    <a:lstStyle/>
+                    <a:p>
+                      <a:r>
+                        <a:rPr lang="de-DE" sz="1200" dirty="0"/>
+                        <a:t>GF</a:t>
+                      </a:r>
+                    </a:p>
+                  </a:txBody>
+                  <a:tcPr/>
+                </a:tc>
+                <a:tc>
+                  <a:txBody>
+                    <a:bodyPr/>
+                    <a:lstStyle/>
+                    <a:p>
+                      <a:r>
+                        <a:rPr lang="de-DE" sz="1200" dirty="0"/>
+                        <a:t>Admin</a:t>
+                      </a:r>
+                    </a:p>
+                  </a:txBody>
+                  <a:tcPr/>
+                </a:tc>
                 <a:extLst>
                   <a:ext uri="{0D108BD9-81ED-4DB2-BD59-A6C34878D82A}">
                     <a16:rowId xmlns:a16="http://schemas.microsoft.com/office/drawing/2014/main" val="2835971278"/>
                   </a:ext>
                 </a:extLst>
               </a:tr>
-              <a:tr h="270706">
+              <a:tr h="293546">
                 <a:tc>
                   <a:txBody>
                     <a:bodyPr/>
@@ -34735,13 +34870,41 @@
                     </a:solidFill>
                   </a:tcPr>
                 </a:tc>
+                <a:tc>
+                  <a:txBody>
+                    <a:bodyPr/>
+                    <a:lstStyle/>
+                    <a:p>
+                      <a:endParaRPr lang="de-DE" sz="1050" dirty="0"/>
+                    </a:p>
+                  </a:txBody>
+                  <a:tcPr>
+                    <a:solidFill>
+                      <a:srgbClr val="41CF41"/>
+                    </a:solidFill>
+                  </a:tcPr>
+                </a:tc>
+                <a:tc>
+                  <a:txBody>
+                    <a:bodyPr/>
+                    <a:lstStyle/>
+                    <a:p>
+                      <a:endParaRPr lang="de-DE" sz="1050" dirty="0"/>
+                    </a:p>
+                  </a:txBody>
+                  <a:tcPr>
+                    <a:solidFill>
+                      <a:srgbClr val="41CF41"/>
+                    </a:solidFill>
+                  </a:tcPr>
+                </a:tc>
                 <a:extLst>
                   <a:ext uri="{0D108BD9-81ED-4DB2-BD59-A6C34878D82A}">
                     <a16:rowId xmlns:a16="http://schemas.microsoft.com/office/drawing/2014/main" val="1205867246"/>
                   </a:ext>
                 </a:extLst>
               </a:tr>
-              <a:tr h="290874">
+              <a:tr h="311260">
                 <a:tc>
                   <a:txBody>
                     <a:bodyPr/>
@@ -34825,13 +34988,41 @@
                     </a:solidFill>
                   </a:tcPr>
                 </a:tc>
+                <a:tc>
+                  <a:txBody>
+                    <a:bodyPr/>
+                    <a:lstStyle/>
+                    <a:p>
+                      <a:endParaRPr lang="de-DE" sz="1050" dirty="0"/>
+                    </a:p>
+                  </a:txBody>
+                  <a:tcPr>
+                    <a:solidFill>
+                      <a:srgbClr val="41CF41"/>
+                    </a:solidFill>
+                  </a:tcPr>
+                </a:tc>
+                <a:tc>
+                  <a:txBody>
+                    <a:bodyPr/>
+                    <a:lstStyle/>
+                    <a:p>
+                      <a:endParaRPr lang="de-DE" sz="1050" dirty="0"/>
+                    </a:p>
+                  </a:txBody>
+                  <a:tcPr>
+                    <a:solidFill>
+                      <a:srgbClr val="41CF41"/>
+                    </a:solidFill>
+                  </a:tcPr>
+                </a:tc>
                 <a:extLst>
                   <a:ext uri="{0D108BD9-81ED-4DB2-BD59-A6C34878D82A}">
                     <a16:rowId xmlns:a16="http://schemas.microsoft.com/office/drawing/2014/main" val="1474429271"/>
                   </a:ext>
                 </a:extLst>
               </a:tr>
-              <a:tr h="451177">
+              <a:tr h="489243">
                 <a:tc>
                   <a:txBody>
                     <a:bodyPr/>
@@ -34922,13 +35113,41 @@
                     </a:solidFill>
                   </a:tcPr>
                 </a:tc>
+                <a:tc>
+                  <a:txBody>
+                    <a:bodyPr/>
+                    <a:lstStyle/>
+                    <a:p>
+                      <a:endParaRPr lang="de-DE" sz="1050" dirty="0"/>
+                    </a:p>
+                  </a:txBody>
+                  <a:tcPr>
+                    <a:solidFill>
+                      <a:srgbClr val="41CF41"/>
+                    </a:solidFill>
+                  </a:tcPr>
+                </a:tc>
+                <a:tc>
+                  <a:txBody>
+                    <a:bodyPr/>
+                    <a:lstStyle/>
+                    <a:p>
+                      <a:endParaRPr lang="de-DE" sz="1050" dirty="0"/>
+                    </a:p>
+                  </a:txBody>
+                  <a:tcPr>
+                    <a:solidFill>
+                      <a:srgbClr val="41CF41"/>
+                    </a:solidFill>
+                  </a:tcPr>
+                </a:tc>
                 <a:extLst>
                   <a:ext uri="{0D108BD9-81ED-4DB2-BD59-A6C34878D82A}">
                     <a16:rowId xmlns:a16="http://schemas.microsoft.com/office/drawing/2014/main" val="2621396672"/>
                   </a:ext>
                 </a:extLst>
               </a:tr>
-              <a:tr h="451177">
+              <a:tr h="489243">
                 <a:tc>
                   <a:txBody>
                     <a:bodyPr/>
@@ -35042,13 +35261,41 @@
                     </a:solidFill>
                   </a:tcPr>
                 </a:tc>
+                <a:tc>
+                  <a:txBody>
+                    <a:bodyPr/>
+                    <a:lstStyle/>
+                    <a:p>
+                      <a:endParaRPr lang="de-DE" sz="1050" dirty="0"/>
+                    </a:p>
+                  </a:txBody>
+                  <a:tcPr>
+                    <a:solidFill>
+                      <a:srgbClr val="41CF41"/>
+                    </a:solidFill>
+                  </a:tcPr>
+                </a:tc>
+                <a:tc>
+                  <a:txBody>
+                    <a:bodyPr/>
+                    <a:lstStyle/>
+                    <a:p>
+                      <a:endParaRPr lang="de-DE" sz="1050" dirty="0"/>
+                    </a:p>
+                  </a:txBody>
+                  <a:tcPr>
+                    <a:solidFill>
+                      <a:srgbClr val="41CF41"/>
+                    </a:solidFill>
+                  </a:tcPr>
+                </a:tc>
                 <a:extLst>
                   <a:ext uri="{0D108BD9-81ED-4DB2-BD59-A6C34878D82A}">
                     <a16:rowId xmlns:a16="http://schemas.microsoft.com/office/drawing/2014/main" val="3970782480"/>
                   </a:ext>
                 </a:extLst>
               </a:tr>
-              <a:tr h="451177">
+              <a:tr h="489243">
                 <a:tc>
                   <a:txBody>
                     <a:bodyPr/>
@@ -35145,13 +35392,41 @@
                     </a:solidFill>
                   </a:tcPr>
                 </a:tc>
+                <a:tc>
+                  <a:txBody>
+                    <a:bodyPr/>
+                    <a:lstStyle/>
+                    <a:p>
+                      <a:endParaRPr lang="de-DE" sz="1050" dirty="0"/>
+                    </a:p>
+                  </a:txBody>
+                  <a:tcPr>
+                    <a:solidFill>
+                      <a:srgbClr val="41CF41"/>
+                    </a:solidFill>
+                  </a:tcPr>
+                </a:tc>
+                <a:tc>
+                  <a:txBody>
+                    <a:bodyPr/>
+                    <a:lstStyle/>
+                    <a:p>
+                      <a:endParaRPr lang="de-DE" sz="1050" dirty="0"/>
+                    </a:p>
+                  </a:txBody>
+                  <a:tcPr>
+                    <a:solidFill>
+                      <a:srgbClr val="41CF41"/>
+                    </a:solidFill>
+                  </a:tcPr>
+                </a:tc>
                 <a:extLst>
                   <a:ext uri="{0D108BD9-81ED-4DB2-BD59-A6C34878D82A}">
                     <a16:rowId xmlns:a16="http://schemas.microsoft.com/office/drawing/2014/main" val="728510251"/>
                   </a:ext>
                 </a:extLst>
               </a:tr>
-              <a:tr h="290874">
+              <a:tr h="311260">
                 <a:tc>
                   <a:txBody>
                     <a:bodyPr/>
@@ -35263,13 +35538,41 @@
                     </a:solidFill>
                   </a:tcPr>
                 </a:tc>
+                <a:tc>
+                  <a:txBody>
+                    <a:bodyPr/>
+                    <a:lstStyle/>
+                    <a:p>
+                      <a:endParaRPr lang="de-DE" sz="1050" dirty="0"/>
+                    </a:p>
+                  </a:txBody>
+                  <a:tcPr>
+                    <a:solidFill>
+                      <a:srgbClr val="41CF41"/>
+                    </a:solidFill>
+                  </a:tcPr>
+                </a:tc>
+                <a:tc>
+                  <a:txBody>
+                    <a:bodyPr/>
+                    <a:lstStyle/>
+                    <a:p>
+                      <a:endParaRPr lang="de-DE" sz="1050" dirty="0"/>
+                    </a:p>
+                  </a:txBody>
+                  <a:tcPr>
+                    <a:solidFill>
+                      <a:srgbClr val="41CF41"/>
+                    </a:solidFill>
+                  </a:tcPr>
+                </a:tc>
                 <a:extLst>
                   <a:ext uri="{0D108BD9-81ED-4DB2-BD59-A6C34878D82A}">
                     <a16:rowId xmlns:a16="http://schemas.microsoft.com/office/drawing/2014/main" val="2918448282"/>
                   </a:ext>
                 </a:extLst>
               </a:tr>
-              <a:tr h="451177">
+              <a:tr h="489243">
                 <a:tc>
                   <a:txBody>
                     <a:bodyPr/>
@@ -35368,13 +35671,41 @@
                     </a:solidFill>
                   </a:tcPr>
                 </a:tc>
+                <a:tc>
+                  <a:txBody>
+                    <a:bodyPr/>
+                    <a:lstStyle/>
+                    <a:p>
+                      <a:endParaRPr lang="de-DE" sz="1050" dirty="0"/>
+                    </a:p>
+                  </a:txBody>
+                  <a:tcPr>
+                    <a:solidFill>
+                      <a:srgbClr val="41CF41"/>
+                    </a:solidFill>
+                  </a:tcPr>
+                </a:tc>
+                <a:tc>
+                  <a:txBody>
+                    <a:bodyPr/>
+                    <a:lstStyle/>
+                    <a:p>
+                      <a:endParaRPr lang="de-DE" sz="1050" dirty="0"/>
+                    </a:p>
+                  </a:txBody>
+                  <a:tcPr>
+                    <a:solidFill>
+                      <a:srgbClr val="41CF41"/>
+                    </a:solidFill>
+                  </a:tcPr>
+                </a:tc>
                 <a:extLst>
                   <a:ext uri="{0D108BD9-81ED-4DB2-BD59-A6C34878D82A}">
                     <a16:rowId xmlns:a16="http://schemas.microsoft.com/office/drawing/2014/main" val="2631188810"/>
                   </a:ext>
                 </a:extLst>
               </a:tr>
-              <a:tr h="451177">
+              <a:tr h="489243">
                 <a:tc>
                   <a:txBody>
                     <a:bodyPr/>
@@ -35476,13 +35807,41 @@
                     </a:solidFill>
                   </a:tcPr>
                 </a:tc>
+                <a:tc>
+                  <a:txBody>
+                    <a:bodyPr/>
+                    <a:lstStyle/>
+                    <a:p>
+                      <a:endParaRPr lang="de-DE" sz="1050" dirty="0"/>
+                    </a:p>
+                  </a:txBody>
+                  <a:tcPr>
+                    <a:solidFill>
+                      <a:srgbClr val="41CF41"/>
+                    </a:solidFill>
+                  </a:tcPr>
+                </a:tc>
+                <a:tc>
+                  <a:txBody>
+                    <a:bodyPr/>
+                    <a:lstStyle/>
+                    <a:p>
+                      <a:endParaRPr lang="de-DE" sz="1050" dirty="0"/>
+                    </a:p>
+                  </a:txBody>
+                  <a:tcPr>
+                    <a:solidFill>
+                      <a:srgbClr val="41CF41"/>
+                    </a:solidFill>
+                  </a:tcPr>
+                </a:tc>
                 <a:extLst>
                   <a:ext uri="{0D108BD9-81ED-4DB2-BD59-A6C34878D82A}">
                     <a16:rowId xmlns:a16="http://schemas.microsoft.com/office/drawing/2014/main" val="2673323130"/>
                   </a:ext>
                 </a:extLst>
               </a:tr>
-              <a:tr h="523574">
+              <a:tr h="560269">
                 <a:tc>
                   <a:txBody>
                     <a:bodyPr/>
@@ -35494,9 +35853,137 @@
                       </a:r>
                       <a:r>
                         <a:rPr lang="de-DE" sz="1200" baseline="0" dirty="0"/>
-                        <a:t> ablehnen (Ebene 1)</a:t>
+                        <a:t> ablehnen</a:t>
                       </a:r>
                       <a:endParaRPr lang="de-DE" sz="1200" dirty="0"/>
+                    </a:p>
+                  </a:txBody>
+                  <a:tcPr/>
+                </a:tc>
+                <a:tc>
+                  <a:txBody>
+                    <a:bodyPr/>
+                    <a:lstStyle/>
+                    <a:p>
+                      <a:pPr algn="ctr"/>
+                      <a:r>
+                        <a:rPr lang="de-DE" sz="1050" dirty="0"/>
+                        <a:t>X</a:t>
+                      </a:r>
+                    </a:p>
+                  </a:txBody>
+                  <a:tcPr>
+                    <a:solidFill>
+                      <a:srgbClr val="FF0000"/>
+                    </a:solidFill>
+                  </a:tcPr>
+                </a:tc>
+                <a:tc>
+                  <a:txBody>
+                    <a:bodyPr/>
+                    <a:lstStyle/>
+                    <a:p>
+                      <a:pPr algn="ctr"/>
+                      <a:r>
+                        <a:rPr lang="de-DE" sz="1050" dirty="0"/>
+                        <a:t>X</a:t>
+                      </a:r>
+                    </a:p>
+                  </a:txBody>
+                  <a:tcPr>
+                    <a:solidFill>
+                      <a:srgbClr val="FF0000"/>
+                    </a:solidFill>
+                  </a:tcPr>
+                </a:tc>
+                <a:tc>
+                  <a:txBody>
+                    <a:bodyPr/>
+                    <a:lstStyle/>
+                    <a:p>
+                      <a:pPr algn="ctr"/>
+                      <a:endParaRPr lang="de-DE" sz="1050" dirty="0"/>
+                    </a:p>
+                  </a:txBody>
+                  <a:tcPr>
+                    <a:solidFill>
+                      <a:srgbClr val="41CF41"/>
+                    </a:solidFill>
+                  </a:tcPr>
+                </a:tc>
+                <a:tc>
+                  <a:txBody>
+                    <a:bodyPr/>
+                    <a:lstStyle/>
+                    <a:p>
+                      <a:pPr algn="ctr"/>
+                      <a:endParaRPr lang="de-DE" sz="1050" dirty="0"/>
+                    </a:p>
+                  </a:txBody>
+                  <a:tcPr>
+                    <a:solidFill>
+                      <a:srgbClr val="41CF41"/>
+                    </a:solidFill>
+                  </a:tcPr>
+                </a:tc>
+                <a:tc>
+                  <a:txBody>
+                    <a:bodyPr/>
+                    <a:lstStyle/>
+                    <a:p>
+                      <a:endParaRPr lang="de-DE" sz="1050" dirty="0"/>
+                    </a:p>
+                  </a:txBody>
+                  <a:tcPr>
+                    <a:solidFill>
+                      <a:srgbClr val="41CF41"/>
+                    </a:solidFill>
+                  </a:tcPr>
+                </a:tc>
+                <a:tc>
+                  <a:txBody>
+                    <a:bodyPr/>
+                    <a:lstStyle/>
+                    <a:p>
+                      <a:endParaRPr lang="de-DE" sz="1050" dirty="0"/>
+                    </a:p>
+                  </a:txBody>
+                  <a:tcPr>
+                    <a:solidFill>
+                      <a:srgbClr val="41CF41"/>
+                    </a:solidFill>
+                  </a:tcPr>
+                </a:tc>
+                <a:tc>
+                  <a:txBody>
+                    <a:bodyPr/>
+                    <a:lstStyle/>
+                    <a:p>
+                      <a:endParaRPr lang="de-DE" sz="1050" dirty="0"/>
+                    </a:p>
+                  </a:txBody>
+                  <a:tcPr>
+                    <a:solidFill>
+                      <a:srgbClr val="41CF41"/>
+                    </a:solidFill>
+                  </a:tcPr>
+                </a:tc>
+                <a:extLst>
+                  <a:ext uri="{0D108BD9-81ED-4DB2-BD59-A6C34878D82A}">
+                    <a16:rowId xmlns:a16="http://schemas.microsoft.com/office/drawing/2014/main" val="3060382264"/>
+                  </a:ext>
+                </a:extLst>
+              </a:tr>
+              <a:tr h="311260">
+                <a:tc>
+                  <a:txBody>
+                    <a:bodyPr/>
+                    <a:lstStyle/>
+                    <a:p>
+                      <a:r>
+                        <a:rPr lang="de-DE" sz="1200" dirty="0"/>
+                        <a:t>Projektbudget einsehen</a:t>
+                      </a:r>
                     </a:p>
                   </a:txBody>
                   <a:tcPr/>
@@ -35581,429 +36068,11 @@
                     </a:solidFill>
                   </a:tcPr>
                 </a:tc>
-                <a:extLst>
-                  <a:ext uri="{0D108BD9-81ED-4DB2-BD59-A6C34878D82A}">
-                    <a16:rowId xmlns:a16="http://schemas.microsoft.com/office/drawing/2014/main" val="3060382264"/>
-                  </a:ext>
-                </a:extLst>
-              </a:tr>
-              <a:tr h="523574">
                 <a:tc>
                   <a:txBody>
                     <a:bodyPr/>
                     <a:lstStyle/>
                     <a:p>
-                      <a:r>
-                        <a:rPr lang="de-DE" sz="1200" dirty="0"/>
-                        <a:t>Projekte genehmigen / ablehnen (Ebene 2)</a:t>
-                      </a:r>
-                    </a:p>
-                  </a:txBody>
-                  <a:tcPr/>
-                </a:tc>
-                <a:tc>
-                  <a:txBody>
-                    <a:bodyPr/>
-                    <a:lstStyle/>
-                    <a:p>
-                      <a:pPr algn="ctr"/>
-                      <a:r>
-                        <a:rPr lang="de-DE" sz="1050" dirty="0"/>
-                        <a:t>X</a:t>
-                      </a:r>
-                    </a:p>
-                  </a:txBody>
-                  <a:tcPr>
-                    <a:solidFill>
-                      <a:srgbClr val="FF0000"/>
-                    </a:solidFill>
-                  </a:tcPr>
-                </a:tc>
-                <a:tc>
-                  <a:txBody>
-                    <a:bodyPr/>
-                    <a:lstStyle/>
-                    <a:p>
-                      <a:pPr algn="ctr"/>
-                      <a:r>
-                        <a:rPr lang="de-DE" sz="1050" dirty="0"/>
-                        <a:t>X</a:t>
-                      </a:r>
-                    </a:p>
-                  </a:txBody>
-                  <a:tcPr>
-                    <a:solidFill>
-                      <a:srgbClr val="FF0000"/>
-                    </a:solidFill>
-                  </a:tcPr>
-                </a:tc>
-                <a:tc>
-                  <a:txBody>
-                    <a:bodyPr/>
-                    <a:lstStyle/>
-                    <a:p>
-                      <a:pPr algn="ctr"/>
-                      <a:r>
-                        <a:rPr lang="de-DE" sz="1050" dirty="0"/>
-                        <a:t>X</a:t>
-                      </a:r>
-                    </a:p>
-                  </a:txBody>
-                  <a:tcPr>
-                    <a:solidFill>
-                      <a:srgbClr val="FF0000"/>
-                    </a:solidFill>
-                  </a:tcPr>
-                </a:tc>
-                <a:tc>
-                  <a:txBody>
-                    <a:bodyPr/>
-                    <a:lstStyle/>
-                    <a:p>
-                      <a:pPr algn="ctr"/>
-                      <a:endParaRPr lang="de-DE" sz="1050" dirty="0"/>
-                    </a:p>
-                  </a:txBody>
-                  <a:tcPr>
-                    <a:solidFill>
-                      <a:srgbClr val="41CF41"/>
-                    </a:solidFill>
-                  </a:tcPr>
-                </a:tc>
-                <a:tc>
-                  <a:txBody>
-                    <a:bodyPr/>
-                    <a:lstStyle/>
-                    <a:p>
-                      <a:endParaRPr lang="de-DE" sz="1050" dirty="0"/>
-                    </a:p>
-                  </a:txBody>
-                  <a:tcPr>
-                    <a:solidFill>
-                      <a:srgbClr val="41CF41"/>
-                    </a:solidFill>
-                  </a:tcPr>
-                </a:tc>
-                <a:extLst>
-                  <a:ext uri="{0D108BD9-81ED-4DB2-BD59-A6C34878D82A}">
-                    <a16:rowId xmlns:a16="http://schemas.microsoft.com/office/drawing/2014/main" val="3118386707"/>
-                  </a:ext>
-                </a:extLst>
-              </a:tr>
-              <a:tr h="523574">
-                <a:tc>
-                  <a:txBody>
-                    <a:bodyPr/>
-                    <a:lstStyle/>
-                    <a:p>
-                      <a:pPr marL="0" marR="0" lvl="0" indent="0" algn="l" defTabSz="914400" rtl="0" eaLnBrk="1" fontAlgn="auto" latinLnBrk="0" hangingPunct="1">
-                        <a:lnSpc>
-                          <a:spcPct val="100000"/>
-                        </a:lnSpc>
-                        <a:spcBef>
-                          <a:spcPts val="0"/>
-                        </a:spcBef>
-                        <a:spcAft>
-                          <a:spcPts val="0"/>
-                        </a:spcAft>
-                        <a:buClrTx/>
-                        <a:buSzTx/>
-                        <a:buFontTx/>
-                        <a:buNone/>
-                        <a:tabLst/>
-                        <a:defRPr/>
-                      </a:pPr>
-                      <a:r>
-                        <a:rPr lang="de-DE" sz="1200" dirty="0"/>
-                        <a:t>Projekte genehmigen / ablehnen (Ebene 2,5)</a:t>
-                      </a:r>
-                    </a:p>
-                  </a:txBody>
-                  <a:tcPr/>
-                </a:tc>
-                <a:tc>
-                  <a:txBody>
-                    <a:bodyPr/>
-                    <a:lstStyle/>
-                    <a:p>
-                      <a:pPr algn="ctr"/>
-                      <a:r>
-                        <a:rPr lang="de-DE" sz="1050" dirty="0"/>
-                        <a:t>X</a:t>
-                      </a:r>
-                    </a:p>
-                  </a:txBody>
-                  <a:tcPr>
-                    <a:solidFill>
-                      <a:srgbClr val="FF0000"/>
-                    </a:solidFill>
-                  </a:tcPr>
-                </a:tc>
-                <a:tc>
-                  <a:txBody>
-                    <a:bodyPr/>
-                    <a:lstStyle/>
-                    <a:p>
-                      <a:pPr algn="ctr"/>
-                      <a:r>
-                        <a:rPr lang="de-DE" sz="1050" dirty="0"/>
-                        <a:t>X</a:t>
-                      </a:r>
-                    </a:p>
-                  </a:txBody>
-                  <a:tcPr>
-                    <a:solidFill>
-                      <a:srgbClr val="FF0000"/>
-                    </a:solidFill>
-                  </a:tcPr>
-                </a:tc>
-                <a:tc>
-                  <a:txBody>
-                    <a:bodyPr/>
-                    <a:lstStyle/>
-                    <a:p>
-                      <a:pPr algn="ctr"/>
-                      <a:r>
-                        <a:rPr lang="de-DE" sz="1050" dirty="0"/>
-                        <a:t>X</a:t>
-                      </a:r>
-                    </a:p>
-                  </a:txBody>
-                  <a:tcPr>
-                    <a:solidFill>
-                      <a:srgbClr val="FF0000"/>
-                    </a:solidFill>
-                  </a:tcPr>
-                </a:tc>
-                <a:tc>
-                  <a:txBody>
-                    <a:bodyPr/>
-                    <a:lstStyle/>
-                    <a:p>
-                      <a:pPr algn="ctr"/>
-                      <a:r>
-                        <a:rPr lang="de-DE" sz="1050" dirty="0"/>
-                        <a:t>X</a:t>
-                      </a:r>
-                    </a:p>
-                  </a:txBody>
-                  <a:tcPr>
-                    <a:solidFill>
-                      <a:srgbClr val="FF0000"/>
-                    </a:solidFill>
-                  </a:tcPr>
-                </a:tc>
-                <a:tc>
-                  <a:txBody>
-                    <a:bodyPr/>
-                    <a:lstStyle/>
-                    <a:p>
-                      <a:endParaRPr lang="de-DE" sz="1050" dirty="0"/>
-                    </a:p>
-                  </a:txBody>
-                  <a:tcPr>
-                    <a:solidFill>
-                      <a:srgbClr val="41CF41"/>
-                    </a:solidFill>
-                  </a:tcPr>
-                </a:tc>
-                <a:extLst>
-                  <a:ext uri="{0D108BD9-81ED-4DB2-BD59-A6C34878D82A}">
-                    <a16:rowId xmlns:a16="http://schemas.microsoft.com/office/drawing/2014/main" val="3457335851"/>
-                  </a:ext>
-                </a:extLst>
-              </a:tr>
-              <a:tr h="523574">
-                <a:tc>
-                  <a:txBody>
-                    <a:bodyPr/>
-                    <a:lstStyle/>
-                    <a:p>
-                      <a:pPr marL="0" marR="0" lvl="0" indent="0" algn="l" defTabSz="914400" rtl="0" eaLnBrk="1" fontAlgn="auto" latinLnBrk="0" hangingPunct="1">
-                        <a:lnSpc>
-                          <a:spcPct val="100000"/>
-                        </a:lnSpc>
-                        <a:spcBef>
-                          <a:spcPts val="0"/>
-                        </a:spcBef>
-                        <a:spcAft>
-                          <a:spcPts val="0"/>
-                        </a:spcAft>
-                        <a:buClrTx/>
-                        <a:buSzTx/>
-                        <a:buFontTx/>
-                        <a:buNone/>
-                        <a:tabLst/>
-                        <a:defRPr/>
-                      </a:pPr>
-                      <a:r>
-                        <a:rPr lang="de-DE" sz="1200" dirty="0"/>
-                        <a:t>Projekte genehmigen / ablehnen (Ebene 3)</a:t>
-                      </a:r>
-                    </a:p>
-                  </a:txBody>
-                  <a:tcPr/>
-                </a:tc>
-                <a:tc>
-                  <a:txBody>
-                    <a:bodyPr/>
-                    <a:lstStyle/>
-                    <a:p>
-                      <a:pPr algn="ctr"/>
-                      <a:r>
-                        <a:rPr lang="de-DE" sz="1050" dirty="0"/>
-                        <a:t>X</a:t>
-                      </a:r>
-                    </a:p>
-                  </a:txBody>
-                  <a:tcPr>
-                    <a:solidFill>
-                      <a:srgbClr val="FF0000"/>
-                    </a:solidFill>
-                  </a:tcPr>
-                </a:tc>
-                <a:tc>
-                  <a:txBody>
-                    <a:bodyPr/>
-                    <a:lstStyle/>
-                    <a:p>
-                      <a:pPr algn="ctr"/>
-                      <a:r>
-                        <a:rPr lang="de-DE" sz="1050" dirty="0"/>
-                        <a:t>X</a:t>
-                      </a:r>
-                    </a:p>
-                  </a:txBody>
-                  <a:tcPr>
-                    <a:solidFill>
-                      <a:srgbClr val="FF0000"/>
-                    </a:solidFill>
-                  </a:tcPr>
-                </a:tc>
-                <a:tc>
-                  <a:txBody>
-                    <a:bodyPr/>
-                    <a:lstStyle/>
-                    <a:p>
-                      <a:pPr algn="ctr"/>
-                      <a:r>
-                        <a:rPr lang="de-DE" sz="1050" dirty="0"/>
-                        <a:t>X</a:t>
-                      </a:r>
-                    </a:p>
-                  </a:txBody>
-                  <a:tcPr>
-                    <a:solidFill>
-                      <a:srgbClr val="FF0000"/>
-                    </a:solidFill>
-                  </a:tcPr>
-                </a:tc>
-                <a:tc>
-                  <a:txBody>
-                    <a:bodyPr/>
-                    <a:lstStyle/>
-                    <a:p>
-                      <a:pPr algn="ctr"/>
-                      <a:endParaRPr lang="de-DE" sz="1050" dirty="0"/>
-                    </a:p>
-                  </a:txBody>
-                  <a:tcPr>
-                    <a:solidFill>
-                      <a:srgbClr val="41CF41"/>
-                    </a:solidFill>
-                  </a:tcPr>
-                </a:tc>
-                <a:tc>
-                  <a:txBody>
-                    <a:bodyPr/>
-                    <a:lstStyle/>
-                    <a:p>
-                      <a:endParaRPr lang="de-DE" sz="1050" dirty="0"/>
-                    </a:p>
-                  </a:txBody>
-                  <a:tcPr>
-                    <a:solidFill>
-                      <a:srgbClr val="41CF41"/>
-                    </a:solidFill>
-                  </a:tcPr>
-                </a:tc>
-                <a:extLst>
-                  <a:ext uri="{0D108BD9-81ED-4DB2-BD59-A6C34878D82A}">
-                    <a16:rowId xmlns:a16="http://schemas.microsoft.com/office/drawing/2014/main" val="1832644902"/>
-                  </a:ext>
-                </a:extLst>
-              </a:tr>
-              <a:tr h="290874">
-                <a:tc>
-                  <a:txBody>
-                    <a:bodyPr/>
-                    <a:lstStyle/>
-                    <a:p>
-                      <a:r>
-                        <a:rPr lang="de-DE" sz="1200" dirty="0"/>
-                        <a:t>Projektbudget einsehen</a:t>
-                      </a:r>
-                    </a:p>
-                  </a:txBody>
-                  <a:tcPr/>
-                </a:tc>
-                <a:tc>
-                  <a:txBody>
-                    <a:bodyPr/>
-                    <a:lstStyle/>
-                    <a:p>
-                      <a:pPr algn="ctr"/>
-                      <a:r>
-                        <a:rPr lang="de-DE" sz="1050" dirty="0"/>
-                        <a:t>X</a:t>
-                      </a:r>
-                    </a:p>
-                  </a:txBody>
-                  <a:tcPr>
-                    <a:solidFill>
-                      <a:srgbClr val="FF0000"/>
-                    </a:solidFill>
-                  </a:tcPr>
-                </a:tc>
-                <a:tc>
-                  <a:txBody>
-                    <a:bodyPr/>
-                    <a:lstStyle/>
-                    <a:p>
-                      <a:pPr algn="ctr"/>
-                      <a:r>
-                        <a:rPr lang="de-DE" sz="1050" dirty="0"/>
-                        <a:t>X</a:t>
-                      </a:r>
-                    </a:p>
-                  </a:txBody>
-                  <a:tcPr>
-                    <a:solidFill>
-                      <a:srgbClr val="FF0000"/>
-                    </a:solidFill>
-                  </a:tcPr>
-                </a:tc>
-                <a:tc>
-                  <a:txBody>
-                    <a:bodyPr/>
-                    <a:lstStyle/>
-                    <a:p>
-                      <a:pPr algn="ctr"/>
-                      <a:endParaRPr lang="de-DE" sz="1050" dirty="0"/>
-                    </a:p>
-                  </a:txBody>
-                  <a:tcPr>
-                    <a:solidFill>
-                      <a:srgbClr val="41CF41"/>
-                    </a:solidFill>
-                  </a:tcPr>
-                </a:tc>
-                <a:tc>
-                  <a:txBody>
-                    <a:bodyPr/>
-                    <a:lstStyle/>
-                    <a:p>
-                      <a:pPr algn="ctr"/>
                       <a:endParaRPr lang="de-DE" sz="1050" dirty="0"/>
                     </a:p>
                   </a:txBody>
@@ -36033,7 +36102,7 @@
                   </a:ext>
                 </a:extLst>
               </a:tr>
-              <a:tr h="290874">
+              <a:tr h="311260">
                 <a:tc>
                   <a:txBody>
                     <a:bodyPr/>
@@ -36133,13 +36202,41 @@
                     </a:solidFill>
                   </a:tcPr>
                 </a:tc>
+                <a:tc>
+                  <a:txBody>
+                    <a:bodyPr/>
+                    <a:lstStyle/>
+                    <a:p>
+                      <a:endParaRPr lang="de-DE" sz="1050" dirty="0"/>
+                    </a:p>
+                  </a:txBody>
+                  <a:tcPr>
+                    <a:solidFill>
+                      <a:srgbClr val="41CF41"/>
+                    </a:solidFill>
+                  </a:tcPr>
+                </a:tc>
+                <a:tc>
+                  <a:txBody>
+                    <a:bodyPr/>
+                    <a:lstStyle/>
+                    <a:p>
+                      <a:endParaRPr lang="de-DE" sz="1050" dirty="0"/>
+                    </a:p>
+                  </a:txBody>
+                  <a:tcPr>
+                    <a:solidFill>
+                      <a:srgbClr val="41CF41"/>
+                    </a:solidFill>
+                  </a:tcPr>
+                </a:tc>
                 <a:extLst>
                   <a:ext uri="{0D108BD9-81ED-4DB2-BD59-A6C34878D82A}">
                     <a16:rowId xmlns:a16="http://schemas.microsoft.com/office/drawing/2014/main" val="334072396"/>
                   </a:ext>
                 </a:extLst>
               </a:tr>
-              <a:tr h="290874">
+              <a:tr h="311260">
                 <a:tc>
                   <a:txBody>
                     <a:bodyPr/>
@@ -36236,13 +36333,41 @@
                     </a:solidFill>
                   </a:tcPr>
                 </a:tc>
+                <a:tc>
+                  <a:txBody>
+                    <a:bodyPr/>
+                    <a:lstStyle/>
+                    <a:p>
+                      <a:endParaRPr lang="de-DE" sz="1050" dirty="0"/>
+                    </a:p>
+                  </a:txBody>
+                  <a:tcPr>
+                    <a:solidFill>
+                      <a:srgbClr val="41CF41"/>
+                    </a:solidFill>
+                  </a:tcPr>
+                </a:tc>
+                <a:tc>
+                  <a:txBody>
+                    <a:bodyPr/>
+                    <a:lstStyle/>
+                    <a:p>
+                      <a:endParaRPr lang="de-DE" sz="1050" dirty="0"/>
+                    </a:p>
+                  </a:txBody>
+                  <a:tcPr>
+                    <a:solidFill>
+                      <a:srgbClr val="41CF41"/>
+                    </a:solidFill>
+                  </a:tcPr>
+                </a:tc>
                 <a:extLst>
                   <a:ext uri="{0D108BD9-81ED-4DB2-BD59-A6C34878D82A}">
                     <a16:rowId xmlns:a16="http://schemas.microsoft.com/office/drawing/2014/main" val="1220313647"/>
                   </a:ext>
                 </a:extLst>
               </a:tr>
-              <a:tr h="451177">
+              <a:tr h="489243">
                 <a:tc>
                   <a:txBody>
                     <a:bodyPr/>
@@ -36280,12 +36405,15 @@
                     <a:lstStyle/>
                     <a:p>
                       <a:pPr algn="ctr"/>
-                      <a:endParaRPr lang="de-DE" sz="1050" dirty="0"/>
+                      <a:r>
+                        <a:rPr lang="de-DE" sz="1050" dirty="0"/>
+                        <a:t>X</a:t>
+                      </a:r>
                     </a:p>
                   </a:txBody>
                   <a:tcPr>
                     <a:solidFill>
-                      <a:srgbClr val="41CF41"/>
+                      <a:srgbClr val="FF0000"/>
                     </a:solidFill>
                   </a:tcPr>
                 </a:tc>
@@ -36313,12 +36441,49 @@
                     <a:lstStyle/>
                     <a:p>
                       <a:pPr algn="ctr"/>
-                      <a:endParaRPr lang="de-DE" sz="1050" dirty="0"/>
+                      <a:r>
+                        <a:rPr lang="de-DE" sz="1050" dirty="0"/>
+                        <a:t>X</a:t>
+                      </a:r>
                     </a:p>
                   </a:txBody>
                   <a:tcPr>
                     <a:solidFill>
-                      <a:srgbClr val="41CF41"/>
+                      <a:srgbClr val="FF0000"/>
+                    </a:solidFill>
+                  </a:tcPr>
+                </a:tc>
+                <a:tc>
+                  <a:txBody>
+                    <a:bodyPr/>
+                    <a:lstStyle/>
+                    <a:p>
+                      <a:r>
+                        <a:rPr lang="de-DE" sz="1050" dirty="0"/>
+                        <a:t>X</a:t>
+                      </a:r>
+                    </a:p>
+                  </a:txBody>
+                  <a:tcPr>
+                    <a:solidFill>
+                      <a:srgbClr val="FF0000"/>
+                    </a:solidFill>
+                  </a:tcPr>
+                </a:tc>
+                <a:tc>
+                  <a:txBody>
+                    <a:bodyPr/>
+                    <a:lstStyle/>
+                    <a:p>
+                      <a:r>
+                        <a:rPr lang="de-DE" sz="1050" dirty="0"/>
+                        <a:t>X</a:t>
+                      </a:r>
+                    </a:p>
+                  </a:txBody>
+                  <a:tcPr>
+                    <a:solidFill>
+                      <a:srgbClr val="FF0000"/>
                     </a:solidFill>
                   </a:tcPr>
                 </a:tc>
@@ -36349,7 +36514,7 @@
     </p:spTree>
     <p:extLst>
       <p:ext uri="{BB962C8B-B14F-4D97-AF65-F5344CB8AC3E}">
-        <p14:creationId xmlns:p14="http://schemas.microsoft.com/office/powerpoint/2010/main" val="516640494"/>
+        <p14:creationId xmlns:p14="http://schemas.microsoft.com/office/powerpoint/2010/main" val="1372425967"/>
       </p:ext>
     </p:extLst>
   </p:cSld>
@@ -36360,6 +36525,72 @@
 </file>
 
 <file path=ppt/slides/slide11.xml><?xml version="1.0" encoding="utf-8"?>
+<p:sld xmlns:a="http://schemas.openxmlformats.org/drawingml/2006/main" xmlns:r="http://schemas.openxmlformats.org/officeDocument/2006/relationships" xmlns:p="http://schemas.openxmlformats.org/presentationml/2006/main">
+  <p:cSld>
+    <p:spTree>
+      <p:nvGrpSpPr>
+        <p:cNvPr id="1" name=""/>
+        <p:cNvGrpSpPr/>
+        <p:nvPr/>
+      </p:nvGrpSpPr>
+      <p:grpSpPr>
+        <a:xfrm>
+          <a:off x="0" y="0"/>
+          <a:ext cx="0" cy="0"/>
+          <a:chOff x="0" y="0"/>
+          <a:chExt cx="0" cy="0"/>
+        </a:xfrm>
+      </p:grpSpPr>
+      <p:sp>
+        <p:nvSpPr>
+          <p:cNvPr id="3" name="Inhaltsplatzhalter 2"/>
+          <p:cNvSpPr>
+            <a:spLocks noGrp="1"/>
+          </p:cNvSpPr>
+          <p:nvPr>
+            <p:ph idx="1"/>
+          </p:nvPr>
+        </p:nvSpPr>
+        <p:spPr>
+          <a:xfrm>
+            <a:off x="877389" y="2374264"/>
+            <a:ext cx="10515600" cy="4351338"/>
+          </a:xfrm>
+        </p:spPr>
+        <p:txBody>
+          <a:bodyPr>
+            <a:normAutofit/>
+          </a:bodyPr>
+          <a:lstStyle/>
+          <a:p>
+            <a:pPr marL="0" indent="0">
+              <a:buNone/>
+            </a:pPr>
+            <a:r>
+              <a:rPr lang="de-DE" sz="8800" dirty="0">
+                <a:solidFill>
+                  <a:srgbClr val="FF0000"/>
+                </a:solidFill>
+              </a:rPr>
+              <a:t> = 100% Projekterfolg</a:t>
+            </a:r>
+          </a:p>
+        </p:txBody>
+      </p:sp>
+    </p:spTree>
+    <p:extLst>
+      <p:ext uri="{BB962C8B-B14F-4D97-AF65-F5344CB8AC3E}">
+        <p14:creationId xmlns:p14="http://schemas.microsoft.com/office/powerpoint/2010/main" val="998353860"/>
+      </p:ext>
+    </p:extLst>
+  </p:cSld>
+  <p:clrMapOvr>
+    <a:masterClrMapping/>
+  </p:clrMapOvr>
+</p:sld>
+</file>
+
+<file path=ppt/slides/slide12.xml><?xml version="1.0" encoding="utf-8"?>
 <p:sld xmlns:a="http://schemas.openxmlformats.org/drawingml/2006/main" xmlns:r="http://schemas.openxmlformats.org/officeDocument/2006/relationships" xmlns:p="http://schemas.openxmlformats.org/presentationml/2006/main">
   <p:cSld>
     <p:spTree>
@@ -36526,7 +36757,7 @@
 </p:sld>
 </file>
 
-<file path=ppt/slides/slide12.xml><?xml version="1.0" encoding="utf-8"?>
+<file path=ppt/slides/slide13.xml><?xml version="1.0" encoding="utf-8"?>
 <p:sld xmlns:a="http://schemas.openxmlformats.org/drawingml/2006/main" xmlns:r="http://schemas.openxmlformats.org/officeDocument/2006/relationships" xmlns:p="http://schemas.openxmlformats.org/presentationml/2006/main">
   <p:cSld>
     <p:spTree>
@@ -36596,7 +36827,7 @@
 </p:sld>
 </file>
 
-<file path=ppt/slides/slide13.xml><?xml version="1.0" encoding="utf-8"?>
+<file path=ppt/slides/slide14.xml><?xml version="1.0" encoding="utf-8"?>
 <p:sld xmlns:a="http://schemas.openxmlformats.org/drawingml/2006/main" xmlns:r="http://schemas.openxmlformats.org/officeDocument/2006/relationships" xmlns:p="http://schemas.openxmlformats.org/presentationml/2006/main">
   <p:cSld>
     <p:spTree>
@@ -36670,7 +36901,7 @@
 </p:sld>
 </file>
 
-<file path=ppt/slides/slide14.xml><?xml version="1.0" encoding="utf-8"?>
+<file path=ppt/slides/slide15.xml><?xml version="1.0" encoding="utf-8"?>
 <p:sld xmlns:a="http://schemas.openxmlformats.org/drawingml/2006/main" xmlns:r="http://schemas.openxmlformats.org/officeDocument/2006/relationships" xmlns:p="http://schemas.openxmlformats.org/presentationml/2006/main">
   <p:cSld>
     <p:spTree>
@@ -36714,12 +36945,16 @@
           <p:cNvPr id="5" name="Diagramm 4"/>
           <p:cNvGraphicFramePr/>
           <p:nvPr>
-            <p:extLst/>
+            <p:extLst>
+              <p:ext uri="{D42A27DB-BD31-4B8C-83A1-F6EECF244321}">
+                <p14:modId xmlns:p14="http://schemas.microsoft.com/office/powerpoint/2010/main" val="3665279459"/>
+              </p:ext>
+            </p:extLst>
           </p:nvPr>
         </p:nvGraphicFramePr>
         <p:xfrm>
-          <a:off x="880533" y="254001"/>
-          <a:ext cx="10405534" cy="6603999"/>
+          <a:off x="171450" y="1"/>
+          <a:ext cx="11858625" cy="6857999"/>
         </p:xfrm>
         <a:graphic>
           <a:graphicData uri="http://schemas.openxmlformats.org/drawingml/2006/diagram">
@@ -36740,7 +36975,7 @@
 </p:sld>
 </file>
 
-<file path=ppt/slides/slide15.xml><?xml version="1.0" encoding="utf-8"?>
+<file path=ppt/slides/slide16.xml><?xml version="1.0" encoding="utf-8"?>
 <p:sld xmlns:a="http://schemas.openxmlformats.org/drawingml/2006/main" xmlns:r="http://schemas.openxmlformats.org/officeDocument/2006/relationships" xmlns:p="http://schemas.openxmlformats.org/presentationml/2006/main">
   <p:cSld>
     <p:spTree>
@@ -36907,7 +37142,7 @@
 </p:sld>
 </file>
 
-<file path=ppt/slides/slide16.xml><?xml version="1.0" encoding="utf-8"?>
+<file path=ppt/slides/slide17.xml><?xml version="1.0" encoding="utf-8"?>
 <p:sld xmlns:a="http://schemas.openxmlformats.org/drawingml/2006/main" xmlns:r="http://schemas.openxmlformats.org/officeDocument/2006/relationships" xmlns:p="http://schemas.openxmlformats.org/presentationml/2006/main">
   <p:cSld>
     <p:spTree>
@@ -37101,7 +37336,7 @@
 </p:sld>
 </file>
 
-<file path=ppt/slides/slide17.xml><?xml version="1.0" encoding="utf-8"?>
+<file path=ppt/slides/slide18.xml><?xml version="1.0" encoding="utf-8"?>
 <p:sld xmlns:a="http://schemas.openxmlformats.org/drawingml/2006/main" xmlns:r="http://schemas.openxmlformats.org/officeDocument/2006/relationships" xmlns:p="http://schemas.openxmlformats.org/presentationml/2006/main">
   <p:cSld>
     <p:spTree>
@@ -37155,60 +37390,6 @@
 </p:sld>
 </file>
 
-<file path=ppt/slides/slide18.xml><?xml version="1.0" encoding="utf-8"?>
-<p:sld xmlns:a="http://schemas.openxmlformats.org/drawingml/2006/main" xmlns:r="http://schemas.openxmlformats.org/officeDocument/2006/relationships" xmlns:p="http://schemas.openxmlformats.org/presentationml/2006/main">
-  <p:cSld>
-    <p:spTree>
-      <p:nvGrpSpPr>
-        <p:cNvPr id="1" name=""/>
-        <p:cNvGrpSpPr/>
-        <p:nvPr/>
-      </p:nvGrpSpPr>
-      <p:grpSpPr>
-        <a:xfrm>
-          <a:off x="0" y="0"/>
-          <a:ext cx="0" cy="0"/>
-          <a:chOff x="0" y="0"/>
-          <a:chExt cx="0" cy="0"/>
-        </a:xfrm>
-      </p:grpSpPr>
-      <p:pic>
-        <p:nvPicPr>
-          <p:cNvPr id="4" name="Grafik 3"/>
-          <p:cNvPicPr>
-            <a:picLocks noChangeAspect="1"/>
-          </p:cNvPicPr>
-          <p:nvPr/>
-        </p:nvPicPr>
-        <p:blipFill>
-          <a:blip r:embed="rId2"/>
-          <a:stretch>
-            <a:fillRect/>
-          </a:stretch>
-        </p:blipFill>
-        <p:spPr>
-          <a:xfrm>
-            <a:off x="-84221" y="0"/>
-            <a:ext cx="12276221" cy="6858000"/>
-          </a:xfrm>
-          <a:prstGeom prst="rect">
-            <a:avLst/>
-          </a:prstGeom>
-        </p:spPr>
-      </p:pic>
-    </p:spTree>
-    <p:extLst>
-      <p:ext uri="{BB962C8B-B14F-4D97-AF65-F5344CB8AC3E}">
-        <p14:creationId xmlns:p14="http://schemas.microsoft.com/office/powerpoint/2010/main" val="1131617142"/>
-      </p:ext>
-    </p:extLst>
-  </p:cSld>
-  <p:clrMapOvr>
-    <a:masterClrMapping/>
-  </p:clrMapOvr>
-</p:sld>
-</file>
-
 <file path=ppt/slides/slide19.xml><?xml version="1.0" encoding="utf-8"?>
 <p:sld xmlns:a="http://schemas.openxmlformats.org/drawingml/2006/main" xmlns:r="http://schemas.openxmlformats.org/officeDocument/2006/relationships" xmlns:p="http://schemas.openxmlformats.org/presentationml/2006/main">
   <p:cSld>
@@ -37228,7 +37409,7 @@
       </p:grpSpPr>
       <p:pic>
         <p:nvPicPr>
-          <p:cNvPr id="7" name="Grafik 6"/>
+          <p:cNvPr id="3" name="Grafik 2"/>
           <p:cNvPicPr>
             <a:picLocks noChangeAspect="1"/>
           </p:cNvPicPr>
@@ -37242,24 +37423,295 @@
         </p:blipFill>
         <p:spPr>
           <a:xfrm>
-            <a:off x="-166688" y="61912"/>
-            <a:ext cx="12525375" cy="6734175"/>
+            <a:off x="0" y="-28576"/>
+            <a:ext cx="12192000" cy="6858000"/>
           </a:xfrm>
           <a:prstGeom prst="rect">
             <a:avLst/>
           </a:prstGeom>
         </p:spPr>
       </p:pic>
+      <p:pic>
+        <p:nvPicPr>
+          <p:cNvPr id="5" name="Grafik 4"/>
+          <p:cNvPicPr>
+            <a:picLocks noChangeAspect="1"/>
+          </p:cNvPicPr>
+          <p:nvPr/>
+        </p:nvPicPr>
+        <p:blipFill>
+          <a:blip r:embed="rId3"/>
+          <a:stretch>
+            <a:fillRect/>
+          </a:stretch>
+        </p:blipFill>
+        <p:spPr>
+          <a:xfrm>
+            <a:off x="6897324" y="1294856"/>
+            <a:ext cx="4227247" cy="2134144"/>
+          </a:xfrm>
+          <a:prstGeom prst="rect">
+            <a:avLst/>
+          </a:prstGeom>
+          <a:ln>
+            <a:solidFill>
+              <a:srgbClr val="FF0000"/>
+            </a:solidFill>
+          </a:ln>
+        </p:spPr>
+      </p:pic>
+      <p:pic>
+        <p:nvPicPr>
+          <p:cNvPr id="1026" name="Picture 2" descr="http://www.supportnet.de/articleimage/2374057/logo.png"/>
+          <p:cNvPicPr>
+            <a:picLocks noChangeAspect="1" noChangeArrowheads="1"/>
+          </p:cNvPicPr>
+          <p:nvPr/>
+        </p:nvPicPr>
+        <p:blipFill>
+          <a:blip r:embed="rId4">
+            <a:extLst>
+              <a:ext uri="{28A0092B-C50C-407E-A947-70E740481C1C}">
+                <a14:useLocalDpi xmlns:a14="http://schemas.microsoft.com/office/drawing/2010/main" val="0"/>
+              </a:ext>
+            </a:extLst>
+          </a:blip>
+          <a:srcRect/>
+          <a:stretch>
+            <a:fillRect/>
+          </a:stretch>
+        </p:blipFill>
+        <p:spPr bwMode="auto">
+          <a:xfrm>
+            <a:off x="5380718" y="5228862"/>
+            <a:ext cx="471442" cy="471442"/>
+          </a:xfrm>
+          <a:prstGeom prst="rect">
+            <a:avLst/>
+          </a:prstGeom>
+          <a:noFill/>
+          <a:ln>
+            <a:solidFill>
+              <a:srgbClr val="FF0000"/>
+            </a:solidFill>
+          </a:ln>
+          <a:extLst>
+            <a:ext uri="{909E8E84-426E-40DD-AFC4-6F175D3DCCD1}">
+              <a14:hiddenFill xmlns:a14="http://schemas.microsoft.com/office/drawing/2010/main">
+                <a:solidFill>
+                  <a:srgbClr val="FFFFFF"/>
+                </a:solidFill>
+              </a14:hiddenFill>
+            </a:ext>
+          </a:extLst>
+        </p:spPr>
+      </p:pic>
+      <p:sp>
+        <p:nvSpPr>
+          <p:cNvPr id="6" name="Rechteck 5"/>
+          <p:cNvSpPr/>
+          <p:nvPr/>
+        </p:nvSpPr>
+        <p:spPr>
+          <a:xfrm>
+            <a:off x="9215438" y="128588"/>
+            <a:ext cx="1071562" cy="357187"/>
+          </a:xfrm>
+          <a:prstGeom prst="rect">
+            <a:avLst/>
+          </a:prstGeom>
+          <a:noFill/>
+          <a:ln>
+            <a:solidFill>
+              <a:srgbClr val="FF0000"/>
+            </a:solidFill>
+          </a:ln>
+        </p:spPr>
+        <p:style>
+          <a:lnRef idx="2">
+            <a:schemeClr val="accent1">
+              <a:shade val="50000"/>
+            </a:schemeClr>
+          </a:lnRef>
+          <a:fillRef idx="1">
+            <a:schemeClr val="accent1"/>
+          </a:fillRef>
+          <a:effectRef idx="0">
+            <a:schemeClr val="accent1"/>
+          </a:effectRef>
+          <a:fontRef idx="minor">
+            <a:schemeClr val="lt1"/>
+          </a:fontRef>
+        </p:style>
+        <p:txBody>
+          <a:bodyPr rtlCol="0" anchor="ctr"/>
+          <a:lstStyle/>
+          <a:p>
+            <a:pPr algn="ctr"/>
+            <a:endParaRPr lang="de-DE"/>
+          </a:p>
+        </p:txBody>
+      </p:sp>
     </p:spTree>
     <p:extLst>
       <p:ext uri="{BB962C8B-B14F-4D97-AF65-F5344CB8AC3E}">
-        <p14:creationId xmlns:p14="http://schemas.microsoft.com/office/powerpoint/2010/main" val="3035842658"/>
+        <p14:creationId xmlns:p14="http://schemas.microsoft.com/office/powerpoint/2010/main" val="1131617142"/>
       </p:ext>
     </p:extLst>
   </p:cSld>
   <p:clrMapOvr>
     <a:masterClrMapping/>
   </p:clrMapOvr>
+  <p:timing>
+    <p:tnLst>
+      <p:par>
+        <p:cTn id="1" dur="indefinite" restart="never" nodeType="tmRoot">
+          <p:childTnLst>
+            <p:seq concurrent="1" nextAc="seek">
+              <p:cTn id="2" dur="indefinite" nodeType="mainSeq">
+                <p:childTnLst>
+                  <p:par>
+                    <p:cTn id="3" fill="hold">
+                      <p:stCondLst>
+                        <p:cond delay="indefinite"/>
+                      </p:stCondLst>
+                      <p:childTnLst>
+                        <p:par>
+                          <p:cTn id="4" fill="hold">
+                            <p:stCondLst>
+                              <p:cond delay="0"/>
+                            </p:stCondLst>
+                            <p:childTnLst>
+                              <p:par>
+                                <p:cTn id="5" presetID="1" presetClass="entr" presetSubtype="0" fill="hold" nodeType="clickEffect">
+                                  <p:stCondLst>
+                                    <p:cond delay="0"/>
+                                  </p:stCondLst>
+                                  <p:childTnLst>
+                                    <p:set>
+                                      <p:cBhvr>
+                                        <p:cTn id="6" dur="1" fill="hold">
+                                          <p:stCondLst>
+                                            <p:cond delay="0"/>
+                                          </p:stCondLst>
+                                        </p:cTn>
+                                        <p:tgtEl>
+                                          <p:spTgt spid="1026"/>
+                                        </p:tgtEl>
+                                        <p:attrNameLst>
+                                          <p:attrName>style.visibility</p:attrName>
+                                        </p:attrNameLst>
+                                      </p:cBhvr>
+                                      <p:to>
+                                        <p:strVal val="visible"/>
+                                      </p:to>
+                                    </p:set>
+                                  </p:childTnLst>
+                                </p:cTn>
+                              </p:par>
+                              <p:par>
+                                <p:cTn id="7" presetID="1" presetClass="entr" presetSubtype="0" fill="hold" nodeType="withEffect">
+                                  <p:stCondLst>
+                                    <p:cond delay="0"/>
+                                  </p:stCondLst>
+                                  <p:childTnLst>
+                                    <p:set>
+                                      <p:cBhvr>
+                                        <p:cTn id="8" dur="1" fill="hold">
+                                          <p:stCondLst>
+                                            <p:cond delay="0"/>
+                                          </p:stCondLst>
+                                        </p:cTn>
+                                        <p:tgtEl>
+                                          <p:spTgt spid="5"/>
+                                        </p:tgtEl>
+                                        <p:attrNameLst>
+                                          <p:attrName>style.visibility</p:attrName>
+                                        </p:attrNameLst>
+                                      </p:cBhvr>
+                                      <p:to>
+                                        <p:strVal val="visible"/>
+                                      </p:to>
+                                    </p:set>
+                                  </p:childTnLst>
+                                </p:cTn>
+                              </p:par>
+                            </p:childTnLst>
+                          </p:cTn>
+                        </p:par>
+                      </p:childTnLst>
+                    </p:cTn>
+                  </p:par>
+                  <p:par>
+                    <p:cTn id="9" fill="hold">
+                      <p:stCondLst>
+                        <p:cond delay="indefinite"/>
+                      </p:stCondLst>
+                      <p:childTnLst>
+                        <p:par>
+                          <p:cTn id="10" fill="hold">
+                            <p:stCondLst>
+                              <p:cond delay="0"/>
+                            </p:stCondLst>
+                            <p:childTnLst>
+                              <p:par>
+                                <p:cTn id="11" presetID="1" presetClass="entr" presetSubtype="0" fill="hold" grpId="0" nodeType="clickEffect">
+                                  <p:stCondLst>
+                                    <p:cond delay="0"/>
+                                  </p:stCondLst>
+                                  <p:childTnLst>
+                                    <p:set>
+                                      <p:cBhvr>
+                                        <p:cTn id="12" dur="1" fill="hold">
+                                          <p:stCondLst>
+                                            <p:cond delay="0"/>
+                                          </p:stCondLst>
+                                        </p:cTn>
+                                        <p:tgtEl>
+                                          <p:spTgt spid="6"/>
+                                        </p:tgtEl>
+                                        <p:attrNameLst>
+                                          <p:attrName>style.visibility</p:attrName>
+                                        </p:attrNameLst>
+                                      </p:cBhvr>
+                                      <p:to>
+                                        <p:strVal val="visible"/>
+                                      </p:to>
+                                    </p:set>
+                                  </p:childTnLst>
+                                </p:cTn>
+                              </p:par>
+                            </p:childTnLst>
+                          </p:cTn>
+                        </p:par>
+                      </p:childTnLst>
+                    </p:cTn>
+                  </p:par>
+                </p:childTnLst>
+              </p:cTn>
+              <p:prevCondLst>
+                <p:cond evt="onPrev" delay="0">
+                  <p:tgtEl>
+                    <p:sldTgt/>
+                  </p:tgtEl>
+                </p:cond>
+              </p:prevCondLst>
+              <p:nextCondLst>
+                <p:cond evt="onNext" delay="0">
+                  <p:tgtEl>
+                    <p:sldTgt/>
+                  </p:tgtEl>
+                </p:cond>
+              </p:nextCondLst>
+            </p:seq>
+          </p:childTnLst>
+        </p:cTn>
+      </p:par>
+    </p:tnLst>
+    <p:bldLst>
+      <p:bldP spid="6" grpId="0" animBg="1"/>
+    </p:bldLst>
+  </p:timing>
 </p:sld>
 </file>
 
@@ -37386,6 +37838,184 @@
       </p:grpSpPr>
       <p:pic>
         <p:nvPicPr>
+          <p:cNvPr id="7" name="Grafik 6"/>
+          <p:cNvPicPr>
+            <a:picLocks noChangeAspect="1"/>
+          </p:cNvPicPr>
+          <p:nvPr/>
+        </p:nvPicPr>
+        <p:blipFill>
+          <a:blip r:embed="rId2"/>
+          <a:stretch>
+            <a:fillRect/>
+          </a:stretch>
+        </p:blipFill>
+        <p:spPr>
+          <a:xfrm>
+            <a:off x="1" y="0"/>
+            <a:ext cx="12192000" cy="6858000"/>
+          </a:xfrm>
+          <a:prstGeom prst="rect">
+            <a:avLst/>
+          </a:prstGeom>
+        </p:spPr>
+      </p:pic>
+      <p:sp>
+        <p:nvSpPr>
+          <p:cNvPr id="2" name="Rechteck 1"/>
+          <p:cNvSpPr/>
+          <p:nvPr/>
+        </p:nvSpPr>
+        <p:spPr>
+          <a:xfrm>
+            <a:off x="8586788" y="100013"/>
+            <a:ext cx="771525" cy="400050"/>
+          </a:xfrm>
+          <a:prstGeom prst="rect">
+            <a:avLst/>
+          </a:prstGeom>
+          <a:noFill/>
+          <a:ln>
+            <a:solidFill>
+              <a:srgbClr val="FF0000"/>
+            </a:solidFill>
+          </a:ln>
+        </p:spPr>
+        <p:style>
+          <a:lnRef idx="2">
+            <a:schemeClr val="accent1">
+              <a:shade val="50000"/>
+            </a:schemeClr>
+          </a:lnRef>
+          <a:fillRef idx="1">
+            <a:schemeClr val="accent1"/>
+          </a:fillRef>
+          <a:effectRef idx="0">
+            <a:schemeClr val="accent1"/>
+          </a:effectRef>
+          <a:fontRef idx="minor">
+            <a:schemeClr val="lt1"/>
+          </a:fontRef>
+        </p:style>
+        <p:txBody>
+          <a:bodyPr rtlCol="0" anchor="ctr"/>
+          <a:lstStyle/>
+          <a:p>
+            <a:pPr algn="ctr"/>
+            <a:endParaRPr lang="de-DE"/>
+          </a:p>
+        </p:txBody>
+      </p:sp>
+    </p:spTree>
+    <p:extLst>
+      <p:ext uri="{BB962C8B-B14F-4D97-AF65-F5344CB8AC3E}">
+        <p14:creationId xmlns:p14="http://schemas.microsoft.com/office/powerpoint/2010/main" val="3035842658"/>
+      </p:ext>
+    </p:extLst>
+  </p:cSld>
+  <p:clrMapOvr>
+    <a:masterClrMapping/>
+  </p:clrMapOvr>
+  <p:timing>
+    <p:tnLst>
+      <p:par>
+        <p:cTn id="1" dur="indefinite" restart="never" nodeType="tmRoot">
+          <p:childTnLst>
+            <p:seq concurrent="1" nextAc="seek">
+              <p:cTn id="2" dur="indefinite" nodeType="mainSeq">
+                <p:childTnLst>
+                  <p:par>
+                    <p:cTn id="3" fill="hold">
+                      <p:stCondLst>
+                        <p:cond delay="indefinite"/>
+                      </p:stCondLst>
+                      <p:childTnLst>
+                        <p:par>
+                          <p:cTn id="4" fill="hold">
+                            <p:stCondLst>
+                              <p:cond delay="0"/>
+                            </p:stCondLst>
+                            <p:childTnLst>
+                              <p:par>
+                                <p:cTn id="5" presetID="1" presetClass="entr" presetSubtype="0" fill="hold" grpId="0" nodeType="clickEffect">
+                                  <p:stCondLst>
+                                    <p:cond delay="0"/>
+                                  </p:stCondLst>
+                                  <p:childTnLst>
+                                    <p:set>
+                                      <p:cBhvr>
+                                        <p:cTn id="6" dur="1" fill="hold">
+                                          <p:stCondLst>
+                                            <p:cond delay="0"/>
+                                          </p:stCondLst>
+                                        </p:cTn>
+                                        <p:tgtEl>
+                                          <p:spTgt spid="2"/>
+                                        </p:tgtEl>
+                                        <p:attrNameLst>
+                                          <p:attrName>style.visibility</p:attrName>
+                                        </p:attrNameLst>
+                                      </p:cBhvr>
+                                      <p:to>
+                                        <p:strVal val="visible"/>
+                                      </p:to>
+                                    </p:set>
+                                  </p:childTnLst>
+                                </p:cTn>
+                              </p:par>
+                            </p:childTnLst>
+                          </p:cTn>
+                        </p:par>
+                      </p:childTnLst>
+                    </p:cTn>
+                  </p:par>
+                </p:childTnLst>
+              </p:cTn>
+              <p:prevCondLst>
+                <p:cond evt="onPrev" delay="0">
+                  <p:tgtEl>
+                    <p:sldTgt/>
+                  </p:tgtEl>
+                </p:cond>
+              </p:prevCondLst>
+              <p:nextCondLst>
+                <p:cond evt="onNext" delay="0">
+                  <p:tgtEl>
+                    <p:sldTgt/>
+                  </p:tgtEl>
+                </p:cond>
+              </p:nextCondLst>
+            </p:seq>
+          </p:childTnLst>
+        </p:cTn>
+      </p:par>
+    </p:tnLst>
+    <p:bldLst>
+      <p:bldP spid="2" grpId="0" animBg="1"/>
+    </p:bldLst>
+  </p:timing>
+</p:sld>
+</file>
+
+<file path=ppt/slides/slide21.xml><?xml version="1.0" encoding="utf-8"?>
+<p:sld xmlns:a="http://schemas.openxmlformats.org/drawingml/2006/main" xmlns:r="http://schemas.openxmlformats.org/officeDocument/2006/relationships" xmlns:p="http://schemas.openxmlformats.org/presentationml/2006/main">
+  <p:cSld>
+    <p:spTree>
+      <p:nvGrpSpPr>
+        <p:cNvPr id="1" name=""/>
+        <p:cNvGrpSpPr/>
+        <p:nvPr/>
+      </p:nvGrpSpPr>
+      <p:grpSpPr>
+        <a:xfrm>
+          <a:off x="0" y="0"/>
+          <a:ext cx="0" cy="0"/>
+          <a:chOff x="0" y="0"/>
+          <a:chExt cx="0" cy="0"/>
+        </a:xfrm>
+      </p:grpSpPr>
+      <p:pic>
+        <p:nvPicPr>
           <p:cNvPr id="5" name="Grafik 4"/>
           <p:cNvPicPr>
             <a:picLocks noChangeAspect="1"/>
@@ -37424,14 +38054,60 @@
         </p:blipFill>
         <p:spPr>
           <a:xfrm>
-            <a:off x="-157163" y="147637"/>
-            <a:ext cx="12506325" cy="6562725"/>
+            <a:off x="0" y="0"/>
+            <a:ext cx="12192000" cy="6857999"/>
           </a:xfrm>
           <a:prstGeom prst="rect">
             <a:avLst/>
           </a:prstGeom>
         </p:spPr>
       </p:pic>
+      <p:sp>
+        <p:nvSpPr>
+          <p:cNvPr id="2" name="Rechteck 1"/>
+          <p:cNvSpPr/>
+          <p:nvPr/>
+        </p:nvSpPr>
+        <p:spPr>
+          <a:xfrm>
+            <a:off x="3800475" y="800100"/>
+            <a:ext cx="6700838" cy="2257425"/>
+          </a:xfrm>
+          <a:prstGeom prst="rect">
+            <a:avLst/>
+          </a:prstGeom>
+          <a:noFill/>
+          <a:ln>
+            <a:solidFill>
+              <a:srgbClr val="FF0000"/>
+            </a:solidFill>
+          </a:ln>
+        </p:spPr>
+        <p:style>
+          <a:lnRef idx="2">
+            <a:schemeClr val="accent1">
+              <a:shade val="50000"/>
+            </a:schemeClr>
+          </a:lnRef>
+          <a:fillRef idx="1">
+            <a:schemeClr val="accent1"/>
+          </a:fillRef>
+          <a:effectRef idx="0">
+            <a:schemeClr val="accent1"/>
+          </a:effectRef>
+          <a:fontRef idx="minor">
+            <a:schemeClr val="lt1"/>
+          </a:fontRef>
+        </p:style>
+        <p:txBody>
+          <a:bodyPr rtlCol="0" anchor="ctr"/>
+          <a:lstStyle/>
+          <a:p>
+            <a:pPr algn="ctr"/>
+            <a:endParaRPr lang="de-DE"/>
+          </a:p>
+        </p:txBody>
+      </p:sp>
     </p:spTree>
     <p:extLst>
       <p:ext uri="{BB962C8B-B14F-4D97-AF65-F5344CB8AC3E}">
@@ -37442,10 +38118,241 @@
   <p:clrMapOvr>
     <a:masterClrMapping/>
   </p:clrMapOvr>
+  <p:timing>
+    <p:tnLst>
+      <p:par>
+        <p:cTn id="1" dur="indefinite" restart="never" nodeType="tmRoot">
+          <p:childTnLst>
+            <p:seq concurrent="1" nextAc="seek">
+              <p:cTn id="2" dur="indefinite" nodeType="mainSeq">
+                <p:childTnLst>
+                  <p:par>
+                    <p:cTn id="3" fill="hold">
+                      <p:stCondLst>
+                        <p:cond delay="indefinite"/>
+                      </p:stCondLst>
+                      <p:childTnLst>
+                        <p:par>
+                          <p:cTn id="4" fill="hold">
+                            <p:stCondLst>
+                              <p:cond delay="0"/>
+                            </p:stCondLst>
+                            <p:childTnLst>
+                              <p:par>
+                                <p:cTn id="5" presetID="1" presetClass="entr" presetSubtype="0" fill="hold" grpId="0" nodeType="clickEffect">
+                                  <p:stCondLst>
+                                    <p:cond delay="0"/>
+                                  </p:stCondLst>
+                                  <p:childTnLst>
+                                    <p:set>
+                                      <p:cBhvr>
+                                        <p:cTn id="6" dur="1" fill="hold">
+                                          <p:stCondLst>
+                                            <p:cond delay="0"/>
+                                          </p:stCondLst>
+                                        </p:cTn>
+                                        <p:tgtEl>
+                                          <p:spTgt spid="2"/>
+                                        </p:tgtEl>
+                                        <p:attrNameLst>
+                                          <p:attrName>style.visibility</p:attrName>
+                                        </p:attrNameLst>
+                                      </p:cBhvr>
+                                      <p:to>
+                                        <p:strVal val="visible"/>
+                                      </p:to>
+                                    </p:set>
+                                  </p:childTnLst>
+                                </p:cTn>
+                              </p:par>
+                            </p:childTnLst>
+                          </p:cTn>
+                        </p:par>
+                      </p:childTnLst>
+                    </p:cTn>
+                  </p:par>
+                </p:childTnLst>
+              </p:cTn>
+              <p:prevCondLst>
+                <p:cond evt="onPrev" delay="0">
+                  <p:tgtEl>
+                    <p:sldTgt/>
+                  </p:tgtEl>
+                </p:cond>
+              </p:prevCondLst>
+              <p:nextCondLst>
+                <p:cond evt="onNext" delay="0">
+                  <p:tgtEl>
+                    <p:sldTgt/>
+                  </p:tgtEl>
+                </p:cond>
+              </p:nextCondLst>
+            </p:seq>
+          </p:childTnLst>
+        </p:cTn>
+      </p:par>
+    </p:tnLst>
+    <p:bldLst>
+      <p:bldP spid="2" grpId="0" animBg="1"/>
+    </p:bldLst>
+  </p:timing>
 </p:sld>
 </file>
 
-<file path=ppt/slides/slide21.xml><?xml version="1.0" encoding="utf-8"?>
+<file path=ppt/slides/slide22.xml><?xml version="1.0" encoding="utf-8"?>
+<p:sld xmlns:a="http://schemas.openxmlformats.org/drawingml/2006/main" xmlns:r="http://schemas.openxmlformats.org/officeDocument/2006/relationships" xmlns:p="http://schemas.openxmlformats.org/presentationml/2006/main">
+  <p:cSld>
+    <p:spTree>
+      <p:nvGrpSpPr>
+        <p:cNvPr id="1" name=""/>
+        <p:cNvGrpSpPr/>
+        <p:nvPr/>
+      </p:nvGrpSpPr>
+      <p:grpSpPr>
+        <a:xfrm>
+          <a:off x="0" y="0"/>
+          <a:ext cx="0" cy="0"/>
+          <a:chOff x="0" y="0"/>
+          <a:chExt cx="0" cy="0"/>
+        </a:xfrm>
+      </p:grpSpPr>
+      <p:pic>
+        <p:nvPicPr>
+          <p:cNvPr id="4" name="Grafik 3"/>
+          <p:cNvPicPr>
+            <a:picLocks noChangeAspect="1"/>
+          </p:cNvPicPr>
+          <p:nvPr/>
+        </p:nvPicPr>
+        <p:blipFill>
+          <a:blip r:embed="rId2"/>
+          <a:stretch>
+            <a:fillRect/>
+          </a:stretch>
+        </p:blipFill>
+        <p:spPr>
+          <a:xfrm>
+            <a:off x="0" y="0"/>
+            <a:ext cx="12192000" cy="6858000"/>
+          </a:xfrm>
+          <a:prstGeom prst="rect">
+            <a:avLst/>
+          </a:prstGeom>
+        </p:spPr>
+      </p:pic>
+      <p:pic>
+        <p:nvPicPr>
+          <p:cNvPr id="5" name="Grafik 4"/>
+          <p:cNvPicPr>
+            <a:picLocks noChangeAspect="1"/>
+          </p:cNvPicPr>
+          <p:nvPr/>
+        </p:nvPicPr>
+        <p:blipFill>
+          <a:blip r:embed="rId3"/>
+          <a:stretch>
+            <a:fillRect/>
+          </a:stretch>
+        </p:blipFill>
+        <p:spPr>
+          <a:xfrm>
+            <a:off x="11420475" y="3214687"/>
+            <a:ext cx="828675" cy="2600325"/>
+          </a:xfrm>
+          <a:prstGeom prst="rect">
+            <a:avLst/>
+          </a:prstGeom>
+        </p:spPr>
+      </p:pic>
+    </p:spTree>
+    <p:extLst>
+      <p:ext uri="{BB962C8B-B14F-4D97-AF65-F5344CB8AC3E}">
+        <p14:creationId xmlns:p14="http://schemas.microsoft.com/office/powerpoint/2010/main" val="3828553495"/>
+      </p:ext>
+    </p:extLst>
+  </p:cSld>
+  <p:clrMapOvr>
+    <a:masterClrMapping/>
+  </p:clrMapOvr>
+  <p:timing>
+    <p:tnLst>
+      <p:par>
+        <p:cTn id="1" dur="indefinite" restart="never" nodeType="tmRoot">
+          <p:childTnLst>
+            <p:seq concurrent="1" nextAc="seek">
+              <p:cTn id="2" dur="indefinite" nodeType="mainSeq">
+                <p:childTnLst>
+                  <p:par>
+                    <p:cTn id="3" fill="hold">
+                      <p:stCondLst>
+                        <p:cond delay="indefinite"/>
+                      </p:stCondLst>
+                      <p:childTnLst>
+                        <p:par>
+                          <p:cTn id="4" fill="hold">
+                            <p:stCondLst>
+                              <p:cond delay="0"/>
+                            </p:stCondLst>
+                            <p:childTnLst>
+                              <p:par>
+                                <p:cTn id="5" presetID="1" presetClass="entr" presetSubtype="0" fill="hold" nodeType="clickEffect">
+                                  <p:stCondLst>
+                                    <p:cond delay="0"/>
+                                  </p:stCondLst>
+                                  <p:childTnLst>
+                                    <p:set>
+                                      <p:cBhvr>
+                                        <p:cTn id="6" dur="1" fill="hold">
+                                          <p:stCondLst>
+                                            <p:cond delay="0"/>
+                                          </p:stCondLst>
+                                        </p:cTn>
+                                        <p:tgtEl>
+                                          <p:spTgt spid="5"/>
+                                        </p:tgtEl>
+                                        <p:attrNameLst>
+                                          <p:attrName>style.visibility</p:attrName>
+                                        </p:attrNameLst>
+                                      </p:cBhvr>
+                                      <p:to>
+                                        <p:strVal val="visible"/>
+                                      </p:to>
+                                    </p:set>
+                                  </p:childTnLst>
+                                </p:cTn>
+                              </p:par>
+                            </p:childTnLst>
+                          </p:cTn>
+                        </p:par>
+                      </p:childTnLst>
+                    </p:cTn>
+                  </p:par>
+                </p:childTnLst>
+              </p:cTn>
+              <p:prevCondLst>
+                <p:cond evt="onPrev" delay="0">
+                  <p:tgtEl>
+                    <p:sldTgt/>
+                  </p:tgtEl>
+                </p:cond>
+              </p:prevCondLst>
+              <p:nextCondLst>
+                <p:cond evt="onNext" delay="0">
+                  <p:tgtEl>
+                    <p:sldTgt/>
+                  </p:tgtEl>
+                </p:cond>
+              </p:nextCondLst>
+            </p:seq>
+          </p:childTnLst>
+        </p:cTn>
+      </p:par>
+    </p:tnLst>
+  </p:timing>
+</p:sld>
+</file>
+
+<file path=ppt/slides/slide23.xml><?xml version="1.0" encoding="utf-8"?>
 <p:sld xmlns:a="http://schemas.openxmlformats.org/drawingml/2006/main" xmlns:r="http://schemas.openxmlformats.org/officeDocument/2006/relationships" xmlns:p="http://schemas.openxmlformats.org/presentationml/2006/main">
   <p:cSld>
     <p:spTree>
@@ -37651,7 +38558,7 @@
 </p:sld>
 </file>
 
-<file path=ppt/slides/slide22.xml><?xml version="1.0" encoding="utf-8"?>
+<file path=ppt/slides/slide24.xml><?xml version="1.0" encoding="utf-8"?>
 <p:sld xmlns:a="http://schemas.openxmlformats.org/drawingml/2006/main" xmlns:r="http://schemas.openxmlformats.org/officeDocument/2006/relationships" xmlns:p="http://schemas.openxmlformats.org/presentationml/2006/main">
   <p:cSld>
     <p:spTree>
@@ -37900,7 +38807,7 @@
 </p:sld>
 </file>
 
-<file path=ppt/slides/slide23.xml><?xml version="1.0" encoding="utf-8"?>
+<file path=ppt/slides/slide25.xml><?xml version="1.0" encoding="utf-8"?>
 <p:sld xmlns:a="http://schemas.openxmlformats.org/drawingml/2006/main" xmlns:r="http://schemas.openxmlformats.org/officeDocument/2006/relationships" xmlns:p="http://schemas.openxmlformats.org/presentationml/2006/main">
   <p:cSld>
     <p:spTree>
@@ -37944,7 +38851,11 @@
           <p:cNvPr id="8" name="Diagramm 7"/>
           <p:cNvGraphicFramePr/>
           <p:nvPr>
-            <p:extLst/>
+            <p:extLst>
+              <p:ext uri="{D42A27DB-BD31-4B8C-83A1-F6EECF244321}">
+                <p14:modId xmlns:p14="http://schemas.microsoft.com/office/powerpoint/2010/main" val="929292154"/>
+              </p:ext>
+            </p:extLst>
           </p:nvPr>
         </p:nvGraphicFramePr>
         <p:xfrm>
@@ -37970,7 +38881,7 @@
 </p:sld>
 </file>
 
-<file path=ppt/slides/slide24.xml><?xml version="1.0" encoding="utf-8"?>
+<file path=ppt/slides/slide26.xml><?xml version="1.0" encoding="utf-8"?>
 <p:sld xmlns:a="http://schemas.openxmlformats.org/drawingml/2006/main" xmlns:r="http://schemas.openxmlformats.org/officeDocument/2006/relationships" xmlns:p="http://schemas.openxmlformats.org/presentationml/2006/main">
   <p:cSld>
     <p:spTree>
@@ -38137,7 +39048,7 @@
 </p:sld>
 </file>
 
-<file path=ppt/slides/slide25.xml><?xml version="1.0" encoding="utf-8"?>
+<file path=ppt/slides/slide27.xml><?xml version="1.0" encoding="utf-8"?>
 <p:sld xmlns:a="http://schemas.openxmlformats.org/drawingml/2006/main" xmlns:r="http://schemas.openxmlformats.org/officeDocument/2006/relationships" xmlns:p="http://schemas.openxmlformats.org/presentationml/2006/main">
   <p:cSld>
     <p:spTree>
@@ -39444,7 +40355,7 @@
 </p:sld>
 </file>
 
-<file path=ppt/slides/slide26.xml><?xml version="1.0" encoding="utf-8"?>
+<file path=ppt/slides/slide28.xml><?xml version="1.0" encoding="utf-8"?>
 <p:sld xmlns:a="http://schemas.openxmlformats.org/drawingml/2006/main" xmlns:r="http://schemas.openxmlformats.org/officeDocument/2006/relationships" xmlns:p="http://schemas.openxmlformats.org/presentationml/2006/main">
   <p:cSld>
     <p:spTree>
@@ -39668,7 +40579,7 @@
 </p:sld>
 </file>
 
-<file path=ppt/slides/slide27.xml><?xml version="1.0" encoding="utf-8"?>
+<file path=ppt/slides/slide29.xml><?xml version="1.0" encoding="utf-8"?>
 <p:sld xmlns:a="http://schemas.openxmlformats.org/drawingml/2006/main" xmlns:r="http://schemas.openxmlformats.org/officeDocument/2006/relationships" xmlns:p="http://schemas.openxmlformats.org/presentationml/2006/main">
   <p:cSld>
     <p:spTree>
@@ -40489,7 +41400,182 @@
 </p:sld>
 </file>
 
-<file path=ppt/slides/slide28.xml><?xml version="1.0" encoding="utf-8"?>
+<file path=ppt/slides/slide3.xml><?xml version="1.0" encoding="utf-8"?>
+<p:sld xmlns:a="http://schemas.openxmlformats.org/drawingml/2006/main" xmlns:r="http://schemas.openxmlformats.org/officeDocument/2006/relationships" xmlns:p="http://schemas.openxmlformats.org/presentationml/2006/main">
+  <p:cSld>
+    <p:spTree>
+      <p:nvGrpSpPr>
+        <p:cNvPr id="1" name=""/>
+        <p:cNvGrpSpPr/>
+        <p:nvPr/>
+      </p:nvGrpSpPr>
+      <p:grpSpPr>
+        <a:xfrm>
+          <a:off x="0" y="0"/>
+          <a:ext cx="0" cy="0"/>
+          <a:chOff x="0" y="0"/>
+          <a:chExt cx="0" cy="0"/>
+        </a:xfrm>
+      </p:grpSpPr>
+      <p:pic>
+        <p:nvPicPr>
+          <p:cNvPr id="2" name="Picture 2" descr="http://www.business-netz.com/sites/default/files/bilder/ploetzlich_chef.png"/>
+          <p:cNvPicPr>
+            <a:picLocks noChangeAspect="1" noChangeArrowheads="1"/>
+          </p:cNvPicPr>
+          <p:nvPr/>
+        </p:nvPicPr>
+        <p:blipFill>
+          <a:blip r:embed="rId3">
+            <a:extLst>
+              <a:ext uri="{28A0092B-C50C-407E-A947-70E740481C1C}">
+                <a14:useLocalDpi xmlns:a14="http://schemas.microsoft.com/office/drawing/2010/main" val="0"/>
+              </a:ext>
+            </a:extLst>
+          </a:blip>
+          <a:srcRect/>
+          <a:stretch>
+            <a:fillRect/>
+          </a:stretch>
+        </p:blipFill>
+        <p:spPr bwMode="auto">
+          <a:xfrm>
+            <a:off x="0" y="0"/>
+            <a:ext cx="12192000" cy="6858000"/>
+          </a:xfrm>
+          <a:prstGeom prst="rect">
+            <a:avLst/>
+          </a:prstGeom>
+          <a:noFill/>
+          <a:extLst>
+            <a:ext uri="{909E8E84-426E-40DD-AFC4-6F175D3DCCD1}">
+              <a14:hiddenFill xmlns:a14="http://schemas.microsoft.com/office/drawing/2010/main">
+                <a:solidFill>
+                  <a:srgbClr val="FFFFFF"/>
+                </a:solidFill>
+              </a14:hiddenFill>
+            </a:ext>
+          </a:extLst>
+        </p:spPr>
+      </p:pic>
+      <p:sp>
+        <p:nvSpPr>
+          <p:cNvPr id="6" name="Rechteck 5"/>
+          <p:cNvSpPr/>
+          <p:nvPr/>
+        </p:nvSpPr>
+        <p:spPr>
+          <a:xfrm>
+            <a:off x="800099" y="-4764"/>
+            <a:ext cx="3333749" cy="2395037"/>
+          </a:xfrm>
+          <a:prstGeom prst="rect">
+            <a:avLst/>
+          </a:prstGeom>
+        </p:spPr>
+        <p:style>
+          <a:lnRef idx="2">
+            <a:schemeClr val="dk1">
+              <a:shade val="50000"/>
+            </a:schemeClr>
+          </a:lnRef>
+          <a:fillRef idx="1">
+            <a:schemeClr val="dk1"/>
+          </a:fillRef>
+          <a:effectRef idx="0">
+            <a:schemeClr val="dk1"/>
+          </a:effectRef>
+          <a:fontRef idx="minor">
+            <a:schemeClr val="lt1"/>
+          </a:fontRef>
+        </p:style>
+        <p:txBody>
+          <a:bodyPr rtlCol="0" anchor="ctr"/>
+          <a:lstStyle/>
+          <a:p>
+            <a:pPr algn="ctr"/>
+            <a:endParaRPr lang="en-US" sz="3600" dirty="0">
+              <a:solidFill>
+                <a:schemeClr val="bg1"/>
+              </a:solidFill>
+            </a:endParaRPr>
+          </a:p>
+          <a:p>
+            <a:pPr algn="ctr"/>
+            <a:r>
+              <a:rPr lang="en-US" sz="3600" dirty="0" err="1">
+                <a:solidFill>
+                  <a:schemeClr val="bg1"/>
+                </a:solidFill>
+              </a:rPr>
+              <a:t>Wer</a:t>
+            </a:r>
+            <a:r>
+              <a:rPr lang="en-US" sz="3600" dirty="0">
+                <a:solidFill>
+                  <a:schemeClr val="bg1"/>
+                </a:solidFill>
+              </a:rPr>
+              <a:t>?</a:t>
+            </a:r>
+            <a:endParaRPr lang="de-DE" dirty="0"/>
+          </a:p>
+        </p:txBody>
+      </p:sp>
+      <p:sp>
+        <p:nvSpPr>
+          <p:cNvPr id="7" name="Gleichschenkliges Dreieck 6"/>
+          <p:cNvSpPr/>
+          <p:nvPr/>
+        </p:nvSpPr>
+        <p:spPr>
+          <a:xfrm rot="10800000">
+            <a:off x="800097" y="2390272"/>
+            <a:ext cx="3333750" cy="673770"/>
+          </a:xfrm>
+          <a:prstGeom prst="triangle">
+            <a:avLst/>
+          </a:prstGeom>
+        </p:spPr>
+        <p:style>
+          <a:lnRef idx="2">
+            <a:schemeClr val="dk1">
+              <a:shade val="50000"/>
+            </a:schemeClr>
+          </a:lnRef>
+          <a:fillRef idx="1">
+            <a:schemeClr val="dk1"/>
+          </a:fillRef>
+          <a:effectRef idx="0">
+            <a:schemeClr val="dk1"/>
+          </a:effectRef>
+          <a:fontRef idx="minor">
+            <a:schemeClr val="lt1"/>
+          </a:fontRef>
+        </p:style>
+        <p:txBody>
+          <a:bodyPr rtlCol="0" anchor="ctr"/>
+          <a:lstStyle/>
+          <a:p>
+            <a:pPr algn="ctr"/>
+            <a:endParaRPr lang="de-DE"/>
+          </a:p>
+        </p:txBody>
+      </p:sp>
+    </p:spTree>
+    <p:extLst>
+      <p:ext uri="{BB962C8B-B14F-4D97-AF65-F5344CB8AC3E}">
+        <p14:creationId xmlns:p14="http://schemas.microsoft.com/office/powerpoint/2010/main" val="2670840599"/>
+      </p:ext>
+    </p:extLst>
+  </p:cSld>
+  <p:clrMapOvr>
+    <a:masterClrMapping/>
+  </p:clrMapOvr>
+</p:sld>
+</file>
+
+<file path=ppt/slides/slide30.xml><?xml version="1.0" encoding="utf-8"?>
 <p:sld xmlns:a="http://schemas.openxmlformats.org/drawingml/2006/main" xmlns:r="http://schemas.openxmlformats.org/officeDocument/2006/relationships" xmlns:p="http://schemas.openxmlformats.org/presentationml/2006/main">
   <p:cSld>
     <p:spTree>
@@ -40830,7 +41916,7 @@
 </p:sld>
 </file>
 
-<file path=ppt/slides/slide29.xml><?xml version="1.0" encoding="utf-8"?>
+<file path=ppt/slides/slide31.xml><?xml version="1.0" encoding="utf-8"?>
 <p:sld xmlns:a="http://schemas.openxmlformats.org/drawingml/2006/main" xmlns:r="http://schemas.openxmlformats.org/officeDocument/2006/relationships" xmlns:p="http://schemas.openxmlformats.org/presentationml/2006/main">
   <p:cSld>
     <p:spTree>
@@ -41610,182 +42696,7 @@
 </p:sld>
 </file>
 
-<file path=ppt/slides/slide3.xml><?xml version="1.0" encoding="utf-8"?>
-<p:sld xmlns:a="http://schemas.openxmlformats.org/drawingml/2006/main" xmlns:r="http://schemas.openxmlformats.org/officeDocument/2006/relationships" xmlns:p="http://schemas.openxmlformats.org/presentationml/2006/main">
-  <p:cSld>
-    <p:spTree>
-      <p:nvGrpSpPr>
-        <p:cNvPr id="1" name=""/>
-        <p:cNvGrpSpPr/>
-        <p:nvPr/>
-      </p:nvGrpSpPr>
-      <p:grpSpPr>
-        <a:xfrm>
-          <a:off x="0" y="0"/>
-          <a:ext cx="0" cy="0"/>
-          <a:chOff x="0" y="0"/>
-          <a:chExt cx="0" cy="0"/>
-        </a:xfrm>
-      </p:grpSpPr>
-      <p:pic>
-        <p:nvPicPr>
-          <p:cNvPr id="2" name="Picture 2" descr="http://www.business-netz.com/sites/default/files/bilder/ploetzlich_chef.png"/>
-          <p:cNvPicPr>
-            <a:picLocks noChangeAspect="1" noChangeArrowheads="1"/>
-          </p:cNvPicPr>
-          <p:nvPr/>
-        </p:nvPicPr>
-        <p:blipFill>
-          <a:blip r:embed="rId2">
-            <a:extLst>
-              <a:ext uri="{28A0092B-C50C-407E-A947-70E740481C1C}">
-                <a14:useLocalDpi xmlns:a14="http://schemas.microsoft.com/office/drawing/2010/main" val="0"/>
-              </a:ext>
-            </a:extLst>
-          </a:blip>
-          <a:srcRect/>
-          <a:stretch>
-            <a:fillRect/>
-          </a:stretch>
-        </p:blipFill>
-        <p:spPr bwMode="auto">
-          <a:xfrm>
-            <a:off x="0" y="0"/>
-            <a:ext cx="12192000" cy="6858000"/>
-          </a:xfrm>
-          <a:prstGeom prst="rect">
-            <a:avLst/>
-          </a:prstGeom>
-          <a:noFill/>
-          <a:extLst>
-            <a:ext uri="{909E8E84-426E-40DD-AFC4-6F175D3DCCD1}">
-              <a14:hiddenFill xmlns:a14="http://schemas.microsoft.com/office/drawing/2010/main">
-                <a:solidFill>
-                  <a:srgbClr val="FFFFFF"/>
-                </a:solidFill>
-              </a14:hiddenFill>
-            </a:ext>
-          </a:extLst>
-        </p:spPr>
-      </p:pic>
-      <p:sp>
-        <p:nvSpPr>
-          <p:cNvPr id="6" name="Rechteck 5"/>
-          <p:cNvSpPr/>
-          <p:nvPr/>
-        </p:nvSpPr>
-        <p:spPr>
-          <a:xfrm>
-            <a:off x="800099" y="-4764"/>
-            <a:ext cx="3333749" cy="2395037"/>
-          </a:xfrm>
-          <a:prstGeom prst="rect">
-            <a:avLst/>
-          </a:prstGeom>
-        </p:spPr>
-        <p:style>
-          <a:lnRef idx="2">
-            <a:schemeClr val="dk1">
-              <a:shade val="50000"/>
-            </a:schemeClr>
-          </a:lnRef>
-          <a:fillRef idx="1">
-            <a:schemeClr val="dk1"/>
-          </a:fillRef>
-          <a:effectRef idx="0">
-            <a:schemeClr val="dk1"/>
-          </a:effectRef>
-          <a:fontRef idx="minor">
-            <a:schemeClr val="lt1"/>
-          </a:fontRef>
-        </p:style>
-        <p:txBody>
-          <a:bodyPr rtlCol="0" anchor="ctr"/>
-          <a:lstStyle/>
-          <a:p>
-            <a:pPr algn="ctr"/>
-            <a:endParaRPr lang="en-US" sz="3600" dirty="0">
-              <a:solidFill>
-                <a:schemeClr val="bg1"/>
-              </a:solidFill>
-            </a:endParaRPr>
-          </a:p>
-          <a:p>
-            <a:pPr algn="ctr"/>
-            <a:r>
-              <a:rPr lang="en-US" sz="3600" dirty="0" err="1">
-                <a:solidFill>
-                  <a:schemeClr val="bg1"/>
-                </a:solidFill>
-              </a:rPr>
-              <a:t>Wer</a:t>
-            </a:r>
-            <a:r>
-              <a:rPr lang="en-US" sz="3600" dirty="0">
-                <a:solidFill>
-                  <a:schemeClr val="bg1"/>
-                </a:solidFill>
-              </a:rPr>
-              <a:t>?</a:t>
-            </a:r>
-            <a:endParaRPr lang="de-DE" dirty="0"/>
-          </a:p>
-        </p:txBody>
-      </p:sp>
-      <p:sp>
-        <p:nvSpPr>
-          <p:cNvPr id="7" name="Gleichschenkliges Dreieck 6"/>
-          <p:cNvSpPr/>
-          <p:nvPr/>
-        </p:nvSpPr>
-        <p:spPr>
-          <a:xfrm rot="10800000">
-            <a:off x="800097" y="2390272"/>
-            <a:ext cx="3333750" cy="673770"/>
-          </a:xfrm>
-          <a:prstGeom prst="triangle">
-            <a:avLst/>
-          </a:prstGeom>
-        </p:spPr>
-        <p:style>
-          <a:lnRef idx="2">
-            <a:schemeClr val="dk1">
-              <a:shade val="50000"/>
-            </a:schemeClr>
-          </a:lnRef>
-          <a:fillRef idx="1">
-            <a:schemeClr val="dk1"/>
-          </a:fillRef>
-          <a:effectRef idx="0">
-            <a:schemeClr val="dk1"/>
-          </a:effectRef>
-          <a:fontRef idx="minor">
-            <a:schemeClr val="lt1"/>
-          </a:fontRef>
-        </p:style>
-        <p:txBody>
-          <a:bodyPr rtlCol="0" anchor="ctr"/>
-          <a:lstStyle/>
-          <a:p>
-            <a:pPr algn="ctr"/>
-            <a:endParaRPr lang="de-DE"/>
-          </a:p>
-        </p:txBody>
-      </p:sp>
-    </p:spTree>
-    <p:extLst>
-      <p:ext uri="{BB962C8B-B14F-4D97-AF65-F5344CB8AC3E}">
-        <p14:creationId xmlns:p14="http://schemas.microsoft.com/office/powerpoint/2010/main" val="2670840599"/>
-      </p:ext>
-    </p:extLst>
-  </p:cSld>
-  <p:clrMapOvr>
-    <a:masterClrMapping/>
-  </p:clrMapOvr>
-</p:sld>
-</file>
-
-<file path=ppt/slides/slide30.xml><?xml version="1.0" encoding="utf-8"?>
+<file path=ppt/slides/slide32.xml><?xml version="1.0" encoding="utf-8"?>
 <p:sld xmlns:a="http://schemas.openxmlformats.org/drawingml/2006/main" xmlns:r="http://schemas.openxmlformats.org/officeDocument/2006/relationships" xmlns:p="http://schemas.openxmlformats.org/presentationml/2006/main">
   <p:cSld>
     <p:spTree>
@@ -42695,6 +43606,173 @@
 </p:sld>
 </file>
 
+<file path=ppt/slides/slide33.xml><?xml version="1.0" encoding="utf-8"?>
+<p:sld xmlns:a="http://schemas.openxmlformats.org/drawingml/2006/main" xmlns:r="http://schemas.openxmlformats.org/officeDocument/2006/relationships" xmlns:p="http://schemas.openxmlformats.org/presentationml/2006/main">
+  <p:cSld>
+    <p:spTree>
+      <p:nvGrpSpPr>
+        <p:cNvPr id="1" name=""/>
+        <p:cNvGrpSpPr/>
+        <p:nvPr/>
+      </p:nvGrpSpPr>
+      <p:grpSpPr>
+        <a:xfrm>
+          <a:off x="0" y="0"/>
+          <a:ext cx="0" cy="0"/>
+          <a:chOff x="0" y="0"/>
+          <a:chExt cx="0" cy="0"/>
+        </a:xfrm>
+      </p:grpSpPr>
+      <p:pic>
+        <p:nvPicPr>
+          <p:cNvPr id="1026" name="Picture 2" descr="http://www.entrypoint.cz/files/2814/4240/8640/questions-reponses-profits.jpg"/>
+          <p:cNvPicPr>
+            <a:picLocks noChangeAspect="1" noChangeArrowheads="1"/>
+          </p:cNvPicPr>
+          <p:nvPr/>
+        </p:nvPicPr>
+        <p:blipFill>
+          <a:blip r:embed="rId2">
+            <a:extLst>
+              <a:ext uri="{28A0092B-C50C-407E-A947-70E740481C1C}">
+                <a14:useLocalDpi xmlns:a14="http://schemas.microsoft.com/office/drawing/2010/main" val="0"/>
+              </a:ext>
+            </a:extLst>
+          </a:blip>
+          <a:srcRect/>
+          <a:stretch>
+            <a:fillRect/>
+          </a:stretch>
+        </p:blipFill>
+        <p:spPr bwMode="auto">
+          <a:xfrm>
+            <a:off x="3071812" y="0"/>
+            <a:ext cx="9120187" cy="6858000"/>
+          </a:xfrm>
+          <a:prstGeom prst="rect">
+            <a:avLst/>
+          </a:prstGeom>
+          <a:noFill/>
+          <a:extLst>
+            <a:ext uri="{909E8E84-426E-40DD-AFC4-6F175D3DCCD1}">
+              <a14:hiddenFill xmlns:a14="http://schemas.microsoft.com/office/drawing/2010/main">
+                <a:solidFill>
+                  <a:srgbClr val="FFFFFF"/>
+                </a:solidFill>
+              </a14:hiddenFill>
+            </a:ext>
+          </a:extLst>
+        </p:spPr>
+      </p:pic>
+      <p:sp>
+        <p:nvSpPr>
+          <p:cNvPr id="5" name="Rechteck 4"/>
+          <p:cNvSpPr/>
+          <p:nvPr/>
+        </p:nvSpPr>
+        <p:spPr>
+          <a:xfrm>
+            <a:off x="800099" y="-4764"/>
+            <a:ext cx="3333749" cy="2395037"/>
+          </a:xfrm>
+          <a:prstGeom prst="rect">
+            <a:avLst/>
+          </a:prstGeom>
+        </p:spPr>
+        <p:style>
+          <a:lnRef idx="2">
+            <a:schemeClr val="dk1">
+              <a:shade val="50000"/>
+            </a:schemeClr>
+          </a:lnRef>
+          <a:fillRef idx="1">
+            <a:schemeClr val="dk1"/>
+          </a:fillRef>
+          <a:effectRef idx="0">
+            <a:schemeClr val="dk1"/>
+          </a:effectRef>
+          <a:fontRef idx="minor">
+            <a:schemeClr val="lt1"/>
+          </a:fontRef>
+        </p:style>
+        <p:txBody>
+          <a:bodyPr rtlCol="0" anchor="ctr"/>
+          <a:lstStyle/>
+          <a:p>
+            <a:pPr algn="ctr"/>
+            <a:endParaRPr lang="en-US" sz="3600" dirty="0">
+              <a:solidFill>
+                <a:schemeClr val="bg1"/>
+              </a:solidFill>
+            </a:endParaRPr>
+          </a:p>
+          <a:p>
+            <a:pPr algn="ctr"/>
+            <a:r>
+              <a:rPr lang="en-US" sz="3600" dirty="0" err="1">
+                <a:solidFill>
+                  <a:schemeClr val="bg1"/>
+                </a:solidFill>
+              </a:rPr>
+              <a:t>Fragen</a:t>
+            </a:r>
+            <a:endParaRPr lang="de-DE" dirty="0"/>
+          </a:p>
+        </p:txBody>
+      </p:sp>
+      <p:sp>
+        <p:nvSpPr>
+          <p:cNvPr id="6" name="Gleichschenkliges Dreieck 5"/>
+          <p:cNvSpPr/>
+          <p:nvPr/>
+        </p:nvSpPr>
+        <p:spPr>
+          <a:xfrm rot="10800000">
+            <a:off x="800097" y="2390272"/>
+            <a:ext cx="3333750" cy="673770"/>
+          </a:xfrm>
+          <a:prstGeom prst="triangle">
+            <a:avLst/>
+          </a:prstGeom>
+        </p:spPr>
+        <p:style>
+          <a:lnRef idx="2">
+            <a:schemeClr val="dk1">
+              <a:shade val="50000"/>
+            </a:schemeClr>
+          </a:lnRef>
+          <a:fillRef idx="1">
+            <a:schemeClr val="dk1"/>
+          </a:fillRef>
+          <a:effectRef idx="0">
+            <a:schemeClr val="dk1"/>
+          </a:effectRef>
+          <a:fontRef idx="minor">
+            <a:schemeClr val="lt1"/>
+          </a:fontRef>
+        </p:style>
+        <p:txBody>
+          <a:bodyPr rtlCol="0" anchor="ctr"/>
+          <a:lstStyle/>
+          <a:p>
+            <a:pPr algn="ctr"/>
+            <a:endParaRPr lang="de-DE"/>
+          </a:p>
+        </p:txBody>
+      </p:sp>
+    </p:spTree>
+    <p:extLst>
+      <p:ext uri="{BB962C8B-B14F-4D97-AF65-F5344CB8AC3E}">
+        <p14:creationId xmlns:p14="http://schemas.microsoft.com/office/powerpoint/2010/main" val="2959670296"/>
+      </p:ext>
+    </p:extLst>
+  </p:cSld>
+  <p:clrMapOvr>
+    <a:masterClrMapping/>
+  </p:clrMapOvr>
+</p:sld>
+</file>
+
 <file path=ppt/slides/slide4.xml><?xml version="1.0" encoding="utf-8"?>
 <p:sld xmlns:a="http://schemas.openxmlformats.org/drawingml/2006/main" xmlns:r="http://schemas.openxmlformats.org/officeDocument/2006/relationships" xmlns:p="http://schemas.openxmlformats.org/presentationml/2006/main">
   <p:cSld>
@@ -43094,14 +44172,19 @@
             <p:ph idx="1"/>
           </p:nvPr>
         </p:nvSpPr>
-        <p:spPr/>
+        <p:spPr>
+          <a:xfrm>
+            <a:off x="838200" y="1825625"/>
+            <a:ext cx="10515600" cy="533527"/>
+          </a:xfrm>
+        </p:spPr>
         <p:txBody>
           <a:bodyPr/>
           <a:lstStyle/>
           <a:p>
             <a:r>
               <a:rPr lang="de-DE" dirty="0"/>
-              <a:t>Einhaltung des interner Standards für Projektmanagements</a:t>
+              <a:t>Einhaltung des internen Standards für Projektmanagements</a:t>
             </a:r>
           </a:p>
         </p:txBody>
@@ -43158,8 +44241,8 @@
           </p:nvPr>
         </p:nvGraphicFramePr>
         <p:xfrm>
-          <a:off x="838200" y="1825625"/>
-          <a:ext cx="10515600" cy="4351338"/>
+          <a:off x="822960" y="2359152"/>
+          <a:ext cx="10530840" cy="1508760"/>
         </p:xfrm>
         <a:graphic>
           <a:graphicData uri="http://schemas.openxmlformats.org/drawingml/2006/diagram">
@@ -43167,10 +44250,459 @@
           </a:graphicData>
         </a:graphic>
       </p:graphicFrame>
+      <p:sp>
+        <p:nvSpPr>
+          <p:cNvPr id="7" name="Textfeld 6"/>
+          <p:cNvSpPr txBox="1"/>
+          <p:nvPr/>
+        </p:nvSpPr>
+        <p:spPr>
+          <a:xfrm>
+            <a:off x="2396715" y="3867912"/>
+            <a:ext cx="2995168" cy="2308324"/>
+          </a:xfrm>
+          <a:prstGeom prst="rect">
+            <a:avLst/>
+          </a:prstGeom>
+          <a:noFill/>
+        </p:spPr>
+        <p:txBody>
+          <a:bodyPr wrap="square" rtlCol="0">
+            <a:spAutoFit/>
+          </a:bodyPr>
+          <a:lstStyle/>
+          <a:p>
+            <a:pPr marL="285750" indent="-285750">
+              <a:buFont typeface="Arial" panose="020B0604020202020204" pitchFamily="34" charset="0"/>
+              <a:buChar char="•"/>
+            </a:pPr>
+            <a:r>
+              <a:rPr lang="de-DE" dirty="0" err="1"/>
+              <a:t>Dokumentationsrichtlinen</a:t>
+            </a:r>
+            <a:endParaRPr lang="de-DE" dirty="0"/>
+          </a:p>
+          <a:p>
+            <a:pPr marL="285750" indent="-285750">
+              <a:buFont typeface="Arial" panose="020B0604020202020204" pitchFamily="34" charset="0"/>
+              <a:buChar char="•"/>
+            </a:pPr>
+            <a:r>
+              <a:rPr lang="de-DE" dirty="0"/>
+              <a:t>Kommunikationsstrategie</a:t>
+            </a:r>
+          </a:p>
+          <a:p>
+            <a:pPr marL="285750" indent="-285750">
+              <a:buFont typeface="Arial" panose="020B0604020202020204" pitchFamily="34" charset="0"/>
+              <a:buChar char="•"/>
+            </a:pPr>
+            <a:r>
+              <a:rPr lang="de-DE" dirty="0"/>
+              <a:t>Phasenplan</a:t>
+            </a:r>
+          </a:p>
+          <a:p>
+            <a:pPr marL="285750" indent="-285750">
+              <a:buFont typeface="Arial" panose="020B0604020202020204" pitchFamily="34" charset="0"/>
+              <a:buChar char="•"/>
+            </a:pPr>
+            <a:r>
+              <a:rPr lang="de-DE" dirty="0"/>
+              <a:t>Projektauftrag</a:t>
+            </a:r>
+          </a:p>
+          <a:p>
+            <a:pPr marL="285750" indent="-285750">
+              <a:buFont typeface="Arial" panose="020B0604020202020204" pitchFamily="34" charset="0"/>
+              <a:buChar char="•"/>
+            </a:pPr>
+            <a:r>
+              <a:rPr lang="de-DE" dirty="0"/>
+              <a:t>Projektkennzahlen</a:t>
+            </a:r>
+          </a:p>
+          <a:p>
+            <a:pPr marL="285750" indent="-285750">
+              <a:buFont typeface="Arial" panose="020B0604020202020204" pitchFamily="34" charset="0"/>
+              <a:buChar char="•"/>
+            </a:pPr>
+            <a:r>
+              <a:rPr lang="de-DE" dirty="0"/>
+              <a:t>Projektkosten</a:t>
+            </a:r>
+          </a:p>
+          <a:p>
+            <a:pPr marL="285750" indent="-285750">
+              <a:buFont typeface="Arial" panose="020B0604020202020204" pitchFamily="34" charset="0"/>
+              <a:buChar char="•"/>
+            </a:pPr>
+            <a:r>
+              <a:rPr lang="de-DE" dirty="0"/>
+              <a:t>Risikovermeidung</a:t>
+            </a:r>
+          </a:p>
+          <a:p>
+            <a:pPr marL="285750" indent="-285750">
+              <a:buFont typeface="Arial" panose="020B0604020202020204" pitchFamily="34" charset="0"/>
+              <a:buChar char="•"/>
+            </a:pPr>
+            <a:r>
+              <a:rPr lang="de-DE" dirty="0"/>
+              <a:t>Zieldefinition</a:t>
+            </a:r>
+          </a:p>
+        </p:txBody>
+      </p:sp>
+      <p:sp>
+        <p:nvSpPr>
+          <p:cNvPr id="8" name="Textfeld 7"/>
+          <p:cNvSpPr txBox="1"/>
+          <p:nvPr/>
+        </p:nvSpPr>
+        <p:spPr>
+          <a:xfrm>
+            <a:off x="298675" y="3869218"/>
+            <a:ext cx="2098040" cy="2308324"/>
+          </a:xfrm>
+          <a:prstGeom prst="rect">
+            <a:avLst/>
+          </a:prstGeom>
+          <a:noFill/>
+        </p:spPr>
+        <p:txBody>
+          <a:bodyPr wrap="square" rtlCol="0">
+            <a:spAutoFit/>
+          </a:bodyPr>
+          <a:lstStyle/>
+          <a:p>
+            <a:pPr marL="285750" indent="-285750">
+              <a:buFont typeface="Arial" panose="020B0604020202020204" pitchFamily="34" charset="0"/>
+              <a:buChar char="•"/>
+            </a:pPr>
+            <a:r>
+              <a:rPr lang="de-DE" dirty="0"/>
+              <a:t>Chancen/Risiko-Analyse</a:t>
+            </a:r>
+          </a:p>
+          <a:p>
+            <a:pPr marL="285750" indent="-285750">
+              <a:buFont typeface="Arial" panose="020B0604020202020204" pitchFamily="34" charset="0"/>
+              <a:buChar char="•"/>
+            </a:pPr>
+            <a:r>
+              <a:rPr lang="de-DE" dirty="0"/>
+              <a:t>Projektsteckbrief</a:t>
+            </a:r>
+          </a:p>
+          <a:p>
+            <a:pPr marL="285750" indent="-285750">
+              <a:buFont typeface="Arial" panose="020B0604020202020204" pitchFamily="34" charset="0"/>
+              <a:buChar char="•"/>
+            </a:pPr>
+            <a:r>
+              <a:rPr lang="de-DE" dirty="0"/>
+              <a:t>Umfeldanalyse</a:t>
+            </a:r>
+          </a:p>
+          <a:p>
+            <a:pPr marL="285750" indent="-285750">
+              <a:buFont typeface="Arial" panose="020B0604020202020204" pitchFamily="34" charset="0"/>
+              <a:buChar char="•"/>
+            </a:pPr>
+            <a:r>
+              <a:rPr lang="de-DE" dirty="0"/>
+              <a:t>Unternehmens-analyse</a:t>
+            </a:r>
+          </a:p>
+          <a:p>
+            <a:pPr marL="285750" indent="-285750">
+              <a:buFont typeface="Arial" panose="020B0604020202020204" pitchFamily="34" charset="0"/>
+              <a:buChar char="•"/>
+            </a:pPr>
+            <a:r>
+              <a:rPr lang="de-DE" dirty="0"/>
+              <a:t>Stakeholder-analyse</a:t>
+            </a:r>
+          </a:p>
+        </p:txBody>
+      </p:sp>
+      <p:sp>
+        <p:nvSpPr>
+          <p:cNvPr id="9" name="Textfeld 8"/>
+          <p:cNvSpPr txBox="1"/>
+          <p:nvPr/>
+        </p:nvSpPr>
+        <p:spPr>
+          <a:xfrm>
+            <a:off x="5277355" y="3867912"/>
+            <a:ext cx="2082961" cy="923330"/>
+          </a:xfrm>
+          <a:prstGeom prst="rect">
+            <a:avLst/>
+          </a:prstGeom>
+          <a:noFill/>
+        </p:spPr>
+        <p:txBody>
+          <a:bodyPr wrap="square" rtlCol="0">
+            <a:spAutoFit/>
+          </a:bodyPr>
+          <a:lstStyle/>
+          <a:p>
+            <a:pPr marL="285750" indent="-285750">
+              <a:buFont typeface="Arial" panose="020B0604020202020204" pitchFamily="34" charset="0"/>
+              <a:buChar char="•"/>
+            </a:pPr>
+            <a:r>
+              <a:rPr lang="de-DE" dirty="0"/>
+              <a:t>Arbeitspakete</a:t>
+            </a:r>
+          </a:p>
+          <a:p>
+            <a:pPr marL="285750" indent="-285750">
+              <a:buFont typeface="Arial" panose="020B0604020202020204" pitchFamily="34" charset="0"/>
+              <a:buChar char="•"/>
+            </a:pPr>
+            <a:r>
+              <a:rPr lang="de-DE" dirty="0"/>
+              <a:t>Gantt-Diagramm</a:t>
+            </a:r>
+          </a:p>
+          <a:p>
+            <a:pPr marL="285750" indent="-285750">
+              <a:buFont typeface="Arial" panose="020B0604020202020204" pitchFamily="34" charset="0"/>
+              <a:buChar char="•"/>
+            </a:pPr>
+            <a:r>
+              <a:rPr lang="de-DE" dirty="0"/>
+              <a:t>Systemübersicht</a:t>
+            </a:r>
+          </a:p>
+        </p:txBody>
+      </p:sp>
+      <p:sp>
+        <p:nvSpPr>
+          <p:cNvPr id="10" name="Textfeld 9"/>
+          <p:cNvSpPr txBox="1"/>
+          <p:nvPr/>
+        </p:nvSpPr>
+        <p:spPr>
+          <a:xfrm>
+            <a:off x="7489923" y="3867912"/>
+            <a:ext cx="1959062" cy="923330"/>
+          </a:xfrm>
+          <a:prstGeom prst="rect">
+            <a:avLst/>
+          </a:prstGeom>
+          <a:noFill/>
+        </p:spPr>
+        <p:txBody>
+          <a:bodyPr wrap="square" rtlCol="0">
+            <a:spAutoFit/>
+          </a:bodyPr>
+          <a:lstStyle/>
+          <a:p>
+            <a:pPr marL="285750" indent="-285750">
+              <a:buFont typeface="Arial" panose="020B0604020202020204" pitchFamily="34" charset="0"/>
+              <a:buChar char="•"/>
+            </a:pPr>
+            <a:r>
+              <a:rPr lang="de-DE" dirty="0"/>
+              <a:t>Projektstatus-berichte</a:t>
+            </a:r>
+          </a:p>
+          <a:p>
+            <a:pPr marL="285750" indent="-285750">
+              <a:buFont typeface="Arial" panose="020B0604020202020204" pitchFamily="34" charset="0"/>
+              <a:buChar char="•"/>
+            </a:pPr>
+            <a:r>
+              <a:rPr lang="de-DE" dirty="0"/>
+              <a:t>Qualitätskreisel</a:t>
+            </a:r>
+          </a:p>
+        </p:txBody>
+      </p:sp>
+      <p:sp>
+        <p:nvSpPr>
+          <p:cNvPr id="11" name="Textfeld 10"/>
+          <p:cNvSpPr txBox="1"/>
+          <p:nvPr/>
+        </p:nvSpPr>
+        <p:spPr>
+          <a:xfrm>
+            <a:off x="9600020" y="3867912"/>
+            <a:ext cx="1959062" cy="1200329"/>
+          </a:xfrm>
+          <a:prstGeom prst="rect">
+            <a:avLst/>
+          </a:prstGeom>
+          <a:noFill/>
+        </p:spPr>
+        <p:txBody>
+          <a:bodyPr wrap="square" rtlCol="0">
+            <a:spAutoFit/>
+          </a:bodyPr>
+          <a:lstStyle/>
+          <a:p>
+            <a:pPr marL="285750" indent="-285750">
+              <a:buFont typeface="Arial" panose="020B0604020202020204" pitchFamily="34" charset="0"/>
+              <a:buChar char="•"/>
+            </a:pPr>
+            <a:r>
+              <a:rPr lang="de-DE" dirty="0"/>
+              <a:t>Dokumentation</a:t>
+            </a:r>
+          </a:p>
+          <a:p>
+            <a:pPr marL="285750" indent="-285750">
+              <a:buFont typeface="Arial" panose="020B0604020202020204" pitchFamily="34" charset="0"/>
+              <a:buChar char="•"/>
+            </a:pPr>
+            <a:r>
+              <a:rPr lang="de-DE" dirty="0"/>
+              <a:t>Nachkalkulation</a:t>
+            </a:r>
+          </a:p>
+          <a:p>
+            <a:pPr marL="285750" indent="-285750">
+              <a:buFont typeface="Arial" panose="020B0604020202020204" pitchFamily="34" charset="0"/>
+              <a:buChar char="•"/>
+            </a:pPr>
+            <a:r>
+              <a:rPr lang="de-DE" dirty="0"/>
+              <a:t>Erfahrungs-sicherung</a:t>
+            </a:r>
+          </a:p>
+        </p:txBody>
+      </p:sp>
+      <p:pic>
+        <p:nvPicPr>
+          <p:cNvPr id="12" name="Picture 2" descr="http://www.gradient.de/sites/default/files/ok_haken_0.png"/>
+          <p:cNvPicPr>
+            <a:picLocks noChangeAspect="1" noChangeArrowheads="1"/>
+          </p:cNvPicPr>
+          <p:nvPr/>
+        </p:nvPicPr>
+        <p:blipFill>
+          <a:blip r:embed="rId8" cstate="print">
+            <a:extLst>
+              <a:ext uri="{28A0092B-C50C-407E-A947-70E740481C1C}">
+                <a14:useLocalDpi xmlns:a14="http://schemas.microsoft.com/office/drawing/2010/main" val="0"/>
+              </a:ext>
+            </a:extLst>
+          </a:blip>
+          <a:srcRect/>
+          <a:stretch>
+            <a:fillRect/>
+          </a:stretch>
+        </p:blipFill>
+        <p:spPr bwMode="auto">
+          <a:xfrm>
+            <a:off x="1413914" y="1464347"/>
+            <a:ext cx="2233999" cy="2233999"/>
+          </a:xfrm>
+          <a:prstGeom prst="rect">
+            <a:avLst/>
+          </a:prstGeom>
+          <a:noFill/>
+          <a:extLst>
+            <a:ext uri="{909E8E84-426E-40DD-AFC4-6F175D3DCCD1}">
+              <a14:hiddenFill xmlns:a14="http://schemas.microsoft.com/office/drawing/2010/main">
+                <a:solidFill>
+                  <a:srgbClr val="FFFFFF"/>
+                </a:solidFill>
+              </a14:hiddenFill>
+            </a:ext>
+          </a:extLst>
+        </p:spPr>
+      </p:pic>
+      <p:pic>
+        <p:nvPicPr>
+          <p:cNvPr id="13" name="Picture 2" descr="http://www.gradient.de/sites/default/files/ok_haken_0.png"/>
+          <p:cNvPicPr>
+            <a:picLocks noChangeAspect="1" noChangeArrowheads="1"/>
+          </p:cNvPicPr>
+          <p:nvPr/>
+        </p:nvPicPr>
+        <p:blipFill>
+          <a:blip r:embed="rId8" cstate="print">
+            <a:extLst>
+              <a:ext uri="{28A0092B-C50C-407E-A947-70E740481C1C}">
+                <a14:useLocalDpi xmlns:a14="http://schemas.microsoft.com/office/drawing/2010/main" val="0"/>
+              </a:ext>
+            </a:extLst>
+          </a:blip>
+          <a:srcRect/>
+          <a:stretch>
+            <a:fillRect/>
+          </a:stretch>
+        </p:blipFill>
+        <p:spPr bwMode="auto">
+          <a:xfrm>
+            <a:off x="3647913" y="1465653"/>
+            <a:ext cx="2233999" cy="2233999"/>
+          </a:xfrm>
+          <a:prstGeom prst="rect">
+            <a:avLst/>
+          </a:prstGeom>
+          <a:noFill/>
+          <a:extLst>
+            <a:ext uri="{909E8E84-426E-40DD-AFC4-6F175D3DCCD1}">
+              <a14:hiddenFill xmlns:a14="http://schemas.microsoft.com/office/drawing/2010/main">
+                <a:solidFill>
+                  <a:srgbClr val="FFFFFF"/>
+                </a:solidFill>
+              </a14:hiddenFill>
+            </a:ext>
+          </a:extLst>
+        </p:spPr>
+      </p:pic>
+      <p:pic>
+        <p:nvPicPr>
+          <p:cNvPr id="14" name="Picture 2" descr="http://www.gradient.de/sites/default/files/ok_haken_0.png"/>
+          <p:cNvPicPr>
+            <a:picLocks noChangeAspect="1" noChangeArrowheads="1"/>
+          </p:cNvPicPr>
+          <p:nvPr/>
+        </p:nvPicPr>
+        <p:blipFill>
+          <a:blip r:embed="rId8" cstate="print">
+            <a:extLst>
+              <a:ext uri="{28A0092B-C50C-407E-A947-70E740481C1C}">
+                <a14:useLocalDpi xmlns:a14="http://schemas.microsoft.com/office/drawing/2010/main" val="0"/>
+              </a:ext>
+            </a:extLst>
+          </a:blip>
+          <a:srcRect/>
+          <a:stretch>
+            <a:fillRect/>
+          </a:stretch>
+        </p:blipFill>
+        <p:spPr bwMode="auto">
+          <a:xfrm>
+            <a:off x="5889532" y="1435822"/>
+            <a:ext cx="2233999" cy="2233999"/>
+          </a:xfrm>
+          <a:prstGeom prst="rect">
+            <a:avLst/>
+          </a:prstGeom>
+          <a:noFill/>
+          <a:extLst>
+            <a:ext uri="{909E8E84-426E-40DD-AFC4-6F175D3DCCD1}">
+              <a14:hiddenFill xmlns:a14="http://schemas.microsoft.com/office/drawing/2010/main">
+                <a:solidFill>
+                  <a:srgbClr val="FFFFFF"/>
+                </a:solidFill>
+              </a14:hiddenFill>
+            </a:ext>
+          </a:extLst>
+        </p:spPr>
+      </p:pic>
     </p:spTree>
     <p:extLst>
       <p:ext uri="{BB962C8B-B14F-4D97-AF65-F5344CB8AC3E}">
-        <p14:creationId xmlns:p14="http://schemas.microsoft.com/office/powerpoint/2010/main" val="3433437447"/>
+        <p14:creationId xmlns:p14="http://schemas.microsoft.com/office/powerpoint/2010/main" val="312943975"/>
       </p:ext>
     </p:extLst>
   </p:cSld>
@@ -43660,7 +45192,7 @@
             <p:ph idx="1"/>
             <p:extLst>
               <p:ext uri="{D42A27DB-BD31-4B8C-83A1-F6EECF244321}">
-                <p14:modId xmlns:p14="http://schemas.microsoft.com/office/powerpoint/2010/main" val="2352121562"/>
+                <p14:modId xmlns:p14="http://schemas.microsoft.com/office/powerpoint/2010/main" val="3201186015"/>
               </p:ext>
             </p:extLst>
           </p:nvPr>
